--- a/Statistics_ita.pptx
+++ b/Statistics_ita.pptx
@@ -5,7 +5,7 @@
     <p:sldMasterId id="2147483648" r:id="rId5"/>
   </p:sldMasterIdLst>
   <p:notesMasterIdLst>
-    <p:notesMasterId r:id="rId18"/>
+    <p:notesMasterId r:id="rId13"/>
   </p:notesMasterIdLst>
   <p:sldIdLst>
     <p:sldId id="256" r:id="rId6"/>
@@ -14,12 +14,7 @@
     <p:sldId id="341" r:id="rId9"/>
     <p:sldId id="342" r:id="rId10"/>
     <p:sldId id="345" r:id="rId11"/>
-    <p:sldId id="336" r:id="rId12"/>
-    <p:sldId id="338" r:id="rId13"/>
-    <p:sldId id="337" r:id="rId14"/>
-    <p:sldId id="339" r:id="rId15"/>
-    <p:sldId id="344" r:id="rId16"/>
-    <p:sldId id="343" r:id="rId17"/>
+    <p:sldId id="343" r:id="rId12"/>
   </p:sldIdLst>
   <p:sldSz cx="12192000" cy="6858000"/>
   <p:notesSz cx="6858000" cy="9144000"/>
@@ -277,7 +272,7 @@
               <a:pPr>
                 <a:defRPr/>
               </a:pPr>
-              <a:t>6/24/2022</a:t>
+              <a:t>6/26/2022</a:t>
             </a:fld>
             <a:endParaRPr lang="en-US"/>
           </a:p>
@@ -6791,893 +6786,6 @@
 </p:sld>
 </file>
 
-<file path=ppt/slides/slide10.xml><?xml version="1.0" encoding="utf-8"?>
-<p:sld xmlns:a="http://schemas.openxmlformats.org/drawingml/2006/main" xmlns:r="http://schemas.openxmlformats.org/officeDocument/2006/relationships" xmlns:p="http://schemas.openxmlformats.org/presentationml/2006/main">
-  <p:cSld>
-    <p:spTree>
-      <p:nvGrpSpPr>
-        <p:cNvPr id="1" name=""/>
-        <p:cNvGrpSpPr/>
-        <p:nvPr/>
-      </p:nvGrpSpPr>
-      <p:grpSpPr>
-        <a:xfrm>
-          <a:off x="0" y="0"/>
-          <a:ext cx="0" cy="0"/>
-          <a:chOff x="0" y="0"/>
-          <a:chExt cx="0" cy="0"/>
-        </a:xfrm>
-      </p:grpSpPr>
-      <p:sp>
-        <p:nvSpPr>
-          <p:cNvPr id="2" name="Segnaposto testo 1">
-            <a:extLst>
-              <a:ext uri="{FF2B5EF4-FFF2-40B4-BE49-F238E27FC236}">
-                <a16:creationId xmlns:a16="http://schemas.microsoft.com/office/drawing/2014/main" id="{E5AE986C-196F-4141-A898-FA4C4198CDCC}"/>
-              </a:ext>
-            </a:extLst>
-          </p:cNvPr>
-          <p:cNvSpPr>
-            <a:spLocks noGrp="1"/>
-          </p:cNvSpPr>
-          <p:nvPr>
-            <p:ph type="body" idx="1"/>
-          </p:nvPr>
-        </p:nvSpPr>
-        <p:spPr>
-          <a:xfrm>
-            <a:off x="326297" y="1213806"/>
-            <a:ext cx="11518700" cy="4392612"/>
-          </a:xfrm>
-        </p:spPr>
-        <p:txBody>
-          <a:bodyPr/>
-          <a:lstStyle/>
-          <a:p>
-            <a:pPr marL="342900" indent="-342900">
-              <a:buFont typeface="Wingdings" panose="05000000000000000000" pitchFamily="2" charset="2"/>
-              <a:buChar char="ü"/>
-            </a:pPr>
-            <a:r>
-              <a:rPr lang="it-IT" sz="2400" b="1" dirty="0">
-                <a:solidFill>
-                  <a:schemeClr val="tx1"/>
-                </a:solidFill>
-                <a:latin typeface="Tahoma" panose="020B0604030504040204" pitchFamily="34" charset="0"/>
-                <a:ea typeface="Tahoma" panose="020B0604030504040204" pitchFamily="34" charset="0"/>
-                <a:cs typeface="Tahoma" panose="020B0604030504040204" pitchFamily="34" charset="0"/>
-              </a:rPr>
-              <a:t>ETL</a:t>
-            </a:r>
-            <a:r>
-              <a:rPr lang="it-IT" sz="2400" dirty="0">
-                <a:solidFill>
-                  <a:schemeClr val="tx1"/>
-                </a:solidFill>
-                <a:latin typeface="Tahoma" panose="020B0604030504040204" pitchFamily="34" charset="0"/>
-                <a:ea typeface="Tahoma" panose="020B0604030504040204" pitchFamily="34" charset="0"/>
-                <a:cs typeface="Tahoma" panose="020B0604030504040204" pitchFamily="34" charset="0"/>
-              </a:rPr>
-              <a:t>, è un processo di Data Integration (Integrazione Dati) che combina i dati provenienti da diverse sorgenti di dati all’interno di una singola data store consistente che è in genere caricato in un data </a:t>
-            </a:r>
-            <a:r>
-              <a:rPr lang="it-IT" sz="2400" dirty="0" err="1">
-                <a:solidFill>
-                  <a:schemeClr val="tx1"/>
-                </a:solidFill>
-                <a:latin typeface="Tahoma" panose="020B0604030504040204" pitchFamily="34" charset="0"/>
-                <a:ea typeface="Tahoma" panose="020B0604030504040204" pitchFamily="34" charset="0"/>
-                <a:cs typeface="Tahoma" panose="020B0604030504040204" pitchFamily="34" charset="0"/>
-              </a:rPr>
-              <a:t>warehouse</a:t>
-            </a:r>
-            <a:r>
-              <a:rPr lang="it-IT" sz="2400" dirty="0">
-                <a:solidFill>
-                  <a:schemeClr val="tx1"/>
-                </a:solidFill>
-                <a:latin typeface="Tahoma" panose="020B0604030504040204" pitchFamily="34" charset="0"/>
-                <a:ea typeface="Tahoma" panose="020B0604030504040204" pitchFamily="34" charset="0"/>
-                <a:cs typeface="Tahoma" panose="020B0604030504040204" pitchFamily="34" charset="0"/>
-              </a:rPr>
-              <a:t> o un sistema Target. </a:t>
-            </a:r>
-          </a:p>
-          <a:p>
-            <a:pPr marL="342900" indent="-342900">
-              <a:buFont typeface="Wingdings" panose="05000000000000000000" pitchFamily="2" charset="2"/>
-              <a:buChar char="ü"/>
-            </a:pPr>
-            <a:r>
-              <a:rPr lang="it-IT" sz="2400" dirty="0">
-                <a:solidFill>
-                  <a:schemeClr val="tx1"/>
-                </a:solidFill>
-                <a:latin typeface="Tahoma" panose="020B0604030504040204" pitchFamily="34" charset="0"/>
-                <a:ea typeface="Tahoma" panose="020B0604030504040204" pitchFamily="34" charset="0"/>
-                <a:cs typeface="Tahoma" panose="020B0604030504040204" pitchFamily="34" charset="0"/>
-              </a:rPr>
-              <a:t>Man mano che i database sono cresciuti in popolarità intorno al 1970, </a:t>
-            </a:r>
-            <a:r>
-              <a:rPr lang="it-IT" sz="2400" b="1" dirty="0">
-                <a:solidFill>
-                  <a:schemeClr val="tx1"/>
-                </a:solidFill>
-                <a:latin typeface="Tahoma" panose="020B0604030504040204" pitchFamily="34" charset="0"/>
-                <a:ea typeface="Tahoma" panose="020B0604030504040204" pitchFamily="34" charset="0"/>
-                <a:cs typeface="Tahoma" panose="020B0604030504040204" pitchFamily="34" charset="0"/>
-              </a:rPr>
-              <a:t>l’ETL</a:t>
-            </a:r>
-            <a:r>
-              <a:rPr lang="it-IT" sz="2400" dirty="0">
-                <a:solidFill>
-                  <a:schemeClr val="tx1"/>
-                </a:solidFill>
-                <a:latin typeface="Tahoma" panose="020B0604030504040204" pitchFamily="34" charset="0"/>
-                <a:ea typeface="Tahoma" panose="020B0604030504040204" pitchFamily="34" charset="0"/>
-                <a:cs typeface="Tahoma" panose="020B0604030504040204" pitchFamily="34" charset="0"/>
-              </a:rPr>
-              <a:t> fu introdotto come processo di integrazione e caricamento dati per elaborazione ed analisi, e alla fine è divenuto il metodo primario per processare dati per i progetti di data </a:t>
-            </a:r>
-            <a:r>
-              <a:rPr lang="it-IT" sz="2400" b="1" dirty="0">
-                <a:solidFill>
-                  <a:schemeClr val="tx1"/>
-                </a:solidFill>
-                <a:latin typeface="Tahoma" panose="020B0604030504040204" pitchFamily="34" charset="0"/>
-                <a:ea typeface="Tahoma" panose="020B0604030504040204" pitchFamily="34" charset="0"/>
-                <a:cs typeface="Tahoma" panose="020B0604030504040204" pitchFamily="34" charset="0"/>
-              </a:rPr>
-              <a:t>warehousing</a:t>
-            </a:r>
-            <a:r>
-              <a:rPr lang="it-IT" sz="2400" dirty="0">
-                <a:solidFill>
-                  <a:schemeClr val="tx1"/>
-                </a:solidFill>
-                <a:latin typeface="Tahoma" panose="020B0604030504040204" pitchFamily="34" charset="0"/>
-                <a:ea typeface="Tahoma" panose="020B0604030504040204" pitchFamily="34" charset="0"/>
-                <a:cs typeface="Tahoma" panose="020B0604030504040204" pitchFamily="34" charset="0"/>
-              </a:rPr>
-              <a:t>.</a:t>
-            </a:r>
-          </a:p>
-          <a:p>
-            <a:pPr marL="342900" indent="-342900">
-              <a:buFont typeface="Wingdings" panose="05000000000000000000" pitchFamily="2" charset="2"/>
-              <a:buChar char="ü"/>
-            </a:pPr>
-            <a:r>
-              <a:rPr lang="it-IT" sz="2400" dirty="0">
-                <a:solidFill>
-                  <a:schemeClr val="tx1"/>
-                </a:solidFill>
-                <a:latin typeface="Tahoma" panose="020B0604030504040204" pitchFamily="34" charset="0"/>
-                <a:ea typeface="Tahoma" panose="020B0604030504040204" pitchFamily="34" charset="0"/>
-                <a:cs typeface="Tahoma" panose="020B0604030504040204" pitchFamily="34" charset="0"/>
-              </a:rPr>
-              <a:t>Un Enterprise Data </a:t>
-            </a:r>
-            <a:r>
-              <a:rPr lang="it-IT" sz="2400" dirty="0" err="1">
-                <a:solidFill>
-                  <a:schemeClr val="tx1"/>
-                </a:solidFill>
-                <a:latin typeface="Tahoma" panose="020B0604030504040204" pitchFamily="34" charset="0"/>
-                <a:ea typeface="Tahoma" panose="020B0604030504040204" pitchFamily="34" charset="0"/>
-                <a:cs typeface="Tahoma" panose="020B0604030504040204" pitchFamily="34" charset="0"/>
-              </a:rPr>
-              <a:t>Warehouse</a:t>
-            </a:r>
-            <a:r>
-              <a:rPr lang="it-IT" sz="2400" dirty="0">
-                <a:solidFill>
-                  <a:schemeClr val="tx1"/>
-                </a:solidFill>
-                <a:latin typeface="Tahoma" panose="020B0604030504040204" pitchFamily="34" charset="0"/>
-                <a:ea typeface="Tahoma" panose="020B0604030504040204" pitchFamily="34" charset="0"/>
-                <a:cs typeface="Tahoma" panose="020B0604030504040204" pitchFamily="34" charset="0"/>
-              </a:rPr>
-              <a:t> (EDW) è un sistema che aggrega dati provenienti da differenti sorgenti in un singolo data store che supporti processi come: data </a:t>
-            </a:r>
-            <a:r>
-              <a:rPr lang="it-IT" sz="2400" dirty="0" err="1">
-                <a:solidFill>
-                  <a:schemeClr val="tx1"/>
-                </a:solidFill>
-                <a:latin typeface="Tahoma" panose="020B0604030504040204" pitchFamily="34" charset="0"/>
-                <a:ea typeface="Tahoma" panose="020B0604030504040204" pitchFamily="34" charset="0"/>
-                <a:cs typeface="Tahoma" panose="020B0604030504040204" pitchFamily="34" charset="0"/>
-              </a:rPr>
-              <a:t>analysis</a:t>
-            </a:r>
-            <a:r>
-              <a:rPr lang="it-IT" sz="2400" dirty="0">
-                <a:solidFill>
-                  <a:schemeClr val="tx1"/>
-                </a:solidFill>
-                <a:latin typeface="Tahoma" panose="020B0604030504040204" pitchFamily="34" charset="0"/>
-                <a:ea typeface="Tahoma" panose="020B0604030504040204" pitchFamily="34" charset="0"/>
-                <a:cs typeface="Tahoma" panose="020B0604030504040204" pitchFamily="34" charset="0"/>
-              </a:rPr>
-              <a:t>, data mining or </a:t>
-            </a:r>
-            <a:r>
-              <a:rPr lang="it-IT" sz="2400" dirty="0" err="1">
-                <a:solidFill>
-                  <a:schemeClr val="tx1"/>
-                </a:solidFill>
-                <a:latin typeface="Tahoma" panose="020B0604030504040204" pitchFamily="34" charset="0"/>
-                <a:ea typeface="Tahoma" panose="020B0604030504040204" pitchFamily="34" charset="0"/>
-                <a:cs typeface="Tahoma" panose="020B0604030504040204" pitchFamily="34" charset="0"/>
-              </a:rPr>
-              <a:t>Artificial</a:t>
-            </a:r>
-            <a:r>
-              <a:rPr lang="it-IT" sz="2400" dirty="0">
-                <a:solidFill>
-                  <a:schemeClr val="tx1"/>
-                </a:solidFill>
-                <a:latin typeface="Tahoma" panose="020B0604030504040204" pitchFamily="34" charset="0"/>
-                <a:ea typeface="Tahoma" panose="020B0604030504040204" pitchFamily="34" charset="0"/>
-                <a:cs typeface="Tahoma" panose="020B0604030504040204" pitchFamily="34" charset="0"/>
-              </a:rPr>
-              <a:t> Intelligence (AI, ML) </a:t>
-            </a:r>
-          </a:p>
-          <a:p>
-            <a:pPr marL="457200" indent="-457200">
-              <a:buFontTx/>
-              <a:buAutoNum type="arabicParenR"/>
-            </a:pPr>
-            <a:endParaRPr lang="it-IT" sz="2400" dirty="0">
-              <a:solidFill>
-                <a:schemeClr val="tx1"/>
-              </a:solidFill>
-              <a:latin typeface="Tahoma" panose="020B0604030504040204" pitchFamily="34" charset="0"/>
-              <a:ea typeface="Tahoma" panose="020B0604030504040204" pitchFamily="34" charset="0"/>
-              <a:cs typeface="Tahoma" panose="020B0604030504040204" pitchFamily="34" charset="0"/>
-            </a:endParaRPr>
-          </a:p>
-        </p:txBody>
-      </p:sp>
-      <p:sp>
-        <p:nvSpPr>
-          <p:cNvPr id="7" name="Segnaposto numero diapositiva 6">
-            <a:extLst>
-              <a:ext uri="{FF2B5EF4-FFF2-40B4-BE49-F238E27FC236}">
-                <a16:creationId xmlns:a16="http://schemas.microsoft.com/office/drawing/2014/main" id="{AB740BE9-E218-4144-BFDE-AE473D230A3D}"/>
-              </a:ext>
-            </a:extLst>
-          </p:cNvPr>
-          <p:cNvSpPr>
-            <a:spLocks noGrp="1"/>
-          </p:cNvSpPr>
-          <p:nvPr>
-            <p:ph type="sldNum" sz="quarter" idx="12"/>
-          </p:nvPr>
-        </p:nvSpPr>
-        <p:spPr/>
-        <p:txBody>
-          <a:bodyPr/>
-          <a:lstStyle/>
-          <a:p>
-            <a:pPr>
-              <a:defRPr/>
-            </a:pPr>
-            <a:fld id="{48B4153A-D4C5-4CEF-8992-0D8815C829E3}" type="slidenum">
-              <a:rPr lang="en-US" smtClean="0"/>
-              <a:pPr>
-                <a:defRPr/>
-              </a:pPr>
-              <a:t>10</a:t>
-            </a:fld>
-            <a:endParaRPr lang="en-US" dirty="0"/>
-          </a:p>
-        </p:txBody>
-      </p:sp>
-      <p:sp>
-        <p:nvSpPr>
-          <p:cNvPr id="5" name="Titolo 4">
-            <a:extLst>
-              <a:ext uri="{FF2B5EF4-FFF2-40B4-BE49-F238E27FC236}">
-                <a16:creationId xmlns:a16="http://schemas.microsoft.com/office/drawing/2014/main" id="{82C46BA2-B380-4357-B125-BA9F08A643F5}"/>
-              </a:ext>
-            </a:extLst>
-          </p:cNvPr>
-          <p:cNvSpPr>
-            <a:spLocks noGrp="1"/>
-          </p:cNvSpPr>
-          <p:nvPr>
-            <p:ph type="title"/>
-          </p:nvPr>
-        </p:nvSpPr>
-        <p:spPr>
-          <a:xfrm>
-            <a:off x="468895" y="503475"/>
-            <a:ext cx="11269308" cy="384721"/>
-          </a:xfrm>
-        </p:spPr>
-        <p:txBody>
-          <a:bodyPr/>
-          <a:lstStyle/>
-          <a:p>
-            <a:r>
-              <a:rPr lang="it-IT" altLang="it-IT" dirty="0"/>
-              <a:t>ETL – </a:t>
-            </a:r>
-            <a:r>
-              <a:rPr lang="it-IT" altLang="it-IT" dirty="0" err="1"/>
-              <a:t>Extract</a:t>
-            </a:r>
-            <a:r>
-              <a:rPr lang="it-IT" altLang="it-IT" dirty="0"/>
-              <a:t>, </a:t>
-            </a:r>
-            <a:r>
-              <a:rPr lang="it-IT" altLang="it-IT" dirty="0" err="1"/>
-              <a:t>Transform</a:t>
-            </a:r>
-            <a:r>
-              <a:rPr lang="it-IT" altLang="it-IT" dirty="0"/>
-              <a:t> and Load</a:t>
-            </a:r>
-            <a:endParaRPr lang="it-IT" dirty="0"/>
-          </a:p>
-        </p:txBody>
-      </p:sp>
-      <p:pic>
-        <p:nvPicPr>
-          <p:cNvPr id="4" name="Immagine 3">
-            <a:extLst>
-              <a:ext uri="{FF2B5EF4-FFF2-40B4-BE49-F238E27FC236}">
-                <a16:creationId xmlns:a16="http://schemas.microsoft.com/office/drawing/2014/main" id="{F086394A-6065-C8CF-4979-81B8F4EA4859}"/>
-              </a:ext>
-            </a:extLst>
-          </p:cNvPr>
-          <p:cNvPicPr>
-            <a:picLocks noChangeAspect="1"/>
-          </p:cNvPicPr>
-          <p:nvPr/>
-        </p:nvPicPr>
-        <p:blipFill>
-          <a:blip r:embed="rId2"/>
-          <a:stretch>
-            <a:fillRect/>
-          </a:stretch>
-        </p:blipFill>
-        <p:spPr>
-          <a:xfrm>
-            <a:off x="8088923" y="4951829"/>
-            <a:ext cx="3776780" cy="1742110"/>
-          </a:xfrm>
-          <a:prstGeom prst="rect">
-            <a:avLst/>
-          </a:prstGeom>
-        </p:spPr>
-      </p:pic>
-    </p:spTree>
-    <p:extLst>
-      <p:ext uri="{BB962C8B-B14F-4D97-AF65-F5344CB8AC3E}">
-        <p14:creationId xmlns:p14="http://schemas.microsoft.com/office/powerpoint/2010/main" val="1627696033"/>
-      </p:ext>
-    </p:extLst>
-  </p:cSld>
-  <p:clrMapOvr>
-    <a:masterClrMapping/>
-  </p:clrMapOvr>
-</p:sld>
-</file>
-
-<file path=ppt/slides/slide11.xml><?xml version="1.0" encoding="utf-8"?>
-<p:sld xmlns:a="http://schemas.openxmlformats.org/drawingml/2006/main" xmlns:r="http://schemas.openxmlformats.org/officeDocument/2006/relationships" xmlns:p="http://schemas.openxmlformats.org/presentationml/2006/main">
-  <p:cSld>
-    <p:spTree>
-      <p:nvGrpSpPr>
-        <p:cNvPr id="1" name=""/>
-        <p:cNvGrpSpPr/>
-        <p:nvPr/>
-      </p:nvGrpSpPr>
-      <p:grpSpPr>
-        <a:xfrm>
-          <a:off x="0" y="0"/>
-          <a:ext cx="0" cy="0"/>
-          <a:chOff x="0" y="0"/>
-          <a:chExt cx="0" cy="0"/>
-        </a:xfrm>
-      </p:grpSpPr>
-      <p:sp>
-        <p:nvSpPr>
-          <p:cNvPr id="2" name="Segnaposto testo 1">
-            <a:extLst>
-              <a:ext uri="{FF2B5EF4-FFF2-40B4-BE49-F238E27FC236}">
-                <a16:creationId xmlns:a16="http://schemas.microsoft.com/office/drawing/2014/main" id="{E5AE986C-196F-4141-A898-FA4C4198CDCC}"/>
-              </a:ext>
-            </a:extLst>
-          </p:cNvPr>
-          <p:cNvSpPr>
-            <a:spLocks noGrp="1"/>
-          </p:cNvSpPr>
-          <p:nvPr>
-            <p:ph type="body" idx="1"/>
-          </p:nvPr>
-        </p:nvSpPr>
-        <p:spPr>
-          <a:xfrm>
-            <a:off x="326297" y="1213806"/>
-            <a:ext cx="11518700" cy="4392612"/>
-          </a:xfrm>
-        </p:spPr>
-        <p:txBody>
-          <a:bodyPr/>
-          <a:lstStyle/>
-          <a:p>
-            <a:pPr marL="342900" indent="-342900">
-              <a:buFont typeface="Wingdings" panose="05000000000000000000" pitchFamily="2" charset="2"/>
-              <a:buChar char="ü"/>
-            </a:pPr>
-            <a:r>
-              <a:rPr lang="it-IT" sz="2400" b="1" dirty="0">
-                <a:solidFill>
-                  <a:schemeClr val="tx1"/>
-                </a:solidFill>
-                <a:latin typeface="Tahoma" panose="020B0604030504040204" pitchFamily="34" charset="0"/>
-                <a:ea typeface="Tahoma" panose="020B0604030504040204" pitchFamily="34" charset="0"/>
-                <a:cs typeface="Tahoma" panose="020B0604030504040204" pitchFamily="34" charset="0"/>
-              </a:rPr>
-              <a:t>La </a:t>
-            </a:r>
-            <a:r>
-              <a:rPr lang="it-IT" sz="2400" b="1" dirty="0" err="1">
-                <a:solidFill>
-                  <a:schemeClr val="tx1"/>
-                </a:solidFill>
-                <a:latin typeface="Tahoma" panose="020B0604030504040204" pitchFamily="34" charset="0"/>
-                <a:ea typeface="Tahoma" panose="020B0604030504040204" pitchFamily="34" charset="0"/>
-                <a:cs typeface="Tahoma" panose="020B0604030504040204" pitchFamily="34" charset="0"/>
-              </a:rPr>
-              <a:t>stETL</a:t>
-            </a:r>
-            <a:r>
-              <a:rPr lang="it-IT" sz="2400" dirty="0">
-                <a:solidFill>
-                  <a:schemeClr val="tx1"/>
-                </a:solidFill>
-                <a:latin typeface="Tahoma" panose="020B0604030504040204" pitchFamily="34" charset="0"/>
-                <a:ea typeface="Tahoma" panose="020B0604030504040204" pitchFamily="34" charset="0"/>
-                <a:cs typeface="Tahoma" panose="020B0604030504040204" pitchFamily="34" charset="0"/>
-              </a:rPr>
-              <a:t>, è un processo di Data Integration (Integrazione Dati) che combina i dati provenienti da diverse sorgenti di dati all’interno di una singola data store consistente che è in genere caricato in un data </a:t>
-            </a:r>
-            <a:r>
-              <a:rPr lang="it-IT" sz="2400" dirty="0" err="1">
-                <a:solidFill>
-                  <a:schemeClr val="tx1"/>
-                </a:solidFill>
-                <a:latin typeface="Tahoma" panose="020B0604030504040204" pitchFamily="34" charset="0"/>
-                <a:ea typeface="Tahoma" panose="020B0604030504040204" pitchFamily="34" charset="0"/>
-                <a:cs typeface="Tahoma" panose="020B0604030504040204" pitchFamily="34" charset="0"/>
-              </a:rPr>
-              <a:t>warehouse</a:t>
-            </a:r>
-            <a:r>
-              <a:rPr lang="it-IT" sz="2400" dirty="0">
-                <a:solidFill>
-                  <a:schemeClr val="tx1"/>
-                </a:solidFill>
-                <a:latin typeface="Tahoma" panose="020B0604030504040204" pitchFamily="34" charset="0"/>
-                <a:ea typeface="Tahoma" panose="020B0604030504040204" pitchFamily="34" charset="0"/>
-                <a:cs typeface="Tahoma" panose="020B0604030504040204" pitchFamily="34" charset="0"/>
-              </a:rPr>
-              <a:t> o un sistema Target. </a:t>
-            </a:r>
-          </a:p>
-          <a:p>
-            <a:pPr marL="342900" indent="-342900">
-              <a:buFont typeface="Wingdings" panose="05000000000000000000" pitchFamily="2" charset="2"/>
-              <a:buChar char="ü"/>
-            </a:pPr>
-            <a:r>
-              <a:rPr lang="it-IT" sz="2400" dirty="0">
-                <a:solidFill>
-                  <a:schemeClr val="tx1"/>
-                </a:solidFill>
-                <a:latin typeface="Tahoma" panose="020B0604030504040204" pitchFamily="34" charset="0"/>
-                <a:ea typeface="Tahoma" panose="020B0604030504040204" pitchFamily="34" charset="0"/>
-                <a:cs typeface="Tahoma" panose="020B0604030504040204" pitchFamily="34" charset="0"/>
-              </a:rPr>
-              <a:t>Man mano che i database sono cresciuti in popolarità intorno al 1970, </a:t>
-            </a:r>
-            <a:r>
-              <a:rPr lang="it-IT" sz="2400" b="1" dirty="0">
-                <a:solidFill>
-                  <a:schemeClr val="tx1"/>
-                </a:solidFill>
-                <a:latin typeface="Tahoma" panose="020B0604030504040204" pitchFamily="34" charset="0"/>
-                <a:ea typeface="Tahoma" panose="020B0604030504040204" pitchFamily="34" charset="0"/>
-                <a:cs typeface="Tahoma" panose="020B0604030504040204" pitchFamily="34" charset="0"/>
-              </a:rPr>
-              <a:t>l’ETL</a:t>
-            </a:r>
-            <a:r>
-              <a:rPr lang="it-IT" sz="2400" dirty="0">
-                <a:solidFill>
-                  <a:schemeClr val="tx1"/>
-                </a:solidFill>
-                <a:latin typeface="Tahoma" panose="020B0604030504040204" pitchFamily="34" charset="0"/>
-                <a:ea typeface="Tahoma" panose="020B0604030504040204" pitchFamily="34" charset="0"/>
-                <a:cs typeface="Tahoma" panose="020B0604030504040204" pitchFamily="34" charset="0"/>
-              </a:rPr>
-              <a:t> fu introdotto come processo di integrazione e caricamento dati per elaborazione ed analisi, e alla fine è divenuto il metodo primario per processare dati per i progetti di data </a:t>
-            </a:r>
-            <a:r>
-              <a:rPr lang="it-IT" sz="2400" b="1" dirty="0">
-                <a:solidFill>
-                  <a:schemeClr val="tx1"/>
-                </a:solidFill>
-                <a:latin typeface="Tahoma" panose="020B0604030504040204" pitchFamily="34" charset="0"/>
-                <a:ea typeface="Tahoma" panose="020B0604030504040204" pitchFamily="34" charset="0"/>
-                <a:cs typeface="Tahoma" panose="020B0604030504040204" pitchFamily="34" charset="0"/>
-              </a:rPr>
-              <a:t>warehousing</a:t>
-            </a:r>
-            <a:r>
-              <a:rPr lang="it-IT" sz="2400" dirty="0">
-                <a:solidFill>
-                  <a:schemeClr val="tx1"/>
-                </a:solidFill>
-                <a:latin typeface="Tahoma" panose="020B0604030504040204" pitchFamily="34" charset="0"/>
-                <a:ea typeface="Tahoma" panose="020B0604030504040204" pitchFamily="34" charset="0"/>
-                <a:cs typeface="Tahoma" panose="020B0604030504040204" pitchFamily="34" charset="0"/>
-              </a:rPr>
-              <a:t>.</a:t>
-            </a:r>
-          </a:p>
-          <a:p>
-            <a:pPr marL="342900" indent="-342900">
-              <a:buFont typeface="Wingdings" panose="05000000000000000000" pitchFamily="2" charset="2"/>
-              <a:buChar char="ü"/>
-            </a:pPr>
-            <a:r>
-              <a:rPr lang="it-IT" sz="2400" dirty="0">
-                <a:solidFill>
-                  <a:schemeClr val="tx1"/>
-                </a:solidFill>
-                <a:latin typeface="Tahoma" panose="020B0604030504040204" pitchFamily="34" charset="0"/>
-                <a:ea typeface="Tahoma" panose="020B0604030504040204" pitchFamily="34" charset="0"/>
-                <a:cs typeface="Tahoma" panose="020B0604030504040204" pitchFamily="34" charset="0"/>
-              </a:rPr>
-              <a:t>Un Enterprise Data </a:t>
-            </a:r>
-            <a:r>
-              <a:rPr lang="it-IT" sz="2400" dirty="0" err="1">
-                <a:solidFill>
-                  <a:schemeClr val="tx1"/>
-                </a:solidFill>
-                <a:latin typeface="Tahoma" panose="020B0604030504040204" pitchFamily="34" charset="0"/>
-                <a:ea typeface="Tahoma" panose="020B0604030504040204" pitchFamily="34" charset="0"/>
-                <a:cs typeface="Tahoma" panose="020B0604030504040204" pitchFamily="34" charset="0"/>
-              </a:rPr>
-              <a:t>Warehouse</a:t>
-            </a:r>
-            <a:r>
-              <a:rPr lang="it-IT" sz="2400" dirty="0">
-                <a:solidFill>
-                  <a:schemeClr val="tx1"/>
-                </a:solidFill>
-                <a:latin typeface="Tahoma" panose="020B0604030504040204" pitchFamily="34" charset="0"/>
-                <a:ea typeface="Tahoma" panose="020B0604030504040204" pitchFamily="34" charset="0"/>
-                <a:cs typeface="Tahoma" panose="020B0604030504040204" pitchFamily="34" charset="0"/>
-              </a:rPr>
-              <a:t> (EDW) è un sistema che aggrega dati provenienti da differenti sorgenti in un singolo data store che supporti processi come: data </a:t>
-            </a:r>
-            <a:r>
-              <a:rPr lang="it-IT" sz="2400" dirty="0" err="1">
-                <a:solidFill>
-                  <a:schemeClr val="tx1"/>
-                </a:solidFill>
-                <a:latin typeface="Tahoma" panose="020B0604030504040204" pitchFamily="34" charset="0"/>
-                <a:ea typeface="Tahoma" panose="020B0604030504040204" pitchFamily="34" charset="0"/>
-                <a:cs typeface="Tahoma" panose="020B0604030504040204" pitchFamily="34" charset="0"/>
-              </a:rPr>
-              <a:t>analysis</a:t>
-            </a:r>
-            <a:r>
-              <a:rPr lang="it-IT" sz="2400" dirty="0">
-                <a:solidFill>
-                  <a:schemeClr val="tx1"/>
-                </a:solidFill>
-                <a:latin typeface="Tahoma" panose="020B0604030504040204" pitchFamily="34" charset="0"/>
-                <a:ea typeface="Tahoma" panose="020B0604030504040204" pitchFamily="34" charset="0"/>
-                <a:cs typeface="Tahoma" panose="020B0604030504040204" pitchFamily="34" charset="0"/>
-              </a:rPr>
-              <a:t>, data mining or </a:t>
-            </a:r>
-            <a:r>
-              <a:rPr lang="it-IT" sz="2400" dirty="0" err="1">
-                <a:solidFill>
-                  <a:schemeClr val="tx1"/>
-                </a:solidFill>
-                <a:latin typeface="Tahoma" panose="020B0604030504040204" pitchFamily="34" charset="0"/>
-                <a:ea typeface="Tahoma" panose="020B0604030504040204" pitchFamily="34" charset="0"/>
-                <a:cs typeface="Tahoma" panose="020B0604030504040204" pitchFamily="34" charset="0"/>
-              </a:rPr>
-              <a:t>Artificial</a:t>
-            </a:r>
-            <a:r>
-              <a:rPr lang="it-IT" sz="2400" dirty="0">
-                <a:solidFill>
-                  <a:schemeClr val="tx1"/>
-                </a:solidFill>
-                <a:latin typeface="Tahoma" panose="020B0604030504040204" pitchFamily="34" charset="0"/>
-                <a:ea typeface="Tahoma" panose="020B0604030504040204" pitchFamily="34" charset="0"/>
-                <a:cs typeface="Tahoma" panose="020B0604030504040204" pitchFamily="34" charset="0"/>
-              </a:rPr>
-              <a:t> Intelligence (AI, ML) </a:t>
-            </a:r>
-          </a:p>
-          <a:p>
-            <a:pPr marL="457200" indent="-457200">
-              <a:buFontTx/>
-              <a:buAutoNum type="arabicParenR"/>
-            </a:pPr>
-            <a:endParaRPr lang="it-IT" sz="2400" dirty="0">
-              <a:solidFill>
-                <a:schemeClr val="tx1"/>
-              </a:solidFill>
-              <a:latin typeface="Tahoma" panose="020B0604030504040204" pitchFamily="34" charset="0"/>
-              <a:ea typeface="Tahoma" panose="020B0604030504040204" pitchFamily="34" charset="0"/>
-              <a:cs typeface="Tahoma" panose="020B0604030504040204" pitchFamily="34" charset="0"/>
-            </a:endParaRPr>
-          </a:p>
-        </p:txBody>
-      </p:sp>
-      <p:sp>
-        <p:nvSpPr>
-          <p:cNvPr id="7" name="Segnaposto numero diapositiva 6">
-            <a:extLst>
-              <a:ext uri="{FF2B5EF4-FFF2-40B4-BE49-F238E27FC236}">
-                <a16:creationId xmlns:a16="http://schemas.microsoft.com/office/drawing/2014/main" id="{AB740BE9-E218-4144-BFDE-AE473D230A3D}"/>
-              </a:ext>
-            </a:extLst>
-          </p:cNvPr>
-          <p:cNvSpPr>
-            <a:spLocks noGrp="1"/>
-          </p:cNvSpPr>
-          <p:nvPr>
-            <p:ph type="sldNum" sz="quarter" idx="12"/>
-          </p:nvPr>
-        </p:nvSpPr>
-        <p:spPr/>
-        <p:txBody>
-          <a:bodyPr/>
-          <a:lstStyle/>
-          <a:p>
-            <a:pPr>
-              <a:defRPr/>
-            </a:pPr>
-            <a:fld id="{48B4153A-D4C5-4CEF-8992-0D8815C829E3}" type="slidenum">
-              <a:rPr lang="en-US" smtClean="0"/>
-              <a:pPr>
-                <a:defRPr/>
-              </a:pPr>
-              <a:t>11</a:t>
-            </a:fld>
-            <a:endParaRPr lang="en-US" dirty="0"/>
-          </a:p>
-        </p:txBody>
-      </p:sp>
-      <p:sp>
-        <p:nvSpPr>
-          <p:cNvPr id="5" name="Titolo 4">
-            <a:extLst>
-              <a:ext uri="{FF2B5EF4-FFF2-40B4-BE49-F238E27FC236}">
-                <a16:creationId xmlns:a16="http://schemas.microsoft.com/office/drawing/2014/main" id="{82C46BA2-B380-4357-B125-BA9F08A643F5}"/>
-              </a:ext>
-            </a:extLst>
-          </p:cNvPr>
-          <p:cNvSpPr>
-            <a:spLocks noGrp="1"/>
-          </p:cNvSpPr>
-          <p:nvPr>
-            <p:ph type="title"/>
-          </p:nvPr>
-        </p:nvSpPr>
-        <p:spPr>
-          <a:xfrm>
-            <a:off x="468895" y="503475"/>
-            <a:ext cx="11269308" cy="384721"/>
-          </a:xfrm>
-        </p:spPr>
-        <p:txBody>
-          <a:bodyPr/>
-          <a:lstStyle/>
-          <a:p>
-            <a:r>
-              <a:rPr lang="it-IT" dirty="0"/>
-              <a:t>Statistica </a:t>
-            </a:r>
-          </a:p>
-        </p:txBody>
-      </p:sp>
-      <p:pic>
-        <p:nvPicPr>
-          <p:cNvPr id="4" name="Immagine 3">
-            <a:extLst>
-              <a:ext uri="{FF2B5EF4-FFF2-40B4-BE49-F238E27FC236}">
-                <a16:creationId xmlns:a16="http://schemas.microsoft.com/office/drawing/2014/main" id="{F086394A-6065-C8CF-4979-81B8F4EA4859}"/>
-              </a:ext>
-            </a:extLst>
-          </p:cNvPr>
-          <p:cNvPicPr>
-            <a:picLocks noChangeAspect="1"/>
-          </p:cNvPicPr>
-          <p:nvPr/>
-        </p:nvPicPr>
-        <p:blipFill>
-          <a:blip r:embed="rId2"/>
-          <a:stretch>
-            <a:fillRect/>
-          </a:stretch>
-        </p:blipFill>
-        <p:spPr>
-          <a:xfrm>
-            <a:off x="8088923" y="4951829"/>
-            <a:ext cx="3776780" cy="1742110"/>
-          </a:xfrm>
-          <a:prstGeom prst="rect">
-            <a:avLst/>
-          </a:prstGeom>
-        </p:spPr>
-      </p:pic>
-    </p:spTree>
-    <p:extLst>
-      <p:ext uri="{BB962C8B-B14F-4D97-AF65-F5344CB8AC3E}">
-        <p14:creationId xmlns:p14="http://schemas.microsoft.com/office/powerpoint/2010/main" val="395650612"/>
-      </p:ext>
-    </p:extLst>
-  </p:cSld>
-  <p:clrMapOvr>
-    <a:masterClrMapping/>
-  </p:clrMapOvr>
-</p:sld>
-</file>
-
-<file path=ppt/slides/slide12.xml><?xml version="1.0" encoding="utf-8"?>
-<p:sld xmlns:a="http://schemas.openxmlformats.org/drawingml/2006/main" xmlns:r="http://schemas.openxmlformats.org/officeDocument/2006/relationships" xmlns:p="http://schemas.openxmlformats.org/presentationml/2006/main">
-  <p:cSld>
-    <p:spTree>
-      <p:nvGrpSpPr>
-        <p:cNvPr id="1" name=""/>
-        <p:cNvGrpSpPr/>
-        <p:nvPr/>
-      </p:nvGrpSpPr>
-      <p:grpSpPr>
-        <a:xfrm>
-          <a:off x="0" y="0"/>
-          <a:ext cx="0" cy="0"/>
-          <a:chOff x="0" y="0"/>
-          <a:chExt cx="0" cy="0"/>
-        </a:xfrm>
-      </p:grpSpPr>
-      <p:sp>
-        <p:nvSpPr>
-          <p:cNvPr id="7" name="Segnaposto numero diapositiva 6">
-            <a:extLst>
-              <a:ext uri="{FF2B5EF4-FFF2-40B4-BE49-F238E27FC236}">
-                <a16:creationId xmlns:a16="http://schemas.microsoft.com/office/drawing/2014/main" id="{AB740BE9-E218-4144-BFDE-AE473D230A3D}"/>
-              </a:ext>
-            </a:extLst>
-          </p:cNvPr>
-          <p:cNvSpPr>
-            <a:spLocks noGrp="1"/>
-          </p:cNvSpPr>
-          <p:nvPr>
-            <p:ph type="sldNum" sz="quarter" idx="12"/>
-          </p:nvPr>
-        </p:nvSpPr>
-        <p:spPr/>
-        <p:txBody>
-          <a:bodyPr/>
-          <a:lstStyle/>
-          <a:p>
-            <a:pPr>
-              <a:defRPr/>
-            </a:pPr>
-            <a:fld id="{48B4153A-D4C5-4CEF-8992-0D8815C829E3}" type="slidenum">
-              <a:rPr lang="en-US" smtClean="0"/>
-              <a:pPr>
-                <a:defRPr/>
-              </a:pPr>
-              <a:t>12</a:t>
-            </a:fld>
-            <a:endParaRPr lang="en-US" dirty="0"/>
-          </a:p>
-        </p:txBody>
-      </p:sp>
-      <p:sp>
-        <p:nvSpPr>
-          <p:cNvPr id="5" name="Titolo 4">
-            <a:extLst>
-              <a:ext uri="{FF2B5EF4-FFF2-40B4-BE49-F238E27FC236}">
-                <a16:creationId xmlns:a16="http://schemas.microsoft.com/office/drawing/2014/main" id="{82C46BA2-B380-4357-B125-BA9F08A643F5}"/>
-              </a:ext>
-            </a:extLst>
-          </p:cNvPr>
-          <p:cNvSpPr>
-            <a:spLocks noGrp="1"/>
-          </p:cNvSpPr>
-          <p:nvPr>
-            <p:ph type="title"/>
-          </p:nvPr>
-        </p:nvSpPr>
-        <p:spPr>
-          <a:xfrm>
-            <a:off x="468895" y="503475"/>
-            <a:ext cx="11269308" cy="384721"/>
-          </a:xfrm>
-        </p:spPr>
-        <p:txBody>
-          <a:bodyPr/>
-          <a:lstStyle/>
-          <a:p>
-            <a:r>
-              <a:rPr lang="it-IT" altLang="it-IT" dirty="0" err="1"/>
-              <a:t>References</a:t>
-            </a:r>
-            <a:endParaRPr lang="it-IT" dirty="0"/>
-          </a:p>
-        </p:txBody>
-      </p:sp>
-      <p:sp>
-        <p:nvSpPr>
-          <p:cNvPr id="3" name="Segnaposto testo 2">
-            <a:extLst>
-              <a:ext uri="{FF2B5EF4-FFF2-40B4-BE49-F238E27FC236}">
-                <a16:creationId xmlns:a16="http://schemas.microsoft.com/office/drawing/2014/main" id="{15CD42DB-61E6-AA3D-7125-BF4BEDB5D886}"/>
-              </a:ext>
-            </a:extLst>
-          </p:cNvPr>
-          <p:cNvSpPr>
-            <a:spLocks noGrp="1"/>
-          </p:cNvSpPr>
-          <p:nvPr>
-            <p:ph type="body" idx="1"/>
-          </p:nvPr>
-        </p:nvSpPr>
-        <p:spPr/>
-        <p:txBody>
-          <a:bodyPr/>
-          <a:lstStyle/>
-          <a:p>
-            <a:r>
-              <a:rPr lang="it-IT" dirty="0">
-                <a:hlinkClick r:id="rId2"/>
-              </a:rPr>
-              <a:t>https://www.stitchdata.com/resources/data-transformation</a:t>
-            </a:r>
-            <a:endParaRPr lang="it-IT" dirty="0"/>
-          </a:p>
-          <a:p>
-            <a:endParaRPr lang="it-IT" dirty="0"/>
-          </a:p>
-        </p:txBody>
-      </p:sp>
-    </p:spTree>
-    <p:extLst>
-      <p:ext uri="{BB962C8B-B14F-4D97-AF65-F5344CB8AC3E}">
-        <p14:creationId xmlns:p14="http://schemas.microsoft.com/office/powerpoint/2010/main" val="3490964097"/>
-      </p:ext>
-    </p:extLst>
-  </p:cSld>
-  <p:clrMapOvr>
-    <a:masterClrMapping/>
-  </p:clrMapOvr>
-</p:sld>
-</file>
-
 <file path=ppt/slides/slide2.xml><?xml version="1.0" encoding="utf-8"?>
 <p:sld xmlns:a="http://schemas.openxmlformats.org/drawingml/2006/main" xmlns:r="http://schemas.openxmlformats.org/officeDocument/2006/relationships" xmlns:p="http://schemas.openxmlformats.org/presentationml/2006/main">
   <p:cSld>
@@ -9277,259 +8385,6 @@
       </p:grpSpPr>
       <p:sp>
         <p:nvSpPr>
-          <p:cNvPr id="2" name="Segnaposto testo 1">
-            <a:extLst>
-              <a:ext uri="{FF2B5EF4-FFF2-40B4-BE49-F238E27FC236}">
-                <a16:creationId xmlns:a16="http://schemas.microsoft.com/office/drawing/2014/main" id="{E5AE986C-196F-4141-A898-FA4C4198CDCC}"/>
-              </a:ext>
-            </a:extLst>
-          </p:cNvPr>
-          <p:cNvSpPr>
-            <a:spLocks noGrp="1"/>
-          </p:cNvSpPr>
-          <p:nvPr>
-            <p:ph type="body" idx="1"/>
-          </p:nvPr>
-        </p:nvSpPr>
-        <p:spPr>
-          <a:xfrm>
-            <a:off x="326297" y="1213805"/>
-            <a:ext cx="7706355" cy="4833033"/>
-          </a:xfrm>
-        </p:spPr>
-        <p:txBody>
-          <a:bodyPr/>
-          <a:lstStyle/>
-          <a:p>
-            <a:pPr marL="342900" indent="-342900">
-              <a:buFont typeface="Wingdings" panose="05000000000000000000" pitchFamily="2" charset="2"/>
-              <a:buChar char="ü"/>
-            </a:pPr>
-            <a:r>
-              <a:rPr lang="it-IT" sz="2400" b="1" dirty="0">
-                <a:solidFill>
-                  <a:schemeClr val="tx1"/>
-                </a:solidFill>
-                <a:latin typeface="Tahoma" panose="020B0604030504040204" pitchFamily="34" charset="0"/>
-                <a:ea typeface="Tahoma" panose="020B0604030504040204" pitchFamily="34" charset="0"/>
-                <a:cs typeface="Tahoma" panose="020B0604030504040204" pitchFamily="34" charset="0"/>
-              </a:rPr>
-              <a:t>ETL </a:t>
-            </a:r>
-            <a:r>
-              <a:rPr lang="it-IT" sz="2400" dirty="0">
-                <a:solidFill>
-                  <a:schemeClr val="tx1"/>
-                </a:solidFill>
-                <a:latin typeface="Tahoma" panose="020B0604030504040204" pitchFamily="34" charset="0"/>
-                <a:ea typeface="Tahoma" panose="020B0604030504040204" pitchFamily="34" charset="0"/>
-                <a:cs typeface="Tahoma" panose="020B0604030504040204" pitchFamily="34" charset="0"/>
-              </a:rPr>
-              <a:t>fornisce le fondamenta per la data </a:t>
-            </a:r>
-            <a:r>
-              <a:rPr lang="it-IT" sz="2400" dirty="0" err="1">
-                <a:solidFill>
-                  <a:schemeClr val="tx1"/>
-                </a:solidFill>
-                <a:latin typeface="Tahoma" panose="020B0604030504040204" pitchFamily="34" charset="0"/>
-                <a:ea typeface="Tahoma" panose="020B0604030504040204" pitchFamily="34" charset="0"/>
-                <a:cs typeface="Tahoma" panose="020B0604030504040204" pitchFamily="34" charset="0"/>
-              </a:rPr>
-              <a:t>analytics</a:t>
-            </a:r>
-            <a:r>
-              <a:rPr lang="it-IT" sz="2400" dirty="0">
-                <a:solidFill>
-                  <a:schemeClr val="tx1"/>
-                </a:solidFill>
-                <a:latin typeface="Tahoma" panose="020B0604030504040204" pitchFamily="34" charset="0"/>
-                <a:ea typeface="Tahoma" panose="020B0604030504040204" pitchFamily="34" charset="0"/>
-                <a:cs typeface="Tahoma" panose="020B0604030504040204" pitchFamily="34" charset="0"/>
-              </a:rPr>
-              <a:t> e i </a:t>
-            </a:r>
-            <a:r>
-              <a:rPr lang="it-IT" sz="2400" dirty="0" err="1">
-                <a:solidFill>
-                  <a:schemeClr val="tx1"/>
-                </a:solidFill>
-                <a:latin typeface="Tahoma" panose="020B0604030504040204" pitchFamily="34" charset="0"/>
-                <a:ea typeface="Tahoma" panose="020B0604030504040204" pitchFamily="34" charset="0"/>
-                <a:cs typeface="Tahoma" panose="020B0604030504040204" pitchFamily="34" charset="0"/>
-              </a:rPr>
-              <a:t>workstream</a:t>
-            </a:r>
-            <a:r>
-              <a:rPr lang="it-IT" sz="2400" dirty="0">
-                <a:solidFill>
-                  <a:schemeClr val="tx1"/>
-                </a:solidFill>
-                <a:latin typeface="Tahoma" panose="020B0604030504040204" pitchFamily="34" charset="0"/>
-                <a:ea typeface="Tahoma" panose="020B0604030504040204" pitchFamily="34" charset="0"/>
-                <a:cs typeface="Tahoma" panose="020B0604030504040204" pitchFamily="34" charset="0"/>
-              </a:rPr>
-              <a:t> di machine learning. Attraverso una serie di regole, l’ETL purifica e organizza i dati in un modo che incontra specifici bisogni di business intelligence, come report mensili ma </a:t>
-            </a:r>
-            <a:r>
-              <a:rPr lang="it-IT" sz="2400" dirty="0" err="1">
-                <a:solidFill>
-                  <a:schemeClr val="tx1"/>
-                </a:solidFill>
-                <a:latin typeface="Tahoma" panose="020B0604030504040204" pitchFamily="34" charset="0"/>
-                <a:ea typeface="Tahoma" panose="020B0604030504040204" pitchFamily="34" charset="0"/>
-                <a:cs typeface="Tahoma" panose="020B0604030504040204" pitchFamily="34" charset="0"/>
-              </a:rPr>
-              <a:t>piuò</a:t>
-            </a:r>
-            <a:r>
-              <a:rPr lang="it-IT" sz="2400" dirty="0">
-                <a:solidFill>
-                  <a:schemeClr val="tx1"/>
-                </a:solidFill>
-                <a:latin typeface="Tahoma" panose="020B0604030504040204" pitchFamily="34" charset="0"/>
-                <a:ea typeface="Tahoma" panose="020B0604030504040204" pitchFamily="34" charset="0"/>
-                <a:cs typeface="Tahoma" panose="020B0604030504040204" pitchFamily="34" charset="0"/>
-              </a:rPr>
-              <a:t> anche migliorare i processi di back-end o l’esperienza dell’utente finale. </a:t>
-            </a:r>
-          </a:p>
-          <a:p>
-            <a:pPr marL="342900" indent="-342900">
-              <a:buFont typeface="Wingdings" panose="05000000000000000000" pitchFamily="2" charset="2"/>
-              <a:buChar char="ü"/>
-            </a:pPr>
-            <a:r>
-              <a:rPr lang="it-IT" sz="2400" dirty="0">
-                <a:solidFill>
-                  <a:schemeClr val="tx1"/>
-                </a:solidFill>
-                <a:latin typeface="Tahoma" panose="020B0604030504040204" pitchFamily="34" charset="0"/>
-                <a:ea typeface="Tahoma" panose="020B0604030504040204" pitchFamily="34" charset="0"/>
-                <a:cs typeface="Tahoma" panose="020B0604030504040204" pitchFamily="34" charset="0"/>
-              </a:rPr>
-              <a:t>In genere </a:t>
-            </a:r>
-            <a:r>
-              <a:rPr lang="it-IT" sz="2400" b="1" dirty="0">
-                <a:solidFill>
-                  <a:schemeClr val="tx1"/>
-                </a:solidFill>
-                <a:latin typeface="Tahoma" panose="020B0604030504040204" pitchFamily="34" charset="0"/>
-                <a:ea typeface="Tahoma" panose="020B0604030504040204" pitchFamily="34" charset="0"/>
-                <a:cs typeface="Tahoma" panose="020B0604030504040204" pitchFamily="34" charset="0"/>
-              </a:rPr>
-              <a:t>l’ETL</a:t>
-            </a:r>
-            <a:r>
-              <a:rPr lang="it-IT" sz="2400" dirty="0">
-                <a:solidFill>
-                  <a:schemeClr val="tx1"/>
-                </a:solidFill>
-                <a:latin typeface="Tahoma" panose="020B0604030504040204" pitchFamily="34" charset="0"/>
-                <a:ea typeface="Tahoma" panose="020B0604030504040204" pitchFamily="34" charset="0"/>
-                <a:cs typeface="Tahoma" panose="020B0604030504040204" pitchFamily="34" charset="0"/>
-              </a:rPr>
-              <a:t> è utilizzato dalle organizzazioni per: </a:t>
-            </a:r>
-          </a:p>
-          <a:p>
-            <a:pPr marL="971550" lvl="1" indent="-514350">
-              <a:buAutoNum type="arabicParenR"/>
-            </a:pPr>
-            <a:r>
-              <a:rPr lang="it-IT" sz="2600" b="0" dirty="0">
-                <a:solidFill>
-                  <a:schemeClr val="tx1"/>
-                </a:solidFill>
-                <a:latin typeface="Tahoma" panose="020B0604030504040204" pitchFamily="34" charset="0"/>
-                <a:ea typeface="Tahoma" panose="020B0604030504040204" pitchFamily="34" charset="0"/>
-                <a:cs typeface="Tahoma" panose="020B0604030504040204" pitchFamily="34" charset="0"/>
-              </a:rPr>
-              <a:t>Estrarre dati da sistemi legacy</a:t>
-            </a:r>
-          </a:p>
-          <a:p>
-            <a:pPr marL="971550" lvl="1" indent="-514350">
-              <a:buAutoNum type="arabicParenR"/>
-            </a:pPr>
-            <a:r>
-              <a:rPr lang="it-IT" sz="2600" b="0" dirty="0">
-                <a:solidFill>
-                  <a:schemeClr val="tx1"/>
-                </a:solidFill>
-                <a:latin typeface="Tahoma" panose="020B0604030504040204" pitchFamily="34" charset="0"/>
-                <a:ea typeface="Tahoma" panose="020B0604030504040204" pitchFamily="34" charset="0"/>
-                <a:cs typeface="Tahoma" panose="020B0604030504040204" pitchFamily="34" charset="0"/>
-              </a:rPr>
-              <a:t>Ripulire i dati per </a:t>
-            </a:r>
-            <a:r>
-              <a:rPr lang="it-IT" sz="2600" b="0" dirty="0" err="1">
-                <a:solidFill>
-                  <a:schemeClr val="tx1"/>
-                </a:solidFill>
-                <a:latin typeface="Tahoma" panose="020B0604030504040204" pitchFamily="34" charset="0"/>
-                <a:ea typeface="Tahoma" panose="020B0604030504040204" pitchFamily="34" charset="0"/>
-                <a:cs typeface="Tahoma" panose="020B0604030504040204" pitchFamily="34" charset="0"/>
-              </a:rPr>
-              <a:t>miglirarne</a:t>
-            </a:r>
-            <a:r>
-              <a:rPr lang="it-IT" sz="2600" b="0" dirty="0">
-                <a:solidFill>
-                  <a:schemeClr val="tx1"/>
-                </a:solidFill>
-                <a:latin typeface="Tahoma" panose="020B0604030504040204" pitchFamily="34" charset="0"/>
-                <a:ea typeface="Tahoma" panose="020B0604030504040204" pitchFamily="34" charset="0"/>
-                <a:cs typeface="Tahoma" panose="020B0604030504040204" pitchFamily="34" charset="0"/>
-              </a:rPr>
-              <a:t> la qualità e </a:t>
-            </a:r>
-          </a:p>
-          <a:p>
-            <a:pPr lvl="1"/>
-            <a:r>
-              <a:rPr lang="it-IT" sz="2600" b="0" dirty="0">
-                <a:solidFill>
-                  <a:schemeClr val="tx1"/>
-                </a:solidFill>
-                <a:latin typeface="Tahoma" panose="020B0604030504040204" pitchFamily="34" charset="0"/>
-                <a:ea typeface="Tahoma" panose="020B0604030504040204" pitchFamily="34" charset="0"/>
-                <a:cs typeface="Tahoma" panose="020B0604030504040204" pitchFamily="34" charset="0"/>
-              </a:rPr>
-              <a:t>	renderli consistenti</a:t>
-            </a:r>
-          </a:p>
-          <a:p>
-            <a:pPr lvl="1"/>
-            <a:r>
-              <a:rPr lang="it-IT" sz="2600" b="0" dirty="0">
-                <a:solidFill>
-                  <a:srgbClr val="FF0000"/>
-                </a:solidFill>
-                <a:latin typeface="Tahoma" panose="020B0604030504040204" pitchFamily="34" charset="0"/>
-                <a:ea typeface="Tahoma" panose="020B0604030504040204" pitchFamily="34" charset="0"/>
-                <a:cs typeface="Tahoma" panose="020B0604030504040204" pitchFamily="34" charset="0"/>
-              </a:rPr>
-              <a:t>3) </a:t>
-            </a:r>
-            <a:r>
-              <a:rPr lang="it-IT" sz="2600" b="0" dirty="0">
-                <a:solidFill>
-                  <a:schemeClr val="tx1"/>
-                </a:solidFill>
-                <a:latin typeface="Tahoma" panose="020B0604030504040204" pitchFamily="34" charset="0"/>
-                <a:ea typeface="Tahoma" panose="020B0604030504040204" pitchFamily="34" charset="0"/>
-                <a:cs typeface="Tahoma" panose="020B0604030504040204" pitchFamily="34" charset="0"/>
-              </a:rPr>
-              <a:t>Caricare i dati all’interno di un database target</a:t>
-            </a:r>
-          </a:p>
-        </p:txBody>
-      </p:sp>
-      <p:sp>
-        <p:nvSpPr>
           <p:cNvPr id="7" name="Segnaposto numero diapositiva 6">
             <a:extLst>
               <a:ext uri="{FF2B5EF4-FFF2-40B4-BE49-F238E27FC236}">
@@ -9590,95 +8445,19 @@
           <a:lstStyle/>
           <a:p>
             <a:r>
-              <a:rPr lang="it-IT" altLang="it-IT" dirty="0"/>
-              <a:t>ETL – </a:t>
-            </a:r>
-            <a:r>
-              <a:rPr lang="it-IT" altLang="it-IT" dirty="0" err="1"/>
-              <a:t>Extract</a:t>
-            </a:r>
-            <a:r>
-              <a:rPr lang="it-IT" altLang="it-IT" dirty="0"/>
-              <a:t>, </a:t>
-            </a:r>
-            <a:r>
-              <a:rPr lang="it-IT" altLang="it-IT" dirty="0" err="1"/>
-              <a:t>Transform</a:t>
-            </a:r>
-            <a:r>
-              <a:rPr lang="it-IT" altLang="it-IT" dirty="0"/>
-              <a:t> and Load</a:t>
+              <a:rPr lang="it-IT"/>
+              <a:t>Bibliografia</a:t>
             </a:r>
             <a:endParaRPr lang="it-IT" dirty="0"/>
           </a:p>
         </p:txBody>
       </p:sp>
-      <p:pic>
-        <p:nvPicPr>
-          <p:cNvPr id="6" name="Immagine 5" descr="Immagine che contiene testo&#10;&#10;Descrizione generata automaticamente">
-            <a:extLst>
-              <a:ext uri="{FF2B5EF4-FFF2-40B4-BE49-F238E27FC236}">
-                <a16:creationId xmlns:a16="http://schemas.microsoft.com/office/drawing/2014/main" id="{39F9FEBF-2449-D3F8-4D77-33C401C96EC9}"/>
-              </a:ext>
-            </a:extLst>
-          </p:cNvPr>
-          <p:cNvPicPr>
-            <a:picLocks noChangeAspect="1"/>
-          </p:cNvPicPr>
-          <p:nvPr/>
-        </p:nvPicPr>
-        <p:blipFill>
-          <a:blip r:embed="rId2"/>
-          <a:stretch>
-            <a:fillRect/>
-          </a:stretch>
-        </p:blipFill>
-        <p:spPr>
-          <a:xfrm>
-            <a:off x="8091882" y="2857797"/>
-            <a:ext cx="3773821" cy="2600468"/>
-          </a:xfrm>
-          <a:prstGeom prst="rect">
-            <a:avLst/>
-          </a:prstGeom>
-        </p:spPr>
-      </p:pic>
-    </p:spTree>
-    <p:extLst>
-      <p:ext uri="{BB962C8B-B14F-4D97-AF65-F5344CB8AC3E}">
-        <p14:creationId xmlns:p14="http://schemas.microsoft.com/office/powerpoint/2010/main" val="2736730313"/>
-      </p:ext>
-    </p:extLst>
-  </p:cSld>
-  <p:clrMapOvr>
-    <a:masterClrMapping/>
-  </p:clrMapOvr>
-</p:sld>
-</file>
-
-<file path=ppt/slides/slide8.xml><?xml version="1.0" encoding="utf-8"?>
-<p:sld xmlns:a="http://schemas.openxmlformats.org/drawingml/2006/main" xmlns:r="http://schemas.openxmlformats.org/officeDocument/2006/relationships" xmlns:p="http://schemas.openxmlformats.org/presentationml/2006/main">
-  <p:cSld>
-    <p:spTree>
-      <p:nvGrpSpPr>
-        <p:cNvPr id="1" name=""/>
-        <p:cNvGrpSpPr/>
-        <p:nvPr/>
-      </p:nvGrpSpPr>
-      <p:grpSpPr>
-        <a:xfrm>
-          <a:off x="0" y="0"/>
-          <a:ext cx="0" cy="0"/>
-          <a:chOff x="0" y="0"/>
-          <a:chExt cx="0" cy="0"/>
-        </a:xfrm>
-      </p:grpSpPr>
-      <p:sp>
-        <p:nvSpPr>
-          <p:cNvPr id="2" name="Segnaposto testo 1">
-            <a:extLst>
-              <a:ext uri="{FF2B5EF4-FFF2-40B4-BE49-F238E27FC236}">
-                <a16:creationId xmlns:a16="http://schemas.microsoft.com/office/drawing/2014/main" id="{E5AE986C-196F-4141-A898-FA4C4198CDCC}"/>
+      <p:sp>
+        <p:nvSpPr>
+          <p:cNvPr id="3" name="Segnaposto testo 2">
+            <a:extLst>
+              <a:ext uri="{FF2B5EF4-FFF2-40B4-BE49-F238E27FC236}">
+                <a16:creationId xmlns:a16="http://schemas.microsoft.com/office/drawing/2014/main" id="{15CD42DB-61E6-AA3D-7125-BF4BEDB5D886}"/>
               </a:ext>
             </a:extLst>
           </p:cNvPr>
@@ -9689,490 +8468,11 @@
             <p:ph type="body" idx="1"/>
           </p:nvPr>
         </p:nvSpPr>
-        <p:spPr>
-          <a:xfrm>
-            <a:off x="336650" y="1115332"/>
-            <a:ext cx="11518700" cy="4392612"/>
-          </a:xfrm>
-        </p:spPr>
-        <p:txBody>
-          <a:bodyPr/>
-          <a:lstStyle/>
-          <a:p>
-            <a:pPr marL="342900" indent="-342900">
-              <a:buFont typeface="Wingdings" panose="05000000000000000000" pitchFamily="2" charset="2"/>
-              <a:buChar char="ü"/>
-            </a:pPr>
-            <a:r>
-              <a:rPr lang="it-IT" sz="2400" dirty="0">
-                <a:solidFill>
-                  <a:schemeClr val="tx1"/>
-                </a:solidFill>
-                <a:latin typeface="Tahoma" panose="020B0604030504040204" pitchFamily="34" charset="0"/>
-                <a:ea typeface="Tahoma" panose="020B0604030504040204" pitchFamily="34" charset="0"/>
-                <a:cs typeface="Tahoma" panose="020B0604030504040204" pitchFamily="34" charset="0"/>
-              </a:rPr>
-              <a:t>La più semplice differenza tra </a:t>
-            </a:r>
-            <a:r>
-              <a:rPr lang="it-IT" sz="2400" b="1" dirty="0">
-                <a:solidFill>
-                  <a:schemeClr val="tx1"/>
-                </a:solidFill>
-                <a:latin typeface="Tahoma" panose="020B0604030504040204" pitchFamily="34" charset="0"/>
-                <a:ea typeface="Tahoma" panose="020B0604030504040204" pitchFamily="34" charset="0"/>
-                <a:cs typeface="Tahoma" panose="020B0604030504040204" pitchFamily="34" charset="0"/>
-              </a:rPr>
-              <a:t>ETL </a:t>
-            </a:r>
-            <a:r>
-              <a:rPr lang="it-IT" sz="2400" dirty="0">
-                <a:solidFill>
-                  <a:schemeClr val="tx1"/>
-                </a:solidFill>
-                <a:latin typeface="Tahoma" panose="020B0604030504040204" pitchFamily="34" charset="0"/>
-                <a:ea typeface="Tahoma" panose="020B0604030504040204" pitchFamily="34" charset="0"/>
-                <a:cs typeface="Tahoma" panose="020B0604030504040204" pitchFamily="34" charset="0"/>
-              </a:rPr>
-              <a:t>e </a:t>
-            </a:r>
-            <a:r>
-              <a:rPr lang="it-IT" sz="2400" b="1" dirty="0">
-                <a:solidFill>
-                  <a:schemeClr val="tx1"/>
-                </a:solidFill>
-                <a:latin typeface="Tahoma" panose="020B0604030504040204" pitchFamily="34" charset="0"/>
-                <a:ea typeface="Tahoma" panose="020B0604030504040204" pitchFamily="34" charset="0"/>
-                <a:cs typeface="Tahoma" panose="020B0604030504040204" pitchFamily="34" charset="0"/>
-              </a:rPr>
-              <a:t>ELT </a:t>
-            </a:r>
-            <a:r>
-              <a:rPr lang="it-IT" sz="2400" dirty="0">
-                <a:solidFill>
-                  <a:schemeClr val="tx1"/>
-                </a:solidFill>
-                <a:latin typeface="Tahoma" panose="020B0604030504040204" pitchFamily="34" charset="0"/>
-                <a:ea typeface="Tahoma" panose="020B0604030504040204" pitchFamily="34" charset="0"/>
-                <a:cs typeface="Tahoma" panose="020B0604030504040204" pitchFamily="34" charset="0"/>
-              </a:rPr>
-              <a:t>è in termini di operazioni. </a:t>
-            </a:r>
-            <a:r>
-              <a:rPr lang="it-IT" sz="2400" b="1" dirty="0">
-                <a:solidFill>
-                  <a:schemeClr val="tx1"/>
-                </a:solidFill>
-                <a:latin typeface="Tahoma" panose="020B0604030504040204" pitchFamily="34" charset="0"/>
-                <a:ea typeface="Tahoma" panose="020B0604030504040204" pitchFamily="34" charset="0"/>
-                <a:cs typeface="Tahoma" panose="020B0604030504040204" pitchFamily="34" charset="0"/>
-              </a:rPr>
-              <a:t>ELT </a:t>
-            </a:r>
-            <a:r>
-              <a:rPr lang="it-IT" sz="2400" dirty="0">
-                <a:solidFill>
-                  <a:schemeClr val="tx1"/>
-                </a:solidFill>
-                <a:latin typeface="Tahoma" panose="020B0604030504040204" pitchFamily="34" charset="0"/>
-                <a:ea typeface="Tahoma" panose="020B0604030504040204" pitchFamily="34" charset="0"/>
-                <a:cs typeface="Tahoma" panose="020B0604030504040204" pitchFamily="34" charset="0"/>
-              </a:rPr>
-              <a:t>copia ed esporta i dati dalle sorgenti, ma invece di caricarli in su un’area per la trasformazione successiva, </a:t>
-            </a:r>
-            <a:r>
-              <a:rPr lang="it-IT" sz="2400" b="1" dirty="0">
-                <a:solidFill>
-                  <a:schemeClr val="tx1"/>
-                </a:solidFill>
-                <a:latin typeface="Tahoma" panose="020B0604030504040204" pitchFamily="34" charset="0"/>
-                <a:ea typeface="Tahoma" panose="020B0604030504040204" pitchFamily="34" charset="0"/>
-                <a:cs typeface="Tahoma" panose="020B0604030504040204" pitchFamily="34" charset="0"/>
-              </a:rPr>
-              <a:t>l’ELT</a:t>
-            </a:r>
-            <a:r>
-              <a:rPr lang="it-IT" sz="2400" dirty="0">
-                <a:solidFill>
-                  <a:schemeClr val="tx1"/>
-                </a:solidFill>
-                <a:latin typeface="Tahoma" panose="020B0604030504040204" pitchFamily="34" charset="0"/>
-                <a:ea typeface="Tahoma" panose="020B0604030504040204" pitchFamily="34" charset="0"/>
-                <a:cs typeface="Tahoma" panose="020B0604030504040204" pitchFamily="34" charset="0"/>
-              </a:rPr>
-              <a:t> carica i dati grezzi direttamente sullo store di target dei dati per poter essere trasformati alla bisogna.</a:t>
-            </a:r>
-          </a:p>
-          <a:p>
-            <a:pPr marL="342900" indent="-342900">
-              <a:buFont typeface="Wingdings" panose="05000000000000000000" pitchFamily="2" charset="2"/>
-              <a:buChar char="ü"/>
-            </a:pPr>
-            <a:r>
-              <a:rPr lang="it-IT" sz="2400" b="0" i="0" dirty="0">
-                <a:solidFill>
-                  <a:schemeClr val="tx1"/>
-                </a:solidFill>
-                <a:effectLst/>
-                <a:latin typeface="Tahoma" panose="020B0604030504040204" pitchFamily="34" charset="0"/>
-                <a:ea typeface="Tahoma" panose="020B0604030504040204" pitchFamily="34" charset="0"/>
-                <a:cs typeface="Tahoma" panose="020B0604030504040204" pitchFamily="34" charset="0"/>
-              </a:rPr>
-              <a:t>Mentre entrambi </a:t>
-            </a:r>
-            <a:r>
-              <a:rPr lang="it-IT" sz="2400" b="1" i="0" dirty="0">
-                <a:solidFill>
-                  <a:schemeClr val="tx1"/>
-                </a:solidFill>
-                <a:effectLst/>
-                <a:latin typeface="Tahoma" panose="020B0604030504040204" pitchFamily="34" charset="0"/>
-                <a:ea typeface="Tahoma" panose="020B0604030504040204" pitchFamily="34" charset="0"/>
-                <a:cs typeface="Tahoma" panose="020B0604030504040204" pitchFamily="34" charset="0"/>
-              </a:rPr>
-              <a:t>ETL</a:t>
-            </a:r>
-            <a:r>
-              <a:rPr lang="it-IT" sz="2400" b="0" i="0" dirty="0">
-                <a:solidFill>
-                  <a:schemeClr val="tx1"/>
-                </a:solidFill>
-                <a:effectLst/>
-                <a:latin typeface="Tahoma" panose="020B0604030504040204" pitchFamily="34" charset="0"/>
-                <a:ea typeface="Tahoma" panose="020B0604030504040204" pitchFamily="34" charset="0"/>
-                <a:cs typeface="Tahoma" panose="020B0604030504040204" pitchFamily="34" charset="0"/>
-              </a:rPr>
-              <a:t> e </a:t>
-            </a:r>
-            <a:r>
-              <a:rPr lang="it-IT" sz="2400" b="1" i="0" dirty="0">
-                <a:solidFill>
-                  <a:schemeClr val="tx1"/>
-                </a:solidFill>
-                <a:effectLst/>
-                <a:latin typeface="Tahoma" panose="020B0604030504040204" pitchFamily="34" charset="0"/>
-                <a:ea typeface="Tahoma" panose="020B0604030504040204" pitchFamily="34" charset="0"/>
-                <a:cs typeface="Tahoma" panose="020B0604030504040204" pitchFamily="34" charset="0"/>
-              </a:rPr>
-              <a:t>ELT </a:t>
-            </a:r>
-            <a:r>
-              <a:rPr lang="it-IT" sz="2400" i="0" dirty="0">
-                <a:solidFill>
-                  <a:schemeClr val="tx1"/>
-                </a:solidFill>
-                <a:effectLst/>
-                <a:latin typeface="Tahoma" panose="020B0604030504040204" pitchFamily="34" charset="0"/>
-                <a:ea typeface="Tahoma" panose="020B0604030504040204" pitchFamily="34" charset="0"/>
-                <a:cs typeface="Tahoma" panose="020B0604030504040204" pitchFamily="34" charset="0"/>
-              </a:rPr>
-              <a:t>fanno le</a:t>
-            </a:r>
-            <a:r>
-              <a:rPr lang="it-IT" sz="2400" dirty="0">
-                <a:solidFill>
-                  <a:schemeClr val="tx1"/>
-                </a:solidFill>
-                <a:latin typeface="Tahoma" panose="020B0604030504040204" pitchFamily="34" charset="0"/>
-                <a:ea typeface="Tahoma" panose="020B0604030504040204" pitchFamily="34" charset="0"/>
-                <a:cs typeface="Tahoma" panose="020B0604030504040204" pitchFamily="34" charset="0"/>
-              </a:rPr>
-              <a:t>va su una varietà di repository di dati, quali database, data </a:t>
-            </a:r>
-            <a:r>
-              <a:rPr lang="it-IT" sz="2400" dirty="0" err="1">
-                <a:solidFill>
-                  <a:schemeClr val="tx1"/>
-                </a:solidFill>
-                <a:latin typeface="Tahoma" panose="020B0604030504040204" pitchFamily="34" charset="0"/>
-                <a:ea typeface="Tahoma" panose="020B0604030504040204" pitchFamily="34" charset="0"/>
-                <a:cs typeface="Tahoma" panose="020B0604030504040204" pitchFamily="34" charset="0"/>
-              </a:rPr>
-              <a:t>warehouse</a:t>
-            </a:r>
-            <a:r>
-              <a:rPr lang="it-IT" sz="2400" dirty="0">
-                <a:solidFill>
-                  <a:schemeClr val="tx1"/>
-                </a:solidFill>
-                <a:latin typeface="Tahoma" panose="020B0604030504040204" pitchFamily="34" charset="0"/>
-                <a:ea typeface="Tahoma" panose="020B0604030504040204" pitchFamily="34" charset="0"/>
-                <a:cs typeface="Tahoma" panose="020B0604030504040204" pitchFamily="34" charset="0"/>
-              </a:rPr>
-              <a:t> e data </a:t>
-            </a:r>
-            <a:r>
-              <a:rPr lang="it-IT" sz="2400" dirty="0" err="1">
-                <a:solidFill>
-                  <a:schemeClr val="tx1"/>
-                </a:solidFill>
-                <a:latin typeface="Tahoma" panose="020B0604030504040204" pitchFamily="34" charset="0"/>
-                <a:ea typeface="Tahoma" panose="020B0604030504040204" pitchFamily="34" charset="0"/>
-                <a:cs typeface="Tahoma" panose="020B0604030504040204" pitchFamily="34" charset="0"/>
-              </a:rPr>
-              <a:t>lake</a:t>
-            </a:r>
-            <a:r>
-              <a:rPr lang="it-IT" sz="2400" dirty="0">
-                <a:solidFill>
-                  <a:schemeClr val="tx1"/>
-                </a:solidFill>
-                <a:latin typeface="Tahoma" panose="020B0604030504040204" pitchFamily="34" charset="0"/>
-                <a:ea typeface="Tahoma" panose="020B0604030504040204" pitchFamily="34" charset="0"/>
-                <a:cs typeface="Tahoma" panose="020B0604030504040204" pitchFamily="34" charset="0"/>
-              </a:rPr>
-              <a:t>, ciascuno dei due processi possiede i suoi vantaggi e svantaggi. </a:t>
-            </a:r>
-          </a:p>
-          <a:p>
-            <a:pPr marL="1828800" lvl="3" indent="-457200">
-              <a:buFont typeface="+mj-lt"/>
-              <a:buAutoNum type="arabicPeriod"/>
-            </a:pPr>
-            <a:r>
-              <a:rPr lang="it-IT" sz="2200" b="1" i="0" dirty="0">
-                <a:solidFill>
-                  <a:schemeClr val="tx1"/>
-                </a:solidFill>
-                <a:effectLst/>
-                <a:latin typeface="Tahoma" panose="020B0604030504040204" pitchFamily="34" charset="0"/>
-                <a:ea typeface="Tahoma" panose="020B0604030504040204" pitchFamily="34" charset="0"/>
-                <a:cs typeface="Tahoma" panose="020B0604030504040204" pitchFamily="34" charset="0"/>
-              </a:rPr>
-              <a:t>ETL </a:t>
-            </a:r>
-            <a:r>
-              <a:rPr lang="it-IT" sz="2200" b="0" i="0" dirty="0">
-                <a:solidFill>
-                  <a:schemeClr val="tx1"/>
-                </a:solidFill>
-                <a:effectLst/>
-                <a:latin typeface="Tahoma" panose="020B0604030504040204" pitchFamily="34" charset="0"/>
-                <a:ea typeface="Tahoma" panose="020B0604030504040204" pitchFamily="34" charset="0"/>
-                <a:cs typeface="Tahoma" panose="020B0604030504040204" pitchFamily="34" charset="0"/>
-              </a:rPr>
-              <a:t>è particolarmente utile per dataset ad alto volume non strutturati dal momento che il caricamento può avvenire direttamente dalla sorgente. Questo processo richiede più definizione all’inizio, le regole di business per la data </a:t>
-            </a:r>
-            <a:r>
-              <a:rPr lang="it-IT" sz="2200" b="0" i="0" dirty="0" err="1">
-                <a:solidFill>
-                  <a:schemeClr val="tx1"/>
-                </a:solidFill>
-                <a:effectLst/>
-                <a:latin typeface="Tahoma" panose="020B0604030504040204" pitchFamily="34" charset="0"/>
-                <a:ea typeface="Tahoma" panose="020B0604030504040204" pitchFamily="34" charset="0"/>
-                <a:cs typeface="Tahoma" panose="020B0604030504040204" pitchFamily="34" charset="0"/>
-              </a:rPr>
-              <a:t>transformation</a:t>
-            </a:r>
-            <a:r>
-              <a:rPr lang="it-IT" sz="2200" b="0" i="0" dirty="0">
-                <a:solidFill>
-                  <a:schemeClr val="tx1"/>
-                </a:solidFill>
-                <a:effectLst/>
-                <a:latin typeface="Tahoma" panose="020B0604030504040204" pitchFamily="34" charset="0"/>
-                <a:ea typeface="Tahoma" panose="020B0604030504040204" pitchFamily="34" charset="0"/>
-                <a:cs typeface="Tahoma" panose="020B0604030504040204" pitchFamily="34" charset="0"/>
-              </a:rPr>
-              <a:t> hanno bisogno di essere costruite. </a:t>
-            </a:r>
-          </a:p>
-          <a:p>
-            <a:pPr marL="1828800" lvl="3" indent="-457200">
-              <a:buFont typeface="+mj-lt"/>
-              <a:buAutoNum type="arabicPeriod"/>
-            </a:pPr>
-            <a:r>
-              <a:rPr lang="it-IT" sz="2200" dirty="0">
-                <a:solidFill>
-                  <a:schemeClr val="tx1"/>
-                </a:solidFill>
-                <a:latin typeface="Tahoma" panose="020B0604030504040204" pitchFamily="34" charset="0"/>
-                <a:ea typeface="Tahoma" panose="020B0604030504040204" pitchFamily="34" charset="0"/>
-                <a:cs typeface="Tahoma" panose="020B0604030504040204" pitchFamily="34" charset="0"/>
-              </a:rPr>
-              <a:t>ELT</a:t>
-            </a:r>
-            <a:r>
-              <a:rPr lang="it-IT" sz="2200" b="0" dirty="0">
-                <a:solidFill>
-                  <a:schemeClr val="tx1"/>
-                </a:solidFill>
-                <a:latin typeface="Tahoma" panose="020B0604030504040204" pitchFamily="34" charset="0"/>
-                <a:ea typeface="Tahoma" panose="020B0604030504040204" pitchFamily="34" charset="0"/>
-                <a:cs typeface="Tahoma" panose="020B0604030504040204" pitchFamily="34" charset="0"/>
-              </a:rPr>
-              <a:t> è più ideale per nel </a:t>
-            </a:r>
-            <a:r>
-              <a:rPr lang="it-IT" sz="2200" b="0" dirty="0">
-                <a:solidFill>
-                  <a:schemeClr val="tx1"/>
-                </a:solidFill>
-                <a:effectLst/>
-                <a:latin typeface="Tahoma" panose="020B0604030504040204" pitchFamily="34" charset="0"/>
-                <a:ea typeface="Tahoma" panose="020B0604030504040204" pitchFamily="34" charset="0"/>
-                <a:cs typeface="Tahoma" panose="020B0604030504040204" pitchFamily="34" charset="0"/>
-              </a:rPr>
-              <a:t>mondo dei Big Data dal momento che non richiede una progettazione anticipata per la data </a:t>
-            </a:r>
-            <a:r>
-              <a:rPr lang="it-IT" sz="2200" b="0" dirty="0" err="1">
-                <a:solidFill>
-                  <a:schemeClr val="tx1"/>
-                </a:solidFill>
-                <a:effectLst/>
-                <a:latin typeface="Tahoma" panose="020B0604030504040204" pitchFamily="34" charset="0"/>
-                <a:ea typeface="Tahoma" panose="020B0604030504040204" pitchFamily="34" charset="0"/>
-                <a:cs typeface="Tahoma" panose="020B0604030504040204" pitchFamily="34" charset="0"/>
-              </a:rPr>
-              <a:t>extraction</a:t>
-            </a:r>
-            <a:r>
-              <a:rPr lang="it-IT" sz="2200" b="0" dirty="0">
-                <a:solidFill>
-                  <a:schemeClr val="tx1"/>
-                </a:solidFill>
-                <a:effectLst/>
-                <a:latin typeface="Tahoma" panose="020B0604030504040204" pitchFamily="34" charset="0"/>
-                <a:ea typeface="Tahoma" panose="020B0604030504040204" pitchFamily="34" charset="0"/>
-                <a:cs typeface="Tahoma" panose="020B0604030504040204" pitchFamily="34" charset="0"/>
-              </a:rPr>
-              <a:t> e lo storage dei dati. </a:t>
-            </a:r>
-            <a:r>
-              <a:rPr lang="it-IT" sz="2200" dirty="0">
-                <a:solidFill>
-                  <a:schemeClr val="tx1"/>
-                </a:solidFill>
-                <a:effectLst/>
-                <a:latin typeface="Tahoma" panose="020B0604030504040204" pitchFamily="34" charset="0"/>
-                <a:ea typeface="Tahoma" panose="020B0604030504040204" pitchFamily="34" charset="0"/>
-                <a:cs typeface="Tahoma" panose="020B0604030504040204" pitchFamily="34" charset="0"/>
-              </a:rPr>
-              <a:t>ELT </a:t>
-            </a:r>
-            <a:r>
-              <a:rPr lang="it-IT" sz="2200" b="0" dirty="0">
-                <a:solidFill>
-                  <a:schemeClr val="tx1"/>
-                </a:solidFill>
-                <a:effectLst/>
-                <a:latin typeface="Tahoma" panose="020B0604030504040204" pitchFamily="34" charset="0"/>
-                <a:ea typeface="Tahoma" panose="020B0604030504040204" pitchFamily="34" charset="0"/>
-                <a:cs typeface="Tahoma" panose="020B0604030504040204" pitchFamily="34" charset="0"/>
-              </a:rPr>
-              <a:t>è divenuto più popolare con l’adozione dei database su cloud</a:t>
-            </a:r>
-            <a:r>
-              <a:rPr lang="it-IT" sz="2200" b="0" dirty="0">
-                <a:solidFill>
-                  <a:schemeClr val="tx1"/>
-                </a:solidFill>
-                <a:latin typeface="Tahoma" panose="020B0604030504040204" pitchFamily="34" charset="0"/>
-                <a:ea typeface="Tahoma" panose="020B0604030504040204" pitchFamily="34" charset="0"/>
-                <a:cs typeface="Tahoma" panose="020B0604030504040204" pitchFamily="34" charset="0"/>
-              </a:rPr>
-              <a:t>, anche se non ci sono ancora molte best practices su </a:t>
-            </a:r>
-            <a:r>
-              <a:rPr lang="it-IT" sz="2200" dirty="0">
-                <a:solidFill>
-                  <a:schemeClr val="tx1"/>
-                </a:solidFill>
-                <a:latin typeface="Tahoma" panose="020B0604030504040204" pitchFamily="34" charset="0"/>
-                <a:ea typeface="Tahoma" panose="020B0604030504040204" pitchFamily="34" charset="0"/>
-                <a:cs typeface="Tahoma" panose="020B0604030504040204" pitchFamily="34" charset="0"/>
-              </a:rPr>
-              <a:t>ELT</a:t>
-            </a:r>
-            <a:r>
-              <a:rPr lang="it-IT" sz="2200" b="0" dirty="0">
-                <a:solidFill>
-                  <a:schemeClr val="tx1"/>
-                </a:solidFill>
-                <a:latin typeface="Tahoma" panose="020B0604030504040204" pitchFamily="34" charset="0"/>
-                <a:ea typeface="Tahoma" panose="020B0604030504040204" pitchFamily="34" charset="0"/>
-                <a:cs typeface="Tahoma" panose="020B0604030504040204" pitchFamily="34" charset="0"/>
-              </a:rPr>
-              <a:t>. </a:t>
-            </a:r>
-            <a:endParaRPr lang="en-US" sz="2400" b="0" i="0" dirty="0">
-              <a:solidFill>
-                <a:srgbClr val="525252"/>
-              </a:solidFill>
-              <a:effectLst/>
-              <a:latin typeface="IBM Plex Sans" panose="020B0503050203000203" pitchFamily="34" charset="0"/>
-            </a:endParaRPr>
-          </a:p>
-        </p:txBody>
-      </p:sp>
-      <p:sp>
-        <p:nvSpPr>
-          <p:cNvPr id="7" name="Segnaposto numero diapositiva 6">
-            <a:extLst>
-              <a:ext uri="{FF2B5EF4-FFF2-40B4-BE49-F238E27FC236}">
-                <a16:creationId xmlns:a16="http://schemas.microsoft.com/office/drawing/2014/main" id="{AB740BE9-E218-4144-BFDE-AE473D230A3D}"/>
-              </a:ext>
-            </a:extLst>
-          </p:cNvPr>
-          <p:cNvSpPr>
-            <a:spLocks noGrp="1"/>
-          </p:cNvSpPr>
-          <p:nvPr>
-            <p:ph type="sldNum" sz="quarter" idx="12"/>
-          </p:nvPr>
-        </p:nvSpPr>
         <p:spPr/>
         <p:txBody>
           <a:bodyPr/>
           <a:lstStyle/>
           <a:p>
-            <a:pPr>
-              <a:defRPr/>
-            </a:pPr>
-            <a:fld id="{48B4153A-D4C5-4CEF-8992-0D8815C829E3}" type="slidenum">
-              <a:rPr lang="en-US" smtClean="0"/>
-              <a:pPr>
-                <a:defRPr/>
-              </a:pPr>
-              <a:t>8</a:t>
-            </a:fld>
-            <a:endParaRPr lang="en-US" dirty="0"/>
-          </a:p>
-        </p:txBody>
-      </p:sp>
-      <p:sp>
-        <p:nvSpPr>
-          <p:cNvPr id="5" name="Titolo 4">
-            <a:extLst>
-              <a:ext uri="{FF2B5EF4-FFF2-40B4-BE49-F238E27FC236}">
-                <a16:creationId xmlns:a16="http://schemas.microsoft.com/office/drawing/2014/main" id="{82C46BA2-B380-4357-B125-BA9F08A643F5}"/>
-              </a:ext>
-            </a:extLst>
-          </p:cNvPr>
-          <p:cNvSpPr>
-            <a:spLocks noGrp="1"/>
-          </p:cNvSpPr>
-          <p:nvPr>
-            <p:ph type="title"/>
-          </p:nvPr>
-        </p:nvSpPr>
-        <p:spPr>
-          <a:xfrm>
-            <a:off x="468895" y="503475"/>
-            <a:ext cx="11269308" cy="384721"/>
-          </a:xfrm>
-        </p:spPr>
-        <p:txBody>
-          <a:bodyPr/>
-          <a:lstStyle/>
-          <a:p>
-            <a:r>
-              <a:rPr lang="it-IT" altLang="it-IT" dirty="0"/>
-              <a:t>ETL versus ELT</a:t>
-            </a:r>
             <a:endParaRPr lang="it-IT" dirty="0"/>
           </a:p>
         </p:txBody>
@@ -10180,341 +8480,7 @@
     </p:spTree>
     <p:extLst>
       <p:ext uri="{BB962C8B-B14F-4D97-AF65-F5344CB8AC3E}">
-        <p14:creationId xmlns:p14="http://schemas.microsoft.com/office/powerpoint/2010/main" val="4184373011"/>
-      </p:ext>
-    </p:extLst>
-  </p:cSld>
-  <p:clrMapOvr>
-    <a:masterClrMapping/>
-  </p:clrMapOvr>
-</p:sld>
-</file>
-
-<file path=ppt/slides/slide9.xml><?xml version="1.0" encoding="utf-8"?>
-<p:sld xmlns:a="http://schemas.openxmlformats.org/drawingml/2006/main" xmlns:r="http://schemas.openxmlformats.org/officeDocument/2006/relationships" xmlns:p="http://schemas.openxmlformats.org/presentationml/2006/main">
-  <p:cSld>
-    <p:spTree>
-      <p:nvGrpSpPr>
-        <p:cNvPr id="1" name=""/>
-        <p:cNvGrpSpPr/>
-        <p:nvPr/>
-      </p:nvGrpSpPr>
-      <p:grpSpPr>
-        <a:xfrm>
-          <a:off x="0" y="0"/>
-          <a:ext cx="0" cy="0"/>
-          <a:chOff x="0" y="0"/>
-          <a:chExt cx="0" cy="0"/>
-        </a:xfrm>
-      </p:grpSpPr>
-      <p:sp>
-        <p:nvSpPr>
-          <p:cNvPr id="2" name="Segnaposto testo 1">
-            <a:extLst>
-              <a:ext uri="{FF2B5EF4-FFF2-40B4-BE49-F238E27FC236}">
-                <a16:creationId xmlns:a16="http://schemas.microsoft.com/office/drawing/2014/main" id="{E5AE986C-196F-4141-A898-FA4C4198CDCC}"/>
-              </a:ext>
-            </a:extLst>
-          </p:cNvPr>
-          <p:cNvSpPr>
-            <a:spLocks noGrp="1"/>
-          </p:cNvSpPr>
-          <p:nvPr>
-            <p:ph type="body" idx="1"/>
-          </p:nvPr>
-        </p:nvSpPr>
-        <p:spPr>
-          <a:xfrm>
-            <a:off x="326297" y="1213806"/>
-            <a:ext cx="11518700" cy="4392612"/>
-          </a:xfrm>
-        </p:spPr>
-        <p:txBody>
-          <a:bodyPr/>
-          <a:lstStyle/>
-          <a:p>
-            <a:pPr marL="342900" indent="-342900">
-              <a:buFont typeface="Wingdings" panose="05000000000000000000" pitchFamily="2" charset="2"/>
-              <a:buChar char="ü"/>
-            </a:pPr>
-            <a:r>
-              <a:rPr lang="it-IT" sz="2400" dirty="0">
-                <a:solidFill>
-                  <a:schemeClr val="tx1"/>
-                </a:solidFill>
-                <a:latin typeface="Tahoma" panose="020B0604030504040204" pitchFamily="34" charset="0"/>
-                <a:ea typeface="Tahoma" panose="020B0604030504040204" pitchFamily="34" charset="0"/>
-                <a:cs typeface="Tahoma" panose="020B0604030504040204" pitchFamily="34" charset="0"/>
-              </a:rPr>
-              <a:t>L’Analisi dell’informazione richiede di solito dati accessibili e ben strutturati per ottenere i migliori risultati possibili. La Data </a:t>
-            </a:r>
-            <a:r>
-              <a:rPr lang="it-IT" sz="2400" dirty="0" err="1">
-                <a:solidFill>
-                  <a:schemeClr val="tx1"/>
-                </a:solidFill>
-                <a:latin typeface="Tahoma" panose="020B0604030504040204" pitchFamily="34" charset="0"/>
-                <a:ea typeface="Tahoma" panose="020B0604030504040204" pitchFamily="34" charset="0"/>
-                <a:cs typeface="Tahoma" panose="020B0604030504040204" pitchFamily="34" charset="0"/>
-              </a:rPr>
-              <a:t>Transformation</a:t>
-            </a:r>
-            <a:r>
-              <a:rPr lang="it-IT" sz="2400" dirty="0">
-                <a:solidFill>
-                  <a:schemeClr val="tx1"/>
-                </a:solidFill>
-                <a:latin typeface="Tahoma" panose="020B0604030504040204" pitchFamily="34" charset="0"/>
-                <a:ea typeface="Tahoma" panose="020B0604030504040204" pitchFamily="34" charset="0"/>
-                <a:cs typeface="Tahoma" panose="020B0604030504040204" pitchFamily="34" charset="0"/>
-              </a:rPr>
-              <a:t> rende alle </a:t>
-            </a:r>
-            <a:r>
-              <a:rPr lang="it-IT" sz="2400" dirty="0" err="1">
-                <a:solidFill>
-                  <a:schemeClr val="tx1"/>
-                </a:solidFill>
-                <a:latin typeface="Tahoma" panose="020B0604030504040204" pitchFamily="34" charset="0"/>
-                <a:ea typeface="Tahoma" panose="020B0604030504040204" pitchFamily="34" charset="0"/>
-                <a:cs typeface="Tahoma" panose="020B0604030504040204" pitchFamily="34" charset="0"/>
-              </a:rPr>
-              <a:t>organizziazioni</a:t>
-            </a:r>
-            <a:r>
-              <a:rPr lang="it-IT" sz="2400" dirty="0">
-                <a:solidFill>
-                  <a:schemeClr val="tx1"/>
-                </a:solidFill>
-                <a:latin typeface="Tahoma" panose="020B0604030504040204" pitchFamily="34" charset="0"/>
-                <a:ea typeface="Tahoma" panose="020B0604030504040204" pitchFamily="34" charset="0"/>
-                <a:cs typeface="Tahoma" panose="020B0604030504040204" pitchFamily="34" charset="0"/>
-              </a:rPr>
-              <a:t> possibile l’alterazione della struttura e del formato dei dati grezzi secondo le necessità. La Data Analytics più efficiente deriva anche dal modo in cui l’impresa trasforma i suoi dati. </a:t>
-            </a:r>
-          </a:p>
-          <a:p>
-            <a:pPr marL="342900" indent="-342900">
-              <a:buFont typeface="Wingdings" panose="05000000000000000000" pitchFamily="2" charset="2"/>
-              <a:buChar char="ü"/>
-            </a:pPr>
-            <a:r>
-              <a:rPr lang="en-US" sz="2400" dirty="0">
-                <a:solidFill>
-                  <a:schemeClr val="tx1"/>
-                </a:solidFill>
-                <a:latin typeface="Tahoma" panose="020B0604030504040204" pitchFamily="34" charset="0"/>
-                <a:ea typeface="Tahoma" panose="020B0604030504040204" pitchFamily="34" charset="0"/>
-                <a:cs typeface="Tahoma" panose="020B0604030504040204" pitchFamily="34" charset="0"/>
-              </a:rPr>
-              <a:t>La Data Transformation </a:t>
-            </a:r>
-          </a:p>
-          <a:p>
-            <a:pPr marL="342900" indent="-342900">
-              <a:buFont typeface="Wingdings" panose="05000000000000000000" pitchFamily="2" charset="2"/>
-              <a:buChar char="ü"/>
-            </a:pPr>
-            <a:endParaRPr lang="en-US" sz="2400" dirty="0">
-              <a:solidFill>
-                <a:srgbClr val="555555"/>
-              </a:solidFill>
-              <a:latin typeface="PT Sans" panose="020B0503020203020204" pitchFamily="34" charset="0"/>
-            </a:endParaRPr>
-          </a:p>
-          <a:p>
-            <a:pPr marL="342900" indent="-342900">
-              <a:buFont typeface="Wingdings" panose="05000000000000000000" pitchFamily="2" charset="2"/>
-              <a:buChar char="ü"/>
-            </a:pPr>
-            <a:endParaRPr lang="en-US" sz="2400" b="0" i="0" dirty="0">
-              <a:solidFill>
-                <a:srgbClr val="555555"/>
-              </a:solidFill>
-              <a:effectLst/>
-              <a:latin typeface="PT Sans" panose="020B0503020203020204" pitchFamily="34" charset="0"/>
-            </a:endParaRPr>
-          </a:p>
-          <a:p>
-            <a:pPr marL="342900" indent="-342900">
-              <a:buFont typeface="Wingdings" panose="05000000000000000000" pitchFamily="2" charset="2"/>
-              <a:buChar char="ü"/>
-            </a:pPr>
-            <a:r>
-              <a:rPr lang="en-US" sz="2400" b="0" i="0" dirty="0">
-                <a:solidFill>
-                  <a:srgbClr val="555555"/>
-                </a:solidFill>
-                <a:effectLst/>
-                <a:latin typeface="PT Sans" panose="020B0503020203020204" pitchFamily="34" charset="0"/>
-              </a:rPr>
-              <a:t>Data transformation is the process of changing the format, structure, or values of data. For data analytics projects, data may be transformed at two stages of the data pipeline. Organizations that use on-premises data warehouses generally use an ETL (</a:t>
-            </a:r>
-            <a:r>
-              <a:rPr lang="en-US" sz="2400" b="1" i="0" u="none" strike="noStrike" dirty="0">
-                <a:solidFill>
-                  <a:srgbClr val="0675C1"/>
-                </a:solidFill>
-                <a:effectLst/>
-                <a:latin typeface="PT Sans" panose="020B0503020203020204" pitchFamily="34" charset="0"/>
-                <a:hlinkClick r:id="rId2"/>
-              </a:rPr>
-              <a:t>extract, transform, load</a:t>
-            </a:r>
-            <a:r>
-              <a:rPr lang="en-US" sz="2400" b="0" i="0" dirty="0">
-                <a:solidFill>
-                  <a:srgbClr val="555555"/>
-                </a:solidFill>
-                <a:effectLst/>
-                <a:latin typeface="PT Sans" panose="020B0503020203020204" pitchFamily="34" charset="0"/>
-              </a:rPr>
-              <a:t>) process, in which </a:t>
-            </a:r>
-            <a:r>
-              <a:rPr lang="en-US" sz="2400" b="1" i="0" u="none" strike="noStrike" dirty="0">
-                <a:solidFill>
-                  <a:srgbClr val="0675C1"/>
-                </a:solidFill>
-                <a:effectLst/>
-                <a:latin typeface="PT Sans" panose="020B0503020203020204" pitchFamily="34" charset="0"/>
-                <a:hlinkClick r:id="rId3"/>
-              </a:rPr>
-              <a:t>data transformation is the middle step</a:t>
-            </a:r>
-            <a:r>
-              <a:rPr lang="en-US" sz="2400" b="0" i="0" dirty="0">
-                <a:solidFill>
-                  <a:srgbClr val="555555"/>
-                </a:solidFill>
-                <a:effectLst/>
-                <a:latin typeface="PT Sans" panose="020B0503020203020204" pitchFamily="34" charset="0"/>
-              </a:rPr>
-              <a:t>. Today, most organizations use cloud-based data warehouses, which can scale compute and storage resources with latency measured in seconds or minutes. The scalability of the cloud platform lets organizations skip preload transformations and load raw data into the data warehouse, then transform it at query time — a model called ELT ( </a:t>
-            </a:r>
-            <a:r>
-              <a:rPr lang="en-US" sz="2400" b="1" i="0" u="none" strike="noStrike" dirty="0">
-                <a:solidFill>
-                  <a:srgbClr val="0675C1"/>
-                </a:solidFill>
-                <a:effectLst/>
-                <a:latin typeface="PT Sans" panose="020B0503020203020204" pitchFamily="34" charset="0"/>
-                <a:hlinkClick r:id="rId4"/>
-              </a:rPr>
-              <a:t>extract, load, transform)</a:t>
-            </a:r>
-            <a:r>
-              <a:rPr lang="en-US" sz="2400" b="0" i="0" dirty="0">
-                <a:solidFill>
-                  <a:srgbClr val="555555"/>
-                </a:solidFill>
-                <a:effectLst/>
-                <a:latin typeface="PT Sans" panose="020B0503020203020204" pitchFamily="34" charset="0"/>
-              </a:rPr>
-              <a:t>.</a:t>
-            </a:r>
-            <a:endParaRPr lang="it-IT" sz="2400" dirty="0">
-              <a:solidFill>
-                <a:schemeClr val="tx1"/>
-              </a:solidFill>
-              <a:latin typeface="Tahoma" panose="020B0604030504040204" pitchFamily="34" charset="0"/>
-              <a:ea typeface="Tahoma" panose="020B0604030504040204" pitchFamily="34" charset="0"/>
-              <a:cs typeface="Tahoma" panose="020B0604030504040204" pitchFamily="34" charset="0"/>
-            </a:endParaRPr>
-          </a:p>
-          <a:p>
-            <a:endParaRPr lang="it-IT" sz="2400" dirty="0">
-              <a:solidFill>
-                <a:schemeClr val="tx1"/>
-              </a:solidFill>
-              <a:latin typeface="Tahoma" panose="020B0604030504040204" pitchFamily="34" charset="0"/>
-              <a:ea typeface="Tahoma" panose="020B0604030504040204" pitchFamily="34" charset="0"/>
-              <a:cs typeface="Tahoma" panose="020B0604030504040204" pitchFamily="34" charset="0"/>
-            </a:endParaRPr>
-          </a:p>
-        </p:txBody>
-      </p:sp>
-      <p:sp>
-        <p:nvSpPr>
-          <p:cNvPr id="7" name="Segnaposto numero diapositiva 6">
-            <a:extLst>
-              <a:ext uri="{FF2B5EF4-FFF2-40B4-BE49-F238E27FC236}">
-                <a16:creationId xmlns:a16="http://schemas.microsoft.com/office/drawing/2014/main" id="{AB740BE9-E218-4144-BFDE-AE473D230A3D}"/>
-              </a:ext>
-            </a:extLst>
-          </p:cNvPr>
-          <p:cNvSpPr>
-            <a:spLocks noGrp="1"/>
-          </p:cNvSpPr>
-          <p:nvPr>
-            <p:ph type="sldNum" sz="quarter" idx="12"/>
-          </p:nvPr>
-        </p:nvSpPr>
-        <p:spPr/>
-        <p:txBody>
-          <a:bodyPr/>
-          <a:lstStyle/>
-          <a:p>
-            <a:pPr>
-              <a:defRPr/>
-            </a:pPr>
-            <a:fld id="{48B4153A-D4C5-4CEF-8992-0D8815C829E3}" type="slidenum">
-              <a:rPr lang="en-US" smtClean="0"/>
-              <a:pPr>
-                <a:defRPr/>
-              </a:pPr>
-              <a:t>9</a:t>
-            </a:fld>
-            <a:endParaRPr lang="en-US" dirty="0"/>
-          </a:p>
-        </p:txBody>
-      </p:sp>
-      <p:sp>
-        <p:nvSpPr>
-          <p:cNvPr id="5" name="Titolo 4">
-            <a:extLst>
-              <a:ext uri="{FF2B5EF4-FFF2-40B4-BE49-F238E27FC236}">
-                <a16:creationId xmlns:a16="http://schemas.microsoft.com/office/drawing/2014/main" id="{82C46BA2-B380-4357-B125-BA9F08A643F5}"/>
-              </a:ext>
-            </a:extLst>
-          </p:cNvPr>
-          <p:cNvSpPr>
-            <a:spLocks noGrp="1"/>
-          </p:cNvSpPr>
-          <p:nvPr>
-            <p:ph type="title"/>
-          </p:nvPr>
-        </p:nvSpPr>
-        <p:spPr>
-          <a:xfrm>
-            <a:off x="468895" y="503475"/>
-            <a:ext cx="11269308" cy="384721"/>
-          </a:xfrm>
-        </p:spPr>
-        <p:txBody>
-          <a:bodyPr/>
-          <a:lstStyle/>
-          <a:p>
-            <a:r>
-              <a:rPr lang="it-IT" altLang="it-IT" dirty="0"/>
-              <a:t>Trasformazione dei Dati (Data </a:t>
-            </a:r>
-            <a:r>
-              <a:rPr lang="it-IT" altLang="it-IT" dirty="0" err="1"/>
-              <a:t>Transformation</a:t>
-            </a:r>
-            <a:r>
-              <a:rPr lang="it-IT" altLang="it-IT" dirty="0"/>
-              <a:t>)</a:t>
-            </a:r>
-            <a:endParaRPr lang="it-IT" dirty="0"/>
-          </a:p>
-        </p:txBody>
-      </p:sp>
-    </p:spTree>
-    <p:extLst>
-      <p:ext uri="{BB962C8B-B14F-4D97-AF65-F5344CB8AC3E}">
-        <p14:creationId xmlns:p14="http://schemas.microsoft.com/office/powerpoint/2010/main" val="95832058"/>
+        <p14:creationId xmlns:p14="http://schemas.microsoft.com/office/powerpoint/2010/main" val="3490964097"/>
       </p:ext>
     </p:extLst>
   </p:cSld>
@@ -11133,15 +9099,6 @@
 
 <file path=customXml/item1.xml><?xml version="1.0" encoding="utf-8"?>
 <?mso-contentType ?>
-<FormTemplates xmlns="http://schemas.microsoft.com/sharepoint/v3/contenttype/forms">
-  <Display>DocumentLibraryForm</Display>
-  <Edit>DocumentLibraryForm</Edit>
-  <New>DocumentLibraryForm</New>
-</FormTemplates>
-</file>
-
-<file path=customXml/item2.xml><?xml version="1.0" encoding="utf-8"?>
-<?mso-contentType ?>
 <spe:Receivers xmlns:spe="http://schemas.microsoft.com/sharepoint/events">
   <Receiver>
     <Name>Document ID Generator</Name>
@@ -11190,7 +9147,30 @@
 </spe:Receivers>
 </file>
 
+<file path=customXml/item2.xml><?xml version="1.0" encoding="utf-8"?>
+<?mso-contentType ?>
+<FormTemplates xmlns="http://schemas.microsoft.com/sharepoint/v3/contenttype/forms">
+  <Display>DocumentLibraryForm</Display>
+  <Edit>DocumentLibraryForm</Edit>
+  <New>DocumentLibraryForm</New>
+</FormTemplates>
+</file>
+
 <file path=customXml/item3.xml><?xml version="1.0" encoding="utf-8"?>
+<p:properties xmlns:p="http://schemas.microsoft.com/office/2006/metadata/properties" xmlns:xsi="http://www.w3.org/2001/XMLSchema-instance" xmlns:pc="http://schemas.microsoft.com/office/infopath/2007/PartnerControls">
+  <documentManagement>
+    <SottoCategoria xmlns="679261c3-551f-4e86-913f-177e0e529669">-</SottoCategoria>
+    <Categoria xmlns="c58f2efd-82a8-4ecf-b395-8c25e928921d">Power Point</Categoria>
+    <_dlc_DocId xmlns="459159c4-d20a-4ff3-9b11-fbd127bd52e5">INTRANET-14-158</_dlc_DocId>
+    <_dlc_DocIdUrl xmlns="459159c4-d20a-4ff3-9b11-fbd127bd52e5">
+      <Url>https://intranet.istat.it/Collaborativi/_layouts/15/DocIdRedir.aspx?ID=INTRANET-14-158</Url>
+      <Description>INTRANET-14-158</Description>
+    </_dlc_DocIdUrl>
+  </documentManagement>
+</p:properties>
+</file>
+
+<file path=customXml/item4.xml><?xml version="1.0" encoding="utf-8"?>
 <ct:contentTypeSchema xmlns:ct="http://schemas.microsoft.com/office/2006/metadata/contentType" xmlns:ma="http://schemas.microsoft.com/office/2006/metadata/properties/metaAttributes" ct:_="" ma:_="" ma:contentTypeName="Documento" ma:contentTypeID="0x010100661A2BE3120D674DA36C11D6006822D4" ma:contentTypeVersion="3" ma:contentTypeDescription="Creare un nuovo documento." ma:contentTypeScope="" ma:versionID="2ad8b07f9840a1ce9cd199d874146b74">
   <xsd:schema xmlns:xsd="http://www.w3.org/2001/XMLSchema" xmlns:xs="http://www.w3.org/2001/XMLSchema" xmlns:p="http://schemas.microsoft.com/office/2006/metadata/properties" xmlns:ns2="c58f2efd-82a8-4ecf-b395-8c25e928921d" xmlns:ns3="459159c4-d20a-4ff3-9b11-fbd127bd52e5" xmlns:ns4="679261c3-551f-4e86-913f-177e0e529669" targetNamespace="http://schemas.microsoft.com/office/2006/metadata/properties" ma:root="true" ma:fieldsID="fffb0e16fb90ffea59fef1085e90ecca" ns2:_="" ns3:_="" ns4:_="">
     <xsd:import namespace="c58f2efd-82a8-4ecf-b395-8c25e928921d"/>
@@ -11377,21 +9357,15 @@
 </ct:contentTypeSchema>
 </file>
 
-<file path=customXml/item4.xml><?xml version="1.0" encoding="utf-8"?>
-<p:properties xmlns:p="http://schemas.microsoft.com/office/2006/metadata/properties" xmlns:xsi="http://www.w3.org/2001/XMLSchema-instance" xmlns:pc="http://schemas.microsoft.com/office/infopath/2007/PartnerControls">
-  <documentManagement>
-    <SottoCategoria xmlns="679261c3-551f-4e86-913f-177e0e529669">-</SottoCategoria>
-    <Categoria xmlns="c58f2efd-82a8-4ecf-b395-8c25e928921d">Power Point</Categoria>
-    <_dlc_DocId xmlns="459159c4-d20a-4ff3-9b11-fbd127bd52e5">INTRANET-14-158</_dlc_DocId>
-    <_dlc_DocIdUrl xmlns="459159c4-d20a-4ff3-9b11-fbd127bd52e5">
-      <Url>https://intranet.istat.it/Collaborativi/_layouts/15/DocIdRedir.aspx?ID=INTRANET-14-158</Url>
-      <Description>INTRANET-14-158</Description>
-    </_dlc_DocIdUrl>
-  </documentManagement>
-</p:properties>
+<file path=customXml/itemProps1.xml><?xml version="1.0" encoding="utf-8"?>
+<ds:datastoreItem xmlns:ds="http://schemas.openxmlformats.org/officeDocument/2006/customXml" ds:itemID="{D9296C4F-9DE9-4B43-AA80-1FC85656CFFA}">
+  <ds:schemaRefs>
+    <ds:schemaRef ds:uri="http://schemas.microsoft.com/sharepoint/events"/>
+  </ds:schemaRefs>
+</ds:datastoreItem>
 </file>
 
-<file path=customXml/itemProps1.xml><?xml version="1.0" encoding="utf-8"?>
+<file path=customXml/itemProps2.xml><?xml version="1.0" encoding="utf-8"?>
 <ds:datastoreItem xmlns:ds="http://schemas.openxmlformats.org/officeDocument/2006/customXml" ds:itemID="{BD9C238D-4D5C-4783-820B-4854DCE45D41}">
   <ds:schemaRefs>
     <ds:schemaRef ds:uri="http://schemas.microsoft.com/sharepoint/v3/contenttype/forms"/>
@@ -11399,15 +9373,25 @@
 </ds:datastoreItem>
 </file>
 
-<file path=customXml/itemProps2.xml><?xml version="1.0" encoding="utf-8"?>
-<ds:datastoreItem xmlns:ds="http://schemas.openxmlformats.org/officeDocument/2006/customXml" ds:itemID="{D9296C4F-9DE9-4B43-AA80-1FC85656CFFA}">
+<file path=customXml/itemProps3.xml><?xml version="1.0" encoding="utf-8"?>
+<ds:datastoreItem xmlns:ds="http://schemas.openxmlformats.org/officeDocument/2006/customXml" ds:itemID="{3EF378BC-F4D0-4510-B4EC-07B6EFE18CF8}">
   <ds:schemaRefs>
-    <ds:schemaRef ds:uri="http://schemas.microsoft.com/sharepoint/events"/>
+    <ds:schemaRef ds:uri="http://schemas.microsoft.com/office/2006/metadata/properties"/>
+    <ds:schemaRef ds:uri="http://purl.org/dc/elements/1.1/"/>
+    <ds:schemaRef ds:uri="679261c3-551f-4e86-913f-177e0e529669"/>
+    <ds:schemaRef ds:uri="http://schemas.openxmlformats.org/package/2006/metadata/core-properties"/>
+    <ds:schemaRef ds:uri="459159c4-d20a-4ff3-9b11-fbd127bd52e5"/>
+    <ds:schemaRef ds:uri="http://purl.org/dc/terms/"/>
+    <ds:schemaRef ds:uri="http://schemas.microsoft.com/office/infopath/2007/PartnerControls"/>
+    <ds:schemaRef ds:uri="http://schemas.microsoft.com/office/2006/documentManagement/types"/>
+    <ds:schemaRef ds:uri="c58f2efd-82a8-4ecf-b395-8c25e928921d"/>
+    <ds:schemaRef ds:uri="http://www.w3.org/XML/1998/namespace"/>
+    <ds:schemaRef ds:uri="http://purl.org/dc/dcmitype/"/>
   </ds:schemaRefs>
 </ds:datastoreItem>
 </file>
 
-<file path=customXml/itemProps3.xml><?xml version="1.0" encoding="utf-8"?>
+<file path=customXml/itemProps4.xml><?xml version="1.0" encoding="utf-8"?>
 <ds:datastoreItem xmlns:ds="http://schemas.openxmlformats.org/officeDocument/2006/customXml" ds:itemID="{3F66F418-6054-4EA5-BF8E-6AF3CEAE6265}">
   <ds:schemaRefs>
     <ds:schemaRef ds:uri="http://schemas.microsoft.com/office/2006/metadata/contentType"/>
@@ -11425,22 +9409,4 @@
     <ds:schemaRef ds:uri="http://schemas.microsoft.com/internal/obd"/>
   </ds:schemaRefs>
 </ds:datastoreItem>
-</file>
-
-<file path=customXml/itemProps4.xml><?xml version="1.0" encoding="utf-8"?>
-<ds:datastoreItem xmlns:ds="http://schemas.openxmlformats.org/officeDocument/2006/customXml" ds:itemID="{3EF378BC-F4D0-4510-B4EC-07B6EFE18CF8}">
-  <ds:schemaRefs>
-    <ds:schemaRef ds:uri="http://schemas.microsoft.com/office/2006/metadata/properties"/>
-    <ds:schemaRef ds:uri="http://purl.org/dc/elements/1.1/"/>
-    <ds:schemaRef ds:uri="679261c3-551f-4e86-913f-177e0e529669"/>
-    <ds:schemaRef ds:uri="http://schemas.openxmlformats.org/package/2006/metadata/core-properties"/>
-    <ds:schemaRef ds:uri="459159c4-d20a-4ff3-9b11-fbd127bd52e5"/>
-    <ds:schemaRef ds:uri="http://purl.org/dc/terms/"/>
-    <ds:schemaRef ds:uri="http://schemas.microsoft.com/office/infopath/2007/PartnerControls"/>
-    <ds:schemaRef ds:uri="http://schemas.microsoft.com/office/2006/documentManagement/types"/>
-    <ds:schemaRef ds:uri="c58f2efd-82a8-4ecf-b395-8c25e928921d"/>
-    <ds:schemaRef ds:uri="http://www.w3.org/XML/1998/namespace"/>
-    <ds:schemaRef ds:uri="http://purl.org/dc/dcmitype/"/>
-  </ds:schemaRefs>
-</ds:datastoreItem>
 </file>
--- a/Statistics_ita.pptx
+++ b/Statistics_ita.pptx
@@ -5,7 +5,7 @@
     <p:sldMasterId id="2147483648" r:id="rId5"/>
   </p:sldMasterIdLst>
   <p:notesMasterIdLst>
-    <p:notesMasterId r:id="rId27"/>
+    <p:notesMasterId r:id="rId30"/>
   </p:notesMasterIdLst>
   <p:sldIdLst>
     <p:sldId id="256" r:id="rId6"/>
@@ -25,10 +25,13 @@
     <p:sldId id="355" r:id="rId20"/>
     <p:sldId id="354" r:id="rId21"/>
     <p:sldId id="357" r:id="rId22"/>
-    <p:sldId id="358" r:id="rId23"/>
-    <p:sldId id="359" r:id="rId24"/>
-    <p:sldId id="356" r:id="rId25"/>
-    <p:sldId id="343" r:id="rId26"/>
+    <p:sldId id="360" r:id="rId23"/>
+    <p:sldId id="361" r:id="rId24"/>
+    <p:sldId id="362" r:id="rId25"/>
+    <p:sldId id="358" r:id="rId26"/>
+    <p:sldId id="359" r:id="rId27"/>
+    <p:sldId id="356" r:id="rId28"/>
+    <p:sldId id="343" r:id="rId29"/>
   </p:sldIdLst>
   <p:sldSz cx="12192000" cy="6858000"/>
   <p:notesSz cx="6858000" cy="9144000"/>
@@ -286,7 +289,7 @@
               <a:pPr>
                 <a:defRPr/>
               </a:pPr>
-              <a:t>7/2/2022</a:t>
+              <a:t>7/5/2022</a:t>
             </a:fld>
             <a:endParaRPr lang="en-US"/>
           </a:p>
@@ -13673,111 +13676,848 @@
           <a:chExt cx="0" cy="0"/>
         </a:xfrm>
       </p:grpSpPr>
-      <p:sp>
-        <p:nvSpPr>
-          <p:cNvPr id="2" name="Segnaposto testo 1">
-            <a:extLst>
-              <a:ext uri="{FF2B5EF4-FFF2-40B4-BE49-F238E27FC236}">
-                <a16:creationId xmlns:a16="http://schemas.microsoft.com/office/drawing/2014/main" id="{E5AE986C-196F-4141-A898-FA4C4198CDCC}"/>
-              </a:ext>
-            </a:extLst>
-          </p:cNvPr>
-          <p:cNvSpPr>
-            <a:spLocks noGrp="1"/>
-          </p:cNvSpPr>
-          <p:nvPr>
-            <p:ph type="body" idx="1"/>
-          </p:nvPr>
-        </p:nvSpPr>
-        <p:spPr>
-          <a:xfrm>
-            <a:off x="323468" y="1232694"/>
-            <a:ext cx="8203312" cy="4392612"/>
-          </a:xfrm>
-        </p:spPr>
-        <p:txBody>
-          <a:bodyPr/>
-          <a:lstStyle/>
-          <a:p>
-            <a:pPr marL="342900" indent="-342900">
-              <a:buFont typeface="Wingdings" panose="05000000000000000000" pitchFamily="2" charset="2"/>
-              <a:buChar char="ü"/>
-            </a:pPr>
-            <a:r>
-              <a:rPr lang="it-IT" sz="2400">
-                <a:solidFill>
-                  <a:schemeClr val="tx1"/>
-                </a:solidFill>
-                <a:latin typeface="Tahoma" panose="020B0604030504040204" pitchFamily="34" charset="0"/>
-                <a:ea typeface="Tahoma" panose="020B0604030504040204" pitchFamily="34" charset="0"/>
-                <a:cs typeface="Tahoma" panose="020B0604030504040204" pitchFamily="34" charset="0"/>
-              </a:rPr>
-              <a:t>Il campo della statstica fornisce molti strumenti che possono  essere usati anche gli obiettivi del machine learning di risolvere un compito non solo sul training set ma anche di generalizzare. Concetti fondamentali come stima dei parametri, bias e varianza sono utili per caratterizzare formalmente le nozioni di generalizzazione, underfitting e overfitting</a:t>
-            </a:r>
-          </a:p>
-          <a:p>
-            <a:pPr marL="342900" indent="-342900">
-              <a:buFont typeface="Wingdings" panose="05000000000000000000" pitchFamily="2" charset="2"/>
-              <a:buChar char="ü"/>
-            </a:pPr>
-            <a:r>
-              <a:rPr lang="it-IT" sz="2400">
-                <a:solidFill>
-                  <a:schemeClr val="tx1"/>
-                </a:solidFill>
-                <a:latin typeface="Tahoma" panose="020B0604030504040204" pitchFamily="34" charset="0"/>
-                <a:ea typeface="Tahoma" panose="020B0604030504040204" pitchFamily="34" charset="0"/>
-                <a:cs typeface="Tahoma" panose="020B0604030504040204" pitchFamily="34" charset="0"/>
-              </a:rPr>
-              <a:t>La </a:t>
-            </a:r>
-            <a:r>
-              <a:rPr lang="it-IT" sz="2400" b="1">
-                <a:solidFill>
-                  <a:schemeClr val="tx1"/>
-                </a:solidFill>
-                <a:latin typeface="Tahoma" panose="020B0604030504040204" pitchFamily="34" charset="0"/>
-                <a:ea typeface="Tahoma" panose="020B0604030504040204" pitchFamily="34" charset="0"/>
-                <a:cs typeface="Tahoma" panose="020B0604030504040204" pitchFamily="34" charset="0"/>
-              </a:rPr>
-              <a:t>Stima</a:t>
-            </a:r>
-            <a:r>
-              <a:rPr lang="it-IT" sz="2400">
-                <a:solidFill>
-                  <a:schemeClr val="tx1"/>
-                </a:solidFill>
-                <a:latin typeface="Tahoma" panose="020B0604030504040204" pitchFamily="34" charset="0"/>
-                <a:ea typeface="Tahoma" panose="020B0604030504040204" pitchFamily="34" charset="0"/>
-                <a:cs typeface="Tahoma" panose="020B0604030504040204" pitchFamily="34" charset="0"/>
-              </a:rPr>
-              <a:t> </a:t>
-            </a:r>
-            <a:r>
-              <a:rPr lang="it-IT" sz="2400" b="1">
-                <a:solidFill>
-                  <a:schemeClr val="tx1"/>
-                </a:solidFill>
-                <a:latin typeface="Tahoma" panose="020B0604030504040204" pitchFamily="34" charset="0"/>
-                <a:ea typeface="Tahoma" panose="020B0604030504040204" pitchFamily="34" charset="0"/>
-                <a:cs typeface="Tahoma" panose="020B0604030504040204" pitchFamily="34" charset="0"/>
-              </a:rPr>
-              <a:t>puntuale</a:t>
-            </a:r>
-            <a:r>
-              <a:rPr lang="it-IT" sz="2400">
-                <a:solidFill>
-                  <a:schemeClr val="tx1"/>
-                </a:solidFill>
-                <a:latin typeface="Tahoma" panose="020B0604030504040204" pitchFamily="34" charset="0"/>
-                <a:ea typeface="Tahoma" panose="020B0604030504040204" pitchFamily="34" charset="0"/>
-                <a:cs typeface="Tahoma" panose="020B0604030504040204" pitchFamily="34" charset="0"/>
-              </a:rPr>
-              <a:t> dei parametri rappresenta l'insieme dei metodi di statistica inferenziale che permettono di attribuire un valore ad un parametro della popolazione, utilizzando i dati di un campione casuale osservato (x1, x2,…,xn) ed elaborandoli.</a:t>
-            </a:r>
-          </a:p>
-        </p:txBody>
-      </p:sp>
+      <mc:AlternateContent xmlns:mc="http://schemas.openxmlformats.org/markup-compatibility/2006">
+        <mc:Choice xmlns:a14="http://schemas.microsoft.com/office/drawing/2010/main" Requires="a14">
+          <p:sp>
+            <p:nvSpPr>
+              <p:cNvPr id="2" name="Segnaposto testo 1">
+                <a:extLst>
+                  <a:ext uri="{FF2B5EF4-FFF2-40B4-BE49-F238E27FC236}">
+                    <a16:creationId xmlns:a16="http://schemas.microsoft.com/office/drawing/2014/main" id="{E5AE986C-196F-4141-A898-FA4C4198CDCC}"/>
+                  </a:ext>
+                </a:extLst>
+              </p:cNvPr>
+              <p:cNvSpPr>
+                <a:spLocks noGrp="1"/>
+              </p:cNvSpPr>
+              <p:nvPr>
+                <p:ph type="body" idx="1"/>
+              </p:nvPr>
+            </p:nvSpPr>
+            <p:spPr>
+              <a:xfrm>
+                <a:off x="323467" y="1232694"/>
+                <a:ext cx="8465969" cy="4392612"/>
+              </a:xfrm>
+            </p:spPr>
+            <p:txBody>
+              <a:bodyPr/>
+              <a:lstStyle/>
+              <a:p>
+                <a:pPr marL="342900" indent="-342900">
+                  <a:buFont typeface="Wingdings" panose="05000000000000000000" pitchFamily="2" charset="2"/>
+                  <a:buChar char="ü"/>
+                </a:pPr>
+                <a:r>
+                  <a:rPr lang="it-IT" sz="2400" smtClean="0">
+                    <a:solidFill>
+                      <a:schemeClr val="tx1"/>
+                    </a:solidFill>
+                    <a:latin typeface="Tahoma" panose="020B0604030504040204" pitchFamily="34" charset="0"/>
+                    <a:ea typeface="Tahoma" panose="020B0604030504040204" pitchFamily="34" charset="0"/>
+                    <a:cs typeface="Tahoma" panose="020B0604030504040204" pitchFamily="34" charset="0"/>
+                  </a:rPr>
+                  <a:t>Dato un </a:t>
+                </a:r>
+                <a:r>
+                  <a:rPr lang="it-IT" sz="2400" b="1" smtClean="0">
+                    <a:solidFill>
+                      <a:schemeClr val="tx1"/>
+                    </a:solidFill>
+                    <a:latin typeface="Tahoma" panose="020B0604030504040204" pitchFamily="34" charset="0"/>
+                    <a:ea typeface="Tahoma" panose="020B0604030504040204" pitchFamily="34" charset="0"/>
+                    <a:cs typeface="Tahoma" panose="020B0604030504040204" pitchFamily="34" charset="0"/>
+                  </a:rPr>
+                  <a:t>esperimento casuale </a:t>
+                </a:r>
+                <a:r>
+                  <a:rPr lang="it-IT" sz="2400" smtClean="0">
+                    <a:solidFill>
+                      <a:schemeClr val="tx1"/>
+                    </a:solidFill>
+                    <a:latin typeface="Tahoma" panose="020B0604030504040204" pitchFamily="34" charset="0"/>
+                    <a:ea typeface="Tahoma" panose="020B0604030504040204" pitchFamily="34" charset="0"/>
+                    <a:cs typeface="Tahoma" panose="020B0604030504040204" pitchFamily="34" charset="0"/>
+                  </a:rPr>
+                  <a:t>definito su un certo </a:t>
+                </a:r>
+                <a:r>
+                  <a:rPr lang="it-IT" sz="2400" b="1" smtClean="0">
+                    <a:solidFill>
+                      <a:schemeClr val="tx1"/>
+                    </a:solidFill>
+                    <a:latin typeface="Tahoma" panose="020B0604030504040204" pitchFamily="34" charset="0"/>
+                    <a:ea typeface="Tahoma" panose="020B0604030504040204" pitchFamily="34" charset="0"/>
+                    <a:cs typeface="Tahoma" panose="020B0604030504040204" pitchFamily="34" charset="0"/>
+                  </a:rPr>
+                  <a:t>spazio campionario </a:t>
+                </a:r>
+                <a:r>
+                  <a:rPr lang="it-IT" sz="2400" smtClean="0">
+                    <a:solidFill>
+                      <a:schemeClr val="tx1"/>
+                    </a:solidFill>
+                    <a:latin typeface="Tahoma" panose="020B0604030504040204" pitchFamily="34" charset="0"/>
+                    <a:ea typeface="Tahoma" panose="020B0604030504040204" pitchFamily="34" charset="0"/>
+                    <a:cs typeface="Tahoma" panose="020B0604030504040204" pitchFamily="34" charset="0"/>
+                  </a:rPr>
+                  <a:t>e con misura di probabilità P, nel </a:t>
+                </a:r>
+                <a:r>
+                  <a:rPr lang="it-IT" sz="2400" b="1" smtClean="0">
+                    <a:solidFill>
+                      <a:schemeClr val="tx1"/>
+                    </a:solidFill>
+                    <a:latin typeface="Tahoma" panose="020B0604030504040204" pitchFamily="34" charset="0"/>
+                    <a:ea typeface="Tahoma" panose="020B0604030504040204" pitchFamily="34" charset="0"/>
+                    <a:cs typeface="Tahoma" panose="020B0604030504040204" pitchFamily="34" charset="0"/>
+                  </a:rPr>
+                  <a:t>modello statistico di base, </a:t>
+                </a:r>
+                <a:r>
+                  <a:rPr lang="it-IT" sz="2400" smtClean="0">
+                    <a:solidFill>
+                      <a:schemeClr val="tx1"/>
+                    </a:solidFill>
+                    <a:latin typeface="Tahoma" panose="020B0604030504040204" pitchFamily="34" charset="0"/>
+                    <a:ea typeface="Tahoma" panose="020B0604030504040204" pitchFamily="34" charset="0"/>
+                    <a:cs typeface="Tahoma" panose="020B0604030504040204" pitchFamily="34" charset="0"/>
+                  </a:rPr>
+                  <a:t>abbiamo una </a:t>
+                </a:r>
+                <a:r>
+                  <a:rPr lang="it-IT" sz="2400" b="1" smtClean="0">
+                    <a:solidFill>
+                      <a:schemeClr val="tx1"/>
+                    </a:solidFill>
+                    <a:latin typeface="Tahoma" panose="020B0604030504040204" pitchFamily="34" charset="0"/>
+                    <a:ea typeface="Tahoma" panose="020B0604030504040204" pitchFamily="34" charset="0"/>
+                    <a:cs typeface="Tahoma" panose="020B0604030504040204" pitchFamily="34" charset="0"/>
+                  </a:rPr>
+                  <a:t>variabile casuale </a:t>
+                </a:r>
+                <a:r>
+                  <a:rPr lang="it-IT" sz="2400" smtClean="0">
+                    <a:solidFill>
+                      <a:schemeClr val="tx1"/>
+                    </a:solidFill>
+                    <a:latin typeface="Tahoma" panose="020B0604030504040204" pitchFamily="34" charset="0"/>
+                    <a:ea typeface="Tahoma" panose="020B0604030504040204" pitchFamily="34" charset="0"/>
+                    <a:cs typeface="Tahoma" panose="020B0604030504040204" pitchFamily="34" charset="0"/>
+                  </a:rPr>
+                  <a:t>osservabile </a:t>
+                </a:r>
+                <a:r>
+                  <a:rPr lang="it-IT" sz="2400" b="1" smtClean="0">
+                    <a:solidFill>
+                      <a:schemeClr val="tx1"/>
+                    </a:solidFill>
+                    <a:latin typeface="Tahoma" panose="020B0604030504040204" pitchFamily="34" charset="0"/>
+                    <a:ea typeface="Tahoma" panose="020B0604030504040204" pitchFamily="34" charset="0"/>
+                    <a:cs typeface="Tahoma" panose="020B0604030504040204" pitchFamily="34" charset="0"/>
+                  </a:rPr>
+                  <a:t>X </a:t>
+                </a:r>
+                <a:r>
+                  <a:rPr lang="it-IT" sz="2400" smtClean="0">
+                    <a:solidFill>
+                      <a:schemeClr val="tx1"/>
+                    </a:solidFill>
+                    <a:latin typeface="Tahoma" panose="020B0604030504040204" pitchFamily="34" charset="0"/>
+                    <a:ea typeface="Tahoma" panose="020B0604030504040204" pitchFamily="34" charset="0"/>
+                    <a:cs typeface="Tahoma" panose="020B0604030504040204" pitchFamily="34" charset="0"/>
+                  </a:rPr>
+                  <a:t>che assume valori in </a:t>
+                </a:r>
+                <a:r>
+                  <a:rPr lang="it-IT" sz="2400" b="1" smtClean="0">
+                    <a:solidFill>
+                      <a:schemeClr val="tx1"/>
+                    </a:solidFill>
+                    <a:latin typeface="Tahoma" panose="020B0604030504040204" pitchFamily="34" charset="0"/>
+                    <a:ea typeface="Tahoma" panose="020B0604030504040204" pitchFamily="34" charset="0"/>
+                    <a:cs typeface="Tahoma" panose="020B0604030504040204" pitchFamily="34" charset="0"/>
+                  </a:rPr>
+                  <a:t>S</a:t>
+                </a:r>
+                <a:r>
+                  <a:rPr lang="it-IT" sz="2400" smtClean="0">
+                    <a:solidFill>
+                      <a:schemeClr val="tx1"/>
+                    </a:solidFill>
+                    <a:latin typeface="Tahoma" panose="020B0604030504040204" pitchFamily="34" charset="0"/>
+                    <a:ea typeface="Tahoma" panose="020B0604030504040204" pitchFamily="34" charset="0"/>
+                    <a:cs typeface="Tahoma" panose="020B0604030504040204" pitchFamily="34" charset="0"/>
+                  </a:rPr>
+                  <a:t>. </a:t>
+                </a:r>
+              </a:p>
+              <a:p>
+                <a:pPr marL="342900" indent="-342900">
+                  <a:buFont typeface="Wingdings" panose="05000000000000000000" pitchFamily="2" charset="2"/>
+                  <a:buChar char="ü"/>
+                </a:pPr>
+                <a:r>
+                  <a:rPr lang="it-IT" sz="2400" smtClean="0">
+                    <a:solidFill>
+                      <a:schemeClr val="tx1"/>
+                    </a:solidFill>
+                    <a:latin typeface="Tahoma" panose="020B0604030504040204" pitchFamily="34" charset="0"/>
+                    <a:ea typeface="Tahoma" panose="020B0604030504040204" pitchFamily="34" charset="0"/>
+                    <a:cs typeface="Tahoma" panose="020B0604030504040204" pitchFamily="34" charset="0"/>
+                  </a:rPr>
+                  <a:t>In generale, </a:t>
+                </a:r>
+                <a:r>
+                  <a:rPr lang="it-IT" sz="2400" b="1" smtClean="0">
+                    <a:solidFill>
+                      <a:schemeClr val="tx1"/>
+                    </a:solidFill>
+                    <a:latin typeface="Tahoma" panose="020B0604030504040204" pitchFamily="34" charset="0"/>
+                    <a:ea typeface="Tahoma" panose="020B0604030504040204" pitchFamily="34" charset="0"/>
+                    <a:cs typeface="Tahoma" panose="020B0604030504040204" pitchFamily="34" charset="0"/>
+                  </a:rPr>
+                  <a:t>X </a:t>
+                </a:r>
+                <a:r>
+                  <a:rPr lang="it-IT" sz="2400" smtClean="0">
+                    <a:solidFill>
+                      <a:schemeClr val="tx1"/>
+                    </a:solidFill>
+                    <a:latin typeface="Tahoma" panose="020B0604030504040204" pitchFamily="34" charset="0"/>
+                    <a:ea typeface="Tahoma" panose="020B0604030504040204" pitchFamily="34" charset="0"/>
+                    <a:cs typeface="Tahoma" panose="020B0604030504040204" pitchFamily="34" charset="0"/>
+                  </a:rPr>
+                  <a:t>può avere struttura complessa, ad esempio, se l’esperimento consiste nell’estrarre </a:t>
+                </a:r>
+                <a:r>
+                  <a:rPr lang="it-IT" sz="2400" i="1" smtClean="0">
+                    <a:solidFill>
+                      <a:schemeClr val="tx1"/>
+                    </a:solidFill>
+                    <a:latin typeface="Tahoma" panose="020B0604030504040204" pitchFamily="34" charset="0"/>
+                    <a:ea typeface="Tahoma" panose="020B0604030504040204" pitchFamily="34" charset="0"/>
+                    <a:cs typeface="Tahoma" panose="020B0604030504040204" pitchFamily="34" charset="0"/>
+                  </a:rPr>
+                  <a:t>n </a:t>
+                </a:r>
+                <a:r>
+                  <a:rPr lang="it-IT" sz="2400" smtClean="0">
+                    <a:solidFill>
+                      <a:schemeClr val="tx1"/>
+                    </a:solidFill>
+                    <a:latin typeface="Tahoma" panose="020B0604030504040204" pitchFamily="34" charset="0"/>
+                    <a:ea typeface="Tahoma" panose="020B0604030504040204" pitchFamily="34" charset="0"/>
+                    <a:cs typeface="Tahoma" panose="020B0604030504040204" pitchFamily="34" charset="0"/>
+                  </a:rPr>
+                  <a:t>unità da una popolazione e registrare le varie misure di interese, allora: </a:t>
+                </a:r>
+              </a:p>
+              <a:p>
+                <a14:m>
+                  <m:oMathPara xmlns:m="http://schemas.openxmlformats.org/officeDocument/2006/math">
+                    <m:oMathParaPr>
+                      <m:jc m:val="centerGroup"/>
+                    </m:oMathParaPr>
+                    <m:oMath xmlns:m="http://schemas.openxmlformats.org/officeDocument/2006/math">
+                      <m:r>
+                        <a:rPr lang="it-IT" sz="2400" b="1" i="1" smtClean="0">
+                          <a:solidFill>
+                            <a:schemeClr val="tx1"/>
+                          </a:solidFill>
+                          <a:latin typeface="Cambria Math" panose="02040503050406030204" pitchFamily="18" charset="0"/>
+                          <a:ea typeface="Tahoma" panose="020B0604030504040204" pitchFamily="34" charset="0"/>
+                          <a:cs typeface="Tahoma" panose="020B0604030504040204" pitchFamily="34" charset="0"/>
+                        </a:rPr>
+                        <m:t>𝑿</m:t>
+                      </m:r>
+                      <m:r>
+                        <a:rPr lang="it-IT" sz="2400" b="1" i="1" smtClean="0">
+                          <a:solidFill>
+                            <a:schemeClr val="tx1"/>
+                          </a:solidFill>
+                          <a:latin typeface="Cambria Math" panose="02040503050406030204" pitchFamily="18" charset="0"/>
+                          <a:ea typeface="Tahoma" panose="020B0604030504040204" pitchFamily="34" charset="0"/>
+                          <a:cs typeface="Tahoma" panose="020B0604030504040204" pitchFamily="34" charset="0"/>
+                        </a:rPr>
+                        <m:t>=(</m:t>
+                      </m:r>
+                      <m:sSub>
+                        <m:sSubPr>
+                          <m:ctrlPr>
+                            <a:rPr lang="it-IT" sz="2400" b="1" i="1" smtClean="0">
+                              <a:solidFill>
+                                <a:schemeClr val="tx1"/>
+                              </a:solidFill>
+                              <a:latin typeface="Cambria Math" panose="02040503050406030204" pitchFamily="18" charset="0"/>
+                              <a:ea typeface="Tahoma" panose="020B0604030504040204" pitchFamily="34" charset="0"/>
+                              <a:cs typeface="Tahoma" panose="020B0604030504040204" pitchFamily="34" charset="0"/>
+                            </a:rPr>
+                          </m:ctrlPr>
+                        </m:sSubPr>
+                        <m:e>
+                          <m:r>
+                            <a:rPr lang="it-IT" sz="2400" b="1" i="1" smtClean="0">
+                              <a:solidFill>
+                                <a:schemeClr val="tx1"/>
+                              </a:solidFill>
+                              <a:latin typeface="Cambria Math" panose="02040503050406030204" pitchFamily="18" charset="0"/>
+                              <a:ea typeface="Tahoma" panose="020B0604030504040204" pitchFamily="34" charset="0"/>
+                              <a:cs typeface="Tahoma" panose="020B0604030504040204" pitchFamily="34" charset="0"/>
+                            </a:rPr>
+                            <m:t>𝑿</m:t>
+                          </m:r>
+                        </m:e>
+                        <m:sub>
+                          <m:r>
+                            <a:rPr lang="it-IT" sz="2400" b="1" i="1" smtClean="0">
+                              <a:solidFill>
+                                <a:schemeClr val="tx1"/>
+                              </a:solidFill>
+                              <a:latin typeface="Cambria Math" panose="02040503050406030204" pitchFamily="18" charset="0"/>
+                              <a:ea typeface="Tahoma" panose="020B0604030504040204" pitchFamily="34" charset="0"/>
+                              <a:cs typeface="Tahoma" panose="020B0604030504040204" pitchFamily="34" charset="0"/>
+                            </a:rPr>
+                            <m:t>𝟏</m:t>
+                          </m:r>
+                        </m:sub>
+                      </m:sSub>
+                      <m:r>
+                        <a:rPr lang="it-IT" sz="2400" b="1" i="1" smtClean="0">
+                          <a:solidFill>
+                            <a:schemeClr val="tx1"/>
+                          </a:solidFill>
+                          <a:latin typeface="Cambria Math" panose="02040503050406030204" pitchFamily="18" charset="0"/>
+                          <a:ea typeface="Tahoma" panose="020B0604030504040204" pitchFamily="34" charset="0"/>
+                          <a:cs typeface="Tahoma" panose="020B0604030504040204" pitchFamily="34" charset="0"/>
+                        </a:rPr>
+                        <m:t>,</m:t>
+                      </m:r>
+                      <m:sSub>
+                        <m:sSubPr>
+                          <m:ctrlPr>
+                            <a:rPr lang="it-IT" sz="2400" b="1" i="1">
+                              <a:solidFill>
+                                <a:schemeClr val="tx1"/>
+                              </a:solidFill>
+                              <a:latin typeface="Cambria Math" panose="02040503050406030204" pitchFamily="18" charset="0"/>
+                              <a:ea typeface="Tahoma" panose="020B0604030504040204" pitchFamily="34" charset="0"/>
+                              <a:cs typeface="Tahoma" panose="020B0604030504040204" pitchFamily="34" charset="0"/>
+                            </a:rPr>
+                          </m:ctrlPr>
+                        </m:sSubPr>
+                        <m:e>
+                          <m:r>
+                            <a:rPr lang="it-IT" sz="2400" b="1" i="1">
+                              <a:solidFill>
+                                <a:schemeClr val="tx1"/>
+                              </a:solidFill>
+                              <a:latin typeface="Cambria Math" panose="02040503050406030204" pitchFamily="18" charset="0"/>
+                              <a:ea typeface="Tahoma" panose="020B0604030504040204" pitchFamily="34" charset="0"/>
+                              <a:cs typeface="Tahoma" panose="020B0604030504040204" pitchFamily="34" charset="0"/>
+                            </a:rPr>
+                            <m:t>𝑿</m:t>
+                          </m:r>
+                        </m:e>
+                        <m:sub>
+                          <m:r>
+                            <a:rPr lang="it-IT" sz="2400" b="1" i="1" smtClean="0">
+                              <a:solidFill>
+                                <a:schemeClr val="tx1"/>
+                              </a:solidFill>
+                              <a:latin typeface="Cambria Math" panose="02040503050406030204" pitchFamily="18" charset="0"/>
+                              <a:ea typeface="Tahoma" panose="020B0604030504040204" pitchFamily="34" charset="0"/>
+                              <a:cs typeface="Tahoma" panose="020B0604030504040204" pitchFamily="34" charset="0"/>
+                            </a:rPr>
+                            <m:t>𝟐</m:t>
+                          </m:r>
+                        </m:sub>
+                      </m:sSub>
+                      <m:r>
+                        <a:rPr lang="it-IT" sz="2400" b="1" i="1">
+                          <a:solidFill>
+                            <a:schemeClr val="tx1"/>
+                          </a:solidFill>
+                          <a:latin typeface="Cambria Math" panose="02040503050406030204" pitchFamily="18" charset="0"/>
+                          <a:ea typeface="Tahoma" panose="020B0604030504040204" pitchFamily="34" charset="0"/>
+                          <a:cs typeface="Tahoma" panose="020B0604030504040204" pitchFamily="34" charset="0"/>
+                        </a:rPr>
+                        <m:t>,</m:t>
+                      </m:r>
+                      <m:r>
+                        <a:rPr lang="it-IT" sz="2400" b="1" i="1" smtClean="0">
+                          <a:solidFill>
+                            <a:schemeClr val="tx1"/>
+                          </a:solidFill>
+                          <a:latin typeface="Cambria Math" panose="02040503050406030204" pitchFamily="18" charset="0"/>
+                          <a:ea typeface="Tahoma" panose="020B0604030504040204" pitchFamily="34" charset="0"/>
+                          <a:cs typeface="Tahoma" panose="020B0604030504040204" pitchFamily="34" charset="0"/>
+                        </a:rPr>
+                        <m:t>…</m:t>
+                      </m:r>
+                      <m:sSub>
+                        <m:sSubPr>
+                          <m:ctrlPr>
+                            <a:rPr lang="it-IT" sz="2400" b="1" i="1">
+                              <a:solidFill>
+                                <a:schemeClr val="tx1"/>
+                              </a:solidFill>
+                              <a:latin typeface="Cambria Math" panose="02040503050406030204" pitchFamily="18" charset="0"/>
+                              <a:ea typeface="Tahoma" panose="020B0604030504040204" pitchFamily="34" charset="0"/>
+                              <a:cs typeface="Tahoma" panose="020B0604030504040204" pitchFamily="34" charset="0"/>
+                            </a:rPr>
+                          </m:ctrlPr>
+                        </m:sSubPr>
+                        <m:e>
+                          <m:r>
+                            <a:rPr lang="it-IT" sz="2400" b="1" i="1">
+                              <a:solidFill>
+                                <a:schemeClr val="tx1"/>
+                              </a:solidFill>
+                              <a:latin typeface="Cambria Math" panose="02040503050406030204" pitchFamily="18" charset="0"/>
+                              <a:ea typeface="Tahoma" panose="020B0604030504040204" pitchFamily="34" charset="0"/>
+                              <a:cs typeface="Tahoma" panose="020B0604030504040204" pitchFamily="34" charset="0"/>
+                            </a:rPr>
+                            <m:t>𝑿</m:t>
+                          </m:r>
+                        </m:e>
+                        <m:sub>
+                          <m:r>
+                            <a:rPr lang="it-IT" sz="2400" b="1" i="1" smtClean="0">
+                              <a:solidFill>
+                                <a:schemeClr val="tx1"/>
+                              </a:solidFill>
+                              <a:latin typeface="Cambria Math" panose="02040503050406030204" pitchFamily="18" charset="0"/>
+                              <a:ea typeface="Tahoma" panose="020B0604030504040204" pitchFamily="34" charset="0"/>
+                              <a:cs typeface="Tahoma" panose="020B0604030504040204" pitchFamily="34" charset="0"/>
+                            </a:rPr>
+                            <m:t>𝒏</m:t>
+                          </m:r>
+                        </m:sub>
+                      </m:sSub>
+                      <m:r>
+                        <a:rPr lang="it-IT" sz="2400" b="1" i="1" smtClean="0">
+                          <a:solidFill>
+                            <a:schemeClr val="tx1"/>
+                          </a:solidFill>
+                          <a:latin typeface="Cambria Math" panose="02040503050406030204" pitchFamily="18" charset="0"/>
+                          <a:ea typeface="Tahoma" panose="020B0604030504040204" pitchFamily="34" charset="0"/>
+                          <a:cs typeface="Tahoma" panose="020B0604030504040204" pitchFamily="34" charset="0"/>
+                        </a:rPr>
+                        <m:t>)</m:t>
+                      </m:r>
+                    </m:oMath>
+                  </m:oMathPara>
+                </a14:m>
+                <a:endParaRPr lang="it-IT" sz="2400" b="1" smtClean="0">
+                  <a:solidFill>
+                    <a:schemeClr val="tx1"/>
+                  </a:solidFill>
+                  <a:latin typeface="Tahoma" panose="020B0604030504040204" pitchFamily="34" charset="0"/>
+                  <a:ea typeface="Tahoma" panose="020B0604030504040204" pitchFamily="34" charset="0"/>
+                  <a:cs typeface="Tahoma" panose="020B0604030504040204" pitchFamily="34" charset="0"/>
+                </a:endParaRPr>
+              </a:p>
+              <a:p>
+                <a:pPr marL="342900" indent="-342900">
+                  <a:buFont typeface="Wingdings" panose="05000000000000000000" pitchFamily="2" charset="2"/>
+                  <a:buChar char="ü"/>
+                </a:pPr>
+                <a:r>
+                  <a:rPr lang="it-IT" sz="2400" smtClean="0">
+                    <a:solidFill>
+                      <a:schemeClr val="tx1"/>
+                    </a:solidFill>
+                    <a:latin typeface="Tahoma" panose="020B0604030504040204" pitchFamily="34" charset="0"/>
+                    <a:ea typeface="Tahoma" panose="020B0604030504040204" pitchFamily="34" charset="0"/>
+                    <a:cs typeface="Tahoma" panose="020B0604030504040204" pitchFamily="34" charset="0"/>
+                  </a:rPr>
+                  <a:t>dove </a:t>
+                </a:r>
+                <a14:m>
+                  <m:oMath xmlns:m="http://schemas.openxmlformats.org/officeDocument/2006/math">
+                    <m:sSub>
+                      <m:sSubPr>
+                        <m:ctrlPr>
+                          <a:rPr lang="it-IT" sz="2400" b="1" i="1">
+                            <a:solidFill>
+                              <a:schemeClr val="tx1"/>
+                            </a:solidFill>
+                            <a:latin typeface="Cambria Math" panose="02040503050406030204" pitchFamily="18" charset="0"/>
+                            <a:ea typeface="Tahoma" panose="020B0604030504040204" pitchFamily="34" charset="0"/>
+                            <a:cs typeface="Tahoma" panose="020B0604030504040204" pitchFamily="34" charset="0"/>
+                          </a:rPr>
+                        </m:ctrlPr>
+                      </m:sSubPr>
+                      <m:e>
+                        <m:r>
+                          <a:rPr lang="it-IT" sz="2400" b="1" i="1">
+                            <a:solidFill>
+                              <a:schemeClr val="tx1"/>
+                            </a:solidFill>
+                            <a:latin typeface="Cambria Math" panose="02040503050406030204" pitchFamily="18" charset="0"/>
+                            <a:ea typeface="Tahoma" panose="020B0604030504040204" pitchFamily="34" charset="0"/>
+                            <a:cs typeface="Tahoma" panose="020B0604030504040204" pitchFamily="34" charset="0"/>
+                          </a:rPr>
+                          <m:t>𝑿</m:t>
+                        </m:r>
+                      </m:e>
+                      <m:sub>
+                        <m:r>
+                          <a:rPr lang="it-IT" sz="2400" b="1" i="1" smtClean="0">
+                            <a:solidFill>
+                              <a:schemeClr val="tx1"/>
+                            </a:solidFill>
+                            <a:latin typeface="Cambria Math" panose="02040503050406030204" pitchFamily="18" charset="0"/>
+                            <a:ea typeface="Tahoma" panose="020B0604030504040204" pitchFamily="34" charset="0"/>
+                            <a:cs typeface="Tahoma" panose="020B0604030504040204" pitchFamily="34" charset="0"/>
+                          </a:rPr>
+                          <m:t>𝒊</m:t>
+                        </m:r>
+                      </m:sub>
+                    </m:sSub>
+                    <m:r>
+                      <a:rPr lang="it-IT" sz="2400" b="1" i="1" smtClean="0">
+                        <a:solidFill>
+                          <a:schemeClr val="tx1"/>
+                        </a:solidFill>
+                        <a:latin typeface="Cambria Math" panose="02040503050406030204" pitchFamily="18" charset="0"/>
+                        <a:ea typeface="Tahoma" panose="020B0604030504040204" pitchFamily="34" charset="0"/>
+                        <a:cs typeface="Tahoma" panose="020B0604030504040204" pitchFamily="34" charset="0"/>
+                      </a:rPr>
+                      <m:t> </m:t>
+                    </m:r>
+                  </m:oMath>
+                </a14:m>
+                <a:r>
+                  <a:rPr lang="it-IT" sz="2400" smtClean="0">
+                    <a:solidFill>
+                      <a:schemeClr val="tx1"/>
+                    </a:solidFill>
+                    <a:latin typeface="Tahoma" panose="020B0604030504040204" pitchFamily="34" charset="0"/>
+                    <a:ea typeface="Tahoma" panose="020B0604030504040204" pitchFamily="34" charset="0"/>
+                    <a:cs typeface="Tahoma" panose="020B0604030504040204" pitchFamily="34" charset="0"/>
+                  </a:rPr>
+                  <a:t>è il vettore di misurazioni per l’</a:t>
+                </a:r>
+                <a:r>
+                  <a:rPr lang="it-IT" sz="2400" i="1" smtClean="0">
+                    <a:solidFill>
+                      <a:schemeClr val="tx1"/>
+                    </a:solidFill>
+                    <a:latin typeface="Tahoma" panose="020B0604030504040204" pitchFamily="34" charset="0"/>
+                    <a:ea typeface="Tahoma" panose="020B0604030504040204" pitchFamily="34" charset="0"/>
+                    <a:cs typeface="Tahoma" panose="020B0604030504040204" pitchFamily="34" charset="0"/>
+                  </a:rPr>
+                  <a:t>i-</a:t>
+                </a:r>
+                <a:r>
+                  <a:rPr lang="it-IT" sz="2400" smtClean="0">
+                    <a:solidFill>
+                      <a:schemeClr val="tx1"/>
+                    </a:solidFill>
+                    <a:latin typeface="Tahoma" panose="020B0604030504040204" pitchFamily="34" charset="0"/>
+                    <a:ea typeface="Tahoma" panose="020B0604030504040204" pitchFamily="34" charset="0"/>
+                    <a:cs typeface="Tahoma" panose="020B0604030504040204" pitchFamily="34" charset="0"/>
+                  </a:rPr>
+                  <a:t>esima unità. </a:t>
+                </a:r>
+              </a:p>
+              <a:p>
+                <a:pPr marL="342900" indent="-342900">
+                  <a:buFont typeface="Wingdings" panose="05000000000000000000" pitchFamily="2" charset="2"/>
+                  <a:buChar char="ü"/>
+                </a:pPr>
+                <a:r>
+                  <a:rPr lang="it-IT" sz="2400" smtClean="0">
+                    <a:solidFill>
+                      <a:schemeClr val="tx1"/>
+                    </a:solidFill>
+                    <a:latin typeface="Tahoma" panose="020B0604030504040204" pitchFamily="34" charset="0"/>
+                    <a:ea typeface="Tahoma" panose="020B0604030504040204" pitchFamily="34" charset="0"/>
+                    <a:cs typeface="Tahoma" panose="020B0604030504040204" pitchFamily="34" charset="0"/>
+                  </a:rPr>
+                  <a:t>Il caso più importante si ha quando </a:t>
+                </a:r>
+                <a14:m>
+                  <m:oMath xmlns:m="http://schemas.openxmlformats.org/officeDocument/2006/math">
+                    <m:sSub>
+                      <m:sSubPr>
+                        <m:ctrlPr>
+                          <a:rPr lang="it-IT" sz="2400" b="1" i="1">
+                            <a:solidFill>
+                              <a:schemeClr val="tx1"/>
+                            </a:solidFill>
+                            <a:latin typeface="Cambria Math" panose="02040503050406030204" pitchFamily="18" charset="0"/>
+                            <a:ea typeface="Tahoma" panose="020B0604030504040204" pitchFamily="34" charset="0"/>
+                            <a:cs typeface="Tahoma" panose="020B0604030504040204" pitchFamily="34" charset="0"/>
+                          </a:rPr>
+                        </m:ctrlPr>
+                      </m:sSubPr>
+                      <m:e>
+                        <m:r>
+                          <a:rPr lang="it-IT" sz="2400" b="1" i="1">
+                            <a:solidFill>
+                              <a:schemeClr val="tx1"/>
+                            </a:solidFill>
+                            <a:latin typeface="Cambria Math" panose="02040503050406030204" pitchFamily="18" charset="0"/>
+                            <a:ea typeface="Tahoma" panose="020B0604030504040204" pitchFamily="34" charset="0"/>
+                            <a:cs typeface="Tahoma" panose="020B0604030504040204" pitchFamily="34" charset="0"/>
+                          </a:rPr>
+                          <m:t>𝑿</m:t>
+                        </m:r>
+                      </m:e>
+                      <m:sub>
+                        <m:r>
+                          <a:rPr lang="it-IT" sz="2400" b="1" i="1">
+                            <a:solidFill>
+                              <a:schemeClr val="tx1"/>
+                            </a:solidFill>
+                            <a:latin typeface="Cambria Math" panose="02040503050406030204" pitchFamily="18" charset="0"/>
+                            <a:ea typeface="Tahoma" panose="020B0604030504040204" pitchFamily="34" charset="0"/>
+                            <a:cs typeface="Tahoma" panose="020B0604030504040204" pitchFamily="34" charset="0"/>
+                          </a:rPr>
+                          <m:t>𝟏</m:t>
+                        </m:r>
+                      </m:sub>
+                    </m:sSub>
+                    <m:r>
+                      <a:rPr lang="it-IT" sz="2400" b="1" i="1">
+                        <a:solidFill>
+                          <a:schemeClr val="tx1"/>
+                        </a:solidFill>
+                        <a:latin typeface="Cambria Math" panose="02040503050406030204" pitchFamily="18" charset="0"/>
+                        <a:ea typeface="Tahoma" panose="020B0604030504040204" pitchFamily="34" charset="0"/>
+                        <a:cs typeface="Tahoma" panose="020B0604030504040204" pitchFamily="34" charset="0"/>
+                      </a:rPr>
+                      <m:t>,</m:t>
+                    </m:r>
+                    <m:sSub>
+                      <m:sSubPr>
+                        <m:ctrlPr>
+                          <a:rPr lang="it-IT" sz="2400" b="1" i="1">
+                            <a:solidFill>
+                              <a:schemeClr val="tx1"/>
+                            </a:solidFill>
+                            <a:latin typeface="Cambria Math" panose="02040503050406030204" pitchFamily="18" charset="0"/>
+                            <a:ea typeface="Tahoma" panose="020B0604030504040204" pitchFamily="34" charset="0"/>
+                            <a:cs typeface="Tahoma" panose="020B0604030504040204" pitchFamily="34" charset="0"/>
+                          </a:rPr>
+                        </m:ctrlPr>
+                      </m:sSubPr>
+                      <m:e>
+                        <m:r>
+                          <a:rPr lang="it-IT" sz="2400" b="1" i="1">
+                            <a:solidFill>
+                              <a:schemeClr val="tx1"/>
+                            </a:solidFill>
+                            <a:latin typeface="Cambria Math" panose="02040503050406030204" pitchFamily="18" charset="0"/>
+                            <a:ea typeface="Tahoma" panose="020B0604030504040204" pitchFamily="34" charset="0"/>
+                            <a:cs typeface="Tahoma" panose="020B0604030504040204" pitchFamily="34" charset="0"/>
+                          </a:rPr>
+                          <m:t>𝑿</m:t>
+                        </m:r>
+                      </m:e>
+                      <m:sub>
+                        <m:r>
+                          <a:rPr lang="it-IT" sz="2400" b="1" i="1">
+                            <a:solidFill>
+                              <a:schemeClr val="tx1"/>
+                            </a:solidFill>
+                            <a:latin typeface="Cambria Math" panose="02040503050406030204" pitchFamily="18" charset="0"/>
+                            <a:ea typeface="Tahoma" panose="020B0604030504040204" pitchFamily="34" charset="0"/>
+                            <a:cs typeface="Tahoma" panose="020B0604030504040204" pitchFamily="34" charset="0"/>
+                          </a:rPr>
+                          <m:t>𝟐</m:t>
+                        </m:r>
+                      </m:sub>
+                    </m:sSub>
+                    <m:r>
+                      <a:rPr lang="it-IT" sz="2400" b="1" i="1">
+                        <a:solidFill>
+                          <a:schemeClr val="tx1"/>
+                        </a:solidFill>
+                        <a:latin typeface="Cambria Math" panose="02040503050406030204" pitchFamily="18" charset="0"/>
+                        <a:ea typeface="Tahoma" panose="020B0604030504040204" pitchFamily="34" charset="0"/>
+                        <a:cs typeface="Tahoma" panose="020B0604030504040204" pitchFamily="34" charset="0"/>
+                      </a:rPr>
+                      <m:t>,</m:t>
+                    </m:r>
+                    <m:r>
+                      <a:rPr lang="it-IT" sz="2400" b="1" i="1">
+                        <a:solidFill>
+                          <a:schemeClr val="tx1"/>
+                        </a:solidFill>
+                        <a:latin typeface="Cambria Math" panose="02040503050406030204" pitchFamily="18" charset="0"/>
+                        <a:ea typeface="Tahoma" panose="020B0604030504040204" pitchFamily="34" charset="0"/>
+                        <a:cs typeface="Tahoma" panose="020B0604030504040204" pitchFamily="34" charset="0"/>
+                      </a:rPr>
+                      <m:t>…</m:t>
+                    </m:r>
+                    <m:sSub>
+                      <m:sSubPr>
+                        <m:ctrlPr>
+                          <a:rPr lang="it-IT" sz="2400" b="1" i="1">
+                            <a:solidFill>
+                              <a:schemeClr val="tx1"/>
+                            </a:solidFill>
+                            <a:latin typeface="Cambria Math" panose="02040503050406030204" pitchFamily="18" charset="0"/>
+                            <a:ea typeface="Tahoma" panose="020B0604030504040204" pitchFamily="34" charset="0"/>
+                            <a:cs typeface="Tahoma" panose="020B0604030504040204" pitchFamily="34" charset="0"/>
+                          </a:rPr>
+                        </m:ctrlPr>
+                      </m:sSubPr>
+                      <m:e>
+                        <m:r>
+                          <a:rPr lang="it-IT" sz="2400" b="1" i="1">
+                            <a:solidFill>
+                              <a:schemeClr val="tx1"/>
+                            </a:solidFill>
+                            <a:latin typeface="Cambria Math" panose="02040503050406030204" pitchFamily="18" charset="0"/>
+                            <a:ea typeface="Tahoma" panose="020B0604030504040204" pitchFamily="34" charset="0"/>
+                            <a:cs typeface="Tahoma" panose="020B0604030504040204" pitchFamily="34" charset="0"/>
+                          </a:rPr>
+                          <m:t>𝑿</m:t>
+                        </m:r>
+                      </m:e>
+                      <m:sub>
+                        <m:r>
+                          <a:rPr lang="it-IT" sz="2400" b="1" i="1">
+                            <a:solidFill>
+                              <a:schemeClr val="tx1"/>
+                            </a:solidFill>
+                            <a:latin typeface="Cambria Math" panose="02040503050406030204" pitchFamily="18" charset="0"/>
+                            <a:ea typeface="Tahoma" panose="020B0604030504040204" pitchFamily="34" charset="0"/>
+                            <a:cs typeface="Tahoma" panose="020B0604030504040204" pitchFamily="34" charset="0"/>
+                          </a:rPr>
+                          <m:t>𝒏</m:t>
+                        </m:r>
+                      </m:sub>
+                    </m:sSub>
+                  </m:oMath>
+                </a14:m>
+                <a:r>
+                  <a:rPr lang="it-IT" sz="2400" smtClean="0">
+                    <a:solidFill>
+                      <a:schemeClr val="tx1"/>
+                    </a:solidFill>
+                    <a:latin typeface="Tahoma" panose="020B0604030504040204" pitchFamily="34" charset="0"/>
+                    <a:ea typeface="Tahoma" panose="020B0604030504040204" pitchFamily="34" charset="0"/>
+                    <a:cs typeface="Tahoma" panose="020B0604030504040204" pitchFamily="34" charset="0"/>
+                  </a:rPr>
+                  <a:t> </a:t>
+                </a:r>
+                <a:r>
+                  <a:rPr lang="it-IT" sz="2400" smtClean="0">
+                    <a:solidFill>
+                      <a:schemeClr val="tx1"/>
+                    </a:solidFill>
+                    <a:latin typeface="Tahoma" panose="020B0604030504040204" pitchFamily="34" charset="0"/>
+                    <a:ea typeface="Tahoma" panose="020B0604030504040204" pitchFamily="34" charset="0"/>
+                    <a:cs typeface="Tahoma" panose="020B0604030504040204" pitchFamily="34" charset="0"/>
+                  </a:rPr>
+                  <a:t>sono indipendenti e identicamente distribuite. Si ha allora un </a:t>
+                </a:r>
+                <a:r>
+                  <a:rPr lang="it-IT" sz="2400" b="1" smtClean="0">
+                    <a:solidFill>
+                      <a:schemeClr val="tx1"/>
+                    </a:solidFill>
+                    <a:latin typeface="Tahoma" panose="020B0604030504040204" pitchFamily="34" charset="0"/>
+                    <a:ea typeface="Tahoma" panose="020B0604030504040204" pitchFamily="34" charset="0"/>
+                    <a:cs typeface="Tahoma" panose="020B0604030504040204" pitchFamily="34" charset="0"/>
+                  </a:rPr>
+                  <a:t>campione casuale</a:t>
+                </a:r>
+                <a:r>
+                  <a:rPr lang="it-IT" sz="2400" smtClean="0">
+                    <a:solidFill>
+                      <a:schemeClr val="tx1"/>
+                    </a:solidFill>
+                    <a:latin typeface="Tahoma" panose="020B0604030504040204" pitchFamily="34" charset="0"/>
+                    <a:ea typeface="Tahoma" panose="020B0604030504040204" pitchFamily="34" charset="0"/>
+                    <a:cs typeface="Tahoma" panose="020B0604030504040204" pitchFamily="34" charset="0"/>
+                  </a:rPr>
+                  <a:t> di dimensione </a:t>
+                </a:r>
+                <a:r>
+                  <a:rPr lang="it-IT" sz="2400" i="1" smtClean="0">
+                    <a:solidFill>
+                      <a:schemeClr val="tx1"/>
+                    </a:solidFill>
+                    <a:latin typeface="Tahoma" panose="020B0604030504040204" pitchFamily="34" charset="0"/>
+                    <a:ea typeface="Tahoma" panose="020B0604030504040204" pitchFamily="34" charset="0"/>
+                    <a:cs typeface="Tahoma" panose="020B0604030504040204" pitchFamily="34" charset="0"/>
+                  </a:rPr>
+                  <a:t>n </a:t>
+                </a:r>
+                <a:r>
+                  <a:rPr lang="it-IT" sz="2400" smtClean="0">
+                    <a:solidFill>
+                      <a:schemeClr val="tx1"/>
+                    </a:solidFill>
+                    <a:latin typeface="Tahoma" panose="020B0604030504040204" pitchFamily="34" charset="0"/>
+                    <a:ea typeface="Tahoma" panose="020B0604030504040204" pitchFamily="34" charset="0"/>
+                    <a:cs typeface="Tahoma" panose="020B0604030504040204" pitchFamily="34" charset="0"/>
+                  </a:rPr>
+                  <a:t>dalla distribuzione comune</a:t>
+                </a:r>
+                <a:endParaRPr lang="it-IT" sz="2400">
+                  <a:solidFill>
+                    <a:schemeClr val="tx1"/>
+                  </a:solidFill>
+                  <a:latin typeface="Tahoma" panose="020B0604030504040204" pitchFamily="34" charset="0"/>
+                  <a:ea typeface="Tahoma" panose="020B0604030504040204" pitchFamily="34" charset="0"/>
+                  <a:cs typeface="Tahoma" panose="020B0604030504040204" pitchFamily="34" charset="0"/>
+                </a:endParaRPr>
+              </a:p>
+            </p:txBody>
+          </p:sp>
+        </mc:Choice>
+        <mc:Fallback>
+          <p:sp>
+            <p:nvSpPr>
+              <p:cNvPr id="2" name="Segnaposto testo 1">
+                <a:extLst>
+                  <a:ext uri="{FF2B5EF4-FFF2-40B4-BE49-F238E27FC236}">
+                    <a16:creationId xmlns:a16="http://schemas.microsoft.com/office/drawing/2014/main" id="{E5AE986C-196F-4141-A898-FA4C4198CDCC}"/>
+                  </a:ext>
+                </a:extLst>
+              </p:cNvPr>
+              <p:cNvSpPr>
+                <a:spLocks noGrp="1" noRot="1" noChangeAspect="1" noMove="1" noResize="1" noEditPoints="1" noAdjustHandles="1" noChangeArrowheads="1" noChangeShapeType="1" noTextEdit="1"/>
+              </p:cNvSpPr>
+              <p:nvPr>
+                <p:ph type="body" idx="1"/>
+              </p:nvPr>
+            </p:nvSpPr>
+            <p:spPr>
+              <a:xfrm>
+                <a:off x="323467" y="1232694"/>
+                <a:ext cx="8465969" cy="4392612"/>
+              </a:xfrm>
+              <a:blipFill>
+                <a:blip r:embed="rId2"/>
+                <a:stretch>
+                  <a:fillRect l="-2016" t="-2080" r="-2880" b="-26352"/>
+                </a:stretch>
+              </a:blipFill>
+            </p:spPr>
+            <p:txBody>
+              <a:bodyPr/>
+              <a:lstStyle/>
+              <a:p>
+                <a:r>
+                  <a:rPr lang="it-IT">
+                    <a:noFill/>
+                  </a:rPr>
+                  <a:t> </a:t>
+                </a:r>
+              </a:p>
+            </p:txBody>
+          </p:sp>
+        </mc:Fallback>
+      </mc:AlternateContent>
       <p:sp>
         <p:nvSpPr>
           <p:cNvPr id="7" name="Segnaposto numero diapositiva 6">
@@ -13840,8 +14580,8 @@
           <a:lstStyle/>
           <a:p>
             <a:r>
-              <a:rPr lang="it-IT" altLang="it-IT"/>
-              <a:t>Stimatori, Bias e Varianza per il Machine Learning</a:t>
+              <a:rPr lang="it-IT" altLang="it-IT" smtClean="0"/>
+              <a:t>Errore di prima specie ed errore di seconda specie</a:t>
             </a:r>
             <a:endParaRPr lang="it-IT" dirty="0"/>
           </a:p>
@@ -13849,28 +14589,28 @@
       </p:sp>
       <p:pic>
         <p:nvPicPr>
-          <p:cNvPr id="4" name="Immagine 3">
-            <a:extLst>
-              <a:ext uri="{FF2B5EF4-FFF2-40B4-BE49-F238E27FC236}">
-                <a16:creationId xmlns:a16="http://schemas.microsoft.com/office/drawing/2014/main" id="{1D49AD20-C368-5814-3F94-DA7E3090D91B}"/>
-              </a:ext>
-            </a:extLst>
-          </p:cNvPr>
+          <p:cNvPr id="3" name="Immagine 2"/>
           <p:cNvPicPr>
             <a:picLocks noChangeAspect="1"/>
           </p:cNvPicPr>
           <p:nvPr/>
         </p:nvPicPr>
         <p:blipFill>
-          <a:blip r:embed="rId2"/>
+          <a:blip r:embed="rId3">
+            <a:extLst>
+              <a:ext uri="{28A0092B-C50C-407E-A947-70E740481C1C}">
+                <a14:useLocalDpi xmlns:a14="http://schemas.microsoft.com/office/drawing/2010/main" val="0"/>
+              </a:ext>
+            </a:extLst>
+          </a:blip>
           <a:stretch>
             <a:fillRect/>
           </a:stretch>
         </p:blipFill>
         <p:spPr>
           <a:xfrm>
-            <a:off x="8526780" y="1922981"/>
-            <a:ext cx="3341752" cy="3714999"/>
+            <a:off x="8526780" y="1832881"/>
+            <a:ext cx="3263285" cy="3466907"/>
           </a:xfrm>
           <a:prstGeom prst="rect">
             <a:avLst/>
@@ -13880,7 +14620,7 @@
     </p:spTree>
     <p:extLst>
       <p:ext uri="{BB962C8B-B14F-4D97-AF65-F5344CB8AC3E}">
-        <p14:creationId xmlns:p14="http://schemas.microsoft.com/office/powerpoint/2010/main" val="2188211107"/>
+        <p14:creationId xmlns:p14="http://schemas.microsoft.com/office/powerpoint/2010/main" val="2518897299"/>
       </p:ext>
     </p:extLst>
   </p:cSld>
@@ -13927,8 +14667,8 @@
             </p:nvSpPr>
             <p:spPr>
               <a:xfrm>
-                <a:off x="323468" y="1232694"/>
-                <a:ext cx="11632312" cy="4392612"/>
+                <a:off x="468895" y="1288677"/>
+                <a:ext cx="11418305" cy="4392612"/>
               </a:xfrm>
             </p:spPr>
             <p:txBody>
@@ -13940,103 +14680,48 @@
                   <a:buChar char="ü"/>
                 </a:pPr>
                 <a:r>
-                  <a:rPr lang="it-IT" sz="2400">
-                    <a:solidFill>
-                      <a:schemeClr val="tx1"/>
-                    </a:solidFill>
-                    <a:latin typeface="Tahoma" panose="020B0604030504040204" pitchFamily="34" charset="0"/>
-                    <a:ea typeface="Tahoma" panose="020B0604030504040204" pitchFamily="34" charset="0"/>
-                    <a:cs typeface="Tahoma" panose="020B0604030504040204" pitchFamily="34" charset="0"/>
-                  </a:rPr>
-                  <a:t>La </a:t>
-                </a:r>
-                <a:r>
-                  <a:rPr lang="it-IT" sz="2400" b="1">
-                    <a:solidFill>
-                      <a:schemeClr val="tx1"/>
-                    </a:solidFill>
-                    <a:latin typeface="Tahoma" panose="020B0604030504040204" pitchFamily="34" charset="0"/>
-                    <a:ea typeface="Tahoma" panose="020B0604030504040204" pitchFamily="34" charset="0"/>
-                    <a:cs typeface="Tahoma" panose="020B0604030504040204" pitchFamily="34" charset="0"/>
-                  </a:rPr>
-                  <a:t>Stima Puntuale </a:t>
-                </a:r>
-                <a:r>
-                  <a:rPr lang="it-IT" sz="2400">
-                    <a:solidFill>
-                      <a:schemeClr val="tx1"/>
-                    </a:solidFill>
-                    <a:latin typeface="Tahoma" panose="020B0604030504040204" pitchFamily="34" charset="0"/>
-                    <a:ea typeface="Tahoma" panose="020B0604030504040204" pitchFamily="34" charset="0"/>
-                    <a:cs typeface="Tahoma" panose="020B0604030504040204" pitchFamily="34" charset="0"/>
-                  </a:rPr>
-                  <a:t>è dunque il tentativo di fornire la migliore predizione singola ad alcune quantità di interesse. In generale le quantità di interesse possono essere un </a:t>
-                </a:r>
-                <a:r>
-                  <a:rPr lang="it-IT" sz="2400" b="1">
-                    <a:solidFill>
-                      <a:schemeClr val="tx1"/>
-                    </a:solidFill>
-                    <a:latin typeface="Tahoma" panose="020B0604030504040204" pitchFamily="34" charset="0"/>
-                    <a:ea typeface="Tahoma" panose="020B0604030504040204" pitchFamily="34" charset="0"/>
-                    <a:cs typeface="Tahoma" panose="020B0604030504040204" pitchFamily="34" charset="0"/>
-                  </a:rPr>
-                  <a:t>singolo parametro </a:t>
-                </a:r>
-                <a:r>
-                  <a:rPr lang="it-IT" sz="2400">
-                    <a:solidFill>
-                      <a:schemeClr val="tx1"/>
-                    </a:solidFill>
-                    <a:latin typeface="Tahoma" panose="020B0604030504040204" pitchFamily="34" charset="0"/>
-                    <a:ea typeface="Tahoma" panose="020B0604030504040204" pitchFamily="34" charset="0"/>
-                    <a:cs typeface="Tahoma" panose="020B0604030504040204" pitchFamily="34" charset="0"/>
-                  </a:rPr>
-                  <a:t>o un vettore di parametri in alcuni modelli parametrici, come i pesi di una </a:t>
-                </a:r>
-                <a:r>
-                  <a:rPr lang="it-IT" sz="2400" b="1">
-                    <a:solidFill>
-                      <a:schemeClr val="tx1"/>
-                    </a:solidFill>
-                    <a:latin typeface="Tahoma" panose="020B0604030504040204" pitchFamily="34" charset="0"/>
-                    <a:ea typeface="Tahoma" panose="020B0604030504040204" pitchFamily="34" charset="0"/>
-                    <a:cs typeface="Tahoma" panose="020B0604030504040204" pitchFamily="34" charset="0"/>
-                  </a:rPr>
-                  <a:t>rete neurale</a:t>
-                </a:r>
-                <a:r>
-                  <a:rPr lang="it-IT" sz="2400">
-                    <a:solidFill>
-                      <a:schemeClr val="tx1"/>
-                    </a:solidFill>
-                    <a:latin typeface="Tahoma" panose="020B0604030504040204" pitchFamily="34" charset="0"/>
-                    <a:ea typeface="Tahoma" panose="020B0604030504040204" pitchFamily="34" charset="0"/>
-                    <a:cs typeface="Tahoma" panose="020B0604030504040204" pitchFamily="34" charset="0"/>
-                  </a:rPr>
-                  <a:t> o i coefficienti di una </a:t>
-                </a:r>
-                <a:r>
-                  <a:rPr lang="it-IT" sz="2400" b="1">
-                    <a:solidFill>
-                      <a:schemeClr val="tx1"/>
-                    </a:solidFill>
-                    <a:latin typeface="Tahoma" panose="020B0604030504040204" pitchFamily="34" charset="0"/>
-                    <a:ea typeface="Tahoma" panose="020B0604030504040204" pitchFamily="34" charset="0"/>
-                    <a:cs typeface="Tahoma" panose="020B0604030504040204" pitchFamily="34" charset="0"/>
-                  </a:rPr>
-                  <a:t>regressione lineare</a:t>
-                </a:r>
-                <a:r>
-                  <a:rPr lang="it-IT" sz="2400">
-                    <a:solidFill>
-                      <a:schemeClr val="tx1"/>
-                    </a:solidFill>
-                    <a:latin typeface="Tahoma" panose="020B0604030504040204" pitchFamily="34" charset="0"/>
-                    <a:ea typeface="Tahoma" panose="020B0604030504040204" pitchFamily="34" charset="0"/>
-                    <a:cs typeface="Tahoma" panose="020B0604030504040204" pitchFamily="34" charset="0"/>
-                  </a:rPr>
-                  <a:t>. </a:t>
+                  <a:rPr lang="it-IT" sz="2400" b="1" smtClean="0">
+                    <a:solidFill>
+                      <a:schemeClr val="tx1"/>
+                    </a:solidFill>
+                    <a:latin typeface="Tahoma" panose="020B0604030504040204" pitchFamily="34" charset="0"/>
+                    <a:ea typeface="Tahoma" panose="020B0604030504040204" pitchFamily="34" charset="0"/>
+                    <a:cs typeface="Tahoma" panose="020B0604030504040204" pitchFamily="34" charset="0"/>
+                  </a:rPr>
+                  <a:t>Un’ipotesi statistica </a:t>
+                </a:r>
+                <a:r>
+                  <a:rPr lang="it-IT" sz="2400" smtClean="0">
+                    <a:solidFill>
+                      <a:schemeClr val="tx1"/>
+                    </a:solidFill>
+                    <a:latin typeface="Tahoma" panose="020B0604030504040204" pitchFamily="34" charset="0"/>
+                    <a:ea typeface="Tahoma" panose="020B0604030504040204" pitchFamily="34" charset="0"/>
+                    <a:cs typeface="Tahoma" panose="020B0604030504040204" pitchFamily="34" charset="0"/>
+                  </a:rPr>
+                  <a:t>è un’asserzione sulla distribuzione della variabile </a:t>
+                </a:r>
+                <a:r>
+                  <a:rPr lang="it-IT" sz="2400" b="1" smtClean="0">
+                    <a:solidFill>
+                      <a:schemeClr val="tx1"/>
+                    </a:solidFill>
+                    <a:latin typeface="Tahoma" panose="020B0604030504040204" pitchFamily="34" charset="0"/>
+                    <a:ea typeface="Tahoma" panose="020B0604030504040204" pitchFamily="34" charset="0"/>
+                    <a:cs typeface="Tahoma" panose="020B0604030504040204" pitchFamily="34" charset="0"/>
+                  </a:rPr>
+                  <a:t>X </a:t>
+                </a:r>
+                <a:r>
+                  <a:rPr lang="it-IT" sz="2400" smtClean="0">
+                    <a:solidFill>
+                      <a:schemeClr val="tx1"/>
+                    </a:solidFill>
+                    <a:latin typeface="Tahoma" panose="020B0604030504040204" pitchFamily="34" charset="0"/>
+                    <a:ea typeface="Tahoma" panose="020B0604030504040204" pitchFamily="34" charset="0"/>
+                    <a:cs typeface="Tahoma" panose="020B0604030504040204" pitchFamily="34" charset="0"/>
+                  </a:rPr>
+                  <a:t>(ipotesi appunto). </a:t>
                 </a:r>
               </a:p>
               <a:p>
@@ -14045,43 +14730,208 @@
                   <a:buChar char="ü"/>
                 </a:pPr>
                 <a:r>
-                  <a:rPr lang="it-IT" sz="2400">
-                    <a:solidFill>
-                      <a:schemeClr val="tx1"/>
-                    </a:solidFill>
-                    <a:latin typeface="Tahoma" panose="020B0604030504040204" pitchFamily="34" charset="0"/>
-                    <a:ea typeface="Tahoma" panose="020B0604030504040204" pitchFamily="34" charset="0"/>
-                    <a:cs typeface="Tahoma" panose="020B0604030504040204" pitchFamily="34" charset="0"/>
-                  </a:rPr>
-                  <a:t>Al fine di distringere le stime dei parametri dai loro valori veri, la nostra convenzione sarà di denotare una stima puntuale di un parametro </a:t>
-                </a:r>
-                <a:r>
-                  <a:rPr lang="el-GR" sz="2400">
-                    <a:solidFill>
-                      <a:schemeClr val="tx1"/>
-                    </a:solidFill>
-                    <a:latin typeface="Tahoma" panose="020B0604030504040204" pitchFamily="34" charset="0"/>
-                    <a:ea typeface="Tahoma" panose="020B0604030504040204" pitchFamily="34" charset="0"/>
-                    <a:cs typeface="Tahoma" panose="020B0604030504040204" pitchFamily="34" charset="0"/>
-                  </a:rPr>
-                  <a:t>ϴ</a:t>
-                </a:r>
-                <a:r>
-                  <a:rPr lang="it-IT" sz="2400">
-                    <a:solidFill>
-                      <a:schemeClr val="tx1"/>
-                    </a:solidFill>
-                    <a:latin typeface="Tahoma" panose="020B0604030504040204" pitchFamily="34" charset="0"/>
-                    <a:ea typeface="Tahoma" panose="020B0604030504040204" pitchFamily="34" charset="0"/>
-                    <a:cs typeface="Tahoma" panose="020B0604030504040204" pitchFamily="34" charset="0"/>
-                  </a:rPr>
-                  <a:t> con </a:t>
+                  <a:rPr lang="it-IT" sz="2400" smtClean="0">
+                    <a:solidFill>
+                      <a:schemeClr val="tx1"/>
+                    </a:solidFill>
+                    <a:latin typeface="Tahoma" panose="020B0604030504040204" pitchFamily="34" charset="0"/>
+                    <a:ea typeface="Tahoma" panose="020B0604030504040204" pitchFamily="34" charset="0"/>
+                    <a:cs typeface="Tahoma" panose="020B0604030504040204" pitchFamily="34" charset="0"/>
+                  </a:rPr>
+                  <a:t>Equivalentemente </a:t>
+                </a:r>
+                <a:r>
+                  <a:rPr lang="it-IT" sz="2400" b="1" smtClean="0">
+                    <a:solidFill>
+                      <a:schemeClr val="tx1"/>
+                    </a:solidFill>
+                    <a:latin typeface="Tahoma" panose="020B0604030504040204" pitchFamily="34" charset="0"/>
+                    <a:ea typeface="Tahoma" panose="020B0604030504040204" pitchFamily="34" charset="0"/>
+                    <a:cs typeface="Tahoma" panose="020B0604030504040204" pitchFamily="34" charset="0"/>
+                  </a:rPr>
+                  <a:t>un’ipotesi statistica </a:t>
+                </a:r>
+                <a:r>
+                  <a:rPr lang="it-IT" sz="2400" smtClean="0">
+                    <a:solidFill>
+                      <a:schemeClr val="tx1"/>
+                    </a:solidFill>
+                    <a:latin typeface="Tahoma" panose="020B0604030504040204" pitchFamily="34" charset="0"/>
+                    <a:ea typeface="Tahoma" panose="020B0604030504040204" pitchFamily="34" charset="0"/>
+                    <a:cs typeface="Tahoma" panose="020B0604030504040204" pitchFamily="34" charset="0"/>
+                  </a:rPr>
+                  <a:t>individua un </a:t>
+                </a:r>
+                <a:r>
+                  <a:rPr lang="it-IT" sz="2400" b="1" smtClean="0">
+                    <a:solidFill>
+                      <a:schemeClr val="tx1"/>
+                    </a:solidFill>
+                    <a:latin typeface="Tahoma" panose="020B0604030504040204" pitchFamily="34" charset="0"/>
+                    <a:ea typeface="Tahoma" panose="020B0604030504040204" pitchFamily="34" charset="0"/>
+                    <a:cs typeface="Tahoma" panose="020B0604030504040204" pitchFamily="34" charset="0"/>
+                  </a:rPr>
+                  <a:t>insieme </a:t>
+                </a:r>
+                <a:r>
+                  <a:rPr lang="it-IT" sz="2400" smtClean="0">
+                    <a:solidFill>
+                      <a:schemeClr val="tx1"/>
+                    </a:solidFill>
+                    <a:latin typeface="Tahoma" panose="020B0604030504040204" pitchFamily="34" charset="0"/>
+                    <a:ea typeface="Tahoma" panose="020B0604030504040204" pitchFamily="34" charset="0"/>
+                    <a:cs typeface="Tahoma" panose="020B0604030504040204" pitchFamily="34" charset="0"/>
+                  </a:rPr>
+                  <a:t>di possibili distribuzioni per </a:t>
+                </a:r>
+                <a:r>
+                  <a:rPr lang="it-IT" sz="2400" b="1" smtClean="0">
+                    <a:solidFill>
+                      <a:schemeClr val="tx1"/>
+                    </a:solidFill>
+                    <a:latin typeface="Tahoma" panose="020B0604030504040204" pitchFamily="34" charset="0"/>
+                    <a:ea typeface="Tahoma" panose="020B0604030504040204" pitchFamily="34" charset="0"/>
+                    <a:cs typeface="Tahoma" panose="020B0604030504040204" pitchFamily="34" charset="0"/>
+                  </a:rPr>
+                  <a:t>X. </a:t>
+                </a:r>
+              </a:p>
+              <a:p>
+                <a:pPr marL="342900" indent="-342900">
+                  <a:buFont typeface="Wingdings" panose="05000000000000000000" pitchFamily="2" charset="2"/>
+                  <a:buChar char="ü"/>
+                </a:pPr>
+                <a:r>
+                  <a:rPr lang="it-IT" sz="2400" smtClean="0">
+                    <a:solidFill>
+                      <a:schemeClr val="tx1"/>
+                    </a:solidFill>
+                    <a:latin typeface="Tahoma" panose="020B0604030504040204" pitchFamily="34" charset="0"/>
+                    <a:ea typeface="Tahoma" panose="020B0604030504040204" pitchFamily="34" charset="0"/>
+                    <a:cs typeface="Tahoma" panose="020B0604030504040204" pitchFamily="34" charset="0"/>
+                  </a:rPr>
+                  <a:t>L’obiettivo dei </a:t>
+                </a:r>
+                <a:r>
+                  <a:rPr lang="it-IT" sz="2400" b="1" smtClean="0">
+                    <a:solidFill>
+                      <a:schemeClr val="tx1"/>
+                    </a:solidFill>
+                    <a:latin typeface="Tahoma" panose="020B0604030504040204" pitchFamily="34" charset="0"/>
+                    <a:ea typeface="Tahoma" panose="020B0604030504040204" pitchFamily="34" charset="0"/>
+                    <a:cs typeface="Tahoma" panose="020B0604030504040204" pitchFamily="34" charset="0"/>
+                  </a:rPr>
+                  <a:t>test delle ipotesi </a:t>
+                </a:r>
+                <a:r>
+                  <a:rPr lang="it-IT" sz="2400" smtClean="0">
+                    <a:solidFill>
+                      <a:schemeClr val="tx1"/>
+                    </a:solidFill>
+                    <a:latin typeface="Tahoma" panose="020B0604030504040204" pitchFamily="34" charset="0"/>
+                    <a:ea typeface="Tahoma" panose="020B0604030504040204" pitchFamily="34" charset="0"/>
+                    <a:cs typeface="Tahoma" panose="020B0604030504040204" pitchFamily="34" charset="0"/>
+                  </a:rPr>
+                  <a:t>è valutare se vi è sufficiente </a:t>
+                </a:r>
+                <a:r>
+                  <a:rPr lang="it-IT" sz="2400" b="1" smtClean="0">
+                    <a:solidFill>
+                      <a:schemeClr val="tx1"/>
+                    </a:solidFill>
+                    <a:latin typeface="Tahoma" panose="020B0604030504040204" pitchFamily="34" charset="0"/>
+                    <a:ea typeface="Tahoma" panose="020B0604030504040204" pitchFamily="34" charset="0"/>
+                    <a:cs typeface="Tahoma" panose="020B0604030504040204" pitchFamily="34" charset="0"/>
+                  </a:rPr>
+                  <a:t>evidenza statistica </a:t>
+                </a:r>
+                <a:r>
+                  <a:rPr lang="it-IT" sz="2400" smtClean="0">
+                    <a:solidFill>
+                      <a:schemeClr val="tx1"/>
+                    </a:solidFill>
+                    <a:latin typeface="Tahoma" panose="020B0604030504040204" pitchFamily="34" charset="0"/>
+                    <a:ea typeface="Tahoma" panose="020B0604030504040204" pitchFamily="34" charset="0"/>
+                    <a:cs typeface="Tahoma" panose="020B0604030504040204" pitchFamily="34" charset="0"/>
+                  </a:rPr>
+                  <a:t>per rifiutare l’</a:t>
+                </a:r>
+                <a:r>
+                  <a:rPr lang="it-IT" sz="2400" b="1" smtClean="0">
+                    <a:solidFill>
+                      <a:schemeClr val="tx1"/>
+                    </a:solidFill>
+                    <a:latin typeface="Tahoma" panose="020B0604030504040204" pitchFamily="34" charset="0"/>
+                    <a:ea typeface="Tahoma" panose="020B0604030504040204" pitchFamily="34" charset="0"/>
+                    <a:cs typeface="Tahoma" panose="020B0604030504040204" pitchFamily="34" charset="0"/>
+                  </a:rPr>
+                  <a:t>ipotesi nulla</a:t>
+                </a:r>
+                <a:r>
+                  <a:rPr lang="it-IT" sz="2400" smtClean="0">
+                    <a:solidFill>
+                      <a:schemeClr val="tx1"/>
+                    </a:solidFill>
+                    <a:latin typeface="Tahoma" panose="020B0604030504040204" pitchFamily="34" charset="0"/>
+                    <a:ea typeface="Tahoma" panose="020B0604030504040204" pitchFamily="34" charset="0"/>
+                    <a:cs typeface="Tahoma" panose="020B0604030504040204" pitchFamily="34" charset="0"/>
+                  </a:rPr>
+                  <a:t> in favore dell’</a:t>
+                </a:r>
+                <a:r>
+                  <a:rPr lang="it-IT" sz="2400" b="1" smtClean="0">
+                    <a:solidFill>
+                      <a:schemeClr val="tx1"/>
+                    </a:solidFill>
+                    <a:latin typeface="Tahoma" panose="020B0604030504040204" pitchFamily="34" charset="0"/>
+                    <a:ea typeface="Tahoma" panose="020B0604030504040204" pitchFamily="34" charset="0"/>
+                    <a:cs typeface="Tahoma" panose="020B0604030504040204" pitchFamily="34" charset="0"/>
+                  </a:rPr>
+                  <a:t>ipotesi alternativa</a:t>
+                </a:r>
+                <a:r>
+                  <a:rPr lang="it-IT" sz="2400" smtClean="0">
+                    <a:solidFill>
+                      <a:schemeClr val="tx1"/>
+                    </a:solidFill>
+                    <a:latin typeface="Tahoma" panose="020B0604030504040204" pitchFamily="34" charset="0"/>
+                    <a:ea typeface="Tahoma" panose="020B0604030504040204" pitchFamily="34" charset="0"/>
+                    <a:cs typeface="Tahoma" panose="020B0604030504040204" pitchFamily="34" charset="0"/>
+                  </a:rPr>
+                  <a:t>. </a:t>
+                </a:r>
+              </a:p>
+              <a:p>
+                <a:pPr marL="342900" indent="-342900">
+                  <a:buFont typeface="Wingdings" panose="05000000000000000000" pitchFamily="2" charset="2"/>
+                  <a:buChar char="ü"/>
+                </a:pPr>
+                <a:r>
+                  <a:rPr lang="it-IT" sz="2400" b="1" smtClean="0">
+                    <a:solidFill>
+                      <a:schemeClr val="tx1"/>
+                    </a:solidFill>
+                    <a:latin typeface="Tahoma" panose="020B0604030504040204" pitchFamily="34" charset="0"/>
+                    <a:ea typeface="Tahoma" panose="020B0604030504040204" pitchFamily="34" charset="0"/>
+                    <a:cs typeface="Tahoma" panose="020B0604030504040204" pitchFamily="34" charset="0"/>
+                  </a:rPr>
+                  <a:t>L’ipotesi nulla </a:t>
+                </a:r>
+                <a:r>
+                  <a:rPr lang="it-IT" sz="2400" smtClean="0">
+                    <a:solidFill>
+                      <a:schemeClr val="tx1"/>
+                    </a:solidFill>
+                    <a:latin typeface="Tahoma" panose="020B0604030504040204" pitchFamily="34" charset="0"/>
+                    <a:ea typeface="Tahoma" panose="020B0604030504040204" pitchFamily="34" charset="0"/>
+                    <a:cs typeface="Tahoma" panose="020B0604030504040204" pitchFamily="34" charset="0"/>
+                  </a:rPr>
+                  <a:t>si indica generalmente con </a:t>
                 </a:r>
                 <a14:m>
                   <m:oMath xmlns:m="http://schemas.openxmlformats.org/officeDocument/2006/math">
-                    <m:acc>
-                      <m:accPr>
-                        <m:chr m:val="̂"/>
+                    <m:sSub>
+                      <m:sSubPr>
                         <m:ctrlPr>
                           <a:rPr lang="it-IT" sz="2400" i="1" smtClean="0">
                             <a:solidFill>
@@ -14092,13 +14942,10 @@
                             <a:cs typeface="Tahoma" panose="020B0604030504040204" pitchFamily="34" charset="0"/>
                           </a:rPr>
                         </m:ctrlPr>
-                      </m:accPr>
+                      </m:sSubPr>
                       <m:e>
                         <m:r>
-                          <m:rPr>
-                            <m:sty m:val="p"/>
-                          </m:rPr>
-                          <a:rPr lang="el-GR" sz="2400" i="1" smtClean="0">
+                          <a:rPr lang="it-IT" sz="2400" b="0" i="1" smtClean="0">
                             <a:solidFill>
                               <a:schemeClr val="tx1"/>
                             </a:solidFill>
@@ -14106,22 +14953,112 @@
                             <a:ea typeface="Tahoma" panose="020B0604030504040204" pitchFamily="34" charset="0"/>
                             <a:cs typeface="Tahoma" panose="020B0604030504040204" pitchFamily="34" charset="0"/>
                           </a:rPr>
-                          <m:t>ϴ</m:t>
+                          <m:t>𝐻</m:t>
                         </m:r>
                       </m:e>
-                    </m:acc>
+                      <m:sub>
+                        <m:r>
+                          <a:rPr lang="it-IT" sz="2400" b="0" i="1" smtClean="0">
+                            <a:solidFill>
+                              <a:schemeClr val="tx1"/>
+                            </a:solidFill>
+                            <a:latin typeface="Cambria Math" panose="02040503050406030204" pitchFamily="18" charset="0"/>
+                            <a:ea typeface="Tahoma" panose="020B0604030504040204" pitchFamily="34" charset="0"/>
+                            <a:cs typeface="Tahoma" panose="020B0604030504040204" pitchFamily="34" charset="0"/>
+                          </a:rPr>
+                          <m:t>0</m:t>
+                        </m:r>
+                      </m:sub>
+                    </m:sSub>
                   </m:oMath>
                 </a14:m>
                 <a:r>
-                  <a:rPr lang="it-IT" sz="2400">
-                    <a:solidFill>
-                      <a:schemeClr val="tx1"/>
-                    </a:solidFill>
-                    <a:latin typeface="Tahoma" panose="020B0604030504040204" pitchFamily="34" charset="0"/>
-                    <a:ea typeface="Tahoma" panose="020B0604030504040204" pitchFamily="34" charset="0"/>
-                    <a:cs typeface="Tahoma" panose="020B0604030504040204" pitchFamily="34" charset="0"/>
-                  </a:rPr>
-                  <a:t>. </a:t>
+                  <a:rPr lang="it-IT" sz="2400" b="1" smtClean="0">
+                    <a:solidFill>
+                      <a:schemeClr val="tx1"/>
+                    </a:solidFill>
+                    <a:latin typeface="Tahoma" panose="020B0604030504040204" pitchFamily="34" charset="0"/>
+                    <a:ea typeface="Tahoma" panose="020B0604030504040204" pitchFamily="34" charset="0"/>
+                    <a:cs typeface="Tahoma" panose="020B0604030504040204" pitchFamily="34" charset="0"/>
+                  </a:rPr>
+                  <a:t>, </a:t>
+                </a:r>
+                <a:r>
+                  <a:rPr lang="it-IT" sz="2400" smtClean="0">
+                    <a:solidFill>
+                      <a:schemeClr val="tx1"/>
+                    </a:solidFill>
+                    <a:latin typeface="Tahoma" panose="020B0604030504040204" pitchFamily="34" charset="0"/>
+                    <a:ea typeface="Tahoma" panose="020B0604030504040204" pitchFamily="34" charset="0"/>
+                    <a:cs typeface="Tahoma" panose="020B0604030504040204" pitchFamily="34" charset="0"/>
+                  </a:rPr>
+                  <a:t>mentre </a:t>
+                </a:r>
+                <a:r>
+                  <a:rPr lang="it-IT" sz="2400" b="1" smtClean="0">
+                    <a:solidFill>
+                      <a:schemeClr val="tx1"/>
+                    </a:solidFill>
+                    <a:latin typeface="Tahoma" panose="020B0604030504040204" pitchFamily="34" charset="0"/>
+                    <a:ea typeface="Tahoma" panose="020B0604030504040204" pitchFamily="34" charset="0"/>
+                    <a:cs typeface="Tahoma" panose="020B0604030504040204" pitchFamily="34" charset="0"/>
+                  </a:rPr>
+                  <a:t>l’ipotesi alternativa </a:t>
+                </a:r>
+                <a14:m>
+                  <m:oMath xmlns:m="http://schemas.openxmlformats.org/officeDocument/2006/math">
+                    <m:sSub>
+                      <m:sSubPr>
+                        <m:ctrlPr>
+                          <a:rPr lang="it-IT" sz="2400" i="1">
+                            <a:solidFill>
+                              <a:schemeClr val="tx1"/>
+                            </a:solidFill>
+                            <a:latin typeface="Cambria Math" panose="02040503050406030204" pitchFamily="18" charset="0"/>
+                            <a:ea typeface="Tahoma" panose="020B0604030504040204" pitchFamily="34" charset="0"/>
+                            <a:cs typeface="Tahoma" panose="020B0604030504040204" pitchFamily="34" charset="0"/>
+                          </a:rPr>
+                        </m:ctrlPr>
+                      </m:sSubPr>
+                      <m:e>
+                        <m:r>
+                          <a:rPr lang="it-IT" sz="2400" i="1">
+                            <a:solidFill>
+                              <a:schemeClr val="tx1"/>
+                            </a:solidFill>
+                            <a:latin typeface="Cambria Math" panose="02040503050406030204" pitchFamily="18" charset="0"/>
+                            <a:ea typeface="Tahoma" panose="020B0604030504040204" pitchFamily="34" charset="0"/>
+                            <a:cs typeface="Tahoma" panose="020B0604030504040204" pitchFamily="34" charset="0"/>
+                          </a:rPr>
+                          <m:t>𝐻</m:t>
+                        </m:r>
+                      </m:e>
+                      <m:sub>
+                        <m:r>
+                          <a:rPr lang="it-IT" sz="2400" b="0" i="1" smtClean="0">
+                            <a:solidFill>
+                              <a:schemeClr val="tx1"/>
+                            </a:solidFill>
+                            <a:latin typeface="Cambria Math" panose="02040503050406030204" pitchFamily="18" charset="0"/>
+                            <a:ea typeface="Tahoma" panose="020B0604030504040204" pitchFamily="34" charset="0"/>
+                            <a:cs typeface="Tahoma" panose="020B0604030504040204" pitchFamily="34" charset="0"/>
+                          </a:rPr>
+                          <m:t>1</m:t>
+                        </m:r>
+                      </m:sub>
+                    </m:sSub>
+                  </m:oMath>
+                </a14:m>
+                <a:r>
+                  <a:rPr lang="it-IT" sz="2400" b="1" smtClean="0">
+                    <a:solidFill>
+                      <a:schemeClr val="tx1"/>
+                    </a:solidFill>
+                    <a:latin typeface="Tahoma" panose="020B0604030504040204" pitchFamily="34" charset="0"/>
+                    <a:ea typeface="Tahoma" panose="020B0604030504040204" pitchFamily="34" charset="0"/>
+                    <a:cs typeface="Tahoma" panose="020B0604030504040204" pitchFamily="34" charset="0"/>
+                  </a:rPr>
+                  <a:t>.</a:t>
                 </a:r>
               </a:p>
               <a:p>
@@ -14130,103 +15067,131 @@
                   <a:buChar char="ü"/>
                 </a:pPr>
                 <a:r>
-                  <a:rPr lang="it-IT" sz="2400">
-                    <a:solidFill>
-                      <a:schemeClr val="tx1"/>
-                    </a:solidFill>
-                    <a:latin typeface="Tahoma" panose="020B0604030504040204" pitchFamily="34" charset="0"/>
-                    <a:ea typeface="Tahoma" panose="020B0604030504040204" pitchFamily="34" charset="0"/>
-                    <a:cs typeface="Tahoma" panose="020B0604030504040204" pitchFamily="34" charset="0"/>
-                  </a:rPr>
-                  <a:t> Siano                           un insieme di </a:t>
-                </a:r>
-                <a:r>
-                  <a:rPr lang="it-IT" sz="2400" i="1">
-                    <a:solidFill>
-                      <a:schemeClr val="tx1"/>
-                    </a:solidFill>
-                    <a:latin typeface="Tahoma" panose="020B0604030504040204" pitchFamily="34" charset="0"/>
-                    <a:ea typeface="Tahoma" panose="020B0604030504040204" pitchFamily="34" charset="0"/>
-                    <a:cs typeface="Tahoma" panose="020B0604030504040204" pitchFamily="34" charset="0"/>
-                  </a:rPr>
-                  <a:t>m </a:t>
-                </a:r>
-                <a:r>
-                  <a:rPr lang="it-IT" sz="2400">
-                    <a:solidFill>
-                      <a:schemeClr val="tx1"/>
-                    </a:solidFill>
-                    <a:latin typeface="Tahoma" panose="020B0604030504040204" pitchFamily="34" charset="0"/>
-                    <a:ea typeface="Tahoma" panose="020B0604030504040204" pitchFamily="34" charset="0"/>
-                    <a:cs typeface="Tahoma" panose="020B0604030504040204" pitchFamily="34" charset="0"/>
-                  </a:rPr>
-                  <a:t>data point (punti dati) che sono indipendenti e identicamente distribuiti. Uno </a:t>
-                </a:r>
-                <a:r>
-                  <a:rPr lang="it-IT" sz="2400" b="1">
-                    <a:solidFill>
-                      <a:schemeClr val="tx1"/>
-                    </a:solidFill>
-                    <a:latin typeface="Tahoma" panose="020B0604030504040204" pitchFamily="34" charset="0"/>
-                    <a:ea typeface="Tahoma" panose="020B0604030504040204" pitchFamily="34" charset="0"/>
-                    <a:cs typeface="Tahoma" panose="020B0604030504040204" pitchFamily="34" charset="0"/>
-                  </a:rPr>
-                  <a:t>stimatore</a:t>
-                </a:r>
-                <a:r>
-                  <a:rPr lang="it-IT" sz="2400">
-                    <a:solidFill>
-                      <a:schemeClr val="tx1"/>
-                    </a:solidFill>
-                    <a:latin typeface="Tahoma" panose="020B0604030504040204" pitchFamily="34" charset="0"/>
-                    <a:ea typeface="Tahoma" panose="020B0604030504040204" pitchFamily="34" charset="0"/>
-                    <a:cs typeface="Tahoma" panose="020B0604030504040204" pitchFamily="34" charset="0"/>
-                  </a:rPr>
-                  <a:t> </a:t>
-                </a:r>
-                <a:r>
-                  <a:rPr lang="it-IT" sz="2400" b="1">
-                    <a:solidFill>
-                      <a:schemeClr val="tx1"/>
-                    </a:solidFill>
-                    <a:latin typeface="Tahoma" panose="020B0604030504040204" pitchFamily="34" charset="0"/>
-                    <a:ea typeface="Tahoma" panose="020B0604030504040204" pitchFamily="34" charset="0"/>
-                    <a:cs typeface="Tahoma" panose="020B0604030504040204" pitchFamily="34" charset="0"/>
-                  </a:rPr>
-                  <a:t>puntuale</a:t>
-                </a:r>
-                <a:r>
-                  <a:rPr lang="it-IT" sz="2400">
-                    <a:solidFill>
-                      <a:schemeClr val="tx1"/>
-                    </a:solidFill>
-                    <a:latin typeface="Tahoma" panose="020B0604030504040204" pitchFamily="34" charset="0"/>
-                    <a:ea typeface="Tahoma" panose="020B0604030504040204" pitchFamily="34" charset="0"/>
-                    <a:cs typeface="Tahoma" panose="020B0604030504040204" pitchFamily="34" charset="0"/>
-                  </a:rPr>
-                  <a:t> o </a:t>
-                </a:r>
-                <a:r>
-                  <a:rPr lang="it-IT" sz="2400" b="1">
-                    <a:solidFill>
-                      <a:schemeClr val="tx1"/>
-                    </a:solidFill>
-                    <a:latin typeface="Tahoma" panose="020B0604030504040204" pitchFamily="34" charset="0"/>
-                    <a:ea typeface="Tahoma" panose="020B0604030504040204" pitchFamily="34" charset="0"/>
-                    <a:cs typeface="Tahoma" panose="020B0604030504040204" pitchFamily="34" charset="0"/>
-                  </a:rPr>
-                  <a:t>statistica </a:t>
-                </a:r>
-                <a:r>
-                  <a:rPr lang="it-IT" sz="2400">
-                    <a:solidFill>
-                      <a:schemeClr val="tx1"/>
-                    </a:solidFill>
-                    <a:latin typeface="Tahoma" panose="020B0604030504040204" pitchFamily="34" charset="0"/>
-                    <a:ea typeface="Tahoma" panose="020B0604030504040204" pitchFamily="34" charset="0"/>
-                    <a:cs typeface="Tahoma" panose="020B0604030504040204" pitchFamily="34" charset="0"/>
-                  </a:rPr>
-                  <a:t>è una qualsiasi funzione sui dati di tipo:  </a:t>
+                  <a:rPr lang="it-IT" sz="2400" smtClean="0">
+                    <a:solidFill>
+                      <a:schemeClr val="tx1"/>
+                    </a:solidFill>
+                    <a:latin typeface="Tahoma" panose="020B0604030504040204" pitchFamily="34" charset="0"/>
+                    <a:ea typeface="Tahoma" panose="020B0604030504040204" pitchFamily="34" charset="0"/>
+                    <a:cs typeface="Tahoma" panose="020B0604030504040204" pitchFamily="34" charset="0"/>
+                  </a:rPr>
+                  <a:t>Un’ipotesi che specifica una singola distribuzione per </a:t>
+                </a:r>
+                <a:r>
+                  <a:rPr lang="it-IT" sz="2400" b="1" smtClean="0">
+                    <a:solidFill>
+                      <a:schemeClr val="tx1"/>
+                    </a:solidFill>
+                    <a:latin typeface="Tahoma" panose="020B0604030504040204" pitchFamily="34" charset="0"/>
+                    <a:ea typeface="Tahoma" panose="020B0604030504040204" pitchFamily="34" charset="0"/>
+                    <a:cs typeface="Tahoma" panose="020B0604030504040204" pitchFamily="34" charset="0"/>
+                  </a:rPr>
+                  <a:t>X </a:t>
+                </a:r>
+                <a:r>
+                  <a:rPr lang="it-IT" sz="2400" smtClean="0">
+                    <a:solidFill>
+                      <a:schemeClr val="tx1"/>
+                    </a:solidFill>
+                    <a:latin typeface="Tahoma" panose="020B0604030504040204" pitchFamily="34" charset="0"/>
+                    <a:ea typeface="Tahoma" panose="020B0604030504040204" pitchFamily="34" charset="0"/>
+                    <a:cs typeface="Tahoma" panose="020B0604030504040204" pitchFamily="34" charset="0"/>
+                  </a:rPr>
+                  <a:t>si dice semplice; mentre un’ipotesi che ne specifica più di una </a:t>
+                </a:r>
+                <a:r>
+                  <a:rPr lang="it-IT" sz="2400" b="1" smtClean="0">
+                    <a:solidFill>
+                      <a:schemeClr val="tx1"/>
+                    </a:solidFill>
+                    <a:latin typeface="Tahoma" panose="020B0604030504040204" pitchFamily="34" charset="0"/>
+                    <a:ea typeface="Tahoma" panose="020B0604030504040204" pitchFamily="34" charset="0"/>
+                    <a:cs typeface="Tahoma" panose="020B0604030504040204" pitchFamily="34" charset="0"/>
+                  </a:rPr>
+                  <a:t>X </a:t>
+                </a:r>
+                <a:r>
+                  <a:rPr lang="it-IT" sz="2400" smtClean="0">
+                    <a:solidFill>
+                      <a:schemeClr val="tx1"/>
+                    </a:solidFill>
+                    <a:latin typeface="Tahoma" panose="020B0604030504040204" pitchFamily="34" charset="0"/>
+                    <a:ea typeface="Tahoma" panose="020B0604030504040204" pitchFamily="34" charset="0"/>
+                    <a:cs typeface="Tahoma" panose="020B0604030504040204" pitchFamily="34" charset="0"/>
+                  </a:rPr>
+                  <a:t>si dice invece </a:t>
+                </a:r>
+                <a:r>
+                  <a:rPr lang="it-IT" sz="2400" b="1" smtClean="0">
+                    <a:solidFill>
+                      <a:schemeClr val="tx1"/>
+                    </a:solidFill>
+                    <a:latin typeface="Tahoma" panose="020B0604030504040204" pitchFamily="34" charset="0"/>
+                    <a:ea typeface="Tahoma" panose="020B0604030504040204" pitchFamily="34" charset="0"/>
+                    <a:cs typeface="Tahoma" panose="020B0604030504040204" pitchFamily="34" charset="0"/>
+                  </a:rPr>
+                  <a:t>composta. </a:t>
+                </a:r>
+              </a:p>
+              <a:p>
+                <a:pPr marL="342900" indent="-342900">
+                  <a:buFont typeface="Wingdings" panose="05000000000000000000" pitchFamily="2" charset="2"/>
+                  <a:buChar char="ü"/>
+                </a:pPr>
+                <a:r>
+                  <a:rPr lang="it-IT" sz="2400" smtClean="0">
+                    <a:solidFill>
+                      <a:schemeClr val="tx1"/>
+                    </a:solidFill>
+                    <a:latin typeface="Tahoma" panose="020B0604030504040204" pitchFamily="34" charset="0"/>
+                    <a:ea typeface="Tahoma" panose="020B0604030504040204" pitchFamily="34" charset="0"/>
+                    <a:cs typeface="Tahoma" panose="020B0604030504040204" pitchFamily="34" charset="0"/>
+                  </a:rPr>
+                  <a:t>Un test di ipotesi conduce ad una </a:t>
+                </a:r>
+                <a:r>
+                  <a:rPr lang="it-IT" sz="2400" b="1" smtClean="0">
+                    <a:solidFill>
+                      <a:schemeClr val="tx1"/>
+                    </a:solidFill>
+                    <a:latin typeface="Tahoma" panose="020B0604030504040204" pitchFamily="34" charset="0"/>
+                    <a:ea typeface="Tahoma" panose="020B0604030504040204" pitchFamily="34" charset="0"/>
+                    <a:cs typeface="Tahoma" panose="020B0604030504040204" pitchFamily="34" charset="0"/>
+                  </a:rPr>
+                  <a:t>decisione statistica</a:t>
+                </a:r>
+                <a:r>
+                  <a:rPr lang="it-IT" sz="2400" smtClean="0">
+                    <a:solidFill>
+                      <a:schemeClr val="tx1"/>
+                    </a:solidFill>
+                    <a:latin typeface="Tahoma" panose="020B0604030504040204" pitchFamily="34" charset="0"/>
+                    <a:ea typeface="Tahoma" panose="020B0604030504040204" pitchFamily="34" charset="0"/>
+                    <a:cs typeface="Tahoma" panose="020B0604030504040204" pitchFamily="34" charset="0"/>
+                  </a:rPr>
+                  <a:t>, la cui conclusione potrà essere di rifiutare l’ipotesi nulla in favore di quella alternativa, o </a:t>
+                </a:r>
+                <a:r>
+                  <a:rPr lang="it-IT" sz="2400" b="1" smtClean="0">
+                    <a:solidFill>
+                      <a:schemeClr val="tx1"/>
+                    </a:solidFill>
+                    <a:latin typeface="Tahoma" panose="020B0604030504040204" pitchFamily="34" charset="0"/>
+                    <a:ea typeface="Tahoma" panose="020B0604030504040204" pitchFamily="34" charset="0"/>
+                    <a:cs typeface="Tahoma" panose="020B0604030504040204" pitchFamily="34" charset="0"/>
+                  </a:rPr>
+                  <a:t>di non poter rifiutare </a:t>
+                </a:r>
+                <a:r>
+                  <a:rPr lang="it-IT" sz="2400" smtClean="0">
+                    <a:solidFill>
+                      <a:schemeClr val="tx1"/>
+                    </a:solidFill>
+                    <a:latin typeface="Tahoma" panose="020B0604030504040204" pitchFamily="34" charset="0"/>
+                    <a:ea typeface="Tahoma" panose="020B0604030504040204" pitchFamily="34" charset="0"/>
+                    <a:cs typeface="Tahoma" panose="020B0604030504040204" pitchFamily="34" charset="0"/>
+                  </a:rPr>
+                  <a:t>l’ipotesi nulla. </a:t>
                 </a:r>
               </a:p>
             </p:txBody>
@@ -14251,13 +15216,13 @@
             </p:nvSpPr>
             <p:spPr>
               <a:xfrm>
-                <a:off x="323468" y="1232694"/>
-                <a:ext cx="11632312" cy="4392612"/>
+                <a:off x="468895" y="1288677"/>
+                <a:ext cx="11418305" cy="4392612"/>
               </a:xfrm>
               <a:blipFill>
                 <a:blip r:embed="rId2"/>
                 <a:stretch>
-                  <a:fillRect l="-1468" t="-2080" r="-1310"/>
+                  <a:fillRect l="-1548" t="-2080" r="-1655" b="-21498"/>
                 </a:stretch>
               </a:blipFill>
             </p:spPr>
@@ -14338,77 +15303,17 @@
           <a:lstStyle/>
           <a:p>
             <a:r>
-              <a:rPr lang="it-IT" altLang="it-IT"/>
-              <a:t>Stima Puntuale </a:t>
+              <a:rPr lang="it-IT" altLang="it-IT" smtClean="0"/>
+              <a:t>Errore di prima specie ed errore di seconda specie</a:t>
             </a:r>
             <a:endParaRPr lang="it-IT" dirty="0"/>
           </a:p>
         </p:txBody>
       </p:sp>
-      <p:pic>
-        <p:nvPicPr>
-          <p:cNvPr id="4" name="Immagine 3">
-            <a:extLst>
-              <a:ext uri="{FF2B5EF4-FFF2-40B4-BE49-F238E27FC236}">
-                <a16:creationId xmlns:a16="http://schemas.microsoft.com/office/drawing/2014/main" id="{55B19ED7-C303-6B72-1BB9-599866FE17FD}"/>
-              </a:ext>
-            </a:extLst>
-          </p:cNvPr>
-          <p:cNvPicPr>
-            <a:picLocks noChangeAspect="1"/>
-          </p:cNvPicPr>
-          <p:nvPr/>
-        </p:nvPicPr>
-        <p:blipFill>
-          <a:blip r:embed="rId3"/>
-          <a:stretch>
-            <a:fillRect/>
-          </a:stretch>
-        </p:blipFill>
-        <p:spPr>
-          <a:xfrm>
-            <a:off x="1564005" y="3594735"/>
-            <a:ext cx="2505076" cy="578094"/>
-          </a:xfrm>
-          <a:prstGeom prst="rect">
-            <a:avLst/>
-          </a:prstGeom>
-        </p:spPr>
-      </p:pic>
-      <p:pic>
-        <p:nvPicPr>
-          <p:cNvPr id="8" name="Immagine 7">
-            <a:extLst>
-              <a:ext uri="{FF2B5EF4-FFF2-40B4-BE49-F238E27FC236}">
-                <a16:creationId xmlns:a16="http://schemas.microsoft.com/office/drawing/2014/main" id="{F4E2EB14-CB77-C43B-B2D9-2581405EDA91}"/>
-              </a:ext>
-            </a:extLst>
-          </p:cNvPr>
-          <p:cNvPicPr>
-            <a:picLocks noChangeAspect="1"/>
-          </p:cNvPicPr>
-          <p:nvPr/>
-        </p:nvPicPr>
-        <p:blipFill>
-          <a:blip r:embed="rId4"/>
-          <a:stretch>
-            <a:fillRect/>
-          </a:stretch>
-        </p:blipFill>
-        <p:spPr>
-          <a:xfrm>
-            <a:off x="4334377" y="5102150"/>
-            <a:ext cx="4138042" cy="867654"/>
-          </a:xfrm>
-          <a:prstGeom prst="rect">
-            <a:avLst/>
-          </a:prstGeom>
-        </p:spPr>
-      </p:pic>
     </p:spTree>
     <p:extLst>
       <p:ext uri="{BB962C8B-B14F-4D97-AF65-F5344CB8AC3E}">
-        <p14:creationId xmlns:p14="http://schemas.microsoft.com/office/powerpoint/2010/main" val="1807519903"/>
+        <p14:creationId xmlns:p14="http://schemas.microsoft.com/office/powerpoint/2010/main" val="2199525314"/>
       </p:ext>
     </p:extLst>
   </p:cSld>
@@ -14983,8 +15888,8 @@
             </p:nvSpPr>
             <p:spPr>
               <a:xfrm>
-                <a:off x="323468" y="1232694"/>
-                <a:ext cx="11269308" cy="4392612"/>
+                <a:off x="468895" y="1288677"/>
+                <a:ext cx="11418305" cy="4392612"/>
               </a:xfrm>
             </p:spPr>
             <p:txBody>
@@ -14996,37 +15901,26 @@
                   <a:buChar char="ü"/>
                 </a:pPr>
                 <a:r>
-                  <a:rPr lang="it-IT" sz="2400">
-                    <a:solidFill>
-                      <a:schemeClr val="tx1"/>
-                    </a:solidFill>
-                    <a:latin typeface="Tahoma" panose="020B0604030504040204" pitchFamily="34" charset="0"/>
-                    <a:ea typeface="Tahoma" panose="020B0604030504040204" pitchFamily="34" charset="0"/>
-                    <a:cs typeface="Tahoma" panose="020B0604030504040204" pitchFamily="34" charset="0"/>
-                  </a:rPr>
-                  <a:t>La </a:t>
-                </a:r>
-                <a:r>
-                  <a:rPr lang="it-IT" sz="2400" b="1">
-                    <a:solidFill>
-                      <a:schemeClr val="tx1"/>
-                    </a:solidFill>
-                    <a:latin typeface="Tahoma" panose="020B0604030504040204" pitchFamily="34" charset="0"/>
-                    <a:ea typeface="Tahoma" panose="020B0604030504040204" pitchFamily="34" charset="0"/>
-                    <a:cs typeface="Tahoma" panose="020B0604030504040204" pitchFamily="34" charset="0"/>
-                  </a:rPr>
-                  <a:t>stima puntuale </a:t>
-                </a:r>
-                <a:r>
-                  <a:rPr lang="it-IT" sz="2400">
-                    <a:solidFill>
-                      <a:schemeClr val="tx1"/>
-                    </a:solidFill>
-                    <a:latin typeface="Tahoma" panose="020B0604030504040204" pitchFamily="34" charset="0"/>
-                    <a:ea typeface="Tahoma" panose="020B0604030504040204" pitchFamily="34" charset="0"/>
-                    <a:cs typeface="Tahoma" panose="020B0604030504040204" pitchFamily="34" charset="0"/>
-                  </a:rPr>
-                  <a:t>può anche riferirsi alla stima delle relazioni tra input e variabili di target. Ci riferiamo a questi tipi di stime puntuali come stimatori di funzione (o approssimatori di funzione).</a:t>
+                  <a:rPr lang="it-IT" sz="2400" smtClean="0">
+                    <a:solidFill>
+                      <a:schemeClr val="tx1"/>
+                    </a:solidFill>
+                    <a:latin typeface="Tahoma" panose="020B0604030504040204" pitchFamily="34" charset="0"/>
+                    <a:ea typeface="Tahoma" panose="020B0604030504040204" pitchFamily="34" charset="0"/>
+                    <a:cs typeface="Tahoma" panose="020B0604030504040204" pitchFamily="34" charset="0"/>
+                  </a:rPr>
+                  <a:t>La decisione che prendiamo è basata sui dati di cui disponiamo </a:t>
+                </a:r>
+                <a:r>
+                  <a:rPr lang="it-IT" sz="2400" b="1" smtClean="0">
+                    <a:solidFill>
+                      <a:schemeClr val="tx1"/>
+                    </a:solidFill>
+                    <a:latin typeface="Tahoma" panose="020B0604030504040204" pitchFamily="34" charset="0"/>
+                    <a:ea typeface="Tahoma" panose="020B0604030504040204" pitchFamily="34" charset="0"/>
+                    <a:cs typeface="Tahoma" panose="020B0604030504040204" pitchFamily="34" charset="0"/>
+                  </a:rPr>
+                  <a:t>X. </a:t>
                 </a:r>
               </a:p>
               <a:p>
@@ -15035,284 +15929,75 @@
                   <a:buChar char="ü"/>
                 </a:pPr>
                 <a:r>
-                  <a:rPr lang="it-IT" sz="2400">
-                    <a:solidFill>
-                      <a:schemeClr val="tx1"/>
-                    </a:solidFill>
-                    <a:latin typeface="Tahoma" panose="020B0604030504040204" pitchFamily="34" charset="0"/>
-                    <a:ea typeface="Tahoma" panose="020B0604030504040204" pitchFamily="34" charset="0"/>
-                    <a:cs typeface="Tahoma" panose="020B0604030504040204" pitchFamily="34" charset="0"/>
-                  </a:rPr>
-                  <a:t>Stiamo cercando di predire una variabile </a:t>
-                </a:r>
-                <a:r>
-                  <a:rPr lang="it-IT" sz="2400" b="1" i="1">
-                    <a:solidFill>
-                      <a:schemeClr val="tx1"/>
-                    </a:solidFill>
-                    <a:latin typeface="Tahoma" panose="020B0604030504040204" pitchFamily="34" charset="0"/>
-                    <a:ea typeface="Tahoma" panose="020B0604030504040204" pitchFamily="34" charset="0"/>
-                    <a:cs typeface="Tahoma" panose="020B0604030504040204" pitchFamily="34" charset="0"/>
-                  </a:rPr>
-                  <a:t>y</a:t>
-                </a:r>
-                <a:r>
-                  <a:rPr lang="it-IT" sz="2400">
-                    <a:solidFill>
-                      <a:schemeClr val="tx1"/>
-                    </a:solidFill>
-                    <a:latin typeface="Tahoma" panose="020B0604030504040204" pitchFamily="34" charset="0"/>
-                    <a:ea typeface="Tahoma" panose="020B0604030504040204" pitchFamily="34" charset="0"/>
-                    <a:cs typeface="Tahoma" panose="020B0604030504040204" pitchFamily="34" charset="0"/>
-                  </a:rPr>
-                  <a:t>  dato un vettore di input </a:t>
-                </a:r>
-                <a:r>
-                  <a:rPr lang="it-IT" sz="2400" b="1" i="1">
-                    <a:solidFill>
-                      <a:schemeClr val="tx1"/>
-                    </a:solidFill>
-                    <a:latin typeface="Tahoma" panose="020B0604030504040204" pitchFamily="34" charset="0"/>
-                    <a:ea typeface="Tahoma" panose="020B0604030504040204" pitchFamily="34" charset="0"/>
-                    <a:cs typeface="Tahoma" panose="020B0604030504040204" pitchFamily="34" charset="0"/>
-                  </a:rPr>
-                  <a:t>x. </a:t>
-                </a:r>
-                <a:r>
-                  <a:rPr lang="it-IT" sz="2400">
-                    <a:solidFill>
-                      <a:schemeClr val="tx1"/>
-                    </a:solidFill>
-                    <a:latin typeface="Tahoma" panose="020B0604030504040204" pitchFamily="34" charset="0"/>
-                    <a:ea typeface="Tahoma" panose="020B0604030504040204" pitchFamily="34" charset="0"/>
-                    <a:cs typeface="Tahoma" panose="020B0604030504040204" pitchFamily="34" charset="0"/>
-                  </a:rPr>
-                  <a:t>Assumiamo che ci sia una funzione </a:t>
-                </a:r>
-                <a:r>
-                  <a:rPr lang="it-IT" sz="2400" b="1">
-                    <a:solidFill>
-                      <a:schemeClr val="tx1"/>
-                    </a:solidFill>
-                    <a:latin typeface="Tahoma" panose="020B0604030504040204" pitchFamily="34" charset="0"/>
-                    <a:ea typeface="Tahoma" panose="020B0604030504040204" pitchFamily="34" charset="0"/>
-                    <a:cs typeface="Tahoma" panose="020B0604030504040204" pitchFamily="34" charset="0"/>
-                  </a:rPr>
-                  <a:t>f(x) </a:t>
-                </a:r>
-                <a:r>
-                  <a:rPr lang="it-IT" sz="2400">
-                    <a:solidFill>
-                      <a:schemeClr val="tx1"/>
-                    </a:solidFill>
-                    <a:latin typeface="Tahoma" panose="020B0604030504040204" pitchFamily="34" charset="0"/>
-                    <a:ea typeface="Tahoma" panose="020B0604030504040204" pitchFamily="34" charset="0"/>
-                    <a:cs typeface="Tahoma" panose="020B0604030504040204" pitchFamily="34" charset="0"/>
-                  </a:rPr>
-                  <a:t>che descrive la relazione approssimata tra </a:t>
-                </a:r>
-                <a:r>
-                  <a:rPr lang="it-IT" sz="2400" b="1" i="1">
-                    <a:solidFill>
-                      <a:schemeClr val="tx1"/>
-                    </a:solidFill>
-                    <a:latin typeface="Tahoma" panose="020B0604030504040204" pitchFamily="34" charset="0"/>
-                    <a:ea typeface="Tahoma" panose="020B0604030504040204" pitchFamily="34" charset="0"/>
-                    <a:cs typeface="Tahoma" panose="020B0604030504040204" pitchFamily="34" charset="0"/>
-                  </a:rPr>
-                  <a:t>y </a:t>
-                </a:r>
-                <a:r>
-                  <a:rPr lang="it-IT" sz="2400">
-                    <a:solidFill>
-                      <a:schemeClr val="tx1"/>
-                    </a:solidFill>
-                    <a:latin typeface="Tahoma" panose="020B0604030504040204" pitchFamily="34" charset="0"/>
-                    <a:ea typeface="Tahoma" panose="020B0604030504040204" pitchFamily="34" charset="0"/>
-                    <a:cs typeface="Tahoma" panose="020B0604030504040204" pitchFamily="34" charset="0"/>
-                  </a:rPr>
-                  <a:t>e </a:t>
-                </a:r>
-                <a:r>
-                  <a:rPr lang="it-IT" sz="2400" b="1" i="1">
-                    <a:solidFill>
-                      <a:schemeClr val="tx1"/>
-                    </a:solidFill>
-                    <a:latin typeface="Tahoma" panose="020B0604030504040204" pitchFamily="34" charset="0"/>
-                    <a:ea typeface="Tahoma" panose="020B0604030504040204" pitchFamily="34" charset="0"/>
-                    <a:cs typeface="Tahoma" panose="020B0604030504040204" pitchFamily="34" charset="0"/>
-                  </a:rPr>
-                  <a:t>x</a:t>
-                </a:r>
-                <a:r>
-                  <a:rPr lang="it-IT" sz="2400">
-                    <a:solidFill>
-                      <a:schemeClr val="tx1"/>
-                    </a:solidFill>
-                    <a:latin typeface="Tahoma" panose="020B0604030504040204" pitchFamily="34" charset="0"/>
-                    <a:ea typeface="Tahoma" panose="020B0604030504040204" pitchFamily="34" charset="0"/>
-                    <a:cs typeface="Tahoma" panose="020B0604030504040204" pitchFamily="34" charset="0"/>
-                  </a:rPr>
-                  <a:t>. Per esempio assumiamo che y=f(x) + </a:t>
-                </a:r>
-                <a:r>
-                  <a:rPr lang="el-GR" sz="2400" b="1">
-                    <a:solidFill>
-                      <a:schemeClr val="tx1"/>
-                    </a:solidFill>
-                    <a:latin typeface="Tahoma" panose="020B0604030504040204" pitchFamily="34" charset="0"/>
-                    <a:ea typeface="Tahoma" panose="020B0604030504040204" pitchFamily="34" charset="0"/>
-                    <a:cs typeface="Tahoma" panose="020B0604030504040204" pitchFamily="34" charset="0"/>
-                  </a:rPr>
-                  <a:t>ϵ</a:t>
-                </a:r>
-                <a:r>
-                  <a:rPr lang="it-IT" sz="2400">
-                    <a:solidFill>
-                      <a:schemeClr val="tx1"/>
-                    </a:solidFill>
-                    <a:latin typeface="Tahoma" panose="020B0604030504040204" pitchFamily="34" charset="0"/>
-                    <a:ea typeface="Tahoma" panose="020B0604030504040204" pitchFamily="34" charset="0"/>
-                    <a:cs typeface="Tahoma" panose="020B0604030504040204" pitchFamily="34" charset="0"/>
-                  </a:rPr>
-                  <a:t>, dove </a:t>
-                </a:r>
-                <a:r>
-                  <a:rPr lang="el-GR" sz="2400" b="1">
-                    <a:solidFill>
-                      <a:schemeClr val="tx1"/>
-                    </a:solidFill>
-                    <a:latin typeface="Tahoma" panose="020B0604030504040204" pitchFamily="34" charset="0"/>
-                    <a:ea typeface="Tahoma" panose="020B0604030504040204" pitchFamily="34" charset="0"/>
-                    <a:cs typeface="Tahoma" panose="020B0604030504040204" pitchFamily="34" charset="0"/>
-                  </a:rPr>
-                  <a:t>ϵ</a:t>
-                </a:r>
-                <a:r>
-                  <a:rPr lang="it-IT" sz="2400" b="1">
-                    <a:solidFill>
-                      <a:schemeClr val="tx1"/>
-                    </a:solidFill>
-                    <a:latin typeface="Tahoma" panose="020B0604030504040204" pitchFamily="34" charset="0"/>
-                    <a:ea typeface="Tahoma" panose="020B0604030504040204" pitchFamily="34" charset="0"/>
-                    <a:cs typeface="Tahoma" panose="020B0604030504040204" pitchFamily="34" charset="0"/>
-                  </a:rPr>
-                  <a:t> </a:t>
-                </a:r>
-                <a:r>
-                  <a:rPr lang="it-IT" sz="2400">
-                    <a:solidFill>
-                      <a:schemeClr val="tx1"/>
-                    </a:solidFill>
-                    <a:latin typeface="Tahoma" panose="020B0604030504040204" pitchFamily="34" charset="0"/>
-                    <a:ea typeface="Tahoma" panose="020B0604030504040204" pitchFamily="34" charset="0"/>
-                    <a:cs typeface="Tahoma" panose="020B0604030504040204" pitchFamily="34" charset="0"/>
-                  </a:rPr>
-                  <a:t>sta per la parte di </a:t>
-                </a:r>
-                <a:r>
-                  <a:rPr lang="it-IT" sz="2400" b="1" i="1">
-                    <a:solidFill>
-                      <a:schemeClr val="tx1"/>
-                    </a:solidFill>
-                    <a:latin typeface="Tahoma" panose="020B0604030504040204" pitchFamily="34" charset="0"/>
-                    <a:ea typeface="Tahoma" panose="020B0604030504040204" pitchFamily="34" charset="0"/>
-                    <a:cs typeface="Tahoma" panose="020B0604030504040204" pitchFamily="34" charset="0"/>
-                  </a:rPr>
-                  <a:t>y</a:t>
-                </a:r>
-                <a:r>
-                  <a:rPr lang="it-IT" sz="2400">
-                    <a:solidFill>
-                      <a:schemeClr val="tx1"/>
-                    </a:solidFill>
-                    <a:latin typeface="Tahoma" panose="020B0604030504040204" pitchFamily="34" charset="0"/>
-                    <a:ea typeface="Tahoma" panose="020B0604030504040204" pitchFamily="34" charset="0"/>
-                    <a:cs typeface="Tahoma" panose="020B0604030504040204" pitchFamily="34" charset="0"/>
-                  </a:rPr>
-                  <a:t> che non è predicibile a partire dalla </a:t>
-                </a:r>
-                <a:r>
-                  <a:rPr lang="it-IT" sz="2400" b="1" i="1">
-                    <a:solidFill>
-                      <a:schemeClr val="tx1"/>
-                    </a:solidFill>
-                    <a:latin typeface="Tahoma" panose="020B0604030504040204" pitchFamily="34" charset="0"/>
-                    <a:ea typeface="Tahoma" panose="020B0604030504040204" pitchFamily="34" charset="0"/>
-                    <a:cs typeface="Tahoma" panose="020B0604030504040204" pitchFamily="34" charset="0"/>
-                  </a:rPr>
-                  <a:t>x. </a:t>
-                </a:r>
-              </a:p>
-              <a:p>
-                <a:pPr marL="342900" indent="-342900">
-                  <a:buFont typeface="Wingdings" panose="05000000000000000000" pitchFamily="2" charset="2"/>
-                  <a:buChar char="ü"/>
-                </a:pPr>
-                <a:r>
-                  <a:rPr lang="it-IT" sz="2400">
-                    <a:solidFill>
-                      <a:schemeClr val="tx1"/>
-                    </a:solidFill>
-                    <a:latin typeface="Tahoma" panose="020B0604030504040204" pitchFamily="34" charset="0"/>
-                    <a:ea typeface="Tahoma" panose="020B0604030504040204" pitchFamily="34" charset="0"/>
-                    <a:cs typeface="Tahoma" panose="020B0604030504040204" pitchFamily="34" charset="0"/>
-                  </a:rPr>
-                  <a:t>Nella stima di funzioni siamo interessati ad approssimare </a:t>
+                  <a:rPr lang="it-IT" sz="2400" smtClean="0">
+                    <a:solidFill>
+                      <a:schemeClr val="tx1"/>
+                    </a:solidFill>
+                    <a:latin typeface="Tahoma" panose="020B0604030504040204" pitchFamily="34" charset="0"/>
+                    <a:ea typeface="Tahoma" panose="020B0604030504040204" pitchFamily="34" charset="0"/>
+                    <a:cs typeface="Tahoma" panose="020B0604030504040204" pitchFamily="34" charset="0"/>
+                  </a:rPr>
+                  <a:t>Pertanto dobbiamo trovare un </a:t>
+                </a:r>
+                <a:r>
+                  <a:rPr lang="it-IT" sz="2400" b="1" smtClean="0">
+                    <a:solidFill>
+                      <a:schemeClr val="tx1"/>
+                    </a:solidFill>
+                    <a:latin typeface="Tahoma" panose="020B0604030504040204" pitchFamily="34" charset="0"/>
+                    <a:ea typeface="Tahoma" panose="020B0604030504040204" pitchFamily="34" charset="0"/>
+                    <a:cs typeface="Tahoma" panose="020B0604030504040204" pitchFamily="34" charset="0"/>
+                  </a:rPr>
+                  <a:t>sottoinsieme </a:t>
+                </a:r>
+                <a:r>
+                  <a:rPr lang="it-IT" sz="2400" b="1" i="1" smtClean="0">
+                    <a:solidFill>
+                      <a:schemeClr val="tx1"/>
+                    </a:solidFill>
+                    <a:latin typeface="Tahoma" panose="020B0604030504040204" pitchFamily="34" charset="0"/>
+                    <a:ea typeface="Tahoma" panose="020B0604030504040204" pitchFamily="34" charset="0"/>
+                    <a:cs typeface="Tahoma" panose="020B0604030504040204" pitchFamily="34" charset="0"/>
+                  </a:rPr>
+                  <a:t>R </a:t>
+                </a:r>
+                <a:r>
+                  <a:rPr lang="it-IT" sz="2400" smtClean="0">
+                    <a:solidFill>
+                      <a:schemeClr val="tx1"/>
+                    </a:solidFill>
+                    <a:latin typeface="Tahoma" panose="020B0604030504040204" pitchFamily="34" charset="0"/>
+                    <a:ea typeface="Tahoma" panose="020B0604030504040204" pitchFamily="34" charset="0"/>
+                    <a:cs typeface="Tahoma" panose="020B0604030504040204" pitchFamily="34" charset="0"/>
+                  </a:rPr>
+                  <a:t>dello spazio campionario </a:t>
+                </a:r>
+                <a:r>
+                  <a:rPr lang="it-IT" sz="2400" b="1" smtClean="0">
+                    <a:solidFill>
+                      <a:schemeClr val="tx1"/>
+                    </a:solidFill>
+                    <a:latin typeface="Tahoma" panose="020B0604030504040204" pitchFamily="34" charset="0"/>
+                    <a:ea typeface="Tahoma" panose="020B0604030504040204" pitchFamily="34" charset="0"/>
+                    <a:cs typeface="Tahoma" panose="020B0604030504040204" pitchFamily="34" charset="0"/>
+                  </a:rPr>
+                  <a:t>S </a:t>
+                </a:r>
+                <a:r>
+                  <a:rPr lang="it-IT" sz="2400" smtClean="0">
+                    <a:solidFill>
+                      <a:schemeClr val="tx1"/>
+                    </a:solidFill>
+                    <a:latin typeface="Tahoma" panose="020B0604030504040204" pitchFamily="34" charset="0"/>
+                    <a:ea typeface="Tahoma" panose="020B0604030504040204" pitchFamily="34" charset="0"/>
+                    <a:cs typeface="Tahoma" panose="020B0604030504040204" pitchFamily="34" charset="0"/>
+                  </a:rPr>
+                  <a:t>e rifiutare </a:t>
                 </a:r>
                 <a14:m>
                   <m:oMath xmlns:m="http://schemas.openxmlformats.org/officeDocument/2006/math">
-                    <m:r>
-                      <a:rPr lang="it-IT" sz="2400" b="0" i="1" smtClean="0">
-                        <a:solidFill>
-                          <a:schemeClr val="tx1"/>
-                        </a:solidFill>
-                        <a:latin typeface="Cambria Math" panose="02040503050406030204" pitchFamily="18" charset="0"/>
-                        <a:ea typeface="Tahoma" panose="020B0604030504040204" pitchFamily="34" charset="0"/>
-                        <a:cs typeface="Tahoma" panose="020B0604030504040204" pitchFamily="34" charset="0"/>
-                      </a:rPr>
-                      <m:t>𝑓</m:t>
-                    </m:r>
-                  </m:oMath>
-                </a14:m>
-                <a:r>
-                  <a:rPr lang="it-IT" sz="2400" b="1">
-                    <a:solidFill>
-                      <a:schemeClr val="tx1"/>
-                    </a:solidFill>
-                    <a:latin typeface="Tahoma" panose="020B0604030504040204" pitchFamily="34" charset="0"/>
-                    <a:ea typeface="Tahoma" panose="020B0604030504040204" pitchFamily="34" charset="0"/>
-                    <a:cs typeface="Tahoma" panose="020B0604030504040204" pitchFamily="34" charset="0"/>
-                  </a:rPr>
-                  <a:t> </a:t>
-                </a:r>
-                <a:r>
-                  <a:rPr lang="it-IT" sz="2400">
-                    <a:solidFill>
-                      <a:schemeClr val="tx1"/>
-                    </a:solidFill>
-                    <a:latin typeface="Tahoma" panose="020B0604030504040204" pitchFamily="34" charset="0"/>
-                    <a:ea typeface="Tahoma" panose="020B0604030504040204" pitchFamily="34" charset="0"/>
-                    <a:cs typeface="Tahoma" panose="020B0604030504040204" pitchFamily="34" charset="0"/>
-                  </a:rPr>
-                  <a:t>attraverso un modello o stima</a:t>
-                </a:r>
-                <a:r>
-                  <a:rPr lang="it-IT" sz="2400" b="1">
-                    <a:solidFill>
-                      <a:schemeClr val="tx1"/>
-                    </a:solidFill>
-                    <a:latin typeface="Tahoma" panose="020B0604030504040204" pitchFamily="34" charset="0"/>
-                    <a:ea typeface="Tahoma" panose="020B0604030504040204" pitchFamily="34" charset="0"/>
-                    <a:cs typeface="Tahoma" panose="020B0604030504040204" pitchFamily="34" charset="0"/>
-                  </a:rPr>
-                  <a:t> </a:t>
-                </a:r>
-                <a14:m>
-                  <m:oMath xmlns:m="http://schemas.openxmlformats.org/officeDocument/2006/math">
-                    <m:acc>
-                      <m:accPr>
-                        <m:chr m:val="̂"/>
+                    <m:sSub>
+                      <m:sSubPr>
                         <m:ctrlPr>
                           <a:rPr lang="it-IT" sz="2400" i="1">
                             <a:solidFill>
@@ -15323,83 +16008,7 @@
                             <a:cs typeface="Tahoma" panose="020B0604030504040204" pitchFamily="34" charset="0"/>
                           </a:rPr>
                         </m:ctrlPr>
-                      </m:accPr>
-                      <m:e>
-                        <m:r>
-                          <a:rPr lang="it-IT" sz="2400" b="0" i="1" smtClean="0">
-                            <a:solidFill>
-                              <a:schemeClr val="tx1"/>
-                            </a:solidFill>
-                            <a:latin typeface="Cambria Math" panose="02040503050406030204" pitchFamily="18" charset="0"/>
-                            <a:ea typeface="Tahoma" panose="020B0604030504040204" pitchFamily="34" charset="0"/>
-                            <a:cs typeface="Tahoma" panose="020B0604030504040204" pitchFamily="34" charset="0"/>
-                          </a:rPr>
-                          <m:t>𝑓</m:t>
-                        </m:r>
-                      </m:e>
-                    </m:acc>
-                  </m:oMath>
-                </a14:m>
-                <a:r>
-                  <a:rPr lang="it-IT" sz="2400" i="1">
-                    <a:solidFill>
-                      <a:schemeClr val="tx1"/>
-                    </a:solidFill>
-                    <a:latin typeface="Tahoma" panose="020B0604030504040204" pitchFamily="34" charset="0"/>
-                    <a:ea typeface="Tahoma" panose="020B0604030504040204" pitchFamily="34" charset="0"/>
-                    <a:cs typeface="Tahoma" panose="020B0604030504040204" pitchFamily="34" charset="0"/>
-                  </a:rPr>
-                  <a:t>. </a:t>
-                </a:r>
-                <a:r>
-                  <a:rPr lang="it-IT" sz="2400">
-                    <a:solidFill>
-                      <a:schemeClr val="tx1"/>
-                    </a:solidFill>
-                    <a:latin typeface="Tahoma" panose="020B0604030504040204" pitchFamily="34" charset="0"/>
-                    <a:ea typeface="Tahoma" panose="020B0604030504040204" pitchFamily="34" charset="0"/>
-                    <a:cs typeface="Tahoma" panose="020B0604030504040204" pitchFamily="34" charset="0"/>
-                  </a:rPr>
-                  <a:t>Stimare una funzione è lo stesso di stimare il parametro </a:t>
-                </a:r>
-                <a:r>
-                  <a:rPr lang="el-GR" sz="2400">
-                    <a:solidFill>
-                      <a:schemeClr val="tx1"/>
-                    </a:solidFill>
-                    <a:latin typeface="Tahoma" panose="020B0604030504040204" pitchFamily="34" charset="0"/>
-                    <a:ea typeface="Tahoma" panose="020B0604030504040204" pitchFamily="34" charset="0"/>
-                    <a:cs typeface="Tahoma" panose="020B0604030504040204" pitchFamily="34" charset="0"/>
-                  </a:rPr>
-                  <a:t>ϴ</a:t>
-                </a:r>
-                <a:r>
-                  <a:rPr lang="it-IT" sz="2400">
-                    <a:solidFill>
-                      <a:schemeClr val="tx1"/>
-                    </a:solidFill>
-                    <a:latin typeface="Tahoma" panose="020B0604030504040204" pitchFamily="34" charset="0"/>
-                    <a:ea typeface="Tahoma" panose="020B0604030504040204" pitchFamily="34" charset="0"/>
-                    <a:cs typeface="Tahoma" panose="020B0604030504040204" pitchFamily="34" charset="0"/>
-                  </a:rPr>
-                  <a:t>; in altre parole lo stimatore di funzione </a:t>
-                </a:r>
-                <a14:m>
-                  <m:oMath xmlns:m="http://schemas.openxmlformats.org/officeDocument/2006/math">
-                    <m:acc>
-                      <m:accPr>
-                        <m:chr m:val="̂"/>
-                        <m:ctrlPr>
-                          <a:rPr lang="it-IT" sz="2400" i="1">
-                            <a:solidFill>
-                              <a:schemeClr val="tx1"/>
-                            </a:solidFill>
-                            <a:latin typeface="Cambria Math" panose="02040503050406030204" pitchFamily="18" charset="0"/>
-                            <a:ea typeface="Tahoma" panose="020B0604030504040204" pitchFamily="34" charset="0"/>
-                            <a:cs typeface="Tahoma" panose="020B0604030504040204" pitchFamily="34" charset="0"/>
-                          </a:rPr>
-                        </m:ctrlPr>
-                      </m:accPr>
+                      </m:sSubPr>
                       <m:e>
                         <m:r>
                           <a:rPr lang="it-IT" sz="2400" i="1">
@@ -15410,62 +16019,10 @@
                             <a:ea typeface="Tahoma" panose="020B0604030504040204" pitchFamily="34" charset="0"/>
                             <a:cs typeface="Tahoma" panose="020B0604030504040204" pitchFamily="34" charset="0"/>
                           </a:rPr>
-                          <m:t>𝑓</m:t>
+                          <m:t>𝐻</m:t>
                         </m:r>
                       </m:e>
-                    </m:acc>
-                  </m:oMath>
-                </a14:m>
-                <a:r>
-                  <a:rPr lang="it-IT" sz="2400">
-                    <a:solidFill>
-                      <a:schemeClr val="tx1"/>
-                    </a:solidFill>
-                    <a:latin typeface="Tahoma" panose="020B0604030504040204" pitchFamily="34" charset="0"/>
-                    <a:ea typeface="Tahoma" panose="020B0604030504040204" pitchFamily="34" charset="0"/>
-                    <a:cs typeface="Tahoma" panose="020B0604030504040204" pitchFamily="34" charset="0"/>
-                  </a:rPr>
-                  <a:t> è semplicemente uno stimatore puntuale nello spazio puntuale delle funzioni. La regressione lineare e la regressione polinomiale sono entrambi possono essere interpretati come stima di paramtri </a:t>
-                </a:r>
-                <a:r>
-                  <a:rPr lang="it-IT" sz="2400" b="1" i="1">
-                    <a:solidFill>
-                      <a:schemeClr val="tx1"/>
-                    </a:solidFill>
-                    <a:latin typeface="Tahoma" panose="020B0604030504040204" pitchFamily="34" charset="0"/>
-                    <a:ea typeface="Tahoma" panose="020B0604030504040204" pitchFamily="34" charset="0"/>
-                    <a:cs typeface="Tahoma" panose="020B0604030504040204" pitchFamily="34" charset="0"/>
-                  </a:rPr>
-                  <a:t>W</a:t>
-                </a:r>
-                <a:r>
-                  <a:rPr lang="it-IT" sz="2400">
-                    <a:solidFill>
-                      <a:schemeClr val="tx1"/>
-                    </a:solidFill>
-                    <a:latin typeface="Tahoma" panose="020B0604030504040204" pitchFamily="34" charset="0"/>
-                    <a:ea typeface="Tahoma" panose="020B0604030504040204" pitchFamily="34" charset="0"/>
-                    <a:cs typeface="Tahoma" panose="020B0604030504040204" pitchFamily="34" charset="0"/>
-                  </a:rPr>
-                  <a:t> oppure come stima di una funzione </a:t>
-                </a:r>
-                <a14:m>
-                  <m:oMath xmlns:m="http://schemas.openxmlformats.org/officeDocument/2006/math">
-                    <m:acc>
-                      <m:accPr>
-                        <m:chr m:val="̂"/>
-                        <m:ctrlPr>
-                          <a:rPr lang="it-IT" sz="2400" i="1">
-                            <a:solidFill>
-                              <a:schemeClr val="tx1"/>
-                            </a:solidFill>
-                            <a:latin typeface="Cambria Math" panose="02040503050406030204" pitchFamily="18" charset="0"/>
-                            <a:ea typeface="Tahoma" panose="020B0604030504040204" pitchFamily="34" charset="0"/>
-                            <a:cs typeface="Tahoma" panose="020B0604030504040204" pitchFamily="34" charset="0"/>
-                          </a:rPr>
-                        </m:ctrlPr>
-                      </m:accPr>
-                      <m:e>
+                      <m:sub>
                         <m:r>
                           <a:rPr lang="it-IT" sz="2400" i="1">
                             <a:solidFill>
@@ -15475,82 +16032,224 @@
                             <a:ea typeface="Tahoma" panose="020B0604030504040204" pitchFamily="34" charset="0"/>
                             <a:cs typeface="Tahoma" panose="020B0604030504040204" pitchFamily="34" charset="0"/>
                           </a:rPr>
-                          <m:t>𝑓</m:t>
+                          <m:t>0</m:t>
                         </m:r>
-                      </m:e>
-                    </m:acc>
+                      </m:sub>
+                    </m:sSub>
                   </m:oMath>
                 </a14:m>
                 <a:r>
-                  <a:rPr lang="it-IT" sz="2400">
-                    <a:solidFill>
-                      <a:schemeClr val="tx1"/>
-                    </a:solidFill>
-                    <a:latin typeface="Tahoma" panose="020B0604030504040204" pitchFamily="34" charset="0"/>
-                    <a:ea typeface="Tahoma" panose="020B0604030504040204" pitchFamily="34" charset="0"/>
-                    <a:cs typeface="Tahoma" panose="020B0604030504040204" pitchFamily="34" charset="0"/>
-                  </a:rPr>
-                  <a:t> che fa un mapping dalla </a:t>
-                </a:r>
-                <a:r>
-                  <a:rPr lang="it-IT" sz="2400" b="1" i="1">
-                    <a:solidFill>
-                      <a:schemeClr val="tx1"/>
-                    </a:solidFill>
-                    <a:latin typeface="Tahoma" panose="020B0604030504040204" pitchFamily="34" charset="0"/>
-                    <a:ea typeface="Tahoma" panose="020B0604030504040204" pitchFamily="34" charset="0"/>
-                    <a:cs typeface="Tahoma" panose="020B0604030504040204" pitchFamily="34" charset="0"/>
-                  </a:rPr>
-                  <a:t>x </a:t>
-                </a:r>
-                <a:r>
-                  <a:rPr lang="it-IT" sz="2400">
-                    <a:solidFill>
-                      <a:schemeClr val="tx1"/>
-                    </a:solidFill>
-                    <a:latin typeface="Tahoma" panose="020B0604030504040204" pitchFamily="34" charset="0"/>
-                    <a:ea typeface="Tahoma" panose="020B0604030504040204" pitchFamily="34" charset="0"/>
-                    <a:cs typeface="Tahoma" panose="020B0604030504040204" pitchFamily="34" charset="0"/>
-                  </a:rPr>
-                  <a:t>alla </a:t>
-                </a:r>
-                <a:r>
-                  <a:rPr lang="it-IT" sz="2400" b="1" i="1">
-                    <a:solidFill>
-                      <a:schemeClr val="tx1"/>
-                    </a:solidFill>
-                    <a:latin typeface="Tahoma" panose="020B0604030504040204" pitchFamily="34" charset="0"/>
-                    <a:ea typeface="Tahoma" panose="020B0604030504040204" pitchFamily="34" charset="0"/>
-                    <a:cs typeface="Tahoma" panose="020B0604030504040204" pitchFamily="34" charset="0"/>
-                  </a:rPr>
-                  <a:t>y. </a:t>
-                </a:r>
-                <a:r>
-                  <a:rPr lang="it-IT" sz="2400">
-                    <a:solidFill>
-                      <a:schemeClr val="tx1"/>
-                    </a:solidFill>
-                    <a:latin typeface="Tahoma" panose="020B0604030504040204" pitchFamily="34" charset="0"/>
-                    <a:ea typeface="Tahoma" panose="020B0604030504040204" pitchFamily="34" charset="0"/>
-                    <a:cs typeface="Tahoma" panose="020B0604030504040204" pitchFamily="34" charset="0"/>
-                  </a:rPr>
-                  <a:t>  </a:t>
-                </a:r>
-                <a:endParaRPr lang="it-IT" sz="2400" i="1">
-                  <a:solidFill>
-                    <a:schemeClr val="tx1"/>
-                  </a:solidFill>
-                  <a:latin typeface="Tahoma" panose="020B0604030504040204" pitchFamily="34" charset="0"/>
-                  <a:ea typeface="Tahoma" panose="020B0604030504040204" pitchFamily="34" charset="0"/>
-                  <a:cs typeface="Tahoma" panose="020B0604030504040204" pitchFamily="34" charset="0"/>
-                </a:endParaRPr>
+                  <a:rPr lang="it-IT" sz="2400" smtClean="0">
+                    <a:solidFill>
+                      <a:schemeClr val="tx1"/>
+                    </a:solidFill>
+                    <a:latin typeface="Tahoma" panose="020B0604030504040204" pitchFamily="34" charset="0"/>
+                    <a:ea typeface="Tahoma" panose="020B0604030504040204" pitchFamily="34" charset="0"/>
+                    <a:cs typeface="Tahoma" panose="020B0604030504040204" pitchFamily="34" charset="0"/>
+                  </a:rPr>
+                  <a:t> se e solo se </a:t>
+                </a:r>
+                <a:r>
+                  <a:rPr lang="it-IT" sz="2400" b="1" smtClean="0">
+                    <a:solidFill>
+                      <a:schemeClr val="tx1"/>
+                    </a:solidFill>
+                    <a:latin typeface="Tahoma" panose="020B0604030504040204" pitchFamily="34" charset="0"/>
+                    <a:ea typeface="Tahoma" panose="020B0604030504040204" pitchFamily="34" charset="0"/>
+                    <a:cs typeface="Tahoma" panose="020B0604030504040204" pitchFamily="34" charset="0"/>
+                  </a:rPr>
+                  <a:t>X appartiene a </a:t>
+                </a:r>
+                <a:r>
+                  <a:rPr lang="it-IT" sz="2400" b="1" i="1" smtClean="0">
+                    <a:solidFill>
+                      <a:schemeClr val="tx1"/>
+                    </a:solidFill>
+                    <a:latin typeface="Tahoma" panose="020B0604030504040204" pitchFamily="34" charset="0"/>
+                    <a:ea typeface="Tahoma" panose="020B0604030504040204" pitchFamily="34" charset="0"/>
+                    <a:cs typeface="Tahoma" panose="020B0604030504040204" pitchFamily="34" charset="0"/>
+                  </a:rPr>
+                  <a:t>R</a:t>
+                </a:r>
+                <a:r>
+                  <a:rPr lang="it-IT" sz="2400" b="1" smtClean="0">
+                    <a:solidFill>
+                      <a:schemeClr val="tx1"/>
+                    </a:solidFill>
+                    <a:latin typeface="Tahoma" panose="020B0604030504040204" pitchFamily="34" charset="0"/>
+                    <a:ea typeface="Tahoma" panose="020B0604030504040204" pitchFamily="34" charset="0"/>
+                    <a:cs typeface="Tahoma" panose="020B0604030504040204" pitchFamily="34" charset="0"/>
+                  </a:rPr>
+                  <a:t>. </a:t>
+                </a:r>
+                <a:r>
+                  <a:rPr lang="it-IT" sz="2400" b="1" i="1" smtClean="0">
+                    <a:solidFill>
+                      <a:schemeClr val="tx1"/>
+                    </a:solidFill>
+                    <a:latin typeface="Tahoma" panose="020B0604030504040204" pitchFamily="34" charset="0"/>
+                    <a:ea typeface="Tahoma" panose="020B0604030504040204" pitchFamily="34" charset="0"/>
+                    <a:cs typeface="Tahoma" panose="020B0604030504040204" pitchFamily="34" charset="0"/>
+                  </a:rPr>
+                  <a:t>R </a:t>
+                </a:r>
+                <a:r>
+                  <a:rPr lang="it-IT" sz="2400" smtClean="0">
+                    <a:solidFill>
+                      <a:schemeClr val="tx1"/>
+                    </a:solidFill>
+                    <a:latin typeface="Tahoma" panose="020B0604030504040204" pitchFamily="34" charset="0"/>
+                    <a:ea typeface="Tahoma" panose="020B0604030504040204" pitchFamily="34" charset="0"/>
+                    <a:cs typeface="Tahoma" panose="020B0604030504040204" pitchFamily="34" charset="0"/>
+                  </a:rPr>
+                  <a:t>prende il nome di </a:t>
+                </a:r>
+                <a:r>
+                  <a:rPr lang="it-IT" sz="2400" b="1" smtClean="0">
+                    <a:solidFill>
+                      <a:schemeClr val="tx1"/>
+                    </a:solidFill>
+                    <a:latin typeface="Tahoma" panose="020B0604030504040204" pitchFamily="34" charset="0"/>
+                    <a:ea typeface="Tahoma" panose="020B0604030504040204" pitchFamily="34" charset="0"/>
+                    <a:cs typeface="Tahoma" panose="020B0604030504040204" pitchFamily="34" charset="0"/>
+                  </a:rPr>
+                  <a:t>regione di rifiuto </a:t>
+                </a:r>
+                <a:r>
+                  <a:rPr lang="it-IT" sz="2400" smtClean="0">
+                    <a:solidFill>
+                      <a:schemeClr val="tx1"/>
+                    </a:solidFill>
+                    <a:latin typeface="Tahoma" panose="020B0604030504040204" pitchFamily="34" charset="0"/>
+                    <a:ea typeface="Tahoma" panose="020B0604030504040204" pitchFamily="34" charset="0"/>
+                    <a:cs typeface="Tahoma" panose="020B0604030504040204" pitchFamily="34" charset="0"/>
+                  </a:rPr>
+                  <a:t>o </a:t>
+                </a:r>
+                <a:r>
+                  <a:rPr lang="it-IT" sz="2400" b="1" smtClean="0">
+                    <a:solidFill>
+                      <a:schemeClr val="tx1"/>
+                    </a:solidFill>
+                    <a:latin typeface="Tahoma" panose="020B0604030504040204" pitchFamily="34" charset="0"/>
+                    <a:ea typeface="Tahoma" panose="020B0604030504040204" pitchFamily="34" charset="0"/>
+                    <a:cs typeface="Tahoma" panose="020B0604030504040204" pitchFamily="34" charset="0"/>
+                  </a:rPr>
+                  <a:t>regione critica. </a:t>
+                </a:r>
               </a:p>
               <a:p>
                 <a:pPr marL="342900" indent="-342900">
                   <a:buFont typeface="Wingdings" panose="05000000000000000000" pitchFamily="2" charset="2"/>
                   <a:buChar char="ü"/>
                 </a:pPr>
-                <a:endParaRPr lang="it-IT" sz="2400" b="1">
+                <a:r>
+                  <a:rPr lang="it-IT" sz="2400" smtClean="0">
+                    <a:solidFill>
+                      <a:schemeClr val="tx1"/>
+                    </a:solidFill>
+                    <a:latin typeface="Tahoma" panose="020B0604030504040204" pitchFamily="34" charset="0"/>
+                    <a:ea typeface="Tahoma" panose="020B0604030504040204" pitchFamily="34" charset="0"/>
+                    <a:cs typeface="Tahoma" panose="020B0604030504040204" pitchFamily="34" charset="0"/>
+                  </a:rPr>
+                  <a:t>Usualmente, la regione critica è definita in funzione di una statistica detta </a:t>
+                </a:r>
+                <a:r>
+                  <a:rPr lang="it-IT" sz="2400" b="1" smtClean="0">
+                    <a:solidFill>
+                      <a:schemeClr val="tx1"/>
+                    </a:solidFill>
+                    <a:latin typeface="Tahoma" panose="020B0604030504040204" pitchFamily="34" charset="0"/>
+                    <a:ea typeface="Tahoma" panose="020B0604030504040204" pitchFamily="34" charset="0"/>
+                    <a:cs typeface="Tahoma" panose="020B0604030504040204" pitchFamily="34" charset="0"/>
+                  </a:rPr>
+                  <a:t>statistica di test: </a:t>
+                </a:r>
+                <a:r>
+                  <a:rPr lang="it-IT" sz="2400" b="1" i="1" smtClean="0">
+                    <a:solidFill>
+                      <a:schemeClr val="tx1"/>
+                    </a:solidFill>
+                    <a:latin typeface="Tahoma" panose="020B0604030504040204" pitchFamily="34" charset="0"/>
+                    <a:ea typeface="Tahoma" panose="020B0604030504040204" pitchFamily="34" charset="0"/>
+                    <a:cs typeface="Tahoma" panose="020B0604030504040204" pitchFamily="34" charset="0"/>
+                  </a:rPr>
+                  <a:t>W(X). </a:t>
+                </a:r>
+              </a:p>
+              <a:p>
+                <a:pPr marL="342900" indent="-342900">
+                  <a:buFont typeface="Wingdings" panose="05000000000000000000" pitchFamily="2" charset="2"/>
+                  <a:buChar char="ü"/>
+                </a:pPr>
+                <a:r>
+                  <a:rPr lang="it-IT" sz="2400" smtClean="0">
+                    <a:solidFill>
+                      <a:schemeClr val="tx1"/>
+                    </a:solidFill>
+                    <a:latin typeface="Tahoma" panose="020B0604030504040204" pitchFamily="34" charset="0"/>
+                    <a:ea typeface="Tahoma" panose="020B0604030504040204" pitchFamily="34" charset="0"/>
+                    <a:cs typeface="Tahoma" panose="020B0604030504040204" pitchFamily="34" charset="0"/>
+                  </a:rPr>
+                  <a:t>La decisione che prendiamo può essere corretta o errata. Esistono due tipi di errore, a seconda di quale delle due ipotesi è vera: </a:t>
+                </a:r>
+              </a:p>
+              <a:p>
+                <a:pPr marL="914400" lvl="1" indent="-457200">
+                  <a:buFont typeface="+mj-lt"/>
+                  <a:buAutoNum type="arabicPeriod"/>
+                </a:pPr>
+                <a:r>
+                  <a:rPr lang="it-IT" sz="2600" smtClean="0">
+                    <a:solidFill>
+                      <a:schemeClr val="tx1"/>
+                    </a:solidFill>
+                    <a:latin typeface="Tahoma" panose="020B0604030504040204" pitchFamily="34" charset="0"/>
+                    <a:ea typeface="Tahoma" panose="020B0604030504040204" pitchFamily="34" charset="0"/>
+                    <a:cs typeface="Tahoma" panose="020B0604030504040204" pitchFamily="34" charset="0"/>
+                  </a:rPr>
+                  <a:t>Errore di prima specie: </a:t>
+                </a:r>
+                <a:r>
+                  <a:rPr lang="it-IT" sz="2600" b="0" smtClean="0">
+                    <a:solidFill>
+                      <a:schemeClr val="tx1"/>
+                    </a:solidFill>
+                    <a:latin typeface="Tahoma" panose="020B0604030504040204" pitchFamily="34" charset="0"/>
+                    <a:ea typeface="Tahoma" panose="020B0604030504040204" pitchFamily="34" charset="0"/>
+                    <a:cs typeface="Tahoma" panose="020B0604030504040204" pitchFamily="34" charset="0"/>
+                  </a:rPr>
+                  <a:t>consiste nel rifiutare l’ipotesi nulla quando è vera</a:t>
+                </a:r>
+              </a:p>
+              <a:p>
+                <a:pPr marL="914400" lvl="1" indent="-457200">
+                  <a:buFont typeface="+mj-lt"/>
+                  <a:buAutoNum type="arabicPeriod"/>
+                </a:pPr>
+                <a:r>
+                  <a:rPr lang="it-IT" sz="2600" smtClean="0">
+                    <a:solidFill>
+                      <a:schemeClr val="tx1"/>
+                    </a:solidFill>
+                    <a:latin typeface="Tahoma" panose="020B0604030504040204" pitchFamily="34" charset="0"/>
+                    <a:ea typeface="Tahoma" panose="020B0604030504040204" pitchFamily="34" charset="0"/>
+                    <a:cs typeface="Tahoma" panose="020B0604030504040204" pitchFamily="34" charset="0"/>
+                  </a:rPr>
+                  <a:t>Errore di seconda specie: </a:t>
+                </a:r>
+                <a:r>
+                  <a:rPr lang="it-IT" sz="2600" b="0" smtClean="0">
+                    <a:solidFill>
+                      <a:schemeClr val="tx1"/>
+                    </a:solidFill>
+                    <a:latin typeface="Tahoma" panose="020B0604030504040204" pitchFamily="34" charset="0"/>
+                    <a:ea typeface="Tahoma" panose="020B0604030504040204" pitchFamily="34" charset="0"/>
+                    <a:cs typeface="Tahoma" panose="020B0604030504040204" pitchFamily="34" charset="0"/>
+                  </a:rPr>
+                  <a:t>consiste nel non rifiutare l’ipotesi nulla quando è falsa</a:t>
+                </a:r>
+                <a:endParaRPr lang="it-IT" sz="2600" smtClean="0">
                   <a:solidFill>
                     <a:schemeClr val="tx1"/>
                   </a:solidFill>
@@ -15581,13 +16280,13 @@
             </p:nvSpPr>
             <p:spPr>
               <a:xfrm>
-                <a:off x="323468" y="1232694"/>
-                <a:ext cx="11269308" cy="4392612"/>
+                <a:off x="468895" y="1288677"/>
+                <a:ext cx="11418305" cy="4392612"/>
               </a:xfrm>
               <a:blipFill>
                 <a:blip r:embed="rId2"/>
                 <a:stretch>
-                  <a:fillRect l="-1514" t="-2080" r="-2217" b="-20388"/>
+                  <a:fillRect l="-1548" t="-2080" r="-641" b="-26352"/>
                 </a:stretch>
               </a:blipFill>
             </p:spPr>
@@ -15668,6 +16367,1510 @@
           <a:lstStyle/>
           <a:p>
             <a:r>
+              <a:rPr lang="it-IT" altLang="it-IT" smtClean="0"/>
+              <a:t>Errore di prima specie ed errore di seconda specie</a:t>
+            </a:r>
+            <a:endParaRPr lang="it-IT" dirty="0"/>
+          </a:p>
+        </p:txBody>
+      </p:sp>
+    </p:spTree>
+    <p:extLst>
+      <p:ext uri="{BB962C8B-B14F-4D97-AF65-F5344CB8AC3E}">
+        <p14:creationId xmlns:p14="http://schemas.microsoft.com/office/powerpoint/2010/main" val="1276417312"/>
+      </p:ext>
+    </p:extLst>
+  </p:cSld>
+  <p:clrMapOvr>
+    <a:masterClrMapping/>
+  </p:clrMapOvr>
+</p:sld>
+</file>
+
+<file path=ppt/slides/slide21.xml><?xml version="1.0" encoding="utf-8"?>
+<p:sld xmlns:a="http://schemas.openxmlformats.org/drawingml/2006/main" xmlns:r="http://schemas.openxmlformats.org/officeDocument/2006/relationships" xmlns:p="http://schemas.openxmlformats.org/presentationml/2006/main">
+  <p:cSld>
+    <p:spTree>
+      <p:nvGrpSpPr>
+        <p:cNvPr id="1" name=""/>
+        <p:cNvGrpSpPr/>
+        <p:nvPr/>
+      </p:nvGrpSpPr>
+      <p:grpSpPr>
+        <a:xfrm>
+          <a:off x="0" y="0"/>
+          <a:ext cx="0" cy="0"/>
+          <a:chOff x="0" y="0"/>
+          <a:chExt cx="0" cy="0"/>
+        </a:xfrm>
+      </p:grpSpPr>
+      <p:sp>
+        <p:nvSpPr>
+          <p:cNvPr id="2" name="Segnaposto testo 1">
+            <a:extLst>
+              <a:ext uri="{FF2B5EF4-FFF2-40B4-BE49-F238E27FC236}">
+                <a16:creationId xmlns:a16="http://schemas.microsoft.com/office/drawing/2014/main" id="{E5AE986C-196F-4141-A898-FA4C4198CDCC}"/>
+              </a:ext>
+            </a:extLst>
+          </p:cNvPr>
+          <p:cNvSpPr>
+            <a:spLocks noGrp="1"/>
+          </p:cNvSpPr>
+          <p:nvPr>
+            <p:ph type="body" idx="1"/>
+          </p:nvPr>
+        </p:nvSpPr>
+        <p:spPr>
+          <a:xfrm>
+            <a:off x="323468" y="1232694"/>
+            <a:ext cx="8203312" cy="4392612"/>
+          </a:xfrm>
+        </p:spPr>
+        <p:txBody>
+          <a:bodyPr/>
+          <a:lstStyle/>
+          <a:p>
+            <a:pPr marL="342900" indent="-342900">
+              <a:buFont typeface="Wingdings" panose="05000000000000000000" pitchFamily="2" charset="2"/>
+              <a:buChar char="ü"/>
+            </a:pPr>
+            <a:r>
+              <a:rPr lang="it-IT" sz="2400">
+                <a:solidFill>
+                  <a:schemeClr val="tx1"/>
+                </a:solidFill>
+                <a:latin typeface="Tahoma" panose="020B0604030504040204" pitchFamily="34" charset="0"/>
+                <a:ea typeface="Tahoma" panose="020B0604030504040204" pitchFamily="34" charset="0"/>
+                <a:cs typeface="Tahoma" panose="020B0604030504040204" pitchFamily="34" charset="0"/>
+              </a:rPr>
+              <a:t>Il campo della statstica fornisce molti strumenti che possono  essere usati anche gli obiettivi del machine learning di risolvere un compito non solo sul training set ma anche di generalizzare. Concetti fondamentali come stima dei parametri, bias e varianza sono utili per caratterizzare formalmente le nozioni di generalizzazione, underfitting e overfitting</a:t>
+            </a:r>
+          </a:p>
+          <a:p>
+            <a:pPr marL="342900" indent="-342900">
+              <a:buFont typeface="Wingdings" panose="05000000000000000000" pitchFamily="2" charset="2"/>
+              <a:buChar char="ü"/>
+            </a:pPr>
+            <a:r>
+              <a:rPr lang="it-IT" sz="2400">
+                <a:solidFill>
+                  <a:schemeClr val="tx1"/>
+                </a:solidFill>
+                <a:latin typeface="Tahoma" panose="020B0604030504040204" pitchFamily="34" charset="0"/>
+                <a:ea typeface="Tahoma" panose="020B0604030504040204" pitchFamily="34" charset="0"/>
+                <a:cs typeface="Tahoma" panose="020B0604030504040204" pitchFamily="34" charset="0"/>
+              </a:rPr>
+              <a:t>La </a:t>
+            </a:r>
+            <a:r>
+              <a:rPr lang="it-IT" sz="2400" b="1">
+                <a:solidFill>
+                  <a:schemeClr val="tx1"/>
+                </a:solidFill>
+                <a:latin typeface="Tahoma" panose="020B0604030504040204" pitchFamily="34" charset="0"/>
+                <a:ea typeface="Tahoma" panose="020B0604030504040204" pitchFamily="34" charset="0"/>
+                <a:cs typeface="Tahoma" panose="020B0604030504040204" pitchFamily="34" charset="0"/>
+              </a:rPr>
+              <a:t>Stima</a:t>
+            </a:r>
+            <a:r>
+              <a:rPr lang="it-IT" sz="2400">
+                <a:solidFill>
+                  <a:schemeClr val="tx1"/>
+                </a:solidFill>
+                <a:latin typeface="Tahoma" panose="020B0604030504040204" pitchFamily="34" charset="0"/>
+                <a:ea typeface="Tahoma" panose="020B0604030504040204" pitchFamily="34" charset="0"/>
+                <a:cs typeface="Tahoma" panose="020B0604030504040204" pitchFamily="34" charset="0"/>
+              </a:rPr>
+              <a:t> </a:t>
+            </a:r>
+            <a:r>
+              <a:rPr lang="it-IT" sz="2400" b="1">
+                <a:solidFill>
+                  <a:schemeClr val="tx1"/>
+                </a:solidFill>
+                <a:latin typeface="Tahoma" panose="020B0604030504040204" pitchFamily="34" charset="0"/>
+                <a:ea typeface="Tahoma" panose="020B0604030504040204" pitchFamily="34" charset="0"/>
+                <a:cs typeface="Tahoma" panose="020B0604030504040204" pitchFamily="34" charset="0"/>
+              </a:rPr>
+              <a:t>puntuale</a:t>
+            </a:r>
+            <a:r>
+              <a:rPr lang="it-IT" sz="2400">
+                <a:solidFill>
+                  <a:schemeClr val="tx1"/>
+                </a:solidFill>
+                <a:latin typeface="Tahoma" panose="020B0604030504040204" pitchFamily="34" charset="0"/>
+                <a:ea typeface="Tahoma" panose="020B0604030504040204" pitchFamily="34" charset="0"/>
+                <a:cs typeface="Tahoma" panose="020B0604030504040204" pitchFamily="34" charset="0"/>
+              </a:rPr>
+              <a:t> dei parametri rappresenta l'insieme dei metodi di statistica inferenziale che permettono di attribuire un valore ad un parametro della popolazione, utilizzando i dati di un campione casuale osservato (x1, x2,…,xn) ed elaborandoli.</a:t>
+            </a:r>
+          </a:p>
+        </p:txBody>
+      </p:sp>
+      <p:sp>
+        <p:nvSpPr>
+          <p:cNvPr id="7" name="Segnaposto numero diapositiva 6">
+            <a:extLst>
+              <a:ext uri="{FF2B5EF4-FFF2-40B4-BE49-F238E27FC236}">
+                <a16:creationId xmlns:a16="http://schemas.microsoft.com/office/drawing/2014/main" id="{AB740BE9-E218-4144-BFDE-AE473D230A3D}"/>
+              </a:ext>
+            </a:extLst>
+          </p:cNvPr>
+          <p:cNvSpPr>
+            <a:spLocks noGrp="1"/>
+          </p:cNvSpPr>
+          <p:nvPr>
+            <p:ph type="sldNum" sz="quarter" idx="12"/>
+          </p:nvPr>
+        </p:nvSpPr>
+        <p:spPr/>
+        <p:txBody>
+          <a:bodyPr/>
+          <a:lstStyle/>
+          <a:p>
+            <a:pPr>
+              <a:defRPr/>
+            </a:pPr>
+            <a:fld id="{48B4153A-D4C5-4CEF-8992-0D8815C829E3}" type="slidenum">
+              <a:rPr lang="en-US" smtClean="0"/>
+              <a:pPr>
+                <a:defRPr/>
+              </a:pPr>
+              <a:t>21</a:t>
+            </a:fld>
+            <a:endParaRPr lang="en-US" dirty="0"/>
+          </a:p>
+        </p:txBody>
+      </p:sp>
+      <p:sp>
+        <p:nvSpPr>
+          <p:cNvPr id="5" name="Titolo 4">
+            <a:extLst>
+              <a:ext uri="{FF2B5EF4-FFF2-40B4-BE49-F238E27FC236}">
+                <a16:creationId xmlns:a16="http://schemas.microsoft.com/office/drawing/2014/main" id="{82C46BA2-B380-4357-B125-BA9F08A643F5}"/>
+              </a:ext>
+            </a:extLst>
+          </p:cNvPr>
+          <p:cNvSpPr>
+            <a:spLocks noGrp="1"/>
+          </p:cNvSpPr>
+          <p:nvPr>
+            <p:ph type="title"/>
+          </p:nvPr>
+        </p:nvSpPr>
+        <p:spPr>
+          <a:xfrm>
+            <a:off x="468895" y="503475"/>
+            <a:ext cx="11269308" cy="384721"/>
+          </a:xfrm>
+        </p:spPr>
+        <p:txBody>
+          <a:bodyPr/>
+          <a:lstStyle/>
+          <a:p>
+            <a:r>
+              <a:rPr lang="it-IT" altLang="it-IT"/>
+              <a:t>Stimatori, Bias e Varianza per il Machine Learning</a:t>
+            </a:r>
+            <a:endParaRPr lang="it-IT" dirty="0"/>
+          </a:p>
+        </p:txBody>
+      </p:sp>
+      <p:pic>
+        <p:nvPicPr>
+          <p:cNvPr id="4" name="Immagine 3">
+            <a:extLst>
+              <a:ext uri="{FF2B5EF4-FFF2-40B4-BE49-F238E27FC236}">
+                <a16:creationId xmlns:a16="http://schemas.microsoft.com/office/drawing/2014/main" id="{1D49AD20-C368-5814-3F94-DA7E3090D91B}"/>
+              </a:ext>
+            </a:extLst>
+          </p:cNvPr>
+          <p:cNvPicPr>
+            <a:picLocks noChangeAspect="1"/>
+          </p:cNvPicPr>
+          <p:nvPr/>
+        </p:nvPicPr>
+        <p:blipFill>
+          <a:blip r:embed="rId2"/>
+          <a:stretch>
+            <a:fillRect/>
+          </a:stretch>
+        </p:blipFill>
+        <p:spPr>
+          <a:xfrm>
+            <a:off x="8526780" y="1922981"/>
+            <a:ext cx="3341752" cy="3714999"/>
+          </a:xfrm>
+          <a:prstGeom prst="rect">
+            <a:avLst/>
+          </a:prstGeom>
+        </p:spPr>
+      </p:pic>
+    </p:spTree>
+    <p:extLst>
+      <p:ext uri="{BB962C8B-B14F-4D97-AF65-F5344CB8AC3E}">
+        <p14:creationId xmlns:p14="http://schemas.microsoft.com/office/powerpoint/2010/main" val="2188211107"/>
+      </p:ext>
+    </p:extLst>
+  </p:cSld>
+  <p:clrMapOvr>
+    <a:masterClrMapping/>
+  </p:clrMapOvr>
+</p:sld>
+</file>
+
+<file path=ppt/slides/slide22.xml><?xml version="1.0" encoding="utf-8"?>
+<p:sld xmlns:a="http://schemas.openxmlformats.org/drawingml/2006/main" xmlns:r="http://schemas.openxmlformats.org/officeDocument/2006/relationships" xmlns:p="http://schemas.openxmlformats.org/presentationml/2006/main">
+  <p:cSld>
+    <p:spTree>
+      <p:nvGrpSpPr>
+        <p:cNvPr id="1" name=""/>
+        <p:cNvGrpSpPr/>
+        <p:nvPr/>
+      </p:nvGrpSpPr>
+      <p:grpSpPr>
+        <a:xfrm>
+          <a:off x="0" y="0"/>
+          <a:ext cx="0" cy="0"/>
+          <a:chOff x="0" y="0"/>
+          <a:chExt cx="0" cy="0"/>
+        </a:xfrm>
+      </p:grpSpPr>
+      <mc:AlternateContent xmlns:mc="http://schemas.openxmlformats.org/markup-compatibility/2006" xmlns:a14="http://schemas.microsoft.com/office/drawing/2010/main">
+        <mc:Choice Requires="a14">
+          <p:sp>
+            <p:nvSpPr>
+              <p:cNvPr id="2" name="Segnaposto testo 1">
+                <a:extLst>
+                  <a:ext uri="{FF2B5EF4-FFF2-40B4-BE49-F238E27FC236}">
+                    <a16:creationId xmlns:a16="http://schemas.microsoft.com/office/drawing/2014/main" id="{E5AE986C-196F-4141-A898-FA4C4198CDCC}"/>
+                  </a:ext>
+                </a:extLst>
+              </p:cNvPr>
+              <p:cNvSpPr>
+                <a:spLocks noGrp="1"/>
+              </p:cNvSpPr>
+              <p:nvPr>
+                <p:ph type="body" idx="1"/>
+              </p:nvPr>
+            </p:nvSpPr>
+            <p:spPr>
+              <a:xfrm>
+                <a:off x="323468" y="1232694"/>
+                <a:ext cx="11632312" cy="4392612"/>
+              </a:xfrm>
+            </p:spPr>
+            <p:txBody>
+              <a:bodyPr/>
+              <a:lstStyle/>
+              <a:p>
+                <a:pPr marL="342900" indent="-342900">
+                  <a:buFont typeface="Wingdings" panose="05000000000000000000" pitchFamily="2" charset="2"/>
+                  <a:buChar char="ü"/>
+                </a:pPr>
+                <a:r>
+                  <a:rPr lang="it-IT" sz="2400">
+                    <a:solidFill>
+                      <a:schemeClr val="tx1"/>
+                    </a:solidFill>
+                    <a:latin typeface="Tahoma" panose="020B0604030504040204" pitchFamily="34" charset="0"/>
+                    <a:ea typeface="Tahoma" panose="020B0604030504040204" pitchFamily="34" charset="0"/>
+                    <a:cs typeface="Tahoma" panose="020B0604030504040204" pitchFamily="34" charset="0"/>
+                  </a:rPr>
+                  <a:t>La </a:t>
+                </a:r>
+                <a:r>
+                  <a:rPr lang="it-IT" sz="2400" b="1">
+                    <a:solidFill>
+                      <a:schemeClr val="tx1"/>
+                    </a:solidFill>
+                    <a:latin typeface="Tahoma" panose="020B0604030504040204" pitchFamily="34" charset="0"/>
+                    <a:ea typeface="Tahoma" panose="020B0604030504040204" pitchFamily="34" charset="0"/>
+                    <a:cs typeface="Tahoma" panose="020B0604030504040204" pitchFamily="34" charset="0"/>
+                  </a:rPr>
+                  <a:t>Stima Puntuale </a:t>
+                </a:r>
+                <a:r>
+                  <a:rPr lang="it-IT" sz="2400">
+                    <a:solidFill>
+                      <a:schemeClr val="tx1"/>
+                    </a:solidFill>
+                    <a:latin typeface="Tahoma" panose="020B0604030504040204" pitchFamily="34" charset="0"/>
+                    <a:ea typeface="Tahoma" panose="020B0604030504040204" pitchFamily="34" charset="0"/>
+                    <a:cs typeface="Tahoma" panose="020B0604030504040204" pitchFamily="34" charset="0"/>
+                  </a:rPr>
+                  <a:t>è dunque il tentativo di fornire la migliore predizione singola ad alcune quantità di interesse. In generale le quantità di interesse possono essere un </a:t>
+                </a:r>
+                <a:r>
+                  <a:rPr lang="it-IT" sz="2400" b="1">
+                    <a:solidFill>
+                      <a:schemeClr val="tx1"/>
+                    </a:solidFill>
+                    <a:latin typeface="Tahoma" panose="020B0604030504040204" pitchFamily="34" charset="0"/>
+                    <a:ea typeface="Tahoma" panose="020B0604030504040204" pitchFamily="34" charset="0"/>
+                    <a:cs typeface="Tahoma" panose="020B0604030504040204" pitchFamily="34" charset="0"/>
+                  </a:rPr>
+                  <a:t>singolo parametro </a:t>
+                </a:r>
+                <a:r>
+                  <a:rPr lang="it-IT" sz="2400">
+                    <a:solidFill>
+                      <a:schemeClr val="tx1"/>
+                    </a:solidFill>
+                    <a:latin typeface="Tahoma" panose="020B0604030504040204" pitchFamily="34" charset="0"/>
+                    <a:ea typeface="Tahoma" panose="020B0604030504040204" pitchFamily="34" charset="0"/>
+                    <a:cs typeface="Tahoma" panose="020B0604030504040204" pitchFamily="34" charset="0"/>
+                  </a:rPr>
+                  <a:t>o un vettore di parametri in alcuni modelli parametrici, come i pesi di una </a:t>
+                </a:r>
+                <a:r>
+                  <a:rPr lang="it-IT" sz="2400" b="1">
+                    <a:solidFill>
+                      <a:schemeClr val="tx1"/>
+                    </a:solidFill>
+                    <a:latin typeface="Tahoma" panose="020B0604030504040204" pitchFamily="34" charset="0"/>
+                    <a:ea typeface="Tahoma" panose="020B0604030504040204" pitchFamily="34" charset="0"/>
+                    <a:cs typeface="Tahoma" panose="020B0604030504040204" pitchFamily="34" charset="0"/>
+                  </a:rPr>
+                  <a:t>rete neurale</a:t>
+                </a:r>
+                <a:r>
+                  <a:rPr lang="it-IT" sz="2400">
+                    <a:solidFill>
+                      <a:schemeClr val="tx1"/>
+                    </a:solidFill>
+                    <a:latin typeface="Tahoma" panose="020B0604030504040204" pitchFamily="34" charset="0"/>
+                    <a:ea typeface="Tahoma" panose="020B0604030504040204" pitchFamily="34" charset="0"/>
+                    <a:cs typeface="Tahoma" panose="020B0604030504040204" pitchFamily="34" charset="0"/>
+                  </a:rPr>
+                  <a:t> o i coefficienti di una </a:t>
+                </a:r>
+                <a:r>
+                  <a:rPr lang="it-IT" sz="2400" b="1">
+                    <a:solidFill>
+                      <a:schemeClr val="tx1"/>
+                    </a:solidFill>
+                    <a:latin typeface="Tahoma" panose="020B0604030504040204" pitchFamily="34" charset="0"/>
+                    <a:ea typeface="Tahoma" panose="020B0604030504040204" pitchFamily="34" charset="0"/>
+                    <a:cs typeface="Tahoma" panose="020B0604030504040204" pitchFamily="34" charset="0"/>
+                  </a:rPr>
+                  <a:t>regressione lineare</a:t>
+                </a:r>
+                <a:r>
+                  <a:rPr lang="it-IT" sz="2400">
+                    <a:solidFill>
+                      <a:schemeClr val="tx1"/>
+                    </a:solidFill>
+                    <a:latin typeface="Tahoma" panose="020B0604030504040204" pitchFamily="34" charset="0"/>
+                    <a:ea typeface="Tahoma" panose="020B0604030504040204" pitchFamily="34" charset="0"/>
+                    <a:cs typeface="Tahoma" panose="020B0604030504040204" pitchFamily="34" charset="0"/>
+                  </a:rPr>
+                  <a:t>. </a:t>
+                </a:r>
+              </a:p>
+              <a:p>
+                <a:pPr marL="342900" indent="-342900">
+                  <a:buFont typeface="Wingdings" panose="05000000000000000000" pitchFamily="2" charset="2"/>
+                  <a:buChar char="ü"/>
+                </a:pPr>
+                <a:r>
+                  <a:rPr lang="it-IT" sz="2400">
+                    <a:solidFill>
+                      <a:schemeClr val="tx1"/>
+                    </a:solidFill>
+                    <a:latin typeface="Tahoma" panose="020B0604030504040204" pitchFamily="34" charset="0"/>
+                    <a:ea typeface="Tahoma" panose="020B0604030504040204" pitchFamily="34" charset="0"/>
+                    <a:cs typeface="Tahoma" panose="020B0604030504040204" pitchFamily="34" charset="0"/>
+                  </a:rPr>
+                  <a:t>Al fine di distringere le stime dei parametri dai loro valori veri, la nostra convenzione sarà di denotare una stima puntuale di un parametro </a:t>
+                </a:r>
+                <a:r>
+                  <a:rPr lang="el-GR" sz="2400">
+                    <a:solidFill>
+                      <a:schemeClr val="tx1"/>
+                    </a:solidFill>
+                    <a:latin typeface="Tahoma" panose="020B0604030504040204" pitchFamily="34" charset="0"/>
+                    <a:ea typeface="Tahoma" panose="020B0604030504040204" pitchFamily="34" charset="0"/>
+                    <a:cs typeface="Tahoma" panose="020B0604030504040204" pitchFamily="34" charset="0"/>
+                  </a:rPr>
+                  <a:t>ϴ</a:t>
+                </a:r>
+                <a:r>
+                  <a:rPr lang="it-IT" sz="2400">
+                    <a:solidFill>
+                      <a:schemeClr val="tx1"/>
+                    </a:solidFill>
+                    <a:latin typeface="Tahoma" panose="020B0604030504040204" pitchFamily="34" charset="0"/>
+                    <a:ea typeface="Tahoma" panose="020B0604030504040204" pitchFamily="34" charset="0"/>
+                    <a:cs typeface="Tahoma" panose="020B0604030504040204" pitchFamily="34" charset="0"/>
+                  </a:rPr>
+                  <a:t> con </a:t>
+                </a:r>
+                <a14:m>
+                  <m:oMath xmlns:m="http://schemas.openxmlformats.org/officeDocument/2006/math">
+                    <m:acc>
+                      <m:accPr>
+                        <m:chr m:val="̂"/>
+                        <m:ctrlPr>
+                          <a:rPr lang="it-IT" sz="2400" i="1" smtClean="0">
+                            <a:solidFill>
+                              <a:schemeClr val="tx1"/>
+                            </a:solidFill>
+                            <a:latin typeface="Cambria Math" panose="02040503050406030204" pitchFamily="18" charset="0"/>
+                            <a:ea typeface="Tahoma" panose="020B0604030504040204" pitchFamily="34" charset="0"/>
+                            <a:cs typeface="Tahoma" panose="020B0604030504040204" pitchFamily="34" charset="0"/>
+                          </a:rPr>
+                        </m:ctrlPr>
+                      </m:accPr>
+                      <m:e>
+                        <m:r>
+                          <m:rPr>
+                            <m:sty m:val="p"/>
+                          </m:rPr>
+                          <a:rPr lang="el-GR" sz="2400" i="1" smtClean="0">
+                            <a:solidFill>
+                              <a:schemeClr val="tx1"/>
+                            </a:solidFill>
+                            <a:latin typeface="Cambria Math" panose="02040503050406030204" pitchFamily="18" charset="0"/>
+                            <a:ea typeface="Tahoma" panose="020B0604030504040204" pitchFamily="34" charset="0"/>
+                            <a:cs typeface="Tahoma" panose="020B0604030504040204" pitchFamily="34" charset="0"/>
+                          </a:rPr>
+                          <m:t>ϴ</m:t>
+                        </m:r>
+                      </m:e>
+                    </m:acc>
+                  </m:oMath>
+                </a14:m>
+                <a:r>
+                  <a:rPr lang="it-IT" sz="2400">
+                    <a:solidFill>
+                      <a:schemeClr val="tx1"/>
+                    </a:solidFill>
+                    <a:latin typeface="Tahoma" panose="020B0604030504040204" pitchFamily="34" charset="0"/>
+                    <a:ea typeface="Tahoma" panose="020B0604030504040204" pitchFamily="34" charset="0"/>
+                    <a:cs typeface="Tahoma" panose="020B0604030504040204" pitchFamily="34" charset="0"/>
+                  </a:rPr>
+                  <a:t>. </a:t>
+                </a:r>
+              </a:p>
+              <a:p>
+                <a:pPr marL="342900" indent="-342900">
+                  <a:buFont typeface="Wingdings" panose="05000000000000000000" pitchFamily="2" charset="2"/>
+                  <a:buChar char="ü"/>
+                </a:pPr>
+                <a:r>
+                  <a:rPr lang="it-IT" sz="2400">
+                    <a:solidFill>
+                      <a:schemeClr val="tx1"/>
+                    </a:solidFill>
+                    <a:latin typeface="Tahoma" panose="020B0604030504040204" pitchFamily="34" charset="0"/>
+                    <a:ea typeface="Tahoma" panose="020B0604030504040204" pitchFamily="34" charset="0"/>
+                    <a:cs typeface="Tahoma" panose="020B0604030504040204" pitchFamily="34" charset="0"/>
+                  </a:rPr>
+                  <a:t> Siano                           un insieme di </a:t>
+                </a:r>
+                <a:r>
+                  <a:rPr lang="it-IT" sz="2400" i="1">
+                    <a:solidFill>
+                      <a:schemeClr val="tx1"/>
+                    </a:solidFill>
+                    <a:latin typeface="Tahoma" panose="020B0604030504040204" pitchFamily="34" charset="0"/>
+                    <a:ea typeface="Tahoma" panose="020B0604030504040204" pitchFamily="34" charset="0"/>
+                    <a:cs typeface="Tahoma" panose="020B0604030504040204" pitchFamily="34" charset="0"/>
+                  </a:rPr>
+                  <a:t>m </a:t>
+                </a:r>
+                <a:r>
+                  <a:rPr lang="it-IT" sz="2400">
+                    <a:solidFill>
+                      <a:schemeClr val="tx1"/>
+                    </a:solidFill>
+                    <a:latin typeface="Tahoma" panose="020B0604030504040204" pitchFamily="34" charset="0"/>
+                    <a:ea typeface="Tahoma" panose="020B0604030504040204" pitchFamily="34" charset="0"/>
+                    <a:cs typeface="Tahoma" panose="020B0604030504040204" pitchFamily="34" charset="0"/>
+                  </a:rPr>
+                  <a:t>data point (punti dati) che sono indipendenti e identicamente distribuiti. Uno </a:t>
+                </a:r>
+                <a:r>
+                  <a:rPr lang="it-IT" sz="2400" b="1">
+                    <a:solidFill>
+                      <a:schemeClr val="tx1"/>
+                    </a:solidFill>
+                    <a:latin typeface="Tahoma" panose="020B0604030504040204" pitchFamily="34" charset="0"/>
+                    <a:ea typeface="Tahoma" panose="020B0604030504040204" pitchFamily="34" charset="0"/>
+                    <a:cs typeface="Tahoma" panose="020B0604030504040204" pitchFamily="34" charset="0"/>
+                  </a:rPr>
+                  <a:t>stimatore</a:t>
+                </a:r>
+                <a:r>
+                  <a:rPr lang="it-IT" sz="2400">
+                    <a:solidFill>
+                      <a:schemeClr val="tx1"/>
+                    </a:solidFill>
+                    <a:latin typeface="Tahoma" panose="020B0604030504040204" pitchFamily="34" charset="0"/>
+                    <a:ea typeface="Tahoma" panose="020B0604030504040204" pitchFamily="34" charset="0"/>
+                    <a:cs typeface="Tahoma" panose="020B0604030504040204" pitchFamily="34" charset="0"/>
+                  </a:rPr>
+                  <a:t> </a:t>
+                </a:r>
+                <a:r>
+                  <a:rPr lang="it-IT" sz="2400" b="1">
+                    <a:solidFill>
+                      <a:schemeClr val="tx1"/>
+                    </a:solidFill>
+                    <a:latin typeface="Tahoma" panose="020B0604030504040204" pitchFamily="34" charset="0"/>
+                    <a:ea typeface="Tahoma" panose="020B0604030504040204" pitchFamily="34" charset="0"/>
+                    <a:cs typeface="Tahoma" panose="020B0604030504040204" pitchFamily="34" charset="0"/>
+                  </a:rPr>
+                  <a:t>puntuale</a:t>
+                </a:r>
+                <a:r>
+                  <a:rPr lang="it-IT" sz="2400">
+                    <a:solidFill>
+                      <a:schemeClr val="tx1"/>
+                    </a:solidFill>
+                    <a:latin typeface="Tahoma" panose="020B0604030504040204" pitchFamily="34" charset="0"/>
+                    <a:ea typeface="Tahoma" panose="020B0604030504040204" pitchFamily="34" charset="0"/>
+                    <a:cs typeface="Tahoma" panose="020B0604030504040204" pitchFamily="34" charset="0"/>
+                  </a:rPr>
+                  <a:t> o </a:t>
+                </a:r>
+                <a:r>
+                  <a:rPr lang="it-IT" sz="2400" b="1">
+                    <a:solidFill>
+                      <a:schemeClr val="tx1"/>
+                    </a:solidFill>
+                    <a:latin typeface="Tahoma" panose="020B0604030504040204" pitchFamily="34" charset="0"/>
+                    <a:ea typeface="Tahoma" panose="020B0604030504040204" pitchFamily="34" charset="0"/>
+                    <a:cs typeface="Tahoma" panose="020B0604030504040204" pitchFamily="34" charset="0"/>
+                  </a:rPr>
+                  <a:t>statistica </a:t>
+                </a:r>
+                <a:r>
+                  <a:rPr lang="it-IT" sz="2400">
+                    <a:solidFill>
+                      <a:schemeClr val="tx1"/>
+                    </a:solidFill>
+                    <a:latin typeface="Tahoma" panose="020B0604030504040204" pitchFamily="34" charset="0"/>
+                    <a:ea typeface="Tahoma" panose="020B0604030504040204" pitchFamily="34" charset="0"/>
+                    <a:cs typeface="Tahoma" panose="020B0604030504040204" pitchFamily="34" charset="0"/>
+                  </a:rPr>
+                  <a:t>è una qualsiasi funzione sui dati di tipo:  </a:t>
+                </a:r>
+              </a:p>
+            </p:txBody>
+          </p:sp>
+        </mc:Choice>
+        <mc:Fallback xmlns="">
+          <p:sp>
+            <p:nvSpPr>
+              <p:cNvPr id="2" name="Segnaposto testo 1">
+                <a:extLst>
+                  <a:ext uri="{FF2B5EF4-FFF2-40B4-BE49-F238E27FC236}">
+                    <a16:creationId xmlns:a16="http://schemas.microsoft.com/office/drawing/2014/main" id="{E5AE986C-196F-4141-A898-FA4C4198CDCC}"/>
+                  </a:ext>
+                </a:extLst>
+              </p:cNvPr>
+              <p:cNvSpPr>
+                <a:spLocks noGrp="1" noRot="1" noChangeAspect="1" noMove="1" noResize="1" noEditPoints="1" noAdjustHandles="1" noChangeArrowheads="1" noChangeShapeType="1" noTextEdit="1"/>
+              </p:cNvSpPr>
+              <p:nvPr>
+                <p:ph type="body" idx="1"/>
+              </p:nvPr>
+            </p:nvSpPr>
+            <p:spPr>
+              <a:xfrm>
+                <a:off x="323468" y="1232694"/>
+                <a:ext cx="11632312" cy="4392612"/>
+              </a:xfrm>
+              <a:blipFill>
+                <a:blip r:embed="rId2"/>
+                <a:stretch>
+                  <a:fillRect l="-1468" t="-2080" r="-1310"/>
+                </a:stretch>
+              </a:blipFill>
+            </p:spPr>
+            <p:txBody>
+              <a:bodyPr/>
+              <a:lstStyle/>
+              <a:p>
+                <a:r>
+                  <a:rPr lang="it-IT">
+                    <a:noFill/>
+                  </a:rPr>
+                  <a:t> </a:t>
+                </a:r>
+              </a:p>
+            </p:txBody>
+          </p:sp>
+        </mc:Fallback>
+      </mc:AlternateContent>
+      <p:sp>
+        <p:nvSpPr>
+          <p:cNvPr id="7" name="Segnaposto numero diapositiva 6">
+            <a:extLst>
+              <a:ext uri="{FF2B5EF4-FFF2-40B4-BE49-F238E27FC236}">
+                <a16:creationId xmlns:a16="http://schemas.microsoft.com/office/drawing/2014/main" id="{AB740BE9-E218-4144-BFDE-AE473D230A3D}"/>
+              </a:ext>
+            </a:extLst>
+          </p:cNvPr>
+          <p:cNvSpPr>
+            <a:spLocks noGrp="1"/>
+          </p:cNvSpPr>
+          <p:nvPr>
+            <p:ph type="sldNum" sz="quarter" idx="12"/>
+          </p:nvPr>
+        </p:nvSpPr>
+        <p:spPr/>
+        <p:txBody>
+          <a:bodyPr/>
+          <a:lstStyle/>
+          <a:p>
+            <a:pPr>
+              <a:defRPr/>
+            </a:pPr>
+            <a:fld id="{48B4153A-D4C5-4CEF-8992-0D8815C829E3}" type="slidenum">
+              <a:rPr lang="en-US" smtClean="0"/>
+              <a:pPr>
+                <a:defRPr/>
+              </a:pPr>
+              <a:t>22</a:t>
+            </a:fld>
+            <a:endParaRPr lang="en-US" dirty="0"/>
+          </a:p>
+        </p:txBody>
+      </p:sp>
+      <p:sp>
+        <p:nvSpPr>
+          <p:cNvPr id="5" name="Titolo 4">
+            <a:extLst>
+              <a:ext uri="{FF2B5EF4-FFF2-40B4-BE49-F238E27FC236}">
+                <a16:creationId xmlns:a16="http://schemas.microsoft.com/office/drawing/2014/main" id="{82C46BA2-B380-4357-B125-BA9F08A643F5}"/>
+              </a:ext>
+            </a:extLst>
+          </p:cNvPr>
+          <p:cNvSpPr>
+            <a:spLocks noGrp="1"/>
+          </p:cNvSpPr>
+          <p:nvPr>
+            <p:ph type="title"/>
+          </p:nvPr>
+        </p:nvSpPr>
+        <p:spPr>
+          <a:xfrm>
+            <a:off x="468895" y="503475"/>
+            <a:ext cx="11269308" cy="384721"/>
+          </a:xfrm>
+        </p:spPr>
+        <p:txBody>
+          <a:bodyPr/>
+          <a:lstStyle/>
+          <a:p>
+            <a:r>
+              <a:rPr lang="it-IT" altLang="it-IT"/>
+              <a:t>Stima Puntuale </a:t>
+            </a:r>
+            <a:endParaRPr lang="it-IT" dirty="0"/>
+          </a:p>
+        </p:txBody>
+      </p:sp>
+      <p:pic>
+        <p:nvPicPr>
+          <p:cNvPr id="4" name="Immagine 3">
+            <a:extLst>
+              <a:ext uri="{FF2B5EF4-FFF2-40B4-BE49-F238E27FC236}">
+                <a16:creationId xmlns:a16="http://schemas.microsoft.com/office/drawing/2014/main" id="{55B19ED7-C303-6B72-1BB9-599866FE17FD}"/>
+              </a:ext>
+            </a:extLst>
+          </p:cNvPr>
+          <p:cNvPicPr>
+            <a:picLocks noChangeAspect="1"/>
+          </p:cNvPicPr>
+          <p:nvPr/>
+        </p:nvPicPr>
+        <p:blipFill>
+          <a:blip r:embed="rId3"/>
+          <a:stretch>
+            <a:fillRect/>
+          </a:stretch>
+        </p:blipFill>
+        <p:spPr>
+          <a:xfrm>
+            <a:off x="1564005" y="3594735"/>
+            <a:ext cx="2505076" cy="578094"/>
+          </a:xfrm>
+          <a:prstGeom prst="rect">
+            <a:avLst/>
+          </a:prstGeom>
+        </p:spPr>
+      </p:pic>
+      <p:pic>
+        <p:nvPicPr>
+          <p:cNvPr id="8" name="Immagine 7">
+            <a:extLst>
+              <a:ext uri="{FF2B5EF4-FFF2-40B4-BE49-F238E27FC236}">
+                <a16:creationId xmlns:a16="http://schemas.microsoft.com/office/drawing/2014/main" id="{F4E2EB14-CB77-C43B-B2D9-2581405EDA91}"/>
+              </a:ext>
+            </a:extLst>
+          </p:cNvPr>
+          <p:cNvPicPr>
+            <a:picLocks noChangeAspect="1"/>
+          </p:cNvPicPr>
+          <p:nvPr/>
+        </p:nvPicPr>
+        <p:blipFill>
+          <a:blip r:embed="rId4"/>
+          <a:stretch>
+            <a:fillRect/>
+          </a:stretch>
+        </p:blipFill>
+        <p:spPr>
+          <a:xfrm>
+            <a:off x="4334377" y="5102150"/>
+            <a:ext cx="4138042" cy="867654"/>
+          </a:xfrm>
+          <a:prstGeom prst="rect">
+            <a:avLst/>
+          </a:prstGeom>
+        </p:spPr>
+      </p:pic>
+    </p:spTree>
+    <p:extLst>
+      <p:ext uri="{BB962C8B-B14F-4D97-AF65-F5344CB8AC3E}">
+        <p14:creationId xmlns:p14="http://schemas.microsoft.com/office/powerpoint/2010/main" val="1807519903"/>
+      </p:ext>
+    </p:extLst>
+  </p:cSld>
+  <p:clrMapOvr>
+    <a:masterClrMapping/>
+  </p:clrMapOvr>
+</p:sld>
+</file>
+
+<file path=ppt/slides/slide23.xml><?xml version="1.0" encoding="utf-8"?>
+<p:sld xmlns:a="http://schemas.openxmlformats.org/drawingml/2006/main" xmlns:r="http://schemas.openxmlformats.org/officeDocument/2006/relationships" xmlns:p="http://schemas.openxmlformats.org/presentationml/2006/main">
+  <p:cSld>
+    <p:spTree>
+      <p:nvGrpSpPr>
+        <p:cNvPr id="1" name=""/>
+        <p:cNvGrpSpPr/>
+        <p:nvPr/>
+      </p:nvGrpSpPr>
+      <p:grpSpPr>
+        <a:xfrm>
+          <a:off x="0" y="0"/>
+          <a:ext cx="0" cy="0"/>
+          <a:chOff x="0" y="0"/>
+          <a:chExt cx="0" cy="0"/>
+        </a:xfrm>
+      </p:grpSpPr>
+      <mc:AlternateContent xmlns:mc="http://schemas.openxmlformats.org/markup-compatibility/2006" xmlns:a14="http://schemas.microsoft.com/office/drawing/2010/main">
+        <mc:Choice Requires="a14">
+          <p:sp>
+            <p:nvSpPr>
+              <p:cNvPr id="2" name="Segnaposto testo 1">
+                <a:extLst>
+                  <a:ext uri="{FF2B5EF4-FFF2-40B4-BE49-F238E27FC236}">
+                    <a16:creationId xmlns:a16="http://schemas.microsoft.com/office/drawing/2014/main" id="{E5AE986C-196F-4141-A898-FA4C4198CDCC}"/>
+                  </a:ext>
+                </a:extLst>
+              </p:cNvPr>
+              <p:cNvSpPr>
+                <a:spLocks noGrp="1"/>
+              </p:cNvSpPr>
+              <p:nvPr>
+                <p:ph type="body" idx="1"/>
+              </p:nvPr>
+            </p:nvSpPr>
+            <p:spPr>
+              <a:xfrm>
+                <a:off x="323468" y="1232694"/>
+                <a:ext cx="11269308" cy="4392612"/>
+              </a:xfrm>
+            </p:spPr>
+            <p:txBody>
+              <a:bodyPr/>
+              <a:lstStyle/>
+              <a:p>
+                <a:pPr marL="342900" indent="-342900">
+                  <a:buFont typeface="Wingdings" panose="05000000000000000000" pitchFamily="2" charset="2"/>
+                  <a:buChar char="ü"/>
+                </a:pPr>
+                <a:r>
+                  <a:rPr lang="it-IT" sz="2400">
+                    <a:solidFill>
+                      <a:schemeClr val="tx1"/>
+                    </a:solidFill>
+                    <a:latin typeface="Tahoma" panose="020B0604030504040204" pitchFamily="34" charset="0"/>
+                    <a:ea typeface="Tahoma" panose="020B0604030504040204" pitchFamily="34" charset="0"/>
+                    <a:cs typeface="Tahoma" panose="020B0604030504040204" pitchFamily="34" charset="0"/>
+                  </a:rPr>
+                  <a:t>La </a:t>
+                </a:r>
+                <a:r>
+                  <a:rPr lang="it-IT" sz="2400" b="1">
+                    <a:solidFill>
+                      <a:schemeClr val="tx1"/>
+                    </a:solidFill>
+                    <a:latin typeface="Tahoma" panose="020B0604030504040204" pitchFamily="34" charset="0"/>
+                    <a:ea typeface="Tahoma" panose="020B0604030504040204" pitchFamily="34" charset="0"/>
+                    <a:cs typeface="Tahoma" panose="020B0604030504040204" pitchFamily="34" charset="0"/>
+                  </a:rPr>
+                  <a:t>stima puntuale </a:t>
+                </a:r>
+                <a:r>
+                  <a:rPr lang="it-IT" sz="2400">
+                    <a:solidFill>
+                      <a:schemeClr val="tx1"/>
+                    </a:solidFill>
+                    <a:latin typeface="Tahoma" panose="020B0604030504040204" pitchFamily="34" charset="0"/>
+                    <a:ea typeface="Tahoma" panose="020B0604030504040204" pitchFamily="34" charset="0"/>
+                    <a:cs typeface="Tahoma" panose="020B0604030504040204" pitchFamily="34" charset="0"/>
+                  </a:rPr>
+                  <a:t>può anche riferirsi alla stima delle relazioni tra input e variabili di target. Ci riferiamo a questi tipi di stime puntuali come stimatori di funzione (o approssimatori di funzione).</a:t>
+                </a:r>
+              </a:p>
+              <a:p>
+                <a:pPr marL="342900" indent="-342900">
+                  <a:buFont typeface="Wingdings" panose="05000000000000000000" pitchFamily="2" charset="2"/>
+                  <a:buChar char="ü"/>
+                </a:pPr>
+                <a:r>
+                  <a:rPr lang="it-IT" sz="2400">
+                    <a:solidFill>
+                      <a:schemeClr val="tx1"/>
+                    </a:solidFill>
+                    <a:latin typeface="Tahoma" panose="020B0604030504040204" pitchFamily="34" charset="0"/>
+                    <a:ea typeface="Tahoma" panose="020B0604030504040204" pitchFamily="34" charset="0"/>
+                    <a:cs typeface="Tahoma" panose="020B0604030504040204" pitchFamily="34" charset="0"/>
+                  </a:rPr>
+                  <a:t>Stiamo cercando di predire una variabile </a:t>
+                </a:r>
+                <a:r>
+                  <a:rPr lang="it-IT" sz="2400" b="1" i="1">
+                    <a:solidFill>
+                      <a:schemeClr val="tx1"/>
+                    </a:solidFill>
+                    <a:latin typeface="Tahoma" panose="020B0604030504040204" pitchFamily="34" charset="0"/>
+                    <a:ea typeface="Tahoma" panose="020B0604030504040204" pitchFamily="34" charset="0"/>
+                    <a:cs typeface="Tahoma" panose="020B0604030504040204" pitchFamily="34" charset="0"/>
+                  </a:rPr>
+                  <a:t>y</a:t>
+                </a:r>
+                <a:r>
+                  <a:rPr lang="it-IT" sz="2400">
+                    <a:solidFill>
+                      <a:schemeClr val="tx1"/>
+                    </a:solidFill>
+                    <a:latin typeface="Tahoma" panose="020B0604030504040204" pitchFamily="34" charset="0"/>
+                    <a:ea typeface="Tahoma" panose="020B0604030504040204" pitchFamily="34" charset="0"/>
+                    <a:cs typeface="Tahoma" panose="020B0604030504040204" pitchFamily="34" charset="0"/>
+                  </a:rPr>
+                  <a:t>  dato un vettore di input </a:t>
+                </a:r>
+                <a:r>
+                  <a:rPr lang="it-IT" sz="2400" b="1" i="1">
+                    <a:solidFill>
+                      <a:schemeClr val="tx1"/>
+                    </a:solidFill>
+                    <a:latin typeface="Tahoma" panose="020B0604030504040204" pitchFamily="34" charset="0"/>
+                    <a:ea typeface="Tahoma" panose="020B0604030504040204" pitchFamily="34" charset="0"/>
+                    <a:cs typeface="Tahoma" panose="020B0604030504040204" pitchFamily="34" charset="0"/>
+                  </a:rPr>
+                  <a:t>x. </a:t>
+                </a:r>
+                <a:r>
+                  <a:rPr lang="it-IT" sz="2400">
+                    <a:solidFill>
+                      <a:schemeClr val="tx1"/>
+                    </a:solidFill>
+                    <a:latin typeface="Tahoma" panose="020B0604030504040204" pitchFamily="34" charset="0"/>
+                    <a:ea typeface="Tahoma" panose="020B0604030504040204" pitchFamily="34" charset="0"/>
+                    <a:cs typeface="Tahoma" panose="020B0604030504040204" pitchFamily="34" charset="0"/>
+                  </a:rPr>
+                  <a:t>Assumiamo che ci sia una funzione </a:t>
+                </a:r>
+                <a:r>
+                  <a:rPr lang="it-IT" sz="2400" b="1">
+                    <a:solidFill>
+                      <a:schemeClr val="tx1"/>
+                    </a:solidFill>
+                    <a:latin typeface="Tahoma" panose="020B0604030504040204" pitchFamily="34" charset="0"/>
+                    <a:ea typeface="Tahoma" panose="020B0604030504040204" pitchFamily="34" charset="0"/>
+                    <a:cs typeface="Tahoma" panose="020B0604030504040204" pitchFamily="34" charset="0"/>
+                  </a:rPr>
+                  <a:t>f(x) </a:t>
+                </a:r>
+                <a:r>
+                  <a:rPr lang="it-IT" sz="2400">
+                    <a:solidFill>
+                      <a:schemeClr val="tx1"/>
+                    </a:solidFill>
+                    <a:latin typeface="Tahoma" panose="020B0604030504040204" pitchFamily="34" charset="0"/>
+                    <a:ea typeface="Tahoma" panose="020B0604030504040204" pitchFamily="34" charset="0"/>
+                    <a:cs typeface="Tahoma" panose="020B0604030504040204" pitchFamily="34" charset="0"/>
+                  </a:rPr>
+                  <a:t>che descrive la relazione approssimata tra </a:t>
+                </a:r>
+                <a:r>
+                  <a:rPr lang="it-IT" sz="2400" b="1" i="1">
+                    <a:solidFill>
+                      <a:schemeClr val="tx1"/>
+                    </a:solidFill>
+                    <a:latin typeface="Tahoma" panose="020B0604030504040204" pitchFamily="34" charset="0"/>
+                    <a:ea typeface="Tahoma" panose="020B0604030504040204" pitchFamily="34" charset="0"/>
+                    <a:cs typeface="Tahoma" panose="020B0604030504040204" pitchFamily="34" charset="0"/>
+                  </a:rPr>
+                  <a:t>y </a:t>
+                </a:r>
+                <a:r>
+                  <a:rPr lang="it-IT" sz="2400">
+                    <a:solidFill>
+                      <a:schemeClr val="tx1"/>
+                    </a:solidFill>
+                    <a:latin typeface="Tahoma" panose="020B0604030504040204" pitchFamily="34" charset="0"/>
+                    <a:ea typeface="Tahoma" panose="020B0604030504040204" pitchFamily="34" charset="0"/>
+                    <a:cs typeface="Tahoma" panose="020B0604030504040204" pitchFamily="34" charset="0"/>
+                  </a:rPr>
+                  <a:t>e </a:t>
+                </a:r>
+                <a:r>
+                  <a:rPr lang="it-IT" sz="2400" b="1" i="1">
+                    <a:solidFill>
+                      <a:schemeClr val="tx1"/>
+                    </a:solidFill>
+                    <a:latin typeface="Tahoma" panose="020B0604030504040204" pitchFamily="34" charset="0"/>
+                    <a:ea typeface="Tahoma" panose="020B0604030504040204" pitchFamily="34" charset="0"/>
+                    <a:cs typeface="Tahoma" panose="020B0604030504040204" pitchFamily="34" charset="0"/>
+                  </a:rPr>
+                  <a:t>x</a:t>
+                </a:r>
+                <a:r>
+                  <a:rPr lang="it-IT" sz="2400">
+                    <a:solidFill>
+                      <a:schemeClr val="tx1"/>
+                    </a:solidFill>
+                    <a:latin typeface="Tahoma" panose="020B0604030504040204" pitchFamily="34" charset="0"/>
+                    <a:ea typeface="Tahoma" panose="020B0604030504040204" pitchFamily="34" charset="0"/>
+                    <a:cs typeface="Tahoma" panose="020B0604030504040204" pitchFamily="34" charset="0"/>
+                  </a:rPr>
+                  <a:t>. Per esempio assumiamo che y=f(x) + </a:t>
+                </a:r>
+                <a:r>
+                  <a:rPr lang="el-GR" sz="2400" b="1">
+                    <a:solidFill>
+                      <a:schemeClr val="tx1"/>
+                    </a:solidFill>
+                    <a:latin typeface="Tahoma" panose="020B0604030504040204" pitchFamily="34" charset="0"/>
+                    <a:ea typeface="Tahoma" panose="020B0604030504040204" pitchFamily="34" charset="0"/>
+                    <a:cs typeface="Tahoma" panose="020B0604030504040204" pitchFamily="34" charset="0"/>
+                  </a:rPr>
+                  <a:t>ϵ</a:t>
+                </a:r>
+                <a:r>
+                  <a:rPr lang="it-IT" sz="2400">
+                    <a:solidFill>
+                      <a:schemeClr val="tx1"/>
+                    </a:solidFill>
+                    <a:latin typeface="Tahoma" panose="020B0604030504040204" pitchFamily="34" charset="0"/>
+                    <a:ea typeface="Tahoma" panose="020B0604030504040204" pitchFamily="34" charset="0"/>
+                    <a:cs typeface="Tahoma" panose="020B0604030504040204" pitchFamily="34" charset="0"/>
+                  </a:rPr>
+                  <a:t>, dove </a:t>
+                </a:r>
+                <a:r>
+                  <a:rPr lang="el-GR" sz="2400" b="1">
+                    <a:solidFill>
+                      <a:schemeClr val="tx1"/>
+                    </a:solidFill>
+                    <a:latin typeface="Tahoma" panose="020B0604030504040204" pitchFamily="34" charset="0"/>
+                    <a:ea typeface="Tahoma" panose="020B0604030504040204" pitchFamily="34" charset="0"/>
+                    <a:cs typeface="Tahoma" panose="020B0604030504040204" pitchFamily="34" charset="0"/>
+                  </a:rPr>
+                  <a:t>ϵ</a:t>
+                </a:r>
+                <a:r>
+                  <a:rPr lang="it-IT" sz="2400" b="1">
+                    <a:solidFill>
+                      <a:schemeClr val="tx1"/>
+                    </a:solidFill>
+                    <a:latin typeface="Tahoma" panose="020B0604030504040204" pitchFamily="34" charset="0"/>
+                    <a:ea typeface="Tahoma" panose="020B0604030504040204" pitchFamily="34" charset="0"/>
+                    <a:cs typeface="Tahoma" panose="020B0604030504040204" pitchFamily="34" charset="0"/>
+                  </a:rPr>
+                  <a:t> </a:t>
+                </a:r>
+                <a:r>
+                  <a:rPr lang="it-IT" sz="2400">
+                    <a:solidFill>
+                      <a:schemeClr val="tx1"/>
+                    </a:solidFill>
+                    <a:latin typeface="Tahoma" panose="020B0604030504040204" pitchFamily="34" charset="0"/>
+                    <a:ea typeface="Tahoma" panose="020B0604030504040204" pitchFamily="34" charset="0"/>
+                    <a:cs typeface="Tahoma" panose="020B0604030504040204" pitchFamily="34" charset="0"/>
+                  </a:rPr>
+                  <a:t>sta per la parte di </a:t>
+                </a:r>
+                <a:r>
+                  <a:rPr lang="it-IT" sz="2400" b="1" i="1">
+                    <a:solidFill>
+                      <a:schemeClr val="tx1"/>
+                    </a:solidFill>
+                    <a:latin typeface="Tahoma" panose="020B0604030504040204" pitchFamily="34" charset="0"/>
+                    <a:ea typeface="Tahoma" panose="020B0604030504040204" pitchFamily="34" charset="0"/>
+                    <a:cs typeface="Tahoma" panose="020B0604030504040204" pitchFamily="34" charset="0"/>
+                  </a:rPr>
+                  <a:t>y</a:t>
+                </a:r>
+                <a:r>
+                  <a:rPr lang="it-IT" sz="2400">
+                    <a:solidFill>
+                      <a:schemeClr val="tx1"/>
+                    </a:solidFill>
+                    <a:latin typeface="Tahoma" panose="020B0604030504040204" pitchFamily="34" charset="0"/>
+                    <a:ea typeface="Tahoma" panose="020B0604030504040204" pitchFamily="34" charset="0"/>
+                    <a:cs typeface="Tahoma" panose="020B0604030504040204" pitchFamily="34" charset="0"/>
+                  </a:rPr>
+                  <a:t> che non è predicibile a partire dalla </a:t>
+                </a:r>
+                <a:r>
+                  <a:rPr lang="it-IT" sz="2400" b="1" i="1">
+                    <a:solidFill>
+                      <a:schemeClr val="tx1"/>
+                    </a:solidFill>
+                    <a:latin typeface="Tahoma" panose="020B0604030504040204" pitchFamily="34" charset="0"/>
+                    <a:ea typeface="Tahoma" panose="020B0604030504040204" pitchFamily="34" charset="0"/>
+                    <a:cs typeface="Tahoma" panose="020B0604030504040204" pitchFamily="34" charset="0"/>
+                  </a:rPr>
+                  <a:t>x. </a:t>
+                </a:r>
+              </a:p>
+              <a:p>
+                <a:pPr marL="342900" indent="-342900">
+                  <a:buFont typeface="Wingdings" panose="05000000000000000000" pitchFamily="2" charset="2"/>
+                  <a:buChar char="ü"/>
+                </a:pPr>
+                <a:r>
+                  <a:rPr lang="it-IT" sz="2400">
+                    <a:solidFill>
+                      <a:schemeClr val="tx1"/>
+                    </a:solidFill>
+                    <a:latin typeface="Tahoma" panose="020B0604030504040204" pitchFamily="34" charset="0"/>
+                    <a:ea typeface="Tahoma" panose="020B0604030504040204" pitchFamily="34" charset="0"/>
+                    <a:cs typeface="Tahoma" panose="020B0604030504040204" pitchFamily="34" charset="0"/>
+                  </a:rPr>
+                  <a:t>Nella stima di funzioni siamo interessati ad approssimare </a:t>
+                </a:r>
+                <a14:m>
+                  <m:oMath xmlns:m="http://schemas.openxmlformats.org/officeDocument/2006/math">
+                    <m:r>
+                      <a:rPr lang="it-IT" sz="2400" b="0" i="1" smtClean="0">
+                        <a:solidFill>
+                          <a:schemeClr val="tx1"/>
+                        </a:solidFill>
+                        <a:latin typeface="Cambria Math" panose="02040503050406030204" pitchFamily="18" charset="0"/>
+                        <a:ea typeface="Tahoma" panose="020B0604030504040204" pitchFamily="34" charset="0"/>
+                        <a:cs typeface="Tahoma" panose="020B0604030504040204" pitchFamily="34" charset="0"/>
+                      </a:rPr>
+                      <m:t>𝑓</m:t>
+                    </m:r>
+                  </m:oMath>
+                </a14:m>
+                <a:r>
+                  <a:rPr lang="it-IT" sz="2400" b="1">
+                    <a:solidFill>
+                      <a:schemeClr val="tx1"/>
+                    </a:solidFill>
+                    <a:latin typeface="Tahoma" panose="020B0604030504040204" pitchFamily="34" charset="0"/>
+                    <a:ea typeface="Tahoma" panose="020B0604030504040204" pitchFamily="34" charset="0"/>
+                    <a:cs typeface="Tahoma" panose="020B0604030504040204" pitchFamily="34" charset="0"/>
+                  </a:rPr>
+                  <a:t> </a:t>
+                </a:r>
+                <a:r>
+                  <a:rPr lang="it-IT" sz="2400">
+                    <a:solidFill>
+                      <a:schemeClr val="tx1"/>
+                    </a:solidFill>
+                    <a:latin typeface="Tahoma" panose="020B0604030504040204" pitchFamily="34" charset="0"/>
+                    <a:ea typeface="Tahoma" panose="020B0604030504040204" pitchFamily="34" charset="0"/>
+                    <a:cs typeface="Tahoma" panose="020B0604030504040204" pitchFamily="34" charset="0"/>
+                  </a:rPr>
+                  <a:t>attraverso un modello o stima</a:t>
+                </a:r>
+                <a:r>
+                  <a:rPr lang="it-IT" sz="2400" b="1">
+                    <a:solidFill>
+                      <a:schemeClr val="tx1"/>
+                    </a:solidFill>
+                    <a:latin typeface="Tahoma" panose="020B0604030504040204" pitchFamily="34" charset="0"/>
+                    <a:ea typeface="Tahoma" panose="020B0604030504040204" pitchFamily="34" charset="0"/>
+                    <a:cs typeface="Tahoma" panose="020B0604030504040204" pitchFamily="34" charset="0"/>
+                  </a:rPr>
+                  <a:t> </a:t>
+                </a:r>
+                <a14:m>
+                  <m:oMath xmlns:m="http://schemas.openxmlformats.org/officeDocument/2006/math">
+                    <m:acc>
+                      <m:accPr>
+                        <m:chr m:val="̂"/>
+                        <m:ctrlPr>
+                          <a:rPr lang="it-IT" sz="2400" i="1">
+                            <a:solidFill>
+                              <a:schemeClr val="tx1"/>
+                            </a:solidFill>
+                            <a:latin typeface="Cambria Math" panose="02040503050406030204" pitchFamily="18" charset="0"/>
+                            <a:ea typeface="Tahoma" panose="020B0604030504040204" pitchFamily="34" charset="0"/>
+                            <a:cs typeface="Tahoma" panose="020B0604030504040204" pitchFamily="34" charset="0"/>
+                          </a:rPr>
+                        </m:ctrlPr>
+                      </m:accPr>
+                      <m:e>
+                        <m:r>
+                          <a:rPr lang="it-IT" sz="2400" b="0" i="1" smtClean="0">
+                            <a:solidFill>
+                              <a:schemeClr val="tx1"/>
+                            </a:solidFill>
+                            <a:latin typeface="Cambria Math" panose="02040503050406030204" pitchFamily="18" charset="0"/>
+                            <a:ea typeface="Tahoma" panose="020B0604030504040204" pitchFamily="34" charset="0"/>
+                            <a:cs typeface="Tahoma" panose="020B0604030504040204" pitchFamily="34" charset="0"/>
+                          </a:rPr>
+                          <m:t>𝑓</m:t>
+                        </m:r>
+                      </m:e>
+                    </m:acc>
+                  </m:oMath>
+                </a14:m>
+                <a:r>
+                  <a:rPr lang="it-IT" sz="2400" i="1">
+                    <a:solidFill>
+                      <a:schemeClr val="tx1"/>
+                    </a:solidFill>
+                    <a:latin typeface="Tahoma" panose="020B0604030504040204" pitchFamily="34" charset="0"/>
+                    <a:ea typeface="Tahoma" panose="020B0604030504040204" pitchFamily="34" charset="0"/>
+                    <a:cs typeface="Tahoma" panose="020B0604030504040204" pitchFamily="34" charset="0"/>
+                  </a:rPr>
+                  <a:t>. </a:t>
+                </a:r>
+                <a:r>
+                  <a:rPr lang="it-IT" sz="2400">
+                    <a:solidFill>
+                      <a:schemeClr val="tx1"/>
+                    </a:solidFill>
+                    <a:latin typeface="Tahoma" panose="020B0604030504040204" pitchFamily="34" charset="0"/>
+                    <a:ea typeface="Tahoma" panose="020B0604030504040204" pitchFamily="34" charset="0"/>
+                    <a:cs typeface="Tahoma" panose="020B0604030504040204" pitchFamily="34" charset="0"/>
+                  </a:rPr>
+                  <a:t>Stimare una funzione è lo stesso di stimare il parametro </a:t>
+                </a:r>
+                <a:r>
+                  <a:rPr lang="el-GR" sz="2400">
+                    <a:solidFill>
+                      <a:schemeClr val="tx1"/>
+                    </a:solidFill>
+                    <a:latin typeface="Tahoma" panose="020B0604030504040204" pitchFamily="34" charset="0"/>
+                    <a:ea typeface="Tahoma" panose="020B0604030504040204" pitchFamily="34" charset="0"/>
+                    <a:cs typeface="Tahoma" panose="020B0604030504040204" pitchFamily="34" charset="0"/>
+                  </a:rPr>
+                  <a:t>ϴ</a:t>
+                </a:r>
+                <a:r>
+                  <a:rPr lang="it-IT" sz="2400">
+                    <a:solidFill>
+                      <a:schemeClr val="tx1"/>
+                    </a:solidFill>
+                    <a:latin typeface="Tahoma" panose="020B0604030504040204" pitchFamily="34" charset="0"/>
+                    <a:ea typeface="Tahoma" panose="020B0604030504040204" pitchFamily="34" charset="0"/>
+                    <a:cs typeface="Tahoma" panose="020B0604030504040204" pitchFamily="34" charset="0"/>
+                  </a:rPr>
+                  <a:t>; in altre parole lo stimatore di funzione </a:t>
+                </a:r>
+                <a14:m>
+                  <m:oMath xmlns:m="http://schemas.openxmlformats.org/officeDocument/2006/math">
+                    <m:acc>
+                      <m:accPr>
+                        <m:chr m:val="̂"/>
+                        <m:ctrlPr>
+                          <a:rPr lang="it-IT" sz="2400" i="1">
+                            <a:solidFill>
+                              <a:schemeClr val="tx1"/>
+                            </a:solidFill>
+                            <a:latin typeface="Cambria Math" panose="02040503050406030204" pitchFamily="18" charset="0"/>
+                            <a:ea typeface="Tahoma" panose="020B0604030504040204" pitchFamily="34" charset="0"/>
+                            <a:cs typeface="Tahoma" panose="020B0604030504040204" pitchFamily="34" charset="0"/>
+                          </a:rPr>
+                        </m:ctrlPr>
+                      </m:accPr>
+                      <m:e>
+                        <m:r>
+                          <a:rPr lang="it-IT" sz="2400" i="1">
+                            <a:solidFill>
+                              <a:schemeClr val="tx1"/>
+                            </a:solidFill>
+                            <a:latin typeface="Cambria Math" panose="02040503050406030204" pitchFamily="18" charset="0"/>
+                            <a:ea typeface="Tahoma" panose="020B0604030504040204" pitchFamily="34" charset="0"/>
+                            <a:cs typeface="Tahoma" panose="020B0604030504040204" pitchFamily="34" charset="0"/>
+                          </a:rPr>
+                          <m:t>𝑓</m:t>
+                        </m:r>
+                      </m:e>
+                    </m:acc>
+                  </m:oMath>
+                </a14:m>
+                <a:r>
+                  <a:rPr lang="it-IT" sz="2400">
+                    <a:solidFill>
+                      <a:schemeClr val="tx1"/>
+                    </a:solidFill>
+                    <a:latin typeface="Tahoma" panose="020B0604030504040204" pitchFamily="34" charset="0"/>
+                    <a:ea typeface="Tahoma" panose="020B0604030504040204" pitchFamily="34" charset="0"/>
+                    <a:cs typeface="Tahoma" panose="020B0604030504040204" pitchFamily="34" charset="0"/>
+                  </a:rPr>
+                  <a:t> è semplicemente uno stimatore puntuale nello spazio puntuale delle funzioni. La regressione lineare e la regressione polinomiale sono entrambi possono essere interpretati come stima di paramtri </a:t>
+                </a:r>
+                <a:r>
+                  <a:rPr lang="it-IT" sz="2400" b="1" i="1">
+                    <a:solidFill>
+                      <a:schemeClr val="tx1"/>
+                    </a:solidFill>
+                    <a:latin typeface="Tahoma" panose="020B0604030504040204" pitchFamily="34" charset="0"/>
+                    <a:ea typeface="Tahoma" panose="020B0604030504040204" pitchFamily="34" charset="0"/>
+                    <a:cs typeface="Tahoma" panose="020B0604030504040204" pitchFamily="34" charset="0"/>
+                  </a:rPr>
+                  <a:t>W</a:t>
+                </a:r>
+                <a:r>
+                  <a:rPr lang="it-IT" sz="2400">
+                    <a:solidFill>
+                      <a:schemeClr val="tx1"/>
+                    </a:solidFill>
+                    <a:latin typeface="Tahoma" panose="020B0604030504040204" pitchFamily="34" charset="0"/>
+                    <a:ea typeface="Tahoma" panose="020B0604030504040204" pitchFamily="34" charset="0"/>
+                    <a:cs typeface="Tahoma" panose="020B0604030504040204" pitchFamily="34" charset="0"/>
+                  </a:rPr>
+                  <a:t> oppure come stima di una funzione </a:t>
+                </a:r>
+                <a14:m>
+                  <m:oMath xmlns:m="http://schemas.openxmlformats.org/officeDocument/2006/math">
+                    <m:acc>
+                      <m:accPr>
+                        <m:chr m:val="̂"/>
+                        <m:ctrlPr>
+                          <a:rPr lang="it-IT" sz="2400" i="1">
+                            <a:solidFill>
+                              <a:schemeClr val="tx1"/>
+                            </a:solidFill>
+                            <a:latin typeface="Cambria Math" panose="02040503050406030204" pitchFamily="18" charset="0"/>
+                            <a:ea typeface="Tahoma" panose="020B0604030504040204" pitchFamily="34" charset="0"/>
+                            <a:cs typeface="Tahoma" panose="020B0604030504040204" pitchFamily="34" charset="0"/>
+                          </a:rPr>
+                        </m:ctrlPr>
+                      </m:accPr>
+                      <m:e>
+                        <m:r>
+                          <a:rPr lang="it-IT" sz="2400" i="1">
+                            <a:solidFill>
+                              <a:schemeClr val="tx1"/>
+                            </a:solidFill>
+                            <a:latin typeface="Cambria Math" panose="02040503050406030204" pitchFamily="18" charset="0"/>
+                            <a:ea typeface="Tahoma" panose="020B0604030504040204" pitchFamily="34" charset="0"/>
+                            <a:cs typeface="Tahoma" panose="020B0604030504040204" pitchFamily="34" charset="0"/>
+                          </a:rPr>
+                          <m:t>𝑓</m:t>
+                        </m:r>
+                      </m:e>
+                    </m:acc>
+                  </m:oMath>
+                </a14:m>
+                <a:r>
+                  <a:rPr lang="it-IT" sz="2400">
+                    <a:solidFill>
+                      <a:schemeClr val="tx1"/>
+                    </a:solidFill>
+                    <a:latin typeface="Tahoma" panose="020B0604030504040204" pitchFamily="34" charset="0"/>
+                    <a:ea typeface="Tahoma" panose="020B0604030504040204" pitchFamily="34" charset="0"/>
+                    <a:cs typeface="Tahoma" panose="020B0604030504040204" pitchFamily="34" charset="0"/>
+                  </a:rPr>
+                  <a:t> che fa un mapping dalla </a:t>
+                </a:r>
+                <a:r>
+                  <a:rPr lang="it-IT" sz="2400" b="1" i="1">
+                    <a:solidFill>
+                      <a:schemeClr val="tx1"/>
+                    </a:solidFill>
+                    <a:latin typeface="Tahoma" panose="020B0604030504040204" pitchFamily="34" charset="0"/>
+                    <a:ea typeface="Tahoma" panose="020B0604030504040204" pitchFamily="34" charset="0"/>
+                    <a:cs typeface="Tahoma" panose="020B0604030504040204" pitchFamily="34" charset="0"/>
+                  </a:rPr>
+                  <a:t>x </a:t>
+                </a:r>
+                <a:r>
+                  <a:rPr lang="it-IT" sz="2400">
+                    <a:solidFill>
+                      <a:schemeClr val="tx1"/>
+                    </a:solidFill>
+                    <a:latin typeface="Tahoma" panose="020B0604030504040204" pitchFamily="34" charset="0"/>
+                    <a:ea typeface="Tahoma" panose="020B0604030504040204" pitchFamily="34" charset="0"/>
+                    <a:cs typeface="Tahoma" panose="020B0604030504040204" pitchFamily="34" charset="0"/>
+                  </a:rPr>
+                  <a:t>alla </a:t>
+                </a:r>
+                <a:r>
+                  <a:rPr lang="it-IT" sz="2400" b="1" i="1">
+                    <a:solidFill>
+                      <a:schemeClr val="tx1"/>
+                    </a:solidFill>
+                    <a:latin typeface="Tahoma" panose="020B0604030504040204" pitchFamily="34" charset="0"/>
+                    <a:ea typeface="Tahoma" panose="020B0604030504040204" pitchFamily="34" charset="0"/>
+                    <a:cs typeface="Tahoma" panose="020B0604030504040204" pitchFamily="34" charset="0"/>
+                  </a:rPr>
+                  <a:t>y. </a:t>
+                </a:r>
+                <a:r>
+                  <a:rPr lang="it-IT" sz="2400">
+                    <a:solidFill>
+                      <a:schemeClr val="tx1"/>
+                    </a:solidFill>
+                    <a:latin typeface="Tahoma" panose="020B0604030504040204" pitchFamily="34" charset="0"/>
+                    <a:ea typeface="Tahoma" panose="020B0604030504040204" pitchFamily="34" charset="0"/>
+                    <a:cs typeface="Tahoma" panose="020B0604030504040204" pitchFamily="34" charset="0"/>
+                  </a:rPr>
+                  <a:t>  </a:t>
+                </a:r>
+                <a:endParaRPr lang="it-IT" sz="2400" i="1">
+                  <a:solidFill>
+                    <a:schemeClr val="tx1"/>
+                  </a:solidFill>
+                  <a:latin typeface="Tahoma" panose="020B0604030504040204" pitchFamily="34" charset="0"/>
+                  <a:ea typeface="Tahoma" panose="020B0604030504040204" pitchFamily="34" charset="0"/>
+                  <a:cs typeface="Tahoma" panose="020B0604030504040204" pitchFamily="34" charset="0"/>
+                </a:endParaRPr>
+              </a:p>
+              <a:p>
+                <a:pPr marL="342900" indent="-342900">
+                  <a:buFont typeface="Wingdings" panose="05000000000000000000" pitchFamily="2" charset="2"/>
+                  <a:buChar char="ü"/>
+                </a:pPr>
+                <a:endParaRPr lang="it-IT" sz="2400" b="1">
+                  <a:solidFill>
+                    <a:schemeClr val="tx1"/>
+                  </a:solidFill>
+                  <a:latin typeface="Tahoma" panose="020B0604030504040204" pitchFamily="34" charset="0"/>
+                  <a:ea typeface="Tahoma" panose="020B0604030504040204" pitchFamily="34" charset="0"/>
+                  <a:cs typeface="Tahoma" panose="020B0604030504040204" pitchFamily="34" charset="0"/>
+                </a:endParaRPr>
+              </a:p>
+            </p:txBody>
+          </p:sp>
+        </mc:Choice>
+        <mc:Fallback xmlns="">
+          <p:sp>
+            <p:nvSpPr>
+              <p:cNvPr id="2" name="Segnaposto testo 1">
+                <a:extLst>
+                  <a:ext uri="{FF2B5EF4-FFF2-40B4-BE49-F238E27FC236}">
+                    <a16:creationId xmlns:a16="http://schemas.microsoft.com/office/drawing/2014/main" id="{E5AE986C-196F-4141-A898-FA4C4198CDCC}"/>
+                  </a:ext>
+                </a:extLst>
+              </p:cNvPr>
+              <p:cNvSpPr>
+                <a:spLocks noGrp="1" noRot="1" noChangeAspect="1" noMove="1" noResize="1" noEditPoints="1" noAdjustHandles="1" noChangeArrowheads="1" noChangeShapeType="1" noTextEdit="1"/>
+              </p:cNvSpPr>
+              <p:nvPr>
+                <p:ph type="body" idx="1"/>
+              </p:nvPr>
+            </p:nvSpPr>
+            <p:spPr>
+              <a:xfrm>
+                <a:off x="323468" y="1232694"/>
+                <a:ext cx="11269308" cy="4392612"/>
+              </a:xfrm>
+              <a:blipFill>
+                <a:blip r:embed="rId2"/>
+                <a:stretch>
+                  <a:fillRect l="-1514" t="-2080" r="-2217" b="-20388"/>
+                </a:stretch>
+              </a:blipFill>
+            </p:spPr>
+            <p:txBody>
+              <a:bodyPr/>
+              <a:lstStyle/>
+              <a:p>
+                <a:r>
+                  <a:rPr lang="it-IT">
+                    <a:noFill/>
+                  </a:rPr>
+                  <a:t> </a:t>
+                </a:r>
+              </a:p>
+            </p:txBody>
+          </p:sp>
+        </mc:Fallback>
+      </mc:AlternateContent>
+      <p:sp>
+        <p:nvSpPr>
+          <p:cNvPr id="7" name="Segnaposto numero diapositiva 6">
+            <a:extLst>
+              <a:ext uri="{FF2B5EF4-FFF2-40B4-BE49-F238E27FC236}">
+                <a16:creationId xmlns:a16="http://schemas.microsoft.com/office/drawing/2014/main" id="{AB740BE9-E218-4144-BFDE-AE473D230A3D}"/>
+              </a:ext>
+            </a:extLst>
+          </p:cNvPr>
+          <p:cNvSpPr>
+            <a:spLocks noGrp="1"/>
+          </p:cNvSpPr>
+          <p:nvPr>
+            <p:ph type="sldNum" sz="quarter" idx="12"/>
+          </p:nvPr>
+        </p:nvSpPr>
+        <p:spPr/>
+        <p:txBody>
+          <a:bodyPr/>
+          <a:lstStyle/>
+          <a:p>
+            <a:pPr>
+              <a:defRPr/>
+            </a:pPr>
+            <a:fld id="{48B4153A-D4C5-4CEF-8992-0D8815C829E3}" type="slidenum">
+              <a:rPr lang="en-US" smtClean="0"/>
+              <a:pPr>
+                <a:defRPr/>
+              </a:pPr>
+              <a:t>23</a:t>
+            </a:fld>
+            <a:endParaRPr lang="en-US" dirty="0"/>
+          </a:p>
+        </p:txBody>
+      </p:sp>
+      <p:sp>
+        <p:nvSpPr>
+          <p:cNvPr id="5" name="Titolo 4">
+            <a:extLst>
+              <a:ext uri="{FF2B5EF4-FFF2-40B4-BE49-F238E27FC236}">
+                <a16:creationId xmlns:a16="http://schemas.microsoft.com/office/drawing/2014/main" id="{82C46BA2-B380-4357-B125-BA9F08A643F5}"/>
+              </a:ext>
+            </a:extLst>
+          </p:cNvPr>
+          <p:cNvSpPr>
+            <a:spLocks noGrp="1"/>
+          </p:cNvSpPr>
+          <p:nvPr>
+            <p:ph type="title"/>
+          </p:nvPr>
+        </p:nvSpPr>
+        <p:spPr>
+          <a:xfrm>
+            <a:off x="468895" y="503475"/>
+            <a:ext cx="11269308" cy="384721"/>
+          </a:xfrm>
+        </p:spPr>
+        <p:txBody>
+          <a:bodyPr/>
+          <a:lstStyle/>
+          <a:p>
+            <a:r>
               <a:rPr lang="it-IT" altLang="it-IT"/>
               <a:t>Proprietà desiderabili degli Stimatori: Correttezza</a:t>
             </a:r>
@@ -15688,7 +17891,7 @@
 </p:sld>
 </file>
 
-<file path=ppt/slides/slide21.xml><?xml version="1.0" encoding="utf-8"?>
+<file path=ppt/slides/slide24.xml><?xml version="1.0" encoding="utf-8"?>
 <p:sld xmlns:a="http://schemas.openxmlformats.org/drawingml/2006/main" xmlns:r="http://schemas.openxmlformats.org/officeDocument/2006/relationships" xmlns:p="http://schemas.openxmlformats.org/presentationml/2006/main">
   <p:cSld>
     <p:spTree>
@@ -15734,7 +17937,7 @@
               <a:pPr>
                 <a:defRPr/>
               </a:pPr>
-              <a:t>21</a:t>
+              <a:t>24</a:t>
             </a:fld>
             <a:endParaRPr lang="en-US" dirty="0"/>
           </a:p>
@@ -18823,6 +21026,29 @@
 </file>
 
 <file path=customXml/item1.xml><?xml version="1.0" encoding="utf-8"?>
+<p:properties xmlns:p="http://schemas.microsoft.com/office/2006/metadata/properties" xmlns:xsi="http://www.w3.org/2001/XMLSchema-instance" xmlns:pc="http://schemas.microsoft.com/office/infopath/2007/PartnerControls">
+  <documentManagement>
+    <SottoCategoria xmlns="679261c3-551f-4e86-913f-177e0e529669">-</SottoCategoria>
+    <Categoria xmlns="c58f2efd-82a8-4ecf-b395-8c25e928921d">Power Point</Categoria>
+    <_dlc_DocId xmlns="459159c4-d20a-4ff3-9b11-fbd127bd52e5">INTRANET-14-158</_dlc_DocId>
+    <_dlc_DocIdUrl xmlns="459159c4-d20a-4ff3-9b11-fbd127bd52e5">
+      <Url>https://intranet.istat.it/Collaborativi/_layouts/15/DocIdRedir.aspx?ID=INTRANET-14-158</Url>
+      <Description>INTRANET-14-158</Description>
+    </_dlc_DocIdUrl>
+  </documentManagement>
+</p:properties>
+</file>
+
+<file path=customXml/item2.xml><?xml version="1.0" encoding="utf-8"?>
+<?mso-contentType ?>
+<FormTemplates xmlns="http://schemas.microsoft.com/sharepoint/v3/contenttype/forms">
+  <Display>DocumentLibraryForm</Display>
+  <Edit>DocumentLibraryForm</Edit>
+  <New>DocumentLibraryForm</New>
+</FormTemplates>
+</file>
+
+<file path=customXml/item3.xml><?xml version="1.0" encoding="utf-8"?>
 <?mso-contentType ?>
 <spe:Receivers xmlns:spe="http://schemas.microsoft.com/sharepoint/events">
   <Receiver>
@@ -18870,29 +21096,6 @@
     <Filter/>
   </Receiver>
 </spe:Receivers>
-</file>
-
-<file path=customXml/item2.xml><?xml version="1.0" encoding="utf-8"?>
-<?mso-contentType ?>
-<FormTemplates xmlns="http://schemas.microsoft.com/sharepoint/v3/contenttype/forms">
-  <Display>DocumentLibraryForm</Display>
-  <Edit>DocumentLibraryForm</Edit>
-  <New>DocumentLibraryForm</New>
-</FormTemplates>
-</file>
-
-<file path=customXml/item3.xml><?xml version="1.0" encoding="utf-8"?>
-<p:properties xmlns:p="http://schemas.microsoft.com/office/2006/metadata/properties" xmlns:xsi="http://www.w3.org/2001/XMLSchema-instance" xmlns:pc="http://schemas.microsoft.com/office/infopath/2007/PartnerControls">
-  <documentManagement>
-    <SottoCategoria xmlns="679261c3-551f-4e86-913f-177e0e529669">-</SottoCategoria>
-    <Categoria xmlns="c58f2efd-82a8-4ecf-b395-8c25e928921d">Power Point</Categoria>
-    <_dlc_DocId xmlns="459159c4-d20a-4ff3-9b11-fbd127bd52e5">INTRANET-14-158</_dlc_DocId>
-    <_dlc_DocIdUrl xmlns="459159c4-d20a-4ff3-9b11-fbd127bd52e5">
-      <Url>https://intranet.istat.it/Collaborativi/_layouts/15/DocIdRedir.aspx?ID=INTRANET-14-158</Url>
-      <Description>INTRANET-14-158</Description>
-    </_dlc_DocIdUrl>
-  </documentManagement>
-</p:properties>
 </file>
 
 <file path=customXml/item4.xml><?xml version="1.0" encoding="utf-8"?>
@@ -19083,9 +21286,19 @@
 </file>
 
 <file path=customXml/itemProps1.xml><?xml version="1.0" encoding="utf-8"?>
-<ds:datastoreItem xmlns:ds="http://schemas.openxmlformats.org/officeDocument/2006/customXml" ds:itemID="{D9296C4F-9DE9-4B43-AA80-1FC85656CFFA}">
+<ds:datastoreItem xmlns:ds="http://schemas.openxmlformats.org/officeDocument/2006/customXml" ds:itemID="{3EF378BC-F4D0-4510-B4EC-07B6EFE18CF8}">
   <ds:schemaRefs>
-    <ds:schemaRef ds:uri="http://schemas.microsoft.com/sharepoint/events"/>
+    <ds:schemaRef ds:uri="http://purl.org/dc/terms/"/>
+    <ds:schemaRef ds:uri="http://schemas.openxmlformats.org/package/2006/metadata/core-properties"/>
+    <ds:schemaRef ds:uri="459159c4-d20a-4ff3-9b11-fbd127bd52e5"/>
+    <ds:schemaRef ds:uri="http://schemas.microsoft.com/office/2006/documentManagement/types"/>
+    <ds:schemaRef ds:uri="http://schemas.microsoft.com/office/infopath/2007/PartnerControls"/>
+    <ds:schemaRef ds:uri="http://purl.org/dc/elements/1.1/"/>
+    <ds:schemaRef ds:uri="http://schemas.microsoft.com/office/2006/metadata/properties"/>
+    <ds:schemaRef ds:uri="679261c3-551f-4e86-913f-177e0e529669"/>
+    <ds:schemaRef ds:uri="c58f2efd-82a8-4ecf-b395-8c25e928921d"/>
+    <ds:schemaRef ds:uri="http://www.w3.org/XML/1998/namespace"/>
+    <ds:schemaRef ds:uri="http://purl.org/dc/dcmitype/"/>
   </ds:schemaRefs>
 </ds:datastoreItem>
 </file>
@@ -19099,19 +21312,9 @@
 </file>
 
 <file path=customXml/itemProps3.xml><?xml version="1.0" encoding="utf-8"?>
-<ds:datastoreItem xmlns:ds="http://schemas.openxmlformats.org/officeDocument/2006/customXml" ds:itemID="{3EF378BC-F4D0-4510-B4EC-07B6EFE18CF8}">
+<ds:datastoreItem xmlns:ds="http://schemas.openxmlformats.org/officeDocument/2006/customXml" ds:itemID="{D9296C4F-9DE9-4B43-AA80-1FC85656CFFA}">
   <ds:schemaRefs>
-    <ds:schemaRef ds:uri="http://schemas.microsoft.com/office/2006/metadata/properties"/>
-    <ds:schemaRef ds:uri="http://purl.org/dc/elements/1.1/"/>
-    <ds:schemaRef ds:uri="679261c3-551f-4e86-913f-177e0e529669"/>
-    <ds:schemaRef ds:uri="http://schemas.openxmlformats.org/package/2006/metadata/core-properties"/>
-    <ds:schemaRef ds:uri="459159c4-d20a-4ff3-9b11-fbd127bd52e5"/>
-    <ds:schemaRef ds:uri="http://purl.org/dc/terms/"/>
-    <ds:schemaRef ds:uri="http://schemas.microsoft.com/office/infopath/2007/PartnerControls"/>
-    <ds:schemaRef ds:uri="http://schemas.microsoft.com/office/2006/documentManagement/types"/>
-    <ds:schemaRef ds:uri="c58f2efd-82a8-4ecf-b395-8c25e928921d"/>
-    <ds:schemaRef ds:uri="http://www.w3.org/XML/1998/namespace"/>
-    <ds:schemaRef ds:uri="http://purl.org/dc/dcmitype/"/>
+    <ds:schemaRef ds:uri="http://schemas.microsoft.com/sharepoint/events"/>
   </ds:schemaRefs>
 </ds:datastoreItem>
 </file>

--- a/Statistics_ita.pptx
+++ b/Statistics_ita.pptx
@@ -5,7 +5,7 @@
     <p:sldMasterId id="2147483648" r:id="rId5"/>
   </p:sldMasterIdLst>
   <p:notesMasterIdLst>
-    <p:notesMasterId r:id="rId30"/>
+    <p:notesMasterId r:id="rId35"/>
   </p:notesMasterIdLst>
   <p:sldIdLst>
     <p:sldId id="256" r:id="rId6"/>
@@ -15,23 +15,28 @@
     <p:sldId id="342" r:id="rId10"/>
     <p:sldId id="345" r:id="rId11"/>
     <p:sldId id="347" r:id="rId12"/>
-    <p:sldId id="346" r:id="rId13"/>
-    <p:sldId id="348" r:id="rId14"/>
-    <p:sldId id="349" r:id="rId15"/>
-    <p:sldId id="350" r:id="rId16"/>
-    <p:sldId id="351" r:id="rId17"/>
-    <p:sldId id="352" r:id="rId18"/>
-    <p:sldId id="353" r:id="rId19"/>
-    <p:sldId id="355" r:id="rId20"/>
-    <p:sldId id="354" r:id="rId21"/>
-    <p:sldId id="357" r:id="rId22"/>
-    <p:sldId id="360" r:id="rId23"/>
-    <p:sldId id="361" r:id="rId24"/>
-    <p:sldId id="362" r:id="rId25"/>
-    <p:sldId id="358" r:id="rId26"/>
-    <p:sldId id="359" r:id="rId27"/>
-    <p:sldId id="356" r:id="rId28"/>
-    <p:sldId id="343" r:id="rId29"/>
+    <p:sldId id="363" r:id="rId13"/>
+    <p:sldId id="365" r:id="rId14"/>
+    <p:sldId id="364" r:id="rId15"/>
+    <p:sldId id="366" r:id="rId16"/>
+    <p:sldId id="367" r:id="rId17"/>
+    <p:sldId id="346" r:id="rId18"/>
+    <p:sldId id="348" r:id="rId19"/>
+    <p:sldId id="349" r:id="rId20"/>
+    <p:sldId id="350" r:id="rId21"/>
+    <p:sldId id="351" r:id="rId22"/>
+    <p:sldId id="352" r:id="rId23"/>
+    <p:sldId id="353" r:id="rId24"/>
+    <p:sldId id="355" r:id="rId25"/>
+    <p:sldId id="354" r:id="rId26"/>
+    <p:sldId id="357" r:id="rId27"/>
+    <p:sldId id="360" r:id="rId28"/>
+    <p:sldId id="361" r:id="rId29"/>
+    <p:sldId id="362" r:id="rId30"/>
+    <p:sldId id="358" r:id="rId31"/>
+    <p:sldId id="359" r:id="rId32"/>
+    <p:sldId id="356" r:id="rId33"/>
+    <p:sldId id="343" r:id="rId34"/>
   </p:sldIdLst>
   <p:sldSz cx="12192000" cy="6858000"/>
   <p:notesSz cx="6858000" cy="9144000"/>
@@ -289,7 +294,7 @@
               <a:pPr>
                 <a:defRPr/>
               </a:pPr>
-              <a:t>7/5/2022</a:t>
+              <a:t>7/7/2022</a:t>
             </a:fld>
             <a:endParaRPr lang="en-US"/>
           </a:p>
@@ -6838,178 +6843,182 @@
         </p:nvSpPr>
         <p:spPr>
           <a:xfrm>
-            <a:off x="326299" y="1213806"/>
-            <a:ext cx="8269062" cy="4392612"/>
+            <a:off x="326298" y="1213806"/>
+            <a:ext cx="8694412" cy="4392612"/>
           </a:xfrm>
         </p:spPr>
         <p:txBody>
           <a:bodyPr/>
           <a:lstStyle/>
           <a:p>
-            <a:pPr marL="342900" indent="-342900">
+            <a:pPr marL="342900" indent="-342900" algn="just">
               <a:buFont typeface="Wingdings" panose="05000000000000000000" pitchFamily="2" charset="2"/>
               <a:buChar char="ü"/>
             </a:pPr>
             <a:r>
-              <a:rPr lang="it-IT" sz="2400">
-                <a:solidFill>
-                  <a:schemeClr val="tx1"/>
-                </a:solidFill>
-                <a:latin typeface="Tahoma" panose="020B0604030504040204" pitchFamily="34" charset="0"/>
-                <a:ea typeface="Tahoma" panose="020B0604030504040204" pitchFamily="34" charset="0"/>
-                <a:cs typeface="Tahoma" panose="020B0604030504040204" pitchFamily="34" charset="0"/>
-              </a:rPr>
-              <a:t>Nel campionamento con </a:t>
-            </a:r>
-            <a:r>
-              <a:rPr lang="it-IT" sz="2400" b="1">
-                <a:solidFill>
-                  <a:schemeClr val="tx1"/>
-                </a:solidFill>
-                <a:latin typeface="Tahoma" panose="020B0604030504040204" pitchFamily="34" charset="0"/>
-                <a:ea typeface="Tahoma" panose="020B0604030504040204" pitchFamily="34" charset="0"/>
-                <a:cs typeface="Tahoma" panose="020B0604030504040204" pitchFamily="34" charset="0"/>
-              </a:rPr>
-              <a:t>reimmissione,</a:t>
-            </a:r>
-            <a:r>
-              <a:rPr lang="it-IT" sz="2400">
-                <a:solidFill>
-                  <a:schemeClr val="tx1"/>
-                </a:solidFill>
-                <a:latin typeface="Tahoma" panose="020B0604030504040204" pitchFamily="34" charset="0"/>
-                <a:ea typeface="Tahoma" panose="020B0604030504040204" pitchFamily="34" charset="0"/>
-                <a:cs typeface="Tahoma" panose="020B0604030504040204" pitchFamily="34" charset="0"/>
-              </a:rPr>
-              <a:t> detto anche "</a:t>
-            </a:r>
-            <a:r>
-              <a:rPr lang="it-IT" sz="2400" b="1">
-                <a:solidFill>
-                  <a:schemeClr val="tx1"/>
-                </a:solidFill>
-                <a:latin typeface="Tahoma" panose="020B0604030504040204" pitchFamily="34" charset="0"/>
-                <a:ea typeface="Tahoma" panose="020B0604030504040204" pitchFamily="34" charset="0"/>
-                <a:cs typeface="Tahoma" panose="020B0604030504040204" pitchFamily="34" charset="0"/>
-              </a:rPr>
-              <a:t>campionamento</a:t>
-            </a:r>
-            <a:r>
-              <a:rPr lang="it-IT" sz="2400">
-                <a:solidFill>
-                  <a:schemeClr val="tx1"/>
-                </a:solidFill>
-                <a:latin typeface="Tahoma" panose="020B0604030504040204" pitchFamily="34" charset="0"/>
-                <a:ea typeface="Tahoma" panose="020B0604030504040204" pitchFamily="34" charset="0"/>
-                <a:cs typeface="Tahoma" panose="020B0604030504040204" pitchFamily="34" charset="0"/>
-              </a:rPr>
-              <a:t> </a:t>
-            </a:r>
-            <a:r>
-              <a:rPr lang="it-IT" sz="2400" b="1">
-                <a:solidFill>
-                  <a:schemeClr val="tx1"/>
-                </a:solidFill>
-                <a:latin typeface="Tahoma" panose="020B0604030504040204" pitchFamily="34" charset="0"/>
-                <a:ea typeface="Tahoma" panose="020B0604030504040204" pitchFamily="34" charset="0"/>
-                <a:cs typeface="Tahoma" panose="020B0604030504040204" pitchFamily="34" charset="0"/>
-              </a:rPr>
-              <a:t>bernoulliano</a:t>
-            </a:r>
-            <a:r>
-              <a:rPr lang="it-IT" sz="2400">
-                <a:solidFill>
-                  <a:schemeClr val="tx1"/>
-                </a:solidFill>
-                <a:latin typeface="Tahoma" panose="020B0604030504040204" pitchFamily="34" charset="0"/>
-                <a:ea typeface="Tahoma" panose="020B0604030504040204" pitchFamily="34" charset="0"/>
-                <a:cs typeface="Tahoma" panose="020B0604030504040204" pitchFamily="34" charset="0"/>
-              </a:rPr>
-              <a:t>", non si esclude che un elemento del campione venga ripescato una o più volte. Questo è il caso che interessa maggiormente, in quanto la reimmissione fa si che le variabili casuali rappresentate dalla prima estrazione, dalla seconda e così via siando una indipendente dall'altra, cosa che non avverrebbe in caso di estrazione senza reimmissione, detto anche "</a:t>
-            </a:r>
-            <a:r>
-              <a:rPr lang="it-IT" sz="2400" b="1">
-                <a:solidFill>
-                  <a:schemeClr val="tx1"/>
-                </a:solidFill>
-                <a:latin typeface="Tahoma" panose="020B0604030504040204" pitchFamily="34" charset="0"/>
-                <a:ea typeface="Tahoma" panose="020B0604030504040204" pitchFamily="34" charset="0"/>
-                <a:cs typeface="Tahoma" panose="020B0604030504040204" pitchFamily="34" charset="0"/>
-              </a:rPr>
-              <a:t>campionamento in blocco". </a:t>
+              <a:rPr lang="en-US" sz="2400" b="1">
+                <a:solidFill>
+                  <a:schemeClr val="tx1"/>
+                </a:solidFill>
+                <a:latin typeface="Tahoma" panose="020B0604030504040204" pitchFamily="34" charset="0"/>
+                <a:ea typeface="Tahoma" panose="020B0604030504040204" pitchFamily="34" charset="0"/>
+                <a:cs typeface="Tahoma" panose="020B0604030504040204" pitchFamily="34" charset="0"/>
+              </a:rPr>
+              <a:t>I caratteri statistici </a:t>
+            </a:r>
+            <a:r>
+              <a:rPr lang="en-US" sz="2400">
+                <a:solidFill>
+                  <a:schemeClr val="tx1"/>
+                </a:solidFill>
+                <a:latin typeface="Tahoma" panose="020B0604030504040204" pitchFamily="34" charset="0"/>
+                <a:ea typeface="Tahoma" panose="020B0604030504040204" pitchFamily="34" charset="0"/>
+                <a:cs typeface="Tahoma" panose="020B0604030504040204" pitchFamily="34" charset="0"/>
+              </a:rPr>
+              <a:t>sono gli aspetti del fenomeno oggetto di rilevazione. A loro volta i caratteri statistici si dividono in </a:t>
+            </a:r>
+            <a:r>
+              <a:rPr lang="en-US" sz="2400" b="1">
+                <a:solidFill>
+                  <a:schemeClr val="tx1"/>
+                </a:solidFill>
+                <a:latin typeface="Tahoma" panose="020B0604030504040204" pitchFamily="34" charset="0"/>
+                <a:ea typeface="Tahoma" panose="020B0604030504040204" pitchFamily="34" charset="0"/>
+                <a:cs typeface="Tahoma" panose="020B0604030504040204" pitchFamily="34" charset="0"/>
+              </a:rPr>
+              <a:t>qualitativi</a:t>
+            </a:r>
+            <a:r>
+              <a:rPr lang="en-US" sz="2400">
+                <a:solidFill>
+                  <a:schemeClr val="tx1"/>
+                </a:solidFill>
+                <a:latin typeface="Tahoma" panose="020B0604030504040204" pitchFamily="34" charset="0"/>
+                <a:ea typeface="Tahoma" panose="020B0604030504040204" pitchFamily="34" charset="0"/>
+                <a:cs typeface="Tahoma" panose="020B0604030504040204" pitchFamily="34" charset="0"/>
+              </a:rPr>
+              <a:t> (tipo di attività, genere, direzione del vento) e </a:t>
+            </a:r>
+            <a:r>
+              <a:rPr lang="en-US" sz="2400" b="1">
+                <a:solidFill>
+                  <a:schemeClr val="tx1"/>
+                </a:solidFill>
+                <a:latin typeface="Tahoma" panose="020B0604030504040204" pitchFamily="34" charset="0"/>
+                <a:ea typeface="Tahoma" panose="020B0604030504040204" pitchFamily="34" charset="0"/>
+                <a:cs typeface="Tahoma" panose="020B0604030504040204" pitchFamily="34" charset="0"/>
+              </a:rPr>
+              <a:t>quantitativi </a:t>
+            </a:r>
+            <a:r>
+              <a:rPr lang="en-US" sz="2400">
+                <a:solidFill>
+                  <a:schemeClr val="tx1"/>
+                </a:solidFill>
+                <a:latin typeface="Tahoma" panose="020B0604030504040204" pitchFamily="34" charset="0"/>
+                <a:ea typeface="Tahoma" panose="020B0604030504040204" pitchFamily="34" charset="0"/>
+                <a:cs typeface="Tahoma" panose="020B0604030504040204" pitchFamily="34" charset="0"/>
+              </a:rPr>
+              <a:t>(come il reddito, la produzione, l'età, ecc.).</a:t>
             </a:r>
           </a:p>
           <a:p>
-            <a:pPr marL="342900" indent="-342900">
+            <a:pPr marL="342900" indent="-342900" algn="just">
               <a:buFont typeface="Wingdings" panose="05000000000000000000" pitchFamily="2" charset="2"/>
               <a:buChar char="ü"/>
             </a:pPr>
             <a:r>
-              <a:rPr lang="it-IT" sz="2400" b="1">
-                <a:solidFill>
-                  <a:schemeClr val="tx1"/>
-                </a:solidFill>
-                <a:latin typeface="Tahoma" panose="020B0604030504040204" pitchFamily="34" charset="0"/>
-                <a:ea typeface="Tahoma" panose="020B0604030504040204" pitchFamily="34" charset="0"/>
-                <a:cs typeface="Tahoma" panose="020B0604030504040204" pitchFamily="34" charset="0"/>
-              </a:rPr>
-              <a:t>Non esiste un unico modo per campionare da una popolazione. </a:t>
-            </a:r>
-            <a:r>
-              <a:rPr lang="it-IT" sz="2400">
-                <a:solidFill>
-                  <a:schemeClr val="tx1"/>
-                </a:solidFill>
-                <a:latin typeface="Tahoma" panose="020B0604030504040204" pitchFamily="34" charset="0"/>
-                <a:ea typeface="Tahoma" panose="020B0604030504040204" pitchFamily="34" charset="0"/>
-                <a:cs typeface="Tahoma" panose="020B0604030504040204" pitchFamily="34" charset="0"/>
-              </a:rPr>
-              <a:t>Il </a:t>
-            </a:r>
-            <a:r>
-              <a:rPr lang="it-IT" sz="2400" b="1">
-                <a:solidFill>
-                  <a:schemeClr val="tx1"/>
-                </a:solidFill>
-                <a:latin typeface="Tahoma" panose="020B0604030504040204" pitchFamily="34" charset="0"/>
-                <a:ea typeface="Tahoma" panose="020B0604030504040204" pitchFamily="34" charset="0"/>
-                <a:cs typeface="Tahoma" panose="020B0604030504040204" pitchFamily="34" charset="0"/>
-              </a:rPr>
-              <a:t>campionamento casuale semplice </a:t>
-            </a:r>
-            <a:r>
-              <a:rPr lang="it-IT" sz="2400">
-                <a:solidFill>
-                  <a:schemeClr val="tx1"/>
-                </a:solidFill>
-                <a:latin typeface="Tahoma" panose="020B0604030504040204" pitchFamily="34" charset="0"/>
-                <a:ea typeface="Tahoma" panose="020B0604030504040204" pitchFamily="34" charset="0"/>
-                <a:cs typeface="Tahoma" panose="020B0604030504040204" pitchFamily="34" charset="0"/>
-              </a:rPr>
-              <a:t>è quello più utilizzato, quando si vuole che le unità statistiche della popolazione abbiano la stessa probabilità di entrare nel </a:t>
-            </a:r>
-            <a:r>
-              <a:rPr lang="it-IT" sz="2400" b="1">
-                <a:solidFill>
-                  <a:schemeClr val="tx1"/>
-                </a:solidFill>
-                <a:latin typeface="Tahoma" panose="020B0604030504040204" pitchFamily="34" charset="0"/>
-                <a:ea typeface="Tahoma" panose="020B0604030504040204" pitchFamily="34" charset="0"/>
-                <a:cs typeface="Tahoma" panose="020B0604030504040204" pitchFamily="34" charset="0"/>
-              </a:rPr>
-              <a:t>campione</a:t>
-            </a:r>
-            <a:r>
-              <a:rPr lang="it-IT" sz="2400">
-                <a:solidFill>
-                  <a:schemeClr val="tx1"/>
-                </a:solidFill>
-                <a:latin typeface="Tahoma" panose="020B0604030504040204" pitchFamily="34" charset="0"/>
-                <a:ea typeface="Tahoma" panose="020B0604030504040204" pitchFamily="34" charset="0"/>
-                <a:cs typeface="Tahoma" panose="020B0604030504040204" pitchFamily="34" charset="0"/>
-              </a:rPr>
-              <a:t>. </a:t>
-            </a:r>
+              <a:rPr lang="en-US" sz="2400" b="1">
+                <a:solidFill>
+                  <a:schemeClr val="tx1"/>
+                </a:solidFill>
+                <a:latin typeface="Tahoma" panose="020B0604030504040204" pitchFamily="34" charset="0"/>
+                <a:ea typeface="Tahoma" panose="020B0604030504040204" pitchFamily="34" charset="0"/>
+                <a:cs typeface="Tahoma" panose="020B0604030504040204" pitchFamily="34" charset="0"/>
+              </a:rPr>
+              <a:t>Le tabelle statistiche </a:t>
+            </a:r>
+            <a:r>
+              <a:rPr lang="en-US" sz="2400">
+                <a:solidFill>
+                  <a:schemeClr val="tx1"/>
+                </a:solidFill>
+                <a:latin typeface="Tahoma" panose="020B0604030504040204" pitchFamily="34" charset="0"/>
+                <a:ea typeface="Tahoma" panose="020B0604030504040204" pitchFamily="34" charset="0"/>
+                <a:cs typeface="Tahoma" panose="020B0604030504040204" pitchFamily="34" charset="0"/>
+              </a:rPr>
+              <a:t>emergono dalle operazioni di spoglio dei risultati di indagine statistiche, attraverso la classificazione dei dati rilevati in base alle modalità (o manifestazione dei caratteri). Le tabelle possono essere: </a:t>
+            </a:r>
+          </a:p>
+          <a:p>
+            <a:pPr marL="1828800" lvl="3" indent="-457200" algn="just">
+              <a:buFont typeface="+mj-lt"/>
+              <a:buAutoNum type="arabicPeriod"/>
+            </a:pPr>
+            <a:r>
+              <a:rPr lang="en-US" sz="2200" b="1">
+                <a:solidFill>
+                  <a:schemeClr val="tx1"/>
+                </a:solidFill>
+                <a:latin typeface="Tahoma" panose="020B0604030504040204" pitchFamily="34" charset="0"/>
+                <a:ea typeface="Tahoma" panose="020B0604030504040204" pitchFamily="34" charset="0"/>
+                <a:cs typeface="Tahoma" panose="020B0604030504040204" pitchFamily="34" charset="0"/>
+              </a:rPr>
+              <a:t>semplice: </a:t>
+            </a:r>
+            <a:r>
+              <a:rPr lang="en-US" sz="2200" b="0">
+                <a:solidFill>
+                  <a:schemeClr val="tx1"/>
+                </a:solidFill>
+                <a:latin typeface="Tahoma" panose="020B0604030504040204" pitchFamily="34" charset="0"/>
+                <a:ea typeface="Tahoma" panose="020B0604030504040204" pitchFamily="34" charset="0"/>
+                <a:cs typeface="Tahoma" panose="020B0604030504040204" pitchFamily="34" charset="0"/>
+              </a:rPr>
+              <a:t>riportano le informazioni statistiche su un fenomeno collettivo in relazione ad un solo carattere </a:t>
+            </a:r>
+          </a:p>
+          <a:p>
+            <a:pPr marL="1828800" lvl="3" indent="-457200" algn="just">
+              <a:buFont typeface="+mj-lt"/>
+              <a:buAutoNum type="arabicPeriod"/>
+            </a:pPr>
+            <a:r>
+              <a:rPr lang="en-US" sz="2200">
+                <a:solidFill>
+                  <a:schemeClr val="tx1"/>
+                </a:solidFill>
+                <a:latin typeface="Tahoma" panose="020B0604030504040204" pitchFamily="34" charset="0"/>
+                <a:ea typeface="Tahoma" panose="020B0604030504040204" pitchFamily="34" charset="0"/>
+                <a:cs typeface="Tahoma" panose="020B0604030504040204" pitchFamily="34" charset="0"/>
+              </a:rPr>
+              <a:t>multiple o a più entrate: </a:t>
+            </a:r>
+            <a:r>
+              <a:rPr lang="en-US" sz="2200" b="0">
+                <a:solidFill>
+                  <a:schemeClr val="tx1"/>
+                </a:solidFill>
+                <a:latin typeface="Tahoma" panose="020B0604030504040204" pitchFamily="34" charset="0"/>
+                <a:ea typeface="Tahoma" panose="020B0604030504040204" pitchFamily="34" charset="0"/>
+                <a:cs typeface="Tahoma" panose="020B0604030504040204" pitchFamily="34" charset="0"/>
+              </a:rPr>
+              <a:t>riportano le informazioni statistiche su un fenomeno collettivo in relazione a più di un carattere, combinando ciascuna modalità di un carattere con le modalità dell'uno o degli altri caratteri. </a:t>
+            </a:r>
+          </a:p>
+          <a:p>
+            <a:pPr marL="457200" indent="-457200" algn="just">
+              <a:buFont typeface="Wingdings" panose="05000000000000000000" pitchFamily="2" charset="2"/>
+              <a:buChar char="ü"/>
+            </a:pPr>
+            <a:endParaRPr lang="en-US" sz="2400" b="1">
+              <a:solidFill>
+                <a:schemeClr val="tx1"/>
+              </a:solidFill>
+              <a:latin typeface="Tahoma" panose="020B0604030504040204" pitchFamily="34" charset="0"/>
+              <a:ea typeface="Tahoma" panose="020B0604030504040204" pitchFamily="34" charset="0"/>
+              <a:cs typeface="Tahoma" panose="020B0604030504040204" pitchFamily="34" charset="0"/>
+            </a:endParaRPr>
           </a:p>
         </p:txBody>
       </p:sp>
@@ -7076,6 +7085,1788 @@
           <a:p>
             <a:r>
               <a:rPr lang="it-IT" altLang="it-IT"/>
+              <a:t>Tabelle e caratteri statistici</a:t>
+            </a:r>
+            <a:endParaRPr lang="it-IT" dirty="0"/>
+          </a:p>
+        </p:txBody>
+      </p:sp>
+      <p:pic>
+        <p:nvPicPr>
+          <p:cNvPr id="4" name="Immagine 3" descr="Immagine che contiene tavolo&#10;&#10;Descrizione generata automaticamente">
+            <a:extLst>
+              <a:ext uri="{FF2B5EF4-FFF2-40B4-BE49-F238E27FC236}">
+                <a16:creationId xmlns:a16="http://schemas.microsoft.com/office/drawing/2014/main" id="{D5F71E2E-4B4B-4326-1A06-D6A628F986D8}"/>
+              </a:ext>
+            </a:extLst>
+          </p:cNvPr>
+          <p:cNvPicPr>
+            <a:picLocks noChangeAspect="1"/>
+          </p:cNvPicPr>
+          <p:nvPr/>
+        </p:nvPicPr>
+        <p:blipFill>
+          <a:blip r:embed="rId2"/>
+          <a:stretch>
+            <a:fillRect/>
+          </a:stretch>
+        </p:blipFill>
+        <p:spPr>
+          <a:xfrm>
+            <a:off x="9348038" y="2804042"/>
+            <a:ext cx="2619375" cy="1743075"/>
+          </a:xfrm>
+          <a:prstGeom prst="rect">
+            <a:avLst/>
+          </a:prstGeom>
+        </p:spPr>
+      </p:pic>
+    </p:spTree>
+    <p:extLst>
+      <p:ext uri="{BB962C8B-B14F-4D97-AF65-F5344CB8AC3E}">
+        <p14:creationId xmlns:p14="http://schemas.microsoft.com/office/powerpoint/2010/main" val="1170344126"/>
+      </p:ext>
+    </p:extLst>
+  </p:cSld>
+  <p:clrMapOvr>
+    <a:masterClrMapping/>
+  </p:clrMapOvr>
+</p:sld>
+</file>
+
+<file path=ppt/slides/slide11.xml><?xml version="1.0" encoding="utf-8"?>
+<p:sld xmlns:a="http://schemas.openxmlformats.org/drawingml/2006/main" xmlns:r="http://schemas.openxmlformats.org/officeDocument/2006/relationships" xmlns:p="http://schemas.openxmlformats.org/presentationml/2006/main">
+  <p:cSld>
+    <p:spTree>
+      <p:nvGrpSpPr>
+        <p:cNvPr id="1" name=""/>
+        <p:cNvGrpSpPr/>
+        <p:nvPr/>
+      </p:nvGrpSpPr>
+      <p:grpSpPr>
+        <a:xfrm>
+          <a:off x="0" y="0"/>
+          <a:ext cx="0" cy="0"/>
+          <a:chOff x="0" y="0"/>
+          <a:chExt cx="0" cy="0"/>
+        </a:xfrm>
+      </p:grpSpPr>
+      <p:sp>
+        <p:nvSpPr>
+          <p:cNvPr id="2" name="Segnaposto testo 1">
+            <a:extLst>
+              <a:ext uri="{FF2B5EF4-FFF2-40B4-BE49-F238E27FC236}">
+                <a16:creationId xmlns:a16="http://schemas.microsoft.com/office/drawing/2014/main" id="{E5AE986C-196F-4141-A898-FA4C4198CDCC}"/>
+              </a:ext>
+            </a:extLst>
+          </p:cNvPr>
+          <p:cNvSpPr>
+            <a:spLocks noGrp="1"/>
+          </p:cNvSpPr>
+          <p:nvPr>
+            <p:ph type="body" idx="1"/>
+          </p:nvPr>
+        </p:nvSpPr>
+        <p:spPr>
+          <a:xfrm>
+            <a:off x="203007" y="1232694"/>
+            <a:ext cx="11622547" cy="4392612"/>
+          </a:xfrm>
+        </p:spPr>
+        <p:txBody>
+          <a:bodyPr/>
+          <a:lstStyle/>
+          <a:p>
+            <a:pPr marL="342900" indent="-342900" algn="just">
+              <a:buFont typeface="Wingdings" panose="05000000000000000000" pitchFamily="2" charset="2"/>
+              <a:buChar char="ü"/>
+            </a:pPr>
+            <a:r>
+              <a:rPr lang="en-US" sz="2400" b="1">
+                <a:solidFill>
+                  <a:schemeClr val="tx1"/>
+                </a:solidFill>
+                <a:latin typeface="Tahoma" panose="020B0604030504040204" pitchFamily="34" charset="0"/>
+                <a:ea typeface="Tahoma" panose="020B0604030504040204" pitchFamily="34" charset="0"/>
+                <a:cs typeface="Tahoma" panose="020B0604030504040204" pitchFamily="34" charset="0"/>
+              </a:rPr>
+              <a:t>Una tabella statistica </a:t>
+            </a:r>
+            <a:r>
+              <a:rPr lang="en-US" sz="2400">
+                <a:solidFill>
+                  <a:schemeClr val="tx1"/>
+                </a:solidFill>
+                <a:latin typeface="Tahoma" panose="020B0604030504040204" pitchFamily="34" charset="0"/>
+                <a:ea typeface="Tahoma" panose="020B0604030504040204" pitchFamily="34" charset="0"/>
+                <a:cs typeface="Tahoma" panose="020B0604030504040204" pitchFamily="34" charset="0"/>
+              </a:rPr>
+              <a:t>si definisce mediante qualificazioni non determinabili numericamente e/o mediante numeri che sono: </a:t>
+            </a:r>
+          </a:p>
+          <a:p>
+            <a:pPr marL="1828800" lvl="3" indent="-457200" algn="just">
+              <a:buFont typeface="+mj-lt"/>
+              <a:buAutoNum type="arabicPeriod"/>
+            </a:pPr>
+            <a:r>
+              <a:rPr lang="en-US" sz="2200" b="1">
+                <a:solidFill>
+                  <a:schemeClr val="tx1"/>
+                </a:solidFill>
+                <a:latin typeface="Tahoma" panose="020B0604030504040204" pitchFamily="34" charset="0"/>
+                <a:ea typeface="Tahoma" panose="020B0604030504040204" pitchFamily="34" charset="0"/>
+                <a:cs typeface="Tahoma" panose="020B0604030504040204" pitchFamily="34" charset="0"/>
+              </a:rPr>
+              <a:t>intensità: </a:t>
+            </a:r>
+            <a:r>
+              <a:rPr lang="en-US" sz="2200" b="0">
+                <a:solidFill>
+                  <a:schemeClr val="tx1"/>
+                </a:solidFill>
+                <a:latin typeface="Tahoma" panose="020B0604030504040204" pitchFamily="34" charset="0"/>
+                <a:ea typeface="Tahoma" panose="020B0604030504040204" pitchFamily="34" charset="0"/>
+                <a:cs typeface="Tahoma" panose="020B0604030504040204" pitchFamily="34" charset="0"/>
+              </a:rPr>
+              <a:t>se mostrano la misura o la grandezza di un carattere (come il peso di una persona, l'ammontare degli investimenti di un'azienda, ecc..) </a:t>
+            </a:r>
+          </a:p>
+          <a:p>
+            <a:pPr marL="1828800" lvl="3" indent="-457200" algn="just">
+              <a:buFont typeface="+mj-lt"/>
+              <a:buAutoNum type="arabicPeriod"/>
+            </a:pPr>
+            <a:r>
+              <a:rPr lang="en-US" sz="2200">
+                <a:solidFill>
+                  <a:schemeClr val="tx1"/>
+                </a:solidFill>
+                <a:latin typeface="Tahoma" panose="020B0604030504040204" pitchFamily="34" charset="0"/>
+                <a:ea typeface="Tahoma" panose="020B0604030504040204" pitchFamily="34" charset="0"/>
+                <a:cs typeface="Tahoma" panose="020B0604030504040204" pitchFamily="34" charset="0"/>
+              </a:rPr>
+              <a:t>frequenze: </a:t>
+            </a:r>
+            <a:r>
+              <a:rPr lang="en-US" sz="2200" b="0">
+                <a:solidFill>
+                  <a:schemeClr val="tx1"/>
+                </a:solidFill>
+                <a:latin typeface="Tahoma" panose="020B0604030504040204" pitchFamily="34" charset="0"/>
+                <a:ea typeface="Tahoma" panose="020B0604030504040204" pitchFamily="34" charset="0"/>
+                <a:cs typeface="Tahoma" panose="020B0604030504040204" pitchFamily="34" charset="0"/>
+              </a:rPr>
+              <a:t>se mostrano il numero di volte in cui una modalità del carattere si presenta nelle unità statistiche (come il numero degli iscritti alle liste di leva di uno specifico anno, il numero di iscritti ai licei scientifici in un dato anno scolastico, ecc..)</a:t>
+            </a:r>
+          </a:p>
+          <a:p>
+            <a:pPr marL="457200" indent="-457200" algn="just">
+              <a:buFont typeface="Wingdings" panose="05000000000000000000" pitchFamily="2" charset="2"/>
+              <a:buChar char="ü"/>
+            </a:pPr>
+            <a:r>
+              <a:rPr lang="en-US" sz="2400">
+                <a:solidFill>
+                  <a:schemeClr val="tx1"/>
+                </a:solidFill>
+                <a:latin typeface="Tahoma" panose="020B0604030504040204" pitchFamily="34" charset="0"/>
+                <a:ea typeface="Tahoma" panose="020B0604030504040204" pitchFamily="34" charset="0"/>
+                <a:cs typeface="Tahoma" panose="020B0604030504040204" pitchFamily="34" charset="0"/>
+              </a:rPr>
+              <a:t>A sua volta le frequenze si distingono in: </a:t>
+            </a:r>
+            <a:r>
+              <a:rPr lang="en-US" sz="2400" b="1">
+                <a:solidFill>
+                  <a:schemeClr val="tx1"/>
+                </a:solidFill>
+                <a:latin typeface="Tahoma" panose="020B0604030504040204" pitchFamily="34" charset="0"/>
+                <a:ea typeface="Tahoma" panose="020B0604030504040204" pitchFamily="34" charset="0"/>
+                <a:cs typeface="Tahoma" panose="020B0604030504040204" pitchFamily="34" charset="0"/>
+              </a:rPr>
+              <a:t>frequenze assolute, </a:t>
+            </a:r>
+            <a:r>
+              <a:rPr lang="en-US" sz="2400">
+                <a:solidFill>
+                  <a:schemeClr val="tx1"/>
+                </a:solidFill>
+                <a:latin typeface="Tahoma" panose="020B0604030504040204" pitchFamily="34" charset="0"/>
+                <a:ea typeface="Tahoma" panose="020B0604030504040204" pitchFamily="34" charset="0"/>
+                <a:cs typeface="Tahoma" panose="020B0604030504040204" pitchFamily="34" charset="0"/>
+              </a:rPr>
+              <a:t>che indicano il numero di unità di un collettivo che presenta una data modalità (valore)  di un carattere, </a:t>
+            </a:r>
+            <a:r>
+              <a:rPr lang="en-US" sz="2400" b="1">
+                <a:solidFill>
+                  <a:schemeClr val="tx1"/>
+                </a:solidFill>
+                <a:latin typeface="Tahoma" panose="020B0604030504040204" pitchFamily="34" charset="0"/>
+                <a:ea typeface="Tahoma" panose="020B0604030504040204" pitchFamily="34" charset="0"/>
+                <a:cs typeface="Tahoma" panose="020B0604030504040204" pitchFamily="34" charset="0"/>
+              </a:rPr>
+              <a:t>frequenze relative, </a:t>
+            </a:r>
+            <a:r>
+              <a:rPr lang="en-US" sz="2400">
+                <a:solidFill>
+                  <a:schemeClr val="tx1"/>
+                </a:solidFill>
+                <a:latin typeface="Tahoma" panose="020B0604030504040204" pitchFamily="34" charset="0"/>
+                <a:ea typeface="Tahoma" panose="020B0604030504040204" pitchFamily="34" charset="0"/>
+                <a:cs typeface="Tahoma" panose="020B0604030504040204" pitchFamily="34" charset="0"/>
+              </a:rPr>
+              <a:t>che derivano dalla frequenza assoluta fratto il totale delle stesse, </a:t>
+            </a:r>
+            <a:r>
+              <a:rPr lang="en-US" sz="2400" b="1">
+                <a:solidFill>
+                  <a:schemeClr val="tx1"/>
+                </a:solidFill>
+                <a:latin typeface="Tahoma" panose="020B0604030504040204" pitchFamily="34" charset="0"/>
+                <a:ea typeface="Tahoma" panose="020B0604030504040204" pitchFamily="34" charset="0"/>
+                <a:cs typeface="Tahoma" panose="020B0604030504040204" pitchFamily="34" charset="0"/>
+              </a:rPr>
+              <a:t>frequenze percentuali </a:t>
+            </a:r>
+            <a:r>
+              <a:rPr lang="en-US" sz="2400">
+                <a:solidFill>
+                  <a:schemeClr val="tx1"/>
+                </a:solidFill>
+                <a:latin typeface="Tahoma" panose="020B0604030504040204" pitchFamily="34" charset="0"/>
+                <a:ea typeface="Tahoma" panose="020B0604030504040204" pitchFamily="34" charset="0"/>
+                <a:cs typeface="Tahoma" panose="020B0604030504040204" pitchFamily="34" charset="0"/>
+              </a:rPr>
+              <a:t>che sono le frequenze relative per 100, e infine le </a:t>
+            </a:r>
+            <a:r>
+              <a:rPr lang="en-US" sz="2400" b="1">
+                <a:solidFill>
+                  <a:schemeClr val="tx1"/>
+                </a:solidFill>
+                <a:latin typeface="Tahoma" panose="020B0604030504040204" pitchFamily="34" charset="0"/>
+                <a:ea typeface="Tahoma" panose="020B0604030504040204" pitchFamily="34" charset="0"/>
+                <a:cs typeface="Tahoma" panose="020B0604030504040204" pitchFamily="34" charset="0"/>
+              </a:rPr>
+              <a:t>frequenze cumulate </a:t>
+            </a:r>
+            <a:r>
+              <a:rPr lang="en-US" sz="2400">
+                <a:solidFill>
+                  <a:schemeClr val="tx1"/>
+                </a:solidFill>
+                <a:latin typeface="Tahoma" panose="020B0604030504040204" pitchFamily="34" charset="0"/>
+                <a:ea typeface="Tahoma" panose="020B0604030504040204" pitchFamily="34" charset="0"/>
+                <a:cs typeface="Tahoma" panose="020B0604030504040204" pitchFamily="34" charset="0"/>
+              </a:rPr>
+              <a:t>che indicano le frequenze delle osservazioni che hanno un valore del carattere minore a una prestabilità modalità</a:t>
+            </a:r>
+            <a:endParaRPr lang="en-US" sz="2400" b="1">
+              <a:solidFill>
+                <a:schemeClr val="tx1"/>
+              </a:solidFill>
+              <a:latin typeface="Tahoma" panose="020B0604030504040204" pitchFamily="34" charset="0"/>
+              <a:ea typeface="Tahoma" panose="020B0604030504040204" pitchFamily="34" charset="0"/>
+              <a:cs typeface="Tahoma" panose="020B0604030504040204" pitchFamily="34" charset="0"/>
+            </a:endParaRPr>
+          </a:p>
+        </p:txBody>
+      </p:sp>
+      <p:sp>
+        <p:nvSpPr>
+          <p:cNvPr id="7" name="Segnaposto numero diapositiva 6">
+            <a:extLst>
+              <a:ext uri="{FF2B5EF4-FFF2-40B4-BE49-F238E27FC236}">
+                <a16:creationId xmlns:a16="http://schemas.microsoft.com/office/drawing/2014/main" id="{AB740BE9-E218-4144-BFDE-AE473D230A3D}"/>
+              </a:ext>
+            </a:extLst>
+          </p:cNvPr>
+          <p:cNvSpPr>
+            <a:spLocks noGrp="1"/>
+          </p:cNvSpPr>
+          <p:nvPr>
+            <p:ph type="sldNum" sz="quarter" idx="12"/>
+          </p:nvPr>
+        </p:nvSpPr>
+        <p:spPr/>
+        <p:txBody>
+          <a:bodyPr/>
+          <a:lstStyle/>
+          <a:p>
+            <a:pPr>
+              <a:defRPr/>
+            </a:pPr>
+            <a:fld id="{48B4153A-D4C5-4CEF-8992-0D8815C829E3}" type="slidenum">
+              <a:rPr lang="en-US" smtClean="0"/>
+              <a:pPr>
+                <a:defRPr/>
+              </a:pPr>
+              <a:t>11</a:t>
+            </a:fld>
+            <a:endParaRPr lang="en-US" dirty="0"/>
+          </a:p>
+        </p:txBody>
+      </p:sp>
+      <p:sp>
+        <p:nvSpPr>
+          <p:cNvPr id="5" name="Titolo 4">
+            <a:extLst>
+              <a:ext uri="{FF2B5EF4-FFF2-40B4-BE49-F238E27FC236}">
+                <a16:creationId xmlns:a16="http://schemas.microsoft.com/office/drawing/2014/main" id="{82C46BA2-B380-4357-B125-BA9F08A643F5}"/>
+              </a:ext>
+            </a:extLst>
+          </p:cNvPr>
+          <p:cNvSpPr>
+            <a:spLocks noGrp="1"/>
+          </p:cNvSpPr>
+          <p:nvPr>
+            <p:ph type="title"/>
+          </p:nvPr>
+        </p:nvSpPr>
+        <p:spPr>
+          <a:xfrm>
+            <a:off x="468895" y="503475"/>
+            <a:ext cx="11269308" cy="384721"/>
+          </a:xfrm>
+        </p:spPr>
+        <p:txBody>
+          <a:bodyPr/>
+          <a:lstStyle/>
+          <a:p>
+            <a:r>
+              <a:rPr lang="it-IT" altLang="it-IT"/>
+              <a:t>Tabelle e caratteri statistici</a:t>
+            </a:r>
+            <a:endParaRPr lang="it-IT" dirty="0"/>
+          </a:p>
+        </p:txBody>
+      </p:sp>
+    </p:spTree>
+    <p:extLst>
+      <p:ext uri="{BB962C8B-B14F-4D97-AF65-F5344CB8AC3E}">
+        <p14:creationId xmlns:p14="http://schemas.microsoft.com/office/powerpoint/2010/main" val="1840409835"/>
+      </p:ext>
+    </p:extLst>
+  </p:cSld>
+  <p:clrMapOvr>
+    <a:masterClrMapping/>
+  </p:clrMapOvr>
+</p:sld>
+</file>
+
+<file path=ppt/slides/slide12.xml><?xml version="1.0" encoding="utf-8"?>
+<p:sld xmlns:a="http://schemas.openxmlformats.org/drawingml/2006/main" xmlns:r="http://schemas.openxmlformats.org/officeDocument/2006/relationships" xmlns:p="http://schemas.openxmlformats.org/presentationml/2006/main">
+  <p:cSld>
+    <p:spTree>
+      <p:nvGrpSpPr>
+        <p:cNvPr id="1" name=""/>
+        <p:cNvGrpSpPr/>
+        <p:nvPr/>
+      </p:nvGrpSpPr>
+      <p:grpSpPr>
+        <a:xfrm>
+          <a:off x="0" y="0"/>
+          <a:ext cx="0" cy="0"/>
+          <a:chOff x="0" y="0"/>
+          <a:chExt cx="0" cy="0"/>
+        </a:xfrm>
+      </p:grpSpPr>
+      <p:sp>
+        <p:nvSpPr>
+          <p:cNvPr id="2" name="Segnaposto testo 1">
+            <a:extLst>
+              <a:ext uri="{FF2B5EF4-FFF2-40B4-BE49-F238E27FC236}">
+                <a16:creationId xmlns:a16="http://schemas.microsoft.com/office/drawing/2014/main" id="{E5AE986C-196F-4141-A898-FA4C4198CDCC}"/>
+              </a:ext>
+            </a:extLst>
+          </p:cNvPr>
+          <p:cNvSpPr>
+            <a:spLocks noGrp="1"/>
+          </p:cNvSpPr>
+          <p:nvPr>
+            <p:ph type="body" idx="1"/>
+          </p:nvPr>
+        </p:nvSpPr>
+        <p:spPr>
+          <a:xfrm>
+            <a:off x="574294" y="1446404"/>
+            <a:ext cx="6833373" cy="4392612"/>
+          </a:xfrm>
+        </p:spPr>
+        <p:txBody>
+          <a:bodyPr/>
+          <a:lstStyle/>
+          <a:p>
+            <a:pPr marL="342900" indent="-342900" algn="just">
+              <a:buFont typeface="Wingdings" panose="05000000000000000000" pitchFamily="2" charset="2"/>
+              <a:buChar char="ü"/>
+            </a:pPr>
+            <a:r>
+              <a:rPr lang="en-US" sz="2400" b="1">
+                <a:solidFill>
+                  <a:schemeClr val="tx1"/>
+                </a:solidFill>
+                <a:latin typeface="Tahoma" panose="020B0604030504040204" pitchFamily="34" charset="0"/>
+                <a:ea typeface="Tahoma" panose="020B0604030504040204" pitchFamily="34" charset="0"/>
+                <a:cs typeface="Tahoma" panose="020B0604030504040204" pitchFamily="34" charset="0"/>
+              </a:rPr>
+              <a:t>Una distribuzione statistica </a:t>
+            </a:r>
+            <a:r>
+              <a:rPr lang="en-US" sz="2400">
+                <a:solidFill>
+                  <a:schemeClr val="tx1"/>
+                </a:solidFill>
+                <a:latin typeface="Tahoma" panose="020B0604030504040204" pitchFamily="34" charset="0"/>
+                <a:ea typeface="Tahoma" panose="020B0604030504040204" pitchFamily="34" charset="0"/>
+                <a:cs typeface="Tahoma" panose="020B0604030504040204" pitchFamily="34" charset="0"/>
+              </a:rPr>
+              <a:t>è l'insieme delle determinazioni del carattere e delle rispettive frequenze. </a:t>
+            </a:r>
+          </a:p>
+          <a:p>
+            <a:pPr marL="342900" indent="-342900" algn="just">
+              <a:buFont typeface="Wingdings" panose="05000000000000000000" pitchFamily="2" charset="2"/>
+              <a:buChar char="ü"/>
+            </a:pPr>
+            <a:r>
+              <a:rPr lang="en-US" sz="2400">
+                <a:solidFill>
+                  <a:schemeClr val="tx1"/>
+                </a:solidFill>
+                <a:latin typeface="Tahoma" panose="020B0604030504040204" pitchFamily="34" charset="0"/>
+                <a:ea typeface="Tahoma" panose="020B0604030504040204" pitchFamily="34" charset="0"/>
+                <a:cs typeface="Tahoma" panose="020B0604030504040204" pitchFamily="34" charset="0"/>
+              </a:rPr>
+              <a:t>Se il carattere è </a:t>
+            </a:r>
+            <a:r>
+              <a:rPr lang="en-US" sz="2400" b="1">
+                <a:solidFill>
+                  <a:schemeClr val="tx1"/>
+                </a:solidFill>
+                <a:latin typeface="Tahoma" panose="020B0604030504040204" pitchFamily="34" charset="0"/>
+                <a:ea typeface="Tahoma" panose="020B0604030504040204" pitchFamily="34" charset="0"/>
+                <a:cs typeface="Tahoma" panose="020B0604030504040204" pitchFamily="34" charset="0"/>
+              </a:rPr>
+              <a:t>quantitative </a:t>
+            </a:r>
+            <a:r>
+              <a:rPr lang="en-US" sz="2400">
+                <a:solidFill>
+                  <a:schemeClr val="tx1"/>
+                </a:solidFill>
+                <a:latin typeface="Tahoma" panose="020B0604030504040204" pitchFamily="34" charset="0"/>
+                <a:ea typeface="Tahoma" panose="020B0604030504040204" pitchFamily="34" charset="0"/>
+                <a:cs typeface="Tahoma" panose="020B0604030504040204" pitchFamily="34" charset="0"/>
+              </a:rPr>
+              <a:t>alloare la distribuzione statistica prende il nome di </a:t>
+            </a:r>
+            <a:r>
+              <a:rPr lang="en-US" sz="2400" b="1">
+                <a:solidFill>
+                  <a:schemeClr val="tx1"/>
+                </a:solidFill>
+                <a:latin typeface="Tahoma" panose="020B0604030504040204" pitchFamily="34" charset="0"/>
+                <a:ea typeface="Tahoma" panose="020B0604030504040204" pitchFamily="34" charset="0"/>
+                <a:cs typeface="Tahoma" panose="020B0604030504040204" pitchFamily="34" charset="0"/>
+              </a:rPr>
+              <a:t>variabile statistica. </a:t>
+            </a:r>
+          </a:p>
+          <a:p>
+            <a:pPr marL="342900" indent="-342900" algn="just">
+              <a:buFont typeface="Wingdings" panose="05000000000000000000" pitchFamily="2" charset="2"/>
+              <a:buChar char="ü"/>
+            </a:pPr>
+            <a:r>
+              <a:rPr lang="en-US" sz="2400">
+                <a:solidFill>
+                  <a:schemeClr val="tx1"/>
+                </a:solidFill>
+                <a:latin typeface="Tahoma" panose="020B0604030504040204" pitchFamily="34" charset="0"/>
+                <a:ea typeface="Tahoma" panose="020B0604030504040204" pitchFamily="34" charset="0"/>
+                <a:cs typeface="Tahoma" panose="020B0604030504040204" pitchFamily="34" charset="0"/>
+              </a:rPr>
+              <a:t>Se il carattere è </a:t>
+            </a:r>
+            <a:r>
+              <a:rPr lang="en-US" sz="2400" b="1">
+                <a:solidFill>
+                  <a:schemeClr val="tx1"/>
+                </a:solidFill>
+                <a:latin typeface="Tahoma" panose="020B0604030504040204" pitchFamily="34" charset="0"/>
+                <a:ea typeface="Tahoma" panose="020B0604030504040204" pitchFamily="34" charset="0"/>
+                <a:cs typeface="Tahoma" panose="020B0604030504040204" pitchFamily="34" charset="0"/>
+              </a:rPr>
+              <a:t>qualitativo </a:t>
+            </a:r>
+            <a:r>
+              <a:rPr lang="en-US" sz="2400">
+                <a:solidFill>
+                  <a:schemeClr val="tx1"/>
+                </a:solidFill>
+                <a:latin typeface="Tahoma" panose="020B0604030504040204" pitchFamily="34" charset="0"/>
+                <a:ea typeface="Tahoma" panose="020B0604030504040204" pitchFamily="34" charset="0"/>
+                <a:cs typeface="Tahoma" panose="020B0604030504040204" pitchFamily="34" charset="0"/>
+              </a:rPr>
+              <a:t>allora distribuzione prende il nome di </a:t>
+            </a:r>
+            <a:r>
+              <a:rPr lang="en-US" sz="2400" b="1">
+                <a:solidFill>
+                  <a:schemeClr val="tx1"/>
+                </a:solidFill>
+                <a:latin typeface="Tahoma" panose="020B0604030504040204" pitchFamily="34" charset="0"/>
+                <a:ea typeface="Tahoma" panose="020B0604030504040204" pitchFamily="34" charset="0"/>
+                <a:cs typeface="Tahoma" panose="020B0604030504040204" pitchFamily="34" charset="0"/>
+              </a:rPr>
+              <a:t>mutabile statistica. </a:t>
+            </a:r>
+          </a:p>
+          <a:p>
+            <a:pPr marL="342900" indent="-342900" algn="just">
+              <a:buFont typeface="Wingdings" panose="05000000000000000000" pitchFamily="2" charset="2"/>
+              <a:buChar char="ü"/>
+            </a:pPr>
+            <a:r>
+              <a:rPr lang="en-US" sz="2400">
+                <a:solidFill>
+                  <a:schemeClr val="tx1"/>
+                </a:solidFill>
+                <a:latin typeface="Tahoma" panose="020B0604030504040204" pitchFamily="34" charset="0"/>
+                <a:ea typeface="Tahoma" panose="020B0604030504040204" pitchFamily="34" charset="0"/>
+                <a:cs typeface="Tahoma" panose="020B0604030504040204" pitchFamily="34" charset="0"/>
+              </a:rPr>
+              <a:t>Inoltre una variabile statistica può essere </a:t>
+            </a:r>
+            <a:r>
+              <a:rPr lang="en-US" sz="2400" b="1">
+                <a:solidFill>
+                  <a:schemeClr val="tx1"/>
+                </a:solidFill>
+                <a:latin typeface="Tahoma" panose="020B0604030504040204" pitchFamily="34" charset="0"/>
+                <a:ea typeface="Tahoma" panose="020B0604030504040204" pitchFamily="34" charset="0"/>
+                <a:cs typeface="Tahoma" panose="020B0604030504040204" pitchFamily="34" charset="0"/>
+              </a:rPr>
+              <a:t>continua</a:t>
+            </a:r>
+            <a:r>
+              <a:rPr lang="en-US" sz="2400">
+                <a:solidFill>
+                  <a:schemeClr val="tx1"/>
+                </a:solidFill>
+                <a:latin typeface="Tahoma" panose="020B0604030504040204" pitchFamily="34" charset="0"/>
+                <a:ea typeface="Tahoma" panose="020B0604030504040204" pitchFamily="34" charset="0"/>
+                <a:cs typeface="Tahoma" panose="020B0604030504040204" pitchFamily="34" charset="0"/>
+              </a:rPr>
+              <a:t> o </a:t>
+            </a:r>
+            <a:r>
+              <a:rPr lang="en-US" sz="2400" b="1">
+                <a:solidFill>
+                  <a:schemeClr val="tx1"/>
+                </a:solidFill>
+                <a:latin typeface="Tahoma" panose="020B0604030504040204" pitchFamily="34" charset="0"/>
+                <a:ea typeface="Tahoma" panose="020B0604030504040204" pitchFamily="34" charset="0"/>
+                <a:cs typeface="Tahoma" panose="020B0604030504040204" pitchFamily="34" charset="0"/>
+              </a:rPr>
+              <a:t>discreta</a:t>
+            </a:r>
+            <a:r>
+              <a:rPr lang="en-US" sz="2400">
+                <a:solidFill>
+                  <a:schemeClr val="tx1"/>
+                </a:solidFill>
+                <a:latin typeface="Tahoma" panose="020B0604030504040204" pitchFamily="34" charset="0"/>
+                <a:ea typeface="Tahoma" panose="020B0604030504040204" pitchFamily="34" charset="0"/>
+                <a:cs typeface="Tahoma" panose="020B0604030504040204" pitchFamily="34" charset="0"/>
+              </a:rPr>
+              <a:t> a seconda dell'insieme di dati di riferimento. </a:t>
+            </a:r>
+            <a:endParaRPr lang="en-US" sz="2400" b="1">
+              <a:solidFill>
+                <a:schemeClr val="tx1"/>
+              </a:solidFill>
+              <a:latin typeface="Tahoma" panose="020B0604030504040204" pitchFamily="34" charset="0"/>
+              <a:ea typeface="Tahoma" panose="020B0604030504040204" pitchFamily="34" charset="0"/>
+              <a:cs typeface="Tahoma" panose="020B0604030504040204" pitchFamily="34" charset="0"/>
+            </a:endParaRPr>
+          </a:p>
+        </p:txBody>
+      </p:sp>
+      <p:sp>
+        <p:nvSpPr>
+          <p:cNvPr id="7" name="Segnaposto numero diapositiva 6">
+            <a:extLst>
+              <a:ext uri="{FF2B5EF4-FFF2-40B4-BE49-F238E27FC236}">
+                <a16:creationId xmlns:a16="http://schemas.microsoft.com/office/drawing/2014/main" id="{AB740BE9-E218-4144-BFDE-AE473D230A3D}"/>
+              </a:ext>
+            </a:extLst>
+          </p:cNvPr>
+          <p:cNvSpPr>
+            <a:spLocks noGrp="1"/>
+          </p:cNvSpPr>
+          <p:nvPr>
+            <p:ph type="sldNum" sz="quarter" idx="12"/>
+          </p:nvPr>
+        </p:nvSpPr>
+        <p:spPr/>
+        <p:txBody>
+          <a:bodyPr/>
+          <a:lstStyle/>
+          <a:p>
+            <a:pPr>
+              <a:defRPr/>
+            </a:pPr>
+            <a:fld id="{48B4153A-D4C5-4CEF-8992-0D8815C829E3}" type="slidenum">
+              <a:rPr lang="en-US" smtClean="0"/>
+              <a:pPr>
+                <a:defRPr/>
+              </a:pPr>
+              <a:t>12</a:t>
+            </a:fld>
+            <a:endParaRPr lang="en-US" dirty="0"/>
+          </a:p>
+        </p:txBody>
+      </p:sp>
+      <p:sp>
+        <p:nvSpPr>
+          <p:cNvPr id="5" name="Titolo 4">
+            <a:extLst>
+              <a:ext uri="{FF2B5EF4-FFF2-40B4-BE49-F238E27FC236}">
+                <a16:creationId xmlns:a16="http://schemas.microsoft.com/office/drawing/2014/main" id="{82C46BA2-B380-4357-B125-BA9F08A643F5}"/>
+              </a:ext>
+            </a:extLst>
+          </p:cNvPr>
+          <p:cNvSpPr>
+            <a:spLocks noGrp="1"/>
+          </p:cNvSpPr>
+          <p:nvPr>
+            <p:ph type="title"/>
+          </p:nvPr>
+        </p:nvSpPr>
+        <p:spPr>
+          <a:xfrm>
+            <a:off x="468895" y="503475"/>
+            <a:ext cx="11269308" cy="384721"/>
+          </a:xfrm>
+        </p:spPr>
+        <p:txBody>
+          <a:bodyPr/>
+          <a:lstStyle/>
+          <a:p>
+            <a:r>
+              <a:rPr lang="it-IT" altLang="it-IT"/>
+              <a:t>Distribuzione Statistica</a:t>
+            </a:r>
+            <a:endParaRPr lang="it-IT" dirty="0"/>
+          </a:p>
+        </p:txBody>
+      </p:sp>
+      <p:pic>
+        <p:nvPicPr>
+          <p:cNvPr id="4" name="Immagine 3">
+            <a:extLst>
+              <a:ext uri="{FF2B5EF4-FFF2-40B4-BE49-F238E27FC236}">
+                <a16:creationId xmlns:a16="http://schemas.microsoft.com/office/drawing/2014/main" id="{615F0BEE-9A56-A86C-21EF-F4C415E5093B}"/>
+              </a:ext>
+            </a:extLst>
+          </p:cNvPr>
+          <p:cNvPicPr>
+            <a:picLocks noChangeAspect="1"/>
+          </p:cNvPicPr>
+          <p:nvPr/>
+        </p:nvPicPr>
+        <p:blipFill>
+          <a:blip r:embed="rId2"/>
+          <a:stretch>
+            <a:fillRect/>
+          </a:stretch>
+        </p:blipFill>
+        <p:spPr>
+          <a:xfrm>
+            <a:off x="7801510" y="2571215"/>
+            <a:ext cx="3486150" cy="1895475"/>
+          </a:xfrm>
+          <a:prstGeom prst="rect">
+            <a:avLst/>
+          </a:prstGeom>
+        </p:spPr>
+      </p:pic>
+    </p:spTree>
+    <p:extLst>
+      <p:ext uri="{BB962C8B-B14F-4D97-AF65-F5344CB8AC3E}">
+        <p14:creationId xmlns:p14="http://schemas.microsoft.com/office/powerpoint/2010/main" val="427361940"/>
+      </p:ext>
+    </p:extLst>
+  </p:cSld>
+  <p:clrMapOvr>
+    <a:masterClrMapping/>
+  </p:clrMapOvr>
+</p:sld>
+</file>
+
+<file path=ppt/slides/slide13.xml><?xml version="1.0" encoding="utf-8"?>
+<p:sld xmlns:a="http://schemas.openxmlformats.org/drawingml/2006/main" xmlns:r="http://schemas.openxmlformats.org/officeDocument/2006/relationships" xmlns:p="http://schemas.openxmlformats.org/presentationml/2006/main">
+  <p:cSld>
+    <p:spTree>
+      <p:nvGrpSpPr>
+        <p:cNvPr id="1" name=""/>
+        <p:cNvGrpSpPr/>
+        <p:nvPr/>
+      </p:nvGrpSpPr>
+      <p:grpSpPr>
+        <a:xfrm>
+          <a:off x="0" y="0"/>
+          <a:ext cx="0" cy="0"/>
+          <a:chOff x="0" y="0"/>
+          <a:chExt cx="0" cy="0"/>
+        </a:xfrm>
+      </p:grpSpPr>
+      <p:sp>
+        <p:nvSpPr>
+          <p:cNvPr id="2" name="Segnaposto testo 1">
+            <a:extLst>
+              <a:ext uri="{FF2B5EF4-FFF2-40B4-BE49-F238E27FC236}">
+                <a16:creationId xmlns:a16="http://schemas.microsoft.com/office/drawing/2014/main" id="{E5AE986C-196F-4141-A898-FA4C4198CDCC}"/>
+              </a:ext>
+            </a:extLst>
+          </p:cNvPr>
+          <p:cNvSpPr>
+            <a:spLocks noGrp="1"/>
+          </p:cNvSpPr>
+          <p:nvPr>
+            <p:ph type="body" idx="1"/>
+          </p:nvPr>
+        </p:nvSpPr>
+        <p:spPr>
+          <a:xfrm>
+            <a:off x="326299" y="1213806"/>
+            <a:ext cx="8269062" cy="4392612"/>
+          </a:xfrm>
+        </p:spPr>
+        <p:txBody>
+          <a:bodyPr/>
+          <a:lstStyle/>
+          <a:p>
+            <a:pPr marL="342900" indent="-342900">
+              <a:buFont typeface="Wingdings" panose="05000000000000000000" pitchFamily="2" charset="2"/>
+              <a:buChar char="ü"/>
+            </a:pPr>
+            <a:r>
+              <a:rPr lang="it-IT" sz="2400">
+                <a:solidFill>
+                  <a:schemeClr val="tx1"/>
+                </a:solidFill>
+                <a:latin typeface="Tahoma" panose="020B0604030504040204" pitchFamily="34" charset="0"/>
+                <a:ea typeface="Tahoma" panose="020B0604030504040204" pitchFamily="34" charset="0"/>
+                <a:cs typeface="Tahoma" panose="020B0604030504040204" pitchFamily="34" charset="0"/>
+              </a:rPr>
+              <a:t>Spesso non si hanno le risorse disponibili per effettuare una rilevazione di dati che riguardi l'intera </a:t>
+            </a:r>
+            <a:r>
+              <a:rPr lang="it-IT" sz="2400" b="1">
+                <a:solidFill>
+                  <a:schemeClr val="tx1"/>
+                </a:solidFill>
+                <a:latin typeface="Tahoma" panose="020B0604030504040204" pitchFamily="34" charset="0"/>
+                <a:ea typeface="Tahoma" panose="020B0604030504040204" pitchFamily="34" charset="0"/>
+                <a:cs typeface="Tahoma" panose="020B0604030504040204" pitchFamily="34" charset="0"/>
+              </a:rPr>
+              <a:t>popolazione</a:t>
+            </a:r>
+            <a:r>
+              <a:rPr lang="it-IT" sz="2400">
+                <a:solidFill>
+                  <a:schemeClr val="tx1"/>
+                </a:solidFill>
+                <a:latin typeface="Tahoma" panose="020B0604030504040204" pitchFamily="34" charset="0"/>
+                <a:ea typeface="Tahoma" panose="020B0604030504040204" pitchFamily="34" charset="0"/>
+                <a:cs typeface="Tahoma" panose="020B0604030504040204" pitchFamily="34" charset="0"/>
+              </a:rPr>
+              <a:t> interessata da un fenomeno. Per esempio potrebbe succedere che tale popolazione è </a:t>
+            </a:r>
+            <a:r>
+              <a:rPr lang="it-IT" sz="2400" b="1">
+                <a:solidFill>
+                  <a:schemeClr val="tx1"/>
+                </a:solidFill>
+                <a:latin typeface="Tahoma" panose="020B0604030504040204" pitchFamily="34" charset="0"/>
+                <a:ea typeface="Tahoma" panose="020B0604030504040204" pitchFamily="34" charset="0"/>
+                <a:cs typeface="Tahoma" panose="020B0604030504040204" pitchFamily="34" charset="0"/>
+              </a:rPr>
+              <a:t>infinita, </a:t>
+            </a:r>
+            <a:r>
+              <a:rPr lang="it-IT" sz="2400">
+                <a:solidFill>
+                  <a:schemeClr val="tx1"/>
+                </a:solidFill>
+                <a:latin typeface="Tahoma" panose="020B0604030504040204" pitchFamily="34" charset="0"/>
+                <a:ea typeface="Tahoma" panose="020B0604030504040204" pitchFamily="34" charset="0"/>
+                <a:cs typeface="Tahoma" panose="020B0604030504040204" pitchFamily="34" charset="0"/>
+              </a:rPr>
+              <a:t>ed una rilevazione completa (esaustiva) risulta impossibile. </a:t>
+            </a:r>
+          </a:p>
+          <a:p>
+            <a:pPr marL="342900" indent="-342900">
+              <a:buFont typeface="Wingdings" panose="05000000000000000000" pitchFamily="2" charset="2"/>
+              <a:buChar char="ü"/>
+            </a:pPr>
+            <a:r>
+              <a:rPr lang="it-IT" sz="2400">
+                <a:solidFill>
+                  <a:schemeClr val="tx1"/>
+                </a:solidFill>
+                <a:latin typeface="Tahoma" panose="020B0604030504040204" pitchFamily="34" charset="0"/>
+                <a:ea typeface="Tahoma" panose="020B0604030504040204" pitchFamily="34" charset="0"/>
+                <a:cs typeface="Tahoma" panose="020B0604030504040204" pitchFamily="34" charset="0"/>
+              </a:rPr>
+              <a:t>In questi casi si procede ad una </a:t>
+            </a:r>
+            <a:r>
+              <a:rPr lang="it-IT" sz="2400" b="1">
+                <a:solidFill>
+                  <a:schemeClr val="tx1"/>
+                </a:solidFill>
+                <a:latin typeface="Tahoma" panose="020B0604030504040204" pitchFamily="34" charset="0"/>
+                <a:ea typeface="Tahoma" panose="020B0604030504040204" pitchFamily="34" charset="0"/>
+                <a:cs typeface="Tahoma" panose="020B0604030504040204" pitchFamily="34" charset="0"/>
+              </a:rPr>
+              <a:t>rilevazione di dati per campione. </a:t>
+            </a:r>
+            <a:endParaRPr lang="it-IT" sz="2400">
+              <a:solidFill>
+                <a:schemeClr val="tx1"/>
+              </a:solidFill>
+              <a:latin typeface="Tahoma" panose="020B0604030504040204" pitchFamily="34" charset="0"/>
+              <a:ea typeface="Tahoma" panose="020B0604030504040204" pitchFamily="34" charset="0"/>
+              <a:cs typeface="Tahoma" panose="020B0604030504040204" pitchFamily="34" charset="0"/>
+            </a:endParaRPr>
+          </a:p>
+          <a:p>
+            <a:pPr marL="342900" indent="-342900">
+              <a:buFont typeface="Wingdings" panose="05000000000000000000" pitchFamily="2" charset="2"/>
+              <a:buChar char="ü"/>
+            </a:pPr>
+            <a:r>
+              <a:rPr lang="it-IT" sz="2400" b="1">
+                <a:solidFill>
+                  <a:schemeClr val="tx1"/>
+                </a:solidFill>
+                <a:latin typeface="Tahoma" panose="020B0604030504040204" pitchFamily="34" charset="0"/>
+                <a:ea typeface="Tahoma" panose="020B0604030504040204" pitchFamily="34" charset="0"/>
+                <a:cs typeface="Tahoma" panose="020B0604030504040204" pitchFamily="34" charset="0"/>
+              </a:rPr>
+              <a:t>Il campione </a:t>
+            </a:r>
+            <a:r>
+              <a:rPr lang="it-IT" sz="2400">
+                <a:solidFill>
+                  <a:schemeClr val="tx1"/>
+                </a:solidFill>
+                <a:latin typeface="Tahoma" panose="020B0604030504040204" pitchFamily="34" charset="0"/>
+                <a:ea typeface="Tahoma" panose="020B0604030504040204" pitchFamily="34" charset="0"/>
+                <a:cs typeface="Tahoma" panose="020B0604030504040204" pitchFamily="34" charset="0"/>
+              </a:rPr>
+              <a:t>è quella parte del collettivo statistico che viene sottoposto ad osservazione. </a:t>
+            </a:r>
+          </a:p>
+          <a:p>
+            <a:pPr marL="342900" indent="-342900">
+              <a:buFont typeface="Wingdings" panose="05000000000000000000" pitchFamily="2" charset="2"/>
+              <a:buChar char="ü"/>
+            </a:pPr>
+            <a:r>
+              <a:rPr lang="it-IT" sz="2400">
+                <a:solidFill>
+                  <a:schemeClr val="tx1"/>
+                </a:solidFill>
+                <a:latin typeface="Tahoma" panose="020B0604030504040204" pitchFamily="34" charset="0"/>
+                <a:ea typeface="Tahoma" panose="020B0604030504040204" pitchFamily="34" charset="0"/>
+                <a:cs typeface="Tahoma" panose="020B0604030504040204" pitchFamily="34" charset="0"/>
+              </a:rPr>
+              <a:t>L'insieme dei </a:t>
+            </a:r>
+            <a:r>
+              <a:rPr lang="it-IT" sz="2400" b="1">
+                <a:solidFill>
+                  <a:schemeClr val="tx1"/>
+                </a:solidFill>
+                <a:latin typeface="Tahoma" panose="020B0604030504040204" pitchFamily="34" charset="0"/>
+                <a:ea typeface="Tahoma" panose="020B0604030504040204" pitchFamily="34" charset="0"/>
+                <a:cs typeface="Tahoma" panose="020B0604030504040204" pitchFamily="34" charset="0"/>
+              </a:rPr>
+              <a:t>campioni </a:t>
+            </a:r>
+            <a:r>
+              <a:rPr lang="it-IT" sz="2400">
+                <a:solidFill>
+                  <a:schemeClr val="tx1"/>
+                </a:solidFill>
+                <a:latin typeface="Tahoma" panose="020B0604030504040204" pitchFamily="34" charset="0"/>
+                <a:ea typeface="Tahoma" panose="020B0604030504040204" pitchFamily="34" charset="0"/>
+                <a:cs typeface="Tahoma" panose="020B0604030504040204" pitchFamily="34" charset="0"/>
+              </a:rPr>
+              <a:t>di una certa ampiezza che si possono estrarre da un dato collettivo mediante una determinata procedura prende il nome di </a:t>
+            </a:r>
+            <a:r>
+              <a:rPr lang="it-IT" sz="2400" b="1">
+                <a:solidFill>
+                  <a:schemeClr val="tx1"/>
+                </a:solidFill>
+                <a:latin typeface="Tahoma" panose="020B0604030504040204" pitchFamily="34" charset="0"/>
+                <a:ea typeface="Tahoma" panose="020B0604030504040204" pitchFamily="34" charset="0"/>
+                <a:cs typeface="Tahoma" panose="020B0604030504040204" pitchFamily="34" charset="0"/>
+              </a:rPr>
+              <a:t>Universo dei Campioni. </a:t>
+            </a:r>
+            <a:endParaRPr lang="it-IT" sz="2400">
+              <a:solidFill>
+                <a:schemeClr val="tx1"/>
+              </a:solidFill>
+              <a:latin typeface="Tahoma" panose="020B0604030504040204" pitchFamily="34" charset="0"/>
+              <a:ea typeface="Tahoma" panose="020B0604030504040204" pitchFamily="34" charset="0"/>
+              <a:cs typeface="Tahoma" panose="020B0604030504040204" pitchFamily="34" charset="0"/>
+            </a:endParaRPr>
+          </a:p>
+        </p:txBody>
+      </p:sp>
+      <p:sp>
+        <p:nvSpPr>
+          <p:cNvPr id="7" name="Segnaposto numero diapositiva 6">
+            <a:extLst>
+              <a:ext uri="{FF2B5EF4-FFF2-40B4-BE49-F238E27FC236}">
+                <a16:creationId xmlns:a16="http://schemas.microsoft.com/office/drawing/2014/main" id="{AB740BE9-E218-4144-BFDE-AE473D230A3D}"/>
+              </a:ext>
+            </a:extLst>
+          </p:cNvPr>
+          <p:cNvSpPr>
+            <a:spLocks noGrp="1"/>
+          </p:cNvSpPr>
+          <p:nvPr>
+            <p:ph type="sldNum" sz="quarter" idx="12"/>
+          </p:nvPr>
+        </p:nvSpPr>
+        <p:spPr/>
+        <p:txBody>
+          <a:bodyPr/>
+          <a:lstStyle/>
+          <a:p>
+            <a:pPr>
+              <a:defRPr/>
+            </a:pPr>
+            <a:fld id="{48B4153A-D4C5-4CEF-8992-0D8815C829E3}" type="slidenum">
+              <a:rPr lang="en-US" smtClean="0"/>
+              <a:pPr>
+                <a:defRPr/>
+              </a:pPr>
+              <a:t>13</a:t>
+            </a:fld>
+            <a:endParaRPr lang="en-US" dirty="0"/>
+          </a:p>
+        </p:txBody>
+      </p:sp>
+      <p:sp>
+        <p:nvSpPr>
+          <p:cNvPr id="5" name="Titolo 4">
+            <a:extLst>
+              <a:ext uri="{FF2B5EF4-FFF2-40B4-BE49-F238E27FC236}">
+                <a16:creationId xmlns:a16="http://schemas.microsoft.com/office/drawing/2014/main" id="{82C46BA2-B380-4357-B125-BA9F08A643F5}"/>
+              </a:ext>
+            </a:extLst>
+          </p:cNvPr>
+          <p:cNvSpPr>
+            <a:spLocks noGrp="1"/>
+          </p:cNvSpPr>
+          <p:nvPr>
+            <p:ph type="title"/>
+          </p:nvPr>
+        </p:nvSpPr>
+        <p:spPr>
+          <a:xfrm>
+            <a:off x="468895" y="503475"/>
+            <a:ext cx="11269308" cy="384721"/>
+          </a:xfrm>
+        </p:spPr>
+        <p:txBody>
+          <a:bodyPr/>
+          <a:lstStyle/>
+          <a:p>
+            <a:r>
+              <a:rPr lang="it-IT" altLang="it-IT"/>
+              <a:t>La Teoria della Stima</a:t>
+            </a:r>
+            <a:endParaRPr lang="it-IT" dirty="0"/>
+          </a:p>
+        </p:txBody>
+      </p:sp>
+      <p:pic>
+        <p:nvPicPr>
+          <p:cNvPr id="4" name="Immagine 3">
+            <a:extLst>
+              <a:ext uri="{FF2B5EF4-FFF2-40B4-BE49-F238E27FC236}">
+                <a16:creationId xmlns:a16="http://schemas.microsoft.com/office/drawing/2014/main" id="{70E614EB-7F62-70C9-1FA3-22EB0D2D2429}"/>
+              </a:ext>
+            </a:extLst>
+          </p:cNvPr>
+          <p:cNvPicPr>
+            <a:picLocks noChangeAspect="1"/>
+          </p:cNvPicPr>
+          <p:nvPr/>
+        </p:nvPicPr>
+        <p:blipFill>
+          <a:blip r:embed="rId2"/>
+          <a:stretch>
+            <a:fillRect/>
+          </a:stretch>
+        </p:blipFill>
+        <p:spPr>
+          <a:xfrm>
+            <a:off x="8595361" y="2273798"/>
+            <a:ext cx="3207392" cy="2061895"/>
+          </a:xfrm>
+          <a:prstGeom prst="rect">
+            <a:avLst/>
+          </a:prstGeom>
+        </p:spPr>
+      </p:pic>
+    </p:spTree>
+    <p:extLst>
+      <p:ext uri="{BB962C8B-B14F-4D97-AF65-F5344CB8AC3E}">
+        <p14:creationId xmlns:p14="http://schemas.microsoft.com/office/powerpoint/2010/main" val="4248559389"/>
+      </p:ext>
+    </p:extLst>
+  </p:cSld>
+  <p:clrMapOvr>
+    <a:masterClrMapping/>
+  </p:clrMapOvr>
+</p:sld>
+</file>
+
+<file path=ppt/slides/slide14.xml><?xml version="1.0" encoding="utf-8"?>
+<p:sld xmlns:a="http://schemas.openxmlformats.org/drawingml/2006/main" xmlns:r="http://schemas.openxmlformats.org/officeDocument/2006/relationships" xmlns:p="http://schemas.openxmlformats.org/presentationml/2006/main">
+  <p:cSld>
+    <p:spTree>
+      <p:nvGrpSpPr>
+        <p:cNvPr id="1" name=""/>
+        <p:cNvGrpSpPr/>
+        <p:nvPr/>
+      </p:nvGrpSpPr>
+      <p:grpSpPr>
+        <a:xfrm>
+          <a:off x="0" y="0"/>
+          <a:ext cx="0" cy="0"/>
+          <a:chOff x="0" y="0"/>
+          <a:chExt cx="0" cy="0"/>
+        </a:xfrm>
+      </p:grpSpPr>
+      <p:sp>
+        <p:nvSpPr>
+          <p:cNvPr id="2" name="Segnaposto testo 1">
+            <a:extLst>
+              <a:ext uri="{FF2B5EF4-FFF2-40B4-BE49-F238E27FC236}">
+                <a16:creationId xmlns:a16="http://schemas.microsoft.com/office/drawing/2014/main" id="{E5AE986C-196F-4141-A898-FA4C4198CDCC}"/>
+              </a:ext>
+            </a:extLst>
+          </p:cNvPr>
+          <p:cNvSpPr>
+            <a:spLocks noGrp="1"/>
+          </p:cNvSpPr>
+          <p:nvPr>
+            <p:ph type="body" idx="1"/>
+          </p:nvPr>
+        </p:nvSpPr>
+        <p:spPr>
+          <a:xfrm>
+            <a:off x="326299" y="1213806"/>
+            <a:ext cx="11411904" cy="4392612"/>
+          </a:xfrm>
+        </p:spPr>
+        <p:txBody>
+          <a:bodyPr/>
+          <a:lstStyle/>
+          <a:p>
+            <a:pPr marL="342900" indent="-342900">
+              <a:buFont typeface="Wingdings" panose="05000000000000000000" pitchFamily="2" charset="2"/>
+              <a:buChar char="ü"/>
+            </a:pPr>
+            <a:r>
+              <a:rPr lang="it-IT" sz="2400">
+                <a:solidFill>
+                  <a:schemeClr val="tx1"/>
+                </a:solidFill>
+                <a:latin typeface="Tahoma" panose="020B0604030504040204" pitchFamily="34" charset="0"/>
+                <a:ea typeface="Tahoma" panose="020B0604030504040204" pitchFamily="34" charset="0"/>
+                <a:cs typeface="Tahoma" panose="020B0604030504040204" pitchFamily="34" charset="0"/>
+              </a:rPr>
+              <a:t>La </a:t>
+            </a:r>
+            <a:r>
+              <a:rPr lang="it-IT" sz="2400" b="1">
+                <a:solidFill>
+                  <a:schemeClr val="tx1"/>
+                </a:solidFill>
+                <a:latin typeface="Tahoma" panose="020B0604030504040204" pitchFamily="34" charset="0"/>
+                <a:ea typeface="Tahoma" panose="020B0604030504040204" pitchFamily="34" charset="0"/>
+                <a:cs typeface="Tahoma" panose="020B0604030504040204" pitchFamily="34" charset="0"/>
+              </a:rPr>
+              <a:t>numerosità</a:t>
+            </a:r>
+            <a:r>
+              <a:rPr lang="it-IT" sz="2400">
+                <a:solidFill>
+                  <a:schemeClr val="tx1"/>
+                </a:solidFill>
+                <a:latin typeface="Tahoma" panose="020B0604030504040204" pitchFamily="34" charset="0"/>
+                <a:ea typeface="Tahoma" panose="020B0604030504040204" pitchFamily="34" charset="0"/>
+                <a:cs typeface="Tahoma" panose="020B0604030504040204" pitchFamily="34" charset="0"/>
+              </a:rPr>
+              <a:t> (o consistenza) del </a:t>
+            </a:r>
+            <a:r>
+              <a:rPr lang="it-IT" sz="2400" b="1">
+                <a:solidFill>
+                  <a:schemeClr val="tx1"/>
+                </a:solidFill>
+                <a:latin typeface="Tahoma" panose="020B0604030504040204" pitchFamily="34" charset="0"/>
+                <a:ea typeface="Tahoma" panose="020B0604030504040204" pitchFamily="34" charset="0"/>
+                <a:cs typeface="Tahoma" panose="020B0604030504040204" pitchFamily="34" charset="0"/>
+              </a:rPr>
+              <a:t>campione</a:t>
+            </a:r>
+            <a:r>
+              <a:rPr lang="it-IT" sz="2400">
+                <a:solidFill>
+                  <a:schemeClr val="tx1"/>
+                </a:solidFill>
+                <a:latin typeface="Tahoma" panose="020B0604030504040204" pitchFamily="34" charset="0"/>
+                <a:ea typeface="Tahoma" panose="020B0604030504040204" pitchFamily="34" charset="0"/>
+                <a:cs typeface="Tahoma" panose="020B0604030504040204" pitchFamily="34" charset="0"/>
+              </a:rPr>
+              <a:t> </a:t>
+            </a:r>
+            <a:r>
+              <a:rPr lang="it-IT" sz="2400" b="1" i="1">
+                <a:solidFill>
+                  <a:schemeClr val="tx1"/>
+                </a:solidFill>
+                <a:latin typeface="Tahoma" panose="020B0604030504040204" pitchFamily="34" charset="0"/>
+                <a:ea typeface="Tahoma" panose="020B0604030504040204" pitchFamily="34" charset="0"/>
+                <a:cs typeface="Tahoma" panose="020B0604030504040204" pitchFamily="34" charset="0"/>
+              </a:rPr>
+              <a:t>n</a:t>
+            </a:r>
+            <a:r>
+              <a:rPr lang="it-IT" sz="2400">
+                <a:solidFill>
+                  <a:schemeClr val="tx1"/>
+                </a:solidFill>
+                <a:latin typeface="Tahoma" panose="020B0604030504040204" pitchFamily="34" charset="0"/>
+                <a:ea typeface="Tahoma" panose="020B0604030504040204" pitchFamily="34" charset="0"/>
+                <a:cs typeface="Tahoma" panose="020B0604030504040204" pitchFamily="34" charset="0"/>
+              </a:rPr>
+              <a:t> dipende dalla </a:t>
+            </a:r>
+            <a:r>
+              <a:rPr lang="it-IT" sz="2400" b="1">
+                <a:solidFill>
+                  <a:schemeClr val="tx1"/>
+                </a:solidFill>
+                <a:latin typeface="Tahoma" panose="020B0604030504040204" pitchFamily="34" charset="0"/>
+                <a:ea typeface="Tahoma" panose="020B0604030504040204" pitchFamily="34" charset="0"/>
+                <a:cs typeface="Tahoma" panose="020B0604030504040204" pitchFamily="34" charset="0"/>
+              </a:rPr>
+              <a:t>numerosità della popolazione </a:t>
+            </a:r>
+            <a:r>
+              <a:rPr lang="it-IT" sz="2400" b="1" i="1">
+                <a:solidFill>
+                  <a:schemeClr val="tx1"/>
+                </a:solidFill>
+                <a:latin typeface="Tahoma" panose="020B0604030504040204" pitchFamily="34" charset="0"/>
+                <a:ea typeface="Tahoma" panose="020B0604030504040204" pitchFamily="34" charset="0"/>
+                <a:cs typeface="Tahoma" panose="020B0604030504040204" pitchFamily="34" charset="0"/>
+              </a:rPr>
+              <a:t>N</a:t>
+            </a:r>
+            <a:r>
+              <a:rPr lang="it-IT" sz="2400" b="1">
+                <a:solidFill>
+                  <a:schemeClr val="tx1"/>
+                </a:solidFill>
+                <a:latin typeface="Tahoma" panose="020B0604030504040204" pitchFamily="34" charset="0"/>
+                <a:ea typeface="Tahoma" panose="020B0604030504040204" pitchFamily="34" charset="0"/>
+                <a:cs typeface="Tahoma" panose="020B0604030504040204" pitchFamily="34" charset="0"/>
+              </a:rPr>
+              <a:t>.</a:t>
+            </a:r>
+          </a:p>
+          <a:p>
+            <a:pPr marL="342900" indent="-342900">
+              <a:buFont typeface="Wingdings" panose="05000000000000000000" pitchFamily="2" charset="2"/>
+              <a:buChar char="ü"/>
+            </a:pPr>
+            <a:r>
+              <a:rPr lang="it-IT" sz="2400" b="1">
+                <a:solidFill>
+                  <a:schemeClr val="tx1"/>
+                </a:solidFill>
+                <a:latin typeface="Tahoma" panose="020B0604030504040204" pitchFamily="34" charset="0"/>
+                <a:ea typeface="Tahoma" panose="020B0604030504040204" pitchFamily="34" charset="0"/>
+                <a:cs typeface="Tahoma" panose="020B0604030504040204" pitchFamily="34" charset="0"/>
+              </a:rPr>
+              <a:t>L'Inferenza</a:t>
+            </a:r>
+            <a:r>
+              <a:rPr lang="it-IT" sz="2400">
+                <a:solidFill>
+                  <a:schemeClr val="tx1"/>
+                </a:solidFill>
+                <a:latin typeface="Tahoma" panose="020B0604030504040204" pitchFamily="34" charset="0"/>
+                <a:ea typeface="Tahoma" panose="020B0604030504040204" pitchFamily="34" charset="0"/>
+                <a:cs typeface="Tahoma" panose="020B0604030504040204" pitchFamily="34" charset="0"/>
+              </a:rPr>
+              <a:t> </a:t>
+            </a:r>
+            <a:r>
+              <a:rPr lang="it-IT" sz="2400" b="1">
+                <a:solidFill>
+                  <a:schemeClr val="tx1"/>
+                </a:solidFill>
+                <a:latin typeface="Tahoma" panose="020B0604030504040204" pitchFamily="34" charset="0"/>
+                <a:ea typeface="Tahoma" panose="020B0604030504040204" pitchFamily="34" charset="0"/>
+                <a:cs typeface="Tahoma" panose="020B0604030504040204" pitchFamily="34" charset="0"/>
+              </a:rPr>
+              <a:t>Statistica (</a:t>
+            </a:r>
+            <a:r>
+              <a:rPr lang="it-IT" sz="2400">
+                <a:solidFill>
+                  <a:schemeClr val="tx1"/>
+                </a:solidFill>
+                <a:latin typeface="Tahoma" panose="020B0604030504040204" pitchFamily="34" charset="0"/>
+                <a:ea typeface="Tahoma" panose="020B0604030504040204" pitchFamily="34" charset="0"/>
+                <a:cs typeface="Tahoma" panose="020B0604030504040204" pitchFamily="34" charset="0"/>
+              </a:rPr>
+              <a:t>o statistica inferenziale) è quella parte dell'analisi statistica che tenta di derivare dalle informazioni raccolte sul </a:t>
+            </a:r>
+            <a:r>
+              <a:rPr lang="it-IT" sz="2400" b="1">
+                <a:solidFill>
+                  <a:schemeClr val="tx1"/>
+                </a:solidFill>
+                <a:latin typeface="Tahoma" panose="020B0604030504040204" pitchFamily="34" charset="0"/>
+                <a:ea typeface="Tahoma" panose="020B0604030504040204" pitchFamily="34" charset="0"/>
+                <a:cs typeface="Tahoma" panose="020B0604030504040204" pitchFamily="34" charset="0"/>
+              </a:rPr>
+              <a:t>campione</a:t>
+            </a:r>
+            <a:r>
+              <a:rPr lang="it-IT" sz="2400">
+                <a:solidFill>
+                  <a:schemeClr val="tx1"/>
+                </a:solidFill>
+                <a:latin typeface="Tahoma" panose="020B0604030504040204" pitchFamily="34" charset="0"/>
+                <a:ea typeface="Tahoma" panose="020B0604030504040204" pitchFamily="34" charset="0"/>
+                <a:cs typeface="Tahoma" panose="020B0604030504040204" pitchFamily="34" charset="0"/>
+              </a:rPr>
+              <a:t> altre informazioni riguardanti la </a:t>
+            </a:r>
+            <a:r>
+              <a:rPr lang="it-IT" sz="2400" b="1">
+                <a:solidFill>
+                  <a:schemeClr val="tx1"/>
+                </a:solidFill>
+                <a:latin typeface="Tahoma" panose="020B0604030504040204" pitchFamily="34" charset="0"/>
+                <a:ea typeface="Tahoma" panose="020B0604030504040204" pitchFamily="34" charset="0"/>
+                <a:cs typeface="Tahoma" panose="020B0604030504040204" pitchFamily="34" charset="0"/>
+              </a:rPr>
+              <a:t>popolazione, </a:t>
+            </a:r>
+            <a:r>
+              <a:rPr lang="it-IT" sz="2400">
+                <a:solidFill>
+                  <a:schemeClr val="tx1"/>
+                </a:solidFill>
+                <a:latin typeface="Tahoma" panose="020B0604030504040204" pitchFamily="34" charset="0"/>
+                <a:ea typeface="Tahoma" panose="020B0604030504040204" pitchFamily="34" charset="0"/>
+                <a:cs typeface="Tahoma" panose="020B0604030504040204" pitchFamily="34" charset="0"/>
+              </a:rPr>
+              <a:t>in modo da "inferire" quali sono le caratteristiche salienti della popolazione a partire da quelle del campuione. </a:t>
+            </a:r>
+          </a:p>
+          <a:p>
+            <a:pPr marL="342900" indent="-342900">
+              <a:buFont typeface="Wingdings" panose="05000000000000000000" pitchFamily="2" charset="2"/>
+              <a:buChar char="ü"/>
+            </a:pPr>
+            <a:r>
+              <a:rPr lang="it-IT" sz="2400" b="1">
+                <a:solidFill>
+                  <a:schemeClr val="tx1"/>
+                </a:solidFill>
+                <a:latin typeface="Tahoma" panose="020B0604030504040204" pitchFamily="34" charset="0"/>
+                <a:ea typeface="Tahoma" panose="020B0604030504040204" pitchFamily="34" charset="0"/>
+                <a:cs typeface="Tahoma" panose="020B0604030504040204" pitchFamily="34" charset="0"/>
+              </a:rPr>
+              <a:t>Campionamento: </a:t>
+            </a:r>
+            <a:r>
+              <a:rPr lang="it-IT" sz="2400">
+                <a:solidFill>
+                  <a:schemeClr val="tx1"/>
+                </a:solidFill>
+                <a:latin typeface="Tahoma" panose="020B0604030504040204" pitchFamily="34" charset="0"/>
+                <a:ea typeface="Tahoma" panose="020B0604030504040204" pitchFamily="34" charset="0"/>
+                <a:cs typeface="Tahoma" panose="020B0604030504040204" pitchFamily="34" charset="0"/>
+              </a:rPr>
+              <a:t>è il procedimento in base al quale si perviene alla costituzione del campione e alla rilevazione dei dati relativi ad esso. </a:t>
+            </a:r>
+          </a:p>
+          <a:p>
+            <a:pPr marL="342900" indent="-342900">
+              <a:buFont typeface="Wingdings" panose="05000000000000000000" pitchFamily="2" charset="2"/>
+              <a:buChar char="ü"/>
+            </a:pPr>
+            <a:r>
+              <a:rPr lang="it-IT" sz="2400">
+                <a:solidFill>
+                  <a:schemeClr val="tx1"/>
+                </a:solidFill>
+                <a:latin typeface="Tahoma" panose="020B0604030504040204" pitchFamily="34" charset="0"/>
+                <a:ea typeface="Tahoma" panose="020B0604030504040204" pitchFamily="34" charset="0"/>
+                <a:cs typeface="Tahoma" panose="020B0604030504040204" pitchFamily="34" charset="0"/>
+              </a:rPr>
+              <a:t>L'estrazione di un </a:t>
+            </a:r>
+            <a:r>
+              <a:rPr lang="it-IT" sz="2400" b="1">
+                <a:solidFill>
+                  <a:schemeClr val="tx1"/>
+                </a:solidFill>
+                <a:latin typeface="Tahoma" panose="020B0604030504040204" pitchFamily="34" charset="0"/>
+                <a:ea typeface="Tahoma" panose="020B0604030504040204" pitchFamily="34" charset="0"/>
+                <a:cs typeface="Tahoma" panose="020B0604030504040204" pitchFamily="34" charset="0"/>
+              </a:rPr>
+              <a:t>campione </a:t>
+            </a:r>
+            <a:r>
+              <a:rPr lang="it-IT" sz="2400">
+                <a:solidFill>
+                  <a:schemeClr val="tx1"/>
+                </a:solidFill>
+                <a:latin typeface="Tahoma" panose="020B0604030504040204" pitchFamily="34" charset="0"/>
+                <a:ea typeface="Tahoma" panose="020B0604030504040204" pitchFamily="34" charset="0"/>
+                <a:cs typeface="Tahoma" panose="020B0604030504040204" pitchFamily="34" charset="0"/>
+              </a:rPr>
+              <a:t>può avvenire in due modalità: </a:t>
+            </a:r>
+          </a:p>
+          <a:p>
+            <a:pPr marL="971550" lvl="1" indent="-514350">
+              <a:buFont typeface="+mj-lt"/>
+              <a:buAutoNum type="arabicPeriod"/>
+            </a:pPr>
+            <a:r>
+              <a:rPr lang="it-IT" sz="2600">
+                <a:solidFill>
+                  <a:schemeClr val="tx1"/>
+                </a:solidFill>
+                <a:latin typeface="Tahoma" panose="020B0604030504040204" pitchFamily="34" charset="0"/>
+                <a:ea typeface="Tahoma" panose="020B0604030504040204" pitchFamily="34" charset="0"/>
+                <a:cs typeface="Tahoma" panose="020B0604030504040204" pitchFamily="34" charset="0"/>
+              </a:rPr>
+              <a:t>con reimmissione</a:t>
+            </a:r>
+          </a:p>
+          <a:p>
+            <a:pPr marL="971550" lvl="1" indent="-514350">
+              <a:buFont typeface="+mj-lt"/>
+              <a:buAutoNum type="arabicPeriod"/>
+            </a:pPr>
+            <a:r>
+              <a:rPr lang="it-IT" sz="2600">
+                <a:solidFill>
+                  <a:schemeClr val="tx1"/>
+                </a:solidFill>
+                <a:latin typeface="Tahoma" panose="020B0604030504040204" pitchFamily="34" charset="0"/>
+                <a:ea typeface="Tahoma" panose="020B0604030504040204" pitchFamily="34" charset="0"/>
+                <a:cs typeface="Tahoma" panose="020B0604030504040204" pitchFamily="34" charset="0"/>
+              </a:rPr>
+              <a:t>senza reimmissione </a:t>
+            </a:r>
+            <a:endParaRPr lang="it-IT" sz="2600" b="1">
+              <a:solidFill>
+                <a:schemeClr val="tx1"/>
+              </a:solidFill>
+              <a:latin typeface="Tahoma" panose="020B0604030504040204" pitchFamily="34" charset="0"/>
+              <a:ea typeface="Tahoma" panose="020B0604030504040204" pitchFamily="34" charset="0"/>
+              <a:cs typeface="Tahoma" panose="020B0604030504040204" pitchFamily="34" charset="0"/>
+            </a:endParaRPr>
+          </a:p>
+        </p:txBody>
+      </p:sp>
+      <p:sp>
+        <p:nvSpPr>
+          <p:cNvPr id="7" name="Segnaposto numero diapositiva 6">
+            <a:extLst>
+              <a:ext uri="{FF2B5EF4-FFF2-40B4-BE49-F238E27FC236}">
+                <a16:creationId xmlns:a16="http://schemas.microsoft.com/office/drawing/2014/main" id="{AB740BE9-E218-4144-BFDE-AE473D230A3D}"/>
+              </a:ext>
+            </a:extLst>
+          </p:cNvPr>
+          <p:cNvSpPr>
+            <a:spLocks noGrp="1"/>
+          </p:cNvSpPr>
+          <p:nvPr>
+            <p:ph type="sldNum" sz="quarter" idx="12"/>
+          </p:nvPr>
+        </p:nvSpPr>
+        <p:spPr/>
+        <p:txBody>
+          <a:bodyPr/>
+          <a:lstStyle/>
+          <a:p>
+            <a:pPr>
+              <a:defRPr/>
+            </a:pPr>
+            <a:fld id="{48B4153A-D4C5-4CEF-8992-0D8815C829E3}" type="slidenum">
+              <a:rPr lang="en-US" smtClean="0"/>
+              <a:pPr>
+                <a:defRPr/>
+              </a:pPr>
+              <a:t>14</a:t>
+            </a:fld>
+            <a:endParaRPr lang="en-US" dirty="0"/>
+          </a:p>
+        </p:txBody>
+      </p:sp>
+      <p:sp>
+        <p:nvSpPr>
+          <p:cNvPr id="5" name="Titolo 4">
+            <a:extLst>
+              <a:ext uri="{FF2B5EF4-FFF2-40B4-BE49-F238E27FC236}">
+                <a16:creationId xmlns:a16="http://schemas.microsoft.com/office/drawing/2014/main" id="{82C46BA2-B380-4357-B125-BA9F08A643F5}"/>
+              </a:ext>
+            </a:extLst>
+          </p:cNvPr>
+          <p:cNvSpPr>
+            <a:spLocks noGrp="1"/>
+          </p:cNvSpPr>
+          <p:nvPr>
+            <p:ph type="title"/>
+          </p:nvPr>
+        </p:nvSpPr>
+        <p:spPr>
+          <a:xfrm>
+            <a:off x="468895" y="503475"/>
+            <a:ext cx="11269308" cy="384721"/>
+          </a:xfrm>
+        </p:spPr>
+        <p:txBody>
+          <a:bodyPr/>
+          <a:lstStyle/>
+          <a:p>
+            <a:r>
+              <a:rPr lang="it-IT" altLang="it-IT"/>
+              <a:t>La Teoria della Stima</a:t>
+            </a:r>
+            <a:endParaRPr lang="it-IT" dirty="0"/>
+          </a:p>
+        </p:txBody>
+      </p:sp>
+    </p:spTree>
+    <p:extLst>
+      <p:ext uri="{BB962C8B-B14F-4D97-AF65-F5344CB8AC3E}">
+        <p14:creationId xmlns:p14="http://schemas.microsoft.com/office/powerpoint/2010/main" val="81087457"/>
+      </p:ext>
+    </p:extLst>
+  </p:cSld>
+  <p:clrMapOvr>
+    <a:masterClrMapping/>
+  </p:clrMapOvr>
+</p:sld>
+</file>
+
+<file path=ppt/slides/slide15.xml><?xml version="1.0" encoding="utf-8"?>
+<p:sld xmlns:a="http://schemas.openxmlformats.org/drawingml/2006/main" xmlns:r="http://schemas.openxmlformats.org/officeDocument/2006/relationships" xmlns:p="http://schemas.openxmlformats.org/presentationml/2006/main">
+  <p:cSld>
+    <p:spTree>
+      <p:nvGrpSpPr>
+        <p:cNvPr id="1" name=""/>
+        <p:cNvGrpSpPr/>
+        <p:nvPr/>
+      </p:nvGrpSpPr>
+      <p:grpSpPr>
+        <a:xfrm>
+          <a:off x="0" y="0"/>
+          <a:ext cx="0" cy="0"/>
+          <a:chOff x="0" y="0"/>
+          <a:chExt cx="0" cy="0"/>
+        </a:xfrm>
+      </p:grpSpPr>
+      <p:sp>
+        <p:nvSpPr>
+          <p:cNvPr id="2" name="Segnaposto testo 1">
+            <a:extLst>
+              <a:ext uri="{FF2B5EF4-FFF2-40B4-BE49-F238E27FC236}">
+                <a16:creationId xmlns:a16="http://schemas.microsoft.com/office/drawing/2014/main" id="{E5AE986C-196F-4141-A898-FA4C4198CDCC}"/>
+              </a:ext>
+            </a:extLst>
+          </p:cNvPr>
+          <p:cNvSpPr>
+            <a:spLocks noGrp="1"/>
+          </p:cNvSpPr>
+          <p:nvPr>
+            <p:ph type="body" idx="1"/>
+          </p:nvPr>
+        </p:nvSpPr>
+        <p:spPr>
+          <a:xfrm>
+            <a:off x="326299" y="1213806"/>
+            <a:ext cx="8269062" cy="4392612"/>
+          </a:xfrm>
+        </p:spPr>
+        <p:txBody>
+          <a:bodyPr/>
+          <a:lstStyle/>
+          <a:p>
+            <a:pPr marL="342900" indent="-342900">
+              <a:buFont typeface="Wingdings" panose="05000000000000000000" pitchFamily="2" charset="2"/>
+              <a:buChar char="ü"/>
+            </a:pPr>
+            <a:r>
+              <a:rPr lang="it-IT" sz="2400">
+                <a:solidFill>
+                  <a:schemeClr val="tx1"/>
+                </a:solidFill>
+                <a:latin typeface="Tahoma" panose="020B0604030504040204" pitchFamily="34" charset="0"/>
+                <a:ea typeface="Tahoma" panose="020B0604030504040204" pitchFamily="34" charset="0"/>
+                <a:cs typeface="Tahoma" panose="020B0604030504040204" pitchFamily="34" charset="0"/>
+              </a:rPr>
+              <a:t>Nel campionamento con </a:t>
+            </a:r>
+            <a:r>
+              <a:rPr lang="it-IT" sz="2400" b="1">
+                <a:solidFill>
+                  <a:schemeClr val="tx1"/>
+                </a:solidFill>
+                <a:latin typeface="Tahoma" panose="020B0604030504040204" pitchFamily="34" charset="0"/>
+                <a:ea typeface="Tahoma" panose="020B0604030504040204" pitchFamily="34" charset="0"/>
+                <a:cs typeface="Tahoma" panose="020B0604030504040204" pitchFamily="34" charset="0"/>
+              </a:rPr>
+              <a:t>reimmissione,</a:t>
+            </a:r>
+            <a:r>
+              <a:rPr lang="it-IT" sz="2400">
+                <a:solidFill>
+                  <a:schemeClr val="tx1"/>
+                </a:solidFill>
+                <a:latin typeface="Tahoma" panose="020B0604030504040204" pitchFamily="34" charset="0"/>
+                <a:ea typeface="Tahoma" panose="020B0604030504040204" pitchFamily="34" charset="0"/>
+                <a:cs typeface="Tahoma" panose="020B0604030504040204" pitchFamily="34" charset="0"/>
+              </a:rPr>
+              <a:t> detto anche "</a:t>
+            </a:r>
+            <a:r>
+              <a:rPr lang="it-IT" sz="2400" b="1">
+                <a:solidFill>
+                  <a:schemeClr val="tx1"/>
+                </a:solidFill>
+                <a:latin typeface="Tahoma" panose="020B0604030504040204" pitchFamily="34" charset="0"/>
+                <a:ea typeface="Tahoma" panose="020B0604030504040204" pitchFamily="34" charset="0"/>
+                <a:cs typeface="Tahoma" panose="020B0604030504040204" pitchFamily="34" charset="0"/>
+              </a:rPr>
+              <a:t>campionamento</a:t>
+            </a:r>
+            <a:r>
+              <a:rPr lang="it-IT" sz="2400">
+                <a:solidFill>
+                  <a:schemeClr val="tx1"/>
+                </a:solidFill>
+                <a:latin typeface="Tahoma" panose="020B0604030504040204" pitchFamily="34" charset="0"/>
+                <a:ea typeface="Tahoma" panose="020B0604030504040204" pitchFamily="34" charset="0"/>
+                <a:cs typeface="Tahoma" panose="020B0604030504040204" pitchFamily="34" charset="0"/>
+              </a:rPr>
+              <a:t> </a:t>
+            </a:r>
+            <a:r>
+              <a:rPr lang="it-IT" sz="2400" b="1">
+                <a:solidFill>
+                  <a:schemeClr val="tx1"/>
+                </a:solidFill>
+                <a:latin typeface="Tahoma" panose="020B0604030504040204" pitchFamily="34" charset="0"/>
+                <a:ea typeface="Tahoma" panose="020B0604030504040204" pitchFamily="34" charset="0"/>
+                <a:cs typeface="Tahoma" panose="020B0604030504040204" pitchFamily="34" charset="0"/>
+              </a:rPr>
+              <a:t>bernoulliano</a:t>
+            </a:r>
+            <a:r>
+              <a:rPr lang="it-IT" sz="2400">
+                <a:solidFill>
+                  <a:schemeClr val="tx1"/>
+                </a:solidFill>
+                <a:latin typeface="Tahoma" panose="020B0604030504040204" pitchFamily="34" charset="0"/>
+                <a:ea typeface="Tahoma" panose="020B0604030504040204" pitchFamily="34" charset="0"/>
+                <a:cs typeface="Tahoma" panose="020B0604030504040204" pitchFamily="34" charset="0"/>
+              </a:rPr>
+              <a:t>", non si esclude che un elemento del campione venga ripescato una o più volte. Questo è il caso che interessa maggiormente, in quanto la reimmissione fa si che le variabili casuali rappresentate dalla prima estrazione, dalla seconda e così via siando una indipendente dall'altra, cosa che non avverrebbe in caso di estrazione senza reimmissione, detto anche "</a:t>
+            </a:r>
+            <a:r>
+              <a:rPr lang="it-IT" sz="2400" b="1">
+                <a:solidFill>
+                  <a:schemeClr val="tx1"/>
+                </a:solidFill>
+                <a:latin typeface="Tahoma" panose="020B0604030504040204" pitchFamily="34" charset="0"/>
+                <a:ea typeface="Tahoma" panose="020B0604030504040204" pitchFamily="34" charset="0"/>
+                <a:cs typeface="Tahoma" panose="020B0604030504040204" pitchFamily="34" charset="0"/>
+              </a:rPr>
+              <a:t>campionamento in blocco". </a:t>
+            </a:r>
+          </a:p>
+          <a:p>
+            <a:pPr marL="342900" indent="-342900">
+              <a:buFont typeface="Wingdings" panose="05000000000000000000" pitchFamily="2" charset="2"/>
+              <a:buChar char="ü"/>
+            </a:pPr>
+            <a:r>
+              <a:rPr lang="it-IT" sz="2400" b="1">
+                <a:solidFill>
+                  <a:schemeClr val="tx1"/>
+                </a:solidFill>
+                <a:latin typeface="Tahoma" panose="020B0604030504040204" pitchFamily="34" charset="0"/>
+                <a:ea typeface="Tahoma" panose="020B0604030504040204" pitchFamily="34" charset="0"/>
+                <a:cs typeface="Tahoma" panose="020B0604030504040204" pitchFamily="34" charset="0"/>
+              </a:rPr>
+              <a:t>Non esiste un unico modo per campionare da una popolazione. </a:t>
+            </a:r>
+            <a:r>
+              <a:rPr lang="it-IT" sz="2400">
+                <a:solidFill>
+                  <a:schemeClr val="tx1"/>
+                </a:solidFill>
+                <a:latin typeface="Tahoma" panose="020B0604030504040204" pitchFamily="34" charset="0"/>
+                <a:ea typeface="Tahoma" panose="020B0604030504040204" pitchFamily="34" charset="0"/>
+                <a:cs typeface="Tahoma" panose="020B0604030504040204" pitchFamily="34" charset="0"/>
+              </a:rPr>
+              <a:t>Il </a:t>
+            </a:r>
+            <a:r>
+              <a:rPr lang="it-IT" sz="2400" b="1">
+                <a:solidFill>
+                  <a:schemeClr val="tx1"/>
+                </a:solidFill>
+                <a:latin typeface="Tahoma" panose="020B0604030504040204" pitchFamily="34" charset="0"/>
+                <a:ea typeface="Tahoma" panose="020B0604030504040204" pitchFamily="34" charset="0"/>
+                <a:cs typeface="Tahoma" panose="020B0604030504040204" pitchFamily="34" charset="0"/>
+              </a:rPr>
+              <a:t>campionamento casuale semplice </a:t>
+            </a:r>
+            <a:r>
+              <a:rPr lang="it-IT" sz="2400">
+                <a:solidFill>
+                  <a:schemeClr val="tx1"/>
+                </a:solidFill>
+                <a:latin typeface="Tahoma" panose="020B0604030504040204" pitchFamily="34" charset="0"/>
+                <a:ea typeface="Tahoma" panose="020B0604030504040204" pitchFamily="34" charset="0"/>
+                <a:cs typeface="Tahoma" panose="020B0604030504040204" pitchFamily="34" charset="0"/>
+              </a:rPr>
+              <a:t>è quello più utilizzato, quando si vuole che le unità statistiche della popolazione abbiano la stessa probabilità di entrare nel </a:t>
+            </a:r>
+            <a:r>
+              <a:rPr lang="it-IT" sz="2400" b="1">
+                <a:solidFill>
+                  <a:schemeClr val="tx1"/>
+                </a:solidFill>
+                <a:latin typeface="Tahoma" panose="020B0604030504040204" pitchFamily="34" charset="0"/>
+                <a:ea typeface="Tahoma" panose="020B0604030504040204" pitchFamily="34" charset="0"/>
+                <a:cs typeface="Tahoma" panose="020B0604030504040204" pitchFamily="34" charset="0"/>
+              </a:rPr>
+              <a:t>campione</a:t>
+            </a:r>
+            <a:r>
+              <a:rPr lang="it-IT" sz="2400">
+                <a:solidFill>
+                  <a:schemeClr val="tx1"/>
+                </a:solidFill>
+                <a:latin typeface="Tahoma" panose="020B0604030504040204" pitchFamily="34" charset="0"/>
+                <a:ea typeface="Tahoma" panose="020B0604030504040204" pitchFamily="34" charset="0"/>
+                <a:cs typeface="Tahoma" panose="020B0604030504040204" pitchFamily="34" charset="0"/>
+              </a:rPr>
+              <a:t>. </a:t>
+            </a:r>
+          </a:p>
+        </p:txBody>
+      </p:sp>
+      <p:sp>
+        <p:nvSpPr>
+          <p:cNvPr id="7" name="Segnaposto numero diapositiva 6">
+            <a:extLst>
+              <a:ext uri="{FF2B5EF4-FFF2-40B4-BE49-F238E27FC236}">
+                <a16:creationId xmlns:a16="http://schemas.microsoft.com/office/drawing/2014/main" id="{AB740BE9-E218-4144-BFDE-AE473D230A3D}"/>
+              </a:ext>
+            </a:extLst>
+          </p:cNvPr>
+          <p:cNvSpPr>
+            <a:spLocks noGrp="1"/>
+          </p:cNvSpPr>
+          <p:nvPr>
+            <p:ph type="sldNum" sz="quarter" idx="12"/>
+          </p:nvPr>
+        </p:nvSpPr>
+        <p:spPr/>
+        <p:txBody>
+          <a:bodyPr/>
+          <a:lstStyle/>
+          <a:p>
+            <a:pPr>
+              <a:defRPr/>
+            </a:pPr>
+            <a:fld id="{48B4153A-D4C5-4CEF-8992-0D8815C829E3}" type="slidenum">
+              <a:rPr lang="en-US" smtClean="0"/>
+              <a:pPr>
+                <a:defRPr/>
+              </a:pPr>
+              <a:t>15</a:t>
+            </a:fld>
+            <a:endParaRPr lang="en-US" dirty="0"/>
+          </a:p>
+        </p:txBody>
+      </p:sp>
+      <p:sp>
+        <p:nvSpPr>
+          <p:cNvPr id="5" name="Titolo 4">
+            <a:extLst>
+              <a:ext uri="{FF2B5EF4-FFF2-40B4-BE49-F238E27FC236}">
+                <a16:creationId xmlns:a16="http://schemas.microsoft.com/office/drawing/2014/main" id="{82C46BA2-B380-4357-B125-BA9F08A643F5}"/>
+              </a:ext>
+            </a:extLst>
+          </p:cNvPr>
+          <p:cNvSpPr>
+            <a:spLocks noGrp="1"/>
+          </p:cNvSpPr>
+          <p:nvPr>
+            <p:ph type="title"/>
+          </p:nvPr>
+        </p:nvSpPr>
+        <p:spPr>
+          <a:xfrm>
+            <a:off x="468895" y="503475"/>
+            <a:ext cx="11269308" cy="384721"/>
+          </a:xfrm>
+        </p:spPr>
+        <p:txBody>
+          <a:bodyPr/>
+          <a:lstStyle/>
+          <a:p>
+            <a:r>
+              <a:rPr lang="it-IT" altLang="it-IT"/>
               <a:t>La rilevazione dei dati per campioni</a:t>
             </a:r>
             <a:endParaRPr lang="it-IT" dirty="0"/>
@@ -7125,7 +8916,7 @@
 </p:sld>
 </file>
 
-<file path=ppt/slides/slide11.xml><?xml version="1.0" encoding="utf-8"?>
+<file path=ppt/slides/slide16.xml><?xml version="1.0" encoding="utf-8"?>
 <p:sld xmlns:a="http://schemas.openxmlformats.org/drawingml/2006/main" xmlns:r="http://schemas.openxmlformats.org/officeDocument/2006/relationships" xmlns:p="http://schemas.openxmlformats.org/presentationml/2006/main">
   <p:cSld>
     <p:spTree>
@@ -8057,7 +9848,7 @@
               <a:pPr>
                 <a:defRPr/>
               </a:pPr>
-              <a:t>11</a:t>
+              <a:t>16</a:t>
             </a:fld>
             <a:endParaRPr lang="en-US" dirty="0"/>
           </a:p>
@@ -8110,7 +9901,7 @@
 </p:sld>
 </file>
 
-<file path=ppt/slides/slide12.xml><?xml version="1.0" encoding="utf-8"?>
+<file path=ppt/slides/slide17.xml><?xml version="1.0" encoding="utf-8"?>
 <p:sld xmlns:a="http://schemas.openxmlformats.org/drawingml/2006/main" xmlns:r="http://schemas.openxmlformats.org/officeDocument/2006/relationships" xmlns:p="http://schemas.openxmlformats.org/presentationml/2006/main">
   <p:cSld>
     <p:spTree>
@@ -8611,7 +10402,7 @@
               <a:pPr>
                 <a:defRPr/>
               </a:pPr>
-              <a:t>12</a:t>
+              <a:t>17</a:t>
             </a:fld>
             <a:endParaRPr lang="en-US" dirty="0"/>
           </a:p>
@@ -9210,7 +11001,7 @@
 </p:sld>
 </file>
 
-<file path=ppt/slides/slide13.xml><?xml version="1.0" encoding="utf-8"?>
+<file path=ppt/slides/slide18.xml><?xml version="1.0" encoding="utf-8"?>
 <p:sld xmlns:a="http://schemas.openxmlformats.org/drawingml/2006/main" xmlns:r="http://schemas.openxmlformats.org/officeDocument/2006/relationships" xmlns:p="http://schemas.openxmlformats.org/presentationml/2006/main">
   <p:cSld>
     <p:spTree>
@@ -10470,7 +12261,7 @@
               <a:pPr>
                 <a:defRPr/>
               </a:pPr>
-              <a:t>13</a:t>
+              <a:t>18</a:t>
             </a:fld>
             <a:endParaRPr lang="en-US" dirty="0"/>
           </a:p>
@@ -10523,7 +12314,7 @@
 </p:sld>
 </file>
 
-<file path=ppt/slides/slide14.xml><?xml version="1.0" encoding="utf-8"?>
+<file path=ppt/slides/slide19.xml><?xml version="1.0" encoding="utf-8"?>
 <p:sld xmlns:a="http://schemas.openxmlformats.org/drawingml/2006/main" xmlns:r="http://schemas.openxmlformats.org/officeDocument/2006/relationships" xmlns:p="http://schemas.openxmlformats.org/presentationml/2006/main">
   <p:cSld>
     <p:spTree>
@@ -10956,7 +12747,7 @@
               <a:pPr>
                 <a:defRPr/>
               </a:pPr>
-              <a:t>14</a:t>
+              <a:t>19</a:t>
             </a:fld>
             <a:endParaRPr lang="en-US" dirty="0"/>
           </a:p>
@@ -11009,7 +12800,535 @@
 </p:sld>
 </file>
 
-<file path=ppt/slides/slide15.xml><?xml version="1.0" encoding="utf-8"?>
+<file path=ppt/slides/slide2.xml><?xml version="1.0" encoding="utf-8"?>
+<p:sld xmlns:a="http://schemas.openxmlformats.org/drawingml/2006/main" xmlns:r="http://schemas.openxmlformats.org/officeDocument/2006/relationships" xmlns:p="http://schemas.openxmlformats.org/presentationml/2006/main">
+  <p:cSld>
+    <p:bg>
+      <p:bgPr>
+        <a:solidFill>
+          <a:schemeClr val="bg1"/>
+        </a:solidFill>
+        <a:effectLst/>
+      </p:bgPr>
+    </p:bg>
+    <p:spTree>
+      <p:nvGrpSpPr>
+        <p:cNvPr id="1" name=""/>
+        <p:cNvGrpSpPr/>
+        <p:nvPr/>
+      </p:nvGrpSpPr>
+      <p:grpSpPr>
+        <a:xfrm>
+          <a:off x="0" y="0"/>
+          <a:ext cx="0" cy="0"/>
+          <a:chOff x="0" y="0"/>
+          <a:chExt cx="0" cy="0"/>
+        </a:xfrm>
+      </p:grpSpPr>
+      <p:sp>
+        <p:nvSpPr>
+          <p:cNvPr id="2" name="Segnaposto testo 1">
+            <a:extLst>
+              <a:ext uri="{FF2B5EF4-FFF2-40B4-BE49-F238E27FC236}">
+                <a16:creationId xmlns:a16="http://schemas.microsoft.com/office/drawing/2014/main" id="{E5AE986C-196F-4141-A898-FA4C4198CDCC}"/>
+              </a:ext>
+            </a:extLst>
+          </p:cNvPr>
+          <p:cNvSpPr>
+            <a:spLocks noGrp="1"/>
+          </p:cNvSpPr>
+          <p:nvPr>
+            <p:ph type="body" idx="1"/>
+          </p:nvPr>
+        </p:nvSpPr>
+        <p:spPr>
+          <a:xfrm>
+            <a:off x="326297" y="1213806"/>
+            <a:ext cx="7430692" cy="4392612"/>
+          </a:xfrm>
+        </p:spPr>
+        <p:txBody>
+          <a:bodyPr/>
+          <a:lstStyle/>
+          <a:p>
+            <a:pPr marL="342900" indent="-342900" algn="just">
+              <a:buFont typeface="Wingdings" panose="05000000000000000000" pitchFamily="2" charset="2"/>
+              <a:buChar char="ü"/>
+            </a:pPr>
+            <a:r>
+              <a:rPr lang="it-IT" sz="2400" b="1" dirty="0">
+                <a:solidFill>
+                  <a:schemeClr val="tx1"/>
+                </a:solidFill>
+                <a:latin typeface="Tahoma" panose="020B0604030504040204" pitchFamily="34" charset="0"/>
+                <a:ea typeface="Tahoma" panose="020B0604030504040204" pitchFamily="34" charset="0"/>
+                <a:cs typeface="Tahoma" panose="020B0604030504040204" pitchFamily="34" charset="0"/>
+              </a:rPr>
+              <a:t>Definizione di Statistica: </a:t>
+            </a:r>
+            <a:r>
+              <a:rPr lang="it-IT" sz="2400" dirty="0">
+                <a:solidFill>
+                  <a:schemeClr val="tx1"/>
+                </a:solidFill>
+                <a:latin typeface="Tahoma" panose="020B0604030504040204" pitchFamily="34" charset="0"/>
+                <a:ea typeface="Tahoma" panose="020B0604030504040204" pitchFamily="34" charset="0"/>
+                <a:cs typeface="Tahoma" panose="020B0604030504040204" pitchFamily="34" charset="0"/>
+              </a:rPr>
+              <a:t>La </a:t>
+            </a:r>
+            <a:r>
+              <a:rPr lang="it-IT" sz="2400" b="1" dirty="0">
+                <a:solidFill>
+                  <a:schemeClr val="tx1"/>
+                </a:solidFill>
+                <a:latin typeface="Tahoma" panose="020B0604030504040204" pitchFamily="34" charset="0"/>
+                <a:ea typeface="Tahoma" panose="020B0604030504040204" pitchFamily="34" charset="0"/>
+                <a:cs typeface="Tahoma" panose="020B0604030504040204" pitchFamily="34" charset="0"/>
+              </a:rPr>
+              <a:t>statistica </a:t>
+            </a:r>
+            <a:r>
+              <a:rPr lang="it-IT" sz="2400" dirty="0">
+                <a:solidFill>
+                  <a:schemeClr val="tx1"/>
+                </a:solidFill>
+                <a:latin typeface="Tahoma" panose="020B0604030504040204" pitchFamily="34" charset="0"/>
+                <a:ea typeface="Tahoma" panose="020B0604030504040204" pitchFamily="34" charset="0"/>
+                <a:cs typeface="Tahoma" panose="020B0604030504040204" pitchFamily="34" charset="0"/>
+              </a:rPr>
+              <a:t>è una scienza che per oggetto l’acquisizione, l’elaborazione e la valutazione </a:t>
+            </a:r>
+            <a:r>
+              <a:rPr lang="it-IT" sz="2400" b="1" dirty="0">
+                <a:solidFill>
+                  <a:schemeClr val="tx1"/>
+                </a:solidFill>
+                <a:latin typeface="Tahoma" panose="020B0604030504040204" pitchFamily="34" charset="0"/>
+                <a:ea typeface="Tahoma" panose="020B0604030504040204" pitchFamily="34" charset="0"/>
+                <a:cs typeface="Tahoma" panose="020B0604030504040204" pitchFamily="34" charset="0"/>
+              </a:rPr>
+              <a:t>qualitativa</a:t>
+            </a:r>
+            <a:r>
+              <a:rPr lang="it-IT" sz="2400" dirty="0">
+                <a:solidFill>
+                  <a:schemeClr val="tx1"/>
+                </a:solidFill>
+                <a:latin typeface="Tahoma" panose="020B0604030504040204" pitchFamily="34" charset="0"/>
+                <a:ea typeface="Tahoma" panose="020B0604030504040204" pitchFamily="34" charset="0"/>
+                <a:cs typeface="Tahoma" panose="020B0604030504040204" pitchFamily="34" charset="0"/>
+              </a:rPr>
+              <a:t> e </a:t>
+            </a:r>
+            <a:r>
+              <a:rPr lang="it-IT" sz="2400" b="1" dirty="0">
+                <a:solidFill>
+                  <a:schemeClr val="tx1"/>
+                </a:solidFill>
+                <a:latin typeface="Tahoma" panose="020B0604030504040204" pitchFamily="34" charset="0"/>
+                <a:ea typeface="Tahoma" panose="020B0604030504040204" pitchFamily="34" charset="0"/>
+                <a:cs typeface="Tahoma" panose="020B0604030504040204" pitchFamily="34" charset="0"/>
+              </a:rPr>
+              <a:t>quantitativa</a:t>
+            </a:r>
+            <a:r>
+              <a:rPr lang="it-IT" sz="2400" dirty="0">
+                <a:solidFill>
+                  <a:schemeClr val="tx1"/>
+                </a:solidFill>
+                <a:latin typeface="Tahoma" panose="020B0604030504040204" pitchFamily="34" charset="0"/>
+                <a:ea typeface="Tahoma" panose="020B0604030504040204" pitchFamily="34" charset="0"/>
+                <a:cs typeface="Tahoma" panose="020B0604030504040204" pitchFamily="34" charset="0"/>
+              </a:rPr>
+              <a:t> dei dati riguardanti fenomeni di massa suscettibili alla misurazione. Nell’ambito della </a:t>
+            </a:r>
+            <a:r>
+              <a:rPr lang="it-IT" sz="2400" b="1" dirty="0">
+                <a:solidFill>
+                  <a:schemeClr val="tx1"/>
+                </a:solidFill>
+                <a:latin typeface="Tahoma" panose="020B0604030504040204" pitchFamily="34" charset="0"/>
+                <a:ea typeface="Tahoma" panose="020B0604030504040204" pitchFamily="34" charset="0"/>
+                <a:cs typeface="Tahoma" panose="020B0604030504040204" pitchFamily="34" charset="0"/>
+              </a:rPr>
+              <a:t>statistica </a:t>
+            </a:r>
+            <a:r>
+              <a:rPr lang="it-IT" sz="2400" dirty="0">
+                <a:solidFill>
+                  <a:schemeClr val="tx1"/>
+                </a:solidFill>
+                <a:latin typeface="Tahoma" panose="020B0604030504040204" pitchFamily="34" charset="0"/>
+                <a:ea typeface="Tahoma" panose="020B0604030504040204" pitchFamily="34" charset="0"/>
+                <a:cs typeface="Tahoma" panose="020B0604030504040204" pitchFamily="34" charset="0"/>
+              </a:rPr>
+              <a:t>si distinguono due settori: la </a:t>
+            </a:r>
+            <a:r>
+              <a:rPr lang="it-IT" sz="2400" b="1" dirty="0">
+                <a:solidFill>
+                  <a:schemeClr val="tx1"/>
+                </a:solidFill>
+                <a:latin typeface="Tahoma" panose="020B0604030504040204" pitchFamily="34" charset="0"/>
+                <a:ea typeface="Tahoma" panose="020B0604030504040204" pitchFamily="34" charset="0"/>
+                <a:cs typeface="Tahoma" panose="020B0604030504040204" pitchFamily="34" charset="0"/>
+              </a:rPr>
+              <a:t>statistica</a:t>
+            </a:r>
+            <a:r>
+              <a:rPr lang="it-IT" sz="2400" dirty="0">
+                <a:solidFill>
+                  <a:schemeClr val="tx1"/>
+                </a:solidFill>
+                <a:latin typeface="Tahoma" panose="020B0604030504040204" pitchFamily="34" charset="0"/>
+                <a:ea typeface="Tahoma" panose="020B0604030504040204" pitchFamily="34" charset="0"/>
+                <a:cs typeface="Tahoma" panose="020B0604030504040204" pitchFamily="34" charset="0"/>
+              </a:rPr>
+              <a:t> </a:t>
+            </a:r>
+            <a:r>
+              <a:rPr lang="it-IT" sz="2400" b="1" dirty="0">
+                <a:solidFill>
+                  <a:schemeClr val="tx1"/>
+                </a:solidFill>
+                <a:latin typeface="Tahoma" panose="020B0604030504040204" pitchFamily="34" charset="0"/>
+                <a:ea typeface="Tahoma" panose="020B0604030504040204" pitchFamily="34" charset="0"/>
+                <a:cs typeface="Tahoma" panose="020B0604030504040204" pitchFamily="34" charset="0"/>
+              </a:rPr>
+              <a:t>descrittiva</a:t>
+            </a:r>
+            <a:r>
+              <a:rPr lang="it-IT" sz="2400" dirty="0">
+                <a:solidFill>
+                  <a:schemeClr val="tx1"/>
+                </a:solidFill>
+                <a:latin typeface="Tahoma" panose="020B0604030504040204" pitchFamily="34" charset="0"/>
+                <a:ea typeface="Tahoma" panose="020B0604030504040204" pitchFamily="34" charset="0"/>
+                <a:cs typeface="Tahoma" panose="020B0604030504040204" pitchFamily="34" charset="0"/>
+              </a:rPr>
+              <a:t> e la </a:t>
+            </a:r>
+            <a:r>
+              <a:rPr lang="it-IT" sz="2400" b="1" dirty="0">
+                <a:solidFill>
+                  <a:schemeClr val="tx1"/>
+                </a:solidFill>
+                <a:latin typeface="Tahoma" panose="020B0604030504040204" pitchFamily="34" charset="0"/>
+                <a:ea typeface="Tahoma" panose="020B0604030504040204" pitchFamily="34" charset="0"/>
+                <a:cs typeface="Tahoma" panose="020B0604030504040204" pitchFamily="34" charset="0"/>
+              </a:rPr>
+              <a:t>statistica</a:t>
+            </a:r>
+            <a:r>
+              <a:rPr lang="it-IT" sz="2400" dirty="0">
+                <a:solidFill>
+                  <a:schemeClr val="tx1"/>
+                </a:solidFill>
+                <a:latin typeface="Tahoma" panose="020B0604030504040204" pitchFamily="34" charset="0"/>
+                <a:ea typeface="Tahoma" panose="020B0604030504040204" pitchFamily="34" charset="0"/>
+                <a:cs typeface="Tahoma" panose="020B0604030504040204" pitchFamily="34" charset="0"/>
+              </a:rPr>
+              <a:t> </a:t>
+            </a:r>
+            <a:r>
+              <a:rPr lang="it-IT" sz="2400" b="1" dirty="0">
+                <a:solidFill>
+                  <a:schemeClr val="tx1"/>
+                </a:solidFill>
+                <a:latin typeface="Tahoma" panose="020B0604030504040204" pitchFamily="34" charset="0"/>
+                <a:ea typeface="Tahoma" panose="020B0604030504040204" pitchFamily="34" charset="0"/>
+                <a:cs typeface="Tahoma" panose="020B0604030504040204" pitchFamily="34" charset="0"/>
+              </a:rPr>
+              <a:t>inferenziale</a:t>
+            </a:r>
+            <a:r>
+              <a:rPr lang="it-IT" sz="2400" dirty="0">
+                <a:solidFill>
+                  <a:schemeClr val="tx1"/>
+                </a:solidFill>
+                <a:latin typeface="Tahoma" panose="020B0604030504040204" pitchFamily="34" charset="0"/>
+                <a:ea typeface="Tahoma" panose="020B0604030504040204" pitchFamily="34" charset="0"/>
+                <a:cs typeface="Tahoma" panose="020B0604030504040204" pitchFamily="34" charset="0"/>
+              </a:rPr>
+              <a:t> (o induttiva</a:t>
+            </a:r>
+            <a:r>
+              <a:rPr lang="it-IT" sz="2400">
+                <a:solidFill>
+                  <a:schemeClr val="tx1"/>
+                </a:solidFill>
+                <a:latin typeface="Tahoma" panose="020B0604030504040204" pitchFamily="34" charset="0"/>
+                <a:ea typeface="Tahoma" panose="020B0604030504040204" pitchFamily="34" charset="0"/>
+                <a:cs typeface="Tahoma" panose="020B0604030504040204" pitchFamily="34" charset="0"/>
+              </a:rPr>
+              <a:t>).   </a:t>
+            </a:r>
+          </a:p>
+          <a:p>
+            <a:pPr marL="342900" indent="-342900" algn="just">
+              <a:buFont typeface="Wingdings" panose="05000000000000000000" pitchFamily="2" charset="2"/>
+              <a:buChar char="ü"/>
+            </a:pPr>
+            <a:r>
+              <a:rPr lang="it-IT" sz="2400">
+                <a:solidFill>
+                  <a:schemeClr val="tx1"/>
+                </a:solidFill>
+                <a:latin typeface="Tahoma" panose="020B0604030504040204" pitchFamily="34" charset="0"/>
+                <a:ea typeface="Tahoma" panose="020B0604030504040204" pitchFamily="34" charset="0"/>
+                <a:cs typeface="Tahoma" panose="020B0604030504040204" pitchFamily="34" charset="0"/>
+              </a:rPr>
+              <a:t>Il </a:t>
+            </a:r>
+            <a:r>
+              <a:rPr lang="it-IT" sz="2400" b="1">
+                <a:solidFill>
+                  <a:schemeClr val="tx1"/>
+                </a:solidFill>
+                <a:latin typeface="Tahoma" panose="020B0604030504040204" pitchFamily="34" charset="0"/>
+                <a:ea typeface="Tahoma" panose="020B0604030504040204" pitchFamily="34" charset="0"/>
+                <a:cs typeface="Tahoma" panose="020B0604030504040204" pitchFamily="34" charset="0"/>
+              </a:rPr>
+              <a:t>collettivo</a:t>
+            </a:r>
+            <a:r>
+              <a:rPr lang="it-IT" sz="2400">
+                <a:solidFill>
+                  <a:schemeClr val="tx1"/>
+                </a:solidFill>
+                <a:latin typeface="Tahoma" panose="020B0604030504040204" pitchFamily="34" charset="0"/>
+                <a:ea typeface="Tahoma" panose="020B0604030504040204" pitchFamily="34" charset="0"/>
+                <a:cs typeface="Tahoma" panose="020B0604030504040204" pitchFamily="34" charset="0"/>
+              </a:rPr>
+              <a:t> </a:t>
+            </a:r>
+            <a:r>
+              <a:rPr lang="it-IT" sz="2400" b="1">
+                <a:solidFill>
+                  <a:schemeClr val="tx1"/>
+                </a:solidFill>
+                <a:latin typeface="Tahoma" panose="020B0604030504040204" pitchFamily="34" charset="0"/>
+                <a:ea typeface="Tahoma" panose="020B0604030504040204" pitchFamily="34" charset="0"/>
+                <a:cs typeface="Tahoma" panose="020B0604030504040204" pitchFamily="34" charset="0"/>
+              </a:rPr>
+              <a:t>statistico</a:t>
+            </a:r>
+            <a:r>
+              <a:rPr lang="it-IT" sz="2400">
+                <a:solidFill>
+                  <a:schemeClr val="tx1"/>
+                </a:solidFill>
+                <a:latin typeface="Tahoma" panose="020B0604030504040204" pitchFamily="34" charset="0"/>
+                <a:ea typeface="Tahoma" panose="020B0604030504040204" pitchFamily="34" charset="0"/>
+                <a:cs typeface="Tahoma" panose="020B0604030504040204" pitchFamily="34" charset="0"/>
+              </a:rPr>
+              <a:t> o </a:t>
+            </a:r>
+            <a:r>
+              <a:rPr lang="it-IT" sz="2400" b="1">
+                <a:solidFill>
+                  <a:schemeClr val="tx1"/>
+                </a:solidFill>
+                <a:latin typeface="Tahoma" panose="020B0604030504040204" pitchFamily="34" charset="0"/>
+                <a:ea typeface="Tahoma" panose="020B0604030504040204" pitchFamily="34" charset="0"/>
+                <a:cs typeface="Tahoma" panose="020B0604030504040204" pitchFamily="34" charset="0"/>
+              </a:rPr>
+              <a:t>collettività</a:t>
+            </a:r>
+            <a:r>
+              <a:rPr lang="it-IT" sz="2400">
+                <a:solidFill>
+                  <a:schemeClr val="tx1"/>
+                </a:solidFill>
+                <a:latin typeface="Tahoma" panose="020B0604030504040204" pitchFamily="34" charset="0"/>
+                <a:ea typeface="Tahoma" panose="020B0604030504040204" pitchFamily="34" charset="0"/>
+                <a:cs typeface="Tahoma" panose="020B0604030504040204" pitchFamily="34" charset="0"/>
+              </a:rPr>
+              <a:t> o </a:t>
+            </a:r>
+            <a:r>
+              <a:rPr lang="it-IT" sz="2400" b="1">
+                <a:solidFill>
+                  <a:schemeClr val="tx1"/>
+                </a:solidFill>
+                <a:latin typeface="Tahoma" panose="020B0604030504040204" pitchFamily="34" charset="0"/>
+                <a:ea typeface="Tahoma" panose="020B0604030504040204" pitchFamily="34" charset="0"/>
+                <a:cs typeface="Tahoma" panose="020B0604030504040204" pitchFamily="34" charset="0"/>
+              </a:rPr>
+              <a:t>popolazione</a:t>
+            </a:r>
+            <a:r>
+              <a:rPr lang="it-IT" sz="2400">
+                <a:solidFill>
+                  <a:schemeClr val="tx1"/>
+                </a:solidFill>
+                <a:latin typeface="Tahoma" panose="020B0604030504040204" pitchFamily="34" charset="0"/>
+                <a:ea typeface="Tahoma" panose="020B0604030504040204" pitchFamily="34" charset="0"/>
+                <a:cs typeface="Tahoma" panose="020B0604030504040204" pitchFamily="34" charset="0"/>
+              </a:rPr>
+              <a:t> </a:t>
+            </a:r>
+            <a:r>
+              <a:rPr lang="it-IT" sz="2400" b="1">
+                <a:solidFill>
+                  <a:schemeClr val="tx1"/>
+                </a:solidFill>
+                <a:latin typeface="Tahoma" panose="020B0604030504040204" pitchFamily="34" charset="0"/>
+                <a:ea typeface="Tahoma" panose="020B0604030504040204" pitchFamily="34" charset="0"/>
+                <a:cs typeface="Tahoma" panose="020B0604030504040204" pitchFamily="34" charset="0"/>
+              </a:rPr>
+              <a:t>statistica </a:t>
+            </a:r>
+            <a:r>
+              <a:rPr lang="it-IT" sz="2400">
+                <a:solidFill>
+                  <a:schemeClr val="tx1"/>
+                </a:solidFill>
+                <a:latin typeface="Tahoma" panose="020B0604030504040204" pitchFamily="34" charset="0"/>
+                <a:ea typeface="Tahoma" panose="020B0604030504040204" pitchFamily="34" charset="0"/>
+                <a:cs typeface="Tahoma" panose="020B0604030504040204" pitchFamily="34" charset="0"/>
+              </a:rPr>
+              <a:t>rappresenta l'insieme di unità statistiche omogenee rispetto ad alcuni caratteri di cui si acquisiscono informazioni per studiarne le modalità; non è necessariamente riferito a esseri umani. </a:t>
+            </a:r>
+            <a:endParaRPr lang="en-US" sz="2400">
+              <a:solidFill>
+                <a:schemeClr val="tx1"/>
+              </a:solidFill>
+              <a:latin typeface="Tahoma" panose="020B0604030504040204" pitchFamily="34" charset="0"/>
+              <a:ea typeface="Tahoma" panose="020B0604030504040204" pitchFamily="34" charset="0"/>
+              <a:cs typeface="Tahoma" panose="020B0604030504040204" pitchFamily="34" charset="0"/>
+            </a:endParaRPr>
+          </a:p>
+          <a:p>
+            <a:pPr marL="342900" indent="-342900" algn="just">
+              <a:buFont typeface="Wingdings" panose="05000000000000000000" pitchFamily="2" charset="2"/>
+              <a:buChar char="ü"/>
+            </a:pPr>
+            <a:endParaRPr lang="it-IT" sz="2400" dirty="0">
+              <a:solidFill>
+                <a:schemeClr val="tx1"/>
+              </a:solidFill>
+              <a:latin typeface="Tahoma" panose="020B0604030504040204" pitchFamily="34" charset="0"/>
+              <a:ea typeface="Tahoma" panose="020B0604030504040204" pitchFamily="34" charset="0"/>
+              <a:cs typeface="Tahoma" panose="020B0604030504040204" pitchFamily="34" charset="0"/>
+            </a:endParaRPr>
+          </a:p>
+        </p:txBody>
+      </p:sp>
+      <p:sp>
+        <p:nvSpPr>
+          <p:cNvPr id="7" name="Segnaposto numero diapositiva 6">
+            <a:extLst>
+              <a:ext uri="{FF2B5EF4-FFF2-40B4-BE49-F238E27FC236}">
+                <a16:creationId xmlns:a16="http://schemas.microsoft.com/office/drawing/2014/main" id="{AB740BE9-E218-4144-BFDE-AE473D230A3D}"/>
+              </a:ext>
+            </a:extLst>
+          </p:cNvPr>
+          <p:cNvSpPr>
+            <a:spLocks noGrp="1"/>
+          </p:cNvSpPr>
+          <p:nvPr>
+            <p:ph type="sldNum" sz="quarter" idx="12"/>
+          </p:nvPr>
+        </p:nvSpPr>
+        <p:spPr/>
+        <p:txBody>
+          <a:bodyPr/>
+          <a:lstStyle/>
+          <a:p>
+            <a:pPr>
+              <a:defRPr/>
+            </a:pPr>
+            <a:fld id="{48B4153A-D4C5-4CEF-8992-0D8815C829E3}" type="slidenum">
+              <a:rPr lang="en-US" smtClean="0"/>
+              <a:pPr>
+                <a:defRPr/>
+              </a:pPr>
+              <a:t>2</a:t>
+            </a:fld>
+            <a:endParaRPr lang="en-US" dirty="0"/>
+          </a:p>
+        </p:txBody>
+      </p:sp>
+      <p:sp>
+        <p:nvSpPr>
+          <p:cNvPr id="5" name="Titolo 4">
+            <a:extLst>
+              <a:ext uri="{FF2B5EF4-FFF2-40B4-BE49-F238E27FC236}">
+                <a16:creationId xmlns:a16="http://schemas.microsoft.com/office/drawing/2014/main" id="{82C46BA2-B380-4357-B125-BA9F08A643F5}"/>
+              </a:ext>
+            </a:extLst>
+          </p:cNvPr>
+          <p:cNvSpPr>
+            <a:spLocks noGrp="1"/>
+          </p:cNvSpPr>
+          <p:nvPr>
+            <p:ph type="title"/>
+          </p:nvPr>
+        </p:nvSpPr>
+        <p:spPr>
+          <a:xfrm>
+            <a:off x="468895" y="503475"/>
+            <a:ext cx="11269308" cy="384721"/>
+          </a:xfrm>
+        </p:spPr>
+        <p:txBody>
+          <a:bodyPr/>
+          <a:lstStyle/>
+          <a:p>
+            <a:r>
+              <a:rPr lang="it-IT" altLang="it-IT" dirty="0"/>
+              <a:t>Campo di analisi della statistica</a:t>
+            </a:r>
+            <a:endParaRPr lang="it-IT" dirty="0"/>
+          </a:p>
+        </p:txBody>
+      </p:sp>
+      <p:pic>
+        <p:nvPicPr>
+          <p:cNvPr id="6" name="Immagine 5">
+            <a:extLst>
+              <a:ext uri="{FF2B5EF4-FFF2-40B4-BE49-F238E27FC236}">
+                <a16:creationId xmlns:a16="http://schemas.microsoft.com/office/drawing/2014/main" id="{D87F81CC-5CF8-9286-76BF-B13E4F96ED9E}"/>
+              </a:ext>
+            </a:extLst>
+          </p:cNvPr>
+          <p:cNvPicPr>
+            <a:picLocks noChangeAspect="1"/>
+          </p:cNvPicPr>
+          <p:nvPr/>
+        </p:nvPicPr>
+        <p:blipFill>
+          <a:blip r:embed="rId3"/>
+          <a:stretch>
+            <a:fillRect/>
+          </a:stretch>
+        </p:blipFill>
+        <p:spPr>
+          <a:xfrm>
+            <a:off x="8171734" y="1913187"/>
+            <a:ext cx="3460197" cy="3460197"/>
+          </a:xfrm>
+          <a:prstGeom prst="rect">
+            <a:avLst/>
+          </a:prstGeom>
+        </p:spPr>
+      </p:pic>
+    </p:spTree>
+    <p:extLst>
+      <p:ext uri="{BB962C8B-B14F-4D97-AF65-F5344CB8AC3E}">
+        <p14:creationId xmlns:p14="http://schemas.microsoft.com/office/powerpoint/2010/main" val="140204630"/>
+      </p:ext>
+    </p:extLst>
+  </p:cSld>
+  <p:clrMapOvr>
+    <a:overrideClrMapping bg1="lt1" tx1="dk1" bg2="lt2" tx2="dk2" accent1="accent1" accent2="accent2" accent3="accent3" accent4="accent4" accent5="accent5" accent6="accent6" hlink="hlink" folHlink="folHlink"/>
+  </p:clrMapOvr>
+</p:sld>
+</file>
+
+<file path=ppt/slides/slide20.xml><?xml version="1.0" encoding="utf-8"?>
 <p:sld xmlns:a="http://schemas.openxmlformats.org/drawingml/2006/main" xmlns:r="http://schemas.openxmlformats.org/officeDocument/2006/relationships" xmlns:p="http://schemas.openxmlformats.org/presentationml/2006/main">
   <p:cSld>
     <p:spTree>
@@ -11198,7 +13517,7 @@
               <a:pPr>
                 <a:defRPr/>
               </a:pPr>
-              <a:t>15</a:t>
+              <a:t>20</a:t>
             </a:fld>
             <a:endParaRPr lang="en-US" dirty="0"/>
           </a:p>
@@ -11281,7 +13600,7 @@
 </p:sld>
 </file>
 
-<file path=ppt/slides/slide16.xml><?xml version="1.0" encoding="utf-8"?>
+<file path=ppt/slides/slide21.xml><?xml version="1.0" encoding="utf-8"?>
 <p:sld xmlns:a="http://schemas.openxmlformats.org/drawingml/2006/main" xmlns:r="http://schemas.openxmlformats.org/officeDocument/2006/relationships" xmlns:p="http://schemas.openxmlformats.org/presentationml/2006/main">
   <p:cSld>
     <p:spTree>
@@ -11916,7 +14235,7 @@
               <a:pPr>
                 <a:defRPr/>
               </a:pPr>
-              <a:t>16</a:t>
+              <a:t>21</a:t>
             </a:fld>
             <a:endParaRPr lang="en-US" dirty="0"/>
           </a:p>
@@ -11999,7 +14318,7 @@
 </p:sld>
 </file>
 
-<file path=ppt/slides/slide17.xml><?xml version="1.0" encoding="utf-8"?>
+<file path=ppt/slides/slide22.xml><?xml version="1.0" encoding="utf-8"?>
 <p:sld xmlns:a="http://schemas.openxmlformats.org/drawingml/2006/main" xmlns:r="http://schemas.openxmlformats.org/officeDocument/2006/relationships" xmlns:p="http://schemas.openxmlformats.org/presentationml/2006/main">
   <p:cSld>
     <p:spTree>
@@ -13576,7 +15895,7 @@
               <a:pPr>
                 <a:defRPr/>
               </a:pPr>
-              <a:t>17</a:t>
+              <a:t>22</a:t>
             </a:fld>
             <a:endParaRPr lang="en-US" dirty="0"/>
           </a:p>
@@ -13659,7 +15978,7 @@
 </p:sld>
 </file>
 
-<file path=ppt/slides/slide18.xml><?xml version="1.0" encoding="utf-8"?>
+<file path=ppt/slides/slide23.xml><?xml version="1.0" encoding="utf-8"?>
 <p:sld xmlns:a="http://schemas.openxmlformats.org/drawingml/2006/main" xmlns:r="http://schemas.openxmlformats.org/officeDocument/2006/relationships" xmlns:p="http://schemas.openxmlformats.org/presentationml/2006/main">
   <p:cSld>
     <p:spTree>
@@ -13676,8 +15995,8 @@
           <a:chExt cx="0" cy="0"/>
         </a:xfrm>
       </p:grpSpPr>
-      <mc:AlternateContent xmlns:mc="http://schemas.openxmlformats.org/markup-compatibility/2006">
-        <mc:Choice xmlns:a14="http://schemas.microsoft.com/office/drawing/2010/main" Requires="a14">
+      <mc:AlternateContent xmlns:mc="http://schemas.openxmlformats.org/markup-compatibility/2006" xmlns:a14="http://schemas.microsoft.com/office/drawing/2010/main">
+        <mc:Choice Requires="a14">
           <p:sp>
             <p:nvSpPr>
               <p:cNvPr id="2" name="Segnaposto testo 1">
@@ -13709,7 +16028,7 @@
                   <a:buChar char="ü"/>
                 </a:pPr>
                 <a:r>
-                  <a:rPr lang="it-IT" sz="2400" smtClean="0">
+                  <a:rPr lang="it-IT" sz="2400">
                     <a:solidFill>
                       <a:schemeClr val="tx1"/>
                     </a:solidFill>
@@ -13720,7 +16039,7 @@
                   <a:t>Dato un </a:t>
                 </a:r>
                 <a:r>
-                  <a:rPr lang="it-IT" sz="2400" b="1" smtClean="0">
+                  <a:rPr lang="it-IT" sz="2400" b="1">
                     <a:solidFill>
                       <a:schemeClr val="tx1"/>
                     </a:solidFill>
@@ -13731,7 +16050,7 @@
                   <a:t>esperimento casuale </a:t>
                 </a:r>
                 <a:r>
-                  <a:rPr lang="it-IT" sz="2400" smtClean="0">
+                  <a:rPr lang="it-IT" sz="2400">
                     <a:solidFill>
                       <a:schemeClr val="tx1"/>
                     </a:solidFill>
@@ -13742,7 +16061,7 @@
                   <a:t>definito su un certo </a:t>
                 </a:r>
                 <a:r>
-                  <a:rPr lang="it-IT" sz="2400" b="1" smtClean="0">
+                  <a:rPr lang="it-IT" sz="2400" b="1">
                     <a:solidFill>
                       <a:schemeClr val="tx1"/>
                     </a:solidFill>
@@ -13753,7 +16072,7 @@
                   <a:t>spazio campionario </a:t>
                 </a:r>
                 <a:r>
-                  <a:rPr lang="it-IT" sz="2400" smtClean="0">
+                  <a:rPr lang="it-IT" sz="2400">
                     <a:solidFill>
                       <a:schemeClr val="tx1"/>
                     </a:solidFill>
@@ -13764,7 +16083,7 @@
                   <a:t>e con misura di probabilità P, nel </a:t>
                 </a:r>
                 <a:r>
-                  <a:rPr lang="it-IT" sz="2400" b="1" smtClean="0">
+                  <a:rPr lang="it-IT" sz="2400" b="1">
                     <a:solidFill>
                       <a:schemeClr val="tx1"/>
                     </a:solidFill>
@@ -13775,7 +16094,7 @@
                   <a:t>modello statistico di base, </a:t>
                 </a:r>
                 <a:r>
-                  <a:rPr lang="it-IT" sz="2400" smtClean="0">
+                  <a:rPr lang="it-IT" sz="2400">
                     <a:solidFill>
                       <a:schemeClr val="tx1"/>
                     </a:solidFill>
@@ -13786,7 +16105,7 @@
                   <a:t>abbiamo una </a:t>
                 </a:r>
                 <a:r>
-                  <a:rPr lang="it-IT" sz="2400" b="1" smtClean="0">
+                  <a:rPr lang="it-IT" sz="2400" b="1">
                     <a:solidFill>
                       <a:schemeClr val="tx1"/>
                     </a:solidFill>
@@ -13797,7 +16116,7 @@
                   <a:t>variabile casuale </a:t>
                 </a:r>
                 <a:r>
-                  <a:rPr lang="it-IT" sz="2400" smtClean="0">
+                  <a:rPr lang="it-IT" sz="2400">
                     <a:solidFill>
                       <a:schemeClr val="tx1"/>
                     </a:solidFill>
@@ -13808,7 +16127,7 @@
                   <a:t>osservabile </a:t>
                 </a:r>
                 <a:r>
-                  <a:rPr lang="it-IT" sz="2400" b="1" smtClean="0">
+                  <a:rPr lang="it-IT" sz="2400" b="1">
                     <a:solidFill>
                       <a:schemeClr val="tx1"/>
                     </a:solidFill>
@@ -13819,7 +16138,7 @@
                   <a:t>X </a:t>
                 </a:r>
                 <a:r>
-                  <a:rPr lang="it-IT" sz="2400" smtClean="0">
+                  <a:rPr lang="it-IT" sz="2400">
                     <a:solidFill>
                       <a:schemeClr val="tx1"/>
                     </a:solidFill>
@@ -13830,7 +16149,7 @@
                   <a:t>che assume valori in </a:t>
                 </a:r>
                 <a:r>
-                  <a:rPr lang="it-IT" sz="2400" b="1" smtClean="0">
+                  <a:rPr lang="it-IT" sz="2400" b="1">
                     <a:solidFill>
                       <a:schemeClr val="tx1"/>
                     </a:solidFill>
@@ -13841,7 +16160,7 @@
                   <a:t>S</a:t>
                 </a:r>
                 <a:r>
-                  <a:rPr lang="it-IT" sz="2400" smtClean="0">
+                  <a:rPr lang="it-IT" sz="2400">
                     <a:solidFill>
                       <a:schemeClr val="tx1"/>
                     </a:solidFill>
@@ -13858,7 +16177,7 @@
                   <a:buChar char="ü"/>
                 </a:pPr>
                 <a:r>
-                  <a:rPr lang="it-IT" sz="2400" smtClean="0">
+                  <a:rPr lang="it-IT" sz="2400">
                     <a:solidFill>
                       <a:schemeClr val="tx1"/>
                     </a:solidFill>
@@ -13869,7 +16188,7 @@
                   <a:t>In generale, </a:t>
                 </a:r>
                 <a:r>
-                  <a:rPr lang="it-IT" sz="2400" b="1" smtClean="0">
+                  <a:rPr lang="it-IT" sz="2400" b="1">
                     <a:solidFill>
                       <a:schemeClr val="tx1"/>
                     </a:solidFill>
@@ -13880,7 +16199,7 @@
                   <a:t>X </a:t>
                 </a:r>
                 <a:r>
-                  <a:rPr lang="it-IT" sz="2400" smtClean="0">
+                  <a:rPr lang="it-IT" sz="2400">
                     <a:solidFill>
                       <a:schemeClr val="tx1"/>
                     </a:solidFill>
@@ -13891,7 +16210,7 @@
                   <a:t>può avere struttura complessa, ad esempio, se l’esperimento consiste nell’estrarre </a:t>
                 </a:r>
                 <a:r>
-                  <a:rPr lang="it-IT" sz="2400" i="1" smtClean="0">
+                  <a:rPr lang="it-IT" sz="2400" i="1">
                     <a:solidFill>
                       <a:schemeClr val="tx1"/>
                     </a:solidFill>
@@ -13902,7 +16221,7 @@
                   <a:t>n </a:t>
                 </a:r>
                 <a:r>
-                  <a:rPr lang="it-IT" sz="2400" smtClean="0">
+                  <a:rPr lang="it-IT" sz="2400">
                     <a:solidFill>
                       <a:schemeClr val="tx1"/>
                     </a:solidFill>
@@ -13914,6 +16233,7 @@
                 </a:r>
               </a:p>
               <a:p>
+                <a:pPr/>
                 <a14:m>
                   <m:oMathPara xmlns:m="http://schemas.openxmlformats.org/officeDocument/2006/math">
                     <m:oMathParaPr>
@@ -14109,7 +16429,7 @@
                     </m:oMath>
                   </m:oMathPara>
                 </a14:m>
-                <a:endParaRPr lang="it-IT" sz="2400" b="1" smtClean="0">
+                <a:endParaRPr lang="it-IT" sz="2400" b="1">
                   <a:solidFill>
                     <a:schemeClr val="tx1"/>
                   </a:solidFill>
@@ -14124,7 +16444,7 @@
                   <a:buChar char="ü"/>
                 </a:pPr>
                 <a:r>
-                  <a:rPr lang="it-IT" sz="2400" smtClean="0">
+                  <a:rPr lang="it-IT" sz="2400">
                     <a:solidFill>
                       <a:schemeClr val="tx1"/>
                     </a:solidFill>
@@ -14190,7 +16510,7 @@
                   </m:oMath>
                 </a14:m>
                 <a:r>
-                  <a:rPr lang="it-IT" sz="2400" smtClean="0">
+                  <a:rPr lang="it-IT" sz="2400">
                     <a:solidFill>
                       <a:schemeClr val="tx1"/>
                     </a:solidFill>
@@ -14201,7 +16521,7 @@
                   <a:t>è il vettore di misurazioni per l’</a:t>
                 </a:r>
                 <a:r>
-                  <a:rPr lang="it-IT" sz="2400" i="1" smtClean="0">
+                  <a:rPr lang="it-IT" sz="2400" i="1">
                     <a:solidFill>
                       <a:schemeClr val="tx1"/>
                     </a:solidFill>
@@ -14212,7 +16532,7 @@
                   <a:t>i-</a:t>
                 </a:r>
                 <a:r>
-                  <a:rPr lang="it-IT" sz="2400" smtClean="0">
+                  <a:rPr lang="it-IT" sz="2400">
                     <a:solidFill>
                       <a:schemeClr val="tx1"/>
                     </a:solidFill>
@@ -14229,7 +16549,7 @@
                   <a:buChar char="ü"/>
                 </a:pPr>
                 <a:r>
-                  <a:rPr lang="it-IT" sz="2400" smtClean="0">
+                  <a:rPr lang="it-IT" sz="2400">
                     <a:solidFill>
                       <a:schemeClr val="tx1"/>
                     </a:solidFill>
@@ -14341,18 +16661,7 @@
                         <a:ea typeface="Tahoma" panose="020B0604030504040204" pitchFamily="34" charset="0"/>
                         <a:cs typeface="Tahoma" panose="020B0604030504040204" pitchFamily="34" charset="0"/>
                       </a:rPr>
-                      <m:t>,</m:t>
-                    </m:r>
-                    <m:r>
-                      <a:rPr lang="it-IT" sz="2400" b="1" i="1">
-                        <a:solidFill>
-                          <a:schemeClr val="tx1"/>
-                        </a:solidFill>
-                        <a:latin typeface="Cambria Math" panose="02040503050406030204" pitchFamily="18" charset="0"/>
-                        <a:ea typeface="Tahoma" panose="020B0604030504040204" pitchFamily="34" charset="0"/>
-                        <a:cs typeface="Tahoma" panose="020B0604030504040204" pitchFamily="34" charset="0"/>
-                      </a:rPr>
-                      <m:t>…</m:t>
+                      <m:t>,…</m:t>
                     </m:r>
                     <m:sSub>
                       <m:sSubPr>
@@ -14397,29 +16706,18 @@
                   </m:oMath>
                 </a14:m>
                 <a:r>
-                  <a:rPr lang="it-IT" sz="2400" smtClean="0">
-                    <a:solidFill>
-                      <a:schemeClr val="tx1"/>
-                    </a:solidFill>
-                    <a:latin typeface="Tahoma" panose="020B0604030504040204" pitchFamily="34" charset="0"/>
-                    <a:ea typeface="Tahoma" panose="020B0604030504040204" pitchFamily="34" charset="0"/>
-                    <a:cs typeface="Tahoma" panose="020B0604030504040204" pitchFamily="34" charset="0"/>
-                  </a:rPr>
-                  <a:t> </a:t>
-                </a:r>
-                <a:r>
-                  <a:rPr lang="it-IT" sz="2400" smtClean="0">
-                    <a:solidFill>
-                      <a:schemeClr val="tx1"/>
-                    </a:solidFill>
-                    <a:latin typeface="Tahoma" panose="020B0604030504040204" pitchFamily="34" charset="0"/>
-                    <a:ea typeface="Tahoma" panose="020B0604030504040204" pitchFamily="34" charset="0"/>
-                    <a:cs typeface="Tahoma" panose="020B0604030504040204" pitchFamily="34" charset="0"/>
-                  </a:rPr>
-                  <a:t>sono indipendenti e identicamente distribuite. Si ha allora un </a:t>
-                </a:r>
-                <a:r>
-                  <a:rPr lang="it-IT" sz="2400" b="1" smtClean="0">
+                  <a:rPr lang="it-IT" sz="2400">
+                    <a:solidFill>
+                      <a:schemeClr val="tx1"/>
+                    </a:solidFill>
+                    <a:latin typeface="Tahoma" panose="020B0604030504040204" pitchFamily="34" charset="0"/>
+                    <a:ea typeface="Tahoma" panose="020B0604030504040204" pitchFamily="34" charset="0"/>
+                    <a:cs typeface="Tahoma" panose="020B0604030504040204" pitchFamily="34" charset="0"/>
+                  </a:rPr>
+                  <a:t> sono indipendenti e identicamente distribuite. Si ha allora un </a:t>
+                </a:r>
+                <a:r>
+                  <a:rPr lang="it-IT" sz="2400" b="1">
                     <a:solidFill>
                       <a:schemeClr val="tx1"/>
                     </a:solidFill>
@@ -14430,7 +16728,7 @@
                   <a:t>campione casuale</a:t>
                 </a:r>
                 <a:r>
-                  <a:rPr lang="it-IT" sz="2400" smtClean="0">
+                  <a:rPr lang="it-IT" sz="2400">
                     <a:solidFill>
                       <a:schemeClr val="tx1"/>
                     </a:solidFill>
@@ -14441,7 +16739,7 @@
                   <a:t> di dimensione </a:t>
                 </a:r>
                 <a:r>
-                  <a:rPr lang="it-IT" sz="2400" i="1" smtClean="0">
+                  <a:rPr lang="it-IT" sz="2400" i="1">
                     <a:solidFill>
                       <a:schemeClr val="tx1"/>
                     </a:solidFill>
@@ -14452,7 +16750,7 @@
                   <a:t>n </a:t>
                 </a:r>
                 <a:r>
-                  <a:rPr lang="it-IT" sz="2400" smtClean="0">
+                  <a:rPr lang="it-IT" sz="2400">
                     <a:solidFill>
                       <a:schemeClr val="tx1"/>
                     </a:solidFill>
@@ -14462,19 +16760,11 @@
                   </a:rPr>
                   <a:t>dalla distribuzione comune</a:t>
                 </a:r>
-                <a:endParaRPr lang="it-IT" sz="2400">
-                  <a:solidFill>
-                    <a:schemeClr val="tx1"/>
-                  </a:solidFill>
-                  <a:latin typeface="Tahoma" panose="020B0604030504040204" pitchFamily="34" charset="0"/>
-                  <a:ea typeface="Tahoma" panose="020B0604030504040204" pitchFamily="34" charset="0"/>
-                  <a:cs typeface="Tahoma" panose="020B0604030504040204" pitchFamily="34" charset="0"/>
-                </a:endParaRPr>
               </a:p>
             </p:txBody>
           </p:sp>
         </mc:Choice>
-        <mc:Fallback>
+        <mc:Fallback xmlns="">
           <p:sp>
             <p:nvSpPr>
               <p:cNvPr id="2" name="Segnaposto testo 1">
@@ -14547,7 +16837,7 @@
               <a:pPr>
                 <a:defRPr/>
               </a:pPr>
-              <a:t>18</a:t>
+              <a:t>23</a:t>
             </a:fld>
             <a:endParaRPr lang="en-US" dirty="0"/>
           </a:p>
@@ -14580,7 +16870,7 @@
           <a:lstStyle/>
           <a:p>
             <a:r>
-              <a:rPr lang="it-IT" altLang="it-IT" smtClean="0"/>
+              <a:rPr lang="it-IT" altLang="it-IT"/>
               <a:t>Errore di prima specie ed errore di seconda specie</a:t>
             </a:r>
             <a:endParaRPr lang="it-IT" dirty="0"/>
@@ -14630,7 +16920,7 @@
 </p:sld>
 </file>
 
-<file path=ppt/slides/slide19.xml><?xml version="1.0" encoding="utf-8"?>
+<file path=ppt/slides/slide24.xml><?xml version="1.0" encoding="utf-8"?>
 <p:sld xmlns:a="http://schemas.openxmlformats.org/drawingml/2006/main" xmlns:r="http://schemas.openxmlformats.org/officeDocument/2006/relationships" xmlns:p="http://schemas.openxmlformats.org/presentationml/2006/main">
   <p:cSld>
     <p:spTree>
@@ -14647,8 +16937,8 @@
           <a:chExt cx="0" cy="0"/>
         </a:xfrm>
       </p:grpSpPr>
-      <mc:AlternateContent xmlns:mc="http://schemas.openxmlformats.org/markup-compatibility/2006">
-        <mc:Choice xmlns:a14="http://schemas.microsoft.com/office/drawing/2010/main" Requires="a14">
+      <mc:AlternateContent xmlns:mc="http://schemas.openxmlformats.org/markup-compatibility/2006" xmlns:a14="http://schemas.microsoft.com/office/drawing/2010/main">
+        <mc:Choice Requires="a14">
           <p:sp>
             <p:nvSpPr>
               <p:cNvPr id="2" name="Segnaposto testo 1">
@@ -14680,7 +16970,7 @@
                   <a:buChar char="ü"/>
                 </a:pPr>
                 <a:r>
-                  <a:rPr lang="it-IT" sz="2400" b="1" smtClean="0">
+                  <a:rPr lang="it-IT" sz="2400" b="1">
                     <a:solidFill>
                       <a:schemeClr val="tx1"/>
                     </a:solidFill>
@@ -14691,7 +16981,7 @@
                   <a:t>Un’ipotesi statistica </a:t>
                 </a:r>
                 <a:r>
-                  <a:rPr lang="it-IT" sz="2400" smtClean="0">
+                  <a:rPr lang="it-IT" sz="2400">
                     <a:solidFill>
                       <a:schemeClr val="tx1"/>
                     </a:solidFill>
@@ -14702,7 +16992,7 @@
                   <a:t>è un’asserzione sulla distribuzione della variabile </a:t>
                 </a:r>
                 <a:r>
-                  <a:rPr lang="it-IT" sz="2400" b="1" smtClean="0">
+                  <a:rPr lang="it-IT" sz="2400" b="1">
                     <a:solidFill>
                       <a:schemeClr val="tx1"/>
                     </a:solidFill>
@@ -14713,7 +17003,7 @@
                   <a:t>X </a:t>
                 </a:r>
                 <a:r>
-                  <a:rPr lang="it-IT" sz="2400" smtClean="0">
+                  <a:rPr lang="it-IT" sz="2400">
                     <a:solidFill>
                       <a:schemeClr val="tx1"/>
                     </a:solidFill>
@@ -14730,7 +17020,7 @@
                   <a:buChar char="ü"/>
                 </a:pPr>
                 <a:r>
-                  <a:rPr lang="it-IT" sz="2400" smtClean="0">
+                  <a:rPr lang="it-IT" sz="2400">
                     <a:solidFill>
                       <a:schemeClr val="tx1"/>
                     </a:solidFill>
@@ -14741,7 +17031,7 @@
                   <a:t>Equivalentemente </a:t>
                 </a:r>
                 <a:r>
-                  <a:rPr lang="it-IT" sz="2400" b="1" smtClean="0">
+                  <a:rPr lang="it-IT" sz="2400" b="1">
                     <a:solidFill>
                       <a:schemeClr val="tx1"/>
                     </a:solidFill>
@@ -14752,7 +17042,7 @@
                   <a:t>un’ipotesi statistica </a:t>
                 </a:r>
                 <a:r>
-                  <a:rPr lang="it-IT" sz="2400" smtClean="0">
+                  <a:rPr lang="it-IT" sz="2400">
                     <a:solidFill>
                       <a:schemeClr val="tx1"/>
                     </a:solidFill>
@@ -14763,7 +17053,7 @@
                   <a:t>individua un </a:t>
                 </a:r>
                 <a:r>
-                  <a:rPr lang="it-IT" sz="2400" b="1" smtClean="0">
+                  <a:rPr lang="it-IT" sz="2400" b="1">
                     <a:solidFill>
                       <a:schemeClr val="tx1"/>
                     </a:solidFill>
@@ -14774,7 +17064,7 @@
                   <a:t>insieme </a:t>
                 </a:r>
                 <a:r>
-                  <a:rPr lang="it-IT" sz="2400" smtClean="0">
+                  <a:rPr lang="it-IT" sz="2400">
                     <a:solidFill>
                       <a:schemeClr val="tx1"/>
                     </a:solidFill>
@@ -14785,7 +17075,7 @@
                   <a:t>di possibili distribuzioni per </a:t>
                 </a:r>
                 <a:r>
-                  <a:rPr lang="it-IT" sz="2400" b="1" smtClean="0">
+                  <a:rPr lang="it-IT" sz="2400" b="1">
                     <a:solidFill>
                       <a:schemeClr val="tx1"/>
                     </a:solidFill>
@@ -14802,7 +17092,7 @@
                   <a:buChar char="ü"/>
                 </a:pPr>
                 <a:r>
-                  <a:rPr lang="it-IT" sz="2400" smtClean="0">
+                  <a:rPr lang="it-IT" sz="2400">
                     <a:solidFill>
                       <a:schemeClr val="tx1"/>
                     </a:solidFill>
@@ -14813,7 +17103,7 @@
                   <a:t>L’obiettivo dei </a:t>
                 </a:r>
                 <a:r>
-                  <a:rPr lang="it-IT" sz="2400" b="1" smtClean="0">
+                  <a:rPr lang="it-IT" sz="2400" b="1">
                     <a:solidFill>
                       <a:schemeClr val="tx1"/>
                     </a:solidFill>
@@ -14824,7 +17114,7 @@
                   <a:t>test delle ipotesi </a:t>
                 </a:r>
                 <a:r>
-                  <a:rPr lang="it-IT" sz="2400" smtClean="0">
+                  <a:rPr lang="it-IT" sz="2400">
                     <a:solidFill>
                       <a:schemeClr val="tx1"/>
                     </a:solidFill>
@@ -14835,7 +17125,7 @@
                   <a:t>è valutare se vi è sufficiente </a:t>
                 </a:r>
                 <a:r>
-                  <a:rPr lang="it-IT" sz="2400" b="1" smtClean="0">
+                  <a:rPr lang="it-IT" sz="2400" b="1">
                     <a:solidFill>
                       <a:schemeClr val="tx1"/>
                     </a:solidFill>
@@ -14846,7 +17136,7 @@
                   <a:t>evidenza statistica </a:t>
                 </a:r>
                 <a:r>
-                  <a:rPr lang="it-IT" sz="2400" smtClean="0">
+                  <a:rPr lang="it-IT" sz="2400">
                     <a:solidFill>
                       <a:schemeClr val="tx1"/>
                     </a:solidFill>
@@ -14857,7 +17147,7 @@
                   <a:t>per rifiutare l’</a:t>
                 </a:r>
                 <a:r>
-                  <a:rPr lang="it-IT" sz="2400" b="1" smtClean="0">
+                  <a:rPr lang="it-IT" sz="2400" b="1">
                     <a:solidFill>
                       <a:schemeClr val="tx1"/>
                     </a:solidFill>
@@ -14868,7 +17158,7 @@
                   <a:t>ipotesi nulla</a:t>
                 </a:r>
                 <a:r>
-                  <a:rPr lang="it-IT" sz="2400" smtClean="0">
+                  <a:rPr lang="it-IT" sz="2400">
                     <a:solidFill>
                       <a:schemeClr val="tx1"/>
                     </a:solidFill>
@@ -14879,7 +17169,7 @@
                   <a:t> in favore dell’</a:t>
                 </a:r>
                 <a:r>
-                  <a:rPr lang="it-IT" sz="2400" b="1" smtClean="0">
+                  <a:rPr lang="it-IT" sz="2400" b="1">
                     <a:solidFill>
                       <a:schemeClr val="tx1"/>
                     </a:solidFill>
@@ -14890,7 +17180,7 @@
                   <a:t>ipotesi alternativa</a:t>
                 </a:r>
                 <a:r>
-                  <a:rPr lang="it-IT" sz="2400" smtClean="0">
+                  <a:rPr lang="it-IT" sz="2400">
                     <a:solidFill>
                       <a:schemeClr val="tx1"/>
                     </a:solidFill>
@@ -14907,7 +17197,7 @@
                   <a:buChar char="ü"/>
                 </a:pPr>
                 <a:r>
-                  <a:rPr lang="it-IT" sz="2400" b="1" smtClean="0">
+                  <a:rPr lang="it-IT" sz="2400" b="1">
                     <a:solidFill>
                       <a:schemeClr val="tx1"/>
                     </a:solidFill>
@@ -14918,7 +17208,7 @@
                   <a:t>L’ipotesi nulla </a:t>
                 </a:r>
                 <a:r>
-                  <a:rPr lang="it-IT" sz="2400" smtClean="0">
+                  <a:rPr lang="it-IT" sz="2400">
                     <a:solidFill>
                       <a:schemeClr val="tx1"/>
                     </a:solidFill>
@@ -14973,7 +17263,7 @@
                   </m:oMath>
                 </a14:m>
                 <a:r>
-                  <a:rPr lang="it-IT" sz="2400" b="1" smtClean="0">
+                  <a:rPr lang="it-IT" sz="2400" b="1">
                     <a:solidFill>
                       <a:schemeClr val="tx1"/>
                     </a:solidFill>
@@ -14984,7 +17274,7 @@
                   <a:t>, </a:t>
                 </a:r>
                 <a:r>
-                  <a:rPr lang="it-IT" sz="2400" smtClean="0">
+                  <a:rPr lang="it-IT" sz="2400">
                     <a:solidFill>
                       <a:schemeClr val="tx1"/>
                     </a:solidFill>
@@ -14995,7 +17285,7 @@
                   <a:t>mentre </a:t>
                 </a:r>
                 <a:r>
-                  <a:rPr lang="it-IT" sz="2400" b="1" smtClean="0">
+                  <a:rPr lang="it-IT" sz="2400" b="1">
                     <a:solidFill>
                       <a:schemeClr val="tx1"/>
                     </a:solidFill>
@@ -15050,7 +17340,7 @@
                   </m:oMath>
                 </a14:m>
                 <a:r>
-                  <a:rPr lang="it-IT" sz="2400" b="1" smtClean="0">
+                  <a:rPr lang="it-IT" sz="2400" b="1">
                     <a:solidFill>
                       <a:schemeClr val="tx1"/>
                     </a:solidFill>
@@ -15067,7 +17357,7 @@
                   <a:buChar char="ü"/>
                 </a:pPr>
                 <a:r>
-                  <a:rPr lang="it-IT" sz="2400" smtClean="0">
+                  <a:rPr lang="it-IT" sz="2400">
                     <a:solidFill>
                       <a:schemeClr val="tx1"/>
                     </a:solidFill>
@@ -15078,7 +17368,7 @@
                   <a:t>Un’ipotesi che specifica una singola distribuzione per </a:t>
                 </a:r>
                 <a:r>
-                  <a:rPr lang="it-IT" sz="2400" b="1" smtClean="0">
+                  <a:rPr lang="it-IT" sz="2400" b="1">
                     <a:solidFill>
                       <a:schemeClr val="tx1"/>
                     </a:solidFill>
@@ -15089,7 +17379,7 @@
                   <a:t>X </a:t>
                 </a:r>
                 <a:r>
-                  <a:rPr lang="it-IT" sz="2400" smtClean="0">
+                  <a:rPr lang="it-IT" sz="2400">
                     <a:solidFill>
                       <a:schemeClr val="tx1"/>
                     </a:solidFill>
@@ -15100,7 +17390,7 @@
                   <a:t>si dice semplice; mentre un’ipotesi che ne specifica più di una </a:t>
                 </a:r>
                 <a:r>
-                  <a:rPr lang="it-IT" sz="2400" b="1" smtClean="0">
+                  <a:rPr lang="it-IT" sz="2400" b="1">
                     <a:solidFill>
                       <a:schemeClr val="tx1"/>
                     </a:solidFill>
@@ -15111,7 +17401,7 @@
                   <a:t>X </a:t>
                 </a:r>
                 <a:r>
-                  <a:rPr lang="it-IT" sz="2400" smtClean="0">
+                  <a:rPr lang="it-IT" sz="2400">
                     <a:solidFill>
                       <a:schemeClr val="tx1"/>
                     </a:solidFill>
@@ -15122,7 +17412,7 @@
                   <a:t>si dice invece </a:t>
                 </a:r>
                 <a:r>
-                  <a:rPr lang="it-IT" sz="2400" b="1" smtClean="0">
+                  <a:rPr lang="it-IT" sz="2400" b="1">
                     <a:solidFill>
                       <a:schemeClr val="tx1"/>
                     </a:solidFill>
@@ -15139,7 +17429,7 @@
                   <a:buChar char="ü"/>
                 </a:pPr>
                 <a:r>
-                  <a:rPr lang="it-IT" sz="2400" smtClean="0">
+                  <a:rPr lang="it-IT" sz="2400">
                     <a:solidFill>
                       <a:schemeClr val="tx1"/>
                     </a:solidFill>
@@ -15150,7 +17440,7 @@
                   <a:t>Un test di ipotesi conduce ad una </a:t>
                 </a:r>
                 <a:r>
-                  <a:rPr lang="it-IT" sz="2400" b="1" smtClean="0">
+                  <a:rPr lang="it-IT" sz="2400" b="1">
                     <a:solidFill>
                       <a:schemeClr val="tx1"/>
                     </a:solidFill>
@@ -15161,7 +17451,7 @@
                   <a:t>decisione statistica</a:t>
                 </a:r>
                 <a:r>
-                  <a:rPr lang="it-IT" sz="2400" smtClean="0">
+                  <a:rPr lang="it-IT" sz="2400">
                     <a:solidFill>
                       <a:schemeClr val="tx1"/>
                     </a:solidFill>
@@ -15172,7 +17462,7 @@
                   <a:t>, la cui conclusione potrà essere di rifiutare l’ipotesi nulla in favore di quella alternativa, o </a:t>
                 </a:r>
                 <a:r>
-                  <a:rPr lang="it-IT" sz="2400" b="1" smtClean="0">
+                  <a:rPr lang="it-IT" sz="2400" b="1">
                     <a:solidFill>
                       <a:schemeClr val="tx1"/>
                     </a:solidFill>
@@ -15183,7 +17473,7 @@
                   <a:t>di non poter rifiutare </a:t>
                 </a:r>
                 <a:r>
-                  <a:rPr lang="it-IT" sz="2400" smtClean="0">
+                  <a:rPr lang="it-IT" sz="2400">
                     <a:solidFill>
                       <a:schemeClr val="tx1"/>
                     </a:solidFill>
@@ -15197,7 +17487,7 @@
             </p:txBody>
           </p:sp>
         </mc:Choice>
-        <mc:Fallback>
+        <mc:Fallback xmlns="">
           <p:sp>
             <p:nvSpPr>
               <p:cNvPr id="2" name="Segnaposto testo 1">
@@ -15270,7 +17560,7 @@
               <a:pPr>
                 <a:defRPr/>
               </a:pPr>
-              <a:t>19</a:t>
+              <a:t>24</a:t>
             </a:fld>
             <a:endParaRPr lang="en-US" dirty="0"/>
           </a:p>
@@ -15303,7 +17593,7 @@
           <a:lstStyle/>
           <a:p>
             <a:r>
-              <a:rPr lang="it-IT" altLang="it-IT" smtClean="0"/>
+              <a:rPr lang="it-IT" altLang="it-IT"/>
               <a:t>Errore di prima specie ed errore di seconda specie</a:t>
             </a:r>
             <a:endParaRPr lang="it-IT" dirty="0"/>
@@ -15323,535 +17613,7 @@
 </p:sld>
 </file>
 
-<file path=ppt/slides/slide2.xml><?xml version="1.0" encoding="utf-8"?>
-<p:sld xmlns:a="http://schemas.openxmlformats.org/drawingml/2006/main" xmlns:r="http://schemas.openxmlformats.org/officeDocument/2006/relationships" xmlns:p="http://schemas.openxmlformats.org/presentationml/2006/main">
-  <p:cSld>
-    <p:bg>
-      <p:bgPr>
-        <a:solidFill>
-          <a:schemeClr val="bg1"/>
-        </a:solidFill>
-        <a:effectLst/>
-      </p:bgPr>
-    </p:bg>
-    <p:spTree>
-      <p:nvGrpSpPr>
-        <p:cNvPr id="1" name=""/>
-        <p:cNvGrpSpPr/>
-        <p:nvPr/>
-      </p:nvGrpSpPr>
-      <p:grpSpPr>
-        <a:xfrm>
-          <a:off x="0" y="0"/>
-          <a:ext cx="0" cy="0"/>
-          <a:chOff x="0" y="0"/>
-          <a:chExt cx="0" cy="0"/>
-        </a:xfrm>
-      </p:grpSpPr>
-      <p:sp>
-        <p:nvSpPr>
-          <p:cNvPr id="2" name="Segnaposto testo 1">
-            <a:extLst>
-              <a:ext uri="{FF2B5EF4-FFF2-40B4-BE49-F238E27FC236}">
-                <a16:creationId xmlns:a16="http://schemas.microsoft.com/office/drawing/2014/main" id="{E5AE986C-196F-4141-A898-FA4C4198CDCC}"/>
-              </a:ext>
-            </a:extLst>
-          </p:cNvPr>
-          <p:cNvSpPr>
-            <a:spLocks noGrp="1"/>
-          </p:cNvSpPr>
-          <p:nvPr>
-            <p:ph type="body" idx="1"/>
-          </p:nvPr>
-        </p:nvSpPr>
-        <p:spPr>
-          <a:xfrm>
-            <a:off x="326297" y="1213806"/>
-            <a:ext cx="7430692" cy="4392612"/>
-          </a:xfrm>
-        </p:spPr>
-        <p:txBody>
-          <a:bodyPr/>
-          <a:lstStyle/>
-          <a:p>
-            <a:pPr marL="342900" indent="-342900" algn="just">
-              <a:buFont typeface="Wingdings" panose="05000000000000000000" pitchFamily="2" charset="2"/>
-              <a:buChar char="ü"/>
-            </a:pPr>
-            <a:r>
-              <a:rPr lang="it-IT" sz="2400" b="1" dirty="0">
-                <a:solidFill>
-                  <a:schemeClr val="tx1"/>
-                </a:solidFill>
-                <a:latin typeface="Tahoma" panose="020B0604030504040204" pitchFamily="34" charset="0"/>
-                <a:ea typeface="Tahoma" panose="020B0604030504040204" pitchFamily="34" charset="0"/>
-                <a:cs typeface="Tahoma" panose="020B0604030504040204" pitchFamily="34" charset="0"/>
-              </a:rPr>
-              <a:t>Definizione di Statistica: </a:t>
-            </a:r>
-            <a:r>
-              <a:rPr lang="it-IT" sz="2400" dirty="0">
-                <a:solidFill>
-                  <a:schemeClr val="tx1"/>
-                </a:solidFill>
-                <a:latin typeface="Tahoma" panose="020B0604030504040204" pitchFamily="34" charset="0"/>
-                <a:ea typeface="Tahoma" panose="020B0604030504040204" pitchFamily="34" charset="0"/>
-                <a:cs typeface="Tahoma" panose="020B0604030504040204" pitchFamily="34" charset="0"/>
-              </a:rPr>
-              <a:t>La </a:t>
-            </a:r>
-            <a:r>
-              <a:rPr lang="it-IT" sz="2400" b="1" dirty="0">
-                <a:solidFill>
-                  <a:schemeClr val="tx1"/>
-                </a:solidFill>
-                <a:latin typeface="Tahoma" panose="020B0604030504040204" pitchFamily="34" charset="0"/>
-                <a:ea typeface="Tahoma" panose="020B0604030504040204" pitchFamily="34" charset="0"/>
-                <a:cs typeface="Tahoma" panose="020B0604030504040204" pitchFamily="34" charset="0"/>
-              </a:rPr>
-              <a:t>statistica </a:t>
-            </a:r>
-            <a:r>
-              <a:rPr lang="it-IT" sz="2400" dirty="0">
-                <a:solidFill>
-                  <a:schemeClr val="tx1"/>
-                </a:solidFill>
-                <a:latin typeface="Tahoma" panose="020B0604030504040204" pitchFamily="34" charset="0"/>
-                <a:ea typeface="Tahoma" panose="020B0604030504040204" pitchFamily="34" charset="0"/>
-                <a:cs typeface="Tahoma" panose="020B0604030504040204" pitchFamily="34" charset="0"/>
-              </a:rPr>
-              <a:t>è una scienza che per oggetto l’acquisizione, l’elaborazione e la valutazione </a:t>
-            </a:r>
-            <a:r>
-              <a:rPr lang="it-IT" sz="2400" b="1" dirty="0">
-                <a:solidFill>
-                  <a:schemeClr val="tx1"/>
-                </a:solidFill>
-                <a:latin typeface="Tahoma" panose="020B0604030504040204" pitchFamily="34" charset="0"/>
-                <a:ea typeface="Tahoma" panose="020B0604030504040204" pitchFamily="34" charset="0"/>
-                <a:cs typeface="Tahoma" panose="020B0604030504040204" pitchFamily="34" charset="0"/>
-              </a:rPr>
-              <a:t>qualitativa</a:t>
-            </a:r>
-            <a:r>
-              <a:rPr lang="it-IT" sz="2400" dirty="0">
-                <a:solidFill>
-                  <a:schemeClr val="tx1"/>
-                </a:solidFill>
-                <a:latin typeface="Tahoma" panose="020B0604030504040204" pitchFamily="34" charset="0"/>
-                <a:ea typeface="Tahoma" panose="020B0604030504040204" pitchFamily="34" charset="0"/>
-                <a:cs typeface="Tahoma" panose="020B0604030504040204" pitchFamily="34" charset="0"/>
-              </a:rPr>
-              <a:t> e </a:t>
-            </a:r>
-            <a:r>
-              <a:rPr lang="it-IT" sz="2400" b="1" dirty="0">
-                <a:solidFill>
-                  <a:schemeClr val="tx1"/>
-                </a:solidFill>
-                <a:latin typeface="Tahoma" panose="020B0604030504040204" pitchFamily="34" charset="0"/>
-                <a:ea typeface="Tahoma" panose="020B0604030504040204" pitchFamily="34" charset="0"/>
-                <a:cs typeface="Tahoma" panose="020B0604030504040204" pitchFamily="34" charset="0"/>
-              </a:rPr>
-              <a:t>quantitativa</a:t>
-            </a:r>
-            <a:r>
-              <a:rPr lang="it-IT" sz="2400" dirty="0">
-                <a:solidFill>
-                  <a:schemeClr val="tx1"/>
-                </a:solidFill>
-                <a:latin typeface="Tahoma" panose="020B0604030504040204" pitchFamily="34" charset="0"/>
-                <a:ea typeface="Tahoma" panose="020B0604030504040204" pitchFamily="34" charset="0"/>
-                <a:cs typeface="Tahoma" panose="020B0604030504040204" pitchFamily="34" charset="0"/>
-              </a:rPr>
-              <a:t> dei dati riguardanti fenomeni di massa suscettibili alla misurazione. Nell’ambito della </a:t>
-            </a:r>
-            <a:r>
-              <a:rPr lang="it-IT" sz="2400" b="1" dirty="0">
-                <a:solidFill>
-                  <a:schemeClr val="tx1"/>
-                </a:solidFill>
-                <a:latin typeface="Tahoma" panose="020B0604030504040204" pitchFamily="34" charset="0"/>
-                <a:ea typeface="Tahoma" panose="020B0604030504040204" pitchFamily="34" charset="0"/>
-                <a:cs typeface="Tahoma" panose="020B0604030504040204" pitchFamily="34" charset="0"/>
-              </a:rPr>
-              <a:t>statistica </a:t>
-            </a:r>
-            <a:r>
-              <a:rPr lang="it-IT" sz="2400" dirty="0">
-                <a:solidFill>
-                  <a:schemeClr val="tx1"/>
-                </a:solidFill>
-                <a:latin typeface="Tahoma" panose="020B0604030504040204" pitchFamily="34" charset="0"/>
-                <a:ea typeface="Tahoma" panose="020B0604030504040204" pitchFamily="34" charset="0"/>
-                <a:cs typeface="Tahoma" panose="020B0604030504040204" pitchFamily="34" charset="0"/>
-              </a:rPr>
-              <a:t>si distinguono due settori: la </a:t>
-            </a:r>
-            <a:r>
-              <a:rPr lang="it-IT" sz="2400" b="1" dirty="0">
-                <a:solidFill>
-                  <a:schemeClr val="tx1"/>
-                </a:solidFill>
-                <a:latin typeface="Tahoma" panose="020B0604030504040204" pitchFamily="34" charset="0"/>
-                <a:ea typeface="Tahoma" panose="020B0604030504040204" pitchFamily="34" charset="0"/>
-                <a:cs typeface="Tahoma" panose="020B0604030504040204" pitchFamily="34" charset="0"/>
-              </a:rPr>
-              <a:t>statistica</a:t>
-            </a:r>
-            <a:r>
-              <a:rPr lang="it-IT" sz="2400" dirty="0">
-                <a:solidFill>
-                  <a:schemeClr val="tx1"/>
-                </a:solidFill>
-                <a:latin typeface="Tahoma" panose="020B0604030504040204" pitchFamily="34" charset="0"/>
-                <a:ea typeface="Tahoma" panose="020B0604030504040204" pitchFamily="34" charset="0"/>
-                <a:cs typeface="Tahoma" panose="020B0604030504040204" pitchFamily="34" charset="0"/>
-              </a:rPr>
-              <a:t> </a:t>
-            </a:r>
-            <a:r>
-              <a:rPr lang="it-IT" sz="2400" b="1" dirty="0">
-                <a:solidFill>
-                  <a:schemeClr val="tx1"/>
-                </a:solidFill>
-                <a:latin typeface="Tahoma" panose="020B0604030504040204" pitchFamily="34" charset="0"/>
-                <a:ea typeface="Tahoma" panose="020B0604030504040204" pitchFamily="34" charset="0"/>
-                <a:cs typeface="Tahoma" panose="020B0604030504040204" pitchFamily="34" charset="0"/>
-              </a:rPr>
-              <a:t>descrittiva</a:t>
-            </a:r>
-            <a:r>
-              <a:rPr lang="it-IT" sz="2400" dirty="0">
-                <a:solidFill>
-                  <a:schemeClr val="tx1"/>
-                </a:solidFill>
-                <a:latin typeface="Tahoma" panose="020B0604030504040204" pitchFamily="34" charset="0"/>
-                <a:ea typeface="Tahoma" panose="020B0604030504040204" pitchFamily="34" charset="0"/>
-                <a:cs typeface="Tahoma" panose="020B0604030504040204" pitchFamily="34" charset="0"/>
-              </a:rPr>
-              <a:t> e la </a:t>
-            </a:r>
-            <a:r>
-              <a:rPr lang="it-IT" sz="2400" b="1" dirty="0">
-                <a:solidFill>
-                  <a:schemeClr val="tx1"/>
-                </a:solidFill>
-                <a:latin typeface="Tahoma" panose="020B0604030504040204" pitchFamily="34" charset="0"/>
-                <a:ea typeface="Tahoma" panose="020B0604030504040204" pitchFamily="34" charset="0"/>
-                <a:cs typeface="Tahoma" panose="020B0604030504040204" pitchFamily="34" charset="0"/>
-              </a:rPr>
-              <a:t>statistica</a:t>
-            </a:r>
-            <a:r>
-              <a:rPr lang="it-IT" sz="2400" dirty="0">
-                <a:solidFill>
-                  <a:schemeClr val="tx1"/>
-                </a:solidFill>
-                <a:latin typeface="Tahoma" panose="020B0604030504040204" pitchFamily="34" charset="0"/>
-                <a:ea typeface="Tahoma" panose="020B0604030504040204" pitchFamily="34" charset="0"/>
-                <a:cs typeface="Tahoma" panose="020B0604030504040204" pitchFamily="34" charset="0"/>
-              </a:rPr>
-              <a:t> </a:t>
-            </a:r>
-            <a:r>
-              <a:rPr lang="it-IT" sz="2400" b="1" dirty="0">
-                <a:solidFill>
-                  <a:schemeClr val="tx1"/>
-                </a:solidFill>
-                <a:latin typeface="Tahoma" panose="020B0604030504040204" pitchFamily="34" charset="0"/>
-                <a:ea typeface="Tahoma" panose="020B0604030504040204" pitchFamily="34" charset="0"/>
-                <a:cs typeface="Tahoma" panose="020B0604030504040204" pitchFamily="34" charset="0"/>
-              </a:rPr>
-              <a:t>inferenziale</a:t>
-            </a:r>
-            <a:r>
-              <a:rPr lang="it-IT" sz="2400" dirty="0">
-                <a:solidFill>
-                  <a:schemeClr val="tx1"/>
-                </a:solidFill>
-                <a:latin typeface="Tahoma" panose="020B0604030504040204" pitchFamily="34" charset="0"/>
-                <a:ea typeface="Tahoma" panose="020B0604030504040204" pitchFamily="34" charset="0"/>
-                <a:cs typeface="Tahoma" panose="020B0604030504040204" pitchFamily="34" charset="0"/>
-              </a:rPr>
-              <a:t> (o induttiva</a:t>
-            </a:r>
-            <a:r>
-              <a:rPr lang="it-IT" sz="2400">
-                <a:solidFill>
-                  <a:schemeClr val="tx1"/>
-                </a:solidFill>
-                <a:latin typeface="Tahoma" panose="020B0604030504040204" pitchFamily="34" charset="0"/>
-                <a:ea typeface="Tahoma" panose="020B0604030504040204" pitchFamily="34" charset="0"/>
-                <a:cs typeface="Tahoma" panose="020B0604030504040204" pitchFamily="34" charset="0"/>
-              </a:rPr>
-              <a:t>).   </a:t>
-            </a:r>
-          </a:p>
-          <a:p>
-            <a:pPr marL="342900" indent="-342900" algn="just">
-              <a:buFont typeface="Wingdings" panose="05000000000000000000" pitchFamily="2" charset="2"/>
-              <a:buChar char="ü"/>
-            </a:pPr>
-            <a:r>
-              <a:rPr lang="it-IT" sz="2400">
-                <a:solidFill>
-                  <a:schemeClr val="tx1"/>
-                </a:solidFill>
-                <a:latin typeface="Tahoma" panose="020B0604030504040204" pitchFamily="34" charset="0"/>
-                <a:ea typeface="Tahoma" panose="020B0604030504040204" pitchFamily="34" charset="0"/>
-                <a:cs typeface="Tahoma" panose="020B0604030504040204" pitchFamily="34" charset="0"/>
-              </a:rPr>
-              <a:t>Il </a:t>
-            </a:r>
-            <a:r>
-              <a:rPr lang="it-IT" sz="2400" b="1">
-                <a:solidFill>
-                  <a:schemeClr val="tx1"/>
-                </a:solidFill>
-                <a:latin typeface="Tahoma" panose="020B0604030504040204" pitchFamily="34" charset="0"/>
-                <a:ea typeface="Tahoma" panose="020B0604030504040204" pitchFamily="34" charset="0"/>
-                <a:cs typeface="Tahoma" panose="020B0604030504040204" pitchFamily="34" charset="0"/>
-              </a:rPr>
-              <a:t>collettivo</a:t>
-            </a:r>
-            <a:r>
-              <a:rPr lang="it-IT" sz="2400">
-                <a:solidFill>
-                  <a:schemeClr val="tx1"/>
-                </a:solidFill>
-                <a:latin typeface="Tahoma" panose="020B0604030504040204" pitchFamily="34" charset="0"/>
-                <a:ea typeface="Tahoma" panose="020B0604030504040204" pitchFamily="34" charset="0"/>
-                <a:cs typeface="Tahoma" panose="020B0604030504040204" pitchFamily="34" charset="0"/>
-              </a:rPr>
-              <a:t> </a:t>
-            </a:r>
-            <a:r>
-              <a:rPr lang="it-IT" sz="2400" b="1">
-                <a:solidFill>
-                  <a:schemeClr val="tx1"/>
-                </a:solidFill>
-                <a:latin typeface="Tahoma" panose="020B0604030504040204" pitchFamily="34" charset="0"/>
-                <a:ea typeface="Tahoma" panose="020B0604030504040204" pitchFamily="34" charset="0"/>
-                <a:cs typeface="Tahoma" panose="020B0604030504040204" pitchFamily="34" charset="0"/>
-              </a:rPr>
-              <a:t>statistico</a:t>
-            </a:r>
-            <a:r>
-              <a:rPr lang="it-IT" sz="2400">
-                <a:solidFill>
-                  <a:schemeClr val="tx1"/>
-                </a:solidFill>
-                <a:latin typeface="Tahoma" panose="020B0604030504040204" pitchFamily="34" charset="0"/>
-                <a:ea typeface="Tahoma" panose="020B0604030504040204" pitchFamily="34" charset="0"/>
-                <a:cs typeface="Tahoma" panose="020B0604030504040204" pitchFamily="34" charset="0"/>
-              </a:rPr>
-              <a:t> o </a:t>
-            </a:r>
-            <a:r>
-              <a:rPr lang="it-IT" sz="2400" b="1">
-                <a:solidFill>
-                  <a:schemeClr val="tx1"/>
-                </a:solidFill>
-                <a:latin typeface="Tahoma" panose="020B0604030504040204" pitchFamily="34" charset="0"/>
-                <a:ea typeface="Tahoma" panose="020B0604030504040204" pitchFamily="34" charset="0"/>
-                <a:cs typeface="Tahoma" panose="020B0604030504040204" pitchFamily="34" charset="0"/>
-              </a:rPr>
-              <a:t>collettività</a:t>
-            </a:r>
-            <a:r>
-              <a:rPr lang="it-IT" sz="2400">
-                <a:solidFill>
-                  <a:schemeClr val="tx1"/>
-                </a:solidFill>
-                <a:latin typeface="Tahoma" panose="020B0604030504040204" pitchFamily="34" charset="0"/>
-                <a:ea typeface="Tahoma" panose="020B0604030504040204" pitchFamily="34" charset="0"/>
-                <a:cs typeface="Tahoma" panose="020B0604030504040204" pitchFamily="34" charset="0"/>
-              </a:rPr>
-              <a:t> o </a:t>
-            </a:r>
-            <a:r>
-              <a:rPr lang="it-IT" sz="2400" b="1">
-                <a:solidFill>
-                  <a:schemeClr val="tx1"/>
-                </a:solidFill>
-                <a:latin typeface="Tahoma" panose="020B0604030504040204" pitchFamily="34" charset="0"/>
-                <a:ea typeface="Tahoma" panose="020B0604030504040204" pitchFamily="34" charset="0"/>
-                <a:cs typeface="Tahoma" panose="020B0604030504040204" pitchFamily="34" charset="0"/>
-              </a:rPr>
-              <a:t>popolazione</a:t>
-            </a:r>
-            <a:r>
-              <a:rPr lang="it-IT" sz="2400">
-                <a:solidFill>
-                  <a:schemeClr val="tx1"/>
-                </a:solidFill>
-                <a:latin typeface="Tahoma" panose="020B0604030504040204" pitchFamily="34" charset="0"/>
-                <a:ea typeface="Tahoma" panose="020B0604030504040204" pitchFamily="34" charset="0"/>
-                <a:cs typeface="Tahoma" panose="020B0604030504040204" pitchFamily="34" charset="0"/>
-              </a:rPr>
-              <a:t> </a:t>
-            </a:r>
-            <a:r>
-              <a:rPr lang="it-IT" sz="2400" b="1">
-                <a:solidFill>
-                  <a:schemeClr val="tx1"/>
-                </a:solidFill>
-                <a:latin typeface="Tahoma" panose="020B0604030504040204" pitchFamily="34" charset="0"/>
-                <a:ea typeface="Tahoma" panose="020B0604030504040204" pitchFamily="34" charset="0"/>
-                <a:cs typeface="Tahoma" panose="020B0604030504040204" pitchFamily="34" charset="0"/>
-              </a:rPr>
-              <a:t>statistica </a:t>
-            </a:r>
-            <a:r>
-              <a:rPr lang="it-IT" sz="2400">
-                <a:solidFill>
-                  <a:schemeClr val="tx1"/>
-                </a:solidFill>
-                <a:latin typeface="Tahoma" panose="020B0604030504040204" pitchFamily="34" charset="0"/>
-                <a:ea typeface="Tahoma" panose="020B0604030504040204" pitchFamily="34" charset="0"/>
-                <a:cs typeface="Tahoma" panose="020B0604030504040204" pitchFamily="34" charset="0"/>
-              </a:rPr>
-              <a:t>rappresenta l'insieme di unità statistiche omogenee rispetto ad alcuni caratteri di cui si acquisiscono informazioni per studiarne le modalità; non è necessariamente riferito a esseri umani. </a:t>
-            </a:r>
-            <a:endParaRPr lang="en-US" sz="2400">
-              <a:solidFill>
-                <a:schemeClr val="tx1"/>
-              </a:solidFill>
-              <a:latin typeface="Tahoma" panose="020B0604030504040204" pitchFamily="34" charset="0"/>
-              <a:ea typeface="Tahoma" panose="020B0604030504040204" pitchFamily="34" charset="0"/>
-              <a:cs typeface="Tahoma" panose="020B0604030504040204" pitchFamily="34" charset="0"/>
-            </a:endParaRPr>
-          </a:p>
-          <a:p>
-            <a:pPr marL="342900" indent="-342900" algn="just">
-              <a:buFont typeface="Wingdings" panose="05000000000000000000" pitchFamily="2" charset="2"/>
-              <a:buChar char="ü"/>
-            </a:pPr>
-            <a:endParaRPr lang="it-IT" sz="2400" dirty="0">
-              <a:solidFill>
-                <a:schemeClr val="tx1"/>
-              </a:solidFill>
-              <a:latin typeface="Tahoma" panose="020B0604030504040204" pitchFamily="34" charset="0"/>
-              <a:ea typeface="Tahoma" panose="020B0604030504040204" pitchFamily="34" charset="0"/>
-              <a:cs typeface="Tahoma" panose="020B0604030504040204" pitchFamily="34" charset="0"/>
-            </a:endParaRPr>
-          </a:p>
-        </p:txBody>
-      </p:sp>
-      <p:sp>
-        <p:nvSpPr>
-          <p:cNvPr id="7" name="Segnaposto numero diapositiva 6">
-            <a:extLst>
-              <a:ext uri="{FF2B5EF4-FFF2-40B4-BE49-F238E27FC236}">
-                <a16:creationId xmlns:a16="http://schemas.microsoft.com/office/drawing/2014/main" id="{AB740BE9-E218-4144-BFDE-AE473D230A3D}"/>
-              </a:ext>
-            </a:extLst>
-          </p:cNvPr>
-          <p:cNvSpPr>
-            <a:spLocks noGrp="1"/>
-          </p:cNvSpPr>
-          <p:nvPr>
-            <p:ph type="sldNum" sz="quarter" idx="12"/>
-          </p:nvPr>
-        </p:nvSpPr>
-        <p:spPr/>
-        <p:txBody>
-          <a:bodyPr/>
-          <a:lstStyle/>
-          <a:p>
-            <a:pPr>
-              <a:defRPr/>
-            </a:pPr>
-            <a:fld id="{48B4153A-D4C5-4CEF-8992-0D8815C829E3}" type="slidenum">
-              <a:rPr lang="en-US" smtClean="0"/>
-              <a:pPr>
-                <a:defRPr/>
-              </a:pPr>
-              <a:t>2</a:t>
-            </a:fld>
-            <a:endParaRPr lang="en-US" dirty="0"/>
-          </a:p>
-        </p:txBody>
-      </p:sp>
-      <p:sp>
-        <p:nvSpPr>
-          <p:cNvPr id="5" name="Titolo 4">
-            <a:extLst>
-              <a:ext uri="{FF2B5EF4-FFF2-40B4-BE49-F238E27FC236}">
-                <a16:creationId xmlns:a16="http://schemas.microsoft.com/office/drawing/2014/main" id="{82C46BA2-B380-4357-B125-BA9F08A643F5}"/>
-              </a:ext>
-            </a:extLst>
-          </p:cNvPr>
-          <p:cNvSpPr>
-            <a:spLocks noGrp="1"/>
-          </p:cNvSpPr>
-          <p:nvPr>
-            <p:ph type="title"/>
-          </p:nvPr>
-        </p:nvSpPr>
-        <p:spPr>
-          <a:xfrm>
-            <a:off x="468895" y="503475"/>
-            <a:ext cx="11269308" cy="384721"/>
-          </a:xfrm>
-        </p:spPr>
-        <p:txBody>
-          <a:bodyPr/>
-          <a:lstStyle/>
-          <a:p>
-            <a:r>
-              <a:rPr lang="it-IT" altLang="it-IT" dirty="0"/>
-              <a:t>Campo di analisi della statistica</a:t>
-            </a:r>
-            <a:endParaRPr lang="it-IT" dirty="0"/>
-          </a:p>
-        </p:txBody>
-      </p:sp>
-      <p:pic>
-        <p:nvPicPr>
-          <p:cNvPr id="6" name="Immagine 5">
-            <a:extLst>
-              <a:ext uri="{FF2B5EF4-FFF2-40B4-BE49-F238E27FC236}">
-                <a16:creationId xmlns:a16="http://schemas.microsoft.com/office/drawing/2014/main" id="{D87F81CC-5CF8-9286-76BF-B13E4F96ED9E}"/>
-              </a:ext>
-            </a:extLst>
-          </p:cNvPr>
-          <p:cNvPicPr>
-            <a:picLocks noChangeAspect="1"/>
-          </p:cNvPicPr>
-          <p:nvPr/>
-        </p:nvPicPr>
-        <p:blipFill>
-          <a:blip r:embed="rId3"/>
-          <a:stretch>
-            <a:fillRect/>
-          </a:stretch>
-        </p:blipFill>
-        <p:spPr>
-          <a:xfrm>
-            <a:off x="8171734" y="1913187"/>
-            <a:ext cx="3460197" cy="3460197"/>
-          </a:xfrm>
-          <a:prstGeom prst="rect">
-            <a:avLst/>
-          </a:prstGeom>
-        </p:spPr>
-      </p:pic>
-    </p:spTree>
-    <p:extLst>
-      <p:ext uri="{BB962C8B-B14F-4D97-AF65-F5344CB8AC3E}">
-        <p14:creationId xmlns:p14="http://schemas.microsoft.com/office/powerpoint/2010/main" val="140204630"/>
-      </p:ext>
-    </p:extLst>
-  </p:cSld>
-  <p:clrMapOvr>
-    <a:overrideClrMapping bg1="lt1" tx1="dk1" bg2="lt2" tx2="dk2" accent1="accent1" accent2="accent2" accent3="accent3" accent4="accent4" accent5="accent5" accent6="accent6" hlink="hlink" folHlink="folHlink"/>
-  </p:clrMapOvr>
-</p:sld>
-</file>
-
-<file path=ppt/slides/slide20.xml><?xml version="1.0" encoding="utf-8"?>
+<file path=ppt/slides/slide25.xml><?xml version="1.0" encoding="utf-8"?>
 <p:sld xmlns:a="http://schemas.openxmlformats.org/drawingml/2006/main" xmlns:r="http://schemas.openxmlformats.org/officeDocument/2006/relationships" xmlns:p="http://schemas.openxmlformats.org/presentationml/2006/main">
   <p:cSld>
     <p:spTree>
@@ -15868,8 +17630,8 @@
           <a:chExt cx="0" cy="0"/>
         </a:xfrm>
       </p:grpSpPr>
-      <mc:AlternateContent xmlns:mc="http://schemas.openxmlformats.org/markup-compatibility/2006">
-        <mc:Choice xmlns:a14="http://schemas.microsoft.com/office/drawing/2010/main" Requires="a14">
+      <mc:AlternateContent xmlns:mc="http://schemas.openxmlformats.org/markup-compatibility/2006" xmlns:a14="http://schemas.microsoft.com/office/drawing/2010/main">
+        <mc:Choice Requires="a14">
           <p:sp>
             <p:nvSpPr>
               <p:cNvPr id="2" name="Segnaposto testo 1">
@@ -15901,7 +17663,7 @@
                   <a:buChar char="ü"/>
                 </a:pPr>
                 <a:r>
-                  <a:rPr lang="it-IT" sz="2400" smtClean="0">
+                  <a:rPr lang="it-IT" sz="2400">
                     <a:solidFill>
                       <a:schemeClr val="tx1"/>
                     </a:solidFill>
@@ -15912,7 +17674,7 @@
                   <a:t>La decisione che prendiamo è basata sui dati di cui disponiamo </a:t>
                 </a:r>
                 <a:r>
-                  <a:rPr lang="it-IT" sz="2400" b="1" smtClean="0">
+                  <a:rPr lang="it-IT" sz="2400" b="1">
                     <a:solidFill>
                       <a:schemeClr val="tx1"/>
                     </a:solidFill>
@@ -15929,7 +17691,7 @@
                   <a:buChar char="ü"/>
                 </a:pPr>
                 <a:r>
-                  <a:rPr lang="it-IT" sz="2400" smtClean="0">
+                  <a:rPr lang="it-IT" sz="2400">
                     <a:solidFill>
                       <a:schemeClr val="tx1"/>
                     </a:solidFill>
@@ -15940,7 +17702,7 @@
                   <a:t>Pertanto dobbiamo trovare un </a:t>
                 </a:r>
                 <a:r>
-                  <a:rPr lang="it-IT" sz="2400" b="1" smtClean="0">
+                  <a:rPr lang="it-IT" sz="2400" b="1">
                     <a:solidFill>
                       <a:schemeClr val="tx1"/>
                     </a:solidFill>
@@ -15951,7 +17713,7 @@
                   <a:t>sottoinsieme </a:t>
                 </a:r>
                 <a:r>
-                  <a:rPr lang="it-IT" sz="2400" b="1" i="1" smtClean="0">
+                  <a:rPr lang="it-IT" sz="2400" b="1" i="1">
                     <a:solidFill>
                       <a:schemeClr val="tx1"/>
                     </a:solidFill>
@@ -15962,7 +17724,7 @@
                   <a:t>R </a:t>
                 </a:r>
                 <a:r>
-                  <a:rPr lang="it-IT" sz="2400" smtClean="0">
+                  <a:rPr lang="it-IT" sz="2400">
                     <a:solidFill>
                       <a:schemeClr val="tx1"/>
                     </a:solidFill>
@@ -15973,7 +17735,7 @@
                   <a:t>dello spazio campionario </a:t>
                 </a:r>
                 <a:r>
-                  <a:rPr lang="it-IT" sz="2400" b="1" smtClean="0">
+                  <a:rPr lang="it-IT" sz="2400" b="1">
                     <a:solidFill>
                       <a:schemeClr val="tx1"/>
                     </a:solidFill>
@@ -15984,7 +17746,7 @@
                   <a:t>S </a:t>
                 </a:r>
                 <a:r>
-                  <a:rPr lang="it-IT" sz="2400" smtClean="0">
+                  <a:rPr lang="it-IT" sz="2400">
                     <a:solidFill>
                       <a:schemeClr val="tx1"/>
                     </a:solidFill>
@@ -16039,7 +17801,7 @@
                   </m:oMath>
                 </a14:m>
                 <a:r>
-                  <a:rPr lang="it-IT" sz="2400" smtClean="0">
+                  <a:rPr lang="it-IT" sz="2400">
                     <a:solidFill>
                       <a:schemeClr val="tx1"/>
                     </a:solidFill>
@@ -16050,7 +17812,7 @@
                   <a:t> se e solo se </a:t>
                 </a:r>
                 <a:r>
-                  <a:rPr lang="it-IT" sz="2400" b="1" smtClean="0">
+                  <a:rPr lang="it-IT" sz="2400" b="1">
                     <a:solidFill>
                       <a:schemeClr val="tx1"/>
                     </a:solidFill>
@@ -16061,7 +17823,7 @@
                   <a:t>X appartiene a </a:t>
                 </a:r>
                 <a:r>
-                  <a:rPr lang="it-IT" sz="2400" b="1" i="1" smtClean="0">
+                  <a:rPr lang="it-IT" sz="2400" b="1" i="1">
                     <a:solidFill>
                       <a:schemeClr val="tx1"/>
                     </a:solidFill>
@@ -16072,7 +17834,7 @@
                   <a:t>R</a:t>
                 </a:r>
                 <a:r>
-                  <a:rPr lang="it-IT" sz="2400" b="1" smtClean="0">
+                  <a:rPr lang="it-IT" sz="2400" b="1">
                     <a:solidFill>
                       <a:schemeClr val="tx1"/>
                     </a:solidFill>
@@ -16083,7 +17845,7 @@
                   <a:t>. </a:t>
                 </a:r>
                 <a:r>
-                  <a:rPr lang="it-IT" sz="2400" b="1" i="1" smtClean="0">
+                  <a:rPr lang="it-IT" sz="2400" b="1" i="1">
                     <a:solidFill>
                       <a:schemeClr val="tx1"/>
                     </a:solidFill>
@@ -16094,7 +17856,7 @@
                   <a:t>R </a:t>
                 </a:r>
                 <a:r>
-                  <a:rPr lang="it-IT" sz="2400" smtClean="0">
+                  <a:rPr lang="it-IT" sz="2400">
                     <a:solidFill>
                       <a:schemeClr val="tx1"/>
                     </a:solidFill>
@@ -16105,7 +17867,7 @@
                   <a:t>prende il nome di </a:t>
                 </a:r>
                 <a:r>
-                  <a:rPr lang="it-IT" sz="2400" b="1" smtClean="0">
+                  <a:rPr lang="it-IT" sz="2400" b="1">
                     <a:solidFill>
                       <a:schemeClr val="tx1"/>
                     </a:solidFill>
@@ -16116,7 +17878,7 @@
                   <a:t>regione di rifiuto </a:t>
                 </a:r>
                 <a:r>
-                  <a:rPr lang="it-IT" sz="2400" smtClean="0">
+                  <a:rPr lang="it-IT" sz="2400">
                     <a:solidFill>
                       <a:schemeClr val="tx1"/>
                     </a:solidFill>
@@ -16127,7 +17889,7 @@
                   <a:t>o </a:t>
                 </a:r>
                 <a:r>
-                  <a:rPr lang="it-IT" sz="2400" b="1" smtClean="0">
+                  <a:rPr lang="it-IT" sz="2400" b="1">
                     <a:solidFill>
                       <a:schemeClr val="tx1"/>
                     </a:solidFill>
@@ -16144,7 +17906,7 @@
                   <a:buChar char="ü"/>
                 </a:pPr>
                 <a:r>
-                  <a:rPr lang="it-IT" sz="2400" smtClean="0">
+                  <a:rPr lang="it-IT" sz="2400">
                     <a:solidFill>
                       <a:schemeClr val="tx1"/>
                     </a:solidFill>
@@ -16155,7 +17917,7 @@
                   <a:t>Usualmente, la regione critica è definita in funzione di una statistica detta </a:t>
                 </a:r>
                 <a:r>
-                  <a:rPr lang="it-IT" sz="2400" b="1" smtClean="0">
+                  <a:rPr lang="it-IT" sz="2400" b="1">
                     <a:solidFill>
                       <a:schemeClr val="tx1"/>
                     </a:solidFill>
@@ -16166,7 +17928,7 @@
                   <a:t>statistica di test: </a:t>
                 </a:r>
                 <a:r>
-                  <a:rPr lang="it-IT" sz="2400" b="1" i="1" smtClean="0">
+                  <a:rPr lang="it-IT" sz="2400" b="1" i="1">
                     <a:solidFill>
                       <a:schemeClr val="tx1"/>
                     </a:solidFill>
@@ -16183,7 +17945,7 @@
                   <a:buChar char="ü"/>
                 </a:pPr>
                 <a:r>
-                  <a:rPr lang="it-IT" sz="2400" smtClean="0">
+                  <a:rPr lang="it-IT" sz="2400">
                     <a:solidFill>
                       <a:schemeClr val="tx1"/>
                     </a:solidFill>
@@ -16200,7 +17962,7 @@
                   <a:buAutoNum type="arabicPeriod"/>
                 </a:pPr>
                 <a:r>
-                  <a:rPr lang="it-IT" sz="2600" smtClean="0">
+                  <a:rPr lang="it-IT" sz="2600">
                     <a:solidFill>
                       <a:schemeClr val="tx1"/>
                     </a:solidFill>
@@ -16211,7 +17973,7 @@
                   <a:t>Errore di prima specie: </a:t>
                 </a:r>
                 <a:r>
-                  <a:rPr lang="it-IT" sz="2600" b="0" smtClean="0">
+                  <a:rPr lang="it-IT" sz="2600" b="0">
                     <a:solidFill>
                       <a:schemeClr val="tx1"/>
                     </a:solidFill>
@@ -16228,7 +17990,7 @@
                   <a:buAutoNum type="arabicPeriod"/>
                 </a:pPr>
                 <a:r>
-                  <a:rPr lang="it-IT" sz="2600" smtClean="0">
+                  <a:rPr lang="it-IT" sz="2600">
                     <a:solidFill>
                       <a:schemeClr val="tx1"/>
                     </a:solidFill>
@@ -16239,7 +18001,7 @@
                   <a:t>Errore di seconda specie: </a:t>
                 </a:r>
                 <a:r>
-                  <a:rPr lang="it-IT" sz="2600" b="0" smtClean="0">
+                  <a:rPr lang="it-IT" sz="2600" b="0">
                     <a:solidFill>
                       <a:schemeClr val="tx1"/>
                     </a:solidFill>
@@ -16249,7 +18011,7 @@
                   </a:rPr>
                   <a:t>consiste nel non rifiutare l’ipotesi nulla quando è falsa</a:t>
                 </a:r>
-                <a:endParaRPr lang="it-IT" sz="2600" smtClean="0">
+                <a:endParaRPr lang="it-IT" sz="2600">
                   <a:solidFill>
                     <a:schemeClr val="tx1"/>
                   </a:solidFill>
@@ -16261,7 +18023,7 @@
             </p:txBody>
           </p:sp>
         </mc:Choice>
-        <mc:Fallback>
+        <mc:Fallback xmlns="">
           <p:sp>
             <p:nvSpPr>
               <p:cNvPr id="2" name="Segnaposto testo 1">
@@ -16334,7 +18096,7 @@
               <a:pPr>
                 <a:defRPr/>
               </a:pPr>
-              <a:t>20</a:t>
+              <a:t>25</a:t>
             </a:fld>
             <a:endParaRPr lang="en-US" dirty="0"/>
           </a:p>
@@ -16367,7 +18129,7 @@
           <a:lstStyle/>
           <a:p>
             <a:r>
-              <a:rPr lang="it-IT" altLang="it-IT" smtClean="0"/>
+              <a:rPr lang="it-IT" altLang="it-IT"/>
               <a:t>Errore di prima specie ed errore di seconda specie</a:t>
             </a:r>
             <a:endParaRPr lang="it-IT" dirty="0"/>
@@ -16387,7 +18149,7 @@
 </p:sld>
 </file>
 
-<file path=ppt/slides/slide21.xml><?xml version="1.0" encoding="utf-8"?>
+<file path=ppt/slides/slide26.xml><?xml version="1.0" encoding="utf-8"?>
 <p:sld xmlns:a="http://schemas.openxmlformats.org/drawingml/2006/main" xmlns:r="http://schemas.openxmlformats.org/officeDocument/2006/relationships" xmlns:p="http://schemas.openxmlformats.org/presentationml/2006/main">
   <p:cSld>
     <p:spTree>
@@ -16538,7 +18300,7 @@
               <a:pPr>
                 <a:defRPr/>
               </a:pPr>
-              <a:t>21</a:t>
+              <a:t>26</a:t>
             </a:fld>
             <a:endParaRPr lang="en-US" dirty="0"/>
           </a:p>
@@ -16621,7 +18383,7 @@
 </p:sld>
 </file>
 
-<file path=ppt/slides/slide22.xml><?xml version="1.0" encoding="utf-8"?>
+<file path=ppt/slides/slide27.xml><?xml version="1.0" encoding="utf-8"?>
 <p:sld xmlns:a="http://schemas.openxmlformats.org/drawingml/2006/main" xmlns:r="http://schemas.openxmlformats.org/officeDocument/2006/relationships" xmlns:p="http://schemas.openxmlformats.org/presentationml/2006/main">
   <p:cSld>
     <p:spTree>
@@ -17036,7 +18798,7 @@
               <a:pPr>
                 <a:defRPr/>
               </a:pPr>
-              <a:t>22</a:t>
+              <a:t>27</a:t>
             </a:fld>
             <a:endParaRPr lang="en-US" dirty="0"/>
           </a:p>
@@ -17149,7 +18911,7 @@
 </p:sld>
 </file>
 
-<file path=ppt/slides/slide23.xml><?xml version="1.0" encoding="utf-8"?>
+<file path=ppt/slides/slide28.xml><?xml version="1.0" encoding="utf-8"?>
 <p:sld xmlns:a="http://schemas.openxmlformats.org/drawingml/2006/main" xmlns:r="http://schemas.openxmlformats.org/officeDocument/2006/relationships" xmlns:p="http://schemas.openxmlformats.org/presentationml/2006/main">
   <p:cSld>
     <p:spTree>
@@ -17838,7 +19600,7 @@
               <a:pPr>
                 <a:defRPr/>
               </a:pPr>
-              <a:t>23</a:t>
+              <a:t>28</a:t>
             </a:fld>
             <a:endParaRPr lang="en-US" dirty="0"/>
           </a:p>
@@ -17891,7 +19653,7 @@
 </p:sld>
 </file>
 
-<file path=ppt/slides/slide24.xml><?xml version="1.0" encoding="utf-8"?>
+<file path=ppt/slides/slide29.xml><?xml version="1.0" encoding="utf-8"?>
 <p:sld xmlns:a="http://schemas.openxmlformats.org/drawingml/2006/main" xmlns:r="http://schemas.openxmlformats.org/officeDocument/2006/relationships" xmlns:p="http://schemas.openxmlformats.org/presentationml/2006/main">
   <p:cSld>
     <p:spTree>
@@ -17937,7 +19699,7 @@
               <a:pPr>
                 <a:defRPr/>
               </a:pPr>
-              <a:t>24</a:t>
+              <a:t>29</a:t>
             </a:fld>
             <a:endParaRPr lang="en-US" dirty="0"/>
           </a:p>
@@ -19669,188 +21431,164 @@
         </p:nvSpPr>
         <p:spPr>
           <a:xfrm>
-            <a:off x="326299" y="1213806"/>
-            <a:ext cx="8269062" cy="4392612"/>
+            <a:off x="326298" y="1213806"/>
+            <a:ext cx="11269308" cy="4392612"/>
           </a:xfrm>
         </p:spPr>
         <p:txBody>
           <a:bodyPr/>
           <a:lstStyle/>
           <a:p>
-            <a:pPr marL="342900" indent="-342900">
+            <a:pPr marL="342900" indent="-342900" algn="just">
               <a:buFont typeface="Wingdings" panose="05000000000000000000" pitchFamily="2" charset="2"/>
               <a:buChar char="ü"/>
             </a:pPr>
             <a:r>
-              <a:rPr lang="it-IT" sz="2400">
-                <a:solidFill>
-                  <a:schemeClr val="tx1"/>
-                </a:solidFill>
-                <a:latin typeface="Tahoma" panose="020B0604030504040204" pitchFamily="34" charset="0"/>
-                <a:ea typeface="Tahoma" panose="020B0604030504040204" pitchFamily="34" charset="0"/>
-                <a:cs typeface="Tahoma" panose="020B0604030504040204" pitchFamily="34" charset="0"/>
-              </a:rPr>
-              <a:t>Spesso non si hanno le risorse disponibili per effettuare una rilevazione di dati che riguardi l'intera </a:t>
-            </a:r>
-            <a:r>
-              <a:rPr lang="it-IT" sz="2400" b="1">
-                <a:solidFill>
-                  <a:schemeClr val="tx1"/>
-                </a:solidFill>
-                <a:latin typeface="Tahoma" panose="020B0604030504040204" pitchFamily="34" charset="0"/>
-                <a:ea typeface="Tahoma" panose="020B0604030504040204" pitchFamily="34" charset="0"/>
-                <a:cs typeface="Tahoma" panose="020B0604030504040204" pitchFamily="34" charset="0"/>
-              </a:rPr>
-              <a:t>popolazione</a:t>
-            </a:r>
-            <a:r>
-              <a:rPr lang="it-IT" sz="2400">
-                <a:solidFill>
-                  <a:schemeClr val="tx1"/>
-                </a:solidFill>
-                <a:latin typeface="Tahoma" panose="020B0604030504040204" pitchFamily="34" charset="0"/>
-                <a:ea typeface="Tahoma" panose="020B0604030504040204" pitchFamily="34" charset="0"/>
-                <a:cs typeface="Tahoma" panose="020B0604030504040204" pitchFamily="34" charset="0"/>
-              </a:rPr>
-              <a:t> interessata da un fenomeno. Per esempio potrebbe succedere che tale popolazione è </a:t>
-            </a:r>
-            <a:r>
-              <a:rPr lang="it-IT" sz="2400" b="1">
-                <a:solidFill>
-                  <a:schemeClr val="tx1"/>
-                </a:solidFill>
-                <a:latin typeface="Tahoma" panose="020B0604030504040204" pitchFamily="34" charset="0"/>
-                <a:ea typeface="Tahoma" panose="020B0604030504040204" pitchFamily="34" charset="0"/>
-                <a:cs typeface="Tahoma" panose="020B0604030504040204" pitchFamily="34" charset="0"/>
-              </a:rPr>
-              <a:t>infinita, </a:t>
-            </a:r>
-            <a:r>
-              <a:rPr lang="it-IT" sz="2400">
-                <a:solidFill>
-                  <a:schemeClr val="tx1"/>
-                </a:solidFill>
-                <a:latin typeface="Tahoma" panose="020B0604030504040204" pitchFamily="34" charset="0"/>
-                <a:ea typeface="Tahoma" panose="020B0604030504040204" pitchFamily="34" charset="0"/>
-                <a:cs typeface="Tahoma" panose="020B0604030504040204" pitchFamily="34" charset="0"/>
-              </a:rPr>
-              <a:t>ed una rilevazione completa (esaustiva) risulta impossibile. </a:t>
+              <a:rPr lang="en-US" sz="2400" b="1">
+                <a:solidFill>
+                  <a:schemeClr val="tx1"/>
+                </a:solidFill>
+                <a:latin typeface="Tahoma" panose="020B0604030504040204" pitchFamily="34" charset="0"/>
+                <a:ea typeface="Tahoma" panose="020B0604030504040204" pitchFamily="34" charset="0"/>
+                <a:cs typeface="Tahoma" panose="020B0604030504040204" pitchFamily="34" charset="0"/>
+              </a:rPr>
+              <a:t>Un'indagine statistica </a:t>
+            </a:r>
+            <a:r>
+              <a:rPr lang="en-US" sz="2400">
+                <a:solidFill>
+                  <a:schemeClr val="tx1"/>
+                </a:solidFill>
+                <a:latin typeface="Tahoma" panose="020B0604030504040204" pitchFamily="34" charset="0"/>
+                <a:ea typeface="Tahoma" panose="020B0604030504040204" pitchFamily="34" charset="0"/>
+                <a:cs typeface="Tahoma" panose="020B0604030504040204" pitchFamily="34" charset="0"/>
+              </a:rPr>
+              <a:t>è un'operazione condotta, mediante l'osservazione, su elementi indefiniti di un determinato collettivo, con l'obiettivo di distinguerli e classificarli secondo le modalità di uno o più caratteri. </a:t>
             </a:r>
           </a:p>
           <a:p>
-            <a:pPr marL="342900" indent="-342900">
+            <a:pPr marL="342900" indent="-342900" algn="just">
               <a:buFont typeface="Wingdings" panose="05000000000000000000" pitchFamily="2" charset="2"/>
               <a:buChar char="ü"/>
             </a:pPr>
             <a:r>
-              <a:rPr lang="it-IT" sz="2400">
-                <a:solidFill>
-                  <a:schemeClr val="tx1"/>
-                </a:solidFill>
-                <a:latin typeface="Tahoma" panose="020B0604030504040204" pitchFamily="34" charset="0"/>
-                <a:ea typeface="Tahoma" panose="020B0604030504040204" pitchFamily="34" charset="0"/>
-                <a:cs typeface="Tahoma" panose="020B0604030504040204" pitchFamily="34" charset="0"/>
-              </a:rPr>
-              <a:t>In questi casi si procede ad una </a:t>
-            </a:r>
-            <a:r>
-              <a:rPr lang="it-IT" sz="2400" b="1">
-                <a:solidFill>
-                  <a:schemeClr val="tx1"/>
-                </a:solidFill>
-                <a:latin typeface="Tahoma" panose="020B0604030504040204" pitchFamily="34" charset="0"/>
-                <a:ea typeface="Tahoma" panose="020B0604030504040204" pitchFamily="34" charset="0"/>
-                <a:cs typeface="Tahoma" panose="020B0604030504040204" pitchFamily="34" charset="0"/>
-              </a:rPr>
-              <a:t>rilevazione di dati per campione. </a:t>
-            </a:r>
-            <a:endParaRPr lang="it-IT" sz="2400">
-              <a:solidFill>
-                <a:schemeClr val="tx1"/>
-              </a:solidFill>
-              <a:latin typeface="Tahoma" panose="020B0604030504040204" pitchFamily="34" charset="0"/>
-              <a:ea typeface="Tahoma" panose="020B0604030504040204" pitchFamily="34" charset="0"/>
-              <a:cs typeface="Tahoma" panose="020B0604030504040204" pitchFamily="34" charset="0"/>
-            </a:endParaRPr>
+              <a:rPr lang="en-US" sz="2400" b="1">
+                <a:solidFill>
+                  <a:schemeClr val="tx1"/>
+                </a:solidFill>
+                <a:latin typeface="Tahoma" panose="020B0604030504040204" pitchFamily="34" charset="0"/>
+                <a:ea typeface="Tahoma" panose="020B0604030504040204" pitchFamily="34" charset="0"/>
+                <a:cs typeface="Tahoma" panose="020B0604030504040204" pitchFamily="34" charset="0"/>
+              </a:rPr>
+              <a:t>Un'unità statistica </a:t>
+            </a:r>
+            <a:r>
+              <a:rPr lang="en-US" sz="2400">
+                <a:solidFill>
+                  <a:schemeClr val="tx1"/>
+                </a:solidFill>
+                <a:latin typeface="Tahoma" panose="020B0604030504040204" pitchFamily="34" charset="0"/>
+                <a:ea typeface="Tahoma" panose="020B0604030504040204" pitchFamily="34" charset="0"/>
+                <a:cs typeface="Tahoma" panose="020B0604030504040204" pitchFamily="34" charset="0"/>
+              </a:rPr>
+              <a:t>è la componente elementare del collettivo, è su di essa che si acquisiscono le informazioni. Le unità statistiche possono essere: </a:t>
+            </a:r>
           </a:p>
           <a:p>
-            <a:pPr marL="342900" indent="-342900">
-              <a:buFont typeface="Wingdings" panose="05000000000000000000" pitchFamily="2" charset="2"/>
-              <a:buChar char="ü"/>
+            <a:pPr marL="1371600" lvl="2" indent="-457200" algn="just">
+              <a:buFont typeface="+mj-lt"/>
+              <a:buAutoNum type="arabicPeriod"/>
             </a:pPr>
             <a:r>
-              <a:rPr lang="it-IT" sz="2400" b="1">
-                <a:solidFill>
-                  <a:schemeClr val="tx1"/>
-                </a:solidFill>
-                <a:latin typeface="Tahoma" panose="020B0604030504040204" pitchFamily="34" charset="0"/>
-                <a:ea typeface="Tahoma" panose="020B0604030504040204" pitchFamily="34" charset="0"/>
-                <a:cs typeface="Tahoma" panose="020B0604030504040204" pitchFamily="34" charset="0"/>
-              </a:rPr>
-              <a:t>Il campione </a:t>
-            </a:r>
-            <a:r>
-              <a:rPr lang="it-IT" sz="2400">
-                <a:solidFill>
-                  <a:schemeClr val="tx1"/>
-                </a:solidFill>
-                <a:latin typeface="Tahoma" panose="020B0604030504040204" pitchFamily="34" charset="0"/>
-                <a:ea typeface="Tahoma" panose="020B0604030504040204" pitchFamily="34" charset="0"/>
-                <a:cs typeface="Tahoma" panose="020B0604030504040204" pitchFamily="34" charset="0"/>
-              </a:rPr>
-              <a:t>è quella parte del collettivo statistico che viene sottoposto ad osservazione. </a:t>
+              <a:rPr lang="en-US" sz="2400" b="1">
+                <a:solidFill>
+                  <a:schemeClr val="tx1"/>
+                </a:solidFill>
+                <a:latin typeface="Tahoma" panose="020B0604030504040204" pitchFamily="34" charset="0"/>
+                <a:ea typeface="Tahoma" panose="020B0604030504040204" pitchFamily="34" charset="0"/>
+                <a:cs typeface="Tahoma" panose="020B0604030504040204" pitchFamily="34" charset="0"/>
+              </a:rPr>
+              <a:t>Unità semplic</a:t>
+            </a:r>
+            <a:r>
+              <a:rPr lang="en-US" sz="2400">
+                <a:solidFill>
+                  <a:schemeClr val="tx1"/>
+                </a:solidFill>
+                <a:latin typeface="Tahoma" panose="020B0604030504040204" pitchFamily="34" charset="0"/>
+                <a:ea typeface="Tahoma" panose="020B0604030504040204" pitchFamily="34" charset="0"/>
+                <a:cs typeface="Tahoma" panose="020B0604030504040204" pitchFamily="34" charset="0"/>
+              </a:rPr>
+              <a:t>e: </a:t>
+            </a:r>
+            <a:r>
+              <a:rPr lang="en-US" sz="2400" b="0">
+                <a:solidFill>
+                  <a:schemeClr val="tx1"/>
+                </a:solidFill>
+                <a:latin typeface="Tahoma" panose="020B0604030504040204" pitchFamily="34" charset="0"/>
+                <a:ea typeface="Tahoma" panose="020B0604030504040204" pitchFamily="34" charset="0"/>
+                <a:cs typeface="Tahoma" panose="020B0604030504040204" pitchFamily="34" charset="0"/>
+              </a:rPr>
+              <a:t>una singola persona o un'abitazione per esempio</a:t>
             </a:r>
           </a:p>
           <a:p>
-            <a:pPr marL="342900" indent="-342900">
-              <a:buFont typeface="Wingdings" panose="05000000000000000000" pitchFamily="2" charset="2"/>
-              <a:buChar char="ü"/>
+            <a:pPr marL="1371600" lvl="2" indent="-457200" algn="just">
+              <a:buFont typeface="+mj-lt"/>
+              <a:buAutoNum type="arabicPeriod"/>
             </a:pPr>
             <a:r>
-              <a:rPr lang="it-IT" sz="2400">
-                <a:solidFill>
-                  <a:schemeClr val="tx1"/>
-                </a:solidFill>
-                <a:latin typeface="Tahoma" panose="020B0604030504040204" pitchFamily="34" charset="0"/>
-                <a:ea typeface="Tahoma" panose="020B0604030504040204" pitchFamily="34" charset="0"/>
-                <a:cs typeface="Tahoma" panose="020B0604030504040204" pitchFamily="34" charset="0"/>
-              </a:rPr>
-              <a:t>L'insieme dei </a:t>
-            </a:r>
-            <a:r>
-              <a:rPr lang="it-IT" sz="2400" b="1">
-                <a:solidFill>
-                  <a:schemeClr val="tx1"/>
-                </a:solidFill>
-                <a:latin typeface="Tahoma" panose="020B0604030504040204" pitchFamily="34" charset="0"/>
-                <a:ea typeface="Tahoma" panose="020B0604030504040204" pitchFamily="34" charset="0"/>
-                <a:cs typeface="Tahoma" panose="020B0604030504040204" pitchFamily="34" charset="0"/>
-              </a:rPr>
-              <a:t>campioni </a:t>
-            </a:r>
-            <a:r>
-              <a:rPr lang="it-IT" sz="2400">
-                <a:solidFill>
-                  <a:schemeClr val="tx1"/>
-                </a:solidFill>
-                <a:latin typeface="Tahoma" panose="020B0604030504040204" pitchFamily="34" charset="0"/>
-                <a:ea typeface="Tahoma" panose="020B0604030504040204" pitchFamily="34" charset="0"/>
-                <a:cs typeface="Tahoma" panose="020B0604030504040204" pitchFamily="34" charset="0"/>
-              </a:rPr>
-              <a:t>di una certa ampiezza che si possono estrarre da un dato collettivo mediante una determinata procedura prende il nome di </a:t>
-            </a:r>
-            <a:r>
-              <a:rPr lang="it-IT" sz="2400" b="1">
-                <a:solidFill>
-                  <a:schemeClr val="tx1"/>
-                </a:solidFill>
-                <a:latin typeface="Tahoma" panose="020B0604030504040204" pitchFamily="34" charset="0"/>
-                <a:ea typeface="Tahoma" panose="020B0604030504040204" pitchFamily="34" charset="0"/>
-                <a:cs typeface="Tahoma" panose="020B0604030504040204" pitchFamily="34" charset="0"/>
-              </a:rPr>
-              <a:t>Universo dei Campioni. </a:t>
-            </a:r>
-            <a:endParaRPr lang="it-IT" sz="2400">
+              <a:rPr lang="en-US" sz="2400">
+                <a:solidFill>
+                  <a:schemeClr val="tx1"/>
+                </a:solidFill>
+                <a:latin typeface="Tahoma" panose="020B0604030504040204" pitchFamily="34" charset="0"/>
+                <a:ea typeface="Tahoma" panose="020B0604030504040204" pitchFamily="34" charset="0"/>
+                <a:cs typeface="Tahoma" panose="020B0604030504040204" pitchFamily="34" charset="0"/>
+              </a:rPr>
+              <a:t>Unità composte: </a:t>
+            </a:r>
+            <a:r>
+              <a:rPr lang="en-US" sz="2400" b="0">
+                <a:solidFill>
+                  <a:schemeClr val="tx1"/>
+                </a:solidFill>
+                <a:latin typeface="Tahoma" panose="020B0604030504040204" pitchFamily="34" charset="0"/>
+                <a:ea typeface="Tahoma" panose="020B0604030504040204" pitchFamily="34" charset="0"/>
+                <a:cs typeface="Tahoma" panose="020B0604030504040204" pitchFamily="34" charset="0"/>
+              </a:rPr>
+              <a:t>sono insiemi di unità semplici, per esempio una famiglia o un edificio. </a:t>
+            </a:r>
+          </a:p>
+          <a:p>
+            <a:pPr marL="1371600" lvl="2" indent="-457200" algn="just">
+              <a:buFont typeface="+mj-lt"/>
+              <a:buAutoNum type="arabicPeriod"/>
+            </a:pPr>
+            <a:r>
+              <a:rPr lang="en-US" sz="2400">
+                <a:solidFill>
+                  <a:schemeClr val="tx1"/>
+                </a:solidFill>
+                <a:latin typeface="Tahoma" panose="020B0604030504040204" pitchFamily="34" charset="0"/>
+                <a:ea typeface="Tahoma" panose="020B0604030504040204" pitchFamily="34" charset="0"/>
+                <a:cs typeface="Tahoma" panose="020B0604030504040204" pitchFamily="34" charset="0"/>
+              </a:rPr>
+              <a:t>Unità complesse: </a:t>
+            </a:r>
+            <a:r>
+              <a:rPr lang="en-US" sz="2400" b="0">
+                <a:solidFill>
+                  <a:schemeClr val="tx1"/>
+                </a:solidFill>
+                <a:latin typeface="Tahoma" panose="020B0604030504040204" pitchFamily="34" charset="0"/>
+                <a:ea typeface="Tahoma" panose="020B0604030504040204" pitchFamily="34" charset="0"/>
+                <a:cs typeface="Tahoma" panose="020B0604030504040204" pitchFamily="34" charset="0"/>
+              </a:rPr>
+              <a:t>che sono insiemi di unità semplice diverse, atte però a caratterizzarle nella loro totalità. Un esempio può essere il processo di produzione di prodotti assemblati, effettuato da un'impresa che si occupa delle singole componenti ma anche del loro montaggio. </a:t>
+            </a:r>
+            <a:endParaRPr lang="en-US" sz="2400">
               <a:solidFill>
                 <a:schemeClr val="tx1"/>
               </a:solidFill>
@@ -19924,46 +21662,16 @@
           <a:p>
             <a:r>
               <a:rPr lang="it-IT" altLang="it-IT"/>
-              <a:t>La Teoria della Stima</a:t>
+              <a:t>Indagine statistica e tabelle</a:t>
             </a:r>
             <a:endParaRPr lang="it-IT" dirty="0"/>
           </a:p>
         </p:txBody>
       </p:sp>
-      <p:pic>
-        <p:nvPicPr>
-          <p:cNvPr id="4" name="Immagine 3">
-            <a:extLst>
-              <a:ext uri="{FF2B5EF4-FFF2-40B4-BE49-F238E27FC236}">
-                <a16:creationId xmlns:a16="http://schemas.microsoft.com/office/drawing/2014/main" id="{70E614EB-7F62-70C9-1FA3-22EB0D2D2429}"/>
-              </a:ext>
-            </a:extLst>
-          </p:cNvPr>
-          <p:cNvPicPr>
-            <a:picLocks noChangeAspect="1"/>
-          </p:cNvPicPr>
-          <p:nvPr/>
-        </p:nvPicPr>
-        <p:blipFill>
-          <a:blip r:embed="rId2"/>
-          <a:stretch>
-            <a:fillRect/>
-          </a:stretch>
-        </p:blipFill>
-        <p:spPr>
-          <a:xfrm>
-            <a:off x="8595361" y="2273798"/>
-            <a:ext cx="3207392" cy="2061895"/>
-          </a:xfrm>
-          <a:prstGeom prst="rect">
-            <a:avLst/>
-          </a:prstGeom>
-        </p:spPr>
-      </p:pic>
     </p:spTree>
     <p:extLst>
       <p:ext uri="{BB962C8B-B14F-4D97-AF65-F5344CB8AC3E}">
-        <p14:creationId xmlns:p14="http://schemas.microsoft.com/office/powerpoint/2010/main" val="4248559389"/>
+        <p14:creationId xmlns:p14="http://schemas.microsoft.com/office/powerpoint/2010/main" val="1371959889"/>
       </p:ext>
     </p:extLst>
   </p:cSld>
@@ -20008,324 +21716,147 @@
         </p:nvSpPr>
         <p:spPr>
           <a:xfrm>
-            <a:off x="326299" y="1213806"/>
-            <a:ext cx="11411904" cy="4392612"/>
+            <a:off x="326298" y="1213806"/>
+            <a:ext cx="11550628" cy="4392612"/>
           </a:xfrm>
         </p:spPr>
         <p:txBody>
           <a:bodyPr/>
           <a:lstStyle/>
           <a:p>
-            <a:pPr marL="342900" indent="-342900">
-              <a:buFont typeface="Wingdings" panose="05000000000000000000" pitchFamily="2" charset="2"/>
-              <a:buChar char="ü"/>
-            </a:pPr>
-            <a:r>
-              <a:rPr lang="it-IT" sz="2400">
-                <a:solidFill>
-                  <a:schemeClr val="tx1"/>
-                </a:solidFill>
-                <a:latin typeface="Tahoma" panose="020B0604030504040204" pitchFamily="34" charset="0"/>
-                <a:ea typeface="Tahoma" panose="020B0604030504040204" pitchFamily="34" charset="0"/>
-                <a:cs typeface="Tahoma" panose="020B0604030504040204" pitchFamily="34" charset="0"/>
-              </a:rPr>
-              <a:t>La </a:t>
-            </a:r>
-            <a:r>
-              <a:rPr lang="it-IT" sz="2400" b="1">
-                <a:solidFill>
-                  <a:schemeClr val="tx1"/>
-                </a:solidFill>
-                <a:latin typeface="Tahoma" panose="020B0604030504040204" pitchFamily="34" charset="0"/>
-                <a:ea typeface="Tahoma" panose="020B0604030504040204" pitchFamily="34" charset="0"/>
-                <a:cs typeface="Tahoma" panose="020B0604030504040204" pitchFamily="34" charset="0"/>
-              </a:rPr>
-              <a:t>numerosità</a:t>
-            </a:r>
-            <a:r>
-              <a:rPr lang="it-IT" sz="2400">
-                <a:solidFill>
-                  <a:schemeClr val="tx1"/>
-                </a:solidFill>
-                <a:latin typeface="Tahoma" panose="020B0604030504040204" pitchFamily="34" charset="0"/>
-                <a:ea typeface="Tahoma" panose="020B0604030504040204" pitchFamily="34" charset="0"/>
-                <a:cs typeface="Tahoma" panose="020B0604030504040204" pitchFamily="34" charset="0"/>
-              </a:rPr>
-              <a:t> (o consistenza) del </a:t>
-            </a:r>
-            <a:r>
-              <a:rPr lang="it-IT" sz="2400" b="1">
-                <a:solidFill>
-                  <a:schemeClr val="tx1"/>
-                </a:solidFill>
-                <a:latin typeface="Tahoma" panose="020B0604030504040204" pitchFamily="34" charset="0"/>
-                <a:ea typeface="Tahoma" panose="020B0604030504040204" pitchFamily="34" charset="0"/>
-                <a:cs typeface="Tahoma" panose="020B0604030504040204" pitchFamily="34" charset="0"/>
-              </a:rPr>
-              <a:t>campione</a:t>
-            </a:r>
-            <a:r>
-              <a:rPr lang="it-IT" sz="2400">
-                <a:solidFill>
-                  <a:schemeClr val="tx1"/>
-                </a:solidFill>
-                <a:latin typeface="Tahoma" panose="020B0604030504040204" pitchFamily="34" charset="0"/>
-                <a:ea typeface="Tahoma" panose="020B0604030504040204" pitchFamily="34" charset="0"/>
-                <a:cs typeface="Tahoma" panose="020B0604030504040204" pitchFamily="34" charset="0"/>
-              </a:rPr>
-              <a:t> </a:t>
-            </a:r>
-            <a:r>
-              <a:rPr lang="it-IT" sz="2400" b="1" i="1">
-                <a:solidFill>
-                  <a:schemeClr val="tx1"/>
-                </a:solidFill>
-                <a:latin typeface="Tahoma" panose="020B0604030504040204" pitchFamily="34" charset="0"/>
-                <a:ea typeface="Tahoma" panose="020B0604030504040204" pitchFamily="34" charset="0"/>
-                <a:cs typeface="Tahoma" panose="020B0604030504040204" pitchFamily="34" charset="0"/>
-              </a:rPr>
-              <a:t>n</a:t>
-            </a:r>
-            <a:r>
-              <a:rPr lang="it-IT" sz="2400">
-                <a:solidFill>
-                  <a:schemeClr val="tx1"/>
-                </a:solidFill>
-                <a:latin typeface="Tahoma" panose="020B0604030504040204" pitchFamily="34" charset="0"/>
-                <a:ea typeface="Tahoma" panose="020B0604030504040204" pitchFamily="34" charset="0"/>
-                <a:cs typeface="Tahoma" panose="020B0604030504040204" pitchFamily="34" charset="0"/>
-              </a:rPr>
-              <a:t> dipende dalla </a:t>
-            </a:r>
-            <a:r>
-              <a:rPr lang="it-IT" sz="2400" b="1">
-                <a:solidFill>
-                  <a:schemeClr val="tx1"/>
-                </a:solidFill>
-                <a:latin typeface="Tahoma" panose="020B0604030504040204" pitchFamily="34" charset="0"/>
-                <a:ea typeface="Tahoma" panose="020B0604030504040204" pitchFamily="34" charset="0"/>
-                <a:cs typeface="Tahoma" panose="020B0604030504040204" pitchFamily="34" charset="0"/>
-              </a:rPr>
-              <a:t>numerosità della popolazione </a:t>
-            </a:r>
-            <a:r>
-              <a:rPr lang="it-IT" sz="2400" b="1" i="1">
-                <a:solidFill>
-                  <a:schemeClr val="tx1"/>
-                </a:solidFill>
-                <a:latin typeface="Tahoma" panose="020B0604030504040204" pitchFamily="34" charset="0"/>
-                <a:ea typeface="Tahoma" panose="020B0604030504040204" pitchFamily="34" charset="0"/>
-                <a:cs typeface="Tahoma" panose="020B0604030504040204" pitchFamily="34" charset="0"/>
-              </a:rPr>
-              <a:t>N</a:t>
-            </a:r>
-            <a:r>
-              <a:rPr lang="it-IT" sz="2400" b="1">
-                <a:solidFill>
-                  <a:schemeClr val="tx1"/>
-                </a:solidFill>
-                <a:latin typeface="Tahoma" panose="020B0604030504040204" pitchFamily="34" charset="0"/>
-                <a:ea typeface="Tahoma" panose="020B0604030504040204" pitchFamily="34" charset="0"/>
-                <a:cs typeface="Tahoma" panose="020B0604030504040204" pitchFamily="34" charset="0"/>
-              </a:rPr>
-              <a:t>.</a:t>
-            </a:r>
-          </a:p>
-          <a:p>
-            <a:pPr marL="342900" indent="-342900">
-              <a:buFont typeface="Wingdings" panose="05000000000000000000" pitchFamily="2" charset="2"/>
-              <a:buChar char="ü"/>
-            </a:pPr>
-            <a:r>
-              <a:rPr lang="it-IT" sz="2400" b="1">
-                <a:solidFill>
-                  <a:schemeClr val="tx1"/>
-                </a:solidFill>
-                <a:latin typeface="Tahoma" panose="020B0604030504040204" pitchFamily="34" charset="0"/>
-                <a:ea typeface="Tahoma" panose="020B0604030504040204" pitchFamily="34" charset="0"/>
-                <a:cs typeface="Tahoma" panose="020B0604030504040204" pitchFamily="34" charset="0"/>
-              </a:rPr>
-              <a:t>L'Inferenza</a:t>
-            </a:r>
-            <a:r>
-              <a:rPr lang="it-IT" sz="2400">
-                <a:solidFill>
-                  <a:schemeClr val="tx1"/>
-                </a:solidFill>
-                <a:latin typeface="Tahoma" panose="020B0604030504040204" pitchFamily="34" charset="0"/>
-                <a:ea typeface="Tahoma" panose="020B0604030504040204" pitchFamily="34" charset="0"/>
-                <a:cs typeface="Tahoma" panose="020B0604030504040204" pitchFamily="34" charset="0"/>
-              </a:rPr>
-              <a:t> </a:t>
-            </a:r>
-            <a:r>
-              <a:rPr lang="it-IT" sz="2400" b="1">
-                <a:solidFill>
-                  <a:schemeClr val="tx1"/>
-                </a:solidFill>
-                <a:latin typeface="Tahoma" panose="020B0604030504040204" pitchFamily="34" charset="0"/>
-                <a:ea typeface="Tahoma" panose="020B0604030504040204" pitchFamily="34" charset="0"/>
-                <a:cs typeface="Tahoma" panose="020B0604030504040204" pitchFamily="34" charset="0"/>
-              </a:rPr>
-              <a:t>Statistica (</a:t>
-            </a:r>
-            <a:r>
-              <a:rPr lang="it-IT" sz="2400">
-                <a:solidFill>
-                  <a:schemeClr val="tx1"/>
-                </a:solidFill>
-                <a:latin typeface="Tahoma" panose="020B0604030504040204" pitchFamily="34" charset="0"/>
-                <a:ea typeface="Tahoma" panose="020B0604030504040204" pitchFamily="34" charset="0"/>
-                <a:cs typeface="Tahoma" panose="020B0604030504040204" pitchFamily="34" charset="0"/>
-              </a:rPr>
-              <a:t>o statistica inferenziale) è quella parte dell'analisi statistica che tenta di derivare dalle informazioni raccolte sul </a:t>
-            </a:r>
-            <a:r>
-              <a:rPr lang="it-IT" sz="2400" b="1">
-                <a:solidFill>
-                  <a:schemeClr val="tx1"/>
-                </a:solidFill>
-                <a:latin typeface="Tahoma" panose="020B0604030504040204" pitchFamily="34" charset="0"/>
-                <a:ea typeface="Tahoma" panose="020B0604030504040204" pitchFamily="34" charset="0"/>
-                <a:cs typeface="Tahoma" panose="020B0604030504040204" pitchFamily="34" charset="0"/>
-              </a:rPr>
-              <a:t>campione</a:t>
-            </a:r>
-            <a:r>
-              <a:rPr lang="it-IT" sz="2400">
-                <a:solidFill>
-                  <a:schemeClr val="tx1"/>
-                </a:solidFill>
-                <a:latin typeface="Tahoma" panose="020B0604030504040204" pitchFamily="34" charset="0"/>
-                <a:ea typeface="Tahoma" panose="020B0604030504040204" pitchFamily="34" charset="0"/>
-                <a:cs typeface="Tahoma" panose="020B0604030504040204" pitchFamily="34" charset="0"/>
-              </a:rPr>
-              <a:t> altre informazioni riguardanti la </a:t>
-            </a:r>
-            <a:r>
-              <a:rPr lang="it-IT" sz="2400" b="1">
-                <a:solidFill>
-                  <a:schemeClr val="tx1"/>
-                </a:solidFill>
-                <a:latin typeface="Tahoma" panose="020B0604030504040204" pitchFamily="34" charset="0"/>
-                <a:ea typeface="Tahoma" panose="020B0604030504040204" pitchFamily="34" charset="0"/>
-                <a:cs typeface="Tahoma" panose="020B0604030504040204" pitchFamily="34" charset="0"/>
-              </a:rPr>
-              <a:t>popolazione, </a:t>
-            </a:r>
-            <a:r>
-              <a:rPr lang="it-IT" sz="2400">
-                <a:solidFill>
-                  <a:schemeClr val="tx1"/>
-                </a:solidFill>
-                <a:latin typeface="Tahoma" panose="020B0604030504040204" pitchFamily="34" charset="0"/>
-                <a:ea typeface="Tahoma" panose="020B0604030504040204" pitchFamily="34" charset="0"/>
-                <a:cs typeface="Tahoma" panose="020B0604030504040204" pitchFamily="34" charset="0"/>
-              </a:rPr>
-              <a:t>in modo da "inferire" quali sono le caratteristiche salienti della popolazione a partire da quelle del campuione. </a:t>
-            </a:r>
-          </a:p>
-          <a:p>
-            <a:pPr marL="342900" indent="-342900">
-              <a:buFont typeface="Wingdings" panose="05000000000000000000" pitchFamily="2" charset="2"/>
-              <a:buChar char="ü"/>
-            </a:pPr>
-            <a:r>
-              <a:rPr lang="it-IT" sz="2400" b="1">
-                <a:solidFill>
-                  <a:schemeClr val="tx1"/>
-                </a:solidFill>
-                <a:latin typeface="Tahoma" panose="020B0604030504040204" pitchFamily="34" charset="0"/>
-                <a:ea typeface="Tahoma" panose="020B0604030504040204" pitchFamily="34" charset="0"/>
-                <a:cs typeface="Tahoma" panose="020B0604030504040204" pitchFamily="34" charset="0"/>
-              </a:rPr>
-              <a:t>Campionamento: </a:t>
-            </a:r>
-            <a:r>
-              <a:rPr lang="it-IT" sz="2400">
-                <a:solidFill>
-                  <a:schemeClr val="tx1"/>
-                </a:solidFill>
-                <a:latin typeface="Tahoma" panose="020B0604030504040204" pitchFamily="34" charset="0"/>
-                <a:ea typeface="Tahoma" panose="020B0604030504040204" pitchFamily="34" charset="0"/>
-                <a:cs typeface="Tahoma" panose="020B0604030504040204" pitchFamily="34" charset="0"/>
-              </a:rPr>
-              <a:t>è il procedimento in base al quale si perviene alla costituzione del campione e alla rilevazione dei dati relativi ad esso. </a:t>
-            </a:r>
-          </a:p>
-          <a:p>
-            <a:pPr marL="342900" indent="-342900">
-              <a:buFont typeface="Wingdings" panose="05000000000000000000" pitchFamily="2" charset="2"/>
-              <a:buChar char="ü"/>
-            </a:pPr>
-            <a:r>
-              <a:rPr lang="it-IT" sz="2400">
-                <a:solidFill>
-                  <a:schemeClr val="tx1"/>
-                </a:solidFill>
-                <a:latin typeface="Tahoma" panose="020B0604030504040204" pitchFamily="34" charset="0"/>
-                <a:ea typeface="Tahoma" panose="020B0604030504040204" pitchFamily="34" charset="0"/>
-                <a:cs typeface="Tahoma" panose="020B0604030504040204" pitchFamily="34" charset="0"/>
-              </a:rPr>
-              <a:t>L'estrazione di un </a:t>
-            </a:r>
-            <a:r>
-              <a:rPr lang="it-IT" sz="2400" b="1">
-                <a:solidFill>
-                  <a:schemeClr val="tx1"/>
-                </a:solidFill>
-                <a:latin typeface="Tahoma" panose="020B0604030504040204" pitchFamily="34" charset="0"/>
-                <a:ea typeface="Tahoma" panose="020B0604030504040204" pitchFamily="34" charset="0"/>
-                <a:cs typeface="Tahoma" panose="020B0604030504040204" pitchFamily="34" charset="0"/>
-              </a:rPr>
-              <a:t>campione </a:t>
-            </a:r>
-            <a:r>
-              <a:rPr lang="it-IT" sz="2400">
-                <a:solidFill>
-                  <a:schemeClr val="tx1"/>
-                </a:solidFill>
-                <a:latin typeface="Tahoma" panose="020B0604030504040204" pitchFamily="34" charset="0"/>
-                <a:ea typeface="Tahoma" panose="020B0604030504040204" pitchFamily="34" charset="0"/>
-                <a:cs typeface="Tahoma" panose="020B0604030504040204" pitchFamily="34" charset="0"/>
-              </a:rPr>
-              <a:t>può avvenire in due modalità: </a:t>
-            </a:r>
-          </a:p>
-          <a:p>
-            <a:pPr marL="971550" lvl="1" indent="-514350">
+            <a:pPr marL="457200" indent="-457200" algn="just">
               <a:buFont typeface="+mj-lt"/>
               <a:buAutoNum type="arabicPeriod"/>
             </a:pPr>
             <a:r>
-              <a:rPr lang="it-IT" sz="2600">
-                <a:solidFill>
-                  <a:schemeClr val="tx1"/>
-                </a:solidFill>
-                <a:latin typeface="Tahoma" panose="020B0604030504040204" pitchFamily="34" charset="0"/>
-                <a:ea typeface="Tahoma" panose="020B0604030504040204" pitchFamily="34" charset="0"/>
-                <a:cs typeface="Tahoma" panose="020B0604030504040204" pitchFamily="34" charset="0"/>
-              </a:rPr>
-              <a:t>con reimmissione</a:t>
+              <a:rPr lang="en-US" sz="2400" b="1">
+                <a:solidFill>
+                  <a:schemeClr val="tx1"/>
+                </a:solidFill>
+                <a:latin typeface="Tahoma" panose="020B0604030504040204" pitchFamily="34" charset="0"/>
+                <a:ea typeface="Tahoma" panose="020B0604030504040204" pitchFamily="34" charset="0"/>
+                <a:cs typeface="Tahoma" panose="020B0604030504040204" pitchFamily="34" charset="0"/>
+              </a:rPr>
+              <a:t>Identificazione del collettivo statistico: </a:t>
+            </a:r>
+            <a:r>
+              <a:rPr lang="en-US" sz="2400">
+                <a:solidFill>
+                  <a:schemeClr val="tx1"/>
+                </a:solidFill>
+                <a:latin typeface="Tahoma" panose="020B0604030504040204" pitchFamily="34" charset="0"/>
+                <a:ea typeface="Tahoma" panose="020B0604030504040204" pitchFamily="34" charset="0"/>
+                <a:cs typeface="Tahoma" panose="020B0604030504040204" pitchFamily="34" charset="0"/>
+              </a:rPr>
+              <a:t>ossia l'operazione di </a:t>
+            </a:r>
+            <a:r>
+              <a:rPr lang="en-US" sz="2400" b="1">
+                <a:solidFill>
+                  <a:schemeClr val="tx1"/>
+                </a:solidFill>
+                <a:latin typeface="Tahoma" panose="020B0604030504040204" pitchFamily="34" charset="0"/>
+                <a:ea typeface="Tahoma" panose="020B0604030504040204" pitchFamily="34" charset="0"/>
+                <a:cs typeface="Tahoma" panose="020B0604030504040204" pitchFamily="34" charset="0"/>
+              </a:rPr>
+              <a:t>Un'indagine statistica </a:t>
+            </a:r>
+            <a:r>
+              <a:rPr lang="en-US" sz="2400">
+                <a:solidFill>
+                  <a:schemeClr val="tx1"/>
+                </a:solidFill>
+                <a:latin typeface="Tahoma" panose="020B0604030504040204" pitchFamily="34" charset="0"/>
+                <a:ea typeface="Tahoma" panose="020B0604030504040204" pitchFamily="34" charset="0"/>
+                <a:cs typeface="Tahoma" panose="020B0604030504040204" pitchFamily="34" charset="0"/>
+              </a:rPr>
+              <a:t>è un'operazione condotta, mediante l'osservazione, su elementi indefiniti di un determinato collettivo, con l'obiettivo di distinguerli e classificarli secondo le modalità di uno o più caratteri. </a:t>
             </a:r>
           </a:p>
           <a:p>
-            <a:pPr marL="971550" lvl="1" indent="-514350">
+            <a:pPr marL="457200" indent="-457200" algn="just">
               <a:buFont typeface="+mj-lt"/>
               <a:buAutoNum type="arabicPeriod"/>
             </a:pPr>
             <a:r>
-              <a:rPr lang="it-IT" sz="2600">
-                <a:solidFill>
-                  <a:schemeClr val="tx1"/>
-                </a:solidFill>
-                <a:latin typeface="Tahoma" panose="020B0604030504040204" pitchFamily="34" charset="0"/>
-                <a:ea typeface="Tahoma" panose="020B0604030504040204" pitchFamily="34" charset="0"/>
-                <a:cs typeface="Tahoma" panose="020B0604030504040204" pitchFamily="34" charset="0"/>
-              </a:rPr>
-              <a:t>senza reimmissione </a:t>
-            </a:r>
-            <a:endParaRPr lang="it-IT" sz="2600" b="1">
+              <a:rPr lang="en-US" sz="2400" b="1">
+                <a:solidFill>
+                  <a:schemeClr val="tx1"/>
+                </a:solidFill>
+                <a:latin typeface="Tahoma" panose="020B0604030504040204" pitchFamily="34" charset="0"/>
+                <a:ea typeface="Tahoma" panose="020B0604030504040204" pitchFamily="34" charset="0"/>
+                <a:cs typeface="Tahoma" panose="020B0604030504040204" pitchFamily="34" charset="0"/>
+              </a:rPr>
+              <a:t>Rilevazione: </a:t>
+            </a:r>
+            <a:r>
+              <a:rPr lang="en-US" sz="2400">
+                <a:solidFill>
+                  <a:schemeClr val="tx1"/>
+                </a:solidFill>
+                <a:latin typeface="Tahoma" panose="020B0604030504040204" pitchFamily="34" charset="0"/>
+                <a:ea typeface="Tahoma" panose="020B0604030504040204" pitchFamily="34" charset="0"/>
+                <a:cs typeface="Tahoma" panose="020B0604030504040204" pitchFamily="34" charset="0"/>
+              </a:rPr>
+              <a:t>che è l'operazione mediante la quale si acquisiscono le modalità di uno o più caratteri del collettivo statistico. Essa può riguardare l'intera popolazione oggetto di osservazione (censimento) o può essere per campione, ossia riguardante un sottoinsieme della popolazione. </a:t>
+            </a:r>
+          </a:p>
+          <a:p>
+            <a:pPr marL="457200" indent="-457200" algn="just">
+              <a:buFont typeface="+mj-lt"/>
+              <a:buAutoNum type="arabicPeriod"/>
+            </a:pPr>
+            <a:r>
+              <a:rPr lang="en-US" sz="2400" b="1">
+                <a:solidFill>
+                  <a:schemeClr val="tx1"/>
+                </a:solidFill>
+                <a:latin typeface="Tahoma" panose="020B0604030504040204" pitchFamily="34" charset="0"/>
+                <a:ea typeface="Tahoma" panose="020B0604030504040204" pitchFamily="34" charset="0"/>
+                <a:cs typeface="Tahoma" panose="020B0604030504040204" pitchFamily="34" charset="0"/>
+              </a:rPr>
+              <a:t>Elaborazione: </a:t>
+            </a:r>
+            <a:r>
+              <a:rPr lang="en-US" sz="2400">
+                <a:solidFill>
+                  <a:schemeClr val="tx1"/>
+                </a:solidFill>
+                <a:latin typeface="Tahoma" panose="020B0604030504040204" pitchFamily="34" charset="0"/>
+                <a:ea typeface="Tahoma" panose="020B0604030504040204" pitchFamily="34" charset="0"/>
+                <a:cs typeface="Tahoma" panose="020B0604030504040204" pitchFamily="34" charset="0"/>
+              </a:rPr>
+              <a:t>che è l'operazione di classificazione (in tabelle e grafici) e sintesi dei dati risultanti dallo spoglio. </a:t>
+            </a:r>
+          </a:p>
+          <a:p>
+            <a:pPr marL="457200" indent="-457200" algn="just">
+              <a:buFont typeface="+mj-lt"/>
+              <a:buAutoNum type="arabicPeriod"/>
+            </a:pPr>
+            <a:r>
+              <a:rPr lang="en-US" sz="2400" b="1">
+                <a:solidFill>
+                  <a:schemeClr val="tx1"/>
+                </a:solidFill>
+                <a:latin typeface="Tahoma" panose="020B0604030504040204" pitchFamily="34" charset="0"/>
+                <a:ea typeface="Tahoma" panose="020B0604030504040204" pitchFamily="34" charset="0"/>
+                <a:cs typeface="Tahoma" panose="020B0604030504040204" pitchFamily="34" charset="0"/>
+              </a:rPr>
+              <a:t>Interpretazione: </a:t>
+            </a:r>
+            <a:r>
+              <a:rPr lang="en-US" sz="2400">
+                <a:solidFill>
+                  <a:schemeClr val="tx1"/>
+                </a:solidFill>
+                <a:latin typeface="Tahoma" panose="020B0604030504040204" pitchFamily="34" charset="0"/>
+                <a:ea typeface="Tahoma" panose="020B0604030504040204" pitchFamily="34" charset="0"/>
+                <a:cs typeface="Tahoma" panose="020B0604030504040204" pitchFamily="34" charset="0"/>
+              </a:rPr>
+              <a:t>la quale, sulla base delle conoscenze in merito al fenomeno oggetto di studio, chiarisce i risultati acquisiti. </a:t>
+            </a:r>
+            <a:endParaRPr lang="en-US" sz="2400" b="1">
               <a:solidFill>
                 <a:schemeClr val="tx1"/>
               </a:solidFill>
@@ -20399,7 +21930,7 @@
           <a:p>
             <a:r>
               <a:rPr lang="it-IT" altLang="it-IT"/>
-              <a:t>La Teoria della Stima</a:t>
+              <a:t>Le 4 fasi di un'indagine statistica</a:t>
             </a:r>
             <a:endParaRPr lang="it-IT" dirty="0"/>
           </a:p>
@@ -20408,7 +21939,7 @@
     </p:spTree>
     <p:extLst>
       <p:ext uri="{BB962C8B-B14F-4D97-AF65-F5344CB8AC3E}">
-        <p14:creationId xmlns:p14="http://schemas.microsoft.com/office/powerpoint/2010/main" val="81087457"/>
+        <p14:creationId xmlns:p14="http://schemas.microsoft.com/office/powerpoint/2010/main" val="2087900546"/>
       </p:ext>
     </p:extLst>
   </p:cSld>
@@ -21026,6 +22557,15 @@
 </file>
 
 <file path=customXml/item1.xml><?xml version="1.0" encoding="utf-8"?>
+<?mso-contentType ?>
+<FormTemplates xmlns="http://schemas.microsoft.com/sharepoint/v3/contenttype/forms">
+  <Display>DocumentLibraryForm</Display>
+  <Edit>DocumentLibraryForm</Edit>
+  <New>DocumentLibraryForm</New>
+</FormTemplates>
+</file>
+
+<file path=customXml/item2.xml><?xml version="1.0" encoding="utf-8"?>
 <p:properties xmlns:p="http://schemas.microsoft.com/office/2006/metadata/properties" xmlns:xsi="http://www.w3.org/2001/XMLSchema-instance" xmlns:pc="http://schemas.microsoft.com/office/infopath/2007/PartnerControls">
   <documentManagement>
     <SottoCategoria xmlns="679261c3-551f-4e86-913f-177e0e529669">-</SottoCategoria>
@@ -21039,66 +22579,7 @@
 </p:properties>
 </file>
 
-<file path=customXml/item2.xml><?xml version="1.0" encoding="utf-8"?>
-<?mso-contentType ?>
-<FormTemplates xmlns="http://schemas.microsoft.com/sharepoint/v3/contenttype/forms">
-  <Display>DocumentLibraryForm</Display>
-  <Edit>DocumentLibraryForm</Edit>
-  <New>DocumentLibraryForm</New>
-</FormTemplates>
-</file>
-
 <file path=customXml/item3.xml><?xml version="1.0" encoding="utf-8"?>
-<?mso-contentType ?>
-<spe:Receivers xmlns:spe="http://schemas.microsoft.com/sharepoint/events">
-  <Receiver>
-    <Name>Document ID Generator</Name>
-    <Synchronization>Synchronous</Synchronization>
-    <Type>10001</Type>
-    <SequenceNumber>1000</SequenceNumber>
-    <Url/>
-    <Assembly>Microsoft.Office.DocumentManagement, Version=15.0.0.0, Culture=neutral, PublicKeyToken=71e9bce111e9429c</Assembly>
-    <Class>Microsoft.Office.DocumentManagement.Internal.DocIdHandler</Class>
-    <Data/>
-    <Filter/>
-  </Receiver>
-  <Receiver>
-    <Name>Document ID Generator</Name>
-    <Synchronization>Synchronous</Synchronization>
-    <Type>10002</Type>
-    <SequenceNumber>1001</SequenceNumber>
-    <Url/>
-    <Assembly>Microsoft.Office.DocumentManagement, Version=15.0.0.0, Culture=neutral, PublicKeyToken=71e9bce111e9429c</Assembly>
-    <Class>Microsoft.Office.DocumentManagement.Internal.DocIdHandler</Class>
-    <Data/>
-    <Filter/>
-  </Receiver>
-  <Receiver>
-    <Name>Document ID Generator</Name>
-    <Synchronization>Synchronous</Synchronization>
-    <Type>10004</Type>
-    <SequenceNumber>1002</SequenceNumber>
-    <Url/>
-    <Assembly>Microsoft.Office.DocumentManagement, Version=15.0.0.0, Culture=neutral, PublicKeyToken=71e9bce111e9429c</Assembly>
-    <Class>Microsoft.Office.DocumentManagement.Internal.DocIdHandler</Class>
-    <Data/>
-    <Filter/>
-  </Receiver>
-  <Receiver>
-    <Name>Document ID Generator</Name>
-    <Synchronization>Synchronous</Synchronization>
-    <Type>10006</Type>
-    <SequenceNumber>1003</SequenceNumber>
-    <Url/>
-    <Assembly>Microsoft.Office.DocumentManagement, Version=15.0.0.0, Culture=neutral, PublicKeyToken=71e9bce111e9429c</Assembly>
-    <Class>Microsoft.Office.DocumentManagement.Internal.DocIdHandler</Class>
-    <Data/>
-    <Filter/>
-  </Receiver>
-</spe:Receivers>
-</file>
-
-<file path=customXml/item4.xml><?xml version="1.0" encoding="utf-8"?>
 <ct:contentTypeSchema xmlns:ct="http://schemas.microsoft.com/office/2006/metadata/contentType" xmlns:ma="http://schemas.microsoft.com/office/2006/metadata/properties/metaAttributes" ct:_="" ma:_="" ma:contentTypeName="Documento" ma:contentTypeID="0x010100661A2BE3120D674DA36C11D6006822D4" ma:contentTypeVersion="3" ma:contentTypeDescription="Creare un nuovo documento." ma:contentTypeScope="" ma:versionID="2ad8b07f9840a1ce9cd199d874146b74">
   <xsd:schema xmlns:xsd="http://www.w3.org/2001/XMLSchema" xmlns:xs="http://www.w3.org/2001/XMLSchema" xmlns:p="http://schemas.microsoft.com/office/2006/metadata/properties" xmlns:ns2="c58f2efd-82a8-4ecf-b395-8c25e928921d" xmlns:ns3="459159c4-d20a-4ff3-9b11-fbd127bd52e5" xmlns:ns4="679261c3-551f-4e86-913f-177e0e529669" targetNamespace="http://schemas.microsoft.com/office/2006/metadata/properties" ma:root="true" ma:fieldsID="fffb0e16fb90ffea59fef1085e90ecca" ns2:_="" ns3:_="" ns4:_="">
     <xsd:import namespace="c58f2efd-82a8-4ecf-b395-8c25e928921d"/>
@@ -21285,7 +22766,65 @@
 </ct:contentTypeSchema>
 </file>
 
+<file path=customXml/item4.xml><?xml version="1.0" encoding="utf-8"?>
+<?mso-contentType ?>
+<spe:Receivers xmlns:spe="http://schemas.microsoft.com/sharepoint/events">
+  <Receiver>
+    <Name>Document ID Generator</Name>
+    <Synchronization>Synchronous</Synchronization>
+    <Type>10001</Type>
+    <SequenceNumber>1000</SequenceNumber>
+    <Url/>
+    <Assembly>Microsoft.Office.DocumentManagement, Version=15.0.0.0, Culture=neutral, PublicKeyToken=71e9bce111e9429c</Assembly>
+    <Class>Microsoft.Office.DocumentManagement.Internal.DocIdHandler</Class>
+    <Data/>
+    <Filter/>
+  </Receiver>
+  <Receiver>
+    <Name>Document ID Generator</Name>
+    <Synchronization>Synchronous</Synchronization>
+    <Type>10002</Type>
+    <SequenceNumber>1001</SequenceNumber>
+    <Url/>
+    <Assembly>Microsoft.Office.DocumentManagement, Version=15.0.0.0, Culture=neutral, PublicKeyToken=71e9bce111e9429c</Assembly>
+    <Class>Microsoft.Office.DocumentManagement.Internal.DocIdHandler</Class>
+    <Data/>
+    <Filter/>
+  </Receiver>
+  <Receiver>
+    <Name>Document ID Generator</Name>
+    <Synchronization>Synchronous</Synchronization>
+    <Type>10004</Type>
+    <SequenceNumber>1002</SequenceNumber>
+    <Url/>
+    <Assembly>Microsoft.Office.DocumentManagement, Version=15.0.0.0, Culture=neutral, PublicKeyToken=71e9bce111e9429c</Assembly>
+    <Class>Microsoft.Office.DocumentManagement.Internal.DocIdHandler</Class>
+    <Data/>
+    <Filter/>
+  </Receiver>
+  <Receiver>
+    <Name>Document ID Generator</Name>
+    <Synchronization>Synchronous</Synchronization>
+    <Type>10006</Type>
+    <SequenceNumber>1003</SequenceNumber>
+    <Url/>
+    <Assembly>Microsoft.Office.DocumentManagement, Version=15.0.0.0, Culture=neutral, PublicKeyToken=71e9bce111e9429c</Assembly>
+    <Class>Microsoft.Office.DocumentManagement.Internal.DocIdHandler</Class>
+    <Data/>
+    <Filter/>
+  </Receiver>
+</spe:Receivers>
+</file>
+
 <file path=customXml/itemProps1.xml><?xml version="1.0" encoding="utf-8"?>
+<ds:datastoreItem xmlns:ds="http://schemas.openxmlformats.org/officeDocument/2006/customXml" ds:itemID="{BD9C238D-4D5C-4783-820B-4854DCE45D41}">
+  <ds:schemaRefs>
+    <ds:schemaRef ds:uri="http://schemas.microsoft.com/sharepoint/v3/contenttype/forms"/>
+  </ds:schemaRefs>
+</ds:datastoreItem>
+</file>
+
+<file path=customXml/itemProps2.xml><?xml version="1.0" encoding="utf-8"?>
 <ds:datastoreItem xmlns:ds="http://schemas.openxmlformats.org/officeDocument/2006/customXml" ds:itemID="{3EF378BC-F4D0-4510-B4EC-07B6EFE18CF8}">
   <ds:schemaRefs>
     <ds:schemaRef ds:uri="http://purl.org/dc/terms/"/>
@@ -21303,23 +22842,7 @@
 </ds:datastoreItem>
 </file>
 
-<file path=customXml/itemProps2.xml><?xml version="1.0" encoding="utf-8"?>
-<ds:datastoreItem xmlns:ds="http://schemas.openxmlformats.org/officeDocument/2006/customXml" ds:itemID="{BD9C238D-4D5C-4783-820B-4854DCE45D41}">
-  <ds:schemaRefs>
-    <ds:schemaRef ds:uri="http://schemas.microsoft.com/sharepoint/v3/contenttype/forms"/>
-  </ds:schemaRefs>
-</ds:datastoreItem>
-</file>
-
 <file path=customXml/itemProps3.xml><?xml version="1.0" encoding="utf-8"?>
-<ds:datastoreItem xmlns:ds="http://schemas.openxmlformats.org/officeDocument/2006/customXml" ds:itemID="{D9296C4F-9DE9-4B43-AA80-1FC85656CFFA}">
-  <ds:schemaRefs>
-    <ds:schemaRef ds:uri="http://schemas.microsoft.com/sharepoint/events"/>
-  </ds:schemaRefs>
-</ds:datastoreItem>
-</file>
-
-<file path=customXml/itemProps4.xml><?xml version="1.0" encoding="utf-8"?>
 <ds:datastoreItem xmlns:ds="http://schemas.openxmlformats.org/officeDocument/2006/customXml" ds:itemID="{3F66F418-6054-4EA5-BF8E-6AF3CEAE6265}">
   <ds:schemaRefs>
     <ds:schemaRef ds:uri="http://schemas.microsoft.com/office/2006/metadata/contentType"/>
@@ -21337,4 +22860,12 @@
     <ds:schemaRef ds:uri="http://schemas.microsoft.com/internal/obd"/>
   </ds:schemaRefs>
 </ds:datastoreItem>
+</file>
+
+<file path=customXml/itemProps4.xml><?xml version="1.0" encoding="utf-8"?>
+<ds:datastoreItem xmlns:ds="http://schemas.openxmlformats.org/officeDocument/2006/customXml" ds:itemID="{D9296C4F-9DE9-4B43-AA80-1FC85656CFFA}">
+  <ds:schemaRefs>
+    <ds:schemaRef ds:uri="http://schemas.microsoft.com/sharepoint/events"/>
+  </ds:schemaRefs>
+</ds:datastoreItem>
 </file>
--- a/Statistics_ita.pptx
+++ b/Statistics_ita.pptx
@@ -5,7 +5,7 @@
     <p:sldMasterId id="2147483648" r:id="rId5"/>
   </p:sldMasterIdLst>
   <p:notesMasterIdLst>
-    <p:notesMasterId r:id="rId35"/>
+    <p:notesMasterId r:id="rId43"/>
   </p:notesMasterIdLst>
   <p:sldIdLst>
     <p:sldId id="256" r:id="rId6"/>
@@ -20,23 +20,31 @@
     <p:sldId id="364" r:id="rId15"/>
     <p:sldId id="366" r:id="rId16"/>
     <p:sldId id="367" r:id="rId17"/>
-    <p:sldId id="346" r:id="rId18"/>
-    <p:sldId id="348" r:id="rId19"/>
-    <p:sldId id="349" r:id="rId20"/>
-    <p:sldId id="350" r:id="rId21"/>
-    <p:sldId id="351" r:id="rId22"/>
-    <p:sldId id="352" r:id="rId23"/>
-    <p:sldId id="353" r:id="rId24"/>
-    <p:sldId id="355" r:id="rId25"/>
-    <p:sldId id="354" r:id="rId26"/>
-    <p:sldId id="357" r:id="rId27"/>
-    <p:sldId id="360" r:id="rId28"/>
-    <p:sldId id="361" r:id="rId29"/>
-    <p:sldId id="362" r:id="rId30"/>
-    <p:sldId id="358" r:id="rId31"/>
-    <p:sldId id="359" r:id="rId32"/>
-    <p:sldId id="356" r:id="rId33"/>
-    <p:sldId id="343" r:id="rId34"/>
+    <p:sldId id="369" r:id="rId18"/>
+    <p:sldId id="368" r:id="rId19"/>
+    <p:sldId id="371" r:id="rId20"/>
+    <p:sldId id="370" r:id="rId21"/>
+    <p:sldId id="372" r:id="rId22"/>
+    <p:sldId id="374" r:id="rId23"/>
+    <p:sldId id="373" r:id="rId24"/>
+    <p:sldId id="375" r:id="rId25"/>
+    <p:sldId id="346" r:id="rId26"/>
+    <p:sldId id="348" r:id="rId27"/>
+    <p:sldId id="349" r:id="rId28"/>
+    <p:sldId id="350" r:id="rId29"/>
+    <p:sldId id="351" r:id="rId30"/>
+    <p:sldId id="352" r:id="rId31"/>
+    <p:sldId id="353" r:id="rId32"/>
+    <p:sldId id="355" r:id="rId33"/>
+    <p:sldId id="354" r:id="rId34"/>
+    <p:sldId id="357" r:id="rId35"/>
+    <p:sldId id="360" r:id="rId36"/>
+    <p:sldId id="361" r:id="rId37"/>
+    <p:sldId id="362" r:id="rId38"/>
+    <p:sldId id="358" r:id="rId39"/>
+    <p:sldId id="359" r:id="rId40"/>
+    <p:sldId id="356" r:id="rId41"/>
+    <p:sldId id="343" r:id="rId42"/>
   </p:sldIdLst>
   <p:sldSz cx="12192000" cy="6858000"/>
   <p:notesSz cx="6858000" cy="9144000"/>
@@ -294,7 +302,7 @@
               <a:pPr>
                 <a:defRPr/>
               </a:pPr>
-              <a:t>7/7/2022</a:t>
+              <a:t>7/8/2022</a:t>
             </a:fld>
             <a:endParaRPr lang="en-US"/>
           </a:p>
@@ -7492,8 +7500,8 @@
         </p:nvSpPr>
         <p:spPr>
           <a:xfrm>
-            <a:off x="574294" y="1446404"/>
-            <a:ext cx="6833373" cy="4392612"/>
+            <a:off x="574294" y="1097083"/>
+            <a:ext cx="10819746" cy="4392612"/>
           </a:xfrm>
         </p:spPr>
         <p:txBody>
@@ -7505,6 +7513,17 @@
               <a:buChar char="ü"/>
             </a:pPr>
             <a:r>
+              <a:rPr lang="en-US" sz="2400">
+                <a:solidFill>
+                  <a:schemeClr val="tx1"/>
+                </a:solidFill>
+                <a:latin typeface="Tahoma" panose="020B0604030504040204" pitchFamily="34" charset="0"/>
+                <a:ea typeface="Tahoma" panose="020B0604030504040204" pitchFamily="34" charset="0"/>
+                <a:cs typeface="Tahoma" panose="020B0604030504040204" pitchFamily="34" charset="0"/>
+              </a:rPr>
+              <a:t>Una </a:t>
+            </a:r>
+            <a:r>
               <a:rPr lang="en-US" sz="2400" b="1">
                 <a:solidFill>
                   <a:schemeClr val="tx1"/>
@@ -7513,7 +7532,7 @@
                 <a:ea typeface="Tahoma" panose="020B0604030504040204" pitchFamily="34" charset="0"/>
                 <a:cs typeface="Tahoma" panose="020B0604030504040204" pitchFamily="34" charset="0"/>
               </a:rPr>
-              <a:t>Una distribuzione statistica </a:t>
+              <a:t>mutabile statistica </a:t>
             </a:r>
             <a:r>
               <a:rPr lang="en-US" sz="2400">
@@ -7524,170 +7543,157 @@
                 <a:ea typeface="Tahoma" panose="020B0604030504040204" pitchFamily="34" charset="0"/>
                 <a:cs typeface="Tahoma" panose="020B0604030504040204" pitchFamily="34" charset="0"/>
               </a:rPr>
-              <a:t>è l'insieme delle determinazioni del carattere e delle rispettive frequenze. </a:t>
+              <a:t>può essere:</a:t>
             </a:r>
           </a:p>
           <a:p>
-            <a:pPr marL="342900" indent="-342900" algn="just">
+            <a:pPr marL="1371600" lvl="2" indent="-457200" algn="just">
+              <a:buFont typeface="+mj-lt"/>
+              <a:buAutoNum type="arabicPeriod"/>
+            </a:pPr>
+            <a:r>
+              <a:rPr lang="en-US" sz="2400">
+                <a:solidFill>
+                  <a:schemeClr val="tx1"/>
+                </a:solidFill>
+                <a:latin typeface="Tahoma" panose="020B0604030504040204" pitchFamily="34" charset="0"/>
+                <a:ea typeface="Tahoma" panose="020B0604030504040204" pitchFamily="34" charset="0"/>
+                <a:cs typeface="Tahoma" panose="020B0604030504040204" pitchFamily="34" charset="0"/>
+              </a:rPr>
+              <a:t>Rettilinea: </a:t>
+            </a:r>
+            <a:r>
+              <a:rPr lang="en-US" sz="2400" b="0">
+                <a:solidFill>
+                  <a:schemeClr val="tx1"/>
+                </a:solidFill>
+                <a:latin typeface="Tahoma" panose="020B0604030504040204" pitchFamily="34" charset="0"/>
+                <a:ea typeface="Tahoma" panose="020B0604030504040204" pitchFamily="34" charset="0"/>
+                <a:cs typeface="Tahoma" panose="020B0604030504040204" pitchFamily="34" charset="0"/>
+              </a:rPr>
+              <a:t>se esiste un ordine naturale o logico delle modalità (ad esempio il numero di operai metalmeccanici per livello) </a:t>
+            </a:r>
+          </a:p>
+          <a:p>
+            <a:pPr marL="1371600" lvl="2" indent="-457200" algn="just">
+              <a:buFont typeface="+mj-lt"/>
+              <a:buAutoNum type="arabicPeriod"/>
+            </a:pPr>
+            <a:r>
+              <a:rPr lang="en-US" sz="2400">
+                <a:solidFill>
+                  <a:schemeClr val="tx1"/>
+                </a:solidFill>
+                <a:latin typeface="Tahoma" panose="020B0604030504040204" pitchFamily="34" charset="0"/>
+                <a:ea typeface="Tahoma" panose="020B0604030504040204" pitchFamily="34" charset="0"/>
+                <a:cs typeface="Tahoma" panose="020B0604030504040204" pitchFamily="34" charset="0"/>
+              </a:rPr>
+              <a:t>Serie storica o temporale: </a:t>
+            </a:r>
+            <a:r>
+              <a:rPr lang="en-US" sz="2400" b="0">
+                <a:solidFill>
+                  <a:schemeClr val="tx1"/>
+                </a:solidFill>
+                <a:latin typeface="Tahoma" panose="020B0604030504040204" pitchFamily="34" charset="0"/>
+                <a:ea typeface="Tahoma" panose="020B0604030504040204" pitchFamily="34" charset="0"/>
+                <a:cs typeface="Tahoma" panose="020B0604030504040204" pitchFamily="34" charset="0"/>
+              </a:rPr>
+              <a:t>se il principio regolatore è il tempo, il quale è inteso come progressione cronologica. Ovviamente una serie storica è una particolare </a:t>
+            </a:r>
+            <a:r>
+              <a:rPr lang="en-US" sz="2400">
+                <a:solidFill>
+                  <a:schemeClr val="tx1"/>
+                </a:solidFill>
+                <a:latin typeface="Tahoma" panose="020B0604030504040204" pitchFamily="34" charset="0"/>
+                <a:ea typeface="Tahoma" panose="020B0604030504040204" pitchFamily="34" charset="0"/>
+                <a:cs typeface="Tahoma" panose="020B0604030504040204" pitchFamily="34" charset="0"/>
+              </a:rPr>
+              <a:t>mutabile </a:t>
+            </a:r>
+            <a:r>
+              <a:rPr lang="en-US" sz="2400" b="0">
+                <a:solidFill>
+                  <a:schemeClr val="tx1"/>
+                </a:solidFill>
+                <a:latin typeface="Tahoma" panose="020B0604030504040204" pitchFamily="34" charset="0"/>
+                <a:ea typeface="Tahoma" panose="020B0604030504040204" pitchFamily="34" charset="0"/>
+                <a:cs typeface="Tahoma" panose="020B0604030504040204" pitchFamily="34" charset="0"/>
+              </a:rPr>
+              <a:t>rettilinea (ad esempio, il numero di autovetture di una data marca vendute in diversi anni)</a:t>
+            </a:r>
+          </a:p>
+          <a:p>
+            <a:pPr marL="1371600" lvl="2" indent="-457200" algn="just">
+              <a:buFont typeface="+mj-lt"/>
+              <a:buAutoNum type="arabicPeriod"/>
+            </a:pPr>
+            <a:r>
+              <a:rPr lang="en-US" sz="2400">
+                <a:solidFill>
+                  <a:schemeClr val="tx1"/>
+                </a:solidFill>
+                <a:latin typeface="Tahoma" panose="020B0604030504040204" pitchFamily="34" charset="0"/>
+                <a:ea typeface="Tahoma" panose="020B0604030504040204" pitchFamily="34" charset="0"/>
+                <a:cs typeface="Tahoma" panose="020B0604030504040204" pitchFamily="34" charset="0"/>
+              </a:rPr>
+              <a:t>Ciclica: </a:t>
+            </a:r>
+            <a:r>
+              <a:rPr lang="en-US" sz="2400" b="0">
+                <a:solidFill>
+                  <a:schemeClr val="tx1"/>
+                </a:solidFill>
+                <a:latin typeface="Tahoma" panose="020B0604030504040204" pitchFamily="34" charset="0"/>
+                <a:ea typeface="Tahoma" panose="020B0604030504040204" pitchFamily="34" charset="0"/>
+                <a:cs typeface="Tahoma" panose="020B0604030504040204" pitchFamily="34" charset="0"/>
+              </a:rPr>
+              <a:t>se il tempo è inteso in termini di periodicità, per cui non esistono né una modalità iniziale, né una modalità finale (è il caso delle precipitazioni nevose nei diversi mesi in un anno)</a:t>
+            </a:r>
+          </a:p>
+          <a:p>
+            <a:pPr marL="1371600" lvl="2" indent="-457200" algn="just">
+              <a:buFont typeface="+mj-lt"/>
+              <a:buAutoNum type="arabicPeriod"/>
+            </a:pPr>
+            <a:r>
+              <a:rPr lang="en-US" sz="2400">
+                <a:solidFill>
+                  <a:schemeClr val="tx1"/>
+                </a:solidFill>
+                <a:latin typeface="Tahoma" panose="020B0604030504040204" pitchFamily="34" charset="0"/>
+                <a:ea typeface="Tahoma" panose="020B0604030504040204" pitchFamily="34" charset="0"/>
+                <a:cs typeface="Tahoma" panose="020B0604030504040204" pitchFamily="34" charset="0"/>
+              </a:rPr>
+              <a:t>Sconnesse: </a:t>
+            </a:r>
+            <a:r>
+              <a:rPr lang="en-US" sz="2400" b="0">
+                <a:solidFill>
+                  <a:schemeClr val="tx1"/>
+                </a:solidFill>
+                <a:latin typeface="Tahoma" panose="020B0604030504040204" pitchFamily="34" charset="0"/>
+                <a:ea typeface="Tahoma" panose="020B0604030504040204" pitchFamily="34" charset="0"/>
+                <a:cs typeface="Tahoma" panose="020B0604030504040204" pitchFamily="34" charset="0"/>
+              </a:rPr>
+              <a:t>se non esistono né un ordine logico né un ordine naturale secono cui sono disposte le modalità (il numero dei voti ottenuti dai partiti durante le elezioni) </a:t>
+            </a:r>
+            <a:endParaRPr lang="en-US" sz="2400">
+              <a:solidFill>
+                <a:schemeClr val="tx1"/>
+              </a:solidFill>
+              <a:latin typeface="Tahoma" panose="020B0604030504040204" pitchFamily="34" charset="0"/>
+              <a:ea typeface="Tahoma" panose="020B0604030504040204" pitchFamily="34" charset="0"/>
+              <a:cs typeface="Tahoma" panose="020B0604030504040204" pitchFamily="34" charset="0"/>
+            </a:endParaRPr>
+          </a:p>
+          <a:p>
+            <a:pPr marL="800100" lvl="1" indent="-342900" algn="just">
               <a:buFont typeface="Wingdings" panose="05000000000000000000" pitchFamily="2" charset="2"/>
               <a:buChar char="ü"/>
             </a:pPr>
-            <a:r>
-              <a:rPr lang="en-US" sz="2400">
-                <a:solidFill>
-                  <a:schemeClr val="tx1"/>
-                </a:solidFill>
-                <a:latin typeface="Tahoma" panose="020B0604030504040204" pitchFamily="34" charset="0"/>
-                <a:ea typeface="Tahoma" panose="020B0604030504040204" pitchFamily="34" charset="0"/>
-                <a:cs typeface="Tahoma" panose="020B0604030504040204" pitchFamily="34" charset="0"/>
-              </a:rPr>
-              <a:t>Se il carattere è </a:t>
-            </a:r>
-            <a:r>
-              <a:rPr lang="en-US" sz="2400" b="1">
-                <a:solidFill>
-                  <a:schemeClr val="tx1"/>
-                </a:solidFill>
-                <a:latin typeface="Tahoma" panose="020B0604030504040204" pitchFamily="34" charset="0"/>
-                <a:ea typeface="Tahoma" panose="020B0604030504040204" pitchFamily="34" charset="0"/>
-                <a:cs typeface="Tahoma" panose="020B0604030504040204" pitchFamily="34" charset="0"/>
-              </a:rPr>
-              <a:t>quantitative </a:t>
-            </a:r>
-            <a:r>
-              <a:rPr lang="en-US" sz="2400">
-                <a:solidFill>
-                  <a:schemeClr val="tx1"/>
-                </a:solidFill>
-                <a:latin typeface="Tahoma" panose="020B0604030504040204" pitchFamily="34" charset="0"/>
-                <a:ea typeface="Tahoma" panose="020B0604030504040204" pitchFamily="34" charset="0"/>
-                <a:cs typeface="Tahoma" panose="020B0604030504040204" pitchFamily="34" charset="0"/>
-              </a:rPr>
-              <a:t>alloare la distribuzione statistica prende il nome di </a:t>
-            </a:r>
-            <a:r>
-              <a:rPr lang="en-US" sz="2400" b="1">
-                <a:solidFill>
-                  <a:schemeClr val="tx1"/>
-                </a:solidFill>
-                <a:latin typeface="Tahoma" panose="020B0604030504040204" pitchFamily="34" charset="0"/>
-                <a:ea typeface="Tahoma" panose="020B0604030504040204" pitchFamily="34" charset="0"/>
-                <a:cs typeface="Tahoma" panose="020B0604030504040204" pitchFamily="34" charset="0"/>
-              </a:rPr>
-              <a:t>variabile statistica. </a:t>
-            </a:r>
-          </a:p>
-          <a:p>
-            <a:pPr marL="342900" indent="-342900" algn="just">
-              <a:buFont typeface="Wingdings" panose="05000000000000000000" pitchFamily="2" charset="2"/>
-              <a:buChar char="ü"/>
-            </a:pPr>
-            <a:r>
-              <a:rPr lang="en-US" sz="2400">
-                <a:solidFill>
-                  <a:schemeClr val="tx1"/>
-                </a:solidFill>
-                <a:latin typeface="Tahoma" panose="020B0604030504040204" pitchFamily="34" charset="0"/>
-                <a:ea typeface="Tahoma" panose="020B0604030504040204" pitchFamily="34" charset="0"/>
-                <a:cs typeface="Tahoma" panose="020B0604030504040204" pitchFamily="34" charset="0"/>
-              </a:rPr>
-              <a:t>Se il carattere è </a:t>
-            </a:r>
-            <a:r>
-              <a:rPr lang="en-US" sz="2400" b="1">
-                <a:solidFill>
-                  <a:schemeClr val="tx1"/>
-                </a:solidFill>
-                <a:latin typeface="Tahoma" panose="020B0604030504040204" pitchFamily="34" charset="0"/>
-                <a:ea typeface="Tahoma" panose="020B0604030504040204" pitchFamily="34" charset="0"/>
-                <a:cs typeface="Tahoma" panose="020B0604030504040204" pitchFamily="34" charset="0"/>
-              </a:rPr>
-              <a:t>qualitativo </a:t>
-            </a:r>
-            <a:r>
-              <a:rPr lang="en-US" sz="2400">
-                <a:solidFill>
-                  <a:schemeClr val="tx1"/>
-                </a:solidFill>
-                <a:latin typeface="Tahoma" panose="020B0604030504040204" pitchFamily="34" charset="0"/>
-                <a:ea typeface="Tahoma" panose="020B0604030504040204" pitchFamily="34" charset="0"/>
-                <a:cs typeface="Tahoma" panose="020B0604030504040204" pitchFamily="34" charset="0"/>
-              </a:rPr>
-              <a:t>allora distribuzione prende il nome di </a:t>
-            </a:r>
-            <a:r>
-              <a:rPr lang="en-US" sz="2400" b="1">
-                <a:solidFill>
-                  <a:schemeClr val="tx1"/>
-                </a:solidFill>
-                <a:latin typeface="Tahoma" panose="020B0604030504040204" pitchFamily="34" charset="0"/>
-                <a:ea typeface="Tahoma" panose="020B0604030504040204" pitchFamily="34" charset="0"/>
-                <a:cs typeface="Tahoma" panose="020B0604030504040204" pitchFamily="34" charset="0"/>
-              </a:rPr>
-              <a:t>mutabile statistica. </a:t>
-            </a:r>
-          </a:p>
-          <a:p>
-            <a:pPr marL="342900" indent="-342900" algn="just">
-              <a:buFont typeface="Wingdings" panose="05000000000000000000" pitchFamily="2" charset="2"/>
-              <a:buChar char="ü"/>
-            </a:pPr>
-            <a:r>
-              <a:rPr lang="en-US" sz="2400">
-                <a:solidFill>
-                  <a:schemeClr val="tx1"/>
-                </a:solidFill>
-                <a:latin typeface="Tahoma" panose="020B0604030504040204" pitchFamily="34" charset="0"/>
-                <a:ea typeface="Tahoma" panose="020B0604030504040204" pitchFamily="34" charset="0"/>
-                <a:cs typeface="Tahoma" panose="020B0604030504040204" pitchFamily="34" charset="0"/>
-              </a:rPr>
-              <a:t>Inoltre una variabile statistica può essere </a:t>
-            </a:r>
-            <a:r>
-              <a:rPr lang="en-US" sz="2400" b="1">
-                <a:solidFill>
-                  <a:schemeClr val="tx1"/>
-                </a:solidFill>
-                <a:latin typeface="Tahoma" panose="020B0604030504040204" pitchFamily="34" charset="0"/>
-                <a:ea typeface="Tahoma" panose="020B0604030504040204" pitchFamily="34" charset="0"/>
-                <a:cs typeface="Tahoma" panose="020B0604030504040204" pitchFamily="34" charset="0"/>
-              </a:rPr>
-              <a:t>continua</a:t>
-            </a:r>
-            <a:r>
-              <a:rPr lang="en-US" sz="2400">
-                <a:solidFill>
-                  <a:schemeClr val="tx1"/>
-                </a:solidFill>
-                <a:latin typeface="Tahoma" panose="020B0604030504040204" pitchFamily="34" charset="0"/>
-                <a:ea typeface="Tahoma" panose="020B0604030504040204" pitchFamily="34" charset="0"/>
-                <a:cs typeface="Tahoma" panose="020B0604030504040204" pitchFamily="34" charset="0"/>
-              </a:rPr>
-              <a:t> o </a:t>
-            </a:r>
-            <a:r>
-              <a:rPr lang="en-US" sz="2400" b="1">
-                <a:solidFill>
-                  <a:schemeClr val="tx1"/>
-                </a:solidFill>
-                <a:latin typeface="Tahoma" panose="020B0604030504040204" pitchFamily="34" charset="0"/>
-                <a:ea typeface="Tahoma" panose="020B0604030504040204" pitchFamily="34" charset="0"/>
-                <a:cs typeface="Tahoma" panose="020B0604030504040204" pitchFamily="34" charset="0"/>
-              </a:rPr>
-              <a:t>discreta</a:t>
-            </a:r>
-            <a:r>
-              <a:rPr lang="en-US" sz="2400">
-                <a:solidFill>
-                  <a:schemeClr val="tx1"/>
-                </a:solidFill>
-                <a:latin typeface="Tahoma" panose="020B0604030504040204" pitchFamily="34" charset="0"/>
-                <a:ea typeface="Tahoma" panose="020B0604030504040204" pitchFamily="34" charset="0"/>
-                <a:cs typeface="Tahoma" panose="020B0604030504040204" pitchFamily="34" charset="0"/>
-              </a:rPr>
-              <a:t> a seconda dell'insieme di dati di riferimento. </a:t>
-            </a:r>
-            <a:endParaRPr lang="en-US" sz="2400" b="1">
+            <a:endParaRPr lang="en-US" sz="2600" b="1">
               <a:solidFill>
                 <a:schemeClr val="tx1"/>
               </a:solidFill>
@@ -7761,42 +7767,12 @@
           <a:p>
             <a:r>
               <a:rPr lang="it-IT" altLang="it-IT"/>
-              <a:t>Distribuzione Statistica</a:t>
+              <a:t>Mutabile Statistica</a:t>
             </a:r>
             <a:endParaRPr lang="it-IT" dirty="0"/>
           </a:p>
         </p:txBody>
       </p:sp>
-      <p:pic>
-        <p:nvPicPr>
-          <p:cNvPr id="4" name="Immagine 3">
-            <a:extLst>
-              <a:ext uri="{FF2B5EF4-FFF2-40B4-BE49-F238E27FC236}">
-                <a16:creationId xmlns:a16="http://schemas.microsoft.com/office/drawing/2014/main" id="{615F0BEE-9A56-A86C-21EF-F4C415E5093B}"/>
-              </a:ext>
-            </a:extLst>
-          </p:cNvPr>
-          <p:cNvPicPr>
-            <a:picLocks noChangeAspect="1"/>
-          </p:cNvPicPr>
-          <p:nvPr/>
-        </p:nvPicPr>
-        <p:blipFill>
-          <a:blip r:embed="rId2"/>
-          <a:stretch>
-            <a:fillRect/>
-          </a:stretch>
-        </p:blipFill>
-        <p:spPr>
-          <a:xfrm>
-            <a:off x="7801510" y="2571215"/>
-            <a:ext cx="3486150" cy="1895475"/>
-          </a:xfrm>
-          <a:prstGeom prst="rect">
-            <a:avLst/>
-          </a:prstGeom>
-        </p:spPr>
-      </p:pic>
     </p:spTree>
     <p:extLst>
       <p:ext uri="{BB962C8B-B14F-4D97-AF65-F5344CB8AC3E}">
@@ -7845,188 +7821,202 @@
         </p:nvSpPr>
         <p:spPr>
           <a:xfrm>
-            <a:off x="326299" y="1213806"/>
-            <a:ext cx="8269062" cy="4392612"/>
+            <a:off x="574294" y="1446404"/>
+            <a:ext cx="6833373" cy="4392612"/>
           </a:xfrm>
         </p:spPr>
         <p:txBody>
           <a:bodyPr/>
           <a:lstStyle/>
           <a:p>
-            <a:pPr marL="342900" indent="-342900">
+            <a:pPr marL="342900" indent="-342900" algn="just">
               <a:buFont typeface="Wingdings" panose="05000000000000000000" pitchFamily="2" charset="2"/>
               <a:buChar char="ü"/>
             </a:pPr>
             <a:r>
-              <a:rPr lang="it-IT" sz="2400">
-                <a:solidFill>
-                  <a:schemeClr val="tx1"/>
-                </a:solidFill>
-                <a:latin typeface="Tahoma" panose="020B0604030504040204" pitchFamily="34" charset="0"/>
-                <a:ea typeface="Tahoma" panose="020B0604030504040204" pitchFamily="34" charset="0"/>
-                <a:cs typeface="Tahoma" panose="020B0604030504040204" pitchFamily="34" charset="0"/>
-              </a:rPr>
-              <a:t>Spesso non si hanno le risorse disponibili per effettuare una rilevazione di dati che riguardi l'intera </a:t>
-            </a:r>
-            <a:r>
-              <a:rPr lang="it-IT" sz="2400" b="1">
-                <a:solidFill>
-                  <a:schemeClr val="tx1"/>
-                </a:solidFill>
-                <a:latin typeface="Tahoma" panose="020B0604030504040204" pitchFamily="34" charset="0"/>
-                <a:ea typeface="Tahoma" panose="020B0604030504040204" pitchFamily="34" charset="0"/>
-                <a:cs typeface="Tahoma" panose="020B0604030504040204" pitchFamily="34" charset="0"/>
-              </a:rPr>
-              <a:t>popolazione</a:t>
-            </a:r>
-            <a:r>
-              <a:rPr lang="it-IT" sz="2400">
-                <a:solidFill>
-                  <a:schemeClr val="tx1"/>
-                </a:solidFill>
-                <a:latin typeface="Tahoma" panose="020B0604030504040204" pitchFamily="34" charset="0"/>
-                <a:ea typeface="Tahoma" panose="020B0604030504040204" pitchFamily="34" charset="0"/>
-                <a:cs typeface="Tahoma" panose="020B0604030504040204" pitchFamily="34" charset="0"/>
-              </a:rPr>
-              <a:t> interessata da un fenomeno. Per esempio potrebbe succedere che tale popolazione è </a:t>
-            </a:r>
-            <a:r>
-              <a:rPr lang="it-IT" sz="2400" b="1">
-                <a:solidFill>
-                  <a:schemeClr val="tx1"/>
-                </a:solidFill>
-                <a:latin typeface="Tahoma" panose="020B0604030504040204" pitchFamily="34" charset="0"/>
-                <a:ea typeface="Tahoma" panose="020B0604030504040204" pitchFamily="34" charset="0"/>
-                <a:cs typeface="Tahoma" panose="020B0604030504040204" pitchFamily="34" charset="0"/>
-              </a:rPr>
-              <a:t>infinita, </a:t>
-            </a:r>
-            <a:r>
-              <a:rPr lang="it-IT" sz="2400">
-                <a:solidFill>
-                  <a:schemeClr val="tx1"/>
-                </a:solidFill>
-                <a:latin typeface="Tahoma" panose="020B0604030504040204" pitchFamily="34" charset="0"/>
-                <a:ea typeface="Tahoma" panose="020B0604030504040204" pitchFamily="34" charset="0"/>
-                <a:cs typeface="Tahoma" panose="020B0604030504040204" pitchFamily="34" charset="0"/>
-              </a:rPr>
-              <a:t>ed una rilevazione completa (esaustiva) risulta impossibile. </a:t>
+              <a:rPr lang="en-US" sz="2400" b="1">
+                <a:solidFill>
+                  <a:schemeClr val="tx1"/>
+                </a:solidFill>
+                <a:latin typeface="Tahoma" panose="020B0604030504040204" pitchFamily="34" charset="0"/>
+                <a:ea typeface="Tahoma" panose="020B0604030504040204" pitchFamily="34" charset="0"/>
+                <a:cs typeface="Tahoma" panose="020B0604030504040204" pitchFamily="34" charset="0"/>
+              </a:rPr>
+              <a:t>Una distribuzione statistica </a:t>
+            </a:r>
+            <a:r>
+              <a:rPr lang="en-US" sz="2400">
+                <a:solidFill>
+                  <a:schemeClr val="tx1"/>
+                </a:solidFill>
+                <a:latin typeface="Tahoma" panose="020B0604030504040204" pitchFamily="34" charset="0"/>
+                <a:ea typeface="Tahoma" panose="020B0604030504040204" pitchFamily="34" charset="0"/>
+                <a:cs typeface="Tahoma" panose="020B0604030504040204" pitchFamily="34" charset="0"/>
+              </a:rPr>
+              <a:t>è l'insieme delle determinazioni del carattere e delle rispettive frequenze. </a:t>
             </a:r>
           </a:p>
           <a:p>
-            <a:pPr marL="342900" indent="-342900">
+            <a:pPr marL="342900" indent="-342900" algn="just">
               <a:buFont typeface="Wingdings" panose="05000000000000000000" pitchFamily="2" charset="2"/>
               <a:buChar char="ü"/>
             </a:pPr>
             <a:r>
-              <a:rPr lang="it-IT" sz="2400">
-                <a:solidFill>
-                  <a:schemeClr val="tx1"/>
-                </a:solidFill>
-                <a:latin typeface="Tahoma" panose="020B0604030504040204" pitchFamily="34" charset="0"/>
-                <a:ea typeface="Tahoma" panose="020B0604030504040204" pitchFamily="34" charset="0"/>
-                <a:cs typeface="Tahoma" panose="020B0604030504040204" pitchFamily="34" charset="0"/>
-              </a:rPr>
-              <a:t>In questi casi si procede ad una </a:t>
-            </a:r>
-            <a:r>
-              <a:rPr lang="it-IT" sz="2400" b="1">
-                <a:solidFill>
-                  <a:schemeClr val="tx1"/>
-                </a:solidFill>
-                <a:latin typeface="Tahoma" panose="020B0604030504040204" pitchFamily="34" charset="0"/>
-                <a:ea typeface="Tahoma" panose="020B0604030504040204" pitchFamily="34" charset="0"/>
-                <a:cs typeface="Tahoma" panose="020B0604030504040204" pitchFamily="34" charset="0"/>
-              </a:rPr>
-              <a:t>rilevazione di dati per campione. </a:t>
-            </a:r>
-            <a:endParaRPr lang="it-IT" sz="2400">
-              <a:solidFill>
-                <a:schemeClr val="tx1"/>
-              </a:solidFill>
-              <a:latin typeface="Tahoma" panose="020B0604030504040204" pitchFamily="34" charset="0"/>
-              <a:ea typeface="Tahoma" panose="020B0604030504040204" pitchFamily="34" charset="0"/>
-              <a:cs typeface="Tahoma" panose="020B0604030504040204" pitchFamily="34" charset="0"/>
-            </a:endParaRPr>
+              <a:rPr lang="en-US" sz="2400">
+                <a:solidFill>
+                  <a:schemeClr val="tx1"/>
+                </a:solidFill>
+                <a:latin typeface="Tahoma" panose="020B0604030504040204" pitchFamily="34" charset="0"/>
+                <a:ea typeface="Tahoma" panose="020B0604030504040204" pitchFamily="34" charset="0"/>
+                <a:cs typeface="Tahoma" panose="020B0604030504040204" pitchFamily="34" charset="0"/>
+              </a:rPr>
+              <a:t>Se il carattere è </a:t>
+            </a:r>
+            <a:r>
+              <a:rPr lang="en-US" sz="2400" b="1">
+                <a:solidFill>
+                  <a:schemeClr val="tx1"/>
+                </a:solidFill>
+                <a:latin typeface="Tahoma" panose="020B0604030504040204" pitchFamily="34" charset="0"/>
+                <a:ea typeface="Tahoma" panose="020B0604030504040204" pitchFamily="34" charset="0"/>
+                <a:cs typeface="Tahoma" panose="020B0604030504040204" pitchFamily="34" charset="0"/>
+              </a:rPr>
+              <a:t>quantitative </a:t>
+            </a:r>
+            <a:r>
+              <a:rPr lang="en-US" sz="2400">
+                <a:solidFill>
+                  <a:schemeClr val="tx1"/>
+                </a:solidFill>
+                <a:latin typeface="Tahoma" panose="020B0604030504040204" pitchFamily="34" charset="0"/>
+                <a:ea typeface="Tahoma" panose="020B0604030504040204" pitchFamily="34" charset="0"/>
+                <a:cs typeface="Tahoma" panose="020B0604030504040204" pitchFamily="34" charset="0"/>
+              </a:rPr>
+              <a:t>alloare la distribuzione statistica prende il nome di </a:t>
+            </a:r>
+            <a:r>
+              <a:rPr lang="en-US" sz="2400" b="1">
+                <a:solidFill>
+                  <a:schemeClr val="tx1"/>
+                </a:solidFill>
+                <a:latin typeface="Tahoma" panose="020B0604030504040204" pitchFamily="34" charset="0"/>
+                <a:ea typeface="Tahoma" panose="020B0604030504040204" pitchFamily="34" charset="0"/>
+                <a:cs typeface="Tahoma" panose="020B0604030504040204" pitchFamily="34" charset="0"/>
+              </a:rPr>
+              <a:t>variabile statistica. </a:t>
+            </a:r>
           </a:p>
           <a:p>
-            <a:pPr marL="342900" indent="-342900">
+            <a:pPr marL="342900" indent="-342900" algn="just">
               <a:buFont typeface="Wingdings" panose="05000000000000000000" pitchFamily="2" charset="2"/>
               <a:buChar char="ü"/>
             </a:pPr>
             <a:r>
-              <a:rPr lang="it-IT" sz="2400" b="1">
-                <a:solidFill>
-                  <a:schemeClr val="tx1"/>
-                </a:solidFill>
-                <a:latin typeface="Tahoma" panose="020B0604030504040204" pitchFamily="34" charset="0"/>
-                <a:ea typeface="Tahoma" panose="020B0604030504040204" pitchFamily="34" charset="0"/>
-                <a:cs typeface="Tahoma" panose="020B0604030504040204" pitchFamily="34" charset="0"/>
-              </a:rPr>
-              <a:t>Il campione </a:t>
-            </a:r>
-            <a:r>
-              <a:rPr lang="it-IT" sz="2400">
-                <a:solidFill>
-                  <a:schemeClr val="tx1"/>
-                </a:solidFill>
-                <a:latin typeface="Tahoma" panose="020B0604030504040204" pitchFamily="34" charset="0"/>
-                <a:ea typeface="Tahoma" panose="020B0604030504040204" pitchFamily="34" charset="0"/>
-                <a:cs typeface="Tahoma" panose="020B0604030504040204" pitchFamily="34" charset="0"/>
-              </a:rPr>
-              <a:t>è quella parte del collettivo statistico che viene sottoposto ad osservazione. </a:t>
+              <a:rPr lang="en-US" sz="2400">
+                <a:solidFill>
+                  <a:schemeClr val="tx1"/>
+                </a:solidFill>
+                <a:latin typeface="Tahoma" panose="020B0604030504040204" pitchFamily="34" charset="0"/>
+                <a:ea typeface="Tahoma" panose="020B0604030504040204" pitchFamily="34" charset="0"/>
+                <a:cs typeface="Tahoma" panose="020B0604030504040204" pitchFamily="34" charset="0"/>
+              </a:rPr>
+              <a:t>Se il carattere è </a:t>
+            </a:r>
+            <a:r>
+              <a:rPr lang="en-US" sz="2400" b="1">
+                <a:solidFill>
+                  <a:schemeClr val="tx1"/>
+                </a:solidFill>
+                <a:latin typeface="Tahoma" panose="020B0604030504040204" pitchFamily="34" charset="0"/>
+                <a:ea typeface="Tahoma" panose="020B0604030504040204" pitchFamily="34" charset="0"/>
+                <a:cs typeface="Tahoma" panose="020B0604030504040204" pitchFamily="34" charset="0"/>
+              </a:rPr>
+              <a:t>qualitativo </a:t>
+            </a:r>
+            <a:r>
+              <a:rPr lang="en-US" sz="2400">
+                <a:solidFill>
+                  <a:schemeClr val="tx1"/>
+                </a:solidFill>
+                <a:latin typeface="Tahoma" panose="020B0604030504040204" pitchFamily="34" charset="0"/>
+                <a:ea typeface="Tahoma" panose="020B0604030504040204" pitchFamily="34" charset="0"/>
+                <a:cs typeface="Tahoma" panose="020B0604030504040204" pitchFamily="34" charset="0"/>
+              </a:rPr>
+              <a:t>allora distribuzione prende il nome di </a:t>
+            </a:r>
+            <a:r>
+              <a:rPr lang="en-US" sz="2400" b="1">
+                <a:solidFill>
+                  <a:schemeClr val="tx1"/>
+                </a:solidFill>
+                <a:latin typeface="Tahoma" panose="020B0604030504040204" pitchFamily="34" charset="0"/>
+                <a:ea typeface="Tahoma" panose="020B0604030504040204" pitchFamily="34" charset="0"/>
+                <a:cs typeface="Tahoma" panose="020B0604030504040204" pitchFamily="34" charset="0"/>
+              </a:rPr>
+              <a:t>mutabile statistica. </a:t>
             </a:r>
           </a:p>
           <a:p>
-            <a:pPr marL="342900" indent="-342900">
+            <a:pPr marL="342900" indent="-342900" algn="just">
               <a:buFont typeface="Wingdings" panose="05000000000000000000" pitchFamily="2" charset="2"/>
               <a:buChar char="ü"/>
             </a:pPr>
             <a:r>
-              <a:rPr lang="it-IT" sz="2400">
-                <a:solidFill>
-                  <a:schemeClr val="tx1"/>
-                </a:solidFill>
-                <a:latin typeface="Tahoma" panose="020B0604030504040204" pitchFamily="34" charset="0"/>
-                <a:ea typeface="Tahoma" panose="020B0604030504040204" pitchFamily="34" charset="0"/>
-                <a:cs typeface="Tahoma" panose="020B0604030504040204" pitchFamily="34" charset="0"/>
-              </a:rPr>
-              <a:t>L'insieme dei </a:t>
-            </a:r>
-            <a:r>
-              <a:rPr lang="it-IT" sz="2400" b="1">
-                <a:solidFill>
-                  <a:schemeClr val="tx1"/>
-                </a:solidFill>
-                <a:latin typeface="Tahoma" panose="020B0604030504040204" pitchFamily="34" charset="0"/>
-                <a:ea typeface="Tahoma" panose="020B0604030504040204" pitchFamily="34" charset="0"/>
-                <a:cs typeface="Tahoma" panose="020B0604030504040204" pitchFamily="34" charset="0"/>
-              </a:rPr>
-              <a:t>campioni </a:t>
-            </a:r>
-            <a:r>
-              <a:rPr lang="it-IT" sz="2400">
-                <a:solidFill>
-                  <a:schemeClr val="tx1"/>
-                </a:solidFill>
-                <a:latin typeface="Tahoma" panose="020B0604030504040204" pitchFamily="34" charset="0"/>
-                <a:ea typeface="Tahoma" panose="020B0604030504040204" pitchFamily="34" charset="0"/>
-                <a:cs typeface="Tahoma" panose="020B0604030504040204" pitchFamily="34" charset="0"/>
-              </a:rPr>
-              <a:t>di una certa ampiezza che si possono estrarre da un dato collettivo mediante una determinata procedura prende il nome di </a:t>
-            </a:r>
-            <a:r>
-              <a:rPr lang="it-IT" sz="2400" b="1">
-                <a:solidFill>
-                  <a:schemeClr val="tx1"/>
-                </a:solidFill>
-                <a:latin typeface="Tahoma" panose="020B0604030504040204" pitchFamily="34" charset="0"/>
-                <a:ea typeface="Tahoma" panose="020B0604030504040204" pitchFamily="34" charset="0"/>
-                <a:cs typeface="Tahoma" panose="020B0604030504040204" pitchFamily="34" charset="0"/>
-              </a:rPr>
-              <a:t>Universo dei Campioni. </a:t>
-            </a:r>
-            <a:endParaRPr lang="it-IT" sz="2400">
+              <a:rPr lang="en-US" sz="2400">
+                <a:solidFill>
+                  <a:schemeClr val="tx1"/>
+                </a:solidFill>
+                <a:latin typeface="Tahoma" panose="020B0604030504040204" pitchFamily="34" charset="0"/>
+                <a:ea typeface="Tahoma" panose="020B0604030504040204" pitchFamily="34" charset="0"/>
+                <a:cs typeface="Tahoma" panose="020B0604030504040204" pitchFamily="34" charset="0"/>
+              </a:rPr>
+              <a:t>Inoltre una variabile statistica può essere </a:t>
+            </a:r>
+            <a:r>
+              <a:rPr lang="en-US" sz="2400" b="1">
+                <a:solidFill>
+                  <a:schemeClr val="tx1"/>
+                </a:solidFill>
+                <a:latin typeface="Tahoma" panose="020B0604030504040204" pitchFamily="34" charset="0"/>
+                <a:ea typeface="Tahoma" panose="020B0604030504040204" pitchFamily="34" charset="0"/>
+                <a:cs typeface="Tahoma" panose="020B0604030504040204" pitchFamily="34" charset="0"/>
+              </a:rPr>
+              <a:t>continua</a:t>
+            </a:r>
+            <a:r>
+              <a:rPr lang="en-US" sz="2400">
+                <a:solidFill>
+                  <a:schemeClr val="tx1"/>
+                </a:solidFill>
+                <a:latin typeface="Tahoma" panose="020B0604030504040204" pitchFamily="34" charset="0"/>
+                <a:ea typeface="Tahoma" panose="020B0604030504040204" pitchFamily="34" charset="0"/>
+                <a:cs typeface="Tahoma" panose="020B0604030504040204" pitchFamily="34" charset="0"/>
+              </a:rPr>
+              <a:t> o </a:t>
+            </a:r>
+            <a:r>
+              <a:rPr lang="en-US" sz="2400" b="1">
+                <a:solidFill>
+                  <a:schemeClr val="tx1"/>
+                </a:solidFill>
+                <a:latin typeface="Tahoma" panose="020B0604030504040204" pitchFamily="34" charset="0"/>
+                <a:ea typeface="Tahoma" panose="020B0604030504040204" pitchFamily="34" charset="0"/>
+                <a:cs typeface="Tahoma" panose="020B0604030504040204" pitchFamily="34" charset="0"/>
+              </a:rPr>
+              <a:t>discreta</a:t>
+            </a:r>
+            <a:r>
+              <a:rPr lang="en-US" sz="2400">
+                <a:solidFill>
+                  <a:schemeClr val="tx1"/>
+                </a:solidFill>
+                <a:latin typeface="Tahoma" panose="020B0604030504040204" pitchFamily="34" charset="0"/>
+                <a:ea typeface="Tahoma" panose="020B0604030504040204" pitchFamily="34" charset="0"/>
+                <a:cs typeface="Tahoma" panose="020B0604030504040204" pitchFamily="34" charset="0"/>
+              </a:rPr>
+              <a:t> a seconda dell'insieme di dati di riferimento. </a:t>
+            </a:r>
+            <a:endParaRPr lang="en-US" sz="2400" b="1">
               <a:solidFill>
                 <a:schemeClr val="tx1"/>
               </a:solidFill>
@@ -8100,7 +8090,7 @@
           <a:p>
             <a:r>
               <a:rPr lang="it-IT" altLang="it-IT"/>
-              <a:t>La Teoria della Stima</a:t>
+              <a:t>Distribuzione Statistica</a:t>
             </a:r>
             <a:endParaRPr lang="it-IT" dirty="0"/>
           </a:p>
@@ -8111,7 +8101,7 @@
           <p:cNvPr id="4" name="Immagine 3">
             <a:extLst>
               <a:ext uri="{FF2B5EF4-FFF2-40B4-BE49-F238E27FC236}">
-                <a16:creationId xmlns:a16="http://schemas.microsoft.com/office/drawing/2014/main" id="{70E614EB-7F62-70C9-1FA3-22EB0D2D2429}"/>
+                <a16:creationId xmlns:a16="http://schemas.microsoft.com/office/drawing/2014/main" id="{615F0BEE-9A56-A86C-21EF-F4C415E5093B}"/>
               </a:ext>
             </a:extLst>
           </p:cNvPr>
@@ -8128,8 +8118,8 @@
         </p:blipFill>
         <p:spPr>
           <a:xfrm>
-            <a:off x="8595361" y="2273798"/>
-            <a:ext cx="3207392" cy="2061895"/>
+            <a:off x="7801510" y="2571215"/>
+            <a:ext cx="3486150" cy="1895475"/>
           </a:xfrm>
           <a:prstGeom prst="rect">
             <a:avLst/>
@@ -8139,7 +8129,7 @@
     </p:spTree>
     <p:extLst>
       <p:ext uri="{BB962C8B-B14F-4D97-AF65-F5344CB8AC3E}">
-        <p14:creationId xmlns:p14="http://schemas.microsoft.com/office/powerpoint/2010/main" val="4248559389"/>
+        <p14:creationId xmlns:p14="http://schemas.microsoft.com/office/powerpoint/2010/main" val="1484102862"/>
       </p:ext>
     </p:extLst>
   </p:cSld>
@@ -8184,331 +8174,162 @@
         </p:nvSpPr>
         <p:spPr>
           <a:xfrm>
-            <a:off x="326299" y="1213806"/>
-            <a:ext cx="11411904" cy="4392612"/>
+            <a:off x="574294" y="1446404"/>
+            <a:ext cx="6833373" cy="4392612"/>
           </a:xfrm>
         </p:spPr>
         <p:txBody>
           <a:bodyPr/>
           <a:lstStyle/>
           <a:p>
-            <a:pPr marL="342900" indent="-342900">
+            <a:pPr marL="342900" indent="-342900" algn="just">
               <a:buFont typeface="Wingdings" panose="05000000000000000000" pitchFamily="2" charset="2"/>
               <a:buChar char="ü"/>
             </a:pPr>
             <a:r>
-              <a:rPr lang="it-IT" sz="2400">
-                <a:solidFill>
-                  <a:schemeClr val="tx1"/>
-                </a:solidFill>
-                <a:latin typeface="Tahoma" panose="020B0604030504040204" pitchFamily="34" charset="0"/>
-                <a:ea typeface="Tahoma" panose="020B0604030504040204" pitchFamily="34" charset="0"/>
-                <a:cs typeface="Tahoma" panose="020B0604030504040204" pitchFamily="34" charset="0"/>
-              </a:rPr>
-              <a:t>La </a:t>
-            </a:r>
-            <a:r>
-              <a:rPr lang="it-IT" sz="2400" b="1">
-                <a:solidFill>
-                  <a:schemeClr val="tx1"/>
-                </a:solidFill>
-                <a:latin typeface="Tahoma" panose="020B0604030504040204" pitchFamily="34" charset="0"/>
-                <a:ea typeface="Tahoma" panose="020B0604030504040204" pitchFamily="34" charset="0"/>
-                <a:cs typeface="Tahoma" panose="020B0604030504040204" pitchFamily="34" charset="0"/>
-              </a:rPr>
-              <a:t>numerosità</a:t>
-            </a:r>
-            <a:r>
-              <a:rPr lang="it-IT" sz="2400">
-                <a:solidFill>
-                  <a:schemeClr val="tx1"/>
-                </a:solidFill>
-                <a:latin typeface="Tahoma" panose="020B0604030504040204" pitchFamily="34" charset="0"/>
-                <a:ea typeface="Tahoma" panose="020B0604030504040204" pitchFamily="34" charset="0"/>
-                <a:cs typeface="Tahoma" panose="020B0604030504040204" pitchFamily="34" charset="0"/>
-              </a:rPr>
-              <a:t> (o consistenza) del </a:t>
-            </a:r>
-            <a:r>
-              <a:rPr lang="it-IT" sz="2400" b="1">
-                <a:solidFill>
-                  <a:schemeClr val="tx1"/>
-                </a:solidFill>
-                <a:latin typeface="Tahoma" panose="020B0604030504040204" pitchFamily="34" charset="0"/>
-                <a:ea typeface="Tahoma" panose="020B0604030504040204" pitchFamily="34" charset="0"/>
-                <a:cs typeface="Tahoma" panose="020B0604030504040204" pitchFamily="34" charset="0"/>
-              </a:rPr>
-              <a:t>campione</a:t>
-            </a:r>
-            <a:r>
-              <a:rPr lang="it-IT" sz="2400">
-                <a:solidFill>
-                  <a:schemeClr val="tx1"/>
-                </a:solidFill>
-                <a:latin typeface="Tahoma" panose="020B0604030504040204" pitchFamily="34" charset="0"/>
-                <a:ea typeface="Tahoma" panose="020B0604030504040204" pitchFamily="34" charset="0"/>
-                <a:cs typeface="Tahoma" panose="020B0604030504040204" pitchFamily="34" charset="0"/>
-              </a:rPr>
-              <a:t> </a:t>
-            </a:r>
-            <a:r>
-              <a:rPr lang="it-IT" sz="2400" b="1" i="1">
-                <a:solidFill>
-                  <a:schemeClr val="tx1"/>
-                </a:solidFill>
-                <a:latin typeface="Tahoma" panose="020B0604030504040204" pitchFamily="34" charset="0"/>
-                <a:ea typeface="Tahoma" panose="020B0604030504040204" pitchFamily="34" charset="0"/>
-                <a:cs typeface="Tahoma" panose="020B0604030504040204" pitchFamily="34" charset="0"/>
-              </a:rPr>
-              <a:t>n</a:t>
-            </a:r>
-            <a:r>
-              <a:rPr lang="it-IT" sz="2400">
-                <a:solidFill>
-                  <a:schemeClr val="tx1"/>
-                </a:solidFill>
-                <a:latin typeface="Tahoma" panose="020B0604030504040204" pitchFamily="34" charset="0"/>
-                <a:ea typeface="Tahoma" panose="020B0604030504040204" pitchFamily="34" charset="0"/>
-                <a:cs typeface="Tahoma" panose="020B0604030504040204" pitchFamily="34" charset="0"/>
-              </a:rPr>
-              <a:t> dipende dalla </a:t>
-            </a:r>
-            <a:r>
-              <a:rPr lang="it-IT" sz="2400" b="1">
-                <a:solidFill>
-                  <a:schemeClr val="tx1"/>
-                </a:solidFill>
-                <a:latin typeface="Tahoma" panose="020B0604030504040204" pitchFamily="34" charset="0"/>
-                <a:ea typeface="Tahoma" panose="020B0604030504040204" pitchFamily="34" charset="0"/>
-                <a:cs typeface="Tahoma" panose="020B0604030504040204" pitchFamily="34" charset="0"/>
-              </a:rPr>
-              <a:t>numerosità della popolazione </a:t>
-            </a:r>
-            <a:r>
-              <a:rPr lang="it-IT" sz="2400" b="1" i="1">
-                <a:solidFill>
-                  <a:schemeClr val="tx1"/>
-                </a:solidFill>
-                <a:latin typeface="Tahoma" panose="020B0604030504040204" pitchFamily="34" charset="0"/>
-                <a:ea typeface="Tahoma" panose="020B0604030504040204" pitchFamily="34" charset="0"/>
-                <a:cs typeface="Tahoma" panose="020B0604030504040204" pitchFamily="34" charset="0"/>
-              </a:rPr>
-              <a:t>N</a:t>
-            </a:r>
-            <a:r>
-              <a:rPr lang="it-IT" sz="2400" b="1">
-                <a:solidFill>
-                  <a:schemeClr val="tx1"/>
-                </a:solidFill>
-                <a:latin typeface="Tahoma" panose="020B0604030504040204" pitchFamily="34" charset="0"/>
-                <a:ea typeface="Tahoma" panose="020B0604030504040204" pitchFamily="34" charset="0"/>
-                <a:cs typeface="Tahoma" panose="020B0604030504040204" pitchFamily="34" charset="0"/>
-              </a:rPr>
-              <a:t>.</a:t>
+              <a:rPr lang="en-US" sz="2400" b="1">
+                <a:solidFill>
+                  <a:schemeClr val="tx1"/>
+                </a:solidFill>
+                <a:latin typeface="Tahoma" panose="020B0604030504040204" pitchFamily="34" charset="0"/>
+                <a:ea typeface="Tahoma" panose="020B0604030504040204" pitchFamily="34" charset="0"/>
+                <a:cs typeface="Tahoma" panose="020B0604030504040204" pitchFamily="34" charset="0"/>
+              </a:rPr>
+              <a:t>Esistono molteplici rappresentazioni grafiche </a:t>
+            </a:r>
+            <a:r>
+              <a:rPr lang="en-US" sz="2400">
+                <a:solidFill>
+                  <a:schemeClr val="tx1"/>
+                </a:solidFill>
+                <a:latin typeface="Tahoma" panose="020B0604030504040204" pitchFamily="34" charset="0"/>
+                <a:ea typeface="Tahoma" panose="020B0604030504040204" pitchFamily="34" charset="0"/>
+                <a:cs typeface="Tahoma" panose="020B0604030504040204" pitchFamily="34" charset="0"/>
+              </a:rPr>
+              <a:t>dei dati statistiche, vediamo solo quelle che si prestano ad una interpretazione dei dati in maniera soddisfacente. </a:t>
             </a:r>
           </a:p>
           <a:p>
-            <a:pPr marL="342900" indent="-342900">
+            <a:pPr marL="342900" indent="-342900" algn="just">
               <a:buFont typeface="Wingdings" panose="05000000000000000000" pitchFamily="2" charset="2"/>
               <a:buChar char="ü"/>
             </a:pPr>
             <a:r>
-              <a:rPr lang="it-IT" sz="2400" b="1">
-                <a:solidFill>
-                  <a:schemeClr val="tx1"/>
-                </a:solidFill>
-                <a:latin typeface="Tahoma" panose="020B0604030504040204" pitchFamily="34" charset="0"/>
-                <a:ea typeface="Tahoma" panose="020B0604030504040204" pitchFamily="34" charset="0"/>
-                <a:cs typeface="Tahoma" panose="020B0604030504040204" pitchFamily="34" charset="0"/>
-              </a:rPr>
-              <a:t>L'Inferenza</a:t>
-            </a:r>
-            <a:r>
-              <a:rPr lang="it-IT" sz="2400">
-                <a:solidFill>
-                  <a:schemeClr val="tx1"/>
-                </a:solidFill>
-                <a:latin typeface="Tahoma" panose="020B0604030504040204" pitchFamily="34" charset="0"/>
-                <a:ea typeface="Tahoma" panose="020B0604030504040204" pitchFamily="34" charset="0"/>
-                <a:cs typeface="Tahoma" panose="020B0604030504040204" pitchFamily="34" charset="0"/>
-              </a:rPr>
-              <a:t> </a:t>
-            </a:r>
-            <a:r>
-              <a:rPr lang="it-IT" sz="2400" b="1">
-                <a:solidFill>
-                  <a:schemeClr val="tx1"/>
-                </a:solidFill>
-                <a:latin typeface="Tahoma" panose="020B0604030504040204" pitchFamily="34" charset="0"/>
-                <a:ea typeface="Tahoma" panose="020B0604030504040204" pitchFamily="34" charset="0"/>
-                <a:cs typeface="Tahoma" panose="020B0604030504040204" pitchFamily="34" charset="0"/>
-              </a:rPr>
-              <a:t>Statistica (</a:t>
-            </a:r>
-            <a:r>
-              <a:rPr lang="it-IT" sz="2400">
-                <a:solidFill>
-                  <a:schemeClr val="tx1"/>
-                </a:solidFill>
-                <a:latin typeface="Tahoma" panose="020B0604030504040204" pitchFamily="34" charset="0"/>
-                <a:ea typeface="Tahoma" panose="020B0604030504040204" pitchFamily="34" charset="0"/>
-                <a:cs typeface="Tahoma" panose="020B0604030504040204" pitchFamily="34" charset="0"/>
-              </a:rPr>
-              <a:t>o statistica inferenziale) è quella parte dell'analisi statistica che tenta di derivare dalle informazioni raccolte sul </a:t>
-            </a:r>
-            <a:r>
-              <a:rPr lang="it-IT" sz="2400" b="1">
-                <a:solidFill>
-                  <a:schemeClr val="tx1"/>
-                </a:solidFill>
-                <a:latin typeface="Tahoma" panose="020B0604030504040204" pitchFamily="34" charset="0"/>
-                <a:ea typeface="Tahoma" panose="020B0604030504040204" pitchFamily="34" charset="0"/>
-                <a:cs typeface="Tahoma" panose="020B0604030504040204" pitchFamily="34" charset="0"/>
-              </a:rPr>
-              <a:t>campione</a:t>
-            </a:r>
-            <a:r>
-              <a:rPr lang="it-IT" sz="2400">
-                <a:solidFill>
-                  <a:schemeClr val="tx1"/>
-                </a:solidFill>
-                <a:latin typeface="Tahoma" panose="020B0604030504040204" pitchFamily="34" charset="0"/>
-                <a:ea typeface="Tahoma" panose="020B0604030504040204" pitchFamily="34" charset="0"/>
-                <a:cs typeface="Tahoma" panose="020B0604030504040204" pitchFamily="34" charset="0"/>
-              </a:rPr>
-              <a:t> altre informazioni riguardanti la </a:t>
-            </a:r>
-            <a:r>
-              <a:rPr lang="it-IT" sz="2400" b="1">
-                <a:solidFill>
-                  <a:schemeClr val="tx1"/>
-                </a:solidFill>
-                <a:latin typeface="Tahoma" panose="020B0604030504040204" pitchFamily="34" charset="0"/>
-                <a:ea typeface="Tahoma" panose="020B0604030504040204" pitchFamily="34" charset="0"/>
-                <a:cs typeface="Tahoma" panose="020B0604030504040204" pitchFamily="34" charset="0"/>
-              </a:rPr>
-              <a:t>popolazione, </a:t>
-            </a:r>
-            <a:r>
-              <a:rPr lang="it-IT" sz="2400">
-                <a:solidFill>
-                  <a:schemeClr val="tx1"/>
-                </a:solidFill>
-                <a:latin typeface="Tahoma" panose="020B0604030504040204" pitchFamily="34" charset="0"/>
-                <a:ea typeface="Tahoma" panose="020B0604030504040204" pitchFamily="34" charset="0"/>
-                <a:cs typeface="Tahoma" panose="020B0604030504040204" pitchFamily="34" charset="0"/>
-              </a:rPr>
-              <a:t>in modo da "inferire" quali sono le caratteristiche salienti della popolazione a partire da quelle del campuione. </a:t>
+              <a:rPr lang="en-US" sz="2400" b="1">
+                <a:solidFill>
+                  <a:schemeClr val="tx1"/>
+                </a:solidFill>
+                <a:latin typeface="Tahoma" panose="020B0604030504040204" pitchFamily="34" charset="0"/>
+                <a:ea typeface="Tahoma" panose="020B0604030504040204" pitchFamily="34" charset="0"/>
+                <a:cs typeface="Tahoma" panose="020B0604030504040204" pitchFamily="34" charset="0"/>
+              </a:rPr>
+              <a:t>Riferimento Cartesiano Ortogonale (Scatter Plot, Line Plot, ecc): </a:t>
+            </a:r>
+            <a:r>
+              <a:rPr lang="en-US" sz="2400">
+                <a:solidFill>
+                  <a:schemeClr val="tx1"/>
+                </a:solidFill>
+                <a:latin typeface="Tahoma" panose="020B0604030504040204" pitchFamily="34" charset="0"/>
+                <a:ea typeface="Tahoma" panose="020B0604030504040204" pitchFamily="34" charset="0"/>
+                <a:cs typeface="Tahoma" panose="020B0604030504040204" pitchFamily="34" charset="0"/>
+              </a:rPr>
+              <a:t>tale sistema è costituito da due </a:t>
+            </a:r>
+            <a:r>
+              <a:rPr lang="en-US" sz="2400" b="1">
+                <a:solidFill>
+                  <a:schemeClr val="tx1"/>
+                </a:solidFill>
+                <a:latin typeface="Tahoma" panose="020B0604030504040204" pitchFamily="34" charset="0"/>
+                <a:ea typeface="Tahoma" panose="020B0604030504040204" pitchFamily="34" charset="0"/>
+                <a:cs typeface="Tahoma" panose="020B0604030504040204" pitchFamily="34" charset="0"/>
+              </a:rPr>
+              <a:t>rette ortogonali, </a:t>
+            </a:r>
+            <a:r>
+              <a:rPr lang="en-US" sz="2400">
+                <a:solidFill>
+                  <a:schemeClr val="tx1"/>
+                </a:solidFill>
+                <a:latin typeface="Tahoma" panose="020B0604030504040204" pitchFamily="34" charset="0"/>
+                <a:ea typeface="Tahoma" panose="020B0604030504040204" pitchFamily="34" charset="0"/>
+                <a:cs typeface="Tahoma" panose="020B0604030504040204" pitchFamily="34" charset="0"/>
+              </a:rPr>
+              <a:t>il cui punto di intersezione (0) è denominato </a:t>
+            </a:r>
+            <a:r>
+              <a:rPr lang="en-US" sz="2400" b="1">
+                <a:solidFill>
+                  <a:schemeClr val="tx1"/>
+                </a:solidFill>
+                <a:latin typeface="Tahoma" panose="020B0604030504040204" pitchFamily="34" charset="0"/>
+                <a:ea typeface="Tahoma" panose="020B0604030504040204" pitchFamily="34" charset="0"/>
+                <a:cs typeface="Tahoma" panose="020B0604030504040204" pitchFamily="34" charset="0"/>
+              </a:rPr>
+              <a:t>origine </a:t>
+            </a:r>
+            <a:r>
+              <a:rPr lang="en-US" sz="2400">
+                <a:solidFill>
+                  <a:schemeClr val="tx1"/>
+                </a:solidFill>
+                <a:latin typeface="Tahoma" panose="020B0604030504040204" pitchFamily="34" charset="0"/>
+                <a:ea typeface="Tahoma" panose="020B0604030504040204" pitchFamily="34" charset="0"/>
+                <a:cs typeface="Tahoma" panose="020B0604030504040204" pitchFamily="34" charset="0"/>
+              </a:rPr>
+              <a:t>e la linea orizzontale viene detta </a:t>
+            </a:r>
+            <a:r>
+              <a:rPr lang="en-US" sz="2400" b="1">
+                <a:solidFill>
+                  <a:schemeClr val="tx1"/>
+                </a:solidFill>
+                <a:latin typeface="Tahoma" panose="020B0604030504040204" pitchFamily="34" charset="0"/>
+                <a:ea typeface="Tahoma" panose="020B0604030504040204" pitchFamily="34" charset="0"/>
+                <a:cs typeface="Tahoma" panose="020B0604030504040204" pitchFamily="34" charset="0"/>
+              </a:rPr>
+              <a:t>asse delle ascisse </a:t>
+            </a:r>
+            <a:r>
+              <a:rPr lang="en-US" sz="2400">
+                <a:solidFill>
+                  <a:schemeClr val="tx1"/>
+                </a:solidFill>
+                <a:latin typeface="Tahoma" panose="020B0604030504040204" pitchFamily="34" charset="0"/>
+                <a:ea typeface="Tahoma" panose="020B0604030504040204" pitchFamily="34" charset="0"/>
+                <a:cs typeface="Tahoma" panose="020B0604030504040204" pitchFamily="34" charset="0"/>
+              </a:rPr>
+              <a:t>mentre quella verticale viene detta </a:t>
+            </a:r>
+            <a:r>
+              <a:rPr lang="en-US" sz="2400" b="1">
+                <a:solidFill>
+                  <a:schemeClr val="tx1"/>
+                </a:solidFill>
+                <a:latin typeface="Tahoma" panose="020B0604030504040204" pitchFamily="34" charset="0"/>
+                <a:ea typeface="Tahoma" panose="020B0604030504040204" pitchFamily="34" charset="0"/>
+                <a:cs typeface="Tahoma" panose="020B0604030504040204" pitchFamily="34" charset="0"/>
+              </a:rPr>
+              <a:t>asse delle ordinate. </a:t>
             </a:r>
           </a:p>
           <a:p>
-            <a:pPr marL="342900" indent="-342900">
+            <a:pPr marL="342900" indent="-342900" algn="just">
               <a:buFont typeface="Wingdings" panose="05000000000000000000" pitchFamily="2" charset="2"/>
               <a:buChar char="ü"/>
             </a:pPr>
             <a:r>
-              <a:rPr lang="it-IT" sz="2400" b="1">
-                <a:solidFill>
-                  <a:schemeClr val="tx1"/>
-                </a:solidFill>
-                <a:latin typeface="Tahoma" panose="020B0604030504040204" pitchFamily="34" charset="0"/>
-                <a:ea typeface="Tahoma" panose="020B0604030504040204" pitchFamily="34" charset="0"/>
-                <a:cs typeface="Tahoma" panose="020B0604030504040204" pitchFamily="34" charset="0"/>
-              </a:rPr>
-              <a:t>Campionamento: </a:t>
-            </a:r>
-            <a:r>
-              <a:rPr lang="it-IT" sz="2400">
-                <a:solidFill>
-                  <a:schemeClr val="tx1"/>
-                </a:solidFill>
-                <a:latin typeface="Tahoma" panose="020B0604030504040204" pitchFamily="34" charset="0"/>
-                <a:ea typeface="Tahoma" panose="020B0604030504040204" pitchFamily="34" charset="0"/>
-                <a:cs typeface="Tahoma" panose="020B0604030504040204" pitchFamily="34" charset="0"/>
-              </a:rPr>
-              <a:t>è il procedimento in base al quale si perviene alla costituzione del campione e alla rilevazione dei dati relativi ad esso. </a:t>
-            </a:r>
-          </a:p>
-          <a:p>
-            <a:pPr marL="342900" indent="-342900">
-              <a:buFont typeface="Wingdings" panose="05000000000000000000" pitchFamily="2" charset="2"/>
-              <a:buChar char="ü"/>
-            </a:pPr>
-            <a:r>
-              <a:rPr lang="it-IT" sz="2400">
-                <a:solidFill>
-                  <a:schemeClr val="tx1"/>
-                </a:solidFill>
-                <a:latin typeface="Tahoma" panose="020B0604030504040204" pitchFamily="34" charset="0"/>
-                <a:ea typeface="Tahoma" panose="020B0604030504040204" pitchFamily="34" charset="0"/>
-                <a:cs typeface="Tahoma" panose="020B0604030504040204" pitchFamily="34" charset="0"/>
-              </a:rPr>
-              <a:t>L'estrazione di un </a:t>
-            </a:r>
-            <a:r>
-              <a:rPr lang="it-IT" sz="2400" b="1">
-                <a:solidFill>
-                  <a:schemeClr val="tx1"/>
-                </a:solidFill>
-                <a:latin typeface="Tahoma" panose="020B0604030504040204" pitchFamily="34" charset="0"/>
-                <a:ea typeface="Tahoma" panose="020B0604030504040204" pitchFamily="34" charset="0"/>
-                <a:cs typeface="Tahoma" panose="020B0604030504040204" pitchFamily="34" charset="0"/>
-              </a:rPr>
-              <a:t>campione </a:t>
-            </a:r>
-            <a:r>
-              <a:rPr lang="it-IT" sz="2400">
-                <a:solidFill>
-                  <a:schemeClr val="tx1"/>
-                </a:solidFill>
-                <a:latin typeface="Tahoma" panose="020B0604030504040204" pitchFamily="34" charset="0"/>
-                <a:ea typeface="Tahoma" panose="020B0604030504040204" pitchFamily="34" charset="0"/>
-                <a:cs typeface="Tahoma" panose="020B0604030504040204" pitchFamily="34" charset="0"/>
-              </a:rPr>
-              <a:t>può avvenire in due modalità: </a:t>
-            </a:r>
-          </a:p>
-          <a:p>
-            <a:pPr marL="971550" lvl="1" indent="-514350">
-              <a:buFont typeface="+mj-lt"/>
-              <a:buAutoNum type="arabicPeriod"/>
-            </a:pPr>
-            <a:r>
-              <a:rPr lang="it-IT" sz="2600">
-                <a:solidFill>
-                  <a:schemeClr val="tx1"/>
-                </a:solidFill>
-                <a:latin typeface="Tahoma" panose="020B0604030504040204" pitchFamily="34" charset="0"/>
-                <a:ea typeface="Tahoma" panose="020B0604030504040204" pitchFamily="34" charset="0"/>
-                <a:cs typeface="Tahoma" panose="020B0604030504040204" pitchFamily="34" charset="0"/>
-              </a:rPr>
-              <a:t>con reimmissione</a:t>
-            </a:r>
-          </a:p>
-          <a:p>
-            <a:pPr marL="971550" lvl="1" indent="-514350">
-              <a:buFont typeface="+mj-lt"/>
-              <a:buAutoNum type="arabicPeriod"/>
-            </a:pPr>
-            <a:r>
-              <a:rPr lang="it-IT" sz="2600">
-                <a:solidFill>
-                  <a:schemeClr val="tx1"/>
-                </a:solidFill>
-                <a:latin typeface="Tahoma" panose="020B0604030504040204" pitchFamily="34" charset="0"/>
-                <a:ea typeface="Tahoma" panose="020B0604030504040204" pitchFamily="34" charset="0"/>
-                <a:cs typeface="Tahoma" panose="020B0604030504040204" pitchFamily="34" charset="0"/>
-              </a:rPr>
-              <a:t>senza reimmissione </a:t>
-            </a:r>
-            <a:endParaRPr lang="it-IT" sz="2600" b="1">
-              <a:solidFill>
-                <a:schemeClr val="tx1"/>
-              </a:solidFill>
-              <a:latin typeface="Tahoma" panose="020B0604030504040204" pitchFamily="34" charset="0"/>
-              <a:ea typeface="Tahoma" panose="020B0604030504040204" pitchFamily="34" charset="0"/>
-              <a:cs typeface="Tahoma" panose="020B0604030504040204" pitchFamily="34" charset="0"/>
-            </a:endParaRPr>
+              <a:rPr lang="en-US" sz="2400">
+                <a:solidFill>
+                  <a:schemeClr val="tx1"/>
+                </a:solidFill>
+                <a:latin typeface="Tahoma" panose="020B0604030504040204" pitchFamily="34" charset="0"/>
+                <a:ea typeface="Tahoma" panose="020B0604030504040204" pitchFamily="34" charset="0"/>
+                <a:cs typeface="Tahoma" panose="020B0604030504040204" pitchFamily="34" charset="0"/>
+              </a:rPr>
+              <a:t>Su entrambi gli assi si fissano un'unità di misura dei segmenti ed un orientamento.  </a:t>
+            </a:r>
           </a:p>
         </p:txBody>
       </p:sp>
@@ -8574,17 +8395,77 @@
           <a:lstStyle/>
           <a:p>
             <a:r>
-              <a:rPr lang="it-IT" altLang="it-IT"/>
-              <a:t>La Teoria della Stima</a:t>
+              <a:rPr lang="it-IT"/>
+              <a:t>Rappresentazioni Grafiche</a:t>
             </a:r>
             <a:endParaRPr lang="it-IT" dirty="0"/>
           </a:p>
         </p:txBody>
       </p:sp>
+      <p:pic>
+        <p:nvPicPr>
+          <p:cNvPr id="6" name="Immagine 5">
+            <a:extLst>
+              <a:ext uri="{FF2B5EF4-FFF2-40B4-BE49-F238E27FC236}">
+                <a16:creationId xmlns:a16="http://schemas.microsoft.com/office/drawing/2014/main" id="{A30FF9FD-4365-9373-D6D9-32D0DA433AA3}"/>
+              </a:ext>
+            </a:extLst>
+          </p:cNvPr>
+          <p:cNvPicPr>
+            <a:picLocks noChangeAspect="1"/>
+          </p:cNvPicPr>
+          <p:nvPr/>
+        </p:nvPicPr>
+        <p:blipFill>
+          <a:blip r:embed="rId2"/>
+          <a:stretch>
+            <a:fillRect/>
+          </a:stretch>
+        </p:blipFill>
+        <p:spPr>
+          <a:xfrm>
+            <a:off x="7997868" y="1446404"/>
+            <a:ext cx="3017462" cy="3017462"/>
+          </a:xfrm>
+          <a:prstGeom prst="rect">
+            <a:avLst/>
+          </a:prstGeom>
+        </p:spPr>
+      </p:pic>
+      <p:pic>
+        <p:nvPicPr>
+          <p:cNvPr id="9" name="Immagine 8">
+            <a:extLst>
+              <a:ext uri="{FF2B5EF4-FFF2-40B4-BE49-F238E27FC236}">
+                <a16:creationId xmlns:a16="http://schemas.microsoft.com/office/drawing/2014/main" id="{EBE84EE2-DE4D-D883-7CA8-66A97000F93F}"/>
+              </a:ext>
+            </a:extLst>
+          </p:cNvPr>
+          <p:cNvPicPr>
+            <a:picLocks noChangeAspect="1"/>
+          </p:cNvPicPr>
+          <p:nvPr/>
+        </p:nvPicPr>
+        <p:blipFill>
+          <a:blip r:embed="rId3"/>
+          <a:stretch>
+            <a:fillRect/>
+          </a:stretch>
+        </p:blipFill>
+        <p:spPr>
+          <a:xfrm>
+            <a:off x="8385049" y="4693837"/>
+            <a:ext cx="2428875" cy="1885950"/>
+          </a:xfrm>
+          <a:prstGeom prst="rect">
+            <a:avLst/>
+          </a:prstGeom>
+        </p:spPr>
+      </p:pic>
     </p:spTree>
     <p:extLst>
       <p:ext uri="{BB962C8B-B14F-4D97-AF65-F5344CB8AC3E}">
-        <p14:creationId xmlns:p14="http://schemas.microsoft.com/office/powerpoint/2010/main" val="81087457"/>
+        <p14:creationId xmlns:p14="http://schemas.microsoft.com/office/powerpoint/2010/main" val="4288214118"/>
       </p:ext>
     </p:extLst>
   </p:cSld>
@@ -8629,178 +8510,154 @@
         </p:nvSpPr>
         <p:spPr>
           <a:xfrm>
-            <a:off x="326299" y="1213806"/>
-            <a:ext cx="8269062" cy="4392612"/>
+            <a:off x="574294" y="1446404"/>
+            <a:ext cx="6833373" cy="4392612"/>
           </a:xfrm>
         </p:spPr>
         <p:txBody>
           <a:bodyPr/>
           <a:lstStyle/>
           <a:p>
-            <a:pPr marL="342900" indent="-342900">
+            <a:pPr marL="342900" indent="-342900" algn="just">
               <a:buFont typeface="Wingdings" panose="05000000000000000000" pitchFamily="2" charset="2"/>
               <a:buChar char="ü"/>
             </a:pPr>
             <a:r>
-              <a:rPr lang="it-IT" sz="2400">
-                <a:solidFill>
-                  <a:schemeClr val="tx1"/>
-                </a:solidFill>
-                <a:latin typeface="Tahoma" panose="020B0604030504040204" pitchFamily="34" charset="0"/>
-                <a:ea typeface="Tahoma" panose="020B0604030504040204" pitchFamily="34" charset="0"/>
-                <a:cs typeface="Tahoma" panose="020B0604030504040204" pitchFamily="34" charset="0"/>
-              </a:rPr>
-              <a:t>Nel campionamento con </a:t>
-            </a:r>
-            <a:r>
-              <a:rPr lang="it-IT" sz="2400" b="1">
-                <a:solidFill>
-                  <a:schemeClr val="tx1"/>
-                </a:solidFill>
-                <a:latin typeface="Tahoma" panose="020B0604030504040204" pitchFamily="34" charset="0"/>
-                <a:ea typeface="Tahoma" panose="020B0604030504040204" pitchFamily="34" charset="0"/>
-                <a:cs typeface="Tahoma" panose="020B0604030504040204" pitchFamily="34" charset="0"/>
-              </a:rPr>
-              <a:t>reimmissione,</a:t>
-            </a:r>
-            <a:r>
-              <a:rPr lang="it-IT" sz="2400">
-                <a:solidFill>
-                  <a:schemeClr val="tx1"/>
-                </a:solidFill>
-                <a:latin typeface="Tahoma" panose="020B0604030504040204" pitchFamily="34" charset="0"/>
-                <a:ea typeface="Tahoma" panose="020B0604030504040204" pitchFamily="34" charset="0"/>
-                <a:cs typeface="Tahoma" panose="020B0604030504040204" pitchFamily="34" charset="0"/>
-              </a:rPr>
-              <a:t> detto anche "</a:t>
-            </a:r>
-            <a:r>
-              <a:rPr lang="it-IT" sz="2400" b="1">
-                <a:solidFill>
-                  <a:schemeClr val="tx1"/>
-                </a:solidFill>
-                <a:latin typeface="Tahoma" panose="020B0604030504040204" pitchFamily="34" charset="0"/>
-                <a:ea typeface="Tahoma" panose="020B0604030504040204" pitchFamily="34" charset="0"/>
-                <a:cs typeface="Tahoma" panose="020B0604030504040204" pitchFamily="34" charset="0"/>
-              </a:rPr>
-              <a:t>campionamento</a:t>
-            </a:r>
-            <a:r>
-              <a:rPr lang="it-IT" sz="2400">
-                <a:solidFill>
-                  <a:schemeClr val="tx1"/>
-                </a:solidFill>
-                <a:latin typeface="Tahoma" panose="020B0604030504040204" pitchFamily="34" charset="0"/>
-                <a:ea typeface="Tahoma" panose="020B0604030504040204" pitchFamily="34" charset="0"/>
-                <a:cs typeface="Tahoma" panose="020B0604030504040204" pitchFamily="34" charset="0"/>
-              </a:rPr>
-              <a:t> </a:t>
-            </a:r>
-            <a:r>
-              <a:rPr lang="it-IT" sz="2400" b="1">
-                <a:solidFill>
-                  <a:schemeClr val="tx1"/>
-                </a:solidFill>
-                <a:latin typeface="Tahoma" panose="020B0604030504040204" pitchFamily="34" charset="0"/>
-                <a:ea typeface="Tahoma" panose="020B0604030504040204" pitchFamily="34" charset="0"/>
-                <a:cs typeface="Tahoma" panose="020B0604030504040204" pitchFamily="34" charset="0"/>
-              </a:rPr>
-              <a:t>bernoulliano</a:t>
-            </a:r>
-            <a:r>
-              <a:rPr lang="it-IT" sz="2400">
-                <a:solidFill>
-                  <a:schemeClr val="tx1"/>
-                </a:solidFill>
-                <a:latin typeface="Tahoma" panose="020B0604030504040204" pitchFamily="34" charset="0"/>
-                <a:ea typeface="Tahoma" panose="020B0604030504040204" pitchFamily="34" charset="0"/>
-                <a:cs typeface="Tahoma" panose="020B0604030504040204" pitchFamily="34" charset="0"/>
-              </a:rPr>
-              <a:t>", non si esclude che un elemento del campione venga ripescato una o più volte. Questo è il caso che interessa maggiormente, in quanto la reimmissione fa si che le variabili casuali rappresentate dalla prima estrazione, dalla seconda e così via siando una indipendente dall'altra, cosa che non avverrebbe in caso di estrazione senza reimmissione, detto anche "</a:t>
-            </a:r>
-            <a:r>
-              <a:rPr lang="it-IT" sz="2400" b="1">
-                <a:solidFill>
-                  <a:schemeClr val="tx1"/>
-                </a:solidFill>
-                <a:latin typeface="Tahoma" panose="020B0604030504040204" pitchFamily="34" charset="0"/>
-                <a:ea typeface="Tahoma" panose="020B0604030504040204" pitchFamily="34" charset="0"/>
-                <a:cs typeface="Tahoma" panose="020B0604030504040204" pitchFamily="34" charset="0"/>
-              </a:rPr>
-              <a:t>campionamento in blocco". </a:t>
+              <a:rPr lang="en-US" sz="2400">
+                <a:solidFill>
+                  <a:schemeClr val="tx1"/>
+                </a:solidFill>
+                <a:latin typeface="Tahoma" panose="020B0604030504040204" pitchFamily="34" charset="0"/>
+                <a:ea typeface="Tahoma" panose="020B0604030504040204" pitchFamily="34" charset="0"/>
+                <a:cs typeface="Tahoma" panose="020B0604030504040204" pitchFamily="34" charset="0"/>
+              </a:rPr>
+              <a:t>Una volta stabilite le opportune unità di misura per entrambi gli assi, la rappresentazione grafica in question è particolarmente utile nel caso delle </a:t>
+            </a:r>
+            <a:r>
+              <a:rPr lang="en-US" sz="2400" b="1">
+                <a:solidFill>
+                  <a:schemeClr val="tx1"/>
+                </a:solidFill>
+                <a:latin typeface="Tahoma" panose="020B0604030504040204" pitchFamily="34" charset="0"/>
+                <a:ea typeface="Tahoma" panose="020B0604030504040204" pitchFamily="34" charset="0"/>
+                <a:cs typeface="Tahoma" panose="020B0604030504040204" pitchFamily="34" charset="0"/>
+              </a:rPr>
+              <a:t>serie temporali</a:t>
             </a:r>
           </a:p>
           <a:p>
-            <a:pPr marL="342900" indent="-342900">
+            <a:pPr marL="342900" indent="-342900" algn="just">
               <a:buFont typeface="Wingdings" panose="05000000000000000000" pitchFamily="2" charset="2"/>
               <a:buChar char="ü"/>
             </a:pPr>
             <a:r>
-              <a:rPr lang="it-IT" sz="2400" b="1">
-                <a:solidFill>
-                  <a:schemeClr val="tx1"/>
-                </a:solidFill>
-                <a:latin typeface="Tahoma" panose="020B0604030504040204" pitchFamily="34" charset="0"/>
-                <a:ea typeface="Tahoma" panose="020B0604030504040204" pitchFamily="34" charset="0"/>
-                <a:cs typeface="Tahoma" panose="020B0604030504040204" pitchFamily="34" charset="0"/>
-              </a:rPr>
-              <a:t>Non esiste un unico modo per campionare da una popolazione. </a:t>
-            </a:r>
-            <a:r>
-              <a:rPr lang="it-IT" sz="2400">
-                <a:solidFill>
-                  <a:schemeClr val="tx1"/>
-                </a:solidFill>
-                <a:latin typeface="Tahoma" panose="020B0604030504040204" pitchFamily="34" charset="0"/>
-                <a:ea typeface="Tahoma" panose="020B0604030504040204" pitchFamily="34" charset="0"/>
-                <a:cs typeface="Tahoma" panose="020B0604030504040204" pitchFamily="34" charset="0"/>
-              </a:rPr>
-              <a:t>Il </a:t>
-            </a:r>
-            <a:r>
-              <a:rPr lang="it-IT" sz="2400" b="1">
-                <a:solidFill>
-                  <a:schemeClr val="tx1"/>
-                </a:solidFill>
-                <a:latin typeface="Tahoma" panose="020B0604030504040204" pitchFamily="34" charset="0"/>
-                <a:ea typeface="Tahoma" panose="020B0604030504040204" pitchFamily="34" charset="0"/>
-                <a:cs typeface="Tahoma" panose="020B0604030504040204" pitchFamily="34" charset="0"/>
-              </a:rPr>
-              <a:t>campionamento casuale semplice </a:t>
-            </a:r>
-            <a:r>
-              <a:rPr lang="it-IT" sz="2400">
-                <a:solidFill>
-                  <a:schemeClr val="tx1"/>
-                </a:solidFill>
-                <a:latin typeface="Tahoma" panose="020B0604030504040204" pitchFamily="34" charset="0"/>
-                <a:ea typeface="Tahoma" panose="020B0604030504040204" pitchFamily="34" charset="0"/>
-                <a:cs typeface="Tahoma" panose="020B0604030504040204" pitchFamily="34" charset="0"/>
-              </a:rPr>
-              <a:t>è quello più utilizzato, quando si vuole che le unità statistiche della popolazione abbiano la stessa probabilità di entrare nel </a:t>
-            </a:r>
-            <a:r>
-              <a:rPr lang="it-IT" sz="2400" b="1">
-                <a:solidFill>
-                  <a:schemeClr val="tx1"/>
-                </a:solidFill>
-                <a:latin typeface="Tahoma" panose="020B0604030504040204" pitchFamily="34" charset="0"/>
-                <a:ea typeface="Tahoma" panose="020B0604030504040204" pitchFamily="34" charset="0"/>
-                <a:cs typeface="Tahoma" panose="020B0604030504040204" pitchFamily="34" charset="0"/>
-              </a:rPr>
-              <a:t>campione</a:t>
-            </a:r>
-            <a:r>
-              <a:rPr lang="it-IT" sz="2400">
-                <a:solidFill>
-                  <a:schemeClr val="tx1"/>
-                </a:solidFill>
-                <a:latin typeface="Tahoma" panose="020B0604030504040204" pitchFamily="34" charset="0"/>
-                <a:ea typeface="Tahoma" panose="020B0604030504040204" pitchFamily="34" charset="0"/>
-                <a:cs typeface="Tahoma" panose="020B0604030504040204" pitchFamily="34" charset="0"/>
-              </a:rPr>
-              <a:t>. </a:t>
-            </a:r>
+              <a:rPr lang="en-US" sz="2400">
+                <a:solidFill>
+                  <a:schemeClr val="tx1"/>
+                </a:solidFill>
+                <a:latin typeface="Tahoma" panose="020B0604030504040204" pitchFamily="34" charset="0"/>
+                <a:ea typeface="Tahoma" panose="020B0604030504040204" pitchFamily="34" charset="0"/>
+                <a:cs typeface="Tahoma" panose="020B0604030504040204" pitchFamily="34" charset="0"/>
+              </a:rPr>
+              <a:t>Sull'asse delle ascisse si fissa la relativa unità temporale (giorno, mese, anno)</a:t>
+            </a:r>
+          </a:p>
+          <a:p>
+            <a:pPr marL="342900" indent="-342900" algn="just">
+              <a:buFont typeface="Wingdings" panose="05000000000000000000" pitchFamily="2" charset="2"/>
+              <a:buChar char="ü"/>
+            </a:pPr>
+            <a:r>
+              <a:rPr lang="en-US" sz="2400">
+                <a:solidFill>
+                  <a:schemeClr val="tx1"/>
+                </a:solidFill>
+                <a:latin typeface="Tahoma" panose="020B0604030504040204" pitchFamily="34" charset="0"/>
+                <a:ea typeface="Tahoma" panose="020B0604030504040204" pitchFamily="34" charset="0"/>
+                <a:cs typeface="Tahoma" panose="020B0604030504040204" pitchFamily="34" charset="0"/>
+              </a:rPr>
+              <a:t>Sull'asse delle ordinate si fissano le modalità del carattere esaminato riferite ai diversi tempi. </a:t>
+            </a:r>
+          </a:p>
+          <a:p>
+            <a:pPr marL="342900" indent="-342900" algn="just">
+              <a:buFont typeface="Wingdings" panose="05000000000000000000" pitchFamily="2" charset="2"/>
+              <a:buChar char="ü"/>
+            </a:pPr>
+            <a:r>
+              <a:rPr lang="en-US" sz="2400" dirty="0" err="1">
+                <a:solidFill>
+                  <a:schemeClr val="tx1"/>
+                </a:solidFill>
+                <a:latin typeface="Tahoma" panose="020B0604030504040204" pitchFamily="34" charset="0"/>
+                <a:ea typeface="Tahoma" panose="020B0604030504040204" pitchFamily="34" charset="0"/>
+                <a:cs typeface="Tahoma" panose="020B0604030504040204" pitchFamily="34" charset="0"/>
+              </a:rPr>
+              <a:t>Unendo</a:t>
+            </a:r>
+            <a:r>
+              <a:rPr lang="en-US" sz="2400" dirty="0">
+                <a:solidFill>
+                  <a:schemeClr val="tx1"/>
+                </a:solidFill>
+                <a:latin typeface="Tahoma" panose="020B0604030504040204" pitchFamily="34" charset="0"/>
+                <a:ea typeface="Tahoma" panose="020B0604030504040204" pitchFamily="34" charset="0"/>
+                <a:cs typeface="Tahoma" panose="020B0604030504040204" pitchFamily="34" charset="0"/>
+              </a:rPr>
+              <a:t> </a:t>
+            </a:r>
+            <a:r>
+              <a:rPr lang="en-US" sz="2400" dirty="0" err="1">
+                <a:solidFill>
+                  <a:schemeClr val="tx1"/>
+                </a:solidFill>
+                <a:latin typeface="Tahoma" panose="020B0604030504040204" pitchFamily="34" charset="0"/>
+                <a:ea typeface="Tahoma" panose="020B0604030504040204" pitchFamily="34" charset="0"/>
+                <a:cs typeface="Tahoma" panose="020B0604030504040204" pitchFamily="34" charset="0"/>
+              </a:rPr>
+              <a:t>i</a:t>
+            </a:r>
+            <a:r>
+              <a:rPr lang="en-US" sz="2400" dirty="0">
+                <a:solidFill>
+                  <a:schemeClr val="tx1"/>
+                </a:solidFill>
+                <a:latin typeface="Tahoma" panose="020B0604030504040204" pitchFamily="34" charset="0"/>
+                <a:ea typeface="Tahoma" panose="020B0604030504040204" pitchFamily="34" charset="0"/>
+                <a:cs typeface="Tahoma" panose="020B0604030504040204" pitchFamily="34" charset="0"/>
+              </a:rPr>
+              <a:t> </a:t>
+            </a:r>
+            <a:r>
+              <a:rPr lang="en-US" sz="2400" err="1">
+                <a:solidFill>
+                  <a:schemeClr val="tx1"/>
+                </a:solidFill>
+                <a:latin typeface="Tahoma" panose="020B0604030504040204" pitchFamily="34" charset="0"/>
+                <a:ea typeface="Tahoma" panose="020B0604030504040204" pitchFamily="34" charset="0"/>
+                <a:cs typeface="Tahoma" panose="020B0604030504040204" pitchFamily="34" charset="0"/>
+              </a:rPr>
+              <a:t>punti-immagine</a:t>
+            </a:r>
+            <a:r>
+              <a:rPr lang="en-US" sz="2400">
+                <a:solidFill>
+                  <a:schemeClr val="tx1"/>
+                </a:solidFill>
+                <a:latin typeface="Tahoma" panose="020B0604030504040204" pitchFamily="34" charset="0"/>
+                <a:ea typeface="Tahoma" panose="020B0604030504040204" pitchFamily="34" charset="0"/>
+                <a:cs typeface="Tahoma" panose="020B0604030504040204" pitchFamily="34" charset="0"/>
+              </a:rPr>
+              <a:t> tracciati, si ottiene una curva di evidente utilità ai fini dell'interpretazione dei dati statistici. </a:t>
+            </a:r>
+            <a:endParaRPr lang="en-US" sz="2400" dirty="0">
+              <a:solidFill>
+                <a:schemeClr val="tx1"/>
+              </a:solidFill>
+              <a:latin typeface="Tahoma" panose="020B0604030504040204" pitchFamily="34" charset="0"/>
+              <a:ea typeface="Tahoma" panose="020B0604030504040204" pitchFamily="34" charset="0"/>
+              <a:cs typeface="Tahoma" panose="020B0604030504040204" pitchFamily="34" charset="0"/>
+            </a:endParaRPr>
           </a:p>
         </p:txBody>
       </p:sp>
@@ -8866,6 +8723,3469 @@
           <a:lstStyle/>
           <a:p>
             <a:r>
+              <a:rPr lang="it-IT" dirty="0"/>
+              <a:t>Riferimento Cartesiano Ortogonale</a:t>
+            </a:r>
+          </a:p>
+        </p:txBody>
+      </p:sp>
+      <p:pic>
+        <p:nvPicPr>
+          <p:cNvPr id="4" name="Immagine 3">
+            <a:extLst>
+              <a:ext uri="{FF2B5EF4-FFF2-40B4-BE49-F238E27FC236}">
+                <a16:creationId xmlns:a16="http://schemas.microsoft.com/office/drawing/2014/main" id="{2E5DE062-2DEC-01FC-539F-3E2F9254BEAF}"/>
+              </a:ext>
+            </a:extLst>
+          </p:cNvPr>
+          <p:cNvPicPr>
+            <a:picLocks noChangeAspect="1"/>
+          </p:cNvPicPr>
+          <p:nvPr/>
+        </p:nvPicPr>
+        <p:blipFill>
+          <a:blip r:embed="rId2"/>
+          <a:stretch>
+            <a:fillRect/>
+          </a:stretch>
+        </p:blipFill>
+        <p:spPr>
+          <a:xfrm>
+            <a:off x="7933201" y="1446404"/>
+            <a:ext cx="3940257" cy="2478324"/>
+          </a:xfrm>
+          <a:prstGeom prst="rect">
+            <a:avLst/>
+          </a:prstGeom>
+        </p:spPr>
+      </p:pic>
+      <p:pic>
+        <p:nvPicPr>
+          <p:cNvPr id="10" name="Immagine 9">
+            <a:extLst>
+              <a:ext uri="{FF2B5EF4-FFF2-40B4-BE49-F238E27FC236}">
+                <a16:creationId xmlns:a16="http://schemas.microsoft.com/office/drawing/2014/main" id="{DEA554A8-5E3E-70A5-DD97-92391525A5B7}"/>
+              </a:ext>
+            </a:extLst>
+          </p:cNvPr>
+          <p:cNvPicPr>
+            <a:picLocks noChangeAspect="1"/>
+          </p:cNvPicPr>
+          <p:nvPr/>
+        </p:nvPicPr>
+        <p:blipFill>
+          <a:blip r:embed="rId3"/>
+          <a:stretch>
+            <a:fillRect/>
+          </a:stretch>
+        </p:blipFill>
+        <p:spPr>
+          <a:xfrm>
+            <a:off x="8087848" y="4099388"/>
+            <a:ext cx="3650355" cy="2070243"/>
+          </a:xfrm>
+          <a:prstGeom prst="rect">
+            <a:avLst/>
+          </a:prstGeom>
+        </p:spPr>
+      </p:pic>
+    </p:spTree>
+    <p:extLst>
+      <p:ext uri="{BB962C8B-B14F-4D97-AF65-F5344CB8AC3E}">
+        <p14:creationId xmlns:p14="http://schemas.microsoft.com/office/powerpoint/2010/main" val="3526615880"/>
+      </p:ext>
+    </p:extLst>
+  </p:cSld>
+  <p:clrMapOvr>
+    <a:masterClrMapping/>
+  </p:clrMapOvr>
+</p:sld>
+</file>
+
+<file path=ppt/slides/slide16.xml><?xml version="1.0" encoding="utf-8"?>
+<p:sld xmlns:a="http://schemas.openxmlformats.org/drawingml/2006/main" xmlns:r="http://schemas.openxmlformats.org/officeDocument/2006/relationships" xmlns:p="http://schemas.openxmlformats.org/presentationml/2006/main">
+  <p:cSld>
+    <p:spTree>
+      <p:nvGrpSpPr>
+        <p:cNvPr id="1" name=""/>
+        <p:cNvGrpSpPr/>
+        <p:nvPr/>
+      </p:nvGrpSpPr>
+      <p:grpSpPr>
+        <a:xfrm>
+          <a:off x="0" y="0"/>
+          <a:ext cx="0" cy="0"/>
+          <a:chOff x="0" y="0"/>
+          <a:chExt cx="0" cy="0"/>
+        </a:xfrm>
+      </p:grpSpPr>
+      <p:sp>
+        <p:nvSpPr>
+          <p:cNvPr id="2" name="Segnaposto testo 1">
+            <a:extLst>
+              <a:ext uri="{FF2B5EF4-FFF2-40B4-BE49-F238E27FC236}">
+                <a16:creationId xmlns:a16="http://schemas.microsoft.com/office/drawing/2014/main" id="{E5AE986C-196F-4141-A898-FA4C4198CDCC}"/>
+              </a:ext>
+            </a:extLst>
+          </p:cNvPr>
+          <p:cNvSpPr>
+            <a:spLocks noGrp="1"/>
+          </p:cNvSpPr>
+          <p:nvPr>
+            <p:ph type="body" idx="1"/>
+          </p:nvPr>
+        </p:nvSpPr>
+        <p:spPr>
+          <a:xfrm>
+            <a:off x="574294" y="1446404"/>
+            <a:ext cx="6833373" cy="4392612"/>
+          </a:xfrm>
+        </p:spPr>
+        <p:txBody>
+          <a:bodyPr/>
+          <a:lstStyle/>
+          <a:p>
+            <a:pPr marL="342900" indent="-342900" algn="just">
+              <a:buFont typeface="Wingdings" panose="05000000000000000000" pitchFamily="2" charset="2"/>
+              <a:buChar char="ü"/>
+            </a:pPr>
+            <a:r>
+              <a:rPr lang="en-US" sz="2400" b="1">
+                <a:solidFill>
+                  <a:schemeClr val="tx1"/>
+                </a:solidFill>
+                <a:latin typeface="Tahoma" panose="020B0604030504040204" pitchFamily="34" charset="0"/>
+                <a:ea typeface="Tahoma" panose="020B0604030504040204" pitchFamily="34" charset="0"/>
+                <a:cs typeface="Tahoma" panose="020B0604030504040204" pitchFamily="34" charset="0"/>
+              </a:rPr>
+              <a:t>Gli Ortogrammi </a:t>
+            </a:r>
+            <a:r>
+              <a:rPr lang="en-US" sz="2400">
+                <a:solidFill>
+                  <a:schemeClr val="tx1"/>
+                </a:solidFill>
+                <a:latin typeface="Tahoma" panose="020B0604030504040204" pitchFamily="34" charset="0"/>
+                <a:ea typeface="Tahoma" panose="020B0604030504040204" pitchFamily="34" charset="0"/>
+                <a:cs typeface="Tahoma" panose="020B0604030504040204" pitchFamily="34" charset="0"/>
+              </a:rPr>
+              <a:t>si basano tra intensità o frequenze e superfici rettangolari, e si attua attraverso: </a:t>
+            </a:r>
+          </a:p>
+          <a:p>
+            <a:pPr marL="342900" indent="-342900" algn="just">
+              <a:buFont typeface="Wingdings" panose="05000000000000000000" pitchFamily="2" charset="2"/>
+              <a:buChar char="ü"/>
+            </a:pPr>
+            <a:r>
+              <a:rPr lang="en-US" sz="2400" b="1">
+                <a:solidFill>
+                  <a:schemeClr val="tx1"/>
+                </a:solidFill>
+                <a:latin typeface="Tahoma" panose="020B0604030504040204" pitchFamily="34" charset="0"/>
+                <a:ea typeface="Tahoma" panose="020B0604030504040204" pitchFamily="34" charset="0"/>
+                <a:cs typeface="Tahoma" panose="020B0604030504040204" pitchFamily="34" charset="0"/>
+              </a:rPr>
+              <a:t>Ortogrammi a Colonne: </a:t>
+            </a:r>
+            <a:r>
+              <a:rPr lang="en-US" sz="2400">
+                <a:solidFill>
+                  <a:schemeClr val="tx1"/>
+                </a:solidFill>
+                <a:latin typeface="Tahoma" panose="020B0604030504040204" pitchFamily="34" charset="0"/>
+                <a:ea typeface="Tahoma" panose="020B0604030504040204" pitchFamily="34" charset="0"/>
+                <a:cs typeface="Tahoma" panose="020B0604030504040204" pitchFamily="34" charset="0"/>
+              </a:rPr>
+              <a:t>rettangoli equidistanti,</a:t>
+            </a:r>
+            <a:r>
+              <a:rPr lang="en-US" sz="2400" b="1">
+                <a:solidFill>
+                  <a:schemeClr val="tx1"/>
+                </a:solidFill>
+                <a:latin typeface="Tahoma" panose="020B0604030504040204" pitchFamily="34" charset="0"/>
+                <a:ea typeface="Tahoma" panose="020B0604030504040204" pitchFamily="34" charset="0"/>
+                <a:cs typeface="Tahoma" panose="020B0604030504040204" pitchFamily="34" charset="0"/>
+              </a:rPr>
+              <a:t> </a:t>
+            </a:r>
+            <a:r>
+              <a:rPr lang="en-US" sz="2400">
+                <a:solidFill>
+                  <a:schemeClr val="tx1"/>
+                </a:solidFill>
+                <a:latin typeface="Tahoma" panose="020B0604030504040204" pitchFamily="34" charset="0"/>
+                <a:ea typeface="Tahoma" panose="020B0604030504040204" pitchFamily="34" charset="0"/>
+                <a:cs typeface="Tahoma" panose="020B0604030504040204" pitchFamily="34" charset="0"/>
+              </a:rPr>
+              <a:t>di uguale base e avanti altezze uguali o proporzionali alle intensità o frequenze da rappresentare (ortogramma a colonne)</a:t>
+            </a:r>
+          </a:p>
+          <a:p>
+            <a:pPr marL="342900" indent="-342900" algn="just">
+              <a:buFont typeface="Wingdings" panose="05000000000000000000" pitchFamily="2" charset="2"/>
+              <a:buChar char="ü"/>
+            </a:pPr>
+            <a:r>
+              <a:rPr lang="en-US" sz="2400" b="1">
+                <a:solidFill>
+                  <a:schemeClr val="tx1"/>
+                </a:solidFill>
+                <a:latin typeface="Tahoma" panose="020B0604030504040204" pitchFamily="34" charset="0"/>
+                <a:ea typeface="Tahoma" panose="020B0604030504040204" pitchFamily="34" charset="0"/>
+                <a:cs typeface="Tahoma" panose="020B0604030504040204" pitchFamily="34" charset="0"/>
+              </a:rPr>
+              <a:t>Ortogrammi a Nastri: </a:t>
+            </a:r>
+            <a:r>
+              <a:rPr lang="en-US" sz="2400">
+                <a:solidFill>
+                  <a:schemeClr val="tx1"/>
+                </a:solidFill>
+                <a:latin typeface="Tahoma" panose="020B0604030504040204" pitchFamily="34" charset="0"/>
+                <a:ea typeface="Tahoma" panose="020B0604030504040204" pitchFamily="34" charset="0"/>
+                <a:cs typeface="Tahoma" panose="020B0604030504040204" pitchFamily="34" charset="0"/>
+              </a:rPr>
+              <a:t>rettangoli equidistanti, di uguale altezza e aventi basi uguali o proprzionali alle intensità o frequenze da rappresentare</a:t>
+            </a:r>
+            <a:r>
+              <a:rPr lang="en-US" sz="2400" b="1">
+                <a:solidFill>
+                  <a:schemeClr val="tx1"/>
+                </a:solidFill>
+                <a:latin typeface="Tahoma" panose="020B0604030504040204" pitchFamily="34" charset="0"/>
+                <a:ea typeface="Tahoma" panose="020B0604030504040204" pitchFamily="34" charset="0"/>
+                <a:cs typeface="Tahoma" panose="020B0604030504040204" pitchFamily="34" charset="0"/>
+              </a:rPr>
+              <a:t> </a:t>
+            </a:r>
+          </a:p>
+        </p:txBody>
+      </p:sp>
+      <p:sp>
+        <p:nvSpPr>
+          <p:cNvPr id="7" name="Segnaposto numero diapositiva 6">
+            <a:extLst>
+              <a:ext uri="{FF2B5EF4-FFF2-40B4-BE49-F238E27FC236}">
+                <a16:creationId xmlns:a16="http://schemas.microsoft.com/office/drawing/2014/main" id="{AB740BE9-E218-4144-BFDE-AE473D230A3D}"/>
+              </a:ext>
+            </a:extLst>
+          </p:cNvPr>
+          <p:cNvSpPr>
+            <a:spLocks noGrp="1"/>
+          </p:cNvSpPr>
+          <p:nvPr>
+            <p:ph type="sldNum" sz="quarter" idx="12"/>
+          </p:nvPr>
+        </p:nvSpPr>
+        <p:spPr/>
+        <p:txBody>
+          <a:bodyPr/>
+          <a:lstStyle/>
+          <a:p>
+            <a:pPr>
+              <a:defRPr/>
+            </a:pPr>
+            <a:fld id="{48B4153A-D4C5-4CEF-8992-0D8815C829E3}" type="slidenum">
+              <a:rPr lang="en-US" smtClean="0"/>
+              <a:pPr>
+                <a:defRPr/>
+              </a:pPr>
+              <a:t>16</a:t>
+            </a:fld>
+            <a:endParaRPr lang="en-US" dirty="0"/>
+          </a:p>
+        </p:txBody>
+      </p:sp>
+      <p:sp>
+        <p:nvSpPr>
+          <p:cNvPr id="5" name="Titolo 4">
+            <a:extLst>
+              <a:ext uri="{FF2B5EF4-FFF2-40B4-BE49-F238E27FC236}">
+                <a16:creationId xmlns:a16="http://schemas.microsoft.com/office/drawing/2014/main" id="{82C46BA2-B380-4357-B125-BA9F08A643F5}"/>
+              </a:ext>
+            </a:extLst>
+          </p:cNvPr>
+          <p:cNvSpPr>
+            <a:spLocks noGrp="1"/>
+          </p:cNvSpPr>
+          <p:nvPr>
+            <p:ph type="title"/>
+          </p:nvPr>
+        </p:nvSpPr>
+        <p:spPr>
+          <a:xfrm>
+            <a:off x="468895" y="503475"/>
+            <a:ext cx="11269308" cy="384721"/>
+          </a:xfrm>
+        </p:spPr>
+        <p:txBody>
+          <a:bodyPr/>
+          <a:lstStyle/>
+          <a:p>
+            <a:r>
+              <a:rPr lang="it-IT" altLang="it-IT"/>
+              <a:t>Ortogrammi</a:t>
+            </a:r>
+            <a:endParaRPr lang="it-IT" dirty="0"/>
+          </a:p>
+        </p:txBody>
+      </p:sp>
+      <p:pic>
+        <p:nvPicPr>
+          <p:cNvPr id="6" name="Immagine 5">
+            <a:extLst>
+              <a:ext uri="{FF2B5EF4-FFF2-40B4-BE49-F238E27FC236}">
+                <a16:creationId xmlns:a16="http://schemas.microsoft.com/office/drawing/2014/main" id="{3568E0D8-A770-EF6C-C231-8C5004A8A6F9}"/>
+              </a:ext>
+            </a:extLst>
+          </p:cNvPr>
+          <p:cNvPicPr>
+            <a:picLocks noChangeAspect="1"/>
+          </p:cNvPicPr>
+          <p:nvPr/>
+        </p:nvPicPr>
+        <p:blipFill>
+          <a:blip r:embed="rId2"/>
+          <a:stretch>
+            <a:fillRect/>
+          </a:stretch>
+        </p:blipFill>
+        <p:spPr>
+          <a:xfrm>
+            <a:off x="7837951" y="2061560"/>
+            <a:ext cx="3900252" cy="2136772"/>
+          </a:xfrm>
+          <a:prstGeom prst="rect">
+            <a:avLst/>
+          </a:prstGeom>
+        </p:spPr>
+      </p:pic>
+      <p:pic>
+        <p:nvPicPr>
+          <p:cNvPr id="9" name="Immagine 8">
+            <a:extLst>
+              <a:ext uri="{FF2B5EF4-FFF2-40B4-BE49-F238E27FC236}">
+                <a16:creationId xmlns:a16="http://schemas.microsoft.com/office/drawing/2014/main" id="{08A34428-7332-5D48-0042-D69B726F0C9D}"/>
+              </a:ext>
+            </a:extLst>
+          </p:cNvPr>
+          <p:cNvPicPr>
+            <a:picLocks noChangeAspect="1"/>
+          </p:cNvPicPr>
+          <p:nvPr/>
+        </p:nvPicPr>
+        <p:blipFill>
+          <a:blip r:embed="rId3"/>
+          <a:stretch>
+            <a:fillRect/>
+          </a:stretch>
+        </p:blipFill>
+        <p:spPr>
+          <a:xfrm>
+            <a:off x="7929937" y="4730350"/>
+            <a:ext cx="3808266" cy="1666875"/>
+          </a:xfrm>
+          <a:prstGeom prst="rect">
+            <a:avLst/>
+          </a:prstGeom>
+        </p:spPr>
+      </p:pic>
+    </p:spTree>
+    <p:extLst>
+      <p:ext uri="{BB962C8B-B14F-4D97-AF65-F5344CB8AC3E}">
+        <p14:creationId xmlns:p14="http://schemas.microsoft.com/office/powerpoint/2010/main" val="2628804393"/>
+      </p:ext>
+    </p:extLst>
+  </p:cSld>
+  <p:clrMapOvr>
+    <a:masterClrMapping/>
+  </p:clrMapOvr>
+</p:sld>
+</file>
+
+<file path=ppt/slides/slide17.xml><?xml version="1.0" encoding="utf-8"?>
+<p:sld xmlns:a="http://schemas.openxmlformats.org/drawingml/2006/main" xmlns:r="http://schemas.openxmlformats.org/officeDocument/2006/relationships" xmlns:p="http://schemas.openxmlformats.org/presentationml/2006/main">
+  <p:cSld>
+    <p:spTree>
+      <p:nvGrpSpPr>
+        <p:cNvPr id="1" name=""/>
+        <p:cNvGrpSpPr/>
+        <p:nvPr/>
+      </p:nvGrpSpPr>
+      <p:grpSpPr>
+        <a:xfrm>
+          <a:off x="0" y="0"/>
+          <a:ext cx="0" cy="0"/>
+          <a:chOff x="0" y="0"/>
+          <a:chExt cx="0" cy="0"/>
+        </a:xfrm>
+      </p:grpSpPr>
+      <p:sp>
+        <p:nvSpPr>
+          <p:cNvPr id="2" name="Segnaposto testo 1">
+            <a:extLst>
+              <a:ext uri="{FF2B5EF4-FFF2-40B4-BE49-F238E27FC236}">
+                <a16:creationId xmlns:a16="http://schemas.microsoft.com/office/drawing/2014/main" id="{E5AE986C-196F-4141-A898-FA4C4198CDCC}"/>
+              </a:ext>
+            </a:extLst>
+          </p:cNvPr>
+          <p:cNvSpPr>
+            <a:spLocks noGrp="1"/>
+          </p:cNvSpPr>
+          <p:nvPr>
+            <p:ph type="body" idx="1"/>
+          </p:nvPr>
+        </p:nvSpPr>
+        <p:spPr>
+          <a:xfrm>
+            <a:off x="574294" y="1446404"/>
+            <a:ext cx="10799198" cy="4392612"/>
+          </a:xfrm>
+        </p:spPr>
+        <p:txBody>
+          <a:bodyPr/>
+          <a:lstStyle/>
+          <a:p>
+            <a:pPr marL="342900" indent="-342900" algn="just">
+              <a:buFont typeface="Wingdings" panose="05000000000000000000" pitchFamily="2" charset="2"/>
+              <a:buChar char="ü"/>
+            </a:pPr>
+            <a:r>
+              <a:rPr lang="en-US" sz="2400" b="1">
+                <a:solidFill>
+                  <a:schemeClr val="tx1"/>
+                </a:solidFill>
+                <a:latin typeface="Tahoma" panose="020B0604030504040204" pitchFamily="34" charset="0"/>
+                <a:ea typeface="Tahoma" panose="020B0604030504040204" pitchFamily="34" charset="0"/>
+                <a:cs typeface="Tahoma" panose="020B0604030504040204" pitchFamily="34" charset="0"/>
+              </a:rPr>
+              <a:t>Gli indici di posizione o medie </a:t>
+            </a:r>
+            <a:r>
+              <a:rPr lang="en-US" sz="2400">
+                <a:solidFill>
+                  <a:schemeClr val="tx1"/>
+                </a:solidFill>
+                <a:latin typeface="Tahoma" panose="020B0604030504040204" pitchFamily="34" charset="0"/>
+                <a:ea typeface="Tahoma" panose="020B0604030504040204" pitchFamily="34" charset="0"/>
+                <a:cs typeface="Tahoma" panose="020B0604030504040204" pitchFamily="34" charset="0"/>
+              </a:rPr>
+              <a:t>sono quantità idonee a dare un'idea di insieme (sintesi) di un dato collettivo statistico sostituendosi pertanto a tutti gli altri elementi che lo costituiscono. </a:t>
+            </a:r>
+          </a:p>
+          <a:p>
+            <a:pPr marL="342900" indent="-342900" algn="just">
+              <a:buFont typeface="Wingdings" panose="05000000000000000000" pitchFamily="2" charset="2"/>
+              <a:buChar char="ü"/>
+            </a:pPr>
+            <a:r>
+              <a:rPr lang="en-US" sz="2400" b="1">
+                <a:solidFill>
+                  <a:schemeClr val="tx1"/>
+                </a:solidFill>
+                <a:latin typeface="Tahoma" panose="020B0604030504040204" pitchFamily="34" charset="0"/>
+                <a:ea typeface="Tahoma" panose="020B0604030504040204" pitchFamily="34" charset="0"/>
+                <a:cs typeface="Tahoma" panose="020B0604030504040204" pitchFamily="34" charset="0"/>
+              </a:rPr>
+              <a:t>Essi si distinguono in: </a:t>
+            </a:r>
+          </a:p>
+          <a:p>
+            <a:pPr marL="914400" lvl="1" indent="-457200" algn="just">
+              <a:buFont typeface="+mj-lt"/>
+              <a:buAutoNum type="arabicPeriod"/>
+            </a:pPr>
+            <a:r>
+              <a:rPr lang="en-US" sz="2600">
+                <a:solidFill>
+                  <a:schemeClr val="tx1"/>
+                </a:solidFill>
+                <a:latin typeface="Tahoma" panose="020B0604030504040204" pitchFamily="34" charset="0"/>
+                <a:ea typeface="Tahoma" panose="020B0604030504040204" pitchFamily="34" charset="0"/>
+                <a:cs typeface="Tahoma" panose="020B0604030504040204" pitchFamily="34" charset="0"/>
+              </a:rPr>
+              <a:t>medie analitiche: </a:t>
+            </a:r>
+            <a:r>
+              <a:rPr lang="en-US" sz="2600" b="0">
+                <a:solidFill>
+                  <a:schemeClr val="tx1"/>
+                </a:solidFill>
+                <a:latin typeface="Tahoma" panose="020B0604030504040204" pitchFamily="34" charset="0"/>
+                <a:ea typeface="Tahoma" panose="020B0604030504040204" pitchFamily="34" charset="0"/>
+                <a:cs typeface="Tahoma" panose="020B0604030504040204" pitchFamily="34" charset="0"/>
+              </a:rPr>
+              <a:t>che si determinano considerando tutti i valori di una data variabile statistica e tra queste si annoverano la </a:t>
+            </a:r>
+            <a:r>
+              <a:rPr lang="en-US" sz="2600">
+                <a:solidFill>
+                  <a:schemeClr val="tx1"/>
+                </a:solidFill>
+                <a:latin typeface="Tahoma" panose="020B0604030504040204" pitchFamily="34" charset="0"/>
+                <a:ea typeface="Tahoma" panose="020B0604030504040204" pitchFamily="34" charset="0"/>
+                <a:cs typeface="Tahoma" panose="020B0604030504040204" pitchFamily="34" charset="0"/>
+              </a:rPr>
+              <a:t>media aritmetica, </a:t>
+            </a:r>
+            <a:r>
+              <a:rPr lang="en-US" sz="2600" b="0">
+                <a:solidFill>
+                  <a:schemeClr val="tx1"/>
+                </a:solidFill>
+                <a:latin typeface="Tahoma" panose="020B0604030504040204" pitchFamily="34" charset="0"/>
+                <a:ea typeface="Tahoma" panose="020B0604030504040204" pitchFamily="34" charset="0"/>
+                <a:cs typeface="Tahoma" panose="020B0604030504040204" pitchFamily="34" charset="0"/>
+              </a:rPr>
+              <a:t>la </a:t>
+            </a:r>
+            <a:r>
+              <a:rPr lang="en-US" sz="2600">
+                <a:solidFill>
+                  <a:schemeClr val="tx1"/>
+                </a:solidFill>
+                <a:latin typeface="Tahoma" panose="020B0604030504040204" pitchFamily="34" charset="0"/>
+                <a:ea typeface="Tahoma" panose="020B0604030504040204" pitchFamily="34" charset="0"/>
+                <a:cs typeface="Tahoma" panose="020B0604030504040204" pitchFamily="34" charset="0"/>
+              </a:rPr>
+              <a:t>media armonica, </a:t>
+            </a:r>
+            <a:r>
+              <a:rPr lang="en-US" sz="2600" b="0">
+                <a:solidFill>
+                  <a:schemeClr val="tx1"/>
+                </a:solidFill>
+                <a:latin typeface="Tahoma" panose="020B0604030504040204" pitchFamily="34" charset="0"/>
+                <a:ea typeface="Tahoma" panose="020B0604030504040204" pitchFamily="34" charset="0"/>
+                <a:cs typeface="Tahoma" panose="020B0604030504040204" pitchFamily="34" charset="0"/>
+              </a:rPr>
+              <a:t>la </a:t>
+            </a:r>
+            <a:r>
+              <a:rPr lang="en-US" sz="2600">
+                <a:solidFill>
+                  <a:schemeClr val="tx1"/>
+                </a:solidFill>
+                <a:latin typeface="Tahoma" panose="020B0604030504040204" pitchFamily="34" charset="0"/>
+                <a:ea typeface="Tahoma" panose="020B0604030504040204" pitchFamily="34" charset="0"/>
+                <a:cs typeface="Tahoma" panose="020B0604030504040204" pitchFamily="34" charset="0"/>
+              </a:rPr>
+              <a:t>media geometrica, </a:t>
+            </a:r>
+            <a:r>
+              <a:rPr lang="en-US" sz="2600" b="0">
+                <a:solidFill>
+                  <a:schemeClr val="tx1"/>
+                </a:solidFill>
+                <a:latin typeface="Tahoma" panose="020B0604030504040204" pitchFamily="34" charset="0"/>
+                <a:ea typeface="Tahoma" panose="020B0604030504040204" pitchFamily="34" charset="0"/>
+                <a:cs typeface="Tahoma" panose="020B0604030504040204" pitchFamily="34" charset="0"/>
+              </a:rPr>
+              <a:t>ecc. </a:t>
+            </a:r>
+            <a:endParaRPr lang="en-US" sz="2400">
+              <a:solidFill>
+                <a:schemeClr val="tx1"/>
+              </a:solidFill>
+              <a:latin typeface="Tahoma" panose="020B0604030504040204" pitchFamily="34" charset="0"/>
+              <a:ea typeface="Tahoma" panose="020B0604030504040204" pitchFamily="34" charset="0"/>
+              <a:cs typeface="Tahoma" panose="020B0604030504040204" pitchFamily="34" charset="0"/>
+            </a:endParaRPr>
+          </a:p>
+          <a:p>
+            <a:pPr marL="914400" lvl="1" indent="-457200" algn="just">
+              <a:buFont typeface="+mj-lt"/>
+              <a:buAutoNum type="arabicPeriod"/>
+            </a:pPr>
+            <a:r>
+              <a:rPr lang="en-US" sz="2400">
+                <a:solidFill>
+                  <a:schemeClr val="tx1"/>
+                </a:solidFill>
+                <a:latin typeface="Tahoma" panose="020B0604030504040204" pitchFamily="34" charset="0"/>
+                <a:ea typeface="Tahoma" panose="020B0604030504040204" pitchFamily="34" charset="0"/>
+                <a:cs typeface="Tahoma" panose="020B0604030504040204" pitchFamily="34" charset="0"/>
+              </a:rPr>
+              <a:t>medie lasche: </a:t>
+            </a:r>
+            <a:r>
+              <a:rPr lang="en-US" sz="2400" b="0">
+                <a:solidFill>
+                  <a:schemeClr val="tx1"/>
+                </a:solidFill>
+                <a:latin typeface="Tahoma" panose="020B0604030504040204" pitchFamily="34" charset="0"/>
+                <a:ea typeface="Tahoma" panose="020B0604030504040204" pitchFamily="34" charset="0"/>
+                <a:cs typeface="Tahoma" panose="020B0604030504040204" pitchFamily="34" charset="0"/>
+              </a:rPr>
+              <a:t>che si determinano considerando solo dati elementi della distribuzione e tra queste vi sono la </a:t>
+            </a:r>
+            <a:r>
+              <a:rPr lang="en-US" sz="2400">
+                <a:solidFill>
+                  <a:schemeClr val="tx1"/>
+                </a:solidFill>
+                <a:latin typeface="Tahoma" panose="020B0604030504040204" pitchFamily="34" charset="0"/>
+                <a:ea typeface="Tahoma" panose="020B0604030504040204" pitchFamily="34" charset="0"/>
+                <a:cs typeface="Tahoma" panose="020B0604030504040204" pitchFamily="34" charset="0"/>
+              </a:rPr>
+              <a:t>mediana, </a:t>
+            </a:r>
+            <a:r>
+              <a:rPr lang="en-US" sz="2400" b="0">
+                <a:solidFill>
+                  <a:schemeClr val="tx1"/>
+                </a:solidFill>
+                <a:latin typeface="Tahoma" panose="020B0604030504040204" pitchFamily="34" charset="0"/>
+                <a:ea typeface="Tahoma" panose="020B0604030504040204" pitchFamily="34" charset="0"/>
+                <a:cs typeface="Tahoma" panose="020B0604030504040204" pitchFamily="34" charset="0"/>
+              </a:rPr>
+              <a:t>la </a:t>
+            </a:r>
+            <a:r>
+              <a:rPr lang="en-US" sz="2400">
+                <a:solidFill>
+                  <a:schemeClr val="tx1"/>
+                </a:solidFill>
+                <a:latin typeface="Tahoma" panose="020B0604030504040204" pitchFamily="34" charset="0"/>
+                <a:ea typeface="Tahoma" panose="020B0604030504040204" pitchFamily="34" charset="0"/>
+                <a:cs typeface="Tahoma" panose="020B0604030504040204" pitchFamily="34" charset="0"/>
+              </a:rPr>
+              <a:t>moda, </a:t>
+            </a:r>
+            <a:r>
+              <a:rPr lang="en-US" sz="2400" b="0">
+                <a:solidFill>
+                  <a:schemeClr val="tx1"/>
+                </a:solidFill>
+                <a:latin typeface="Tahoma" panose="020B0604030504040204" pitchFamily="34" charset="0"/>
+                <a:ea typeface="Tahoma" panose="020B0604030504040204" pitchFamily="34" charset="0"/>
+                <a:cs typeface="Tahoma" panose="020B0604030504040204" pitchFamily="34" charset="0"/>
+              </a:rPr>
+              <a:t>ecc. </a:t>
+            </a:r>
+            <a:endParaRPr lang="en-US" sz="2600">
+              <a:solidFill>
+                <a:schemeClr val="tx1"/>
+              </a:solidFill>
+              <a:latin typeface="Tahoma" panose="020B0604030504040204" pitchFamily="34" charset="0"/>
+              <a:ea typeface="Tahoma" panose="020B0604030504040204" pitchFamily="34" charset="0"/>
+              <a:cs typeface="Tahoma" panose="020B0604030504040204" pitchFamily="34" charset="0"/>
+            </a:endParaRPr>
+          </a:p>
+        </p:txBody>
+      </p:sp>
+      <p:sp>
+        <p:nvSpPr>
+          <p:cNvPr id="7" name="Segnaposto numero diapositiva 6">
+            <a:extLst>
+              <a:ext uri="{FF2B5EF4-FFF2-40B4-BE49-F238E27FC236}">
+                <a16:creationId xmlns:a16="http://schemas.microsoft.com/office/drawing/2014/main" id="{AB740BE9-E218-4144-BFDE-AE473D230A3D}"/>
+              </a:ext>
+            </a:extLst>
+          </p:cNvPr>
+          <p:cNvSpPr>
+            <a:spLocks noGrp="1"/>
+          </p:cNvSpPr>
+          <p:nvPr>
+            <p:ph type="sldNum" sz="quarter" idx="12"/>
+          </p:nvPr>
+        </p:nvSpPr>
+        <p:spPr/>
+        <p:txBody>
+          <a:bodyPr/>
+          <a:lstStyle/>
+          <a:p>
+            <a:pPr>
+              <a:defRPr/>
+            </a:pPr>
+            <a:fld id="{48B4153A-D4C5-4CEF-8992-0D8815C829E3}" type="slidenum">
+              <a:rPr lang="en-US" smtClean="0"/>
+              <a:pPr>
+                <a:defRPr/>
+              </a:pPr>
+              <a:t>17</a:t>
+            </a:fld>
+            <a:endParaRPr lang="en-US" dirty="0"/>
+          </a:p>
+        </p:txBody>
+      </p:sp>
+      <p:sp>
+        <p:nvSpPr>
+          <p:cNvPr id="5" name="Titolo 4">
+            <a:extLst>
+              <a:ext uri="{FF2B5EF4-FFF2-40B4-BE49-F238E27FC236}">
+                <a16:creationId xmlns:a16="http://schemas.microsoft.com/office/drawing/2014/main" id="{82C46BA2-B380-4357-B125-BA9F08A643F5}"/>
+              </a:ext>
+            </a:extLst>
+          </p:cNvPr>
+          <p:cNvSpPr>
+            <a:spLocks noGrp="1"/>
+          </p:cNvSpPr>
+          <p:nvPr>
+            <p:ph type="title"/>
+          </p:nvPr>
+        </p:nvSpPr>
+        <p:spPr>
+          <a:xfrm>
+            <a:off x="468895" y="503475"/>
+            <a:ext cx="11269308" cy="384721"/>
+          </a:xfrm>
+        </p:spPr>
+        <p:txBody>
+          <a:bodyPr/>
+          <a:lstStyle/>
+          <a:p>
+            <a:r>
+              <a:rPr lang="it-IT"/>
+              <a:t>Indici di Posizione</a:t>
+            </a:r>
+            <a:endParaRPr lang="it-IT" dirty="0"/>
+          </a:p>
+        </p:txBody>
+      </p:sp>
+    </p:spTree>
+    <p:extLst>
+      <p:ext uri="{BB962C8B-B14F-4D97-AF65-F5344CB8AC3E}">
+        <p14:creationId xmlns:p14="http://schemas.microsoft.com/office/powerpoint/2010/main" val="2813314909"/>
+      </p:ext>
+    </p:extLst>
+  </p:cSld>
+  <p:clrMapOvr>
+    <a:masterClrMapping/>
+  </p:clrMapOvr>
+</p:sld>
+</file>
+
+<file path=ppt/slides/slide18.xml><?xml version="1.0" encoding="utf-8"?>
+<p:sld xmlns:a="http://schemas.openxmlformats.org/drawingml/2006/main" xmlns:r="http://schemas.openxmlformats.org/officeDocument/2006/relationships" xmlns:p="http://schemas.openxmlformats.org/presentationml/2006/main">
+  <p:cSld>
+    <p:spTree>
+      <p:nvGrpSpPr>
+        <p:cNvPr id="1" name=""/>
+        <p:cNvGrpSpPr/>
+        <p:nvPr/>
+      </p:nvGrpSpPr>
+      <p:grpSpPr>
+        <a:xfrm>
+          <a:off x="0" y="0"/>
+          <a:ext cx="0" cy="0"/>
+          <a:chOff x="0" y="0"/>
+          <a:chExt cx="0" cy="0"/>
+        </a:xfrm>
+      </p:grpSpPr>
+      <p:sp>
+        <p:nvSpPr>
+          <p:cNvPr id="2" name="Segnaposto testo 1">
+            <a:extLst>
+              <a:ext uri="{FF2B5EF4-FFF2-40B4-BE49-F238E27FC236}">
+                <a16:creationId xmlns:a16="http://schemas.microsoft.com/office/drawing/2014/main" id="{E5AE986C-196F-4141-A898-FA4C4198CDCC}"/>
+              </a:ext>
+            </a:extLst>
+          </p:cNvPr>
+          <p:cNvSpPr>
+            <a:spLocks noGrp="1"/>
+          </p:cNvSpPr>
+          <p:nvPr>
+            <p:ph type="body" idx="1"/>
+          </p:nvPr>
+        </p:nvSpPr>
+        <p:spPr>
+          <a:xfrm>
+            <a:off x="552756" y="1232694"/>
+            <a:ext cx="7768322" cy="4392612"/>
+          </a:xfrm>
+        </p:spPr>
+        <p:txBody>
+          <a:bodyPr/>
+          <a:lstStyle/>
+          <a:p>
+            <a:pPr marL="342900" indent="-342900" algn="just">
+              <a:buFont typeface="Wingdings" panose="05000000000000000000" pitchFamily="2" charset="2"/>
+              <a:buChar char="ü"/>
+            </a:pPr>
+            <a:r>
+              <a:rPr lang="en-US" sz="2400">
+                <a:solidFill>
+                  <a:schemeClr val="tx1"/>
+                </a:solidFill>
+                <a:latin typeface="Tahoma" panose="020B0604030504040204" pitchFamily="34" charset="0"/>
+                <a:ea typeface="Tahoma" panose="020B0604030504040204" pitchFamily="34" charset="0"/>
+                <a:cs typeface="Tahoma" panose="020B0604030504040204" pitchFamily="34" charset="0"/>
+              </a:rPr>
+              <a:t>La </a:t>
+            </a:r>
+            <a:r>
+              <a:rPr lang="en-US" sz="2400" b="1">
+                <a:solidFill>
+                  <a:schemeClr val="tx1"/>
+                </a:solidFill>
+                <a:latin typeface="Tahoma" panose="020B0604030504040204" pitchFamily="34" charset="0"/>
+                <a:ea typeface="Tahoma" panose="020B0604030504040204" pitchFamily="34" charset="0"/>
+                <a:cs typeface="Tahoma" panose="020B0604030504040204" pitchFamily="34" charset="0"/>
+              </a:rPr>
+              <a:t>media aritmetica</a:t>
+            </a:r>
+            <a:r>
+              <a:rPr lang="en-US" sz="2400">
+                <a:solidFill>
+                  <a:schemeClr val="tx1"/>
+                </a:solidFill>
+                <a:latin typeface="Tahoma" panose="020B0604030504040204" pitchFamily="34" charset="0"/>
+                <a:ea typeface="Tahoma" panose="020B0604030504040204" pitchFamily="34" charset="0"/>
+                <a:cs typeface="Tahoma" panose="020B0604030504040204" pitchFamily="34" charset="0"/>
+              </a:rPr>
+              <a:t> di una variabile </a:t>
+            </a:r>
+            <a:r>
+              <a:rPr lang="en-US" sz="2400" b="1">
+                <a:solidFill>
+                  <a:schemeClr val="tx1"/>
+                </a:solidFill>
+                <a:latin typeface="Tahoma" panose="020B0604030504040204" pitchFamily="34" charset="0"/>
+                <a:ea typeface="Tahoma" panose="020B0604030504040204" pitchFamily="34" charset="0"/>
+                <a:cs typeface="Tahoma" panose="020B0604030504040204" pitchFamily="34" charset="0"/>
+              </a:rPr>
+              <a:t>X </a:t>
+            </a:r>
+            <a:r>
+              <a:rPr lang="en-US" sz="2400">
+                <a:solidFill>
+                  <a:schemeClr val="tx1"/>
+                </a:solidFill>
+                <a:latin typeface="Tahoma" panose="020B0604030504040204" pitchFamily="34" charset="0"/>
+                <a:ea typeface="Tahoma" panose="020B0604030504040204" pitchFamily="34" charset="0"/>
+                <a:cs typeface="Tahoma" panose="020B0604030504040204" pitchFamily="34" charset="0"/>
+              </a:rPr>
+              <a:t>è un indice di posizione che può essere definita come quella </a:t>
+            </a:r>
+            <a:r>
+              <a:rPr lang="en-US" sz="2400" b="1">
+                <a:solidFill>
+                  <a:schemeClr val="tx1"/>
+                </a:solidFill>
+                <a:latin typeface="Tahoma" panose="020B0604030504040204" pitchFamily="34" charset="0"/>
+                <a:ea typeface="Tahoma" panose="020B0604030504040204" pitchFamily="34" charset="0"/>
+                <a:cs typeface="Tahoma" panose="020B0604030504040204" pitchFamily="34" charset="0"/>
+              </a:rPr>
+              <a:t>intensità che può essere sostituita ai singoli valori della variabile, in modo che resti invariata l'intensità globale. </a:t>
+            </a:r>
+          </a:p>
+          <a:p>
+            <a:pPr marL="342900" indent="-342900" algn="just">
+              <a:buFont typeface="Wingdings" panose="05000000000000000000" pitchFamily="2" charset="2"/>
+              <a:buChar char="ü"/>
+            </a:pPr>
+            <a:r>
+              <a:rPr lang="en-US" sz="2400">
+                <a:solidFill>
+                  <a:schemeClr val="tx1"/>
+                </a:solidFill>
+                <a:latin typeface="Tahoma" panose="020B0604030504040204" pitchFamily="34" charset="0"/>
+                <a:ea typeface="Tahoma" panose="020B0604030504040204" pitchFamily="34" charset="0"/>
+                <a:cs typeface="Tahoma" panose="020B0604030504040204" pitchFamily="34" charset="0"/>
+              </a:rPr>
+              <a:t>Si distingue in: </a:t>
+            </a:r>
+            <a:r>
+              <a:rPr lang="en-US" sz="2400" b="1">
+                <a:solidFill>
+                  <a:schemeClr val="tx1"/>
+                </a:solidFill>
+                <a:latin typeface="Tahoma" panose="020B0604030504040204" pitchFamily="34" charset="0"/>
+                <a:ea typeface="Tahoma" panose="020B0604030504040204" pitchFamily="34" charset="0"/>
+                <a:cs typeface="Tahoma" panose="020B0604030504040204" pitchFamily="34" charset="0"/>
+              </a:rPr>
+              <a:t> </a:t>
+            </a:r>
+          </a:p>
+          <a:p>
+            <a:pPr marL="914400" lvl="1" indent="-457200" algn="just">
+              <a:buFont typeface="+mj-lt"/>
+              <a:buAutoNum type="arabicPeriod"/>
+            </a:pPr>
+            <a:r>
+              <a:rPr lang="en-US" sz="2600">
+                <a:solidFill>
+                  <a:schemeClr val="tx1"/>
+                </a:solidFill>
+                <a:latin typeface="Tahoma" panose="020B0604030504040204" pitchFamily="34" charset="0"/>
+                <a:ea typeface="Tahoma" panose="020B0604030504040204" pitchFamily="34" charset="0"/>
+                <a:cs typeface="Tahoma" panose="020B0604030504040204" pitchFamily="34" charset="0"/>
+              </a:rPr>
+              <a:t>Media Artimetica Semplice: </a:t>
+            </a:r>
+            <a:r>
+              <a:rPr lang="en-US" sz="2600" b="0">
+                <a:solidFill>
+                  <a:schemeClr val="tx1"/>
+                </a:solidFill>
+                <a:latin typeface="Tahoma" panose="020B0604030504040204" pitchFamily="34" charset="0"/>
+                <a:ea typeface="Tahoma" panose="020B0604030504040204" pitchFamily="34" charset="0"/>
+                <a:cs typeface="Tahoma" panose="020B0604030504040204" pitchFamily="34" charset="0"/>
+              </a:rPr>
+              <a:t>si ottiene rapportando l'intensità globale di un carattere al numero toale dei casi osservati. </a:t>
+            </a:r>
+            <a:endParaRPr lang="en-US" sz="2400">
+              <a:solidFill>
+                <a:schemeClr val="tx1"/>
+              </a:solidFill>
+              <a:latin typeface="Tahoma" panose="020B0604030504040204" pitchFamily="34" charset="0"/>
+              <a:ea typeface="Tahoma" panose="020B0604030504040204" pitchFamily="34" charset="0"/>
+              <a:cs typeface="Tahoma" panose="020B0604030504040204" pitchFamily="34" charset="0"/>
+            </a:endParaRPr>
+          </a:p>
+          <a:p>
+            <a:pPr marL="914400" lvl="1" indent="-457200" algn="just">
+              <a:buFont typeface="+mj-lt"/>
+              <a:buAutoNum type="arabicPeriod"/>
+            </a:pPr>
+            <a:r>
+              <a:rPr lang="en-US" sz="2400">
+                <a:solidFill>
+                  <a:schemeClr val="tx1"/>
+                </a:solidFill>
+                <a:latin typeface="Tahoma" panose="020B0604030504040204" pitchFamily="34" charset="0"/>
+                <a:ea typeface="Tahoma" panose="020B0604030504040204" pitchFamily="34" charset="0"/>
+                <a:cs typeface="Tahoma" panose="020B0604030504040204" pitchFamily="34" charset="0"/>
+              </a:rPr>
+              <a:t>Media Aritmetica Ponderata: </a:t>
+            </a:r>
+            <a:r>
+              <a:rPr lang="en-US" sz="2400" b="0">
+                <a:solidFill>
+                  <a:schemeClr val="tx1"/>
+                </a:solidFill>
+                <a:latin typeface="Tahoma" panose="020B0604030504040204" pitchFamily="34" charset="0"/>
+                <a:ea typeface="Tahoma" panose="020B0604030504040204" pitchFamily="34" charset="0"/>
+                <a:cs typeface="Tahoma" panose="020B0604030504040204" pitchFamily="34" charset="0"/>
+              </a:rPr>
+              <a:t>si utilizza nel caso in cui le single modalità della variabile statistica esibiscano </a:t>
+            </a:r>
+            <a:r>
+              <a:rPr lang="en-US" sz="2400">
+                <a:solidFill>
+                  <a:schemeClr val="tx1"/>
+                </a:solidFill>
+                <a:latin typeface="Tahoma" panose="020B0604030504040204" pitchFamily="34" charset="0"/>
+                <a:ea typeface="Tahoma" panose="020B0604030504040204" pitchFamily="34" charset="0"/>
+                <a:cs typeface="Tahoma" panose="020B0604030504040204" pitchFamily="34" charset="0"/>
+              </a:rPr>
+              <a:t>frequenze diverse </a:t>
+            </a:r>
+            <a:r>
+              <a:rPr lang="en-US" sz="2400" b="0">
+                <a:solidFill>
+                  <a:schemeClr val="tx1"/>
+                </a:solidFill>
+                <a:latin typeface="Tahoma" panose="020B0604030504040204" pitchFamily="34" charset="0"/>
+                <a:ea typeface="Tahoma" panose="020B0604030504040204" pitchFamily="34" charset="0"/>
+                <a:cs typeface="Tahoma" panose="020B0604030504040204" pitchFamily="34" charset="0"/>
+              </a:rPr>
+              <a:t>differenti da 1</a:t>
+            </a:r>
+            <a:endParaRPr lang="en-US" sz="2600">
+              <a:solidFill>
+                <a:schemeClr val="tx1"/>
+              </a:solidFill>
+              <a:latin typeface="Tahoma" panose="020B0604030504040204" pitchFamily="34" charset="0"/>
+              <a:ea typeface="Tahoma" panose="020B0604030504040204" pitchFamily="34" charset="0"/>
+              <a:cs typeface="Tahoma" panose="020B0604030504040204" pitchFamily="34" charset="0"/>
+            </a:endParaRPr>
+          </a:p>
+        </p:txBody>
+      </p:sp>
+      <p:sp>
+        <p:nvSpPr>
+          <p:cNvPr id="7" name="Segnaposto numero diapositiva 6">
+            <a:extLst>
+              <a:ext uri="{FF2B5EF4-FFF2-40B4-BE49-F238E27FC236}">
+                <a16:creationId xmlns:a16="http://schemas.microsoft.com/office/drawing/2014/main" id="{AB740BE9-E218-4144-BFDE-AE473D230A3D}"/>
+              </a:ext>
+            </a:extLst>
+          </p:cNvPr>
+          <p:cNvSpPr>
+            <a:spLocks noGrp="1"/>
+          </p:cNvSpPr>
+          <p:nvPr>
+            <p:ph type="sldNum" sz="quarter" idx="12"/>
+          </p:nvPr>
+        </p:nvSpPr>
+        <p:spPr/>
+        <p:txBody>
+          <a:bodyPr/>
+          <a:lstStyle/>
+          <a:p>
+            <a:pPr>
+              <a:defRPr/>
+            </a:pPr>
+            <a:fld id="{48B4153A-D4C5-4CEF-8992-0D8815C829E3}" type="slidenum">
+              <a:rPr lang="en-US" smtClean="0"/>
+              <a:pPr>
+                <a:defRPr/>
+              </a:pPr>
+              <a:t>18</a:t>
+            </a:fld>
+            <a:endParaRPr lang="en-US" dirty="0"/>
+          </a:p>
+        </p:txBody>
+      </p:sp>
+      <p:sp>
+        <p:nvSpPr>
+          <p:cNvPr id="5" name="Titolo 4">
+            <a:extLst>
+              <a:ext uri="{FF2B5EF4-FFF2-40B4-BE49-F238E27FC236}">
+                <a16:creationId xmlns:a16="http://schemas.microsoft.com/office/drawing/2014/main" id="{82C46BA2-B380-4357-B125-BA9F08A643F5}"/>
+              </a:ext>
+            </a:extLst>
+          </p:cNvPr>
+          <p:cNvSpPr>
+            <a:spLocks noGrp="1"/>
+          </p:cNvSpPr>
+          <p:nvPr>
+            <p:ph type="title"/>
+          </p:nvPr>
+        </p:nvSpPr>
+        <p:spPr>
+          <a:xfrm>
+            <a:off x="468895" y="503475"/>
+            <a:ext cx="11269308" cy="384721"/>
+          </a:xfrm>
+        </p:spPr>
+        <p:txBody>
+          <a:bodyPr/>
+          <a:lstStyle/>
+          <a:p>
+            <a:r>
+              <a:rPr lang="it-IT"/>
+              <a:t>Media Artimetica</a:t>
+            </a:r>
+            <a:endParaRPr lang="it-IT" dirty="0"/>
+          </a:p>
+        </p:txBody>
+      </p:sp>
+      <p:pic>
+        <p:nvPicPr>
+          <p:cNvPr id="4" name="Immagine 3">
+            <a:extLst>
+              <a:ext uri="{FF2B5EF4-FFF2-40B4-BE49-F238E27FC236}">
+                <a16:creationId xmlns:a16="http://schemas.microsoft.com/office/drawing/2014/main" id="{7B9E934C-FB52-43E5-E07C-DDDC0B0E3DBB}"/>
+              </a:ext>
+            </a:extLst>
+          </p:cNvPr>
+          <p:cNvPicPr>
+            <a:picLocks noChangeAspect="1"/>
+          </p:cNvPicPr>
+          <p:nvPr/>
+        </p:nvPicPr>
+        <p:blipFill>
+          <a:blip r:embed="rId2"/>
+          <a:stretch>
+            <a:fillRect/>
+          </a:stretch>
+        </p:blipFill>
+        <p:spPr>
+          <a:xfrm>
+            <a:off x="9432934" y="3429000"/>
+            <a:ext cx="1069958" cy="1366452"/>
+          </a:xfrm>
+          <a:prstGeom prst="rect">
+            <a:avLst/>
+          </a:prstGeom>
+        </p:spPr>
+      </p:pic>
+      <p:pic>
+        <p:nvPicPr>
+          <p:cNvPr id="8" name="Immagine 7">
+            <a:extLst>
+              <a:ext uri="{FF2B5EF4-FFF2-40B4-BE49-F238E27FC236}">
+                <a16:creationId xmlns:a16="http://schemas.microsoft.com/office/drawing/2014/main" id="{93B71221-8EBA-30FF-B931-22C50EFD27A0}"/>
+              </a:ext>
+            </a:extLst>
+          </p:cNvPr>
+          <p:cNvPicPr>
+            <a:picLocks noChangeAspect="1"/>
+          </p:cNvPicPr>
+          <p:nvPr/>
+        </p:nvPicPr>
+        <p:blipFill>
+          <a:blip r:embed="rId3"/>
+          <a:stretch>
+            <a:fillRect/>
+          </a:stretch>
+        </p:blipFill>
+        <p:spPr>
+          <a:xfrm>
+            <a:off x="9495301" y="4952600"/>
+            <a:ext cx="1190625" cy="1809750"/>
+          </a:xfrm>
+          <a:prstGeom prst="rect">
+            <a:avLst/>
+          </a:prstGeom>
+        </p:spPr>
+      </p:pic>
+      <p:cxnSp>
+        <p:nvCxnSpPr>
+          <p:cNvPr id="10" name="Connettore 2 9">
+            <a:extLst>
+              <a:ext uri="{FF2B5EF4-FFF2-40B4-BE49-F238E27FC236}">
+                <a16:creationId xmlns:a16="http://schemas.microsoft.com/office/drawing/2014/main" id="{C4CB7C93-938C-A838-BA9F-5336408A7096}"/>
+              </a:ext>
+            </a:extLst>
+          </p:cNvPr>
+          <p:cNvCxnSpPr/>
+          <p:nvPr/>
+        </p:nvCxnSpPr>
+        <p:spPr>
+          <a:xfrm flipV="1">
+            <a:off x="8414535" y="4112226"/>
+            <a:ext cx="893852" cy="346758"/>
+          </a:xfrm>
+          <a:prstGeom prst="straightConnector1">
+            <a:avLst/>
+          </a:prstGeom>
+          <a:ln>
+            <a:tailEnd type="triangle"/>
+          </a:ln>
+        </p:spPr>
+        <p:style>
+          <a:lnRef idx="1">
+            <a:schemeClr val="accent1"/>
+          </a:lnRef>
+          <a:fillRef idx="0">
+            <a:schemeClr val="accent1"/>
+          </a:fillRef>
+          <a:effectRef idx="0">
+            <a:schemeClr val="accent1"/>
+          </a:effectRef>
+          <a:fontRef idx="minor">
+            <a:schemeClr val="tx1"/>
+          </a:fontRef>
+        </p:style>
+      </p:cxnSp>
+      <p:cxnSp>
+        <p:nvCxnSpPr>
+          <p:cNvPr id="11" name="Connettore 2 10">
+            <a:extLst>
+              <a:ext uri="{FF2B5EF4-FFF2-40B4-BE49-F238E27FC236}">
+                <a16:creationId xmlns:a16="http://schemas.microsoft.com/office/drawing/2014/main" id="{C5CB3FED-B2BD-AC8D-5BBC-F8496A01EF05}"/>
+              </a:ext>
+            </a:extLst>
+          </p:cNvPr>
+          <p:cNvCxnSpPr>
+            <a:cxnSpLocks/>
+          </p:cNvCxnSpPr>
+          <p:nvPr/>
+        </p:nvCxnSpPr>
+        <p:spPr>
+          <a:xfrm>
+            <a:off x="8342616" y="5649074"/>
+            <a:ext cx="965771" cy="295667"/>
+          </a:xfrm>
+          <a:prstGeom prst="straightConnector1">
+            <a:avLst/>
+          </a:prstGeom>
+          <a:ln>
+            <a:tailEnd type="triangle"/>
+          </a:ln>
+        </p:spPr>
+        <p:style>
+          <a:lnRef idx="1">
+            <a:schemeClr val="accent1"/>
+          </a:lnRef>
+          <a:fillRef idx="0">
+            <a:schemeClr val="accent1"/>
+          </a:fillRef>
+          <a:effectRef idx="0">
+            <a:schemeClr val="accent1"/>
+          </a:effectRef>
+          <a:fontRef idx="minor">
+            <a:schemeClr val="tx1"/>
+          </a:fontRef>
+        </p:style>
+      </p:cxnSp>
+    </p:spTree>
+    <p:extLst>
+      <p:ext uri="{BB962C8B-B14F-4D97-AF65-F5344CB8AC3E}">
+        <p14:creationId xmlns:p14="http://schemas.microsoft.com/office/powerpoint/2010/main" val="539900786"/>
+      </p:ext>
+    </p:extLst>
+  </p:cSld>
+  <p:clrMapOvr>
+    <a:masterClrMapping/>
+  </p:clrMapOvr>
+</p:sld>
+</file>
+
+<file path=ppt/slides/slide19.xml><?xml version="1.0" encoding="utf-8"?>
+<p:sld xmlns:a="http://schemas.openxmlformats.org/drawingml/2006/main" xmlns:r="http://schemas.openxmlformats.org/officeDocument/2006/relationships" xmlns:p="http://schemas.openxmlformats.org/presentationml/2006/main">
+  <p:cSld>
+    <p:spTree>
+      <p:nvGrpSpPr>
+        <p:cNvPr id="1" name=""/>
+        <p:cNvGrpSpPr/>
+        <p:nvPr/>
+      </p:nvGrpSpPr>
+      <p:grpSpPr>
+        <a:xfrm>
+          <a:off x="0" y="0"/>
+          <a:ext cx="0" cy="0"/>
+          <a:chOff x="0" y="0"/>
+          <a:chExt cx="0" cy="0"/>
+        </a:xfrm>
+      </p:grpSpPr>
+      <mc:AlternateContent xmlns:mc="http://schemas.openxmlformats.org/markup-compatibility/2006">
+        <mc:Choice xmlns:a14="http://schemas.microsoft.com/office/drawing/2010/main" Requires="a14">
+          <p:sp>
+            <p:nvSpPr>
+              <p:cNvPr id="2" name="Segnaposto testo 1">
+                <a:extLst>
+                  <a:ext uri="{FF2B5EF4-FFF2-40B4-BE49-F238E27FC236}">
+                    <a16:creationId xmlns:a16="http://schemas.microsoft.com/office/drawing/2014/main" id="{E5AE986C-196F-4141-A898-FA4C4198CDCC}"/>
+                  </a:ext>
+                </a:extLst>
+              </p:cNvPr>
+              <p:cNvSpPr>
+                <a:spLocks noGrp="1"/>
+              </p:cNvSpPr>
+              <p:nvPr>
+                <p:ph type="body" idx="1"/>
+              </p:nvPr>
+            </p:nvSpPr>
+            <p:spPr>
+              <a:xfrm>
+                <a:off x="574294" y="1446404"/>
+                <a:ext cx="10912214" cy="4392612"/>
+              </a:xfrm>
+            </p:spPr>
+            <p:txBody>
+              <a:bodyPr/>
+              <a:lstStyle/>
+              <a:p>
+                <a:pPr marL="342900" indent="-342900" algn="just">
+                  <a:buFont typeface="Wingdings" panose="05000000000000000000" pitchFamily="2" charset="2"/>
+                  <a:buChar char="ü"/>
+                </a:pPr>
+                <a:r>
+                  <a:rPr lang="en-US" sz="2400">
+                    <a:solidFill>
+                      <a:schemeClr val="tx1"/>
+                    </a:solidFill>
+                    <a:latin typeface="Tahoma" panose="020B0604030504040204" pitchFamily="34" charset="0"/>
+                    <a:ea typeface="Tahoma" panose="020B0604030504040204" pitchFamily="34" charset="0"/>
+                    <a:cs typeface="Tahoma" panose="020B0604030504040204" pitchFamily="34" charset="0"/>
+                  </a:rPr>
+                  <a:t>Si noti che la media artimetica di una variabile statistica viene indicate con il simbolo </a:t>
+                </a:r>
+                <a14:m>
+                  <m:oMath xmlns:m="http://schemas.openxmlformats.org/officeDocument/2006/math">
+                    <m:sSub>
+                      <m:sSubPr>
+                        <m:ctrlPr>
+                          <a:rPr lang="en-US" sz="2400" i="1" smtClean="0">
+                            <a:solidFill>
+                              <a:schemeClr val="tx1"/>
+                            </a:solidFill>
+                            <a:latin typeface="Cambria Math" panose="02040503050406030204" pitchFamily="18" charset="0"/>
+                            <a:ea typeface="Tahoma" panose="020B0604030504040204" pitchFamily="34" charset="0"/>
+                            <a:cs typeface="Tahoma" panose="020B0604030504040204" pitchFamily="34" charset="0"/>
+                          </a:rPr>
+                        </m:ctrlPr>
+                      </m:sSubPr>
+                      <m:e>
+                        <m:r>
+                          <a:rPr lang="it-IT" sz="2400" b="0" i="1" smtClean="0">
+                            <a:solidFill>
+                              <a:schemeClr val="tx1"/>
+                            </a:solidFill>
+                            <a:latin typeface="Cambria Math" panose="02040503050406030204" pitchFamily="18" charset="0"/>
+                            <a:ea typeface="Tahoma" panose="020B0604030504040204" pitchFamily="34" charset="0"/>
+                            <a:cs typeface="Tahoma" panose="020B0604030504040204" pitchFamily="34" charset="0"/>
+                          </a:rPr>
+                          <m:t>𝑀</m:t>
+                        </m:r>
+                      </m:e>
+                      <m:sub>
+                        <m:r>
+                          <a:rPr lang="it-IT" sz="2400" b="0" i="1" smtClean="0">
+                            <a:solidFill>
+                              <a:schemeClr val="tx1"/>
+                            </a:solidFill>
+                            <a:latin typeface="Cambria Math" panose="02040503050406030204" pitchFamily="18" charset="0"/>
+                            <a:ea typeface="Tahoma" panose="020B0604030504040204" pitchFamily="34" charset="0"/>
+                            <a:cs typeface="Tahoma" panose="020B0604030504040204" pitchFamily="34" charset="0"/>
+                          </a:rPr>
+                          <m:t>𝑆</m:t>
+                        </m:r>
+                      </m:sub>
+                    </m:sSub>
+                  </m:oMath>
+                </a14:m>
+                <a:r>
+                  <a:rPr lang="en-US" sz="2400">
+                    <a:solidFill>
+                      <a:schemeClr val="tx1"/>
+                    </a:solidFill>
+                    <a:latin typeface="Tahoma" panose="020B0604030504040204" pitchFamily="34" charset="0"/>
+                    <a:ea typeface="Tahoma" panose="020B0604030504040204" pitchFamily="34" charset="0"/>
+                    <a:cs typeface="Tahoma" panose="020B0604030504040204" pitchFamily="34" charset="0"/>
+                  </a:rPr>
+                  <a:t> mentre la media di una variabile casuale è invece indicate con la lettera greca </a:t>
+                </a:r>
+                <a:r>
+                  <a:rPr lang="en-US" sz="2400" b="1">
+                    <a:solidFill>
+                      <a:schemeClr val="tx1"/>
+                    </a:solidFill>
+                    <a:latin typeface="Tahoma" panose="020B0604030504040204" pitchFamily="34" charset="0"/>
+                    <a:ea typeface="Tahoma" panose="020B0604030504040204" pitchFamily="34" charset="0"/>
+                    <a:cs typeface="Tahoma" panose="020B0604030504040204" pitchFamily="34" charset="0"/>
+                  </a:rPr>
+                  <a:t>µ</a:t>
+                </a:r>
+              </a:p>
+              <a:p>
+                <a:pPr marL="342900" indent="-342900" algn="just">
+                  <a:buFont typeface="Wingdings" panose="05000000000000000000" pitchFamily="2" charset="2"/>
+                  <a:buChar char="ü"/>
+                </a:pPr>
+                <a:r>
+                  <a:rPr lang="en-US" sz="2400" b="1">
+                    <a:solidFill>
+                      <a:schemeClr val="tx1"/>
+                    </a:solidFill>
+                    <a:latin typeface="Tahoma" panose="020B0604030504040204" pitchFamily="34" charset="0"/>
+                    <a:ea typeface="Tahoma" panose="020B0604030504040204" pitchFamily="34" charset="0"/>
+                    <a:cs typeface="Tahoma" panose="020B0604030504040204" pitchFamily="34" charset="0"/>
+                  </a:rPr>
+                  <a:t>Differenza tra variabile statistica e variabile casuale: </a:t>
+                </a:r>
+                <a:r>
+                  <a:rPr lang="en-US" sz="2400">
+                    <a:solidFill>
+                      <a:schemeClr val="tx1"/>
+                    </a:solidFill>
+                    <a:latin typeface="Tahoma" panose="020B0604030504040204" pitchFamily="34" charset="0"/>
+                    <a:ea typeface="Tahoma" panose="020B0604030504040204" pitchFamily="34" charset="0"/>
+                    <a:cs typeface="Tahoma" panose="020B0604030504040204" pitchFamily="34" charset="0"/>
+                  </a:rPr>
+                  <a:t>una </a:t>
+                </a:r>
+                <a:r>
+                  <a:rPr lang="en-US" sz="2400" b="1">
+                    <a:solidFill>
+                      <a:schemeClr val="tx1"/>
+                    </a:solidFill>
+                    <a:latin typeface="Tahoma" panose="020B0604030504040204" pitchFamily="34" charset="0"/>
+                    <a:ea typeface="Tahoma" panose="020B0604030504040204" pitchFamily="34" charset="0"/>
+                    <a:cs typeface="Tahoma" panose="020B0604030504040204" pitchFamily="34" charset="0"/>
+                  </a:rPr>
+                  <a:t>variabile statistica</a:t>
+                </a:r>
+                <a:r>
+                  <a:rPr lang="en-US" sz="2400">
+                    <a:solidFill>
+                      <a:schemeClr val="tx1"/>
+                    </a:solidFill>
+                    <a:latin typeface="Tahoma" panose="020B0604030504040204" pitchFamily="34" charset="0"/>
+                    <a:ea typeface="Tahoma" panose="020B0604030504040204" pitchFamily="34" charset="0"/>
+                    <a:cs typeface="Tahoma" panose="020B0604030504040204" pitchFamily="34" charset="0"/>
+                  </a:rPr>
+                  <a:t> deriva dalla classificazione di dati rilevati, cioè viene definite empiricamente una volta conosciuti i dati ed averli classificati. Una </a:t>
+                </a:r>
+                <a:r>
+                  <a:rPr lang="en-US" sz="2400" b="1">
+                    <a:solidFill>
+                      <a:schemeClr val="tx1"/>
+                    </a:solidFill>
+                    <a:latin typeface="Tahoma" panose="020B0604030504040204" pitchFamily="34" charset="0"/>
+                    <a:ea typeface="Tahoma" panose="020B0604030504040204" pitchFamily="34" charset="0"/>
+                    <a:cs typeface="Tahoma" panose="020B0604030504040204" pitchFamily="34" charset="0"/>
+                  </a:rPr>
+                  <a:t>variabile casuale </a:t>
+                </a:r>
+                <a:r>
+                  <a:rPr lang="en-US" sz="2400">
+                    <a:solidFill>
+                      <a:schemeClr val="tx1"/>
+                    </a:solidFill>
+                    <a:latin typeface="Tahoma" panose="020B0604030504040204" pitchFamily="34" charset="0"/>
+                    <a:ea typeface="Tahoma" panose="020B0604030504040204" pitchFamily="34" charset="0"/>
+                    <a:cs typeface="Tahoma" panose="020B0604030504040204" pitchFamily="34" charset="0"/>
+                  </a:rPr>
+                  <a:t>è strettamente legata al concetto di di esperimento ossia di una prova il cui risultato è incerto. </a:t>
+                </a:r>
+              </a:p>
+              <a:p>
+                <a:pPr marL="342900" indent="-342900" algn="just">
+                  <a:buFont typeface="Wingdings" panose="05000000000000000000" pitchFamily="2" charset="2"/>
+                  <a:buChar char="ü"/>
+                </a:pPr>
+                <a:r>
+                  <a:rPr lang="en-US" sz="2400">
+                    <a:solidFill>
+                      <a:schemeClr val="tx1"/>
+                    </a:solidFill>
+                    <a:latin typeface="Tahoma" panose="020B0604030504040204" pitchFamily="34" charset="0"/>
+                    <a:ea typeface="Tahoma" panose="020B0604030504040204" pitchFamily="34" charset="0"/>
+                    <a:cs typeface="Tahoma" panose="020B0604030504040204" pitchFamily="34" charset="0"/>
+                  </a:rPr>
+                  <a:t>Una media aritmetica di una variabile statistica </a:t>
+                </a:r>
+                <a:r>
+                  <a:rPr lang="en-US" sz="2400" b="1" i="1">
+                    <a:solidFill>
+                      <a:schemeClr val="tx1"/>
+                    </a:solidFill>
+                    <a:latin typeface="Tahoma" panose="020B0604030504040204" pitchFamily="34" charset="0"/>
+                    <a:ea typeface="Tahoma" panose="020B0604030504040204" pitchFamily="34" charset="0"/>
+                    <a:cs typeface="Tahoma" panose="020B0604030504040204" pitchFamily="34" charset="0"/>
+                  </a:rPr>
+                  <a:t>X</a:t>
+                </a:r>
+                <a:r>
+                  <a:rPr lang="en-US" sz="2400" b="1">
+                    <a:solidFill>
+                      <a:schemeClr val="tx1"/>
+                    </a:solidFill>
+                    <a:latin typeface="Tahoma" panose="020B0604030504040204" pitchFamily="34" charset="0"/>
+                    <a:ea typeface="Tahoma" panose="020B0604030504040204" pitchFamily="34" charset="0"/>
+                    <a:cs typeface="Tahoma" panose="020B0604030504040204" pitchFamily="34" charset="0"/>
+                  </a:rPr>
+                  <a:t> </a:t>
+                </a:r>
+                <a:r>
+                  <a:rPr lang="en-US" sz="2400">
+                    <a:solidFill>
+                      <a:schemeClr val="tx1"/>
+                    </a:solidFill>
+                    <a:latin typeface="Tahoma" panose="020B0604030504040204" pitchFamily="34" charset="0"/>
+                    <a:ea typeface="Tahoma" panose="020B0604030504040204" pitchFamily="34" charset="0"/>
+                    <a:cs typeface="Tahoma" panose="020B0604030504040204" pitchFamily="34" charset="0"/>
+                  </a:rPr>
+                  <a:t>è: </a:t>
+                </a:r>
+              </a:p>
+              <a:p>
+                <a:pPr marL="342900" indent="-342900" algn="just">
+                  <a:buFont typeface="Wingdings" panose="05000000000000000000" pitchFamily="2" charset="2"/>
+                  <a:buChar char="ü"/>
+                </a:pPr>
+                <a:r>
+                  <a:rPr lang="en-US" sz="2400" b="1">
+                    <a:solidFill>
+                      <a:schemeClr val="tx1"/>
+                    </a:solidFill>
+                    <a:latin typeface="Tahoma" panose="020B0604030504040204" pitchFamily="34" charset="0"/>
+                    <a:ea typeface="Tahoma" panose="020B0604030504040204" pitchFamily="34" charset="0"/>
+                    <a:cs typeface="Tahoma" panose="020B0604030504040204" pitchFamily="34" charset="0"/>
+                  </a:rPr>
+                  <a:t>interna: </a:t>
+                </a:r>
+                <a:r>
+                  <a:rPr lang="en-US" sz="2400">
+                    <a:solidFill>
+                      <a:schemeClr val="tx1"/>
+                    </a:solidFill>
+                    <a:latin typeface="Tahoma" panose="020B0604030504040204" pitchFamily="34" charset="0"/>
+                    <a:ea typeface="Tahoma" panose="020B0604030504040204" pitchFamily="34" charset="0"/>
+                    <a:cs typeface="Tahoma" panose="020B0604030504040204" pitchFamily="34" charset="0"/>
+                  </a:rPr>
+                  <a:t>vale a dire il suo valore è sempre maggiore dell'intensità minima e sempre minore dell'intensità massima di una variabile statistica</a:t>
+                </a:r>
+                <a:endParaRPr lang="en-US" sz="2600">
+                  <a:solidFill>
+                    <a:schemeClr val="tx1"/>
+                  </a:solidFill>
+                  <a:latin typeface="Tahoma" panose="020B0604030504040204" pitchFamily="34" charset="0"/>
+                  <a:ea typeface="Tahoma" panose="020B0604030504040204" pitchFamily="34" charset="0"/>
+                  <a:cs typeface="Tahoma" panose="020B0604030504040204" pitchFamily="34" charset="0"/>
+                </a:endParaRPr>
+              </a:p>
+            </p:txBody>
+          </p:sp>
+        </mc:Choice>
+        <mc:Fallback>
+          <p:sp>
+            <p:nvSpPr>
+              <p:cNvPr id="2" name="Segnaposto testo 1">
+                <a:extLst>
+                  <a:ext uri="{FF2B5EF4-FFF2-40B4-BE49-F238E27FC236}">
+                    <a16:creationId xmlns:a16="http://schemas.microsoft.com/office/drawing/2014/main" id="{E5AE986C-196F-4141-A898-FA4C4198CDCC}"/>
+                  </a:ext>
+                </a:extLst>
+              </p:cNvPr>
+              <p:cNvSpPr>
+                <a:spLocks noGrp="1" noRot="1" noChangeAspect="1" noMove="1" noResize="1" noEditPoints="1" noAdjustHandles="1" noChangeArrowheads="1" noChangeShapeType="1" noTextEdit="1"/>
+              </p:cNvSpPr>
+              <p:nvPr>
+                <p:ph type="body" idx="1"/>
+              </p:nvPr>
+            </p:nvSpPr>
+            <p:spPr>
+              <a:xfrm>
+                <a:off x="574294" y="1446404"/>
+                <a:ext cx="10912214" cy="4392612"/>
+              </a:xfrm>
+              <a:blipFill>
+                <a:blip r:embed="rId2"/>
+                <a:stretch>
+                  <a:fillRect l="-1564" t="-2080" r="-1732" b="-6241"/>
+                </a:stretch>
+              </a:blipFill>
+            </p:spPr>
+            <p:txBody>
+              <a:bodyPr/>
+              <a:lstStyle/>
+              <a:p>
+                <a:r>
+                  <a:rPr lang="it-IT">
+                    <a:noFill/>
+                  </a:rPr>
+                  <a:t> </a:t>
+                </a:r>
+              </a:p>
+            </p:txBody>
+          </p:sp>
+        </mc:Fallback>
+      </mc:AlternateContent>
+      <p:sp>
+        <p:nvSpPr>
+          <p:cNvPr id="7" name="Segnaposto numero diapositiva 6">
+            <a:extLst>
+              <a:ext uri="{FF2B5EF4-FFF2-40B4-BE49-F238E27FC236}">
+                <a16:creationId xmlns:a16="http://schemas.microsoft.com/office/drawing/2014/main" id="{AB740BE9-E218-4144-BFDE-AE473D230A3D}"/>
+              </a:ext>
+            </a:extLst>
+          </p:cNvPr>
+          <p:cNvSpPr>
+            <a:spLocks noGrp="1"/>
+          </p:cNvSpPr>
+          <p:nvPr>
+            <p:ph type="sldNum" sz="quarter" idx="12"/>
+          </p:nvPr>
+        </p:nvSpPr>
+        <p:spPr/>
+        <p:txBody>
+          <a:bodyPr/>
+          <a:lstStyle/>
+          <a:p>
+            <a:pPr>
+              <a:defRPr/>
+            </a:pPr>
+            <a:fld id="{48B4153A-D4C5-4CEF-8992-0D8815C829E3}" type="slidenum">
+              <a:rPr lang="en-US" smtClean="0"/>
+              <a:pPr>
+                <a:defRPr/>
+              </a:pPr>
+              <a:t>19</a:t>
+            </a:fld>
+            <a:endParaRPr lang="en-US" dirty="0"/>
+          </a:p>
+        </p:txBody>
+      </p:sp>
+      <p:sp>
+        <p:nvSpPr>
+          <p:cNvPr id="5" name="Titolo 4">
+            <a:extLst>
+              <a:ext uri="{FF2B5EF4-FFF2-40B4-BE49-F238E27FC236}">
+                <a16:creationId xmlns:a16="http://schemas.microsoft.com/office/drawing/2014/main" id="{82C46BA2-B380-4357-B125-BA9F08A643F5}"/>
+              </a:ext>
+            </a:extLst>
+          </p:cNvPr>
+          <p:cNvSpPr>
+            <a:spLocks noGrp="1"/>
+          </p:cNvSpPr>
+          <p:nvPr>
+            <p:ph type="title"/>
+          </p:nvPr>
+        </p:nvSpPr>
+        <p:spPr>
+          <a:xfrm>
+            <a:off x="468895" y="503475"/>
+            <a:ext cx="11269308" cy="384721"/>
+          </a:xfrm>
+        </p:spPr>
+        <p:txBody>
+          <a:bodyPr/>
+          <a:lstStyle/>
+          <a:p>
+            <a:r>
+              <a:rPr lang="it-IT"/>
+              <a:t>Proprietà della Media Artimetica</a:t>
+            </a:r>
+            <a:endParaRPr lang="it-IT" dirty="0"/>
+          </a:p>
+        </p:txBody>
+      </p:sp>
+    </p:spTree>
+    <p:extLst>
+      <p:ext uri="{BB962C8B-B14F-4D97-AF65-F5344CB8AC3E}">
+        <p14:creationId xmlns:p14="http://schemas.microsoft.com/office/powerpoint/2010/main" val="3571417953"/>
+      </p:ext>
+    </p:extLst>
+  </p:cSld>
+  <p:clrMapOvr>
+    <a:masterClrMapping/>
+  </p:clrMapOvr>
+</p:sld>
+</file>
+
+<file path=ppt/slides/slide2.xml><?xml version="1.0" encoding="utf-8"?>
+<p:sld xmlns:a="http://schemas.openxmlformats.org/drawingml/2006/main" xmlns:r="http://schemas.openxmlformats.org/officeDocument/2006/relationships" xmlns:p="http://schemas.openxmlformats.org/presentationml/2006/main">
+  <p:cSld>
+    <p:bg>
+      <p:bgPr>
+        <a:solidFill>
+          <a:schemeClr val="bg1"/>
+        </a:solidFill>
+        <a:effectLst/>
+      </p:bgPr>
+    </p:bg>
+    <p:spTree>
+      <p:nvGrpSpPr>
+        <p:cNvPr id="1" name=""/>
+        <p:cNvGrpSpPr/>
+        <p:nvPr/>
+      </p:nvGrpSpPr>
+      <p:grpSpPr>
+        <a:xfrm>
+          <a:off x="0" y="0"/>
+          <a:ext cx="0" cy="0"/>
+          <a:chOff x="0" y="0"/>
+          <a:chExt cx="0" cy="0"/>
+        </a:xfrm>
+      </p:grpSpPr>
+      <p:sp>
+        <p:nvSpPr>
+          <p:cNvPr id="2" name="Segnaposto testo 1">
+            <a:extLst>
+              <a:ext uri="{FF2B5EF4-FFF2-40B4-BE49-F238E27FC236}">
+                <a16:creationId xmlns:a16="http://schemas.microsoft.com/office/drawing/2014/main" id="{E5AE986C-196F-4141-A898-FA4C4198CDCC}"/>
+              </a:ext>
+            </a:extLst>
+          </p:cNvPr>
+          <p:cNvSpPr>
+            <a:spLocks noGrp="1"/>
+          </p:cNvSpPr>
+          <p:nvPr>
+            <p:ph type="body" idx="1"/>
+          </p:nvPr>
+        </p:nvSpPr>
+        <p:spPr>
+          <a:xfrm>
+            <a:off x="326297" y="1213806"/>
+            <a:ext cx="7430692" cy="4392612"/>
+          </a:xfrm>
+        </p:spPr>
+        <p:txBody>
+          <a:bodyPr/>
+          <a:lstStyle/>
+          <a:p>
+            <a:pPr marL="342900" indent="-342900" algn="just">
+              <a:buFont typeface="Wingdings" panose="05000000000000000000" pitchFamily="2" charset="2"/>
+              <a:buChar char="ü"/>
+            </a:pPr>
+            <a:r>
+              <a:rPr lang="it-IT" sz="2400" b="1" dirty="0">
+                <a:solidFill>
+                  <a:schemeClr val="tx1"/>
+                </a:solidFill>
+                <a:latin typeface="Tahoma" panose="020B0604030504040204" pitchFamily="34" charset="0"/>
+                <a:ea typeface="Tahoma" panose="020B0604030504040204" pitchFamily="34" charset="0"/>
+                <a:cs typeface="Tahoma" panose="020B0604030504040204" pitchFamily="34" charset="0"/>
+              </a:rPr>
+              <a:t>Definizione di Statistica: </a:t>
+            </a:r>
+            <a:r>
+              <a:rPr lang="it-IT" sz="2400" dirty="0">
+                <a:solidFill>
+                  <a:schemeClr val="tx1"/>
+                </a:solidFill>
+                <a:latin typeface="Tahoma" panose="020B0604030504040204" pitchFamily="34" charset="0"/>
+                <a:ea typeface="Tahoma" panose="020B0604030504040204" pitchFamily="34" charset="0"/>
+                <a:cs typeface="Tahoma" panose="020B0604030504040204" pitchFamily="34" charset="0"/>
+              </a:rPr>
+              <a:t>La </a:t>
+            </a:r>
+            <a:r>
+              <a:rPr lang="it-IT" sz="2400" b="1" dirty="0">
+                <a:solidFill>
+                  <a:schemeClr val="tx1"/>
+                </a:solidFill>
+                <a:latin typeface="Tahoma" panose="020B0604030504040204" pitchFamily="34" charset="0"/>
+                <a:ea typeface="Tahoma" panose="020B0604030504040204" pitchFamily="34" charset="0"/>
+                <a:cs typeface="Tahoma" panose="020B0604030504040204" pitchFamily="34" charset="0"/>
+              </a:rPr>
+              <a:t>statistica </a:t>
+            </a:r>
+            <a:r>
+              <a:rPr lang="it-IT" sz="2400" dirty="0">
+                <a:solidFill>
+                  <a:schemeClr val="tx1"/>
+                </a:solidFill>
+                <a:latin typeface="Tahoma" panose="020B0604030504040204" pitchFamily="34" charset="0"/>
+                <a:ea typeface="Tahoma" panose="020B0604030504040204" pitchFamily="34" charset="0"/>
+                <a:cs typeface="Tahoma" panose="020B0604030504040204" pitchFamily="34" charset="0"/>
+              </a:rPr>
+              <a:t>è una scienza che per oggetto l’acquisizione, l’elaborazione e la valutazione </a:t>
+            </a:r>
+            <a:r>
+              <a:rPr lang="it-IT" sz="2400" b="1" dirty="0">
+                <a:solidFill>
+                  <a:schemeClr val="tx1"/>
+                </a:solidFill>
+                <a:latin typeface="Tahoma" panose="020B0604030504040204" pitchFamily="34" charset="0"/>
+                <a:ea typeface="Tahoma" panose="020B0604030504040204" pitchFamily="34" charset="0"/>
+                <a:cs typeface="Tahoma" panose="020B0604030504040204" pitchFamily="34" charset="0"/>
+              </a:rPr>
+              <a:t>qualitativa</a:t>
+            </a:r>
+            <a:r>
+              <a:rPr lang="it-IT" sz="2400" dirty="0">
+                <a:solidFill>
+                  <a:schemeClr val="tx1"/>
+                </a:solidFill>
+                <a:latin typeface="Tahoma" panose="020B0604030504040204" pitchFamily="34" charset="0"/>
+                <a:ea typeface="Tahoma" panose="020B0604030504040204" pitchFamily="34" charset="0"/>
+                <a:cs typeface="Tahoma" panose="020B0604030504040204" pitchFamily="34" charset="0"/>
+              </a:rPr>
+              <a:t> e </a:t>
+            </a:r>
+            <a:r>
+              <a:rPr lang="it-IT" sz="2400" b="1" dirty="0">
+                <a:solidFill>
+                  <a:schemeClr val="tx1"/>
+                </a:solidFill>
+                <a:latin typeface="Tahoma" panose="020B0604030504040204" pitchFamily="34" charset="0"/>
+                <a:ea typeface="Tahoma" panose="020B0604030504040204" pitchFamily="34" charset="0"/>
+                <a:cs typeface="Tahoma" panose="020B0604030504040204" pitchFamily="34" charset="0"/>
+              </a:rPr>
+              <a:t>quantitativa</a:t>
+            </a:r>
+            <a:r>
+              <a:rPr lang="it-IT" sz="2400" dirty="0">
+                <a:solidFill>
+                  <a:schemeClr val="tx1"/>
+                </a:solidFill>
+                <a:latin typeface="Tahoma" panose="020B0604030504040204" pitchFamily="34" charset="0"/>
+                <a:ea typeface="Tahoma" panose="020B0604030504040204" pitchFamily="34" charset="0"/>
+                <a:cs typeface="Tahoma" panose="020B0604030504040204" pitchFamily="34" charset="0"/>
+              </a:rPr>
+              <a:t> dei dati riguardanti fenomeni di massa suscettibili alla misurazione. Nell’ambito della </a:t>
+            </a:r>
+            <a:r>
+              <a:rPr lang="it-IT" sz="2400" b="1" dirty="0">
+                <a:solidFill>
+                  <a:schemeClr val="tx1"/>
+                </a:solidFill>
+                <a:latin typeface="Tahoma" panose="020B0604030504040204" pitchFamily="34" charset="0"/>
+                <a:ea typeface="Tahoma" panose="020B0604030504040204" pitchFamily="34" charset="0"/>
+                <a:cs typeface="Tahoma" panose="020B0604030504040204" pitchFamily="34" charset="0"/>
+              </a:rPr>
+              <a:t>statistica </a:t>
+            </a:r>
+            <a:r>
+              <a:rPr lang="it-IT" sz="2400" dirty="0">
+                <a:solidFill>
+                  <a:schemeClr val="tx1"/>
+                </a:solidFill>
+                <a:latin typeface="Tahoma" panose="020B0604030504040204" pitchFamily="34" charset="0"/>
+                <a:ea typeface="Tahoma" panose="020B0604030504040204" pitchFamily="34" charset="0"/>
+                <a:cs typeface="Tahoma" panose="020B0604030504040204" pitchFamily="34" charset="0"/>
+              </a:rPr>
+              <a:t>si distinguono due settori: la </a:t>
+            </a:r>
+            <a:r>
+              <a:rPr lang="it-IT" sz="2400" b="1" dirty="0">
+                <a:solidFill>
+                  <a:schemeClr val="tx1"/>
+                </a:solidFill>
+                <a:latin typeface="Tahoma" panose="020B0604030504040204" pitchFamily="34" charset="0"/>
+                <a:ea typeface="Tahoma" panose="020B0604030504040204" pitchFamily="34" charset="0"/>
+                <a:cs typeface="Tahoma" panose="020B0604030504040204" pitchFamily="34" charset="0"/>
+              </a:rPr>
+              <a:t>statistica</a:t>
+            </a:r>
+            <a:r>
+              <a:rPr lang="it-IT" sz="2400" dirty="0">
+                <a:solidFill>
+                  <a:schemeClr val="tx1"/>
+                </a:solidFill>
+                <a:latin typeface="Tahoma" panose="020B0604030504040204" pitchFamily="34" charset="0"/>
+                <a:ea typeface="Tahoma" panose="020B0604030504040204" pitchFamily="34" charset="0"/>
+                <a:cs typeface="Tahoma" panose="020B0604030504040204" pitchFamily="34" charset="0"/>
+              </a:rPr>
+              <a:t> </a:t>
+            </a:r>
+            <a:r>
+              <a:rPr lang="it-IT" sz="2400" b="1" dirty="0">
+                <a:solidFill>
+                  <a:schemeClr val="tx1"/>
+                </a:solidFill>
+                <a:latin typeface="Tahoma" panose="020B0604030504040204" pitchFamily="34" charset="0"/>
+                <a:ea typeface="Tahoma" panose="020B0604030504040204" pitchFamily="34" charset="0"/>
+                <a:cs typeface="Tahoma" panose="020B0604030504040204" pitchFamily="34" charset="0"/>
+              </a:rPr>
+              <a:t>descrittiva</a:t>
+            </a:r>
+            <a:r>
+              <a:rPr lang="it-IT" sz="2400" dirty="0">
+                <a:solidFill>
+                  <a:schemeClr val="tx1"/>
+                </a:solidFill>
+                <a:latin typeface="Tahoma" panose="020B0604030504040204" pitchFamily="34" charset="0"/>
+                <a:ea typeface="Tahoma" panose="020B0604030504040204" pitchFamily="34" charset="0"/>
+                <a:cs typeface="Tahoma" panose="020B0604030504040204" pitchFamily="34" charset="0"/>
+              </a:rPr>
+              <a:t> e la </a:t>
+            </a:r>
+            <a:r>
+              <a:rPr lang="it-IT" sz="2400" b="1" dirty="0">
+                <a:solidFill>
+                  <a:schemeClr val="tx1"/>
+                </a:solidFill>
+                <a:latin typeface="Tahoma" panose="020B0604030504040204" pitchFamily="34" charset="0"/>
+                <a:ea typeface="Tahoma" panose="020B0604030504040204" pitchFamily="34" charset="0"/>
+                <a:cs typeface="Tahoma" panose="020B0604030504040204" pitchFamily="34" charset="0"/>
+              </a:rPr>
+              <a:t>statistica</a:t>
+            </a:r>
+            <a:r>
+              <a:rPr lang="it-IT" sz="2400" dirty="0">
+                <a:solidFill>
+                  <a:schemeClr val="tx1"/>
+                </a:solidFill>
+                <a:latin typeface="Tahoma" panose="020B0604030504040204" pitchFamily="34" charset="0"/>
+                <a:ea typeface="Tahoma" panose="020B0604030504040204" pitchFamily="34" charset="0"/>
+                <a:cs typeface="Tahoma" panose="020B0604030504040204" pitchFamily="34" charset="0"/>
+              </a:rPr>
+              <a:t> </a:t>
+            </a:r>
+            <a:r>
+              <a:rPr lang="it-IT" sz="2400" b="1" dirty="0">
+                <a:solidFill>
+                  <a:schemeClr val="tx1"/>
+                </a:solidFill>
+                <a:latin typeface="Tahoma" panose="020B0604030504040204" pitchFamily="34" charset="0"/>
+                <a:ea typeface="Tahoma" panose="020B0604030504040204" pitchFamily="34" charset="0"/>
+                <a:cs typeface="Tahoma" panose="020B0604030504040204" pitchFamily="34" charset="0"/>
+              </a:rPr>
+              <a:t>inferenziale</a:t>
+            </a:r>
+            <a:r>
+              <a:rPr lang="it-IT" sz="2400" dirty="0">
+                <a:solidFill>
+                  <a:schemeClr val="tx1"/>
+                </a:solidFill>
+                <a:latin typeface="Tahoma" panose="020B0604030504040204" pitchFamily="34" charset="0"/>
+                <a:ea typeface="Tahoma" panose="020B0604030504040204" pitchFamily="34" charset="0"/>
+                <a:cs typeface="Tahoma" panose="020B0604030504040204" pitchFamily="34" charset="0"/>
+              </a:rPr>
+              <a:t> (o induttiva</a:t>
+            </a:r>
+            <a:r>
+              <a:rPr lang="it-IT" sz="2400">
+                <a:solidFill>
+                  <a:schemeClr val="tx1"/>
+                </a:solidFill>
+                <a:latin typeface="Tahoma" panose="020B0604030504040204" pitchFamily="34" charset="0"/>
+                <a:ea typeface="Tahoma" panose="020B0604030504040204" pitchFamily="34" charset="0"/>
+                <a:cs typeface="Tahoma" panose="020B0604030504040204" pitchFamily="34" charset="0"/>
+              </a:rPr>
+              <a:t>).   </a:t>
+            </a:r>
+          </a:p>
+          <a:p>
+            <a:pPr marL="342900" indent="-342900" algn="just">
+              <a:buFont typeface="Wingdings" panose="05000000000000000000" pitchFamily="2" charset="2"/>
+              <a:buChar char="ü"/>
+            </a:pPr>
+            <a:r>
+              <a:rPr lang="it-IT" sz="2400">
+                <a:solidFill>
+                  <a:schemeClr val="tx1"/>
+                </a:solidFill>
+                <a:latin typeface="Tahoma" panose="020B0604030504040204" pitchFamily="34" charset="0"/>
+                <a:ea typeface="Tahoma" panose="020B0604030504040204" pitchFamily="34" charset="0"/>
+                <a:cs typeface="Tahoma" panose="020B0604030504040204" pitchFamily="34" charset="0"/>
+              </a:rPr>
+              <a:t>Il </a:t>
+            </a:r>
+            <a:r>
+              <a:rPr lang="it-IT" sz="2400" b="1">
+                <a:solidFill>
+                  <a:schemeClr val="tx1"/>
+                </a:solidFill>
+                <a:latin typeface="Tahoma" panose="020B0604030504040204" pitchFamily="34" charset="0"/>
+                <a:ea typeface="Tahoma" panose="020B0604030504040204" pitchFamily="34" charset="0"/>
+                <a:cs typeface="Tahoma" panose="020B0604030504040204" pitchFamily="34" charset="0"/>
+              </a:rPr>
+              <a:t>collettivo</a:t>
+            </a:r>
+            <a:r>
+              <a:rPr lang="it-IT" sz="2400">
+                <a:solidFill>
+                  <a:schemeClr val="tx1"/>
+                </a:solidFill>
+                <a:latin typeface="Tahoma" panose="020B0604030504040204" pitchFamily="34" charset="0"/>
+                <a:ea typeface="Tahoma" panose="020B0604030504040204" pitchFamily="34" charset="0"/>
+                <a:cs typeface="Tahoma" panose="020B0604030504040204" pitchFamily="34" charset="0"/>
+              </a:rPr>
+              <a:t> </a:t>
+            </a:r>
+            <a:r>
+              <a:rPr lang="it-IT" sz="2400" b="1">
+                <a:solidFill>
+                  <a:schemeClr val="tx1"/>
+                </a:solidFill>
+                <a:latin typeface="Tahoma" panose="020B0604030504040204" pitchFamily="34" charset="0"/>
+                <a:ea typeface="Tahoma" panose="020B0604030504040204" pitchFamily="34" charset="0"/>
+                <a:cs typeface="Tahoma" panose="020B0604030504040204" pitchFamily="34" charset="0"/>
+              </a:rPr>
+              <a:t>statistico</a:t>
+            </a:r>
+            <a:r>
+              <a:rPr lang="it-IT" sz="2400">
+                <a:solidFill>
+                  <a:schemeClr val="tx1"/>
+                </a:solidFill>
+                <a:latin typeface="Tahoma" panose="020B0604030504040204" pitchFamily="34" charset="0"/>
+                <a:ea typeface="Tahoma" panose="020B0604030504040204" pitchFamily="34" charset="0"/>
+                <a:cs typeface="Tahoma" panose="020B0604030504040204" pitchFamily="34" charset="0"/>
+              </a:rPr>
+              <a:t> o </a:t>
+            </a:r>
+            <a:r>
+              <a:rPr lang="it-IT" sz="2400" b="1">
+                <a:solidFill>
+                  <a:schemeClr val="tx1"/>
+                </a:solidFill>
+                <a:latin typeface="Tahoma" panose="020B0604030504040204" pitchFamily="34" charset="0"/>
+                <a:ea typeface="Tahoma" panose="020B0604030504040204" pitchFamily="34" charset="0"/>
+                <a:cs typeface="Tahoma" panose="020B0604030504040204" pitchFamily="34" charset="0"/>
+              </a:rPr>
+              <a:t>collettività</a:t>
+            </a:r>
+            <a:r>
+              <a:rPr lang="it-IT" sz="2400">
+                <a:solidFill>
+                  <a:schemeClr val="tx1"/>
+                </a:solidFill>
+                <a:latin typeface="Tahoma" panose="020B0604030504040204" pitchFamily="34" charset="0"/>
+                <a:ea typeface="Tahoma" panose="020B0604030504040204" pitchFamily="34" charset="0"/>
+                <a:cs typeface="Tahoma" panose="020B0604030504040204" pitchFamily="34" charset="0"/>
+              </a:rPr>
+              <a:t> o </a:t>
+            </a:r>
+            <a:r>
+              <a:rPr lang="it-IT" sz="2400" b="1">
+                <a:solidFill>
+                  <a:schemeClr val="tx1"/>
+                </a:solidFill>
+                <a:latin typeface="Tahoma" panose="020B0604030504040204" pitchFamily="34" charset="0"/>
+                <a:ea typeface="Tahoma" panose="020B0604030504040204" pitchFamily="34" charset="0"/>
+                <a:cs typeface="Tahoma" panose="020B0604030504040204" pitchFamily="34" charset="0"/>
+              </a:rPr>
+              <a:t>popolazione</a:t>
+            </a:r>
+            <a:r>
+              <a:rPr lang="it-IT" sz="2400">
+                <a:solidFill>
+                  <a:schemeClr val="tx1"/>
+                </a:solidFill>
+                <a:latin typeface="Tahoma" panose="020B0604030504040204" pitchFamily="34" charset="0"/>
+                <a:ea typeface="Tahoma" panose="020B0604030504040204" pitchFamily="34" charset="0"/>
+                <a:cs typeface="Tahoma" panose="020B0604030504040204" pitchFamily="34" charset="0"/>
+              </a:rPr>
+              <a:t> </a:t>
+            </a:r>
+            <a:r>
+              <a:rPr lang="it-IT" sz="2400" b="1">
+                <a:solidFill>
+                  <a:schemeClr val="tx1"/>
+                </a:solidFill>
+                <a:latin typeface="Tahoma" panose="020B0604030504040204" pitchFamily="34" charset="0"/>
+                <a:ea typeface="Tahoma" panose="020B0604030504040204" pitchFamily="34" charset="0"/>
+                <a:cs typeface="Tahoma" panose="020B0604030504040204" pitchFamily="34" charset="0"/>
+              </a:rPr>
+              <a:t>statistica </a:t>
+            </a:r>
+            <a:r>
+              <a:rPr lang="it-IT" sz="2400">
+                <a:solidFill>
+                  <a:schemeClr val="tx1"/>
+                </a:solidFill>
+                <a:latin typeface="Tahoma" panose="020B0604030504040204" pitchFamily="34" charset="0"/>
+                <a:ea typeface="Tahoma" panose="020B0604030504040204" pitchFamily="34" charset="0"/>
+                <a:cs typeface="Tahoma" panose="020B0604030504040204" pitchFamily="34" charset="0"/>
+              </a:rPr>
+              <a:t>rappresenta l'insieme di unità statistiche omogenee rispetto ad alcuni caratteri di cui si acquisiscono informazioni per studiarne le modalità; non è necessariamente riferito a esseri umani. </a:t>
+            </a:r>
+            <a:endParaRPr lang="en-US" sz="2400">
+              <a:solidFill>
+                <a:schemeClr val="tx1"/>
+              </a:solidFill>
+              <a:latin typeface="Tahoma" panose="020B0604030504040204" pitchFamily="34" charset="0"/>
+              <a:ea typeface="Tahoma" panose="020B0604030504040204" pitchFamily="34" charset="0"/>
+              <a:cs typeface="Tahoma" panose="020B0604030504040204" pitchFamily="34" charset="0"/>
+            </a:endParaRPr>
+          </a:p>
+          <a:p>
+            <a:pPr marL="342900" indent="-342900" algn="just">
+              <a:buFont typeface="Wingdings" panose="05000000000000000000" pitchFamily="2" charset="2"/>
+              <a:buChar char="ü"/>
+            </a:pPr>
+            <a:endParaRPr lang="it-IT" sz="2400" dirty="0">
+              <a:solidFill>
+                <a:schemeClr val="tx1"/>
+              </a:solidFill>
+              <a:latin typeface="Tahoma" panose="020B0604030504040204" pitchFamily="34" charset="0"/>
+              <a:ea typeface="Tahoma" panose="020B0604030504040204" pitchFamily="34" charset="0"/>
+              <a:cs typeface="Tahoma" panose="020B0604030504040204" pitchFamily="34" charset="0"/>
+            </a:endParaRPr>
+          </a:p>
+        </p:txBody>
+      </p:sp>
+      <p:sp>
+        <p:nvSpPr>
+          <p:cNvPr id="7" name="Segnaposto numero diapositiva 6">
+            <a:extLst>
+              <a:ext uri="{FF2B5EF4-FFF2-40B4-BE49-F238E27FC236}">
+                <a16:creationId xmlns:a16="http://schemas.microsoft.com/office/drawing/2014/main" id="{AB740BE9-E218-4144-BFDE-AE473D230A3D}"/>
+              </a:ext>
+            </a:extLst>
+          </p:cNvPr>
+          <p:cNvSpPr>
+            <a:spLocks noGrp="1"/>
+          </p:cNvSpPr>
+          <p:nvPr>
+            <p:ph type="sldNum" sz="quarter" idx="12"/>
+          </p:nvPr>
+        </p:nvSpPr>
+        <p:spPr/>
+        <p:txBody>
+          <a:bodyPr/>
+          <a:lstStyle/>
+          <a:p>
+            <a:pPr>
+              <a:defRPr/>
+            </a:pPr>
+            <a:fld id="{48B4153A-D4C5-4CEF-8992-0D8815C829E3}" type="slidenum">
+              <a:rPr lang="en-US" smtClean="0"/>
+              <a:pPr>
+                <a:defRPr/>
+              </a:pPr>
+              <a:t>2</a:t>
+            </a:fld>
+            <a:endParaRPr lang="en-US" dirty="0"/>
+          </a:p>
+        </p:txBody>
+      </p:sp>
+      <p:sp>
+        <p:nvSpPr>
+          <p:cNvPr id="5" name="Titolo 4">
+            <a:extLst>
+              <a:ext uri="{FF2B5EF4-FFF2-40B4-BE49-F238E27FC236}">
+                <a16:creationId xmlns:a16="http://schemas.microsoft.com/office/drawing/2014/main" id="{82C46BA2-B380-4357-B125-BA9F08A643F5}"/>
+              </a:ext>
+            </a:extLst>
+          </p:cNvPr>
+          <p:cNvSpPr>
+            <a:spLocks noGrp="1"/>
+          </p:cNvSpPr>
+          <p:nvPr>
+            <p:ph type="title"/>
+          </p:nvPr>
+        </p:nvSpPr>
+        <p:spPr>
+          <a:xfrm>
+            <a:off x="468895" y="503475"/>
+            <a:ext cx="11269308" cy="384721"/>
+          </a:xfrm>
+        </p:spPr>
+        <p:txBody>
+          <a:bodyPr/>
+          <a:lstStyle/>
+          <a:p>
+            <a:r>
+              <a:rPr lang="it-IT" altLang="it-IT" dirty="0"/>
+              <a:t>Campo di analisi della statistica</a:t>
+            </a:r>
+            <a:endParaRPr lang="it-IT" dirty="0"/>
+          </a:p>
+        </p:txBody>
+      </p:sp>
+      <p:pic>
+        <p:nvPicPr>
+          <p:cNvPr id="6" name="Immagine 5">
+            <a:extLst>
+              <a:ext uri="{FF2B5EF4-FFF2-40B4-BE49-F238E27FC236}">
+                <a16:creationId xmlns:a16="http://schemas.microsoft.com/office/drawing/2014/main" id="{D87F81CC-5CF8-9286-76BF-B13E4F96ED9E}"/>
+              </a:ext>
+            </a:extLst>
+          </p:cNvPr>
+          <p:cNvPicPr>
+            <a:picLocks noChangeAspect="1"/>
+          </p:cNvPicPr>
+          <p:nvPr/>
+        </p:nvPicPr>
+        <p:blipFill>
+          <a:blip r:embed="rId3"/>
+          <a:stretch>
+            <a:fillRect/>
+          </a:stretch>
+        </p:blipFill>
+        <p:spPr>
+          <a:xfrm>
+            <a:off x="8171734" y="1913187"/>
+            <a:ext cx="3460197" cy="3460197"/>
+          </a:xfrm>
+          <a:prstGeom prst="rect">
+            <a:avLst/>
+          </a:prstGeom>
+        </p:spPr>
+      </p:pic>
+    </p:spTree>
+    <p:extLst>
+      <p:ext uri="{BB962C8B-B14F-4D97-AF65-F5344CB8AC3E}">
+        <p14:creationId xmlns:p14="http://schemas.microsoft.com/office/powerpoint/2010/main" val="140204630"/>
+      </p:ext>
+    </p:extLst>
+  </p:cSld>
+  <p:clrMapOvr>
+    <a:overrideClrMapping bg1="lt1" tx1="dk1" bg2="lt2" tx2="dk2" accent1="accent1" accent2="accent2" accent3="accent3" accent4="accent4" accent5="accent5" accent6="accent6" hlink="hlink" folHlink="folHlink"/>
+  </p:clrMapOvr>
+</p:sld>
+</file>
+
+<file path=ppt/slides/slide20.xml><?xml version="1.0" encoding="utf-8"?>
+<p:sld xmlns:a="http://schemas.openxmlformats.org/drawingml/2006/main" xmlns:r="http://schemas.openxmlformats.org/officeDocument/2006/relationships" xmlns:p="http://schemas.openxmlformats.org/presentationml/2006/main">
+  <p:cSld>
+    <p:spTree>
+      <p:nvGrpSpPr>
+        <p:cNvPr id="1" name=""/>
+        <p:cNvGrpSpPr/>
+        <p:nvPr/>
+      </p:nvGrpSpPr>
+      <p:grpSpPr>
+        <a:xfrm>
+          <a:off x="0" y="0"/>
+          <a:ext cx="0" cy="0"/>
+          <a:chOff x="0" y="0"/>
+          <a:chExt cx="0" cy="0"/>
+        </a:xfrm>
+      </p:grpSpPr>
+      <p:sp>
+        <p:nvSpPr>
+          <p:cNvPr id="2" name="Segnaposto testo 1">
+            <a:extLst>
+              <a:ext uri="{FF2B5EF4-FFF2-40B4-BE49-F238E27FC236}">
+                <a16:creationId xmlns:a16="http://schemas.microsoft.com/office/drawing/2014/main" id="{E5AE986C-196F-4141-A898-FA4C4198CDCC}"/>
+              </a:ext>
+            </a:extLst>
+          </p:cNvPr>
+          <p:cNvSpPr>
+            <a:spLocks noGrp="1"/>
+          </p:cNvSpPr>
+          <p:nvPr>
+            <p:ph type="body" idx="1"/>
+          </p:nvPr>
+        </p:nvSpPr>
+        <p:spPr>
+          <a:xfrm>
+            <a:off x="574294" y="1446404"/>
+            <a:ext cx="10912214" cy="4392612"/>
+          </a:xfrm>
+        </p:spPr>
+        <p:txBody>
+          <a:bodyPr/>
+          <a:lstStyle/>
+          <a:p>
+            <a:pPr marL="342900" indent="-342900" algn="just">
+              <a:buFont typeface="Wingdings" panose="05000000000000000000" pitchFamily="2" charset="2"/>
+              <a:buChar char="ü"/>
+            </a:pPr>
+            <a:r>
+              <a:rPr lang="en-US" sz="2400" b="1">
+                <a:solidFill>
+                  <a:schemeClr val="tx1"/>
+                </a:solidFill>
+                <a:latin typeface="Tahoma" panose="020B0604030504040204" pitchFamily="34" charset="0"/>
+                <a:ea typeface="Tahoma" panose="020B0604030504040204" pitchFamily="34" charset="0"/>
+                <a:cs typeface="Tahoma" panose="020B0604030504040204" pitchFamily="34" charset="0"/>
+              </a:rPr>
+              <a:t>traslativa: </a:t>
+            </a:r>
+            <a:r>
+              <a:rPr lang="en-US" sz="2400">
+                <a:solidFill>
+                  <a:schemeClr val="tx1"/>
+                </a:solidFill>
+                <a:latin typeface="Tahoma" panose="020B0604030504040204" pitchFamily="34" charset="0"/>
+                <a:ea typeface="Tahoma" panose="020B0604030504040204" pitchFamily="34" charset="0"/>
+                <a:cs typeface="Tahoma" panose="020B0604030504040204" pitchFamily="34" charset="0"/>
+              </a:rPr>
+              <a:t>vale a dire che se ai valori della variabile </a:t>
+            </a:r>
+            <a:r>
+              <a:rPr lang="en-US" sz="2400" b="1" i="1">
+                <a:solidFill>
+                  <a:schemeClr val="tx1"/>
+                </a:solidFill>
+                <a:latin typeface="Tahoma" panose="020B0604030504040204" pitchFamily="34" charset="0"/>
+                <a:ea typeface="Tahoma" panose="020B0604030504040204" pitchFamily="34" charset="0"/>
+                <a:cs typeface="Tahoma" panose="020B0604030504040204" pitchFamily="34" charset="0"/>
+              </a:rPr>
+              <a:t>X</a:t>
+            </a:r>
+            <a:r>
+              <a:rPr lang="en-US" sz="2400" b="1">
+                <a:solidFill>
+                  <a:schemeClr val="tx1"/>
+                </a:solidFill>
+                <a:latin typeface="Tahoma" panose="020B0604030504040204" pitchFamily="34" charset="0"/>
+                <a:ea typeface="Tahoma" panose="020B0604030504040204" pitchFamily="34" charset="0"/>
+                <a:cs typeface="Tahoma" panose="020B0604030504040204" pitchFamily="34" charset="0"/>
+              </a:rPr>
+              <a:t> </a:t>
+            </a:r>
+            <a:r>
+              <a:rPr lang="en-US" sz="2400">
+                <a:solidFill>
+                  <a:schemeClr val="tx1"/>
+                </a:solidFill>
+                <a:latin typeface="Tahoma" panose="020B0604030504040204" pitchFamily="34" charset="0"/>
+                <a:ea typeface="Tahoma" panose="020B0604030504040204" pitchFamily="34" charset="0"/>
+                <a:cs typeface="Tahoma" panose="020B0604030504040204" pitchFamily="34" charset="0"/>
+              </a:rPr>
+              <a:t>si addiziona o si sottrae uno stesso numero, si ottiene una nuova variabile avente media uguale alla media della variabile </a:t>
+            </a:r>
+            <a:r>
+              <a:rPr lang="en-US" sz="2400" b="1" i="1">
+                <a:solidFill>
+                  <a:schemeClr val="tx1"/>
+                </a:solidFill>
+                <a:latin typeface="Tahoma" panose="020B0604030504040204" pitchFamily="34" charset="0"/>
+                <a:ea typeface="Tahoma" panose="020B0604030504040204" pitchFamily="34" charset="0"/>
+                <a:cs typeface="Tahoma" panose="020B0604030504040204" pitchFamily="34" charset="0"/>
+              </a:rPr>
+              <a:t>X</a:t>
+            </a:r>
+            <a:r>
+              <a:rPr lang="en-US" sz="2400" b="1">
+                <a:solidFill>
+                  <a:schemeClr val="tx1"/>
+                </a:solidFill>
+                <a:latin typeface="Tahoma" panose="020B0604030504040204" pitchFamily="34" charset="0"/>
+                <a:ea typeface="Tahoma" panose="020B0604030504040204" pitchFamily="34" charset="0"/>
+                <a:cs typeface="Tahoma" panose="020B0604030504040204" pitchFamily="34" charset="0"/>
+              </a:rPr>
+              <a:t> </a:t>
+            </a:r>
+            <a:r>
+              <a:rPr lang="en-US" sz="2400">
+                <a:solidFill>
+                  <a:schemeClr val="tx1"/>
+                </a:solidFill>
+                <a:latin typeface="Tahoma" panose="020B0604030504040204" pitchFamily="34" charset="0"/>
+                <a:ea typeface="Tahoma" panose="020B0604030504040204" pitchFamily="34" charset="0"/>
+                <a:cs typeface="Tahoma" panose="020B0604030504040204" pitchFamily="34" charset="0"/>
+              </a:rPr>
+              <a:t>rispettivamente aumentata o diminuita di quel numero.  </a:t>
+            </a:r>
+            <a:endParaRPr lang="en-US" sz="2400" b="1">
+              <a:solidFill>
+                <a:schemeClr val="tx1"/>
+              </a:solidFill>
+              <a:latin typeface="Tahoma" panose="020B0604030504040204" pitchFamily="34" charset="0"/>
+              <a:ea typeface="Tahoma" panose="020B0604030504040204" pitchFamily="34" charset="0"/>
+              <a:cs typeface="Tahoma" panose="020B0604030504040204" pitchFamily="34" charset="0"/>
+            </a:endParaRPr>
+          </a:p>
+          <a:p>
+            <a:pPr marL="342900" indent="-342900" algn="just">
+              <a:buFont typeface="Wingdings" panose="05000000000000000000" pitchFamily="2" charset="2"/>
+              <a:buChar char="ü"/>
+            </a:pPr>
+            <a:r>
+              <a:rPr lang="en-US" sz="2400" b="1">
+                <a:solidFill>
+                  <a:schemeClr val="tx1"/>
+                </a:solidFill>
+                <a:latin typeface="Tahoma" panose="020B0604030504040204" pitchFamily="34" charset="0"/>
+                <a:ea typeface="Tahoma" panose="020B0604030504040204" pitchFamily="34" charset="0"/>
+                <a:cs typeface="Tahoma" panose="020B0604030504040204" pitchFamily="34" charset="0"/>
+              </a:rPr>
+              <a:t>omogenea: </a:t>
+            </a:r>
+          </a:p>
+          <a:p>
+            <a:pPr marL="342900" indent="-342900" algn="just">
+              <a:buFont typeface="Wingdings" panose="05000000000000000000" pitchFamily="2" charset="2"/>
+              <a:buChar char="ü"/>
+            </a:pPr>
+            <a:r>
+              <a:rPr lang="en-US" sz="2400" b="1">
+                <a:solidFill>
+                  <a:schemeClr val="tx1"/>
+                </a:solidFill>
+                <a:latin typeface="Tahoma" panose="020B0604030504040204" pitchFamily="34" charset="0"/>
+                <a:ea typeface="Tahoma" panose="020B0604030504040204" pitchFamily="34" charset="0"/>
+                <a:cs typeface="Tahoma" panose="020B0604030504040204" pitchFamily="34" charset="0"/>
+              </a:rPr>
+              <a:t>associative:</a:t>
+            </a:r>
+            <a:endParaRPr lang="en-US" sz="2600">
+              <a:solidFill>
+                <a:schemeClr val="tx1"/>
+              </a:solidFill>
+              <a:latin typeface="Tahoma" panose="020B0604030504040204" pitchFamily="34" charset="0"/>
+              <a:ea typeface="Tahoma" panose="020B0604030504040204" pitchFamily="34" charset="0"/>
+              <a:cs typeface="Tahoma" panose="020B0604030504040204" pitchFamily="34" charset="0"/>
+            </a:endParaRPr>
+          </a:p>
+        </p:txBody>
+      </p:sp>
+      <p:sp>
+        <p:nvSpPr>
+          <p:cNvPr id="7" name="Segnaposto numero diapositiva 6">
+            <a:extLst>
+              <a:ext uri="{FF2B5EF4-FFF2-40B4-BE49-F238E27FC236}">
+                <a16:creationId xmlns:a16="http://schemas.microsoft.com/office/drawing/2014/main" id="{AB740BE9-E218-4144-BFDE-AE473D230A3D}"/>
+              </a:ext>
+            </a:extLst>
+          </p:cNvPr>
+          <p:cNvSpPr>
+            <a:spLocks noGrp="1"/>
+          </p:cNvSpPr>
+          <p:nvPr>
+            <p:ph type="sldNum" sz="quarter" idx="12"/>
+          </p:nvPr>
+        </p:nvSpPr>
+        <p:spPr/>
+        <p:txBody>
+          <a:bodyPr/>
+          <a:lstStyle/>
+          <a:p>
+            <a:pPr>
+              <a:defRPr/>
+            </a:pPr>
+            <a:fld id="{48B4153A-D4C5-4CEF-8992-0D8815C829E3}" type="slidenum">
+              <a:rPr lang="en-US" smtClean="0"/>
+              <a:pPr>
+                <a:defRPr/>
+              </a:pPr>
+              <a:t>20</a:t>
+            </a:fld>
+            <a:endParaRPr lang="en-US" dirty="0"/>
+          </a:p>
+        </p:txBody>
+      </p:sp>
+      <p:sp>
+        <p:nvSpPr>
+          <p:cNvPr id="5" name="Titolo 4">
+            <a:extLst>
+              <a:ext uri="{FF2B5EF4-FFF2-40B4-BE49-F238E27FC236}">
+                <a16:creationId xmlns:a16="http://schemas.microsoft.com/office/drawing/2014/main" id="{82C46BA2-B380-4357-B125-BA9F08A643F5}"/>
+              </a:ext>
+            </a:extLst>
+          </p:cNvPr>
+          <p:cNvSpPr>
+            <a:spLocks noGrp="1"/>
+          </p:cNvSpPr>
+          <p:nvPr>
+            <p:ph type="title"/>
+          </p:nvPr>
+        </p:nvSpPr>
+        <p:spPr>
+          <a:xfrm>
+            <a:off x="468895" y="503475"/>
+            <a:ext cx="11269308" cy="384721"/>
+          </a:xfrm>
+        </p:spPr>
+        <p:txBody>
+          <a:bodyPr/>
+          <a:lstStyle/>
+          <a:p>
+            <a:r>
+              <a:rPr lang="it-IT"/>
+              <a:t>Proprietà della Media Artimetica</a:t>
+            </a:r>
+            <a:endParaRPr lang="it-IT" dirty="0"/>
+          </a:p>
+        </p:txBody>
+      </p:sp>
+    </p:spTree>
+    <p:extLst>
+      <p:ext uri="{BB962C8B-B14F-4D97-AF65-F5344CB8AC3E}">
+        <p14:creationId xmlns:p14="http://schemas.microsoft.com/office/powerpoint/2010/main" val="3872278381"/>
+      </p:ext>
+    </p:extLst>
+  </p:cSld>
+  <p:clrMapOvr>
+    <a:masterClrMapping/>
+  </p:clrMapOvr>
+</p:sld>
+</file>
+
+<file path=ppt/slides/slide21.xml><?xml version="1.0" encoding="utf-8"?>
+<p:sld xmlns:a="http://schemas.openxmlformats.org/drawingml/2006/main" xmlns:r="http://schemas.openxmlformats.org/officeDocument/2006/relationships" xmlns:p="http://schemas.openxmlformats.org/presentationml/2006/main">
+  <p:cSld>
+    <p:spTree>
+      <p:nvGrpSpPr>
+        <p:cNvPr id="1" name=""/>
+        <p:cNvGrpSpPr/>
+        <p:nvPr/>
+      </p:nvGrpSpPr>
+      <p:grpSpPr>
+        <a:xfrm>
+          <a:off x="0" y="0"/>
+          <a:ext cx="0" cy="0"/>
+          <a:chOff x="0" y="0"/>
+          <a:chExt cx="0" cy="0"/>
+        </a:xfrm>
+      </p:grpSpPr>
+      <p:sp>
+        <p:nvSpPr>
+          <p:cNvPr id="2" name="Segnaposto testo 1">
+            <a:extLst>
+              <a:ext uri="{FF2B5EF4-FFF2-40B4-BE49-F238E27FC236}">
+                <a16:creationId xmlns:a16="http://schemas.microsoft.com/office/drawing/2014/main" id="{E5AE986C-196F-4141-A898-FA4C4198CDCC}"/>
+              </a:ext>
+            </a:extLst>
+          </p:cNvPr>
+          <p:cNvSpPr>
+            <a:spLocks noGrp="1"/>
+          </p:cNvSpPr>
+          <p:nvPr>
+            <p:ph type="body" idx="1"/>
+          </p:nvPr>
+        </p:nvSpPr>
+        <p:spPr>
+          <a:xfrm>
+            <a:off x="326299" y="1213806"/>
+            <a:ext cx="8269062" cy="4392612"/>
+          </a:xfrm>
+        </p:spPr>
+        <p:txBody>
+          <a:bodyPr/>
+          <a:lstStyle/>
+          <a:p>
+            <a:pPr marL="342900" indent="-342900">
+              <a:buFont typeface="Wingdings" panose="05000000000000000000" pitchFamily="2" charset="2"/>
+              <a:buChar char="ü"/>
+            </a:pPr>
+            <a:r>
+              <a:rPr lang="it-IT" sz="2400">
+                <a:solidFill>
+                  <a:schemeClr val="tx1"/>
+                </a:solidFill>
+                <a:latin typeface="Tahoma" panose="020B0604030504040204" pitchFamily="34" charset="0"/>
+                <a:ea typeface="Tahoma" panose="020B0604030504040204" pitchFamily="34" charset="0"/>
+                <a:cs typeface="Tahoma" panose="020B0604030504040204" pitchFamily="34" charset="0"/>
+              </a:rPr>
+              <a:t>Spesso non si hanno le risorse disponibili per effettuare una rilevazione di dati che riguardi l'intera </a:t>
+            </a:r>
+            <a:r>
+              <a:rPr lang="it-IT" sz="2400" b="1">
+                <a:solidFill>
+                  <a:schemeClr val="tx1"/>
+                </a:solidFill>
+                <a:latin typeface="Tahoma" panose="020B0604030504040204" pitchFamily="34" charset="0"/>
+                <a:ea typeface="Tahoma" panose="020B0604030504040204" pitchFamily="34" charset="0"/>
+                <a:cs typeface="Tahoma" panose="020B0604030504040204" pitchFamily="34" charset="0"/>
+              </a:rPr>
+              <a:t>popolazione</a:t>
+            </a:r>
+            <a:r>
+              <a:rPr lang="it-IT" sz="2400">
+                <a:solidFill>
+                  <a:schemeClr val="tx1"/>
+                </a:solidFill>
+                <a:latin typeface="Tahoma" panose="020B0604030504040204" pitchFamily="34" charset="0"/>
+                <a:ea typeface="Tahoma" panose="020B0604030504040204" pitchFamily="34" charset="0"/>
+                <a:cs typeface="Tahoma" panose="020B0604030504040204" pitchFamily="34" charset="0"/>
+              </a:rPr>
+              <a:t> interessata da un fenomeno. Per esempio potrebbe succedere che tale popolazione è </a:t>
+            </a:r>
+            <a:r>
+              <a:rPr lang="it-IT" sz="2400" b="1">
+                <a:solidFill>
+                  <a:schemeClr val="tx1"/>
+                </a:solidFill>
+                <a:latin typeface="Tahoma" panose="020B0604030504040204" pitchFamily="34" charset="0"/>
+                <a:ea typeface="Tahoma" panose="020B0604030504040204" pitchFamily="34" charset="0"/>
+                <a:cs typeface="Tahoma" panose="020B0604030504040204" pitchFamily="34" charset="0"/>
+              </a:rPr>
+              <a:t>infinita, </a:t>
+            </a:r>
+            <a:r>
+              <a:rPr lang="it-IT" sz="2400">
+                <a:solidFill>
+                  <a:schemeClr val="tx1"/>
+                </a:solidFill>
+                <a:latin typeface="Tahoma" panose="020B0604030504040204" pitchFamily="34" charset="0"/>
+                <a:ea typeface="Tahoma" panose="020B0604030504040204" pitchFamily="34" charset="0"/>
+                <a:cs typeface="Tahoma" panose="020B0604030504040204" pitchFamily="34" charset="0"/>
+              </a:rPr>
+              <a:t>ed una rilevazione completa (esaustiva) risulta impossibile. </a:t>
+            </a:r>
+          </a:p>
+          <a:p>
+            <a:pPr marL="342900" indent="-342900">
+              <a:buFont typeface="Wingdings" panose="05000000000000000000" pitchFamily="2" charset="2"/>
+              <a:buChar char="ü"/>
+            </a:pPr>
+            <a:r>
+              <a:rPr lang="it-IT" sz="2400">
+                <a:solidFill>
+                  <a:schemeClr val="tx1"/>
+                </a:solidFill>
+                <a:latin typeface="Tahoma" panose="020B0604030504040204" pitchFamily="34" charset="0"/>
+                <a:ea typeface="Tahoma" panose="020B0604030504040204" pitchFamily="34" charset="0"/>
+                <a:cs typeface="Tahoma" panose="020B0604030504040204" pitchFamily="34" charset="0"/>
+              </a:rPr>
+              <a:t>In questi casi si procede ad una </a:t>
+            </a:r>
+            <a:r>
+              <a:rPr lang="it-IT" sz="2400" b="1">
+                <a:solidFill>
+                  <a:schemeClr val="tx1"/>
+                </a:solidFill>
+                <a:latin typeface="Tahoma" panose="020B0604030504040204" pitchFamily="34" charset="0"/>
+                <a:ea typeface="Tahoma" panose="020B0604030504040204" pitchFamily="34" charset="0"/>
+                <a:cs typeface="Tahoma" panose="020B0604030504040204" pitchFamily="34" charset="0"/>
+              </a:rPr>
+              <a:t>rilevazione di dati per campione. </a:t>
+            </a:r>
+            <a:endParaRPr lang="it-IT" sz="2400">
+              <a:solidFill>
+                <a:schemeClr val="tx1"/>
+              </a:solidFill>
+              <a:latin typeface="Tahoma" panose="020B0604030504040204" pitchFamily="34" charset="0"/>
+              <a:ea typeface="Tahoma" panose="020B0604030504040204" pitchFamily="34" charset="0"/>
+              <a:cs typeface="Tahoma" panose="020B0604030504040204" pitchFamily="34" charset="0"/>
+            </a:endParaRPr>
+          </a:p>
+          <a:p>
+            <a:pPr marL="342900" indent="-342900">
+              <a:buFont typeface="Wingdings" panose="05000000000000000000" pitchFamily="2" charset="2"/>
+              <a:buChar char="ü"/>
+            </a:pPr>
+            <a:r>
+              <a:rPr lang="it-IT" sz="2400" b="1">
+                <a:solidFill>
+                  <a:schemeClr val="tx1"/>
+                </a:solidFill>
+                <a:latin typeface="Tahoma" panose="020B0604030504040204" pitchFamily="34" charset="0"/>
+                <a:ea typeface="Tahoma" panose="020B0604030504040204" pitchFamily="34" charset="0"/>
+                <a:cs typeface="Tahoma" panose="020B0604030504040204" pitchFamily="34" charset="0"/>
+              </a:rPr>
+              <a:t>Il campione </a:t>
+            </a:r>
+            <a:r>
+              <a:rPr lang="it-IT" sz="2400">
+                <a:solidFill>
+                  <a:schemeClr val="tx1"/>
+                </a:solidFill>
+                <a:latin typeface="Tahoma" panose="020B0604030504040204" pitchFamily="34" charset="0"/>
+                <a:ea typeface="Tahoma" panose="020B0604030504040204" pitchFamily="34" charset="0"/>
+                <a:cs typeface="Tahoma" panose="020B0604030504040204" pitchFamily="34" charset="0"/>
+              </a:rPr>
+              <a:t>è quella parte del collettivo statistico che viene sottoposto ad osservazione. </a:t>
+            </a:r>
+          </a:p>
+          <a:p>
+            <a:pPr marL="342900" indent="-342900">
+              <a:buFont typeface="Wingdings" panose="05000000000000000000" pitchFamily="2" charset="2"/>
+              <a:buChar char="ü"/>
+            </a:pPr>
+            <a:r>
+              <a:rPr lang="it-IT" sz="2400">
+                <a:solidFill>
+                  <a:schemeClr val="tx1"/>
+                </a:solidFill>
+                <a:latin typeface="Tahoma" panose="020B0604030504040204" pitchFamily="34" charset="0"/>
+                <a:ea typeface="Tahoma" panose="020B0604030504040204" pitchFamily="34" charset="0"/>
+                <a:cs typeface="Tahoma" panose="020B0604030504040204" pitchFamily="34" charset="0"/>
+              </a:rPr>
+              <a:t>L'insieme dei </a:t>
+            </a:r>
+            <a:r>
+              <a:rPr lang="it-IT" sz="2400" b="1">
+                <a:solidFill>
+                  <a:schemeClr val="tx1"/>
+                </a:solidFill>
+                <a:latin typeface="Tahoma" panose="020B0604030504040204" pitchFamily="34" charset="0"/>
+                <a:ea typeface="Tahoma" panose="020B0604030504040204" pitchFamily="34" charset="0"/>
+                <a:cs typeface="Tahoma" panose="020B0604030504040204" pitchFamily="34" charset="0"/>
+              </a:rPr>
+              <a:t>campioni </a:t>
+            </a:r>
+            <a:r>
+              <a:rPr lang="it-IT" sz="2400">
+                <a:solidFill>
+                  <a:schemeClr val="tx1"/>
+                </a:solidFill>
+                <a:latin typeface="Tahoma" panose="020B0604030504040204" pitchFamily="34" charset="0"/>
+                <a:ea typeface="Tahoma" panose="020B0604030504040204" pitchFamily="34" charset="0"/>
+                <a:cs typeface="Tahoma" panose="020B0604030504040204" pitchFamily="34" charset="0"/>
+              </a:rPr>
+              <a:t>di una certa ampiezza che si possono estrarre da un dato collettivo mediante una determinata procedura prende il nome di </a:t>
+            </a:r>
+            <a:r>
+              <a:rPr lang="it-IT" sz="2400" b="1">
+                <a:solidFill>
+                  <a:schemeClr val="tx1"/>
+                </a:solidFill>
+                <a:latin typeface="Tahoma" panose="020B0604030504040204" pitchFamily="34" charset="0"/>
+                <a:ea typeface="Tahoma" panose="020B0604030504040204" pitchFamily="34" charset="0"/>
+                <a:cs typeface="Tahoma" panose="020B0604030504040204" pitchFamily="34" charset="0"/>
+              </a:rPr>
+              <a:t>Universo dei Campioni. </a:t>
+            </a:r>
+            <a:endParaRPr lang="it-IT" sz="2400">
+              <a:solidFill>
+                <a:schemeClr val="tx1"/>
+              </a:solidFill>
+              <a:latin typeface="Tahoma" panose="020B0604030504040204" pitchFamily="34" charset="0"/>
+              <a:ea typeface="Tahoma" panose="020B0604030504040204" pitchFamily="34" charset="0"/>
+              <a:cs typeface="Tahoma" panose="020B0604030504040204" pitchFamily="34" charset="0"/>
+            </a:endParaRPr>
+          </a:p>
+        </p:txBody>
+      </p:sp>
+      <p:sp>
+        <p:nvSpPr>
+          <p:cNvPr id="7" name="Segnaposto numero diapositiva 6">
+            <a:extLst>
+              <a:ext uri="{FF2B5EF4-FFF2-40B4-BE49-F238E27FC236}">
+                <a16:creationId xmlns:a16="http://schemas.microsoft.com/office/drawing/2014/main" id="{AB740BE9-E218-4144-BFDE-AE473D230A3D}"/>
+              </a:ext>
+            </a:extLst>
+          </p:cNvPr>
+          <p:cNvSpPr>
+            <a:spLocks noGrp="1"/>
+          </p:cNvSpPr>
+          <p:nvPr>
+            <p:ph type="sldNum" sz="quarter" idx="12"/>
+          </p:nvPr>
+        </p:nvSpPr>
+        <p:spPr/>
+        <p:txBody>
+          <a:bodyPr/>
+          <a:lstStyle/>
+          <a:p>
+            <a:pPr>
+              <a:defRPr/>
+            </a:pPr>
+            <a:fld id="{48B4153A-D4C5-4CEF-8992-0D8815C829E3}" type="slidenum">
+              <a:rPr lang="en-US" smtClean="0"/>
+              <a:pPr>
+                <a:defRPr/>
+              </a:pPr>
+              <a:t>21</a:t>
+            </a:fld>
+            <a:endParaRPr lang="en-US" dirty="0"/>
+          </a:p>
+        </p:txBody>
+      </p:sp>
+      <p:sp>
+        <p:nvSpPr>
+          <p:cNvPr id="5" name="Titolo 4">
+            <a:extLst>
+              <a:ext uri="{FF2B5EF4-FFF2-40B4-BE49-F238E27FC236}">
+                <a16:creationId xmlns:a16="http://schemas.microsoft.com/office/drawing/2014/main" id="{82C46BA2-B380-4357-B125-BA9F08A643F5}"/>
+              </a:ext>
+            </a:extLst>
+          </p:cNvPr>
+          <p:cNvSpPr>
+            <a:spLocks noGrp="1"/>
+          </p:cNvSpPr>
+          <p:nvPr>
+            <p:ph type="title"/>
+          </p:nvPr>
+        </p:nvSpPr>
+        <p:spPr>
+          <a:xfrm>
+            <a:off x="468895" y="503475"/>
+            <a:ext cx="11269308" cy="384721"/>
+          </a:xfrm>
+        </p:spPr>
+        <p:txBody>
+          <a:bodyPr/>
+          <a:lstStyle/>
+          <a:p>
+            <a:r>
+              <a:rPr lang="it-IT" altLang="it-IT"/>
+              <a:t>La Teoria della Stima</a:t>
+            </a:r>
+            <a:endParaRPr lang="it-IT" dirty="0"/>
+          </a:p>
+        </p:txBody>
+      </p:sp>
+      <p:pic>
+        <p:nvPicPr>
+          <p:cNvPr id="4" name="Immagine 3">
+            <a:extLst>
+              <a:ext uri="{FF2B5EF4-FFF2-40B4-BE49-F238E27FC236}">
+                <a16:creationId xmlns:a16="http://schemas.microsoft.com/office/drawing/2014/main" id="{70E614EB-7F62-70C9-1FA3-22EB0D2D2429}"/>
+              </a:ext>
+            </a:extLst>
+          </p:cNvPr>
+          <p:cNvPicPr>
+            <a:picLocks noChangeAspect="1"/>
+          </p:cNvPicPr>
+          <p:nvPr/>
+        </p:nvPicPr>
+        <p:blipFill>
+          <a:blip r:embed="rId2"/>
+          <a:stretch>
+            <a:fillRect/>
+          </a:stretch>
+        </p:blipFill>
+        <p:spPr>
+          <a:xfrm>
+            <a:off x="8595361" y="2273798"/>
+            <a:ext cx="3207392" cy="2061895"/>
+          </a:xfrm>
+          <a:prstGeom prst="rect">
+            <a:avLst/>
+          </a:prstGeom>
+        </p:spPr>
+      </p:pic>
+    </p:spTree>
+    <p:extLst>
+      <p:ext uri="{BB962C8B-B14F-4D97-AF65-F5344CB8AC3E}">
+        <p14:creationId xmlns:p14="http://schemas.microsoft.com/office/powerpoint/2010/main" val="4248559389"/>
+      </p:ext>
+    </p:extLst>
+  </p:cSld>
+  <p:clrMapOvr>
+    <a:masterClrMapping/>
+  </p:clrMapOvr>
+</p:sld>
+</file>
+
+<file path=ppt/slides/slide22.xml><?xml version="1.0" encoding="utf-8"?>
+<p:sld xmlns:a="http://schemas.openxmlformats.org/drawingml/2006/main" xmlns:r="http://schemas.openxmlformats.org/officeDocument/2006/relationships" xmlns:p="http://schemas.openxmlformats.org/presentationml/2006/main">
+  <p:cSld>
+    <p:spTree>
+      <p:nvGrpSpPr>
+        <p:cNvPr id="1" name=""/>
+        <p:cNvGrpSpPr/>
+        <p:nvPr/>
+      </p:nvGrpSpPr>
+      <p:grpSpPr>
+        <a:xfrm>
+          <a:off x="0" y="0"/>
+          <a:ext cx="0" cy="0"/>
+          <a:chOff x="0" y="0"/>
+          <a:chExt cx="0" cy="0"/>
+        </a:xfrm>
+      </p:grpSpPr>
+      <p:sp>
+        <p:nvSpPr>
+          <p:cNvPr id="2" name="Segnaposto testo 1">
+            <a:extLst>
+              <a:ext uri="{FF2B5EF4-FFF2-40B4-BE49-F238E27FC236}">
+                <a16:creationId xmlns:a16="http://schemas.microsoft.com/office/drawing/2014/main" id="{E5AE986C-196F-4141-A898-FA4C4198CDCC}"/>
+              </a:ext>
+            </a:extLst>
+          </p:cNvPr>
+          <p:cNvSpPr>
+            <a:spLocks noGrp="1"/>
+          </p:cNvSpPr>
+          <p:nvPr>
+            <p:ph type="body" idx="1"/>
+          </p:nvPr>
+        </p:nvSpPr>
+        <p:spPr>
+          <a:xfrm>
+            <a:off x="326299" y="1213806"/>
+            <a:ext cx="11411904" cy="4392612"/>
+          </a:xfrm>
+        </p:spPr>
+        <p:txBody>
+          <a:bodyPr/>
+          <a:lstStyle/>
+          <a:p>
+            <a:pPr marL="342900" indent="-342900">
+              <a:buFont typeface="Wingdings" panose="05000000000000000000" pitchFamily="2" charset="2"/>
+              <a:buChar char="ü"/>
+            </a:pPr>
+            <a:r>
+              <a:rPr lang="it-IT" sz="2400">
+                <a:solidFill>
+                  <a:schemeClr val="tx1"/>
+                </a:solidFill>
+                <a:latin typeface="Tahoma" panose="020B0604030504040204" pitchFamily="34" charset="0"/>
+                <a:ea typeface="Tahoma" panose="020B0604030504040204" pitchFamily="34" charset="0"/>
+                <a:cs typeface="Tahoma" panose="020B0604030504040204" pitchFamily="34" charset="0"/>
+              </a:rPr>
+              <a:t>La </a:t>
+            </a:r>
+            <a:r>
+              <a:rPr lang="it-IT" sz="2400" b="1">
+                <a:solidFill>
+                  <a:schemeClr val="tx1"/>
+                </a:solidFill>
+                <a:latin typeface="Tahoma" panose="020B0604030504040204" pitchFamily="34" charset="0"/>
+                <a:ea typeface="Tahoma" panose="020B0604030504040204" pitchFamily="34" charset="0"/>
+                <a:cs typeface="Tahoma" panose="020B0604030504040204" pitchFamily="34" charset="0"/>
+              </a:rPr>
+              <a:t>numerosità</a:t>
+            </a:r>
+            <a:r>
+              <a:rPr lang="it-IT" sz="2400">
+                <a:solidFill>
+                  <a:schemeClr val="tx1"/>
+                </a:solidFill>
+                <a:latin typeface="Tahoma" panose="020B0604030504040204" pitchFamily="34" charset="0"/>
+                <a:ea typeface="Tahoma" panose="020B0604030504040204" pitchFamily="34" charset="0"/>
+                <a:cs typeface="Tahoma" panose="020B0604030504040204" pitchFamily="34" charset="0"/>
+              </a:rPr>
+              <a:t> (o consistenza) del </a:t>
+            </a:r>
+            <a:r>
+              <a:rPr lang="it-IT" sz="2400" b="1">
+                <a:solidFill>
+                  <a:schemeClr val="tx1"/>
+                </a:solidFill>
+                <a:latin typeface="Tahoma" panose="020B0604030504040204" pitchFamily="34" charset="0"/>
+                <a:ea typeface="Tahoma" panose="020B0604030504040204" pitchFamily="34" charset="0"/>
+                <a:cs typeface="Tahoma" panose="020B0604030504040204" pitchFamily="34" charset="0"/>
+              </a:rPr>
+              <a:t>campione</a:t>
+            </a:r>
+            <a:r>
+              <a:rPr lang="it-IT" sz="2400">
+                <a:solidFill>
+                  <a:schemeClr val="tx1"/>
+                </a:solidFill>
+                <a:latin typeface="Tahoma" panose="020B0604030504040204" pitchFamily="34" charset="0"/>
+                <a:ea typeface="Tahoma" panose="020B0604030504040204" pitchFamily="34" charset="0"/>
+                <a:cs typeface="Tahoma" panose="020B0604030504040204" pitchFamily="34" charset="0"/>
+              </a:rPr>
+              <a:t> </a:t>
+            </a:r>
+            <a:r>
+              <a:rPr lang="it-IT" sz="2400" b="1" i="1">
+                <a:solidFill>
+                  <a:schemeClr val="tx1"/>
+                </a:solidFill>
+                <a:latin typeface="Tahoma" panose="020B0604030504040204" pitchFamily="34" charset="0"/>
+                <a:ea typeface="Tahoma" panose="020B0604030504040204" pitchFamily="34" charset="0"/>
+                <a:cs typeface="Tahoma" panose="020B0604030504040204" pitchFamily="34" charset="0"/>
+              </a:rPr>
+              <a:t>n</a:t>
+            </a:r>
+            <a:r>
+              <a:rPr lang="it-IT" sz="2400">
+                <a:solidFill>
+                  <a:schemeClr val="tx1"/>
+                </a:solidFill>
+                <a:latin typeface="Tahoma" panose="020B0604030504040204" pitchFamily="34" charset="0"/>
+                <a:ea typeface="Tahoma" panose="020B0604030504040204" pitchFamily="34" charset="0"/>
+                <a:cs typeface="Tahoma" panose="020B0604030504040204" pitchFamily="34" charset="0"/>
+              </a:rPr>
+              <a:t> dipende dalla </a:t>
+            </a:r>
+            <a:r>
+              <a:rPr lang="it-IT" sz="2400" b="1">
+                <a:solidFill>
+                  <a:schemeClr val="tx1"/>
+                </a:solidFill>
+                <a:latin typeface="Tahoma" panose="020B0604030504040204" pitchFamily="34" charset="0"/>
+                <a:ea typeface="Tahoma" panose="020B0604030504040204" pitchFamily="34" charset="0"/>
+                <a:cs typeface="Tahoma" panose="020B0604030504040204" pitchFamily="34" charset="0"/>
+              </a:rPr>
+              <a:t>numerosità della popolazione </a:t>
+            </a:r>
+            <a:r>
+              <a:rPr lang="it-IT" sz="2400" b="1" i="1">
+                <a:solidFill>
+                  <a:schemeClr val="tx1"/>
+                </a:solidFill>
+                <a:latin typeface="Tahoma" panose="020B0604030504040204" pitchFamily="34" charset="0"/>
+                <a:ea typeface="Tahoma" panose="020B0604030504040204" pitchFamily="34" charset="0"/>
+                <a:cs typeface="Tahoma" panose="020B0604030504040204" pitchFamily="34" charset="0"/>
+              </a:rPr>
+              <a:t>N</a:t>
+            </a:r>
+            <a:r>
+              <a:rPr lang="it-IT" sz="2400" b="1">
+                <a:solidFill>
+                  <a:schemeClr val="tx1"/>
+                </a:solidFill>
+                <a:latin typeface="Tahoma" panose="020B0604030504040204" pitchFamily="34" charset="0"/>
+                <a:ea typeface="Tahoma" panose="020B0604030504040204" pitchFamily="34" charset="0"/>
+                <a:cs typeface="Tahoma" panose="020B0604030504040204" pitchFamily="34" charset="0"/>
+              </a:rPr>
+              <a:t>.</a:t>
+            </a:r>
+          </a:p>
+          <a:p>
+            <a:pPr marL="342900" indent="-342900">
+              <a:buFont typeface="Wingdings" panose="05000000000000000000" pitchFamily="2" charset="2"/>
+              <a:buChar char="ü"/>
+            </a:pPr>
+            <a:r>
+              <a:rPr lang="it-IT" sz="2400" b="1">
+                <a:solidFill>
+                  <a:schemeClr val="tx1"/>
+                </a:solidFill>
+                <a:latin typeface="Tahoma" panose="020B0604030504040204" pitchFamily="34" charset="0"/>
+                <a:ea typeface="Tahoma" panose="020B0604030504040204" pitchFamily="34" charset="0"/>
+                <a:cs typeface="Tahoma" panose="020B0604030504040204" pitchFamily="34" charset="0"/>
+              </a:rPr>
+              <a:t>L'Inferenza</a:t>
+            </a:r>
+            <a:r>
+              <a:rPr lang="it-IT" sz="2400">
+                <a:solidFill>
+                  <a:schemeClr val="tx1"/>
+                </a:solidFill>
+                <a:latin typeface="Tahoma" panose="020B0604030504040204" pitchFamily="34" charset="0"/>
+                <a:ea typeface="Tahoma" panose="020B0604030504040204" pitchFamily="34" charset="0"/>
+                <a:cs typeface="Tahoma" panose="020B0604030504040204" pitchFamily="34" charset="0"/>
+              </a:rPr>
+              <a:t> </a:t>
+            </a:r>
+            <a:r>
+              <a:rPr lang="it-IT" sz="2400" b="1">
+                <a:solidFill>
+                  <a:schemeClr val="tx1"/>
+                </a:solidFill>
+                <a:latin typeface="Tahoma" panose="020B0604030504040204" pitchFamily="34" charset="0"/>
+                <a:ea typeface="Tahoma" panose="020B0604030504040204" pitchFamily="34" charset="0"/>
+                <a:cs typeface="Tahoma" panose="020B0604030504040204" pitchFamily="34" charset="0"/>
+              </a:rPr>
+              <a:t>Statistica (</a:t>
+            </a:r>
+            <a:r>
+              <a:rPr lang="it-IT" sz="2400">
+                <a:solidFill>
+                  <a:schemeClr val="tx1"/>
+                </a:solidFill>
+                <a:latin typeface="Tahoma" panose="020B0604030504040204" pitchFamily="34" charset="0"/>
+                <a:ea typeface="Tahoma" panose="020B0604030504040204" pitchFamily="34" charset="0"/>
+                <a:cs typeface="Tahoma" panose="020B0604030504040204" pitchFamily="34" charset="0"/>
+              </a:rPr>
+              <a:t>o statistica inferenziale) è quella parte dell'analisi statistica che tenta di derivare dalle informazioni raccolte sul </a:t>
+            </a:r>
+            <a:r>
+              <a:rPr lang="it-IT" sz="2400" b="1">
+                <a:solidFill>
+                  <a:schemeClr val="tx1"/>
+                </a:solidFill>
+                <a:latin typeface="Tahoma" panose="020B0604030504040204" pitchFamily="34" charset="0"/>
+                <a:ea typeface="Tahoma" panose="020B0604030504040204" pitchFamily="34" charset="0"/>
+                <a:cs typeface="Tahoma" panose="020B0604030504040204" pitchFamily="34" charset="0"/>
+              </a:rPr>
+              <a:t>campione</a:t>
+            </a:r>
+            <a:r>
+              <a:rPr lang="it-IT" sz="2400">
+                <a:solidFill>
+                  <a:schemeClr val="tx1"/>
+                </a:solidFill>
+                <a:latin typeface="Tahoma" panose="020B0604030504040204" pitchFamily="34" charset="0"/>
+                <a:ea typeface="Tahoma" panose="020B0604030504040204" pitchFamily="34" charset="0"/>
+                <a:cs typeface="Tahoma" panose="020B0604030504040204" pitchFamily="34" charset="0"/>
+              </a:rPr>
+              <a:t> altre informazioni riguardanti la </a:t>
+            </a:r>
+            <a:r>
+              <a:rPr lang="it-IT" sz="2400" b="1">
+                <a:solidFill>
+                  <a:schemeClr val="tx1"/>
+                </a:solidFill>
+                <a:latin typeface="Tahoma" panose="020B0604030504040204" pitchFamily="34" charset="0"/>
+                <a:ea typeface="Tahoma" panose="020B0604030504040204" pitchFamily="34" charset="0"/>
+                <a:cs typeface="Tahoma" panose="020B0604030504040204" pitchFamily="34" charset="0"/>
+              </a:rPr>
+              <a:t>popolazione, </a:t>
+            </a:r>
+            <a:r>
+              <a:rPr lang="it-IT" sz="2400">
+                <a:solidFill>
+                  <a:schemeClr val="tx1"/>
+                </a:solidFill>
+                <a:latin typeface="Tahoma" panose="020B0604030504040204" pitchFamily="34" charset="0"/>
+                <a:ea typeface="Tahoma" panose="020B0604030504040204" pitchFamily="34" charset="0"/>
+                <a:cs typeface="Tahoma" panose="020B0604030504040204" pitchFamily="34" charset="0"/>
+              </a:rPr>
+              <a:t>in modo da "inferire" quali sono le caratteristiche salienti della popolazione a partire da quelle del campuione. </a:t>
+            </a:r>
+          </a:p>
+          <a:p>
+            <a:pPr marL="342900" indent="-342900">
+              <a:buFont typeface="Wingdings" panose="05000000000000000000" pitchFamily="2" charset="2"/>
+              <a:buChar char="ü"/>
+            </a:pPr>
+            <a:r>
+              <a:rPr lang="it-IT" sz="2400" b="1">
+                <a:solidFill>
+                  <a:schemeClr val="tx1"/>
+                </a:solidFill>
+                <a:latin typeface="Tahoma" panose="020B0604030504040204" pitchFamily="34" charset="0"/>
+                <a:ea typeface="Tahoma" panose="020B0604030504040204" pitchFamily="34" charset="0"/>
+                <a:cs typeface="Tahoma" panose="020B0604030504040204" pitchFamily="34" charset="0"/>
+              </a:rPr>
+              <a:t>Campionamento: </a:t>
+            </a:r>
+            <a:r>
+              <a:rPr lang="it-IT" sz="2400">
+                <a:solidFill>
+                  <a:schemeClr val="tx1"/>
+                </a:solidFill>
+                <a:latin typeface="Tahoma" panose="020B0604030504040204" pitchFamily="34" charset="0"/>
+                <a:ea typeface="Tahoma" panose="020B0604030504040204" pitchFamily="34" charset="0"/>
+                <a:cs typeface="Tahoma" panose="020B0604030504040204" pitchFamily="34" charset="0"/>
+              </a:rPr>
+              <a:t>è il procedimento in base al quale si perviene alla costituzione del campione e alla rilevazione dei dati relativi ad esso. </a:t>
+            </a:r>
+          </a:p>
+          <a:p>
+            <a:pPr marL="342900" indent="-342900">
+              <a:buFont typeface="Wingdings" panose="05000000000000000000" pitchFamily="2" charset="2"/>
+              <a:buChar char="ü"/>
+            </a:pPr>
+            <a:r>
+              <a:rPr lang="it-IT" sz="2400">
+                <a:solidFill>
+                  <a:schemeClr val="tx1"/>
+                </a:solidFill>
+                <a:latin typeface="Tahoma" panose="020B0604030504040204" pitchFamily="34" charset="0"/>
+                <a:ea typeface="Tahoma" panose="020B0604030504040204" pitchFamily="34" charset="0"/>
+                <a:cs typeface="Tahoma" panose="020B0604030504040204" pitchFamily="34" charset="0"/>
+              </a:rPr>
+              <a:t>L'estrazione di un </a:t>
+            </a:r>
+            <a:r>
+              <a:rPr lang="it-IT" sz="2400" b="1">
+                <a:solidFill>
+                  <a:schemeClr val="tx1"/>
+                </a:solidFill>
+                <a:latin typeface="Tahoma" panose="020B0604030504040204" pitchFamily="34" charset="0"/>
+                <a:ea typeface="Tahoma" panose="020B0604030504040204" pitchFamily="34" charset="0"/>
+                <a:cs typeface="Tahoma" panose="020B0604030504040204" pitchFamily="34" charset="0"/>
+              </a:rPr>
+              <a:t>campione </a:t>
+            </a:r>
+            <a:r>
+              <a:rPr lang="it-IT" sz="2400">
+                <a:solidFill>
+                  <a:schemeClr val="tx1"/>
+                </a:solidFill>
+                <a:latin typeface="Tahoma" panose="020B0604030504040204" pitchFamily="34" charset="0"/>
+                <a:ea typeface="Tahoma" panose="020B0604030504040204" pitchFamily="34" charset="0"/>
+                <a:cs typeface="Tahoma" panose="020B0604030504040204" pitchFamily="34" charset="0"/>
+              </a:rPr>
+              <a:t>può avvenire in due modalità: </a:t>
+            </a:r>
+          </a:p>
+          <a:p>
+            <a:pPr marL="971550" lvl="1" indent="-514350">
+              <a:buFont typeface="+mj-lt"/>
+              <a:buAutoNum type="arabicPeriod"/>
+            </a:pPr>
+            <a:r>
+              <a:rPr lang="it-IT" sz="2600">
+                <a:solidFill>
+                  <a:schemeClr val="tx1"/>
+                </a:solidFill>
+                <a:latin typeface="Tahoma" panose="020B0604030504040204" pitchFamily="34" charset="0"/>
+                <a:ea typeface="Tahoma" panose="020B0604030504040204" pitchFamily="34" charset="0"/>
+                <a:cs typeface="Tahoma" panose="020B0604030504040204" pitchFamily="34" charset="0"/>
+              </a:rPr>
+              <a:t>con reimmissione</a:t>
+            </a:r>
+          </a:p>
+          <a:p>
+            <a:pPr marL="971550" lvl="1" indent="-514350">
+              <a:buFont typeface="+mj-lt"/>
+              <a:buAutoNum type="arabicPeriod"/>
+            </a:pPr>
+            <a:r>
+              <a:rPr lang="it-IT" sz="2600">
+                <a:solidFill>
+                  <a:schemeClr val="tx1"/>
+                </a:solidFill>
+                <a:latin typeface="Tahoma" panose="020B0604030504040204" pitchFamily="34" charset="0"/>
+                <a:ea typeface="Tahoma" panose="020B0604030504040204" pitchFamily="34" charset="0"/>
+                <a:cs typeface="Tahoma" panose="020B0604030504040204" pitchFamily="34" charset="0"/>
+              </a:rPr>
+              <a:t>senza reimmissione </a:t>
+            </a:r>
+            <a:endParaRPr lang="it-IT" sz="2600" b="1">
+              <a:solidFill>
+                <a:schemeClr val="tx1"/>
+              </a:solidFill>
+              <a:latin typeface="Tahoma" panose="020B0604030504040204" pitchFamily="34" charset="0"/>
+              <a:ea typeface="Tahoma" panose="020B0604030504040204" pitchFamily="34" charset="0"/>
+              <a:cs typeface="Tahoma" panose="020B0604030504040204" pitchFamily="34" charset="0"/>
+            </a:endParaRPr>
+          </a:p>
+        </p:txBody>
+      </p:sp>
+      <p:sp>
+        <p:nvSpPr>
+          <p:cNvPr id="7" name="Segnaposto numero diapositiva 6">
+            <a:extLst>
+              <a:ext uri="{FF2B5EF4-FFF2-40B4-BE49-F238E27FC236}">
+                <a16:creationId xmlns:a16="http://schemas.microsoft.com/office/drawing/2014/main" id="{AB740BE9-E218-4144-BFDE-AE473D230A3D}"/>
+              </a:ext>
+            </a:extLst>
+          </p:cNvPr>
+          <p:cNvSpPr>
+            <a:spLocks noGrp="1"/>
+          </p:cNvSpPr>
+          <p:nvPr>
+            <p:ph type="sldNum" sz="quarter" idx="12"/>
+          </p:nvPr>
+        </p:nvSpPr>
+        <p:spPr/>
+        <p:txBody>
+          <a:bodyPr/>
+          <a:lstStyle/>
+          <a:p>
+            <a:pPr>
+              <a:defRPr/>
+            </a:pPr>
+            <a:fld id="{48B4153A-D4C5-4CEF-8992-0D8815C829E3}" type="slidenum">
+              <a:rPr lang="en-US" smtClean="0"/>
+              <a:pPr>
+                <a:defRPr/>
+              </a:pPr>
+              <a:t>22</a:t>
+            </a:fld>
+            <a:endParaRPr lang="en-US" dirty="0"/>
+          </a:p>
+        </p:txBody>
+      </p:sp>
+      <p:sp>
+        <p:nvSpPr>
+          <p:cNvPr id="5" name="Titolo 4">
+            <a:extLst>
+              <a:ext uri="{FF2B5EF4-FFF2-40B4-BE49-F238E27FC236}">
+                <a16:creationId xmlns:a16="http://schemas.microsoft.com/office/drawing/2014/main" id="{82C46BA2-B380-4357-B125-BA9F08A643F5}"/>
+              </a:ext>
+            </a:extLst>
+          </p:cNvPr>
+          <p:cNvSpPr>
+            <a:spLocks noGrp="1"/>
+          </p:cNvSpPr>
+          <p:nvPr>
+            <p:ph type="title"/>
+          </p:nvPr>
+        </p:nvSpPr>
+        <p:spPr>
+          <a:xfrm>
+            <a:off x="468895" y="503475"/>
+            <a:ext cx="11269308" cy="384721"/>
+          </a:xfrm>
+        </p:spPr>
+        <p:txBody>
+          <a:bodyPr/>
+          <a:lstStyle/>
+          <a:p>
+            <a:r>
+              <a:rPr lang="it-IT" altLang="it-IT"/>
+              <a:t>La Teoria della Stima</a:t>
+            </a:r>
+            <a:endParaRPr lang="it-IT" dirty="0"/>
+          </a:p>
+        </p:txBody>
+      </p:sp>
+    </p:spTree>
+    <p:extLst>
+      <p:ext uri="{BB962C8B-B14F-4D97-AF65-F5344CB8AC3E}">
+        <p14:creationId xmlns:p14="http://schemas.microsoft.com/office/powerpoint/2010/main" val="81087457"/>
+      </p:ext>
+    </p:extLst>
+  </p:cSld>
+  <p:clrMapOvr>
+    <a:masterClrMapping/>
+  </p:clrMapOvr>
+</p:sld>
+</file>
+
+<file path=ppt/slides/slide23.xml><?xml version="1.0" encoding="utf-8"?>
+<p:sld xmlns:a="http://schemas.openxmlformats.org/drawingml/2006/main" xmlns:r="http://schemas.openxmlformats.org/officeDocument/2006/relationships" xmlns:p="http://schemas.openxmlformats.org/presentationml/2006/main">
+  <p:cSld>
+    <p:spTree>
+      <p:nvGrpSpPr>
+        <p:cNvPr id="1" name=""/>
+        <p:cNvGrpSpPr/>
+        <p:nvPr/>
+      </p:nvGrpSpPr>
+      <p:grpSpPr>
+        <a:xfrm>
+          <a:off x="0" y="0"/>
+          <a:ext cx="0" cy="0"/>
+          <a:chOff x="0" y="0"/>
+          <a:chExt cx="0" cy="0"/>
+        </a:xfrm>
+      </p:grpSpPr>
+      <p:sp>
+        <p:nvSpPr>
+          <p:cNvPr id="2" name="Segnaposto testo 1">
+            <a:extLst>
+              <a:ext uri="{FF2B5EF4-FFF2-40B4-BE49-F238E27FC236}">
+                <a16:creationId xmlns:a16="http://schemas.microsoft.com/office/drawing/2014/main" id="{E5AE986C-196F-4141-A898-FA4C4198CDCC}"/>
+              </a:ext>
+            </a:extLst>
+          </p:cNvPr>
+          <p:cNvSpPr>
+            <a:spLocks noGrp="1"/>
+          </p:cNvSpPr>
+          <p:nvPr>
+            <p:ph type="body" idx="1"/>
+          </p:nvPr>
+        </p:nvSpPr>
+        <p:spPr>
+          <a:xfrm>
+            <a:off x="326299" y="1213806"/>
+            <a:ext cx="8269062" cy="4392612"/>
+          </a:xfrm>
+        </p:spPr>
+        <p:txBody>
+          <a:bodyPr/>
+          <a:lstStyle/>
+          <a:p>
+            <a:pPr marL="342900" indent="-342900">
+              <a:buFont typeface="Wingdings" panose="05000000000000000000" pitchFamily="2" charset="2"/>
+              <a:buChar char="ü"/>
+            </a:pPr>
+            <a:r>
+              <a:rPr lang="it-IT" sz="2400">
+                <a:solidFill>
+                  <a:schemeClr val="tx1"/>
+                </a:solidFill>
+                <a:latin typeface="Tahoma" panose="020B0604030504040204" pitchFamily="34" charset="0"/>
+                <a:ea typeface="Tahoma" panose="020B0604030504040204" pitchFamily="34" charset="0"/>
+                <a:cs typeface="Tahoma" panose="020B0604030504040204" pitchFamily="34" charset="0"/>
+              </a:rPr>
+              <a:t>Nel campionamento con </a:t>
+            </a:r>
+            <a:r>
+              <a:rPr lang="it-IT" sz="2400" b="1">
+                <a:solidFill>
+                  <a:schemeClr val="tx1"/>
+                </a:solidFill>
+                <a:latin typeface="Tahoma" panose="020B0604030504040204" pitchFamily="34" charset="0"/>
+                <a:ea typeface="Tahoma" panose="020B0604030504040204" pitchFamily="34" charset="0"/>
+                <a:cs typeface="Tahoma" panose="020B0604030504040204" pitchFamily="34" charset="0"/>
+              </a:rPr>
+              <a:t>reimmissione,</a:t>
+            </a:r>
+            <a:r>
+              <a:rPr lang="it-IT" sz="2400">
+                <a:solidFill>
+                  <a:schemeClr val="tx1"/>
+                </a:solidFill>
+                <a:latin typeface="Tahoma" panose="020B0604030504040204" pitchFamily="34" charset="0"/>
+                <a:ea typeface="Tahoma" panose="020B0604030504040204" pitchFamily="34" charset="0"/>
+                <a:cs typeface="Tahoma" panose="020B0604030504040204" pitchFamily="34" charset="0"/>
+              </a:rPr>
+              <a:t> detto anche "</a:t>
+            </a:r>
+            <a:r>
+              <a:rPr lang="it-IT" sz="2400" b="1">
+                <a:solidFill>
+                  <a:schemeClr val="tx1"/>
+                </a:solidFill>
+                <a:latin typeface="Tahoma" panose="020B0604030504040204" pitchFamily="34" charset="0"/>
+                <a:ea typeface="Tahoma" panose="020B0604030504040204" pitchFamily="34" charset="0"/>
+                <a:cs typeface="Tahoma" panose="020B0604030504040204" pitchFamily="34" charset="0"/>
+              </a:rPr>
+              <a:t>campionamento</a:t>
+            </a:r>
+            <a:r>
+              <a:rPr lang="it-IT" sz="2400">
+                <a:solidFill>
+                  <a:schemeClr val="tx1"/>
+                </a:solidFill>
+                <a:latin typeface="Tahoma" panose="020B0604030504040204" pitchFamily="34" charset="0"/>
+                <a:ea typeface="Tahoma" panose="020B0604030504040204" pitchFamily="34" charset="0"/>
+                <a:cs typeface="Tahoma" panose="020B0604030504040204" pitchFamily="34" charset="0"/>
+              </a:rPr>
+              <a:t> </a:t>
+            </a:r>
+            <a:r>
+              <a:rPr lang="it-IT" sz="2400" b="1">
+                <a:solidFill>
+                  <a:schemeClr val="tx1"/>
+                </a:solidFill>
+                <a:latin typeface="Tahoma" panose="020B0604030504040204" pitchFamily="34" charset="0"/>
+                <a:ea typeface="Tahoma" panose="020B0604030504040204" pitchFamily="34" charset="0"/>
+                <a:cs typeface="Tahoma" panose="020B0604030504040204" pitchFamily="34" charset="0"/>
+              </a:rPr>
+              <a:t>bernoulliano</a:t>
+            </a:r>
+            <a:r>
+              <a:rPr lang="it-IT" sz="2400">
+                <a:solidFill>
+                  <a:schemeClr val="tx1"/>
+                </a:solidFill>
+                <a:latin typeface="Tahoma" panose="020B0604030504040204" pitchFamily="34" charset="0"/>
+                <a:ea typeface="Tahoma" panose="020B0604030504040204" pitchFamily="34" charset="0"/>
+                <a:cs typeface="Tahoma" panose="020B0604030504040204" pitchFamily="34" charset="0"/>
+              </a:rPr>
+              <a:t>", non si esclude che un elemento del campione venga ripescato una o più volte. Questo è il caso che interessa maggiormente, in quanto la reimmissione fa si che le variabili casuali rappresentate dalla prima estrazione, dalla seconda e così via siando una indipendente dall'altra, cosa che non avverrebbe in caso di estrazione senza reimmissione, detto anche "</a:t>
+            </a:r>
+            <a:r>
+              <a:rPr lang="it-IT" sz="2400" b="1">
+                <a:solidFill>
+                  <a:schemeClr val="tx1"/>
+                </a:solidFill>
+                <a:latin typeface="Tahoma" panose="020B0604030504040204" pitchFamily="34" charset="0"/>
+                <a:ea typeface="Tahoma" panose="020B0604030504040204" pitchFamily="34" charset="0"/>
+                <a:cs typeface="Tahoma" panose="020B0604030504040204" pitchFamily="34" charset="0"/>
+              </a:rPr>
+              <a:t>campionamento in blocco". </a:t>
+            </a:r>
+          </a:p>
+          <a:p>
+            <a:pPr marL="342900" indent="-342900">
+              <a:buFont typeface="Wingdings" panose="05000000000000000000" pitchFamily="2" charset="2"/>
+              <a:buChar char="ü"/>
+            </a:pPr>
+            <a:r>
+              <a:rPr lang="it-IT" sz="2400" b="1">
+                <a:solidFill>
+                  <a:schemeClr val="tx1"/>
+                </a:solidFill>
+                <a:latin typeface="Tahoma" panose="020B0604030504040204" pitchFamily="34" charset="0"/>
+                <a:ea typeface="Tahoma" panose="020B0604030504040204" pitchFamily="34" charset="0"/>
+                <a:cs typeface="Tahoma" panose="020B0604030504040204" pitchFamily="34" charset="0"/>
+              </a:rPr>
+              <a:t>Non esiste un unico modo per campionare da una popolazione. </a:t>
+            </a:r>
+            <a:r>
+              <a:rPr lang="it-IT" sz="2400">
+                <a:solidFill>
+                  <a:schemeClr val="tx1"/>
+                </a:solidFill>
+                <a:latin typeface="Tahoma" panose="020B0604030504040204" pitchFamily="34" charset="0"/>
+                <a:ea typeface="Tahoma" panose="020B0604030504040204" pitchFamily="34" charset="0"/>
+                <a:cs typeface="Tahoma" panose="020B0604030504040204" pitchFamily="34" charset="0"/>
+              </a:rPr>
+              <a:t>Il </a:t>
+            </a:r>
+            <a:r>
+              <a:rPr lang="it-IT" sz="2400" b="1">
+                <a:solidFill>
+                  <a:schemeClr val="tx1"/>
+                </a:solidFill>
+                <a:latin typeface="Tahoma" panose="020B0604030504040204" pitchFamily="34" charset="0"/>
+                <a:ea typeface="Tahoma" panose="020B0604030504040204" pitchFamily="34" charset="0"/>
+                <a:cs typeface="Tahoma" panose="020B0604030504040204" pitchFamily="34" charset="0"/>
+              </a:rPr>
+              <a:t>campionamento casuale semplice </a:t>
+            </a:r>
+            <a:r>
+              <a:rPr lang="it-IT" sz="2400">
+                <a:solidFill>
+                  <a:schemeClr val="tx1"/>
+                </a:solidFill>
+                <a:latin typeface="Tahoma" panose="020B0604030504040204" pitchFamily="34" charset="0"/>
+                <a:ea typeface="Tahoma" panose="020B0604030504040204" pitchFamily="34" charset="0"/>
+                <a:cs typeface="Tahoma" panose="020B0604030504040204" pitchFamily="34" charset="0"/>
+              </a:rPr>
+              <a:t>è quello più utilizzato, quando si vuole che le unità statistiche della popolazione abbiano la stessa probabilità di entrare nel </a:t>
+            </a:r>
+            <a:r>
+              <a:rPr lang="it-IT" sz="2400" b="1">
+                <a:solidFill>
+                  <a:schemeClr val="tx1"/>
+                </a:solidFill>
+                <a:latin typeface="Tahoma" panose="020B0604030504040204" pitchFamily="34" charset="0"/>
+                <a:ea typeface="Tahoma" panose="020B0604030504040204" pitchFamily="34" charset="0"/>
+                <a:cs typeface="Tahoma" panose="020B0604030504040204" pitchFamily="34" charset="0"/>
+              </a:rPr>
+              <a:t>campione</a:t>
+            </a:r>
+            <a:r>
+              <a:rPr lang="it-IT" sz="2400">
+                <a:solidFill>
+                  <a:schemeClr val="tx1"/>
+                </a:solidFill>
+                <a:latin typeface="Tahoma" panose="020B0604030504040204" pitchFamily="34" charset="0"/>
+                <a:ea typeface="Tahoma" panose="020B0604030504040204" pitchFamily="34" charset="0"/>
+                <a:cs typeface="Tahoma" panose="020B0604030504040204" pitchFamily="34" charset="0"/>
+              </a:rPr>
+              <a:t>. </a:t>
+            </a:r>
+          </a:p>
+        </p:txBody>
+      </p:sp>
+      <p:sp>
+        <p:nvSpPr>
+          <p:cNvPr id="7" name="Segnaposto numero diapositiva 6">
+            <a:extLst>
+              <a:ext uri="{FF2B5EF4-FFF2-40B4-BE49-F238E27FC236}">
+                <a16:creationId xmlns:a16="http://schemas.microsoft.com/office/drawing/2014/main" id="{AB740BE9-E218-4144-BFDE-AE473D230A3D}"/>
+              </a:ext>
+            </a:extLst>
+          </p:cNvPr>
+          <p:cNvSpPr>
+            <a:spLocks noGrp="1"/>
+          </p:cNvSpPr>
+          <p:nvPr>
+            <p:ph type="sldNum" sz="quarter" idx="12"/>
+          </p:nvPr>
+        </p:nvSpPr>
+        <p:spPr/>
+        <p:txBody>
+          <a:bodyPr/>
+          <a:lstStyle/>
+          <a:p>
+            <a:pPr>
+              <a:defRPr/>
+            </a:pPr>
+            <a:fld id="{48B4153A-D4C5-4CEF-8992-0D8815C829E3}" type="slidenum">
+              <a:rPr lang="en-US" smtClean="0"/>
+              <a:pPr>
+                <a:defRPr/>
+              </a:pPr>
+              <a:t>23</a:t>
+            </a:fld>
+            <a:endParaRPr lang="en-US" dirty="0"/>
+          </a:p>
+        </p:txBody>
+      </p:sp>
+      <p:sp>
+        <p:nvSpPr>
+          <p:cNvPr id="5" name="Titolo 4">
+            <a:extLst>
+              <a:ext uri="{FF2B5EF4-FFF2-40B4-BE49-F238E27FC236}">
+                <a16:creationId xmlns:a16="http://schemas.microsoft.com/office/drawing/2014/main" id="{82C46BA2-B380-4357-B125-BA9F08A643F5}"/>
+              </a:ext>
+            </a:extLst>
+          </p:cNvPr>
+          <p:cNvSpPr>
+            <a:spLocks noGrp="1"/>
+          </p:cNvSpPr>
+          <p:nvPr>
+            <p:ph type="title"/>
+          </p:nvPr>
+        </p:nvSpPr>
+        <p:spPr>
+          <a:xfrm>
+            <a:off x="468895" y="503475"/>
+            <a:ext cx="11269308" cy="384721"/>
+          </a:xfrm>
+        </p:spPr>
+        <p:txBody>
+          <a:bodyPr/>
+          <a:lstStyle/>
+          <a:p>
+            <a:r>
               <a:rPr lang="it-IT" altLang="it-IT"/>
               <a:t>La rilevazione dei dati per campioni</a:t>
             </a:r>
@@ -8916,7 +12236,7 @@
 </p:sld>
 </file>
 
-<file path=ppt/slides/slide16.xml><?xml version="1.0" encoding="utf-8"?>
+<file path=ppt/slides/slide24.xml><?xml version="1.0" encoding="utf-8"?>
 <p:sld xmlns:a="http://schemas.openxmlformats.org/drawingml/2006/main" xmlns:r="http://schemas.openxmlformats.org/officeDocument/2006/relationships" xmlns:p="http://schemas.openxmlformats.org/presentationml/2006/main">
   <p:cSld>
     <p:spTree>
@@ -9848,7 +13168,7 @@
               <a:pPr>
                 <a:defRPr/>
               </a:pPr>
-              <a:t>16</a:t>
+              <a:t>24</a:t>
             </a:fld>
             <a:endParaRPr lang="en-US" dirty="0"/>
           </a:p>
@@ -9901,7 +13221,7 @@
 </p:sld>
 </file>
 
-<file path=ppt/slides/slide17.xml><?xml version="1.0" encoding="utf-8"?>
+<file path=ppt/slides/slide25.xml><?xml version="1.0" encoding="utf-8"?>
 <p:sld xmlns:a="http://schemas.openxmlformats.org/drawingml/2006/main" xmlns:r="http://schemas.openxmlformats.org/officeDocument/2006/relationships" xmlns:p="http://schemas.openxmlformats.org/presentationml/2006/main">
   <p:cSld>
     <p:spTree>
@@ -10402,7 +13722,7 @@
               <a:pPr>
                 <a:defRPr/>
               </a:pPr>
-              <a:t>17</a:t>
+              <a:t>25</a:t>
             </a:fld>
             <a:endParaRPr lang="en-US" dirty="0"/>
           </a:p>
@@ -11001,7 +14321,7 @@
 </p:sld>
 </file>
 
-<file path=ppt/slides/slide18.xml><?xml version="1.0" encoding="utf-8"?>
+<file path=ppt/slides/slide26.xml><?xml version="1.0" encoding="utf-8"?>
 <p:sld xmlns:a="http://schemas.openxmlformats.org/drawingml/2006/main" xmlns:r="http://schemas.openxmlformats.org/officeDocument/2006/relationships" xmlns:p="http://schemas.openxmlformats.org/presentationml/2006/main">
   <p:cSld>
     <p:spTree>
@@ -12261,7 +15581,7 @@
               <a:pPr>
                 <a:defRPr/>
               </a:pPr>
-              <a:t>18</a:t>
+              <a:t>26</a:t>
             </a:fld>
             <a:endParaRPr lang="en-US" dirty="0"/>
           </a:p>
@@ -12314,7 +15634,7 @@
 </p:sld>
 </file>
 
-<file path=ppt/slides/slide19.xml><?xml version="1.0" encoding="utf-8"?>
+<file path=ppt/slides/slide27.xml><?xml version="1.0" encoding="utf-8"?>
 <p:sld xmlns:a="http://schemas.openxmlformats.org/drawingml/2006/main" xmlns:r="http://schemas.openxmlformats.org/officeDocument/2006/relationships" xmlns:p="http://schemas.openxmlformats.org/presentationml/2006/main">
   <p:cSld>
     <p:spTree>
@@ -12747,7 +16067,7 @@
               <a:pPr>
                 <a:defRPr/>
               </a:pPr>
-              <a:t>19</a:t>
+              <a:t>27</a:t>
             </a:fld>
             <a:endParaRPr lang="en-US" dirty="0"/>
           </a:p>
@@ -12800,535 +16120,7 @@
 </p:sld>
 </file>
 
-<file path=ppt/slides/slide2.xml><?xml version="1.0" encoding="utf-8"?>
-<p:sld xmlns:a="http://schemas.openxmlformats.org/drawingml/2006/main" xmlns:r="http://schemas.openxmlformats.org/officeDocument/2006/relationships" xmlns:p="http://schemas.openxmlformats.org/presentationml/2006/main">
-  <p:cSld>
-    <p:bg>
-      <p:bgPr>
-        <a:solidFill>
-          <a:schemeClr val="bg1"/>
-        </a:solidFill>
-        <a:effectLst/>
-      </p:bgPr>
-    </p:bg>
-    <p:spTree>
-      <p:nvGrpSpPr>
-        <p:cNvPr id="1" name=""/>
-        <p:cNvGrpSpPr/>
-        <p:nvPr/>
-      </p:nvGrpSpPr>
-      <p:grpSpPr>
-        <a:xfrm>
-          <a:off x="0" y="0"/>
-          <a:ext cx="0" cy="0"/>
-          <a:chOff x="0" y="0"/>
-          <a:chExt cx="0" cy="0"/>
-        </a:xfrm>
-      </p:grpSpPr>
-      <p:sp>
-        <p:nvSpPr>
-          <p:cNvPr id="2" name="Segnaposto testo 1">
-            <a:extLst>
-              <a:ext uri="{FF2B5EF4-FFF2-40B4-BE49-F238E27FC236}">
-                <a16:creationId xmlns:a16="http://schemas.microsoft.com/office/drawing/2014/main" id="{E5AE986C-196F-4141-A898-FA4C4198CDCC}"/>
-              </a:ext>
-            </a:extLst>
-          </p:cNvPr>
-          <p:cNvSpPr>
-            <a:spLocks noGrp="1"/>
-          </p:cNvSpPr>
-          <p:nvPr>
-            <p:ph type="body" idx="1"/>
-          </p:nvPr>
-        </p:nvSpPr>
-        <p:spPr>
-          <a:xfrm>
-            <a:off x="326297" y="1213806"/>
-            <a:ext cx="7430692" cy="4392612"/>
-          </a:xfrm>
-        </p:spPr>
-        <p:txBody>
-          <a:bodyPr/>
-          <a:lstStyle/>
-          <a:p>
-            <a:pPr marL="342900" indent="-342900" algn="just">
-              <a:buFont typeface="Wingdings" panose="05000000000000000000" pitchFamily="2" charset="2"/>
-              <a:buChar char="ü"/>
-            </a:pPr>
-            <a:r>
-              <a:rPr lang="it-IT" sz="2400" b="1" dirty="0">
-                <a:solidFill>
-                  <a:schemeClr val="tx1"/>
-                </a:solidFill>
-                <a:latin typeface="Tahoma" panose="020B0604030504040204" pitchFamily="34" charset="0"/>
-                <a:ea typeface="Tahoma" panose="020B0604030504040204" pitchFamily="34" charset="0"/>
-                <a:cs typeface="Tahoma" panose="020B0604030504040204" pitchFamily="34" charset="0"/>
-              </a:rPr>
-              <a:t>Definizione di Statistica: </a:t>
-            </a:r>
-            <a:r>
-              <a:rPr lang="it-IT" sz="2400" dirty="0">
-                <a:solidFill>
-                  <a:schemeClr val="tx1"/>
-                </a:solidFill>
-                <a:latin typeface="Tahoma" panose="020B0604030504040204" pitchFamily="34" charset="0"/>
-                <a:ea typeface="Tahoma" panose="020B0604030504040204" pitchFamily="34" charset="0"/>
-                <a:cs typeface="Tahoma" panose="020B0604030504040204" pitchFamily="34" charset="0"/>
-              </a:rPr>
-              <a:t>La </a:t>
-            </a:r>
-            <a:r>
-              <a:rPr lang="it-IT" sz="2400" b="1" dirty="0">
-                <a:solidFill>
-                  <a:schemeClr val="tx1"/>
-                </a:solidFill>
-                <a:latin typeface="Tahoma" panose="020B0604030504040204" pitchFamily="34" charset="0"/>
-                <a:ea typeface="Tahoma" panose="020B0604030504040204" pitchFamily="34" charset="0"/>
-                <a:cs typeface="Tahoma" panose="020B0604030504040204" pitchFamily="34" charset="0"/>
-              </a:rPr>
-              <a:t>statistica </a:t>
-            </a:r>
-            <a:r>
-              <a:rPr lang="it-IT" sz="2400" dirty="0">
-                <a:solidFill>
-                  <a:schemeClr val="tx1"/>
-                </a:solidFill>
-                <a:latin typeface="Tahoma" panose="020B0604030504040204" pitchFamily="34" charset="0"/>
-                <a:ea typeface="Tahoma" panose="020B0604030504040204" pitchFamily="34" charset="0"/>
-                <a:cs typeface="Tahoma" panose="020B0604030504040204" pitchFamily="34" charset="0"/>
-              </a:rPr>
-              <a:t>è una scienza che per oggetto l’acquisizione, l’elaborazione e la valutazione </a:t>
-            </a:r>
-            <a:r>
-              <a:rPr lang="it-IT" sz="2400" b="1" dirty="0">
-                <a:solidFill>
-                  <a:schemeClr val="tx1"/>
-                </a:solidFill>
-                <a:latin typeface="Tahoma" panose="020B0604030504040204" pitchFamily="34" charset="0"/>
-                <a:ea typeface="Tahoma" panose="020B0604030504040204" pitchFamily="34" charset="0"/>
-                <a:cs typeface="Tahoma" panose="020B0604030504040204" pitchFamily="34" charset="0"/>
-              </a:rPr>
-              <a:t>qualitativa</a:t>
-            </a:r>
-            <a:r>
-              <a:rPr lang="it-IT" sz="2400" dirty="0">
-                <a:solidFill>
-                  <a:schemeClr val="tx1"/>
-                </a:solidFill>
-                <a:latin typeface="Tahoma" panose="020B0604030504040204" pitchFamily="34" charset="0"/>
-                <a:ea typeface="Tahoma" panose="020B0604030504040204" pitchFamily="34" charset="0"/>
-                <a:cs typeface="Tahoma" panose="020B0604030504040204" pitchFamily="34" charset="0"/>
-              </a:rPr>
-              <a:t> e </a:t>
-            </a:r>
-            <a:r>
-              <a:rPr lang="it-IT" sz="2400" b="1" dirty="0">
-                <a:solidFill>
-                  <a:schemeClr val="tx1"/>
-                </a:solidFill>
-                <a:latin typeface="Tahoma" panose="020B0604030504040204" pitchFamily="34" charset="0"/>
-                <a:ea typeface="Tahoma" panose="020B0604030504040204" pitchFamily="34" charset="0"/>
-                <a:cs typeface="Tahoma" panose="020B0604030504040204" pitchFamily="34" charset="0"/>
-              </a:rPr>
-              <a:t>quantitativa</a:t>
-            </a:r>
-            <a:r>
-              <a:rPr lang="it-IT" sz="2400" dirty="0">
-                <a:solidFill>
-                  <a:schemeClr val="tx1"/>
-                </a:solidFill>
-                <a:latin typeface="Tahoma" panose="020B0604030504040204" pitchFamily="34" charset="0"/>
-                <a:ea typeface="Tahoma" panose="020B0604030504040204" pitchFamily="34" charset="0"/>
-                <a:cs typeface="Tahoma" panose="020B0604030504040204" pitchFamily="34" charset="0"/>
-              </a:rPr>
-              <a:t> dei dati riguardanti fenomeni di massa suscettibili alla misurazione. Nell’ambito della </a:t>
-            </a:r>
-            <a:r>
-              <a:rPr lang="it-IT" sz="2400" b="1" dirty="0">
-                <a:solidFill>
-                  <a:schemeClr val="tx1"/>
-                </a:solidFill>
-                <a:latin typeface="Tahoma" panose="020B0604030504040204" pitchFamily="34" charset="0"/>
-                <a:ea typeface="Tahoma" panose="020B0604030504040204" pitchFamily="34" charset="0"/>
-                <a:cs typeface="Tahoma" panose="020B0604030504040204" pitchFamily="34" charset="0"/>
-              </a:rPr>
-              <a:t>statistica </a:t>
-            </a:r>
-            <a:r>
-              <a:rPr lang="it-IT" sz="2400" dirty="0">
-                <a:solidFill>
-                  <a:schemeClr val="tx1"/>
-                </a:solidFill>
-                <a:latin typeface="Tahoma" panose="020B0604030504040204" pitchFamily="34" charset="0"/>
-                <a:ea typeface="Tahoma" panose="020B0604030504040204" pitchFamily="34" charset="0"/>
-                <a:cs typeface="Tahoma" panose="020B0604030504040204" pitchFamily="34" charset="0"/>
-              </a:rPr>
-              <a:t>si distinguono due settori: la </a:t>
-            </a:r>
-            <a:r>
-              <a:rPr lang="it-IT" sz="2400" b="1" dirty="0">
-                <a:solidFill>
-                  <a:schemeClr val="tx1"/>
-                </a:solidFill>
-                <a:latin typeface="Tahoma" panose="020B0604030504040204" pitchFamily="34" charset="0"/>
-                <a:ea typeface="Tahoma" panose="020B0604030504040204" pitchFamily="34" charset="0"/>
-                <a:cs typeface="Tahoma" panose="020B0604030504040204" pitchFamily="34" charset="0"/>
-              </a:rPr>
-              <a:t>statistica</a:t>
-            </a:r>
-            <a:r>
-              <a:rPr lang="it-IT" sz="2400" dirty="0">
-                <a:solidFill>
-                  <a:schemeClr val="tx1"/>
-                </a:solidFill>
-                <a:latin typeface="Tahoma" panose="020B0604030504040204" pitchFamily="34" charset="0"/>
-                <a:ea typeface="Tahoma" panose="020B0604030504040204" pitchFamily="34" charset="0"/>
-                <a:cs typeface="Tahoma" panose="020B0604030504040204" pitchFamily="34" charset="0"/>
-              </a:rPr>
-              <a:t> </a:t>
-            </a:r>
-            <a:r>
-              <a:rPr lang="it-IT" sz="2400" b="1" dirty="0">
-                <a:solidFill>
-                  <a:schemeClr val="tx1"/>
-                </a:solidFill>
-                <a:latin typeface="Tahoma" panose="020B0604030504040204" pitchFamily="34" charset="0"/>
-                <a:ea typeface="Tahoma" panose="020B0604030504040204" pitchFamily="34" charset="0"/>
-                <a:cs typeface="Tahoma" panose="020B0604030504040204" pitchFamily="34" charset="0"/>
-              </a:rPr>
-              <a:t>descrittiva</a:t>
-            </a:r>
-            <a:r>
-              <a:rPr lang="it-IT" sz="2400" dirty="0">
-                <a:solidFill>
-                  <a:schemeClr val="tx1"/>
-                </a:solidFill>
-                <a:latin typeface="Tahoma" panose="020B0604030504040204" pitchFamily="34" charset="0"/>
-                <a:ea typeface="Tahoma" panose="020B0604030504040204" pitchFamily="34" charset="0"/>
-                <a:cs typeface="Tahoma" panose="020B0604030504040204" pitchFamily="34" charset="0"/>
-              </a:rPr>
-              <a:t> e la </a:t>
-            </a:r>
-            <a:r>
-              <a:rPr lang="it-IT" sz="2400" b="1" dirty="0">
-                <a:solidFill>
-                  <a:schemeClr val="tx1"/>
-                </a:solidFill>
-                <a:latin typeface="Tahoma" panose="020B0604030504040204" pitchFamily="34" charset="0"/>
-                <a:ea typeface="Tahoma" panose="020B0604030504040204" pitchFamily="34" charset="0"/>
-                <a:cs typeface="Tahoma" panose="020B0604030504040204" pitchFamily="34" charset="0"/>
-              </a:rPr>
-              <a:t>statistica</a:t>
-            </a:r>
-            <a:r>
-              <a:rPr lang="it-IT" sz="2400" dirty="0">
-                <a:solidFill>
-                  <a:schemeClr val="tx1"/>
-                </a:solidFill>
-                <a:latin typeface="Tahoma" panose="020B0604030504040204" pitchFamily="34" charset="0"/>
-                <a:ea typeface="Tahoma" panose="020B0604030504040204" pitchFamily="34" charset="0"/>
-                <a:cs typeface="Tahoma" panose="020B0604030504040204" pitchFamily="34" charset="0"/>
-              </a:rPr>
-              <a:t> </a:t>
-            </a:r>
-            <a:r>
-              <a:rPr lang="it-IT" sz="2400" b="1" dirty="0">
-                <a:solidFill>
-                  <a:schemeClr val="tx1"/>
-                </a:solidFill>
-                <a:latin typeface="Tahoma" panose="020B0604030504040204" pitchFamily="34" charset="0"/>
-                <a:ea typeface="Tahoma" panose="020B0604030504040204" pitchFamily="34" charset="0"/>
-                <a:cs typeface="Tahoma" panose="020B0604030504040204" pitchFamily="34" charset="0"/>
-              </a:rPr>
-              <a:t>inferenziale</a:t>
-            </a:r>
-            <a:r>
-              <a:rPr lang="it-IT" sz="2400" dirty="0">
-                <a:solidFill>
-                  <a:schemeClr val="tx1"/>
-                </a:solidFill>
-                <a:latin typeface="Tahoma" panose="020B0604030504040204" pitchFamily="34" charset="0"/>
-                <a:ea typeface="Tahoma" panose="020B0604030504040204" pitchFamily="34" charset="0"/>
-                <a:cs typeface="Tahoma" panose="020B0604030504040204" pitchFamily="34" charset="0"/>
-              </a:rPr>
-              <a:t> (o induttiva</a:t>
-            </a:r>
-            <a:r>
-              <a:rPr lang="it-IT" sz="2400">
-                <a:solidFill>
-                  <a:schemeClr val="tx1"/>
-                </a:solidFill>
-                <a:latin typeface="Tahoma" panose="020B0604030504040204" pitchFamily="34" charset="0"/>
-                <a:ea typeface="Tahoma" panose="020B0604030504040204" pitchFamily="34" charset="0"/>
-                <a:cs typeface="Tahoma" panose="020B0604030504040204" pitchFamily="34" charset="0"/>
-              </a:rPr>
-              <a:t>).   </a:t>
-            </a:r>
-          </a:p>
-          <a:p>
-            <a:pPr marL="342900" indent="-342900" algn="just">
-              <a:buFont typeface="Wingdings" panose="05000000000000000000" pitchFamily="2" charset="2"/>
-              <a:buChar char="ü"/>
-            </a:pPr>
-            <a:r>
-              <a:rPr lang="it-IT" sz="2400">
-                <a:solidFill>
-                  <a:schemeClr val="tx1"/>
-                </a:solidFill>
-                <a:latin typeface="Tahoma" panose="020B0604030504040204" pitchFamily="34" charset="0"/>
-                <a:ea typeface="Tahoma" panose="020B0604030504040204" pitchFamily="34" charset="0"/>
-                <a:cs typeface="Tahoma" panose="020B0604030504040204" pitchFamily="34" charset="0"/>
-              </a:rPr>
-              <a:t>Il </a:t>
-            </a:r>
-            <a:r>
-              <a:rPr lang="it-IT" sz="2400" b="1">
-                <a:solidFill>
-                  <a:schemeClr val="tx1"/>
-                </a:solidFill>
-                <a:latin typeface="Tahoma" panose="020B0604030504040204" pitchFamily="34" charset="0"/>
-                <a:ea typeface="Tahoma" panose="020B0604030504040204" pitchFamily="34" charset="0"/>
-                <a:cs typeface="Tahoma" panose="020B0604030504040204" pitchFamily="34" charset="0"/>
-              </a:rPr>
-              <a:t>collettivo</a:t>
-            </a:r>
-            <a:r>
-              <a:rPr lang="it-IT" sz="2400">
-                <a:solidFill>
-                  <a:schemeClr val="tx1"/>
-                </a:solidFill>
-                <a:latin typeface="Tahoma" panose="020B0604030504040204" pitchFamily="34" charset="0"/>
-                <a:ea typeface="Tahoma" panose="020B0604030504040204" pitchFamily="34" charset="0"/>
-                <a:cs typeface="Tahoma" panose="020B0604030504040204" pitchFamily="34" charset="0"/>
-              </a:rPr>
-              <a:t> </a:t>
-            </a:r>
-            <a:r>
-              <a:rPr lang="it-IT" sz="2400" b="1">
-                <a:solidFill>
-                  <a:schemeClr val="tx1"/>
-                </a:solidFill>
-                <a:latin typeface="Tahoma" panose="020B0604030504040204" pitchFamily="34" charset="0"/>
-                <a:ea typeface="Tahoma" panose="020B0604030504040204" pitchFamily="34" charset="0"/>
-                <a:cs typeface="Tahoma" panose="020B0604030504040204" pitchFamily="34" charset="0"/>
-              </a:rPr>
-              <a:t>statistico</a:t>
-            </a:r>
-            <a:r>
-              <a:rPr lang="it-IT" sz="2400">
-                <a:solidFill>
-                  <a:schemeClr val="tx1"/>
-                </a:solidFill>
-                <a:latin typeface="Tahoma" panose="020B0604030504040204" pitchFamily="34" charset="0"/>
-                <a:ea typeface="Tahoma" panose="020B0604030504040204" pitchFamily="34" charset="0"/>
-                <a:cs typeface="Tahoma" panose="020B0604030504040204" pitchFamily="34" charset="0"/>
-              </a:rPr>
-              <a:t> o </a:t>
-            </a:r>
-            <a:r>
-              <a:rPr lang="it-IT" sz="2400" b="1">
-                <a:solidFill>
-                  <a:schemeClr val="tx1"/>
-                </a:solidFill>
-                <a:latin typeface="Tahoma" panose="020B0604030504040204" pitchFamily="34" charset="0"/>
-                <a:ea typeface="Tahoma" panose="020B0604030504040204" pitchFamily="34" charset="0"/>
-                <a:cs typeface="Tahoma" panose="020B0604030504040204" pitchFamily="34" charset="0"/>
-              </a:rPr>
-              <a:t>collettività</a:t>
-            </a:r>
-            <a:r>
-              <a:rPr lang="it-IT" sz="2400">
-                <a:solidFill>
-                  <a:schemeClr val="tx1"/>
-                </a:solidFill>
-                <a:latin typeface="Tahoma" panose="020B0604030504040204" pitchFamily="34" charset="0"/>
-                <a:ea typeface="Tahoma" panose="020B0604030504040204" pitchFamily="34" charset="0"/>
-                <a:cs typeface="Tahoma" panose="020B0604030504040204" pitchFamily="34" charset="0"/>
-              </a:rPr>
-              <a:t> o </a:t>
-            </a:r>
-            <a:r>
-              <a:rPr lang="it-IT" sz="2400" b="1">
-                <a:solidFill>
-                  <a:schemeClr val="tx1"/>
-                </a:solidFill>
-                <a:latin typeface="Tahoma" panose="020B0604030504040204" pitchFamily="34" charset="0"/>
-                <a:ea typeface="Tahoma" panose="020B0604030504040204" pitchFamily="34" charset="0"/>
-                <a:cs typeface="Tahoma" panose="020B0604030504040204" pitchFamily="34" charset="0"/>
-              </a:rPr>
-              <a:t>popolazione</a:t>
-            </a:r>
-            <a:r>
-              <a:rPr lang="it-IT" sz="2400">
-                <a:solidFill>
-                  <a:schemeClr val="tx1"/>
-                </a:solidFill>
-                <a:latin typeface="Tahoma" panose="020B0604030504040204" pitchFamily="34" charset="0"/>
-                <a:ea typeface="Tahoma" panose="020B0604030504040204" pitchFamily="34" charset="0"/>
-                <a:cs typeface="Tahoma" panose="020B0604030504040204" pitchFamily="34" charset="0"/>
-              </a:rPr>
-              <a:t> </a:t>
-            </a:r>
-            <a:r>
-              <a:rPr lang="it-IT" sz="2400" b="1">
-                <a:solidFill>
-                  <a:schemeClr val="tx1"/>
-                </a:solidFill>
-                <a:latin typeface="Tahoma" panose="020B0604030504040204" pitchFamily="34" charset="0"/>
-                <a:ea typeface="Tahoma" panose="020B0604030504040204" pitchFamily="34" charset="0"/>
-                <a:cs typeface="Tahoma" panose="020B0604030504040204" pitchFamily="34" charset="0"/>
-              </a:rPr>
-              <a:t>statistica </a:t>
-            </a:r>
-            <a:r>
-              <a:rPr lang="it-IT" sz="2400">
-                <a:solidFill>
-                  <a:schemeClr val="tx1"/>
-                </a:solidFill>
-                <a:latin typeface="Tahoma" panose="020B0604030504040204" pitchFamily="34" charset="0"/>
-                <a:ea typeface="Tahoma" panose="020B0604030504040204" pitchFamily="34" charset="0"/>
-                <a:cs typeface="Tahoma" panose="020B0604030504040204" pitchFamily="34" charset="0"/>
-              </a:rPr>
-              <a:t>rappresenta l'insieme di unità statistiche omogenee rispetto ad alcuni caratteri di cui si acquisiscono informazioni per studiarne le modalità; non è necessariamente riferito a esseri umani. </a:t>
-            </a:r>
-            <a:endParaRPr lang="en-US" sz="2400">
-              <a:solidFill>
-                <a:schemeClr val="tx1"/>
-              </a:solidFill>
-              <a:latin typeface="Tahoma" panose="020B0604030504040204" pitchFamily="34" charset="0"/>
-              <a:ea typeface="Tahoma" panose="020B0604030504040204" pitchFamily="34" charset="0"/>
-              <a:cs typeface="Tahoma" panose="020B0604030504040204" pitchFamily="34" charset="0"/>
-            </a:endParaRPr>
-          </a:p>
-          <a:p>
-            <a:pPr marL="342900" indent="-342900" algn="just">
-              <a:buFont typeface="Wingdings" panose="05000000000000000000" pitchFamily="2" charset="2"/>
-              <a:buChar char="ü"/>
-            </a:pPr>
-            <a:endParaRPr lang="it-IT" sz="2400" dirty="0">
-              <a:solidFill>
-                <a:schemeClr val="tx1"/>
-              </a:solidFill>
-              <a:latin typeface="Tahoma" panose="020B0604030504040204" pitchFamily="34" charset="0"/>
-              <a:ea typeface="Tahoma" panose="020B0604030504040204" pitchFamily="34" charset="0"/>
-              <a:cs typeface="Tahoma" panose="020B0604030504040204" pitchFamily="34" charset="0"/>
-            </a:endParaRPr>
-          </a:p>
-        </p:txBody>
-      </p:sp>
-      <p:sp>
-        <p:nvSpPr>
-          <p:cNvPr id="7" name="Segnaposto numero diapositiva 6">
-            <a:extLst>
-              <a:ext uri="{FF2B5EF4-FFF2-40B4-BE49-F238E27FC236}">
-                <a16:creationId xmlns:a16="http://schemas.microsoft.com/office/drawing/2014/main" id="{AB740BE9-E218-4144-BFDE-AE473D230A3D}"/>
-              </a:ext>
-            </a:extLst>
-          </p:cNvPr>
-          <p:cNvSpPr>
-            <a:spLocks noGrp="1"/>
-          </p:cNvSpPr>
-          <p:nvPr>
-            <p:ph type="sldNum" sz="quarter" idx="12"/>
-          </p:nvPr>
-        </p:nvSpPr>
-        <p:spPr/>
-        <p:txBody>
-          <a:bodyPr/>
-          <a:lstStyle/>
-          <a:p>
-            <a:pPr>
-              <a:defRPr/>
-            </a:pPr>
-            <a:fld id="{48B4153A-D4C5-4CEF-8992-0D8815C829E3}" type="slidenum">
-              <a:rPr lang="en-US" smtClean="0"/>
-              <a:pPr>
-                <a:defRPr/>
-              </a:pPr>
-              <a:t>2</a:t>
-            </a:fld>
-            <a:endParaRPr lang="en-US" dirty="0"/>
-          </a:p>
-        </p:txBody>
-      </p:sp>
-      <p:sp>
-        <p:nvSpPr>
-          <p:cNvPr id="5" name="Titolo 4">
-            <a:extLst>
-              <a:ext uri="{FF2B5EF4-FFF2-40B4-BE49-F238E27FC236}">
-                <a16:creationId xmlns:a16="http://schemas.microsoft.com/office/drawing/2014/main" id="{82C46BA2-B380-4357-B125-BA9F08A643F5}"/>
-              </a:ext>
-            </a:extLst>
-          </p:cNvPr>
-          <p:cNvSpPr>
-            <a:spLocks noGrp="1"/>
-          </p:cNvSpPr>
-          <p:nvPr>
-            <p:ph type="title"/>
-          </p:nvPr>
-        </p:nvSpPr>
-        <p:spPr>
-          <a:xfrm>
-            <a:off x="468895" y="503475"/>
-            <a:ext cx="11269308" cy="384721"/>
-          </a:xfrm>
-        </p:spPr>
-        <p:txBody>
-          <a:bodyPr/>
-          <a:lstStyle/>
-          <a:p>
-            <a:r>
-              <a:rPr lang="it-IT" altLang="it-IT" dirty="0"/>
-              <a:t>Campo di analisi della statistica</a:t>
-            </a:r>
-            <a:endParaRPr lang="it-IT" dirty="0"/>
-          </a:p>
-        </p:txBody>
-      </p:sp>
-      <p:pic>
-        <p:nvPicPr>
-          <p:cNvPr id="6" name="Immagine 5">
-            <a:extLst>
-              <a:ext uri="{FF2B5EF4-FFF2-40B4-BE49-F238E27FC236}">
-                <a16:creationId xmlns:a16="http://schemas.microsoft.com/office/drawing/2014/main" id="{D87F81CC-5CF8-9286-76BF-B13E4F96ED9E}"/>
-              </a:ext>
-            </a:extLst>
-          </p:cNvPr>
-          <p:cNvPicPr>
-            <a:picLocks noChangeAspect="1"/>
-          </p:cNvPicPr>
-          <p:nvPr/>
-        </p:nvPicPr>
-        <p:blipFill>
-          <a:blip r:embed="rId3"/>
-          <a:stretch>
-            <a:fillRect/>
-          </a:stretch>
-        </p:blipFill>
-        <p:spPr>
-          <a:xfrm>
-            <a:off x="8171734" y="1913187"/>
-            <a:ext cx="3460197" cy="3460197"/>
-          </a:xfrm>
-          <a:prstGeom prst="rect">
-            <a:avLst/>
-          </a:prstGeom>
-        </p:spPr>
-      </p:pic>
-    </p:spTree>
-    <p:extLst>
-      <p:ext uri="{BB962C8B-B14F-4D97-AF65-F5344CB8AC3E}">
-        <p14:creationId xmlns:p14="http://schemas.microsoft.com/office/powerpoint/2010/main" val="140204630"/>
-      </p:ext>
-    </p:extLst>
-  </p:cSld>
-  <p:clrMapOvr>
-    <a:overrideClrMapping bg1="lt1" tx1="dk1" bg2="lt2" tx2="dk2" accent1="accent1" accent2="accent2" accent3="accent3" accent4="accent4" accent5="accent5" accent6="accent6" hlink="hlink" folHlink="folHlink"/>
-  </p:clrMapOvr>
-</p:sld>
-</file>
-
-<file path=ppt/slides/slide20.xml><?xml version="1.0" encoding="utf-8"?>
+<file path=ppt/slides/slide28.xml><?xml version="1.0" encoding="utf-8"?>
 <p:sld xmlns:a="http://schemas.openxmlformats.org/drawingml/2006/main" xmlns:r="http://schemas.openxmlformats.org/officeDocument/2006/relationships" xmlns:p="http://schemas.openxmlformats.org/presentationml/2006/main">
   <p:cSld>
     <p:spTree>
@@ -13517,7 +16309,7 @@
               <a:pPr>
                 <a:defRPr/>
               </a:pPr>
-              <a:t>20</a:t>
+              <a:t>28</a:t>
             </a:fld>
             <a:endParaRPr lang="en-US" dirty="0"/>
           </a:p>
@@ -13600,7 +16392,7 @@
 </p:sld>
 </file>
 
-<file path=ppt/slides/slide21.xml><?xml version="1.0" encoding="utf-8"?>
+<file path=ppt/slides/slide29.xml><?xml version="1.0" encoding="utf-8"?>
 <p:sld xmlns:a="http://schemas.openxmlformats.org/drawingml/2006/main" xmlns:r="http://schemas.openxmlformats.org/officeDocument/2006/relationships" xmlns:p="http://schemas.openxmlformats.org/presentationml/2006/main">
   <p:cSld>
     <p:spTree>
@@ -14235,7 +17027,7 @@
               <a:pPr>
                 <a:defRPr/>
               </a:pPr>
-              <a:t>21</a:t>
+              <a:t>29</a:t>
             </a:fld>
             <a:endParaRPr lang="en-US" dirty="0"/>
           </a:p>
@@ -14318,7 +17110,373 @@
 </p:sld>
 </file>
 
-<file path=ppt/slides/slide22.xml><?xml version="1.0" encoding="utf-8"?>
+<file path=ppt/slides/slide3.xml><?xml version="1.0" encoding="utf-8"?>
+<p:sld xmlns:a="http://schemas.openxmlformats.org/drawingml/2006/main" xmlns:r="http://schemas.openxmlformats.org/officeDocument/2006/relationships" xmlns:p="http://schemas.openxmlformats.org/presentationml/2006/main">
+  <p:cSld>
+    <p:spTree>
+      <p:nvGrpSpPr>
+        <p:cNvPr id="1" name=""/>
+        <p:cNvGrpSpPr/>
+        <p:nvPr/>
+      </p:nvGrpSpPr>
+      <p:grpSpPr>
+        <a:xfrm>
+          <a:off x="0" y="0"/>
+          <a:ext cx="0" cy="0"/>
+          <a:chOff x="0" y="0"/>
+          <a:chExt cx="0" cy="0"/>
+        </a:xfrm>
+      </p:grpSpPr>
+      <p:sp>
+        <p:nvSpPr>
+          <p:cNvPr id="2" name="Segnaposto testo 1">
+            <a:extLst>
+              <a:ext uri="{FF2B5EF4-FFF2-40B4-BE49-F238E27FC236}">
+                <a16:creationId xmlns:a16="http://schemas.microsoft.com/office/drawing/2014/main" id="{E5AE986C-196F-4141-A898-FA4C4198CDCC}"/>
+              </a:ext>
+            </a:extLst>
+          </p:cNvPr>
+          <p:cNvSpPr>
+            <a:spLocks noGrp="1"/>
+          </p:cNvSpPr>
+          <p:nvPr>
+            <p:ph type="body" idx="1"/>
+          </p:nvPr>
+        </p:nvSpPr>
+        <p:spPr>
+          <a:xfrm>
+            <a:off x="4825217" y="1213806"/>
+            <a:ext cx="7019779" cy="4392612"/>
+          </a:xfrm>
+        </p:spPr>
+        <p:txBody>
+          <a:bodyPr/>
+          <a:lstStyle/>
+          <a:p>
+            <a:pPr marL="342900" indent="-342900">
+              <a:buFont typeface="Wingdings" panose="05000000000000000000" pitchFamily="2" charset="2"/>
+              <a:buChar char="ü"/>
+            </a:pPr>
+            <a:r>
+              <a:rPr lang="it-IT" sz="2400" dirty="0">
+                <a:solidFill>
+                  <a:schemeClr val="tx1"/>
+                </a:solidFill>
+                <a:latin typeface="Tahoma" panose="020B0604030504040204" pitchFamily="34" charset="0"/>
+                <a:ea typeface="Tahoma" panose="020B0604030504040204" pitchFamily="34" charset="0"/>
+                <a:cs typeface="Tahoma" panose="020B0604030504040204" pitchFamily="34" charset="0"/>
+              </a:rPr>
+              <a:t>La </a:t>
+            </a:r>
+            <a:r>
+              <a:rPr lang="it-IT" sz="2400" b="1" dirty="0">
+                <a:solidFill>
+                  <a:schemeClr val="tx1"/>
+                </a:solidFill>
+                <a:latin typeface="Tahoma" panose="020B0604030504040204" pitchFamily="34" charset="0"/>
+                <a:ea typeface="Tahoma" panose="020B0604030504040204" pitchFamily="34" charset="0"/>
+                <a:cs typeface="Tahoma" panose="020B0604030504040204" pitchFamily="34" charset="0"/>
+              </a:rPr>
+              <a:t>Statistica</a:t>
+            </a:r>
+            <a:r>
+              <a:rPr lang="it-IT" sz="2400" dirty="0">
+                <a:solidFill>
+                  <a:schemeClr val="tx1"/>
+                </a:solidFill>
+                <a:latin typeface="Tahoma" panose="020B0604030504040204" pitchFamily="34" charset="0"/>
+                <a:ea typeface="Tahoma" panose="020B0604030504040204" pitchFamily="34" charset="0"/>
+                <a:cs typeface="Tahoma" panose="020B0604030504040204" pitchFamily="34" charset="0"/>
+              </a:rPr>
+              <a:t> </a:t>
+            </a:r>
+            <a:r>
+              <a:rPr lang="it-IT" sz="2400" b="1" dirty="0">
+                <a:solidFill>
+                  <a:schemeClr val="tx1"/>
+                </a:solidFill>
+                <a:latin typeface="Tahoma" panose="020B0604030504040204" pitchFamily="34" charset="0"/>
+                <a:ea typeface="Tahoma" panose="020B0604030504040204" pitchFamily="34" charset="0"/>
+                <a:cs typeface="Tahoma" panose="020B0604030504040204" pitchFamily="34" charset="0"/>
+              </a:rPr>
+              <a:t>Descrittiva</a:t>
+            </a:r>
+            <a:r>
+              <a:rPr lang="it-IT" sz="2400" dirty="0">
+                <a:solidFill>
+                  <a:schemeClr val="tx1"/>
+                </a:solidFill>
+                <a:latin typeface="Tahoma" panose="020B0604030504040204" pitchFamily="34" charset="0"/>
+                <a:ea typeface="Tahoma" panose="020B0604030504040204" pitchFamily="34" charset="0"/>
+                <a:cs typeface="Tahoma" panose="020B0604030504040204" pitchFamily="34" charset="0"/>
+              </a:rPr>
+              <a:t> rappresenta le caratteristiche di un fenomeno collettivo attraverso strumenti statistici quali strumenti grafici o numerici che effettuano una sintesi (sintetizzano) di masse di dati grezzi chiamati </a:t>
+            </a:r>
+            <a:r>
+              <a:rPr lang="it-IT" sz="2400" dirty="0" err="1">
+                <a:solidFill>
+                  <a:schemeClr val="tx1"/>
+                </a:solidFill>
+                <a:latin typeface="Tahoma" panose="020B0604030504040204" pitchFamily="34" charset="0"/>
+                <a:ea typeface="Tahoma" panose="020B0604030504040204" pitchFamily="34" charset="0"/>
+                <a:cs typeface="Tahoma" panose="020B0604030504040204" pitchFamily="34" charset="0"/>
+              </a:rPr>
+              <a:t>microdati</a:t>
+            </a:r>
+            <a:r>
+              <a:rPr lang="it-IT" sz="2400" dirty="0">
+                <a:solidFill>
+                  <a:schemeClr val="tx1"/>
+                </a:solidFill>
+                <a:latin typeface="Tahoma" panose="020B0604030504040204" pitchFamily="34" charset="0"/>
+                <a:ea typeface="Tahoma" panose="020B0604030504040204" pitchFamily="34" charset="0"/>
+                <a:cs typeface="Tahoma" panose="020B0604030504040204" pitchFamily="34" charset="0"/>
+              </a:rPr>
+              <a:t> (come quelli derivanti dallo studio di un’intera popolazione) senza alterarne il significato complessivo. </a:t>
+            </a:r>
+          </a:p>
+          <a:p>
+            <a:pPr marL="342900" indent="-342900">
+              <a:buFont typeface="Wingdings" panose="05000000000000000000" pitchFamily="2" charset="2"/>
+              <a:buChar char="ü"/>
+            </a:pPr>
+            <a:r>
+              <a:rPr lang="it-IT" sz="2400" dirty="0">
+                <a:solidFill>
+                  <a:schemeClr val="tx1"/>
+                </a:solidFill>
+                <a:latin typeface="Tahoma" panose="020B0604030504040204" pitchFamily="34" charset="0"/>
+                <a:ea typeface="Tahoma" panose="020B0604030504040204" pitchFamily="34" charset="0"/>
+                <a:cs typeface="Tahoma" panose="020B0604030504040204" pitchFamily="34" charset="0"/>
+              </a:rPr>
+              <a:t>La </a:t>
+            </a:r>
+            <a:r>
+              <a:rPr lang="it-IT" sz="2400" b="1" dirty="0">
+                <a:solidFill>
+                  <a:schemeClr val="tx1"/>
+                </a:solidFill>
+                <a:latin typeface="Tahoma" panose="020B0604030504040204" pitchFamily="34" charset="0"/>
+                <a:ea typeface="Tahoma" panose="020B0604030504040204" pitchFamily="34" charset="0"/>
+                <a:cs typeface="Tahoma" panose="020B0604030504040204" pitchFamily="34" charset="0"/>
+              </a:rPr>
+              <a:t>Statistica</a:t>
+            </a:r>
+            <a:r>
+              <a:rPr lang="it-IT" sz="2400" dirty="0">
+                <a:solidFill>
+                  <a:schemeClr val="tx1"/>
+                </a:solidFill>
+                <a:latin typeface="Tahoma" panose="020B0604030504040204" pitchFamily="34" charset="0"/>
+                <a:ea typeface="Tahoma" panose="020B0604030504040204" pitchFamily="34" charset="0"/>
+                <a:cs typeface="Tahoma" panose="020B0604030504040204" pitchFamily="34" charset="0"/>
+              </a:rPr>
+              <a:t> </a:t>
+            </a:r>
+            <a:r>
+              <a:rPr lang="it-IT" sz="2400" b="1" dirty="0">
+                <a:solidFill>
+                  <a:schemeClr val="tx1"/>
+                </a:solidFill>
+                <a:latin typeface="Tahoma" panose="020B0604030504040204" pitchFamily="34" charset="0"/>
+                <a:ea typeface="Tahoma" panose="020B0604030504040204" pitchFamily="34" charset="0"/>
+                <a:cs typeface="Tahoma" panose="020B0604030504040204" pitchFamily="34" charset="0"/>
+              </a:rPr>
+              <a:t>Inferenziale</a:t>
+            </a:r>
+            <a:r>
+              <a:rPr lang="it-IT" sz="2400" dirty="0">
+                <a:solidFill>
+                  <a:schemeClr val="tx1"/>
+                </a:solidFill>
+                <a:latin typeface="Tahoma" panose="020B0604030504040204" pitchFamily="34" charset="0"/>
+                <a:ea typeface="Tahoma" panose="020B0604030504040204" pitchFamily="34" charset="0"/>
+                <a:cs typeface="Tahoma" panose="020B0604030504040204" pitchFamily="34" charset="0"/>
+              </a:rPr>
+              <a:t> partendo dall’osservazione di un </a:t>
+            </a:r>
+            <a:r>
+              <a:rPr lang="it-IT" sz="2400" b="1" dirty="0">
+                <a:solidFill>
+                  <a:schemeClr val="tx1"/>
+                </a:solidFill>
+                <a:latin typeface="Tahoma" panose="020B0604030504040204" pitchFamily="34" charset="0"/>
+                <a:ea typeface="Tahoma" panose="020B0604030504040204" pitchFamily="34" charset="0"/>
+                <a:cs typeface="Tahoma" panose="020B0604030504040204" pitchFamily="34" charset="0"/>
+              </a:rPr>
+              <a:t>campione</a:t>
+            </a:r>
+            <a:r>
+              <a:rPr lang="it-IT" sz="2400" dirty="0">
+                <a:solidFill>
+                  <a:schemeClr val="tx1"/>
+                </a:solidFill>
+                <a:latin typeface="Tahoma" panose="020B0604030504040204" pitchFamily="34" charset="0"/>
+                <a:ea typeface="Tahoma" panose="020B0604030504040204" pitchFamily="34" charset="0"/>
+                <a:cs typeface="Tahoma" panose="020B0604030504040204" pitchFamily="34" charset="0"/>
+              </a:rPr>
+              <a:t> di individui rappresentativo di un gruppo o di una popolazione, permette, tramite </a:t>
+            </a:r>
+            <a:r>
+              <a:rPr lang="it-IT" sz="2400" b="1" dirty="0">
+                <a:solidFill>
+                  <a:schemeClr val="tx1"/>
+                </a:solidFill>
+                <a:latin typeface="Tahoma" panose="020B0604030504040204" pitchFamily="34" charset="0"/>
+                <a:ea typeface="Tahoma" panose="020B0604030504040204" pitchFamily="34" charset="0"/>
+                <a:cs typeface="Tahoma" panose="020B0604030504040204" pitchFamily="34" charset="0"/>
+              </a:rPr>
+              <a:t>induzione</a:t>
+            </a:r>
+            <a:r>
+              <a:rPr lang="it-IT" sz="2400" dirty="0">
+                <a:solidFill>
+                  <a:schemeClr val="tx1"/>
+                </a:solidFill>
+                <a:latin typeface="Tahoma" panose="020B0604030504040204" pitchFamily="34" charset="0"/>
+                <a:ea typeface="Tahoma" panose="020B0604030504040204" pitchFamily="34" charset="0"/>
+                <a:cs typeface="Tahoma" panose="020B0604030504040204" pitchFamily="34" charset="0"/>
+              </a:rPr>
+              <a:t> </a:t>
+            </a:r>
+            <a:r>
+              <a:rPr lang="it-IT" sz="2400" b="1" dirty="0">
+                <a:solidFill>
+                  <a:schemeClr val="tx1"/>
+                </a:solidFill>
+                <a:latin typeface="Tahoma" panose="020B0604030504040204" pitchFamily="34" charset="0"/>
+                <a:ea typeface="Tahoma" panose="020B0604030504040204" pitchFamily="34" charset="0"/>
+                <a:cs typeface="Tahoma" panose="020B0604030504040204" pitchFamily="34" charset="0"/>
+              </a:rPr>
+              <a:t>probabilistica</a:t>
+            </a:r>
+            <a:r>
+              <a:rPr lang="it-IT" sz="2400" dirty="0">
+                <a:solidFill>
+                  <a:schemeClr val="tx1"/>
+                </a:solidFill>
+                <a:latin typeface="Tahoma" panose="020B0604030504040204" pitchFamily="34" charset="0"/>
+                <a:ea typeface="Tahoma" panose="020B0604030504040204" pitchFamily="34" charset="0"/>
+                <a:cs typeface="Tahoma" panose="020B0604030504040204" pitchFamily="34" charset="0"/>
+              </a:rPr>
+              <a:t>, di trarre indicazioni valide per l’intero gruppo o popolazione.</a:t>
+            </a:r>
+          </a:p>
+        </p:txBody>
+      </p:sp>
+      <p:sp>
+        <p:nvSpPr>
+          <p:cNvPr id="7" name="Segnaposto numero diapositiva 6">
+            <a:extLst>
+              <a:ext uri="{FF2B5EF4-FFF2-40B4-BE49-F238E27FC236}">
+                <a16:creationId xmlns:a16="http://schemas.microsoft.com/office/drawing/2014/main" id="{AB740BE9-E218-4144-BFDE-AE473D230A3D}"/>
+              </a:ext>
+            </a:extLst>
+          </p:cNvPr>
+          <p:cNvSpPr>
+            <a:spLocks noGrp="1"/>
+          </p:cNvSpPr>
+          <p:nvPr>
+            <p:ph type="sldNum" sz="quarter" idx="12"/>
+          </p:nvPr>
+        </p:nvSpPr>
+        <p:spPr/>
+        <p:txBody>
+          <a:bodyPr/>
+          <a:lstStyle/>
+          <a:p>
+            <a:pPr>
+              <a:defRPr/>
+            </a:pPr>
+            <a:fld id="{48B4153A-D4C5-4CEF-8992-0D8815C829E3}" type="slidenum">
+              <a:rPr lang="en-US" smtClean="0"/>
+              <a:pPr>
+                <a:defRPr/>
+              </a:pPr>
+              <a:t>3</a:t>
+            </a:fld>
+            <a:endParaRPr lang="en-US" dirty="0"/>
+          </a:p>
+        </p:txBody>
+      </p:sp>
+      <p:sp>
+        <p:nvSpPr>
+          <p:cNvPr id="5" name="Titolo 4">
+            <a:extLst>
+              <a:ext uri="{FF2B5EF4-FFF2-40B4-BE49-F238E27FC236}">
+                <a16:creationId xmlns:a16="http://schemas.microsoft.com/office/drawing/2014/main" id="{82C46BA2-B380-4357-B125-BA9F08A643F5}"/>
+              </a:ext>
+            </a:extLst>
+          </p:cNvPr>
+          <p:cNvSpPr>
+            <a:spLocks noGrp="1"/>
+          </p:cNvSpPr>
+          <p:nvPr>
+            <p:ph type="title"/>
+          </p:nvPr>
+        </p:nvSpPr>
+        <p:spPr>
+          <a:xfrm>
+            <a:off x="468895" y="503475"/>
+            <a:ext cx="11269308" cy="384721"/>
+          </a:xfrm>
+        </p:spPr>
+        <p:txBody>
+          <a:bodyPr/>
+          <a:lstStyle/>
+          <a:p>
+            <a:r>
+              <a:rPr lang="it-IT" altLang="it-IT"/>
+              <a:t>Statistica Descrittiva e Statistica Inferenziale</a:t>
+            </a:r>
+            <a:endParaRPr lang="it-IT" dirty="0"/>
+          </a:p>
+        </p:txBody>
+      </p:sp>
+      <p:pic>
+        <p:nvPicPr>
+          <p:cNvPr id="4" name="Immagine 3">
+            <a:extLst>
+              <a:ext uri="{FF2B5EF4-FFF2-40B4-BE49-F238E27FC236}">
+                <a16:creationId xmlns:a16="http://schemas.microsoft.com/office/drawing/2014/main" id="{2609DA0F-AA31-3DDD-6680-83D21F6ED214}"/>
+              </a:ext>
+            </a:extLst>
+          </p:cNvPr>
+          <p:cNvPicPr>
+            <a:picLocks noChangeAspect="1"/>
+          </p:cNvPicPr>
+          <p:nvPr/>
+        </p:nvPicPr>
+        <p:blipFill>
+          <a:blip r:embed="rId2"/>
+          <a:stretch>
+            <a:fillRect/>
+          </a:stretch>
+        </p:blipFill>
+        <p:spPr>
+          <a:xfrm>
+            <a:off x="574293" y="2066925"/>
+            <a:ext cx="4250923" cy="2997444"/>
+          </a:xfrm>
+          <a:prstGeom prst="rect">
+            <a:avLst/>
+          </a:prstGeom>
+        </p:spPr>
+      </p:pic>
+    </p:spTree>
+    <p:extLst>
+      <p:ext uri="{BB962C8B-B14F-4D97-AF65-F5344CB8AC3E}">
+        <p14:creationId xmlns:p14="http://schemas.microsoft.com/office/powerpoint/2010/main" val="277461911"/>
+      </p:ext>
+    </p:extLst>
+  </p:cSld>
+  <p:clrMapOvr>
+    <a:masterClrMapping/>
+  </p:clrMapOvr>
+</p:sld>
+</file>
+
+<file path=ppt/slides/slide30.xml><?xml version="1.0" encoding="utf-8"?>
 <p:sld xmlns:a="http://schemas.openxmlformats.org/drawingml/2006/main" xmlns:r="http://schemas.openxmlformats.org/officeDocument/2006/relationships" xmlns:p="http://schemas.openxmlformats.org/presentationml/2006/main">
   <p:cSld>
     <p:spTree>
@@ -15895,7 +19053,7 @@
               <a:pPr>
                 <a:defRPr/>
               </a:pPr>
-              <a:t>22</a:t>
+              <a:t>30</a:t>
             </a:fld>
             <a:endParaRPr lang="en-US" dirty="0"/>
           </a:p>
@@ -15978,7 +19136,7 @@
 </p:sld>
 </file>
 
-<file path=ppt/slides/slide23.xml><?xml version="1.0" encoding="utf-8"?>
+<file path=ppt/slides/slide31.xml><?xml version="1.0" encoding="utf-8"?>
 <p:sld xmlns:a="http://schemas.openxmlformats.org/drawingml/2006/main" xmlns:r="http://schemas.openxmlformats.org/officeDocument/2006/relationships" xmlns:p="http://schemas.openxmlformats.org/presentationml/2006/main">
   <p:cSld>
     <p:spTree>
@@ -16837,7 +19995,7 @@
               <a:pPr>
                 <a:defRPr/>
               </a:pPr>
-              <a:t>23</a:t>
+              <a:t>31</a:t>
             </a:fld>
             <a:endParaRPr lang="en-US" dirty="0"/>
           </a:p>
@@ -16920,7 +20078,7 @@
 </p:sld>
 </file>
 
-<file path=ppt/slides/slide24.xml><?xml version="1.0" encoding="utf-8"?>
+<file path=ppt/slides/slide32.xml><?xml version="1.0" encoding="utf-8"?>
 <p:sld xmlns:a="http://schemas.openxmlformats.org/drawingml/2006/main" xmlns:r="http://schemas.openxmlformats.org/officeDocument/2006/relationships" xmlns:p="http://schemas.openxmlformats.org/presentationml/2006/main">
   <p:cSld>
     <p:spTree>
@@ -17560,7 +20718,7 @@
               <a:pPr>
                 <a:defRPr/>
               </a:pPr>
-              <a:t>24</a:t>
+              <a:t>32</a:t>
             </a:fld>
             <a:endParaRPr lang="en-US" dirty="0"/>
           </a:p>
@@ -17613,7 +20771,7 @@
 </p:sld>
 </file>
 
-<file path=ppt/slides/slide25.xml><?xml version="1.0" encoding="utf-8"?>
+<file path=ppt/slides/slide33.xml><?xml version="1.0" encoding="utf-8"?>
 <p:sld xmlns:a="http://schemas.openxmlformats.org/drawingml/2006/main" xmlns:r="http://schemas.openxmlformats.org/officeDocument/2006/relationships" xmlns:p="http://schemas.openxmlformats.org/presentationml/2006/main">
   <p:cSld>
     <p:spTree>
@@ -18096,7 +21254,7 @@
               <a:pPr>
                 <a:defRPr/>
               </a:pPr>
-              <a:t>25</a:t>
+              <a:t>33</a:t>
             </a:fld>
             <a:endParaRPr lang="en-US" dirty="0"/>
           </a:p>
@@ -18149,7 +21307,7 @@
 </p:sld>
 </file>
 
-<file path=ppt/slides/slide26.xml><?xml version="1.0" encoding="utf-8"?>
+<file path=ppt/slides/slide34.xml><?xml version="1.0" encoding="utf-8"?>
 <p:sld xmlns:a="http://schemas.openxmlformats.org/drawingml/2006/main" xmlns:r="http://schemas.openxmlformats.org/officeDocument/2006/relationships" xmlns:p="http://schemas.openxmlformats.org/presentationml/2006/main">
   <p:cSld>
     <p:spTree>
@@ -18300,7 +21458,7 @@
               <a:pPr>
                 <a:defRPr/>
               </a:pPr>
-              <a:t>26</a:t>
+              <a:t>34</a:t>
             </a:fld>
             <a:endParaRPr lang="en-US" dirty="0"/>
           </a:p>
@@ -18383,7 +21541,7 @@
 </p:sld>
 </file>
 
-<file path=ppt/slides/slide27.xml><?xml version="1.0" encoding="utf-8"?>
+<file path=ppt/slides/slide35.xml><?xml version="1.0" encoding="utf-8"?>
 <p:sld xmlns:a="http://schemas.openxmlformats.org/drawingml/2006/main" xmlns:r="http://schemas.openxmlformats.org/officeDocument/2006/relationships" xmlns:p="http://schemas.openxmlformats.org/presentationml/2006/main">
   <p:cSld>
     <p:spTree>
@@ -18798,7 +21956,7 @@
               <a:pPr>
                 <a:defRPr/>
               </a:pPr>
-              <a:t>27</a:t>
+              <a:t>35</a:t>
             </a:fld>
             <a:endParaRPr lang="en-US" dirty="0"/>
           </a:p>
@@ -18911,7 +22069,7 @@
 </p:sld>
 </file>
 
-<file path=ppt/slides/slide28.xml><?xml version="1.0" encoding="utf-8"?>
+<file path=ppt/slides/slide36.xml><?xml version="1.0" encoding="utf-8"?>
 <p:sld xmlns:a="http://schemas.openxmlformats.org/drawingml/2006/main" xmlns:r="http://schemas.openxmlformats.org/officeDocument/2006/relationships" xmlns:p="http://schemas.openxmlformats.org/presentationml/2006/main">
   <p:cSld>
     <p:spTree>
@@ -19600,7 +22758,7 @@
               <a:pPr>
                 <a:defRPr/>
               </a:pPr>
-              <a:t>28</a:t>
+              <a:t>36</a:t>
             </a:fld>
             <a:endParaRPr lang="en-US" dirty="0"/>
           </a:p>
@@ -19653,7 +22811,7 @@
 </p:sld>
 </file>
 
-<file path=ppt/slides/slide29.xml><?xml version="1.0" encoding="utf-8"?>
+<file path=ppt/slides/slide37.xml><?xml version="1.0" encoding="utf-8"?>
 <p:sld xmlns:a="http://schemas.openxmlformats.org/drawingml/2006/main" xmlns:r="http://schemas.openxmlformats.org/officeDocument/2006/relationships" xmlns:p="http://schemas.openxmlformats.org/presentationml/2006/main">
   <p:cSld>
     <p:spTree>
@@ -19699,7 +22857,7 @@
               <a:pPr>
                 <a:defRPr/>
               </a:pPr>
-              <a:t>29</a:t>
+              <a:t>37</a:t>
             </a:fld>
             <a:endParaRPr lang="en-US" dirty="0"/>
           </a:p>
@@ -19768,372 +22926,6 @@
     <p:extLst>
       <p:ext uri="{BB962C8B-B14F-4D97-AF65-F5344CB8AC3E}">
         <p14:creationId xmlns:p14="http://schemas.microsoft.com/office/powerpoint/2010/main" val="3490964097"/>
-      </p:ext>
-    </p:extLst>
-  </p:cSld>
-  <p:clrMapOvr>
-    <a:masterClrMapping/>
-  </p:clrMapOvr>
-</p:sld>
-</file>
-
-<file path=ppt/slides/slide3.xml><?xml version="1.0" encoding="utf-8"?>
-<p:sld xmlns:a="http://schemas.openxmlformats.org/drawingml/2006/main" xmlns:r="http://schemas.openxmlformats.org/officeDocument/2006/relationships" xmlns:p="http://schemas.openxmlformats.org/presentationml/2006/main">
-  <p:cSld>
-    <p:spTree>
-      <p:nvGrpSpPr>
-        <p:cNvPr id="1" name=""/>
-        <p:cNvGrpSpPr/>
-        <p:nvPr/>
-      </p:nvGrpSpPr>
-      <p:grpSpPr>
-        <a:xfrm>
-          <a:off x="0" y="0"/>
-          <a:ext cx="0" cy="0"/>
-          <a:chOff x="0" y="0"/>
-          <a:chExt cx="0" cy="0"/>
-        </a:xfrm>
-      </p:grpSpPr>
-      <p:sp>
-        <p:nvSpPr>
-          <p:cNvPr id="2" name="Segnaposto testo 1">
-            <a:extLst>
-              <a:ext uri="{FF2B5EF4-FFF2-40B4-BE49-F238E27FC236}">
-                <a16:creationId xmlns:a16="http://schemas.microsoft.com/office/drawing/2014/main" id="{E5AE986C-196F-4141-A898-FA4C4198CDCC}"/>
-              </a:ext>
-            </a:extLst>
-          </p:cNvPr>
-          <p:cNvSpPr>
-            <a:spLocks noGrp="1"/>
-          </p:cNvSpPr>
-          <p:nvPr>
-            <p:ph type="body" idx="1"/>
-          </p:nvPr>
-        </p:nvSpPr>
-        <p:spPr>
-          <a:xfrm>
-            <a:off x="4825217" y="1213806"/>
-            <a:ext cx="7019779" cy="4392612"/>
-          </a:xfrm>
-        </p:spPr>
-        <p:txBody>
-          <a:bodyPr/>
-          <a:lstStyle/>
-          <a:p>
-            <a:pPr marL="342900" indent="-342900">
-              <a:buFont typeface="Wingdings" panose="05000000000000000000" pitchFamily="2" charset="2"/>
-              <a:buChar char="ü"/>
-            </a:pPr>
-            <a:r>
-              <a:rPr lang="it-IT" sz="2400" dirty="0">
-                <a:solidFill>
-                  <a:schemeClr val="tx1"/>
-                </a:solidFill>
-                <a:latin typeface="Tahoma" panose="020B0604030504040204" pitchFamily="34" charset="0"/>
-                <a:ea typeface="Tahoma" panose="020B0604030504040204" pitchFamily="34" charset="0"/>
-                <a:cs typeface="Tahoma" panose="020B0604030504040204" pitchFamily="34" charset="0"/>
-              </a:rPr>
-              <a:t>La </a:t>
-            </a:r>
-            <a:r>
-              <a:rPr lang="it-IT" sz="2400" b="1" dirty="0">
-                <a:solidFill>
-                  <a:schemeClr val="tx1"/>
-                </a:solidFill>
-                <a:latin typeface="Tahoma" panose="020B0604030504040204" pitchFamily="34" charset="0"/>
-                <a:ea typeface="Tahoma" panose="020B0604030504040204" pitchFamily="34" charset="0"/>
-                <a:cs typeface="Tahoma" panose="020B0604030504040204" pitchFamily="34" charset="0"/>
-              </a:rPr>
-              <a:t>Statistica</a:t>
-            </a:r>
-            <a:r>
-              <a:rPr lang="it-IT" sz="2400" dirty="0">
-                <a:solidFill>
-                  <a:schemeClr val="tx1"/>
-                </a:solidFill>
-                <a:latin typeface="Tahoma" panose="020B0604030504040204" pitchFamily="34" charset="0"/>
-                <a:ea typeface="Tahoma" panose="020B0604030504040204" pitchFamily="34" charset="0"/>
-                <a:cs typeface="Tahoma" panose="020B0604030504040204" pitchFamily="34" charset="0"/>
-              </a:rPr>
-              <a:t> </a:t>
-            </a:r>
-            <a:r>
-              <a:rPr lang="it-IT" sz="2400" b="1" dirty="0">
-                <a:solidFill>
-                  <a:schemeClr val="tx1"/>
-                </a:solidFill>
-                <a:latin typeface="Tahoma" panose="020B0604030504040204" pitchFamily="34" charset="0"/>
-                <a:ea typeface="Tahoma" panose="020B0604030504040204" pitchFamily="34" charset="0"/>
-                <a:cs typeface="Tahoma" panose="020B0604030504040204" pitchFamily="34" charset="0"/>
-              </a:rPr>
-              <a:t>Descrittiva</a:t>
-            </a:r>
-            <a:r>
-              <a:rPr lang="it-IT" sz="2400" dirty="0">
-                <a:solidFill>
-                  <a:schemeClr val="tx1"/>
-                </a:solidFill>
-                <a:latin typeface="Tahoma" panose="020B0604030504040204" pitchFamily="34" charset="0"/>
-                <a:ea typeface="Tahoma" panose="020B0604030504040204" pitchFamily="34" charset="0"/>
-                <a:cs typeface="Tahoma" panose="020B0604030504040204" pitchFamily="34" charset="0"/>
-              </a:rPr>
-              <a:t> rappresenta le caratteristiche di un fenomeno collettivo attraverso strumenti statistici quali strumenti grafici o numerici che effettuano una sintesi (sintetizzano) di masse di dati grezzi chiamati </a:t>
-            </a:r>
-            <a:r>
-              <a:rPr lang="it-IT" sz="2400" dirty="0" err="1">
-                <a:solidFill>
-                  <a:schemeClr val="tx1"/>
-                </a:solidFill>
-                <a:latin typeface="Tahoma" panose="020B0604030504040204" pitchFamily="34" charset="0"/>
-                <a:ea typeface="Tahoma" panose="020B0604030504040204" pitchFamily="34" charset="0"/>
-                <a:cs typeface="Tahoma" panose="020B0604030504040204" pitchFamily="34" charset="0"/>
-              </a:rPr>
-              <a:t>microdati</a:t>
-            </a:r>
-            <a:r>
-              <a:rPr lang="it-IT" sz="2400" dirty="0">
-                <a:solidFill>
-                  <a:schemeClr val="tx1"/>
-                </a:solidFill>
-                <a:latin typeface="Tahoma" panose="020B0604030504040204" pitchFamily="34" charset="0"/>
-                <a:ea typeface="Tahoma" panose="020B0604030504040204" pitchFamily="34" charset="0"/>
-                <a:cs typeface="Tahoma" panose="020B0604030504040204" pitchFamily="34" charset="0"/>
-              </a:rPr>
-              <a:t> (come quelli derivanti dallo studio di un’intera popolazione) senza alterarne il significato complessivo. </a:t>
-            </a:r>
-          </a:p>
-          <a:p>
-            <a:pPr marL="342900" indent="-342900">
-              <a:buFont typeface="Wingdings" panose="05000000000000000000" pitchFamily="2" charset="2"/>
-              <a:buChar char="ü"/>
-            </a:pPr>
-            <a:r>
-              <a:rPr lang="it-IT" sz="2400" dirty="0">
-                <a:solidFill>
-                  <a:schemeClr val="tx1"/>
-                </a:solidFill>
-                <a:latin typeface="Tahoma" panose="020B0604030504040204" pitchFamily="34" charset="0"/>
-                <a:ea typeface="Tahoma" panose="020B0604030504040204" pitchFamily="34" charset="0"/>
-                <a:cs typeface="Tahoma" panose="020B0604030504040204" pitchFamily="34" charset="0"/>
-              </a:rPr>
-              <a:t>La </a:t>
-            </a:r>
-            <a:r>
-              <a:rPr lang="it-IT" sz="2400" b="1" dirty="0">
-                <a:solidFill>
-                  <a:schemeClr val="tx1"/>
-                </a:solidFill>
-                <a:latin typeface="Tahoma" panose="020B0604030504040204" pitchFamily="34" charset="0"/>
-                <a:ea typeface="Tahoma" panose="020B0604030504040204" pitchFamily="34" charset="0"/>
-                <a:cs typeface="Tahoma" panose="020B0604030504040204" pitchFamily="34" charset="0"/>
-              </a:rPr>
-              <a:t>Statistica</a:t>
-            </a:r>
-            <a:r>
-              <a:rPr lang="it-IT" sz="2400" dirty="0">
-                <a:solidFill>
-                  <a:schemeClr val="tx1"/>
-                </a:solidFill>
-                <a:latin typeface="Tahoma" panose="020B0604030504040204" pitchFamily="34" charset="0"/>
-                <a:ea typeface="Tahoma" panose="020B0604030504040204" pitchFamily="34" charset="0"/>
-                <a:cs typeface="Tahoma" panose="020B0604030504040204" pitchFamily="34" charset="0"/>
-              </a:rPr>
-              <a:t> </a:t>
-            </a:r>
-            <a:r>
-              <a:rPr lang="it-IT" sz="2400" b="1" dirty="0">
-                <a:solidFill>
-                  <a:schemeClr val="tx1"/>
-                </a:solidFill>
-                <a:latin typeface="Tahoma" panose="020B0604030504040204" pitchFamily="34" charset="0"/>
-                <a:ea typeface="Tahoma" panose="020B0604030504040204" pitchFamily="34" charset="0"/>
-                <a:cs typeface="Tahoma" panose="020B0604030504040204" pitchFamily="34" charset="0"/>
-              </a:rPr>
-              <a:t>Inferenziale</a:t>
-            </a:r>
-            <a:r>
-              <a:rPr lang="it-IT" sz="2400" dirty="0">
-                <a:solidFill>
-                  <a:schemeClr val="tx1"/>
-                </a:solidFill>
-                <a:latin typeface="Tahoma" panose="020B0604030504040204" pitchFamily="34" charset="0"/>
-                <a:ea typeface="Tahoma" panose="020B0604030504040204" pitchFamily="34" charset="0"/>
-                <a:cs typeface="Tahoma" panose="020B0604030504040204" pitchFamily="34" charset="0"/>
-              </a:rPr>
-              <a:t> partendo dall’osservazione di un </a:t>
-            </a:r>
-            <a:r>
-              <a:rPr lang="it-IT" sz="2400" b="1" dirty="0">
-                <a:solidFill>
-                  <a:schemeClr val="tx1"/>
-                </a:solidFill>
-                <a:latin typeface="Tahoma" panose="020B0604030504040204" pitchFamily="34" charset="0"/>
-                <a:ea typeface="Tahoma" panose="020B0604030504040204" pitchFamily="34" charset="0"/>
-                <a:cs typeface="Tahoma" panose="020B0604030504040204" pitchFamily="34" charset="0"/>
-              </a:rPr>
-              <a:t>campione</a:t>
-            </a:r>
-            <a:r>
-              <a:rPr lang="it-IT" sz="2400" dirty="0">
-                <a:solidFill>
-                  <a:schemeClr val="tx1"/>
-                </a:solidFill>
-                <a:latin typeface="Tahoma" panose="020B0604030504040204" pitchFamily="34" charset="0"/>
-                <a:ea typeface="Tahoma" panose="020B0604030504040204" pitchFamily="34" charset="0"/>
-                <a:cs typeface="Tahoma" panose="020B0604030504040204" pitchFamily="34" charset="0"/>
-              </a:rPr>
-              <a:t> di individui rappresentativo di un gruppo o di una popolazione, permette, tramite </a:t>
-            </a:r>
-            <a:r>
-              <a:rPr lang="it-IT" sz="2400" b="1" dirty="0">
-                <a:solidFill>
-                  <a:schemeClr val="tx1"/>
-                </a:solidFill>
-                <a:latin typeface="Tahoma" panose="020B0604030504040204" pitchFamily="34" charset="0"/>
-                <a:ea typeface="Tahoma" panose="020B0604030504040204" pitchFamily="34" charset="0"/>
-                <a:cs typeface="Tahoma" panose="020B0604030504040204" pitchFamily="34" charset="0"/>
-              </a:rPr>
-              <a:t>induzione</a:t>
-            </a:r>
-            <a:r>
-              <a:rPr lang="it-IT" sz="2400" dirty="0">
-                <a:solidFill>
-                  <a:schemeClr val="tx1"/>
-                </a:solidFill>
-                <a:latin typeface="Tahoma" panose="020B0604030504040204" pitchFamily="34" charset="0"/>
-                <a:ea typeface="Tahoma" panose="020B0604030504040204" pitchFamily="34" charset="0"/>
-                <a:cs typeface="Tahoma" panose="020B0604030504040204" pitchFamily="34" charset="0"/>
-              </a:rPr>
-              <a:t> </a:t>
-            </a:r>
-            <a:r>
-              <a:rPr lang="it-IT" sz="2400" b="1" dirty="0">
-                <a:solidFill>
-                  <a:schemeClr val="tx1"/>
-                </a:solidFill>
-                <a:latin typeface="Tahoma" panose="020B0604030504040204" pitchFamily="34" charset="0"/>
-                <a:ea typeface="Tahoma" panose="020B0604030504040204" pitchFamily="34" charset="0"/>
-                <a:cs typeface="Tahoma" panose="020B0604030504040204" pitchFamily="34" charset="0"/>
-              </a:rPr>
-              <a:t>probabilistica</a:t>
-            </a:r>
-            <a:r>
-              <a:rPr lang="it-IT" sz="2400" dirty="0">
-                <a:solidFill>
-                  <a:schemeClr val="tx1"/>
-                </a:solidFill>
-                <a:latin typeface="Tahoma" panose="020B0604030504040204" pitchFamily="34" charset="0"/>
-                <a:ea typeface="Tahoma" panose="020B0604030504040204" pitchFamily="34" charset="0"/>
-                <a:cs typeface="Tahoma" panose="020B0604030504040204" pitchFamily="34" charset="0"/>
-              </a:rPr>
-              <a:t>, di trarre indicazioni valide per l’intero gruppo o popolazione.</a:t>
-            </a:r>
-          </a:p>
-        </p:txBody>
-      </p:sp>
-      <p:sp>
-        <p:nvSpPr>
-          <p:cNvPr id="7" name="Segnaposto numero diapositiva 6">
-            <a:extLst>
-              <a:ext uri="{FF2B5EF4-FFF2-40B4-BE49-F238E27FC236}">
-                <a16:creationId xmlns:a16="http://schemas.microsoft.com/office/drawing/2014/main" id="{AB740BE9-E218-4144-BFDE-AE473D230A3D}"/>
-              </a:ext>
-            </a:extLst>
-          </p:cNvPr>
-          <p:cNvSpPr>
-            <a:spLocks noGrp="1"/>
-          </p:cNvSpPr>
-          <p:nvPr>
-            <p:ph type="sldNum" sz="quarter" idx="12"/>
-          </p:nvPr>
-        </p:nvSpPr>
-        <p:spPr/>
-        <p:txBody>
-          <a:bodyPr/>
-          <a:lstStyle/>
-          <a:p>
-            <a:pPr>
-              <a:defRPr/>
-            </a:pPr>
-            <a:fld id="{48B4153A-D4C5-4CEF-8992-0D8815C829E3}" type="slidenum">
-              <a:rPr lang="en-US" smtClean="0"/>
-              <a:pPr>
-                <a:defRPr/>
-              </a:pPr>
-              <a:t>3</a:t>
-            </a:fld>
-            <a:endParaRPr lang="en-US" dirty="0"/>
-          </a:p>
-        </p:txBody>
-      </p:sp>
-      <p:sp>
-        <p:nvSpPr>
-          <p:cNvPr id="5" name="Titolo 4">
-            <a:extLst>
-              <a:ext uri="{FF2B5EF4-FFF2-40B4-BE49-F238E27FC236}">
-                <a16:creationId xmlns:a16="http://schemas.microsoft.com/office/drawing/2014/main" id="{82C46BA2-B380-4357-B125-BA9F08A643F5}"/>
-              </a:ext>
-            </a:extLst>
-          </p:cNvPr>
-          <p:cNvSpPr>
-            <a:spLocks noGrp="1"/>
-          </p:cNvSpPr>
-          <p:nvPr>
-            <p:ph type="title"/>
-          </p:nvPr>
-        </p:nvSpPr>
-        <p:spPr>
-          <a:xfrm>
-            <a:off x="468895" y="503475"/>
-            <a:ext cx="11269308" cy="384721"/>
-          </a:xfrm>
-        </p:spPr>
-        <p:txBody>
-          <a:bodyPr/>
-          <a:lstStyle/>
-          <a:p>
-            <a:r>
-              <a:rPr lang="it-IT" altLang="it-IT"/>
-              <a:t>Statistica Descrittiva e Statistica Inferenziale</a:t>
-            </a:r>
-            <a:endParaRPr lang="it-IT" dirty="0"/>
-          </a:p>
-        </p:txBody>
-      </p:sp>
-      <p:pic>
-        <p:nvPicPr>
-          <p:cNvPr id="4" name="Immagine 3">
-            <a:extLst>
-              <a:ext uri="{FF2B5EF4-FFF2-40B4-BE49-F238E27FC236}">
-                <a16:creationId xmlns:a16="http://schemas.microsoft.com/office/drawing/2014/main" id="{2609DA0F-AA31-3DDD-6680-83D21F6ED214}"/>
-              </a:ext>
-            </a:extLst>
-          </p:cNvPr>
-          <p:cNvPicPr>
-            <a:picLocks noChangeAspect="1"/>
-          </p:cNvPicPr>
-          <p:nvPr/>
-        </p:nvPicPr>
-        <p:blipFill>
-          <a:blip r:embed="rId2"/>
-          <a:stretch>
-            <a:fillRect/>
-          </a:stretch>
-        </p:blipFill>
-        <p:spPr>
-          <a:xfrm>
-            <a:off x="574293" y="2066925"/>
-            <a:ext cx="4250923" cy="2997444"/>
-          </a:xfrm>
-          <a:prstGeom prst="rect">
-            <a:avLst/>
-          </a:prstGeom>
-        </p:spPr>
-      </p:pic>
-    </p:spTree>
-    <p:extLst>
-      <p:ext uri="{BB962C8B-B14F-4D97-AF65-F5344CB8AC3E}">
-        <p14:creationId xmlns:p14="http://schemas.microsoft.com/office/powerpoint/2010/main" val="277461911"/>
       </p:ext>
     </p:extLst>
   </p:cSld>
@@ -22557,15 +25349,6 @@
 </file>
 
 <file path=customXml/item1.xml><?xml version="1.0" encoding="utf-8"?>
-<?mso-contentType ?>
-<FormTemplates xmlns="http://schemas.microsoft.com/sharepoint/v3/contenttype/forms">
-  <Display>DocumentLibraryForm</Display>
-  <Edit>DocumentLibraryForm</Edit>
-  <New>DocumentLibraryForm</New>
-</FormTemplates>
-</file>
-
-<file path=customXml/item2.xml><?xml version="1.0" encoding="utf-8"?>
 <p:properties xmlns:p="http://schemas.microsoft.com/office/2006/metadata/properties" xmlns:xsi="http://www.w3.org/2001/XMLSchema-instance" xmlns:pc="http://schemas.microsoft.com/office/infopath/2007/PartnerControls">
   <documentManagement>
     <SottoCategoria xmlns="679261c3-551f-4e86-913f-177e0e529669">-</SottoCategoria>
@@ -22579,7 +25362,66 @@
 </p:properties>
 </file>
 
+<file path=customXml/item2.xml><?xml version="1.0" encoding="utf-8"?>
+<?mso-contentType ?>
+<FormTemplates xmlns="http://schemas.microsoft.com/sharepoint/v3/contenttype/forms">
+  <Display>DocumentLibraryForm</Display>
+  <Edit>DocumentLibraryForm</Edit>
+  <New>DocumentLibraryForm</New>
+</FormTemplates>
+</file>
+
 <file path=customXml/item3.xml><?xml version="1.0" encoding="utf-8"?>
+<?mso-contentType ?>
+<spe:Receivers xmlns:spe="http://schemas.microsoft.com/sharepoint/events">
+  <Receiver>
+    <Name>Document ID Generator</Name>
+    <Synchronization>Synchronous</Synchronization>
+    <Type>10001</Type>
+    <SequenceNumber>1000</SequenceNumber>
+    <Url/>
+    <Assembly>Microsoft.Office.DocumentManagement, Version=15.0.0.0, Culture=neutral, PublicKeyToken=71e9bce111e9429c</Assembly>
+    <Class>Microsoft.Office.DocumentManagement.Internal.DocIdHandler</Class>
+    <Data/>
+    <Filter/>
+  </Receiver>
+  <Receiver>
+    <Name>Document ID Generator</Name>
+    <Synchronization>Synchronous</Synchronization>
+    <Type>10002</Type>
+    <SequenceNumber>1001</SequenceNumber>
+    <Url/>
+    <Assembly>Microsoft.Office.DocumentManagement, Version=15.0.0.0, Culture=neutral, PublicKeyToken=71e9bce111e9429c</Assembly>
+    <Class>Microsoft.Office.DocumentManagement.Internal.DocIdHandler</Class>
+    <Data/>
+    <Filter/>
+  </Receiver>
+  <Receiver>
+    <Name>Document ID Generator</Name>
+    <Synchronization>Synchronous</Synchronization>
+    <Type>10004</Type>
+    <SequenceNumber>1002</SequenceNumber>
+    <Url/>
+    <Assembly>Microsoft.Office.DocumentManagement, Version=15.0.0.0, Culture=neutral, PublicKeyToken=71e9bce111e9429c</Assembly>
+    <Class>Microsoft.Office.DocumentManagement.Internal.DocIdHandler</Class>
+    <Data/>
+    <Filter/>
+  </Receiver>
+  <Receiver>
+    <Name>Document ID Generator</Name>
+    <Synchronization>Synchronous</Synchronization>
+    <Type>10006</Type>
+    <SequenceNumber>1003</SequenceNumber>
+    <Url/>
+    <Assembly>Microsoft.Office.DocumentManagement, Version=15.0.0.0, Culture=neutral, PublicKeyToken=71e9bce111e9429c</Assembly>
+    <Class>Microsoft.Office.DocumentManagement.Internal.DocIdHandler</Class>
+    <Data/>
+    <Filter/>
+  </Receiver>
+</spe:Receivers>
+</file>
+
+<file path=customXml/item4.xml><?xml version="1.0" encoding="utf-8"?>
 <ct:contentTypeSchema xmlns:ct="http://schemas.microsoft.com/office/2006/metadata/contentType" xmlns:ma="http://schemas.microsoft.com/office/2006/metadata/properties/metaAttributes" ct:_="" ma:_="" ma:contentTypeName="Documento" ma:contentTypeID="0x010100661A2BE3120D674DA36C11D6006822D4" ma:contentTypeVersion="3" ma:contentTypeDescription="Creare un nuovo documento." ma:contentTypeScope="" ma:versionID="2ad8b07f9840a1ce9cd199d874146b74">
   <xsd:schema xmlns:xsd="http://www.w3.org/2001/XMLSchema" xmlns:xs="http://www.w3.org/2001/XMLSchema" xmlns:p="http://schemas.microsoft.com/office/2006/metadata/properties" xmlns:ns2="c58f2efd-82a8-4ecf-b395-8c25e928921d" xmlns:ns3="459159c4-d20a-4ff3-9b11-fbd127bd52e5" xmlns:ns4="679261c3-551f-4e86-913f-177e0e529669" targetNamespace="http://schemas.microsoft.com/office/2006/metadata/properties" ma:root="true" ma:fieldsID="fffb0e16fb90ffea59fef1085e90ecca" ns2:_="" ns3:_="" ns4:_="">
     <xsd:import namespace="c58f2efd-82a8-4ecf-b395-8c25e928921d"/>
@@ -22766,57 +25608,25 @@
 </ct:contentTypeSchema>
 </file>
 
-<file path=customXml/item4.xml><?xml version="1.0" encoding="utf-8"?>
-<?mso-contentType ?>
-<spe:Receivers xmlns:spe="http://schemas.microsoft.com/sharepoint/events">
-  <Receiver>
-    <Name>Document ID Generator</Name>
-    <Synchronization>Synchronous</Synchronization>
-    <Type>10001</Type>
-    <SequenceNumber>1000</SequenceNumber>
-    <Url/>
-    <Assembly>Microsoft.Office.DocumentManagement, Version=15.0.0.0, Culture=neutral, PublicKeyToken=71e9bce111e9429c</Assembly>
-    <Class>Microsoft.Office.DocumentManagement.Internal.DocIdHandler</Class>
-    <Data/>
-    <Filter/>
-  </Receiver>
-  <Receiver>
-    <Name>Document ID Generator</Name>
-    <Synchronization>Synchronous</Synchronization>
-    <Type>10002</Type>
-    <SequenceNumber>1001</SequenceNumber>
-    <Url/>
-    <Assembly>Microsoft.Office.DocumentManagement, Version=15.0.0.0, Culture=neutral, PublicKeyToken=71e9bce111e9429c</Assembly>
-    <Class>Microsoft.Office.DocumentManagement.Internal.DocIdHandler</Class>
-    <Data/>
-    <Filter/>
-  </Receiver>
-  <Receiver>
-    <Name>Document ID Generator</Name>
-    <Synchronization>Synchronous</Synchronization>
-    <Type>10004</Type>
-    <SequenceNumber>1002</SequenceNumber>
-    <Url/>
-    <Assembly>Microsoft.Office.DocumentManagement, Version=15.0.0.0, Culture=neutral, PublicKeyToken=71e9bce111e9429c</Assembly>
-    <Class>Microsoft.Office.DocumentManagement.Internal.DocIdHandler</Class>
-    <Data/>
-    <Filter/>
-  </Receiver>
-  <Receiver>
-    <Name>Document ID Generator</Name>
-    <Synchronization>Synchronous</Synchronization>
-    <Type>10006</Type>
-    <SequenceNumber>1003</SequenceNumber>
-    <Url/>
-    <Assembly>Microsoft.Office.DocumentManagement, Version=15.0.0.0, Culture=neutral, PublicKeyToken=71e9bce111e9429c</Assembly>
-    <Class>Microsoft.Office.DocumentManagement.Internal.DocIdHandler</Class>
-    <Data/>
-    <Filter/>
-  </Receiver>
-</spe:Receivers>
+<file path=customXml/itemProps1.xml><?xml version="1.0" encoding="utf-8"?>
+<ds:datastoreItem xmlns:ds="http://schemas.openxmlformats.org/officeDocument/2006/customXml" ds:itemID="{3EF378BC-F4D0-4510-B4EC-07B6EFE18CF8}">
+  <ds:schemaRefs>
+    <ds:schemaRef ds:uri="http://schemas.microsoft.com/office/2006/documentManagement/types"/>
+    <ds:schemaRef ds:uri="http://schemas.openxmlformats.org/package/2006/metadata/core-properties"/>
+    <ds:schemaRef ds:uri="459159c4-d20a-4ff3-9b11-fbd127bd52e5"/>
+    <ds:schemaRef ds:uri="c58f2efd-82a8-4ecf-b395-8c25e928921d"/>
+    <ds:schemaRef ds:uri="http://purl.org/dc/elements/1.1/"/>
+    <ds:schemaRef ds:uri="http://schemas.microsoft.com/office/2006/metadata/properties"/>
+    <ds:schemaRef ds:uri="http://purl.org/dc/terms/"/>
+    <ds:schemaRef ds:uri="http://schemas.microsoft.com/office/infopath/2007/PartnerControls"/>
+    <ds:schemaRef ds:uri="679261c3-551f-4e86-913f-177e0e529669"/>
+    <ds:schemaRef ds:uri="http://www.w3.org/XML/1998/namespace"/>
+    <ds:schemaRef ds:uri="http://purl.org/dc/dcmitype/"/>
+  </ds:schemaRefs>
+</ds:datastoreItem>
 </file>
 
-<file path=customXml/itemProps1.xml><?xml version="1.0" encoding="utf-8"?>
+<file path=customXml/itemProps2.xml><?xml version="1.0" encoding="utf-8"?>
 <ds:datastoreItem xmlns:ds="http://schemas.openxmlformats.org/officeDocument/2006/customXml" ds:itemID="{BD9C238D-4D5C-4783-820B-4854DCE45D41}">
   <ds:schemaRefs>
     <ds:schemaRef ds:uri="http://schemas.microsoft.com/sharepoint/v3/contenttype/forms"/>
@@ -22824,25 +25634,15 @@
 </ds:datastoreItem>
 </file>
 
-<file path=customXml/itemProps2.xml><?xml version="1.0" encoding="utf-8"?>
-<ds:datastoreItem xmlns:ds="http://schemas.openxmlformats.org/officeDocument/2006/customXml" ds:itemID="{3EF378BC-F4D0-4510-B4EC-07B6EFE18CF8}">
+<file path=customXml/itemProps3.xml><?xml version="1.0" encoding="utf-8"?>
+<ds:datastoreItem xmlns:ds="http://schemas.openxmlformats.org/officeDocument/2006/customXml" ds:itemID="{D9296C4F-9DE9-4B43-AA80-1FC85656CFFA}">
   <ds:schemaRefs>
-    <ds:schemaRef ds:uri="http://purl.org/dc/terms/"/>
-    <ds:schemaRef ds:uri="http://schemas.openxmlformats.org/package/2006/metadata/core-properties"/>
-    <ds:schemaRef ds:uri="459159c4-d20a-4ff3-9b11-fbd127bd52e5"/>
-    <ds:schemaRef ds:uri="http://schemas.microsoft.com/office/2006/documentManagement/types"/>
-    <ds:schemaRef ds:uri="http://schemas.microsoft.com/office/infopath/2007/PartnerControls"/>
-    <ds:schemaRef ds:uri="http://purl.org/dc/elements/1.1/"/>
-    <ds:schemaRef ds:uri="http://schemas.microsoft.com/office/2006/metadata/properties"/>
-    <ds:schemaRef ds:uri="679261c3-551f-4e86-913f-177e0e529669"/>
-    <ds:schemaRef ds:uri="c58f2efd-82a8-4ecf-b395-8c25e928921d"/>
-    <ds:schemaRef ds:uri="http://www.w3.org/XML/1998/namespace"/>
-    <ds:schemaRef ds:uri="http://purl.org/dc/dcmitype/"/>
+    <ds:schemaRef ds:uri="http://schemas.microsoft.com/sharepoint/events"/>
   </ds:schemaRefs>
 </ds:datastoreItem>
 </file>
 
-<file path=customXml/itemProps3.xml><?xml version="1.0" encoding="utf-8"?>
+<file path=customXml/itemProps4.xml><?xml version="1.0" encoding="utf-8"?>
 <ds:datastoreItem xmlns:ds="http://schemas.openxmlformats.org/officeDocument/2006/customXml" ds:itemID="{3F66F418-6054-4EA5-BF8E-6AF3CEAE6265}">
   <ds:schemaRefs>
     <ds:schemaRef ds:uri="http://schemas.microsoft.com/office/2006/metadata/contentType"/>
@@ -22860,12 +25660,4 @@
     <ds:schemaRef ds:uri="http://schemas.microsoft.com/internal/obd"/>
   </ds:schemaRefs>
 </ds:datastoreItem>
-</file>
-
-<file path=customXml/itemProps4.xml><?xml version="1.0" encoding="utf-8"?>
-<ds:datastoreItem xmlns:ds="http://schemas.openxmlformats.org/officeDocument/2006/customXml" ds:itemID="{D9296C4F-9DE9-4B43-AA80-1FC85656CFFA}">
-  <ds:schemaRefs>
-    <ds:schemaRef ds:uri="http://schemas.microsoft.com/sharepoint/events"/>
-  </ds:schemaRefs>
-</ds:datastoreItem>
 </file>